--- a/pp.pptx
+++ b/pp.pptx
@@ -2,7 +2,7 @@
 <file path=ppt/presentation.xml><?xml version="1.0" encoding="utf-8"?>
 <p:presentation xmlns:a="http://schemas.openxmlformats.org/drawingml/2006/main" xmlns:r="http://schemas.openxmlformats.org/officeDocument/2006/relationships" xmlns:p="http://schemas.openxmlformats.org/presentationml/2006/main" saveSubsetFonts="1" autoCompressPictures="0">
   <p:sldMasterIdLst>
-    <p:sldMasterId id="2147483648" r:id="rId1"/>
+    <p:sldMasterId id="2147483951" r:id="rId1"/>
   </p:sldMasterIdLst>
   <p:sldIdLst>
     <p:sldId id="256" r:id="rId2"/>
@@ -15,15 +15,17 @@
     <p:sldId id="263" r:id="rId9"/>
     <p:sldId id="264" r:id="rId10"/>
     <p:sldId id="265" r:id="rId11"/>
-    <p:sldId id="266" r:id="rId12"/>
+    <p:sldId id="267" r:id="rId12"/>
+    <p:sldId id="268" r:id="rId13"/>
+    <p:sldId id="269" r:id="rId14"/>
   </p:sldIdLst>
   <p:sldSz cx="12192000" cy="6858000"/>
   <p:notesSz cx="6858000" cy="9144000"/>
   <p:defaultTextStyle>
     <a:defPPr>
-      <a:defRPr lang="en-CH"/>
+      <a:defRPr lang="en-US"/>
     </a:defPPr>
-    <a:lvl1pPr marL="0" algn="l" defTabSz="914400" rtl="0" eaLnBrk="1" latinLnBrk="0" hangingPunct="1">
+    <a:lvl1pPr marL="0" algn="l" defTabSz="457200" rtl="0" eaLnBrk="1" latinLnBrk="0" hangingPunct="1">
       <a:defRPr sz="1800" kern="1200">
         <a:solidFill>
           <a:schemeClr val="tx1"/>
@@ -33,7 +35,7 @@
         <a:cs typeface="+mn-cs"/>
       </a:defRPr>
     </a:lvl1pPr>
-    <a:lvl2pPr marL="457200" algn="l" defTabSz="914400" rtl="0" eaLnBrk="1" latinLnBrk="0" hangingPunct="1">
+    <a:lvl2pPr marL="457200" algn="l" defTabSz="457200" rtl="0" eaLnBrk="1" latinLnBrk="0" hangingPunct="1">
       <a:defRPr sz="1800" kern="1200">
         <a:solidFill>
           <a:schemeClr val="tx1"/>
@@ -43,7 +45,7 @@
         <a:cs typeface="+mn-cs"/>
       </a:defRPr>
     </a:lvl2pPr>
-    <a:lvl3pPr marL="914400" algn="l" defTabSz="914400" rtl="0" eaLnBrk="1" latinLnBrk="0" hangingPunct="1">
+    <a:lvl3pPr marL="914400" algn="l" defTabSz="457200" rtl="0" eaLnBrk="1" latinLnBrk="0" hangingPunct="1">
       <a:defRPr sz="1800" kern="1200">
         <a:solidFill>
           <a:schemeClr val="tx1"/>
@@ -53,7 +55,7 @@
         <a:cs typeface="+mn-cs"/>
       </a:defRPr>
     </a:lvl3pPr>
-    <a:lvl4pPr marL="1371600" algn="l" defTabSz="914400" rtl="0" eaLnBrk="1" latinLnBrk="0" hangingPunct="1">
+    <a:lvl4pPr marL="1371600" algn="l" defTabSz="457200" rtl="0" eaLnBrk="1" latinLnBrk="0" hangingPunct="1">
       <a:defRPr sz="1800" kern="1200">
         <a:solidFill>
           <a:schemeClr val="tx1"/>
@@ -63,7 +65,7 @@
         <a:cs typeface="+mn-cs"/>
       </a:defRPr>
     </a:lvl4pPr>
-    <a:lvl5pPr marL="1828800" algn="l" defTabSz="914400" rtl="0" eaLnBrk="1" latinLnBrk="0" hangingPunct="1">
+    <a:lvl5pPr marL="1828800" algn="l" defTabSz="457200" rtl="0" eaLnBrk="1" latinLnBrk="0" hangingPunct="1">
       <a:defRPr sz="1800" kern="1200">
         <a:solidFill>
           <a:schemeClr val="tx1"/>
@@ -73,7 +75,7 @@
         <a:cs typeface="+mn-cs"/>
       </a:defRPr>
     </a:lvl5pPr>
-    <a:lvl6pPr marL="2286000" algn="l" defTabSz="914400" rtl="0" eaLnBrk="1" latinLnBrk="0" hangingPunct="1">
+    <a:lvl6pPr marL="2286000" algn="l" defTabSz="457200" rtl="0" eaLnBrk="1" latinLnBrk="0" hangingPunct="1">
       <a:defRPr sz="1800" kern="1200">
         <a:solidFill>
           <a:schemeClr val="tx1"/>
@@ -83,7 +85,7 @@
         <a:cs typeface="+mn-cs"/>
       </a:defRPr>
     </a:lvl6pPr>
-    <a:lvl7pPr marL="2743200" algn="l" defTabSz="914400" rtl="0" eaLnBrk="1" latinLnBrk="0" hangingPunct="1">
+    <a:lvl7pPr marL="2743200" algn="l" defTabSz="457200" rtl="0" eaLnBrk="1" latinLnBrk="0" hangingPunct="1">
       <a:defRPr sz="1800" kern="1200">
         <a:solidFill>
           <a:schemeClr val="tx1"/>
@@ -93,7 +95,7 @@
         <a:cs typeface="+mn-cs"/>
       </a:defRPr>
     </a:lvl7pPr>
-    <a:lvl8pPr marL="3200400" algn="l" defTabSz="914400" rtl="0" eaLnBrk="1" latinLnBrk="0" hangingPunct="1">
+    <a:lvl8pPr marL="3200400" algn="l" defTabSz="457200" rtl="0" eaLnBrk="1" latinLnBrk="0" hangingPunct="1">
       <a:defRPr sz="1800" kern="1200">
         <a:solidFill>
           <a:schemeClr val="tx1"/>
@@ -103,7 +105,7 @@
         <a:cs typeface="+mn-cs"/>
       </a:defRPr>
     </a:lvl8pPr>
-    <a:lvl9pPr marL="3657600" algn="l" defTabSz="914400" rtl="0" eaLnBrk="1" latinLnBrk="0" hangingPunct="1">
+    <a:lvl9pPr marL="3657600" algn="l" defTabSz="457200" rtl="0" eaLnBrk="1" latinLnBrk="0" hangingPunct="1">
       <a:defRPr sz="1800" kern="1200">
         <a:solidFill>
           <a:schemeClr val="tx1"/>
@@ -152,13 +154,7 @@
       </p:grpSpPr>
       <p:sp>
         <p:nvSpPr>
-          <p:cNvPr id="2" name="Title 1">
-            <a:extLst>
-              <a:ext uri="{FF2B5EF4-FFF2-40B4-BE49-F238E27FC236}">
-                <a16:creationId xmlns:a16="http://schemas.microsoft.com/office/drawing/2014/main" id="{F25415D2-D692-584A-BC37-117D9FBD58D9}"/>
-              </a:ext>
-            </a:extLst>
-          </p:cNvPr>
+          <p:cNvPr id="2" name="Title 1"/>
           <p:cNvSpPr>
             <a:spLocks noGrp="1"/>
           </p:cNvSpPr>
@@ -184,19 +180,13 @@
               <a:rPr lang="en-GB"/>
               <a:t>Click to edit Master title style</a:t>
             </a:r>
-            <a:endParaRPr lang="en-CH"/>
-          </a:p>
-        </p:txBody>
-      </p:sp>
-      <p:sp>
-        <p:nvSpPr>
-          <p:cNvPr id="3" name="Subtitle 2">
-            <a:extLst>
-              <a:ext uri="{FF2B5EF4-FFF2-40B4-BE49-F238E27FC236}">
-                <a16:creationId xmlns:a16="http://schemas.microsoft.com/office/drawing/2014/main" id="{E645A513-AED1-4A48-BEAB-068FAF16F691}"/>
-              </a:ext>
-            </a:extLst>
-          </p:cNvPr>
+            <a:endParaRPr lang="en-US" dirty="0"/>
+          </a:p>
+        </p:txBody>
+      </p:sp>
+      <p:sp>
+        <p:nvSpPr>
+          <p:cNvPr id="3" name="Subtitle 2"/>
           <p:cNvSpPr>
             <a:spLocks noGrp="1"/>
           </p:cNvSpPr>
@@ -255,19 +245,13 @@
               <a:rPr lang="en-GB"/>
               <a:t>Click to edit Master subtitle style</a:t>
             </a:r>
-            <a:endParaRPr lang="en-CH"/>
-          </a:p>
-        </p:txBody>
-      </p:sp>
-      <p:sp>
-        <p:nvSpPr>
-          <p:cNvPr id="4" name="Date Placeholder 3">
-            <a:extLst>
-              <a:ext uri="{FF2B5EF4-FFF2-40B4-BE49-F238E27FC236}">
-                <a16:creationId xmlns:a16="http://schemas.microsoft.com/office/drawing/2014/main" id="{B8A6327F-CE31-C24E-B923-3CC5F7DACE46}"/>
-              </a:ext>
-            </a:extLst>
-          </p:cNvPr>
+            <a:endParaRPr lang="en-US" dirty="0"/>
+          </a:p>
+        </p:txBody>
+      </p:sp>
+      <p:sp>
+        <p:nvSpPr>
+          <p:cNvPr id="4" name="Date Placeholder 3"/>
           <p:cNvSpPr>
             <a:spLocks noGrp="1"/>
           </p:cNvSpPr>
@@ -282,7 +266,7 @@
           <a:p>
             <a:fld id="{810F5DF7-A7DA-E04D-B081-ECE5B223B74E}" type="datetimeFigureOut">
               <a:rPr lang="en-CH" smtClean="0"/>
-              <a:t>03.05.21</a:t>
+              <a:t>04.05.21</a:t>
             </a:fld>
             <a:endParaRPr lang="en-CH"/>
           </a:p>
@@ -290,13 +274,7 @@
       </p:sp>
       <p:sp>
         <p:nvSpPr>
-          <p:cNvPr id="5" name="Footer Placeholder 4">
-            <a:extLst>
-              <a:ext uri="{FF2B5EF4-FFF2-40B4-BE49-F238E27FC236}">
-                <a16:creationId xmlns:a16="http://schemas.microsoft.com/office/drawing/2014/main" id="{3927385C-DF8C-8044-A125-2D27044DA197}"/>
-              </a:ext>
-            </a:extLst>
-          </p:cNvPr>
+          <p:cNvPr id="5" name="Footer Placeholder 4"/>
           <p:cNvSpPr>
             <a:spLocks noGrp="1"/>
           </p:cNvSpPr>
@@ -315,13 +293,7 @@
       </p:sp>
       <p:sp>
         <p:nvSpPr>
-          <p:cNvPr id="6" name="Slide Number Placeholder 5">
-            <a:extLst>
-              <a:ext uri="{FF2B5EF4-FFF2-40B4-BE49-F238E27FC236}">
-                <a16:creationId xmlns:a16="http://schemas.microsoft.com/office/drawing/2014/main" id="{33E1F180-F60B-9E42-936C-E40B43972B5C}"/>
-              </a:ext>
-            </a:extLst>
-          </p:cNvPr>
+          <p:cNvPr id="6" name="Slide Number Placeholder 5"/>
           <p:cNvSpPr>
             <a:spLocks noGrp="1"/>
           </p:cNvSpPr>
@@ -345,7 +317,7 @@
     </p:spTree>
     <p:extLst>
       <p:ext uri="{BB962C8B-B14F-4D97-AF65-F5344CB8AC3E}">
-        <p14:creationId xmlns:p14="http://schemas.microsoft.com/office/powerpoint/2010/main" val="2801006595"/>
+        <p14:creationId xmlns:p14="http://schemas.microsoft.com/office/powerpoint/2010/main" val="704151923"/>
       </p:ext>
     </p:extLst>
   </p:cSld>
@@ -374,13 +346,7 @@
       </p:grpSpPr>
       <p:sp>
         <p:nvSpPr>
-          <p:cNvPr id="2" name="Title 1">
-            <a:extLst>
-              <a:ext uri="{FF2B5EF4-FFF2-40B4-BE49-F238E27FC236}">
-                <a16:creationId xmlns:a16="http://schemas.microsoft.com/office/drawing/2014/main" id="{292DB5BF-97DC-9B40-B6E8-2F9B2D6E12A3}"/>
-              </a:ext>
-            </a:extLst>
-          </p:cNvPr>
+          <p:cNvPr id="2" name="Title 1"/>
           <p:cNvSpPr>
             <a:spLocks noGrp="1"/>
           </p:cNvSpPr>
@@ -397,19 +363,13 @@
               <a:rPr lang="en-GB"/>
               <a:t>Click to edit Master title style</a:t>
             </a:r>
-            <a:endParaRPr lang="en-CH"/>
-          </a:p>
-        </p:txBody>
-      </p:sp>
-      <p:sp>
-        <p:nvSpPr>
-          <p:cNvPr id="3" name="Vertical Text Placeholder 2">
-            <a:extLst>
-              <a:ext uri="{FF2B5EF4-FFF2-40B4-BE49-F238E27FC236}">
-                <a16:creationId xmlns:a16="http://schemas.microsoft.com/office/drawing/2014/main" id="{9017A822-7235-AC4F-BF28-B265B7F172CB}"/>
-              </a:ext>
-            </a:extLst>
-          </p:cNvPr>
+            <a:endParaRPr lang="en-US" dirty="0"/>
+          </a:p>
+        </p:txBody>
+      </p:sp>
+      <p:sp>
+        <p:nvSpPr>
+          <p:cNvPr id="3" name="Vertical Text Placeholder 2"/>
           <p:cNvSpPr>
             <a:spLocks noGrp="1"/>
           </p:cNvSpPr>
@@ -455,19 +415,13 @@
               <a:rPr lang="en-GB"/>
               <a:t>Fifth level</a:t>
             </a:r>
-            <a:endParaRPr lang="en-CH"/>
-          </a:p>
-        </p:txBody>
-      </p:sp>
-      <p:sp>
-        <p:nvSpPr>
-          <p:cNvPr id="4" name="Date Placeholder 3">
-            <a:extLst>
-              <a:ext uri="{FF2B5EF4-FFF2-40B4-BE49-F238E27FC236}">
-                <a16:creationId xmlns:a16="http://schemas.microsoft.com/office/drawing/2014/main" id="{989EDF9F-DA60-C849-B7D1-052A717CE7F2}"/>
-              </a:ext>
-            </a:extLst>
-          </p:cNvPr>
+            <a:endParaRPr lang="en-US" dirty="0"/>
+          </a:p>
+        </p:txBody>
+      </p:sp>
+      <p:sp>
+        <p:nvSpPr>
+          <p:cNvPr id="4" name="Date Placeholder 3"/>
           <p:cNvSpPr>
             <a:spLocks noGrp="1"/>
           </p:cNvSpPr>
@@ -482,7 +436,7 @@
           <a:p>
             <a:fld id="{810F5DF7-A7DA-E04D-B081-ECE5B223B74E}" type="datetimeFigureOut">
               <a:rPr lang="en-CH" smtClean="0"/>
-              <a:t>03.05.21</a:t>
+              <a:t>04.05.21</a:t>
             </a:fld>
             <a:endParaRPr lang="en-CH"/>
           </a:p>
@@ -490,13 +444,7 @@
       </p:sp>
       <p:sp>
         <p:nvSpPr>
-          <p:cNvPr id="5" name="Footer Placeholder 4">
-            <a:extLst>
-              <a:ext uri="{FF2B5EF4-FFF2-40B4-BE49-F238E27FC236}">
-                <a16:creationId xmlns:a16="http://schemas.microsoft.com/office/drawing/2014/main" id="{F7EBCB76-D309-F044-840D-553201BE9936}"/>
-              </a:ext>
-            </a:extLst>
-          </p:cNvPr>
+          <p:cNvPr id="5" name="Footer Placeholder 4"/>
           <p:cNvSpPr>
             <a:spLocks noGrp="1"/>
           </p:cNvSpPr>
@@ -515,13 +463,7 @@
       </p:sp>
       <p:sp>
         <p:nvSpPr>
-          <p:cNvPr id="6" name="Slide Number Placeholder 5">
-            <a:extLst>
-              <a:ext uri="{FF2B5EF4-FFF2-40B4-BE49-F238E27FC236}">
-                <a16:creationId xmlns:a16="http://schemas.microsoft.com/office/drawing/2014/main" id="{CF3B31A7-1A2A-C047-9828-DB1762FE37D6}"/>
-              </a:ext>
-            </a:extLst>
-          </p:cNvPr>
+          <p:cNvPr id="6" name="Slide Number Placeholder 5"/>
           <p:cNvSpPr>
             <a:spLocks noGrp="1"/>
           </p:cNvSpPr>
@@ -545,7 +487,7 @@
     </p:spTree>
     <p:extLst>
       <p:ext uri="{BB962C8B-B14F-4D97-AF65-F5344CB8AC3E}">
-        <p14:creationId xmlns:p14="http://schemas.microsoft.com/office/powerpoint/2010/main" val="2607030085"/>
+        <p14:creationId xmlns:p14="http://schemas.microsoft.com/office/powerpoint/2010/main" val="2169141116"/>
       </p:ext>
     </p:extLst>
   </p:cSld>
@@ -574,13 +516,7 @@
       </p:grpSpPr>
       <p:sp>
         <p:nvSpPr>
-          <p:cNvPr id="2" name="Vertical Title 1">
-            <a:extLst>
-              <a:ext uri="{FF2B5EF4-FFF2-40B4-BE49-F238E27FC236}">
-                <a16:creationId xmlns:a16="http://schemas.microsoft.com/office/drawing/2014/main" id="{1944243E-9682-0D44-A7CF-1CB79B416A1A}"/>
-              </a:ext>
-            </a:extLst>
-          </p:cNvPr>
+          <p:cNvPr id="2" name="Vertical Title 1"/>
           <p:cNvSpPr>
             <a:spLocks noGrp="1"/>
           </p:cNvSpPr>
@@ -602,19 +538,13 @@
               <a:rPr lang="en-GB"/>
               <a:t>Click to edit Master title style</a:t>
             </a:r>
-            <a:endParaRPr lang="en-CH"/>
-          </a:p>
-        </p:txBody>
-      </p:sp>
-      <p:sp>
-        <p:nvSpPr>
-          <p:cNvPr id="3" name="Vertical Text Placeholder 2">
-            <a:extLst>
-              <a:ext uri="{FF2B5EF4-FFF2-40B4-BE49-F238E27FC236}">
-                <a16:creationId xmlns:a16="http://schemas.microsoft.com/office/drawing/2014/main" id="{F45B6A40-E8C7-D548-BC7E-439AFCC730BA}"/>
-              </a:ext>
-            </a:extLst>
-          </p:cNvPr>
+            <a:endParaRPr lang="en-US" dirty="0"/>
+          </a:p>
+        </p:txBody>
+      </p:sp>
+      <p:sp>
+        <p:nvSpPr>
+          <p:cNvPr id="3" name="Vertical Text Placeholder 2"/>
           <p:cNvSpPr>
             <a:spLocks noGrp="1"/>
           </p:cNvSpPr>
@@ -665,19 +595,13 @@
               <a:rPr lang="en-GB"/>
               <a:t>Fifth level</a:t>
             </a:r>
-            <a:endParaRPr lang="en-CH"/>
-          </a:p>
-        </p:txBody>
-      </p:sp>
-      <p:sp>
-        <p:nvSpPr>
-          <p:cNvPr id="4" name="Date Placeholder 3">
-            <a:extLst>
-              <a:ext uri="{FF2B5EF4-FFF2-40B4-BE49-F238E27FC236}">
-                <a16:creationId xmlns:a16="http://schemas.microsoft.com/office/drawing/2014/main" id="{8A4B580B-8A22-A04F-AF88-FDC94D759089}"/>
-              </a:ext>
-            </a:extLst>
-          </p:cNvPr>
+            <a:endParaRPr lang="en-US" dirty="0"/>
+          </a:p>
+        </p:txBody>
+      </p:sp>
+      <p:sp>
+        <p:nvSpPr>
+          <p:cNvPr id="4" name="Date Placeholder 3"/>
           <p:cNvSpPr>
             <a:spLocks noGrp="1"/>
           </p:cNvSpPr>
@@ -692,7 +616,7 @@
           <a:p>
             <a:fld id="{810F5DF7-A7DA-E04D-B081-ECE5B223B74E}" type="datetimeFigureOut">
               <a:rPr lang="en-CH" smtClean="0"/>
-              <a:t>03.05.21</a:t>
+              <a:t>04.05.21</a:t>
             </a:fld>
             <a:endParaRPr lang="en-CH"/>
           </a:p>
@@ -700,13 +624,7 @@
       </p:sp>
       <p:sp>
         <p:nvSpPr>
-          <p:cNvPr id="5" name="Footer Placeholder 4">
-            <a:extLst>
-              <a:ext uri="{FF2B5EF4-FFF2-40B4-BE49-F238E27FC236}">
-                <a16:creationId xmlns:a16="http://schemas.microsoft.com/office/drawing/2014/main" id="{1F172411-51D0-6D4E-BB33-20D57A5DB7C2}"/>
-              </a:ext>
-            </a:extLst>
-          </p:cNvPr>
+          <p:cNvPr id="5" name="Footer Placeholder 4"/>
           <p:cNvSpPr>
             <a:spLocks noGrp="1"/>
           </p:cNvSpPr>
@@ -725,13 +643,7 @@
       </p:sp>
       <p:sp>
         <p:nvSpPr>
-          <p:cNvPr id="6" name="Slide Number Placeholder 5">
-            <a:extLst>
-              <a:ext uri="{FF2B5EF4-FFF2-40B4-BE49-F238E27FC236}">
-                <a16:creationId xmlns:a16="http://schemas.microsoft.com/office/drawing/2014/main" id="{13508836-729F-1143-B2CC-D59251035AA4}"/>
-              </a:ext>
-            </a:extLst>
-          </p:cNvPr>
+          <p:cNvPr id="6" name="Slide Number Placeholder 5"/>
           <p:cNvSpPr>
             <a:spLocks noGrp="1"/>
           </p:cNvSpPr>
@@ -755,7 +667,7 @@
     </p:spTree>
     <p:extLst>
       <p:ext uri="{BB962C8B-B14F-4D97-AF65-F5344CB8AC3E}">
-        <p14:creationId xmlns:p14="http://schemas.microsoft.com/office/powerpoint/2010/main" val="3335966634"/>
+        <p14:creationId xmlns:p14="http://schemas.microsoft.com/office/powerpoint/2010/main" val="774772821"/>
       </p:ext>
     </p:extLst>
   </p:cSld>
@@ -784,13 +696,7 @@
       </p:grpSpPr>
       <p:sp>
         <p:nvSpPr>
-          <p:cNvPr id="2" name="Title 1">
-            <a:extLst>
-              <a:ext uri="{FF2B5EF4-FFF2-40B4-BE49-F238E27FC236}">
-                <a16:creationId xmlns:a16="http://schemas.microsoft.com/office/drawing/2014/main" id="{84B8CC4C-90E7-434F-B6E5-AE71235DFF82}"/>
-              </a:ext>
-            </a:extLst>
-          </p:cNvPr>
+          <p:cNvPr id="2" name="Title 1"/>
           <p:cNvSpPr>
             <a:spLocks noGrp="1"/>
           </p:cNvSpPr>
@@ -807,19 +713,13 @@
               <a:rPr lang="en-GB"/>
               <a:t>Click to edit Master title style</a:t>
             </a:r>
-            <a:endParaRPr lang="en-CH"/>
-          </a:p>
-        </p:txBody>
-      </p:sp>
-      <p:sp>
-        <p:nvSpPr>
-          <p:cNvPr id="3" name="Content Placeholder 2">
-            <a:extLst>
-              <a:ext uri="{FF2B5EF4-FFF2-40B4-BE49-F238E27FC236}">
-                <a16:creationId xmlns:a16="http://schemas.microsoft.com/office/drawing/2014/main" id="{B800CA98-AF40-3049-A4B8-2F9E4D8E463A}"/>
-              </a:ext>
-            </a:extLst>
-          </p:cNvPr>
+            <a:endParaRPr lang="en-US" dirty="0"/>
+          </a:p>
+        </p:txBody>
+      </p:sp>
+      <p:sp>
+        <p:nvSpPr>
+          <p:cNvPr id="3" name="Content Placeholder 2"/>
           <p:cNvSpPr>
             <a:spLocks noGrp="1"/>
           </p:cNvSpPr>
@@ -865,19 +765,13 @@
               <a:rPr lang="en-GB"/>
               <a:t>Fifth level</a:t>
             </a:r>
-            <a:endParaRPr lang="en-CH"/>
-          </a:p>
-        </p:txBody>
-      </p:sp>
-      <p:sp>
-        <p:nvSpPr>
-          <p:cNvPr id="4" name="Date Placeholder 3">
-            <a:extLst>
-              <a:ext uri="{FF2B5EF4-FFF2-40B4-BE49-F238E27FC236}">
-                <a16:creationId xmlns:a16="http://schemas.microsoft.com/office/drawing/2014/main" id="{2FF3CAC9-7A65-C74F-B6F8-1091D166323C}"/>
-              </a:ext>
-            </a:extLst>
-          </p:cNvPr>
+            <a:endParaRPr lang="en-US" dirty="0"/>
+          </a:p>
+        </p:txBody>
+      </p:sp>
+      <p:sp>
+        <p:nvSpPr>
+          <p:cNvPr id="4" name="Date Placeholder 3"/>
           <p:cNvSpPr>
             <a:spLocks noGrp="1"/>
           </p:cNvSpPr>
@@ -892,7 +786,7 @@
           <a:p>
             <a:fld id="{810F5DF7-A7DA-E04D-B081-ECE5B223B74E}" type="datetimeFigureOut">
               <a:rPr lang="en-CH" smtClean="0"/>
-              <a:t>03.05.21</a:t>
+              <a:t>04.05.21</a:t>
             </a:fld>
             <a:endParaRPr lang="en-CH"/>
           </a:p>
@@ -900,13 +794,7 @@
       </p:sp>
       <p:sp>
         <p:nvSpPr>
-          <p:cNvPr id="5" name="Footer Placeholder 4">
-            <a:extLst>
-              <a:ext uri="{FF2B5EF4-FFF2-40B4-BE49-F238E27FC236}">
-                <a16:creationId xmlns:a16="http://schemas.microsoft.com/office/drawing/2014/main" id="{01C8D73D-ED0D-BE4B-BCC0-83D1CEA56E66}"/>
-              </a:ext>
-            </a:extLst>
-          </p:cNvPr>
+          <p:cNvPr id="5" name="Footer Placeholder 4"/>
           <p:cNvSpPr>
             <a:spLocks noGrp="1"/>
           </p:cNvSpPr>
@@ -925,13 +813,7 @@
       </p:sp>
       <p:sp>
         <p:nvSpPr>
-          <p:cNvPr id="6" name="Slide Number Placeholder 5">
-            <a:extLst>
-              <a:ext uri="{FF2B5EF4-FFF2-40B4-BE49-F238E27FC236}">
-                <a16:creationId xmlns:a16="http://schemas.microsoft.com/office/drawing/2014/main" id="{F686D724-9A53-3545-8B12-765A9B4DC8F3}"/>
-              </a:ext>
-            </a:extLst>
-          </p:cNvPr>
+          <p:cNvPr id="6" name="Slide Number Placeholder 5"/>
           <p:cNvSpPr>
             <a:spLocks noGrp="1"/>
           </p:cNvSpPr>
@@ -955,7 +837,7 @@
     </p:spTree>
     <p:extLst>
       <p:ext uri="{BB962C8B-B14F-4D97-AF65-F5344CB8AC3E}">
-        <p14:creationId xmlns:p14="http://schemas.microsoft.com/office/powerpoint/2010/main" val="139934439"/>
+        <p14:creationId xmlns:p14="http://schemas.microsoft.com/office/powerpoint/2010/main" val="3904606788"/>
       </p:ext>
     </p:extLst>
   </p:cSld>
@@ -984,13 +866,7 @@
       </p:grpSpPr>
       <p:sp>
         <p:nvSpPr>
-          <p:cNvPr id="2" name="Title 1">
-            <a:extLst>
-              <a:ext uri="{FF2B5EF4-FFF2-40B4-BE49-F238E27FC236}">
-                <a16:creationId xmlns:a16="http://schemas.microsoft.com/office/drawing/2014/main" id="{F6DDB968-611E-6649-B9EE-4B9AFC36A708}"/>
-              </a:ext>
-            </a:extLst>
-          </p:cNvPr>
+          <p:cNvPr id="2" name="Title 1"/>
           <p:cNvSpPr>
             <a:spLocks noGrp="1"/>
           </p:cNvSpPr>
@@ -1016,19 +892,13 @@
               <a:rPr lang="en-GB"/>
               <a:t>Click to edit Master title style</a:t>
             </a:r>
-            <a:endParaRPr lang="en-CH"/>
-          </a:p>
-        </p:txBody>
-      </p:sp>
-      <p:sp>
-        <p:nvSpPr>
-          <p:cNvPr id="3" name="Text Placeholder 2">
-            <a:extLst>
-              <a:ext uri="{FF2B5EF4-FFF2-40B4-BE49-F238E27FC236}">
-                <a16:creationId xmlns:a16="http://schemas.microsoft.com/office/drawing/2014/main" id="{9AACF94B-5CC9-EC48-B2C6-3DEB64017D8E}"/>
-              </a:ext>
-            </a:extLst>
-          </p:cNvPr>
+            <a:endParaRPr lang="en-US" dirty="0"/>
+          </a:p>
+        </p:txBody>
+      </p:sp>
+      <p:sp>
+        <p:nvSpPr>
+          <p:cNvPr id="3" name="Text Placeholder 2"/>
           <p:cNvSpPr>
             <a:spLocks noGrp="1"/>
           </p:cNvSpPr>
@@ -1147,13 +1017,7 @@
       </p:sp>
       <p:sp>
         <p:nvSpPr>
-          <p:cNvPr id="4" name="Date Placeholder 3">
-            <a:extLst>
-              <a:ext uri="{FF2B5EF4-FFF2-40B4-BE49-F238E27FC236}">
-                <a16:creationId xmlns:a16="http://schemas.microsoft.com/office/drawing/2014/main" id="{FCC7B95D-97C3-F24F-8916-2697BF6D1377}"/>
-              </a:ext>
-            </a:extLst>
-          </p:cNvPr>
+          <p:cNvPr id="4" name="Date Placeholder 3"/>
           <p:cNvSpPr>
             <a:spLocks noGrp="1"/>
           </p:cNvSpPr>
@@ -1168,7 +1032,7 @@
           <a:p>
             <a:fld id="{810F5DF7-A7DA-E04D-B081-ECE5B223B74E}" type="datetimeFigureOut">
               <a:rPr lang="en-CH" smtClean="0"/>
-              <a:t>03.05.21</a:t>
+              <a:t>04.05.21</a:t>
             </a:fld>
             <a:endParaRPr lang="en-CH"/>
           </a:p>
@@ -1176,13 +1040,7 @@
       </p:sp>
       <p:sp>
         <p:nvSpPr>
-          <p:cNvPr id="5" name="Footer Placeholder 4">
-            <a:extLst>
-              <a:ext uri="{FF2B5EF4-FFF2-40B4-BE49-F238E27FC236}">
-                <a16:creationId xmlns:a16="http://schemas.microsoft.com/office/drawing/2014/main" id="{776DE0F5-8F55-E04B-A860-98F0494807B1}"/>
-              </a:ext>
-            </a:extLst>
-          </p:cNvPr>
+          <p:cNvPr id="5" name="Footer Placeholder 4"/>
           <p:cNvSpPr>
             <a:spLocks noGrp="1"/>
           </p:cNvSpPr>
@@ -1201,13 +1059,7 @@
       </p:sp>
       <p:sp>
         <p:nvSpPr>
-          <p:cNvPr id="6" name="Slide Number Placeholder 5">
-            <a:extLst>
-              <a:ext uri="{FF2B5EF4-FFF2-40B4-BE49-F238E27FC236}">
-                <a16:creationId xmlns:a16="http://schemas.microsoft.com/office/drawing/2014/main" id="{26B95063-BC48-8047-8C5A-83D4240F219D}"/>
-              </a:ext>
-            </a:extLst>
-          </p:cNvPr>
+          <p:cNvPr id="6" name="Slide Number Placeholder 5"/>
           <p:cNvSpPr>
             <a:spLocks noGrp="1"/>
           </p:cNvSpPr>
@@ -1231,7 +1083,7 @@
     </p:spTree>
     <p:extLst>
       <p:ext uri="{BB962C8B-B14F-4D97-AF65-F5344CB8AC3E}">
-        <p14:creationId xmlns:p14="http://schemas.microsoft.com/office/powerpoint/2010/main" val="329563121"/>
+        <p14:creationId xmlns:p14="http://schemas.microsoft.com/office/powerpoint/2010/main" val="402265303"/>
       </p:ext>
     </p:extLst>
   </p:cSld>
@@ -1260,13 +1112,7 @@
       </p:grpSpPr>
       <p:sp>
         <p:nvSpPr>
-          <p:cNvPr id="2" name="Title 1">
-            <a:extLst>
-              <a:ext uri="{FF2B5EF4-FFF2-40B4-BE49-F238E27FC236}">
-                <a16:creationId xmlns:a16="http://schemas.microsoft.com/office/drawing/2014/main" id="{DAA4FC59-3E34-284C-AA1C-87A47C784A11}"/>
-              </a:ext>
-            </a:extLst>
-          </p:cNvPr>
+          <p:cNvPr id="2" name="Title 1"/>
           <p:cNvSpPr>
             <a:spLocks noGrp="1"/>
           </p:cNvSpPr>
@@ -1283,19 +1129,13 @@
               <a:rPr lang="en-GB"/>
               <a:t>Click to edit Master title style</a:t>
             </a:r>
-            <a:endParaRPr lang="en-CH"/>
-          </a:p>
-        </p:txBody>
-      </p:sp>
-      <p:sp>
-        <p:nvSpPr>
-          <p:cNvPr id="3" name="Content Placeholder 2">
-            <a:extLst>
-              <a:ext uri="{FF2B5EF4-FFF2-40B4-BE49-F238E27FC236}">
-                <a16:creationId xmlns:a16="http://schemas.microsoft.com/office/drawing/2014/main" id="{D3DE7DC0-E762-2E40-8902-B9F30066D916}"/>
-              </a:ext>
-            </a:extLst>
-          </p:cNvPr>
+            <a:endParaRPr lang="en-US" dirty="0"/>
+          </a:p>
+        </p:txBody>
+      </p:sp>
+      <p:sp>
+        <p:nvSpPr>
+          <p:cNvPr id="3" name="Content Placeholder 2"/>
           <p:cNvSpPr>
             <a:spLocks noGrp="1"/>
           </p:cNvSpPr>
@@ -1346,19 +1186,13 @@
               <a:rPr lang="en-GB"/>
               <a:t>Fifth level</a:t>
             </a:r>
-            <a:endParaRPr lang="en-CH"/>
-          </a:p>
-        </p:txBody>
-      </p:sp>
-      <p:sp>
-        <p:nvSpPr>
-          <p:cNvPr id="4" name="Content Placeholder 3">
-            <a:extLst>
-              <a:ext uri="{FF2B5EF4-FFF2-40B4-BE49-F238E27FC236}">
-                <a16:creationId xmlns:a16="http://schemas.microsoft.com/office/drawing/2014/main" id="{4DBA1303-07BF-AE43-B0F7-861B90573AFF}"/>
-              </a:ext>
-            </a:extLst>
-          </p:cNvPr>
+            <a:endParaRPr lang="en-US" dirty="0"/>
+          </a:p>
+        </p:txBody>
+      </p:sp>
+      <p:sp>
+        <p:nvSpPr>
+          <p:cNvPr id="4" name="Content Placeholder 3"/>
           <p:cNvSpPr>
             <a:spLocks noGrp="1"/>
           </p:cNvSpPr>
@@ -1409,19 +1243,13 @@
               <a:rPr lang="en-GB"/>
               <a:t>Fifth level</a:t>
             </a:r>
-            <a:endParaRPr lang="en-CH"/>
-          </a:p>
-        </p:txBody>
-      </p:sp>
-      <p:sp>
-        <p:nvSpPr>
-          <p:cNvPr id="5" name="Date Placeholder 4">
-            <a:extLst>
-              <a:ext uri="{FF2B5EF4-FFF2-40B4-BE49-F238E27FC236}">
-                <a16:creationId xmlns:a16="http://schemas.microsoft.com/office/drawing/2014/main" id="{0DB04231-BCAC-3545-A626-560CC4A6602D}"/>
-              </a:ext>
-            </a:extLst>
-          </p:cNvPr>
+            <a:endParaRPr lang="en-US" dirty="0"/>
+          </a:p>
+        </p:txBody>
+      </p:sp>
+      <p:sp>
+        <p:nvSpPr>
+          <p:cNvPr id="5" name="Date Placeholder 4"/>
           <p:cNvSpPr>
             <a:spLocks noGrp="1"/>
           </p:cNvSpPr>
@@ -1436,7 +1264,7 @@
           <a:p>
             <a:fld id="{810F5DF7-A7DA-E04D-B081-ECE5B223B74E}" type="datetimeFigureOut">
               <a:rPr lang="en-CH" smtClean="0"/>
-              <a:t>03.05.21</a:t>
+              <a:t>04.05.21</a:t>
             </a:fld>
             <a:endParaRPr lang="en-CH"/>
           </a:p>
@@ -1444,13 +1272,7 @@
       </p:sp>
       <p:sp>
         <p:nvSpPr>
-          <p:cNvPr id="6" name="Footer Placeholder 5">
-            <a:extLst>
-              <a:ext uri="{FF2B5EF4-FFF2-40B4-BE49-F238E27FC236}">
-                <a16:creationId xmlns:a16="http://schemas.microsoft.com/office/drawing/2014/main" id="{454B7EDC-A36C-2E44-A068-8ED8449B7D2A}"/>
-              </a:ext>
-            </a:extLst>
-          </p:cNvPr>
+          <p:cNvPr id="6" name="Footer Placeholder 5"/>
           <p:cNvSpPr>
             <a:spLocks noGrp="1"/>
           </p:cNvSpPr>
@@ -1469,13 +1291,7 @@
       </p:sp>
       <p:sp>
         <p:nvSpPr>
-          <p:cNvPr id="7" name="Slide Number Placeholder 6">
-            <a:extLst>
-              <a:ext uri="{FF2B5EF4-FFF2-40B4-BE49-F238E27FC236}">
-                <a16:creationId xmlns:a16="http://schemas.microsoft.com/office/drawing/2014/main" id="{222FBBB3-DC8C-6142-8C79-D0BB2DF665C4}"/>
-              </a:ext>
-            </a:extLst>
-          </p:cNvPr>
+          <p:cNvPr id="7" name="Slide Number Placeholder 6"/>
           <p:cNvSpPr>
             <a:spLocks noGrp="1"/>
           </p:cNvSpPr>
@@ -1499,7 +1315,7 @@
     </p:spTree>
     <p:extLst>
       <p:ext uri="{BB962C8B-B14F-4D97-AF65-F5344CB8AC3E}">
-        <p14:creationId xmlns:p14="http://schemas.microsoft.com/office/powerpoint/2010/main" val="3250901262"/>
+        <p14:creationId xmlns:p14="http://schemas.microsoft.com/office/powerpoint/2010/main" val="456156553"/>
       </p:ext>
     </p:extLst>
   </p:cSld>
@@ -1528,13 +1344,7 @@
       </p:grpSpPr>
       <p:sp>
         <p:nvSpPr>
-          <p:cNvPr id="2" name="Title 1">
-            <a:extLst>
-              <a:ext uri="{FF2B5EF4-FFF2-40B4-BE49-F238E27FC236}">
-                <a16:creationId xmlns:a16="http://schemas.microsoft.com/office/drawing/2014/main" id="{A6D2F1AB-5366-C84D-8496-76E951C49829}"/>
-              </a:ext>
-            </a:extLst>
-          </p:cNvPr>
+          <p:cNvPr id="2" name="Title 1"/>
           <p:cNvSpPr>
             <a:spLocks noGrp="1"/>
           </p:cNvSpPr>
@@ -1556,19 +1366,13 @@
               <a:rPr lang="en-GB"/>
               <a:t>Click to edit Master title style</a:t>
             </a:r>
-            <a:endParaRPr lang="en-CH"/>
-          </a:p>
-        </p:txBody>
-      </p:sp>
-      <p:sp>
-        <p:nvSpPr>
-          <p:cNvPr id="3" name="Text Placeholder 2">
-            <a:extLst>
-              <a:ext uri="{FF2B5EF4-FFF2-40B4-BE49-F238E27FC236}">
-                <a16:creationId xmlns:a16="http://schemas.microsoft.com/office/drawing/2014/main" id="{868D81CF-A501-7143-918F-D8C087FA72FB}"/>
-              </a:ext>
-            </a:extLst>
-          </p:cNvPr>
+            <a:endParaRPr lang="en-US" dirty="0"/>
+          </a:p>
+        </p:txBody>
+      </p:sp>
+      <p:sp>
+        <p:nvSpPr>
+          <p:cNvPr id="3" name="Text Placeholder 2"/>
           <p:cNvSpPr>
             <a:spLocks noGrp="1"/>
           </p:cNvSpPr>
@@ -1633,13 +1437,7 @@
       </p:sp>
       <p:sp>
         <p:nvSpPr>
-          <p:cNvPr id="4" name="Content Placeholder 3">
-            <a:extLst>
-              <a:ext uri="{FF2B5EF4-FFF2-40B4-BE49-F238E27FC236}">
-                <a16:creationId xmlns:a16="http://schemas.microsoft.com/office/drawing/2014/main" id="{D24830A6-E187-0547-9C5E-2CA478646D27}"/>
-              </a:ext>
-            </a:extLst>
-          </p:cNvPr>
+          <p:cNvPr id="4" name="Content Placeholder 3"/>
           <p:cNvSpPr>
             <a:spLocks noGrp="1"/>
           </p:cNvSpPr>
@@ -1690,19 +1488,13 @@
               <a:rPr lang="en-GB"/>
               <a:t>Fifth level</a:t>
             </a:r>
-            <a:endParaRPr lang="en-CH"/>
-          </a:p>
-        </p:txBody>
-      </p:sp>
-      <p:sp>
-        <p:nvSpPr>
-          <p:cNvPr id="5" name="Text Placeholder 4">
-            <a:extLst>
-              <a:ext uri="{FF2B5EF4-FFF2-40B4-BE49-F238E27FC236}">
-                <a16:creationId xmlns:a16="http://schemas.microsoft.com/office/drawing/2014/main" id="{1B85F317-E719-FC44-827E-3D7F6D7ED69E}"/>
-              </a:ext>
-            </a:extLst>
-          </p:cNvPr>
+            <a:endParaRPr lang="en-US" dirty="0"/>
+          </a:p>
+        </p:txBody>
+      </p:sp>
+      <p:sp>
+        <p:nvSpPr>
+          <p:cNvPr id="5" name="Text Placeholder 4"/>
           <p:cNvSpPr>
             <a:spLocks noGrp="1"/>
           </p:cNvSpPr>
@@ -1767,13 +1559,7 @@
       </p:sp>
       <p:sp>
         <p:nvSpPr>
-          <p:cNvPr id="6" name="Content Placeholder 5">
-            <a:extLst>
-              <a:ext uri="{FF2B5EF4-FFF2-40B4-BE49-F238E27FC236}">
-                <a16:creationId xmlns:a16="http://schemas.microsoft.com/office/drawing/2014/main" id="{C3F3D2A6-8DBB-FF40-97C7-FFAEEA76E5E8}"/>
-              </a:ext>
-            </a:extLst>
-          </p:cNvPr>
+          <p:cNvPr id="6" name="Content Placeholder 5"/>
           <p:cNvSpPr>
             <a:spLocks noGrp="1"/>
           </p:cNvSpPr>
@@ -1824,19 +1610,13 @@
               <a:rPr lang="en-GB"/>
               <a:t>Fifth level</a:t>
             </a:r>
-            <a:endParaRPr lang="en-CH"/>
-          </a:p>
-        </p:txBody>
-      </p:sp>
-      <p:sp>
-        <p:nvSpPr>
-          <p:cNvPr id="7" name="Date Placeholder 6">
-            <a:extLst>
-              <a:ext uri="{FF2B5EF4-FFF2-40B4-BE49-F238E27FC236}">
-                <a16:creationId xmlns:a16="http://schemas.microsoft.com/office/drawing/2014/main" id="{2C1B02FC-2CBD-6546-82B8-7EE195835C9C}"/>
-              </a:ext>
-            </a:extLst>
-          </p:cNvPr>
+            <a:endParaRPr lang="en-US" dirty="0"/>
+          </a:p>
+        </p:txBody>
+      </p:sp>
+      <p:sp>
+        <p:nvSpPr>
+          <p:cNvPr id="7" name="Date Placeholder 6"/>
           <p:cNvSpPr>
             <a:spLocks noGrp="1"/>
           </p:cNvSpPr>
@@ -1851,7 +1631,7 @@
           <a:p>
             <a:fld id="{810F5DF7-A7DA-E04D-B081-ECE5B223B74E}" type="datetimeFigureOut">
               <a:rPr lang="en-CH" smtClean="0"/>
-              <a:t>03.05.21</a:t>
+              <a:t>04.05.21</a:t>
             </a:fld>
             <a:endParaRPr lang="en-CH"/>
           </a:p>
@@ -1859,13 +1639,7 @@
       </p:sp>
       <p:sp>
         <p:nvSpPr>
-          <p:cNvPr id="8" name="Footer Placeholder 7">
-            <a:extLst>
-              <a:ext uri="{FF2B5EF4-FFF2-40B4-BE49-F238E27FC236}">
-                <a16:creationId xmlns:a16="http://schemas.microsoft.com/office/drawing/2014/main" id="{7FF1DF84-89BD-B549-9B5C-891720231D88}"/>
-              </a:ext>
-            </a:extLst>
-          </p:cNvPr>
+          <p:cNvPr id="8" name="Footer Placeholder 7"/>
           <p:cNvSpPr>
             <a:spLocks noGrp="1"/>
           </p:cNvSpPr>
@@ -1884,13 +1658,7 @@
       </p:sp>
       <p:sp>
         <p:nvSpPr>
-          <p:cNvPr id="9" name="Slide Number Placeholder 8">
-            <a:extLst>
-              <a:ext uri="{FF2B5EF4-FFF2-40B4-BE49-F238E27FC236}">
-                <a16:creationId xmlns:a16="http://schemas.microsoft.com/office/drawing/2014/main" id="{2B35B911-ADAF-7140-9CE9-DBF13292C595}"/>
-              </a:ext>
-            </a:extLst>
-          </p:cNvPr>
+          <p:cNvPr id="9" name="Slide Number Placeholder 8"/>
           <p:cNvSpPr>
             <a:spLocks noGrp="1"/>
           </p:cNvSpPr>
@@ -1914,7 +1682,7 @@
     </p:spTree>
     <p:extLst>
       <p:ext uri="{BB962C8B-B14F-4D97-AF65-F5344CB8AC3E}">
-        <p14:creationId xmlns:p14="http://schemas.microsoft.com/office/powerpoint/2010/main" val="2672842966"/>
+        <p14:creationId xmlns:p14="http://schemas.microsoft.com/office/powerpoint/2010/main" val="11828968"/>
       </p:ext>
     </p:extLst>
   </p:cSld>
@@ -1943,13 +1711,7 @@
       </p:grpSpPr>
       <p:sp>
         <p:nvSpPr>
-          <p:cNvPr id="2" name="Title 1">
-            <a:extLst>
-              <a:ext uri="{FF2B5EF4-FFF2-40B4-BE49-F238E27FC236}">
-                <a16:creationId xmlns:a16="http://schemas.microsoft.com/office/drawing/2014/main" id="{7F769740-0AD0-514B-AAFB-A5ED9D3CBD83}"/>
-              </a:ext>
-            </a:extLst>
-          </p:cNvPr>
+          <p:cNvPr id="2" name="Title 1"/>
           <p:cNvSpPr>
             <a:spLocks noGrp="1"/>
           </p:cNvSpPr>
@@ -1966,19 +1728,13 @@
               <a:rPr lang="en-GB"/>
               <a:t>Click to edit Master title style</a:t>
             </a:r>
-            <a:endParaRPr lang="en-CH"/>
-          </a:p>
-        </p:txBody>
-      </p:sp>
-      <p:sp>
-        <p:nvSpPr>
-          <p:cNvPr id="3" name="Date Placeholder 2">
-            <a:extLst>
-              <a:ext uri="{FF2B5EF4-FFF2-40B4-BE49-F238E27FC236}">
-                <a16:creationId xmlns:a16="http://schemas.microsoft.com/office/drawing/2014/main" id="{2CC2091C-9466-B941-B124-BCB1E9C46E54}"/>
-              </a:ext>
-            </a:extLst>
-          </p:cNvPr>
+            <a:endParaRPr lang="en-US" dirty="0"/>
+          </a:p>
+        </p:txBody>
+      </p:sp>
+      <p:sp>
+        <p:nvSpPr>
+          <p:cNvPr id="3" name="Date Placeholder 2"/>
           <p:cNvSpPr>
             <a:spLocks noGrp="1"/>
           </p:cNvSpPr>
@@ -1993,7 +1749,7 @@
           <a:p>
             <a:fld id="{810F5DF7-A7DA-E04D-B081-ECE5B223B74E}" type="datetimeFigureOut">
               <a:rPr lang="en-CH" smtClean="0"/>
-              <a:t>03.05.21</a:t>
+              <a:t>04.05.21</a:t>
             </a:fld>
             <a:endParaRPr lang="en-CH"/>
           </a:p>
@@ -2001,13 +1757,7 @@
       </p:sp>
       <p:sp>
         <p:nvSpPr>
-          <p:cNvPr id="4" name="Footer Placeholder 3">
-            <a:extLst>
-              <a:ext uri="{FF2B5EF4-FFF2-40B4-BE49-F238E27FC236}">
-                <a16:creationId xmlns:a16="http://schemas.microsoft.com/office/drawing/2014/main" id="{EC48DF4D-49FA-C94D-94BA-F2407EB1E3FE}"/>
-              </a:ext>
-            </a:extLst>
-          </p:cNvPr>
+          <p:cNvPr id="4" name="Footer Placeholder 3"/>
           <p:cNvSpPr>
             <a:spLocks noGrp="1"/>
           </p:cNvSpPr>
@@ -2026,13 +1776,7 @@
       </p:sp>
       <p:sp>
         <p:nvSpPr>
-          <p:cNvPr id="5" name="Slide Number Placeholder 4">
-            <a:extLst>
-              <a:ext uri="{FF2B5EF4-FFF2-40B4-BE49-F238E27FC236}">
-                <a16:creationId xmlns:a16="http://schemas.microsoft.com/office/drawing/2014/main" id="{A6487EF7-784C-BB4F-BA35-7E1D43E37B81}"/>
-              </a:ext>
-            </a:extLst>
-          </p:cNvPr>
+          <p:cNvPr id="5" name="Slide Number Placeholder 4"/>
           <p:cNvSpPr>
             <a:spLocks noGrp="1"/>
           </p:cNvSpPr>
@@ -2056,7 +1800,7 @@
     </p:spTree>
     <p:extLst>
       <p:ext uri="{BB962C8B-B14F-4D97-AF65-F5344CB8AC3E}">
-        <p14:creationId xmlns:p14="http://schemas.microsoft.com/office/powerpoint/2010/main" val="2275146288"/>
+        <p14:creationId xmlns:p14="http://schemas.microsoft.com/office/powerpoint/2010/main" val="1338407928"/>
       </p:ext>
     </p:extLst>
   </p:cSld>
@@ -2085,13 +1829,7 @@
       </p:grpSpPr>
       <p:sp>
         <p:nvSpPr>
-          <p:cNvPr id="2" name="Date Placeholder 1">
-            <a:extLst>
-              <a:ext uri="{FF2B5EF4-FFF2-40B4-BE49-F238E27FC236}">
-                <a16:creationId xmlns:a16="http://schemas.microsoft.com/office/drawing/2014/main" id="{07BA0709-523A-F142-BC8F-0A8C1C9CDDC8}"/>
-              </a:ext>
-            </a:extLst>
-          </p:cNvPr>
+          <p:cNvPr id="2" name="Date Placeholder 1"/>
           <p:cNvSpPr>
             <a:spLocks noGrp="1"/>
           </p:cNvSpPr>
@@ -2106,7 +1844,7 @@
           <a:p>
             <a:fld id="{810F5DF7-A7DA-E04D-B081-ECE5B223B74E}" type="datetimeFigureOut">
               <a:rPr lang="en-CH" smtClean="0"/>
-              <a:t>03.05.21</a:t>
+              <a:t>04.05.21</a:t>
             </a:fld>
             <a:endParaRPr lang="en-CH"/>
           </a:p>
@@ -2114,13 +1852,7 @@
       </p:sp>
       <p:sp>
         <p:nvSpPr>
-          <p:cNvPr id="3" name="Footer Placeholder 2">
-            <a:extLst>
-              <a:ext uri="{FF2B5EF4-FFF2-40B4-BE49-F238E27FC236}">
-                <a16:creationId xmlns:a16="http://schemas.microsoft.com/office/drawing/2014/main" id="{499DB854-9379-464C-AD39-22ED663B3D37}"/>
-              </a:ext>
-            </a:extLst>
-          </p:cNvPr>
+          <p:cNvPr id="3" name="Footer Placeholder 2"/>
           <p:cNvSpPr>
             <a:spLocks noGrp="1"/>
           </p:cNvSpPr>
@@ -2139,13 +1871,7 @@
       </p:sp>
       <p:sp>
         <p:nvSpPr>
-          <p:cNvPr id="4" name="Slide Number Placeholder 3">
-            <a:extLst>
-              <a:ext uri="{FF2B5EF4-FFF2-40B4-BE49-F238E27FC236}">
-                <a16:creationId xmlns:a16="http://schemas.microsoft.com/office/drawing/2014/main" id="{A1D9879F-81C0-3847-B7E5-3BCE79A7483A}"/>
-              </a:ext>
-            </a:extLst>
-          </p:cNvPr>
+          <p:cNvPr id="4" name="Slide Number Placeholder 3"/>
           <p:cNvSpPr>
             <a:spLocks noGrp="1"/>
           </p:cNvSpPr>
@@ -2169,7 +1895,7 @@
     </p:spTree>
     <p:extLst>
       <p:ext uri="{BB962C8B-B14F-4D97-AF65-F5344CB8AC3E}">
-        <p14:creationId xmlns:p14="http://schemas.microsoft.com/office/powerpoint/2010/main" val="1916361612"/>
+        <p14:creationId xmlns:p14="http://schemas.microsoft.com/office/powerpoint/2010/main" val="3398594090"/>
       </p:ext>
     </p:extLst>
   </p:cSld>
@@ -2198,13 +1924,7 @@
       </p:grpSpPr>
       <p:sp>
         <p:nvSpPr>
-          <p:cNvPr id="2" name="Title 1">
-            <a:extLst>
-              <a:ext uri="{FF2B5EF4-FFF2-40B4-BE49-F238E27FC236}">
-                <a16:creationId xmlns:a16="http://schemas.microsoft.com/office/drawing/2014/main" id="{FFE35F75-A8E6-2842-BF98-8542F8F509A2}"/>
-              </a:ext>
-            </a:extLst>
-          </p:cNvPr>
+          <p:cNvPr id="2" name="Title 1"/>
           <p:cNvSpPr>
             <a:spLocks noGrp="1"/>
           </p:cNvSpPr>
@@ -2230,19 +1950,13 @@
               <a:rPr lang="en-GB"/>
               <a:t>Click to edit Master title style</a:t>
             </a:r>
-            <a:endParaRPr lang="en-CH"/>
-          </a:p>
-        </p:txBody>
-      </p:sp>
-      <p:sp>
-        <p:nvSpPr>
-          <p:cNvPr id="3" name="Content Placeholder 2">
-            <a:extLst>
-              <a:ext uri="{FF2B5EF4-FFF2-40B4-BE49-F238E27FC236}">
-                <a16:creationId xmlns:a16="http://schemas.microsoft.com/office/drawing/2014/main" id="{F665CD8A-D2C8-0347-B022-0A12C0A85E41}"/>
-              </a:ext>
-            </a:extLst>
-          </p:cNvPr>
+            <a:endParaRPr lang="en-US" dirty="0"/>
+          </a:p>
+        </p:txBody>
+      </p:sp>
+      <p:sp>
+        <p:nvSpPr>
+          <p:cNvPr id="3" name="Content Placeholder 2"/>
           <p:cNvSpPr>
             <a:spLocks noGrp="1"/>
           </p:cNvSpPr>
@@ -2321,19 +2035,13 @@
               <a:rPr lang="en-GB"/>
               <a:t>Fifth level</a:t>
             </a:r>
-            <a:endParaRPr lang="en-CH"/>
-          </a:p>
-        </p:txBody>
-      </p:sp>
-      <p:sp>
-        <p:nvSpPr>
-          <p:cNvPr id="4" name="Text Placeholder 3">
-            <a:extLst>
-              <a:ext uri="{FF2B5EF4-FFF2-40B4-BE49-F238E27FC236}">
-                <a16:creationId xmlns:a16="http://schemas.microsoft.com/office/drawing/2014/main" id="{8C2E99DE-EA64-F940-8671-F528BA63FC66}"/>
-              </a:ext>
-            </a:extLst>
-          </p:cNvPr>
+            <a:endParaRPr lang="en-US" dirty="0"/>
+          </a:p>
+        </p:txBody>
+      </p:sp>
+      <p:sp>
+        <p:nvSpPr>
+          <p:cNvPr id="4" name="Text Placeholder 3"/>
           <p:cNvSpPr>
             <a:spLocks noGrp="1"/>
           </p:cNvSpPr>
@@ -2398,13 +2106,7 @@
       </p:sp>
       <p:sp>
         <p:nvSpPr>
-          <p:cNvPr id="5" name="Date Placeholder 4">
-            <a:extLst>
-              <a:ext uri="{FF2B5EF4-FFF2-40B4-BE49-F238E27FC236}">
-                <a16:creationId xmlns:a16="http://schemas.microsoft.com/office/drawing/2014/main" id="{26BD093E-02C1-814B-8BB0-09EE5A7DBD91}"/>
-              </a:ext>
-            </a:extLst>
-          </p:cNvPr>
+          <p:cNvPr id="5" name="Date Placeholder 4"/>
           <p:cNvSpPr>
             <a:spLocks noGrp="1"/>
           </p:cNvSpPr>
@@ -2419,7 +2121,7 @@
           <a:p>
             <a:fld id="{810F5DF7-A7DA-E04D-B081-ECE5B223B74E}" type="datetimeFigureOut">
               <a:rPr lang="en-CH" smtClean="0"/>
-              <a:t>03.05.21</a:t>
+              <a:t>04.05.21</a:t>
             </a:fld>
             <a:endParaRPr lang="en-CH"/>
           </a:p>
@@ -2427,13 +2129,7 @@
       </p:sp>
       <p:sp>
         <p:nvSpPr>
-          <p:cNvPr id="6" name="Footer Placeholder 5">
-            <a:extLst>
-              <a:ext uri="{FF2B5EF4-FFF2-40B4-BE49-F238E27FC236}">
-                <a16:creationId xmlns:a16="http://schemas.microsoft.com/office/drawing/2014/main" id="{37877136-1292-0449-9593-D38B59C82AFF}"/>
-              </a:ext>
-            </a:extLst>
-          </p:cNvPr>
+          <p:cNvPr id="6" name="Footer Placeholder 5"/>
           <p:cNvSpPr>
             <a:spLocks noGrp="1"/>
           </p:cNvSpPr>
@@ -2452,13 +2148,7 @@
       </p:sp>
       <p:sp>
         <p:nvSpPr>
-          <p:cNvPr id="7" name="Slide Number Placeholder 6">
-            <a:extLst>
-              <a:ext uri="{FF2B5EF4-FFF2-40B4-BE49-F238E27FC236}">
-                <a16:creationId xmlns:a16="http://schemas.microsoft.com/office/drawing/2014/main" id="{1AAF9BD9-D345-4D4A-8637-F9AF357DDF4B}"/>
-              </a:ext>
-            </a:extLst>
-          </p:cNvPr>
+          <p:cNvPr id="7" name="Slide Number Placeholder 6"/>
           <p:cNvSpPr>
             <a:spLocks noGrp="1"/>
           </p:cNvSpPr>
@@ -2482,7 +2172,7 @@
     </p:spTree>
     <p:extLst>
       <p:ext uri="{BB962C8B-B14F-4D97-AF65-F5344CB8AC3E}">
-        <p14:creationId xmlns:p14="http://schemas.microsoft.com/office/powerpoint/2010/main" val="1871756733"/>
+        <p14:creationId xmlns:p14="http://schemas.microsoft.com/office/powerpoint/2010/main" val="999726558"/>
       </p:ext>
     </p:extLst>
   </p:cSld>
@@ -2511,13 +2201,7 @@
       </p:grpSpPr>
       <p:sp>
         <p:nvSpPr>
-          <p:cNvPr id="2" name="Title 1">
-            <a:extLst>
-              <a:ext uri="{FF2B5EF4-FFF2-40B4-BE49-F238E27FC236}">
-                <a16:creationId xmlns:a16="http://schemas.microsoft.com/office/drawing/2014/main" id="{E9E521DD-61A0-A141-855A-FF8605F51D7C}"/>
-              </a:ext>
-            </a:extLst>
-          </p:cNvPr>
+          <p:cNvPr id="2" name="Title 1"/>
           <p:cNvSpPr>
             <a:spLocks noGrp="1"/>
           </p:cNvSpPr>
@@ -2543,21 +2227,15 @@
               <a:rPr lang="en-GB"/>
               <a:t>Click to edit Master title style</a:t>
             </a:r>
-            <a:endParaRPr lang="en-CH"/>
-          </a:p>
-        </p:txBody>
-      </p:sp>
-      <p:sp>
-        <p:nvSpPr>
-          <p:cNvPr id="3" name="Picture Placeholder 2">
-            <a:extLst>
-              <a:ext uri="{FF2B5EF4-FFF2-40B4-BE49-F238E27FC236}">
-                <a16:creationId xmlns:a16="http://schemas.microsoft.com/office/drawing/2014/main" id="{68DDEC5D-D385-944A-8A67-0AA478760DD0}"/>
-              </a:ext>
-            </a:extLst>
-          </p:cNvPr>
-          <p:cNvSpPr>
-            <a:spLocks noGrp="1"/>
+            <a:endParaRPr lang="en-US" dirty="0"/>
+          </a:p>
+        </p:txBody>
+      </p:sp>
+      <p:sp>
+        <p:nvSpPr>
+          <p:cNvPr id="3" name="Picture Placeholder 2"/>
+          <p:cNvSpPr>
+            <a:spLocks noGrp="1" noChangeAspect="1"/>
           </p:cNvSpPr>
           <p:nvPr>
             <p:ph type="pic" idx="1"/>
@@ -2570,7 +2248,7 @@
           </a:xfrm>
         </p:spPr>
         <p:txBody>
-          <a:bodyPr/>
+          <a:bodyPr anchor="t"/>
           <a:lstStyle>
             <a:lvl1pPr marL="0" indent="0">
               <a:buNone/>
@@ -2610,19 +2288,17 @@
             </a:lvl9pPr>
           </a:lstStyle>
           <a:p>
-            <a:endParaRPr lang="en-CH"/>
-          </a:p>
-        </p:txBody>
-      </p:sp>
-      <p:sp>
-        <p:nvSpPr>
-          <p:cNvPr id="4" name="Text Placeholder 3">
-            <a:extLst>
-              <a:ext uri="{FF2B5EF4-FFF2-40B4-BE49-F238E27FC236}">
-                <a16:creationId xmlns:a16="http://schemas.microsoft.com/office/drawing/2014/main" id="{837AF63D-2A96-8145-93FF-45C66BBA01AA}"/>
-              </a:ext>
-            </a:extLst>
-          </p:cNvPr>
+            <a:r>
+              <a:rPr lang="en-GB"/>
+              <a:t>Click icon to add picture</a:t>
+            </a:r>
+            <a:endParaRPr lang="en-US" dirty="0"/>
+          </a:p>
+        </p:txBody>
+      </p:sp>
+      <p:sp>
+        <p:nvSpPr>
+          <p:cNvPr id="4" name="Text Placeholder 3"/>
           <p:cNvSpPr>
             <a:spLocks noGrp="1"/>
           </p:cNvSpPr>
@@ -2687,13 +2363,7 @@
       </p:sp>
       <p:sp>
         <p:nvSpPr>
-          <p:cNvPr id="5" name="Date Placeholder 4">
-            <a:extLst>
-              <a:ext uri="{FF2B5EF4-FFF2-40B4-BE49-F238E27FC236}">
-                <a16:creationId xmlns:a16="http://schemas.microsoft.com/office/drawing/2014/main" id="{71FFB625-7D1E-4642-8A76-014FFAE926D1}"/>
-              </a:ext>
-            </a:extLst>
-          </p:cNvPr>
+          <p:cNvPr id="5" name="Date Placeholder 4"/>
           <p:cNvSpPr>
             <a:spLocks noGrp="1"/>
           </p:cNvSpPr>
@@ -2708,7 +2378,7 @@
           <a:p>
             <a:fld id="{810F5DF7-A7DA-E04D-B081-ECE5B223B74E}" type="datetimeFigureOut">
               <a:rPr lang="en-CH" smtClean="0"/>
-              <a:t>03.05.21</a:t>
+              <a:t>04.05.21</a:t>
             </a:fld>
             <a:endParaRPr lang="en-CH"/>
           </a:p>
@@ -2716,13 +2386,7 @@
       </p:sp>
       <p:sp>
         <p:nvSpPr>
-          <p:cNvPr id="6" name="Footer Placeholder 5">
-            <a:extLst>
-              <a:ext uri="{FF2B5EF4-FFF2-40B4-BE49-F238E27FC236}">
-                <a16:creationId xmlns:a16="http://schemas.microsoft.com/office/drawing/2014/main" id="{01EE88AB-A4E4-AA49-A811-26EC0B74CA10}"/>
-              </a:ext>
-            </a:extLst>
-          </p:cNvPr>
+          <p:cNvPr id="6" name="Footer Placeholder 5"/>
           <p:cNvSpPr>
             <a:spLocks noGrp="1"/>
           </p:cNvSpPr>
@@ -2741,13 +2405,7 @@
       </p:sp>
       <p:sp>
         <p:nvSpPr>
-          <p:cNvPr id="7" name="Slide Number Placeholder 6">
-            <a:extLst>
-              <a:ext uri="{FF2B5EF4-FFF2-40B4-BE49-F238E27FC236}">
-                <a16:creationId xmlns:a16="http://schemas.microsoft.com/office/drawing/2014/main" id="{BFEBD530-932A-A644-BE67-6E05DEFC669E}"/>
-              </a:ext>
-            </a:extLst>
-          </p:cNvPr>
+          <p:cNvPr id="7" name="Slide Number Placeholder 6"/>
           <p:cNvSpPr>
             <a:spLocks noGrp="1"/>
           </p:cNvSpPr>
@@ -2771,7 +2429,7 @@
     </p:spTree>
     <p:extLst>
       <p:ext uri="{BB962C8B-B14F-4D97-AF65-F5344CB8AC3E}">
-        <p14:creationId xmlns:p14="http://schemas.microsoft.com/office/powerpoint/2010/main" val="3403274478"/>
+        <p14:creationId xmlns:p14="http://schemas.microsoft.com/office/powerpoint/2010/main" val="2611704549"/>
       </p:ext>
     </p:extLst>
   </p:cSld>
@@ -2805,13 +2463,7 @@
       </p:grpSpPr>
       <p:sp>
         <p:nvSpPr>
-          <p:cNvPr id="2" name="Title Placeholder 1">
-            <a:extLst>
-              <a:ext uri="{FF2B5EF4-FFF2-40B4-BE49-F238E27FC236}">
-                <a16:creationId xmlns:a16="http://schemas.microsoft.com/office/drawing/2014/main" id="{92179C99-E581-6E42-98F1-BAFF9AEFE50D}"/>
-              </a:ext>
-            </a:extLst>
-          </p:cNvPr>
+          <p:cNvPr id="2" name="Title Placeholder 1"/>
           <p:cNvSpPr>
             <a:spLocks noGrp="1"/>
           </p:cNvSpPr>
@@ -2838,19 +2490,13 @@
               <a:rPr lang="en-GB"/>
               <a:t>Click to edit Master title style</a:t>
             </a:r>
-            <a:endParaRPr lang="en-CH"/>
-          </a:p>
-        </p:txBody>
-      </p:sp>
-      <p:sp>
-        <p:nvSpPr>
-          <p:cNvPr id="3" name="Text Placeholder 2">
-            <a:extLst>
-              <a:ext uri="{FF2B5EF4-FFF2-40B4-BE49-F238E27FC236}">
-                <a16:creationId xmlns:a16="http://schemas.microsoft.com/office/drawing/2014/main" id="{22BDFDA4-B36E-424A-972D-23BCC653A140}"/>
-              </a:ext>
-            </a:extLst>
-          </p:cNvPr>
+            <a:endParaRPr lang="en-US" dirty="0"/>
+          </a:p>
+        </p:txBody>
+      </p:sp>
+      <p:sp>
+        <p:nvSpPr>
+          <p:cNvPr id="3" name="Text Placeholder 2"/>
           <p:cNvSpPr>
             <a:spLocks noGrp="1"/>
           </p:cNvSpPr>
@@ -2906,19 +2552,13 @@
               <a:rPr lang="en-GB"/>
               <a:t>Fifth level</a:t>
             </a:r>
-            <a:endParaRPr lang="en-CH"/>
-          </a:p>
-        </p:txBody>
-      </p:sp>
-      <p:sp>
-        <p:nvSpPr>
-          <p:cNvPr id="4" name="Date Placeholder 3">
-            <a:extLst>
-              <a:ext uri="{FF2B5EF4-FFF2-40B4-BE49-F238E27FC236}">
-                <a16:creationId xmlns:a16="http://schemas.microsoft.com/office/drawing/2014/main" id="{8940D121-B815-A24A-895F-FFA7F2F48EE1}"/>
-              </a:ext>
-            </a:extLst>
-          </p:cNvPr>
+            <a:endParaRPr lang="en-US" dirty="0"/>
+          </a:p>
+        </p:txBody>
+      </p:sp>
+      <p:sp>
+        <p:nvSpPr>
+          <p:cNvPr id="4" name="Date Placeholder 3"/>
           <p:cNvSpPr>
             <a:spLocks noGrp="1"/>
           </p:cNvSpPr>
@@ -2951,7 +2591,7 @@
           <a:p>
             <a:fld id="{810F5DF7-A7DA-E04D-B081-ECE5B223B74E}" type="datetimeFigureOut">
               <a:rPr lang="en-CH" smtClean="0"/>
-              <a:t>03.05.21</a:t>
+              <a:t>04.05.21</a:t>
             </a:fld>
             <a:endParaRPr lang="en-CH"/>
           </a:p>
@@ -2959,13 +2599,7 @@
       </p:sp>
       <p:sp>
         <p:nvSpPr>
-          <p:cNvPr id="5" name="Footer Placeholder 4">
-            <a:extLst>
-              <a:ext uri="{FF2B5EF4-FFF2-40B4-BE49-F238E27FC236}">
-                <a16:creationId xmlns:a16="http://schemas.microsoft.com/office/drawing/2014/main" id="{16D4BFEA-834E-AB4D-BAF3-EE3526A2062D}"/>
-              </a:ext>
-            </a:extLst>
-          </p:cNvPr>
+          <p:cNvPr id="5" name="Footer Placeholder 4"/>
           <p:cNvSpPr>
             <a:spLocks noGrp="1"/>
           </p:cNvSpPr>
@@ -3002,13 +2636,7 @@
       </p:sp>
       <p:sp>
         <p:nvSpPr>
-          <p:cNvPr id="6" name="Slide Number Placeholder 5">
-            <a:extLst>
-              <a:ext uri="{FF2B5EF4-FFF2-40B4-BE49-F238E27FC236}">
-                <a16:creationId xmlns:a16="http://schemas.microsoft.com/office/drawing/2014/main" id="{91B00F6A-38FA-C94F-BE4C-EF440C14E55D}"/>
-              </a:ext>
-            </a:extLst>
-          </p:cNvPr>
+          <p:cNvPr id="6" name="Slide Number Placeholder 5"/>
           <p:cNvSpPr>
             <a:spLocks noGrp="1"/>
           </p:cNvSpPr>
@@ -3050,23 +2678,23 @@
     </p:spTree>
     <p:extLst>
       <p:ext uri="{BB962C8B-B14F-4D97-AF65-F5344CB8AC3E}">
-        <p14:creationId xmlns:p14="http://schemas.microsoft.com/office/powerpoint/2010/main" val="2040950359"/>
+        <p14:creationId xmlns:p14="http://schemas.microsoft.com/office/powerpoint/2010/main" val="392012630"/>
       </p:ext>
     </p:extLst>
   </p:cSld>
   <p:clrMap bg1="lt1" tx1="dk1" bg2="lt2" tx2="dk2" accent1="accent1" accent2="accent2" accent3="accent3" accent4="accent4" accent5="accent5" accent6="accent6" hlink="hlink" folHlink="folHlink"/>
   <p:sldLayoutIdLst>
-    <p:sldLayoutId id="2147483649" r:id="rId1"/>
-    <p:sldLayoutId id="2147483650" r:id="rId2"/>
-    <p:sldLayoutId id="2147483651" r:id="rId3"/>
-    <p:sldLayoutId id="2147483652" r:id="rId4"/>
-    <p:sldLayoutId id="2147483653" r:id="rId5"/>
-    <p:sldLayoutId id="2147483654" r:id="rId6"/>
-    <p:sldLayoutId id="2147483655" r:id="rId7"/>
-    <p:sldLayoutId id="2147483656" r:id="rId8"/>
-    <p:sldLayoutId id="2147483657" r:id="rId9"/>
-    <p:sldLayoutId id="2147483658" r:id="rId10"/>
-    <p:sldLayoutId id="2147483659" r:id="rId11"/>
+    <p:sldLayoutId id="2147483952" r:id="rId1"/>
+    <p:sldLayoutId id="2147483953" r:id="rId2"/>
+    <p:sldLayoutId id="2147483954" r:id="rId3"/>
+    <p:sldLayoutId id="2147483955" r:id="rId4"/>
+    <p:sldLayoutId id="2147483956" r:id="rId5"/>
+    <p:sldLayoutId id="2147483957" r:id="rId6"/>
+    <p:sldLayoutId id="2147483958" r:id="rId7"/>
+    <p:sldLayoutId id="2147483959" r:id="rId8"/>
+    <p:sldLayoutId id="2147483960" r:id="rId9"/>
+    <p:sldLayoutId id="2147483961" r:id="rId10"/>
+    <p:sldLayoutId id="2147483962" r:id="rId11"/>
   </p:sldLayoutIdLst>
   <p:txStyles>
     <p:titleStyle>
@@ -3254,7 +2882,7 @@
     </p:bodyStyle>
     <p:otherStyle>
       <a:defPPr>
-        <a:defRPr lang="en-CH"/>
+        <a:defRPr lang="en-US"/>
       </a:defPPr>
       <a:lvl1pPr marL="0" algn="l" defTabSz="914400" rtl="0" eaLnBrk="1" latinLnBrk="0" hangingPunct="1">
         <a:defRPr sz="1800" kern="1200">
@@ -3348,12 +2976,27 @@
       </a:lvl9pPr>
     </p:otherStyle>
   </p:txStyles>
+  <p:extLst>
+    <p:ext uri="{27BBF7A9-308A-43DC-89C8-2F10F3537804}">
+      <p15:sldGuideLst xmlns:p15="http://schemas.microsoft.com/office/powerpoint/2012/main"/>
+    </p:ext>
+  </p:extLst>
 </p:sldMaster>
 </file>
 
 <file path=ppt/slides/slide1.xml><?xml version="1.0" encoding="utf-8"?>
 <p:sld xmlns:a="http://schemas.openxmlformats.org/drawingml/2006/main" xmlns:r="http://schemas.openxmlformats.org/officeDocument/2006/relationships" xmlns:p="http://schemas.openxmlformats.org/presentationml/2006/main">
   <p:cSld>
+    <p:bg>
+      <p:bgPr>
+        <a:solidFill>
+          <a:schemeClr val="accent3">
+            <a:lumMod val="75000"/>
+          </a:schemeClr>
+        </a:solidFill>
+        <a:effectLst/>
+      </p:bgPr>
+    </p:bg>
     <p:spTree>
       <p:nvGrpSpPr>
         <p:cNvPr id="1" name=""/>
@@ -3370,6 +3013,455 @@
       </p:grpSpPr>
       <p:sp>
         <p:nvSpPr>
+          <p:cNvPr id="8" name="Rectangle 7">
+            <a:extLst>
+              <a:ext uri="{FF2B5EF4-FFF2-40B4-BE49-F238E27FC236}">
+                <a16:creationId xmlns:a16="http://schemas.microsoft.com/office/drawing/2014/main" id="{DA3C47C2-33A2-44B2-BEAB-FEB679075C24}"/>
+              </a:ext>
+              <a:ext uri="{C183D7F6-B498-43B3-948B-1728B52AA6E4}">
+                <adec:decorative xmlns:adec="http://schemas.microsoft.com/office/drawing/2017/decorative" val="1"/>
+              </a:ext>
+            </a:extLst>
+          </p:cNvPr>
+          <p:cNvSpPr>
+            <a:spLocks noGrp="1" noRot="1" noChangeAspect="1" noMove="1" noResize="1" noEditPoints="1" noAdjustHandles="1" noChangeArrowheads="1" noChangeShapeType="1" noTextEdit="1"/>
+          </p:cNvSpPr>
+          <p:nvPr>
+            <p:extLst>
+              <p:ext uri="{386F3935-93C4-4BCD-93E2-E3B085C9AB24}">
+                <p16:designElem xmlns:p16="http://schemas.microsoft.com/office/powerpoint/2015/main" val="1"/>
+              </p:ext>
+            </p:extLst>
+          </p:nvPr>
+        </p:nvSpPr>
+        <p:spPr>
+          <a:xfrm flipV="1">
+            <a:off x="0" y="-3324"/>
+            <a:ext cx="12192000" cy="6861324"/>
+          </a:xfrm>
+          <a:prstGeom prst="rect">
+            <a:avLst/>
+          </a:prstGeom>
+          <a:solidFill>
+            <a:srgbClr val="7F7F7F"/>
+          </a:solidFill>
+          <a:ln>
+            <a:noFill/>
+          </a:ln>
+        </p:spPr>
+        <p:style>
+          <a:lnRef idx="2">
+            <a:schemeClr val="accent1">
+              <a:shade val="50000"/>
+            </a:schemeClr>
+          </a:lnRef>
+          <a:fillRef idx="1">
+            <a:schemeClr val="accent1"/>
+          </a:fillRef>
+          <a:effectRef idx="0">
+            <a:schemeClr val="accent1"/>
+          </a:effectRef>
+          <a:fontRef idx="minor">
+            <a:schemeClr val="lt1"/>
+          </a:fontRef>
+        </p:style>
+        <p:txBody>
+          <a:bodyPr rtlCol="0" anchor="ctr"/>
+          <a:lstStyle/>
+          <a:p>
+            <a:pPr marL="0" marR="0" lvl="0" indent="0" algn="ctr" defTabSz="914400" rtl="0" eaLnBrk="1" fontAlgn="auto" latinLnBrk="0" hangingPunct="1">
+              <a:lnSpc>
+                <a:spcPct val="100000"/>
+              </a:lnSpc>
+              <a:spcBef>
+                <a:spcPts val="0"/>
+              </a:spcBef>
+              <a:spcAft>
+                <a:spcPts val="0"/>
+              </a:spcAft>
+              <a:buClrTx/>
+              <a:buSzTx/>
+              <a:buFontTx/>
+              <a:buNone/>
+              <a:tabLst/>
+              <a:defRPr/>
+            </a:pPr>
+            <a:endParaRPr kumimoji="0" lang="en-US" sz="1800" b="0" i="0" u="none" strike="noStrike" kern="1200" cap="none" spc="0" normalizeH="0" baseline="0" noProof="0">
+              <a:ln>
+                <a:noFill/>
+              </a:ln>
+              <a:solidFill>
+                <a:prstClr val="white"/>
+              </a:solidFill>
+              <a:effectLst/>
+              <a:uLnTx/>
+              <a:uFillTx/>
+              <a:latin typeface="Calibri" panose="020F0502020204030204"/>
+              <a:ea typeface="+mn-ea"/>
+              <a:cs typeface="+mn-cs"/>
+            </a:endParaRPr>
+          </a:p>
+        </p:txBody>
+      </p:sp>
+      <p:sp>
+        <p:nvSpPr>
+          <p:cNvPr id="10" name="Freeform 3">
+            <a:extLst>
+              <a:ext uri="{FF2B5EF4-FFF2-40B4-BE49-F238E27FC236}">
+                <a16:creationId xmlns:a16="http://schemas.microsoft.com/office/drawing/2014/main" id="{AD182BA8-54AD-4D9F-8264-B0FA8BB47D7C}"/>
+              </a:ext>
+              <a:ext uri="{C183D7F6-B498-43B3-948B-1728B52AA6E4}">
+                <adec:decorative xmlns:adec="http://schemas.microsoft.com/office/drawing/2017/decorative" val="1"/>
+              </a:ext>
+            </a:extLst>
+          </p:cNvPr>
+          <p:cNvSpPr>
+            <a:spLocks noGrp="1" noRot="1" noChangeAspect="1" noMove="1" noResize="1" noEditPoints="1" noAdjustHandles="1" noChangeArrowheads="1" noChangeShapeType="1" noTextEdit="1"/>
+          </p:cNvSpPr>
+          <p:nvPr>
+            <p:extLst>
+              <p:ext uri="{386F3935-93C4-4BCD-93E2-E3B085C9AB24}">
+                <p16:designElem xmlns:p16="http://schemas.microsoft.com/office/powerpoint/2015/main" val="1"/>
+              </p:ext>
+            </p:extLst>
+          </p:nvPr>
+        </p:nvSpPr>
+        <p:spPr>
+          <a:xfrm flipV="1">
+            <a:off x="1246925" y="-479"/>
+            <a:ext cx="9468701" cy="6858478"/>
+          </a:xfrm>
+          <a:custGeom>
+            <a:avLst/>
+            <a:gdLst>
+              <a:gd name="connsiteX0" fmla="*/ 0 w 8078051"/>
+              <a:gd name="connsiteY0" fmla="*/ 0 h 5829300"/>
+              <a:gd name="connsiteX1" fmla="*/ 4453793 w 8078051"/>
+              <a:gd name="connsiteY1" fmla="*/ 0 h 5829300"/>
+              <a:gd name="connsiteX2" fmla="*/ 5363426 w 8078051"/>
+              <a:gd name="connsiteY2" fmla="*/ 0 h 5829300"/>
+              <a:gd name="connsiteX3" fmla="*/ 5368184 w 8078051"/>
+              <a:gd name="connsiteY3" fmla="*/ 0 h 5829300"/>
+              <a:gd name="connsiteX4" fmla="*/ 8078051 w 8078051"/>
+              <a:gd name="connsiteY4" fmla="*/ 5829300 h 5829300"/>
+              <a:gd name="connsiteX5" fmla="*/ 1743926 w 8078051"/>
+              <a:gd name="connsiteY5" fmla="*/ 5829300 h 5829300"/>
+              <a:gd name="connsiteX6" fmla="*/ 1744148 w 8078051"/>
+              <a:gd name="connsiteY6" fmla="*/ 5828822 h 5829300"/>
+              <a:gd name="connsiteX7" fmla="*/ 0 w 8078051"/>
+              <a:gd name="connsiteY7" fmla="*/ 5828822 h 5829300"/>
+            </a:gdLst>
+            <a:ahLst/>
+            <a:cxnLst>
+              <a:cxn ang="0">
+                <a:pos x="connsiteX0" y="connsiteY0"/>
+              </a:cxn>
+              <a:cxn ang="0">
+                <a:pos x="connsiteX1" y="connsiteY1"/>
+              </a:cxn>
+              <a:cxn ang="0">
+                <a:pos x="connsiteX2" y="connsiteY2"/>
+              </a:cxn>
+              <a:cxn ang="0">
+                <a:pos x="connsiteX3" y="connsiteY3"/>
+              </a:cxn>
+              <a:cxn ang="0">
+                <a:pos x="connsiteX4" y="connsiteY4"/>
+              </a:cxn>
+              <a:cxn ang="0">
+                <a:pos x="connsiteX5" y="connsiteY5"/>
+              </a:cxn>
+              <a:cxn ang="0">
+                <a:pos x="connsiteX6" y="connsiteY6"/>
+              </a:cxn>
+              <a:cxn ang="0">
+                <a:pos x="connsiteX7" y="connsiteY7"/>
+              </a:cxn>
+            </a:cxnLst>
+            <a:rect l="l" t="t" r="r" b="b"/>
+            <a:pathLst>
+              <a:path w="8078051" h="5829300">
+                <a:moveTo>
+                  <a:pt x="0" y="0"/>
+                </a:moveTo>
+                <a:lnTo>
+                  <a:pt x="4453793" y="0"/>
+                </a:lnTo>
+                <a:lnTo>
+                  <a:pt x="5363426" y="0"/>
+                </a:lnTo>
+                <a:lnTo>
+                  <a:pt x="5368184" y="0"/>
+                </a:lnTo>
+                <a:lnTo>
+                  <a:pt x="8078051" y="5829300"/>
+                </a:lnTo>
+                <a:lnTo>
+                  <a:pt x="1743926" y="5829300"/>
+                </a:lnTo>
+                <a:lnTo>
+                  <a:pt x="1744148" y="5828822"/>
+                </a:lnTo>
+                <a:lnTo>
+                  <a:pt x="0" y="5828822"/>
+                </a:lnTo>
+                <a:close/>
+              </a:path>
+            </a:pathLst>
+          </a:custGeom>
+          <a:solidFill>
+            <a:schemeClr val="bg1">
+              <a:lumMod val="85000"/>
+              <a:lumOff val="15000"/>
+              <a:alpha val="70000"/>
+            </a:schemeClr>
+          </a:solidFill>
+          <a:ln>
+            <a:noFill/>
+          </a:ln>
+        </p:spPr>
+        <p:style>
+          <a:lnRef idx="2">
+            <a:schemeClr val="accent1">
+              <a:shade val="50000"/>
+            </a:schemeClr>
+          </a:lnRef>
+          <a:fillRef idx="1">
+            <a:schemeClr val="accent1"/>
+          </a:fillRef>
+          <a:effectRef idx="0">
+            <a:schemeClr val="accent1"/>
+          </a:effectRef>
+          <a:fontRef idx="minor">
+            <a:schemeClr val="lt1"/>
+          </a:fontRef>
+        </p:style>
+        <p:txBody>
+          <a:bodyPr rtlCol="0" anchor="ctr"/>
+          <a:lstStyle/>
+          <a:p>
+            <a:pPr marL="0" marR="0" lvl="0" indent="0" algn="ctr" defTabSz="914400" rtl="0" eaLnBrk="1" fontAlgn="auto" latinLnBrk="0" hangingPunct="1">
+              <a:lnSpc>
+                <a:spcPct val="100000"/>
+              </a:lnSpc>
+              <a:spcBef>
+                <a:spcPts val="0"/>
+              </a:spcBef>
+              <a:spcAft>
+                <a:spcPts val="0"/>
+              </a:spcAft>
+              <a:buClrTx/>
+              <a:buSzTx/>
+              <a:buFontTx/>
+              <a:buNone/>
+              <a:tabLst/>
+              <a:defRPr/>
+            </a:pPr>
+            <a:endParaRPr kumimoji="0" lang="en-US" sz="1800" b="0" i="0" u="none" strike="noStrike" kern="1200" cap="none" spc="0" normalizeH="0" baseline="0" noProof="0">
+              <a:ln>
+                <a:noFill/>
+              </a:ln>
+              <a:solidFill>
+                <a:prstClr val="white"/>
+              </a:solidFill>
+              <a:effectLst/>
+              <a:uLnTx/>
+              <a:uFillTx/>
+              <a:latin typeface="Calibri" panose="020F0502020204030204"/>
+              <a:ea typeface="+mn-ea"/>
+              <a:cs typeface="+mn-cs"/>
+            </a:endParaRPr>
+          </a:p>
+        </p:txBody>
+      </p:sp>
+      <p:sp>
+        <p:nvSpPr>
+          <p:cNvPr id="12" name="Freeform 16">
+            <a:extLst>
+              <a:ext uri="{FF2B5EF4-FFF2-40B4-BE49-F238E27FC236}">
+                <a16:creationId xmlns:a16="http://schemas.microsoft.com/office/drawing/2014/main" id="{4ED83379-0499-45E1-AB78-6AA230F96442}"/>
+              </a:ext>
+              <a:ext uri="{C183D7F6-B498-43B3-948B-1728B52AA6E4}">
+                <adec:decorative xmlns:adec="http://schemas.microsoft.com/office/drawing/2017/decorative" val="1"/>
+              </a:ext>
+            </a:extLst>
+          </p:cNvPr>
+          <p:cNvSpPr>
+            <a:spLocks noGrp="1" noRot="1" noChangeAspect="1" noMove="1" noResize="1" noEditPoints="1" noAdjustHandles="1" noChangeArrowheads="1" noChangeShapeType="1" noTextEdit="1"/>
+          </p:cNvSpPr>
+          <p:nvPr>
+            <p:extLst>
+              <p:ext uri="{386F3935-93C4-4BCD-93E2-E3B085C9AB24}">
+                <p16:designElem xmlns:p16="http://schemas.microsoft.com/office/powerpoint/2015/main" val="1"/>
+              </p:ext>
+            </p:extLst>
+          </p:nvPr>
+        </p:nvSpPr>
+        <p:spPr>
+          <a:xfrm flipV="1">
+            <a:off x="-1" y="-479"/>
+            <a:ext cx="9324977" cy="6858479"/>
+          </a:xfrm>
+          <a:custGeom>
+            <a:avLst/>
+            <a:gdLst>
+              <a:gd name="connsiteX0" fmla="*/ 1246925 w 9324977"/>
+              <a:gd name="connsiteY0" fmla="*/ 0 h 6858479"/>
+              <a:gd name="connsiteX1" fmla="*/ 5076797 w 9324977"/>
+              <a:gd name="connsiteY1" fmla="*/ 0 h 6858479"/>
+              <a:gd name="connsiteX2" fmla="*/ 6143025 w 9324977"/>
+              <a:gd name="connsiteY2" fmla="*/ 0 h 6858479"/>
+              <a:gd name="connsiteX3" fmla="*/ 6148602 w 9324977"/>
+              <a:gd name="connsiteY3" fmla="*/ 0 h 6858479"/>
+              <a:gd name="connsiteX4" fmla="*/ 9324977 w 9324977"/>
+              <a:gd name="connsiteY4" fmla="*/ 6858478 h 6858479"/>
+              <a:gd name="connsiteX5" fmla="*/ 3359025 w 9324977"/>
+              <a:gd name="connsiteY5" fmla="*/ 6858478 h 6858479"/>
+              <a:gd name="connsiteX6" fmla="*/ 3359025 w 9324977"/>
+              <a:gd name="connsiteY6" fmla="*/ 6858479 h 6858479"/>
+              <a:gd name="connsiteX7" fmla="*/ 0 w 9324977"/>
+              <a:gd name="connsiteY7" fmla="*/ 6858479 h 6858479"/>
+              <a:gd name="connsiteX8" fmla="*/ 0 w 9324977"/>
+              <a:gd name="connsiteY8" fmla="*/ 479 h 6858479"/>
+              <a:gd name="connsiteX9" fmla="*/ 1246925 w 9324977"/>
+              <a:gd name="connsiteY9" fmla="*/ 479 h 6858479"/>
+            </a:gdLst>
+            <a:ahLst/>
+            <a:cxnLst>
+              <a:cxn ang="0">
+                <a:pos x="connsiteX0" y="connsiteY0"/>
+              </a:cxn>
+              <a:cxn ang="0">
+                <a:pos x="connsiteX1" y="connsiteY1"/>
+              </a:cxn>
+              <a:cxn ang="0">
+                <a:pos x="connsiteX2" y="connsiteY2"/>
+              </a:cxn>
+              <a:cxn ang="0">
+                <a:pos x="connsiteX3" y="connsiteY3"/>
+              </a:cxn>
+              <a:cxn ang="0">
+                <a:pos x="connsiteX4" y="connsiteY4"/>
+              </a:cxn>
+              <a:cxn ang="0">
+                <a:pos x="connsiteX5" y="connsiteY5"/>
+              </a:cxn>
+              <a:cxn ang="0">
+                <a:pos x="connsiteX6" y="connsiteY6"/>
+              </a:cxn>
+              <a:cxn ang="0">
+                <a:pos x="connsiteX7" y="connsiteY7"/>
+              </a:cxn>
+              <a:cxn ang="0">
+                <a:pos x="connsiteX8" y="connsiteY8"/>
+              </a:cxn>
+              <a:cxn ang="0">
+                <a:pos x="connsiteX9" y="connsiteY9"/>
+              </a:cxn>
+            </a:cxnLst>
+            <a:rect l="l" t="t" r="r" b="b"/>
+            <a:pathLst>
+              <a:path w="9324977" h="6858479">
+                <a:moveTo>
+                  <a:pt x="1246925" y="0"/>
+                </a:moveTo>
+                <a:lnTo>
+                  <a:pt x="5076797" y="0"/>
+                </a:lnTo>
+                <a:lnTo>
+                  <a:pt x="6143025" y="0"/>
+                </a:lnTo>
+                <a:lnTo>
+                  <a:pt x="6148602" y="0"/>
+                </a:lnTo>
+                <a:lnTo>
+                  <a:pt x="9324977" y="6858478"/>
+                </a:lnTo>
+                <a:lnTo>
+                  <a:pt x="3359025" y="6858478"/>
+                </a:lnTo>
+                <a:lnTo>
+                  <a:pt x="3359025" y="6858479"/>
+                </a:lnTo>
+                <a:lnTo>
+                  <a:pt x="0" y="6858479"/>
+                </a:lnTo>
+                <a:lnTo>
+                  <a:pt x="0" y="479"/>
+                </a:lnTo>
+                <a:lnTo>
+                  <a:pt x="1246925" y="479"/>
+                </a:lnTo>
+                <a:close/>
+              </a:path>
+            </a:pathLst>
+          </a:custGeom>
+          <a:solidFill>
+            <a:schemeClr val="bg1">
+              <a:lumMod val="85000"/>
+              <a:lumOff val="15000"/>
+            </a:schemeClr>
+          </a:solidFill>
+          <a:ln>
+            <a:noFill/>
+          </a:ln>
+        </p:spPr>
+        <p:style>
+          <a:lnRef idx="2">
+            <a:schemeClr val="accent1">
+              <a:shade val="50000"/>
+            </a:schemeClr>
+          </a:lnRef>
+          <a:fillRef idx="1">
+            <a:schemeClr val="accent1"/>
+          </a:fillRef>
+          <a:effectRef idx="0">
+            <a:schemeClr val="accent1"/>
+          </a:effectRef>
+          <a:fontRef idx="minor">
+            <a:schemeClr val="lt1"/>
+          </a:fontRef>
+        </p:style>
+        <p:txBody>
+          <a:bodyPr rtlCol="0" anchor="ctr"/>
+          <a:lstStyle/>
+          <a:p>
+            <a:pPr marL="0" marR="0" lvl="0" indent="0" algn="ctr" defTabSz="914400" rtl="0" eaLnBrk="1" fontAlgn="auto" latinLnBrk="0" hangingPunct="1">
+              <a:lnSpc>
+                <a:spcPct val="100000"/>
+              </a:lnSpc>
+              <a:spcBef>
+                <a:spcPts val="0"/>
+              </a:spcBef>
+              <a:spcAft>
+                <a:spcPts val="0"/>
+              </a:spcAft>
+              <a:buClrTx/>
+              <a:buSzTx/>
+              <a:buFontTx/>
+              <a:buNone/>
+              <a:tabLst/>
+              <a:defRPr/>
+            </a:pPr>
+            <a:endParaRPr kumimoji="0" lang="en-US" sz="1800" b="0" i="0" u="none" strike="noStrike" kern="1200" cap="none" spc="0" normalizeH="0" baseline="0" noProof="0">
+              <a:ln>
+                <a:noFill/>
+              </a:ln>
+              <a:solidFill>
+                <a:prstClr val="white"/>
+              </a:solidFill>
+              <a:effectLst/>
+              <a:uLnTx/>
+              <a:uFillTx/>
+              <a:latin typeface="Calibri" panose="020F0502020204030204"/>
+              <a:ea typeface="+mn-ea"/>
+              <a:cs typeface="+mn-cs"/>
+            </a:endParaRPr>
+          </a:p>
+        </p:txBody>
+      </p:sp>
+      <p:sp>
+        <p:nvSpPr>
           <p:cNvPr id="2" name="Title 1">
             <a:extLst>
               <a:ext uri="{FF2B5EF4-FFF2-40B4-BE49-F238E27FC236}">
@@ -3384,16 +3476,23 @@
             <p:ph type="ctrTitle"/>
           </p:nvPr>
         </p:nvSpPr>
-        <p:spPr/>
-        <p:txBody>
-          <a:bodyPr/>
-          <a:lstStyle/>
-          <a:p>
-            <a:r>
-              <a:rPr lang="en-CH"/>
+        <p:spPr>
+          <a:xfrm>
+            <a:off x="804672" y="962246"/>
+            <a:ext cx="6437700" cy="2611967"/>
+          </a:xfrm>
+        </p:spPr>
+        <p:txBody>
+          <a:bodyPr anchor="b">
+            <a:normAutofit/>
+          </a:bodyPr>
+          <a:lstStyle/>
+          <a:p>
+            <a:pPr algn="l"/>
+            <a:r>
+              <a:rPr lang="en-CH" sz="5400"/>
               <a:t>Schokomilch gegen normale Sportgetränke</a:t>
             </a:r>
-            <a:endParaRPr lang="en-CH" dirty="0"/>
           </a:p>
         </p:txBody>
       </p:sp>
@@ -3413,22 +3512,30 @@
             <p:ph type="subTitle" idx="1"/>
           </p:nvPr>
         </p:nvSpPr>
-        <p:spPr/>
-        <p:txBody>
-          <a:bodyPr/>
-          <a:lstStyle/>
-          <a:p>
-            <a:r>
-              <a:rPr lang="en-CH"/>
+        <p:spPr>
+          <a:xfrm>
+            <a:off x="804672" y="3719618"/>
+            <a:ext cx="4167376" cy="1155525"/>
+          </a:xfrm>
+        </p:spPr>
+        <p:txBody>
+          <a:bodyPr anchor="t">
+            <a:normAutofit/>
+          </a:bodyPr>
+          <a:lstStyle/>
+          <a:p>
+            <a:pPr algn="l"/>
+            <a:r>
+              <a:rPr lang="en-CH" sz="2000"/>
               <a:t>Bühler Simon Pascal</a:t>
             </a:r>
           </a:p>
           <a:p>
-            <a:r>
-              <a:rPr lang="en-CH"/>
+            <a:pPr algn="l"/>
+            <a:r>
+              <a:rPr lang="en-CH" sz="2000"/>
               <a:t>Rieser Philipp</a:t>
             </a:r>
-            <a:endParaRPr lang="en-CH" dirty="0"/>
           </a:p>
         </p:txBody>
       </p:sp>
@@ -3440,7 +3547,7 @@
     </p:extLst>
   </p:cSld>
   <p:clrMapOvr>
-    <a:masterClrMapping/>
+    <a:overrideClrMapping bg1="dk1" tx1="lt1" bg2="dk2" tx2="lt2" accent1="accent1" accent2="accent2" accent3="accent3" accent4="accent4" accent5="accent5" accent6="accent6" hlink="hlink" folHlink="folHlink"/>
   </p:clrMapOvr>
 </p:sld>
 </file>
@@ -3448,6 +3555,14 @@
 <file path=ppt/slides/slide10.xml><?xml version="1.0" encoding="utf-8"?>
 <p:sld xmlns:a="http://schemas.openxmlformats.org/drawingml/2006/main" xmlns:r="http://schemas.openxmlformats.org/officeDocument/2006/relationships" xmlns:p="http://schemas.openxmlformats.org/presentationml/2006/main">
   <p:cSld>
+    <p:bg>
+      <p:bgPr>
+        <a:solidFill>
+          <a:schemeClr val="bg1"/>
+        </a:solidFill>
+        <a:effectLst/>
+      </p:bgPr>
+    </p:bg>
     <p:spTree>
       <p:nvGrpSpPr>
         <p:cNvPr id="1" name=""/>
@@ -3462,6 +3577,328 @@
           <a:chExt cx="0" cy="0"/>
         </a:xfrm>
       </p:grpSpPr>
+      <p:sp useBgFill="1">
+        <p:nvSpPr>
+          <p:cNvPr id="8" name="Rectangle 7">
+            <a:extLst>
+              <a:ext uri="{FF2B5EF4-FFF2-40B4-BE49-F238E27FC236}">
+                <a16:creationId xmlns:a16="http://schemas.microsoft.com/office/drawing/2014/main" id="{C7FA33FF-088D-4F16-95A2-2C64D353DEA8}"/>
+              </a:ext>
+              <a:ext uri="{C183D7F6-B498-43B3-948B-1728B52AA6E4}">
+                <adec:decorative xmlns:adec="http://schemas.microsoft.com/office/drawing/2017/decorative" val="1"/>
+              </a:ext>
+            </a:extLst>
+          </p:cNvPr>
+          <p:cNvSpPr>
+            <a:spLocks noGrp="1" noRot="1" noChangeAspect="1" noMove="1" noResize="1" noEditPoints="1" noAdjustHandles="1" noChangeArrowheads="1" noChangeShapeType="1" noTextEdit="1"/>
+          </p:cNvSpPr>
+          <p:nvPr>
+            <p:extLst>
+              <p:ext uri="{386F3935-93C4-4BCD-93E2-E3B085C9AB24}">
+                <p16:designElem xmlns:p16="http://schemas.microsoft.com/office/powerpoint/2015/main" val="1"/>
+              </p:ext>
+            </p:extLst>
+          </p:nvPr>
+        </p:nvSpPr>
+        <p:spPr>
+          <a:xfrm>
+            <a:off x="1524" y="0"/>
+            <a:ext cx="12188952" cy="6858000"/>
+          </a:xfrm>
+          <a:prstGeom prst="rect">
+            <a:avLst/>
+          </a:prstGeom>
+          <a:ln>
+            <a:noFill/>
+          </a:ln>
+        </p:spPr>
+        <p:style>
+          <a:lnRef idx="2">
+            <a:schemeClr val="accent1">
+              <a:shade val="50000"/>
+            </a:schemeClr>
+          </a:lnRef>
+          <a:fillRef idx="1">
+            <a:schemeClr val="accent1"/>
+          </a:fillRef>
+          <a:effectRef idx="0">
+            <a:schemeClr val="accent1"/>
+          </a:effectRef>
+          <a:fontRef idx="minor">
+            <a:schemeClr val="lt1"/>
+          </a:fontRef>
+        </p:style>
+        <p:txBody>
+          <a:bodyPr rtlCol="0" anchor="ctr"/>
+          <a:lstStyle/>
+          <a:p>
+            <a:pPr marL="0" marR="0" lvl="0" indent="0" algn="ctr" defTabSz="914400" rtl="0" eaLnBrk="1" fontAlgn="auto" latinLnBrk="0" hangingPunct="1">
+              <a:lnSpc>
+                <a:spcPct val="100000"/>
+              </a:lnSpc>
+              <a:spcBef>
+                <a:spcPts val="0"/>
+              </a:spcBef>
+              <a:spcAft>
+                <a:spcPts val="0"/>
+              </a:spcAft>
+              <a:buClrTx/>
+              <a:buSzTx/>
+              <a:buFontTx/>
+              <a:buNone/>
+              <a:tabLst/>
+              <a:defRPr/>
+            </a:pPr>
+            <a:endParaRPr kumimoji="0" lang="en-US" sz="1800" b="0" i="0" u="none" strike="noStrike" kern="1200" cap="none" spc="0" normalizeH="0" baseline="0" noProof="0">
+              <a:ln>
+                <a:noFill/>
+              </a:ln>
+              <a:solidFill>
+                <a:prstClr val="white"/>
+              </a:solidFill>
+              <a:effectLst/>
+              <a:uLnTx/>
+              <a:uFillTx/>
+              <a:latin typeface="Calibri" panose="020F0502020204030204"/>
+              <a:ea typeface="+mn-ea"/>
+              <a:cs typeface="+mn-cs"/>
+            </a:endParaRPr>
+          </a:p>
+        </p:txBody>
+      </p:sp>
+      <p:sp>
+        <p:nvSpPr>
+          <p:cNvPr id="10" name="Rectangle 9">
+            <a:extLst>
+              <a:ext uri="{FF2B5EF4-FFF2-40B4-BE49-F238E27FC236}">
+                <a16:creationId xmlns:a16="http://schemas.microsoft.com/office/drawing/2014/main" id="{A376EFB1-01CF-419F-ABF1-2AF02BBFCBD1}"/>
+              </a:ext>
+              <a:ext uri="{C183D7F6-B498-43B3-948B-1728B52AA6E4}">
+                <adec:decorative xmlns:adec="http://schemas.microsoft.com/office/drawing/2017/decorative" val="1"/>
+              </a:ext>
+            </a:extLst>
+          </p:cNvPr>
+          <p:cNvSpPr>
+            <a:spLocks noGrp="1" noRot="1" noChangeAspect="1" noMove="1" noResize="1" noEditPoints="1" noAdjustHandles="1" noChangeArrowheads="1" noChangeShapeType="1" noTextEdit="1"/>
+          </p:cNvSpPr>
+          <p:nvPr>
+            <p:extLst>
+              <p:ext uri="{386F3935-93C4-4BCD-93E2-E3B085C9AB24}">
+                <p16:designElem xmlns:p16="http://schemas.microsoft.com/office/powerpoint/2015/main" val="1"/>
+              </p:ext>
+            </p:extLst>
+          </p:nvPr>
+        </p:nvSpPr>
+        <p:spPr>
+          <a:xfrm>
+            <a:off x="0" y="0"/>
+            <a:ext cx="4709160" cy="6858000"/>
+          </a:xfrm>
+          <a:prstGeom prst="rect">
+            <a:avLst/>
+          </a:prstGeom>
+          <a:solidFill>
+            <a:schemeClr val="tx1">
+              <a:alpha val="81000"/>
+            </a:schemeClr>
+          </a:solidFill>
+          <a:ln>
+            <a:noFill/>
+          </a:ln>
+        </p:spPr>
+        <p:style>
+          <a:lnRef idx="2">
+            <a:schemeClr val="accent1">
+              <a:shade val="50000"/>
+            </a:schemeClr>
+          </a:lnRef>
+          <a:fillRef idx="1">
+            <a:schemeClr val="accent1"/>
+          </a:fillRef>
+          <a:effectRef idx="0">
+            <a:schemeClr val="accent1"/>
+          </a:effectRef>
+          <a:fontRef idx="minor">
+            <a:schemeClr val="lt1"/>
+          </a:fontRef>
+        </p:style>
+        <p:txBody>
+          <a:bodyPr rtlCol="0" anchor="ctr"/>
+          <a:lstStyle/>
+          <a:p>
+            <a:pPr marL="0" marR="0" lvl="0" indent="0" algn="ctr" defTabSz="914400" rtl="0" eaLnBrk="1" fontAlgn="auto" latinLnBrk="0" hangingPunct="1">
+              <a:lnSpc>
+                <a:spcPct val="100000"/>
+              </a:lnSpc>
+              <a:spcBef>
+                <a:spcPts val="0"/>
+              </a:spcBef>
+              <a:spcAft>
+                <a:spcPts val="0"/>
+              </a:spcAft>
+              <a:buClrTx/>
+              <a:buSzTx/>
+              <a:buFontTx/>
+              <a:buNone/>
+              <a:tabLst/>
+              <a:defRPr/>
+            </a:pPr>
+            <a:endParaRPr kumimoji="0" lang="en-US" sz="1800" b="0" i="0" u="none" strike="noStrike" kern="1200" cap="none" spc="0" normalizeH="0" baseline="0" noProof="0">
+              <a:ln>
+                <a:noFill/>
+              </a:ln>
+              <a:solidFill>
+                <a:prstClr val="white"/>
+              </a:solidFill>
+              <a:effectLst/>
+              <a:uLnTx/>
+              <a:uFillTx/>
+              <a:latin typeface="Calibri" panose="020F0502020204030204"/>
+              <a:ea typeface="+mn-ea"/>
+              <a:cs typeface="+mn-cs"/>
+            </a:endParaRPr>
+          </a:p>
+        </p:txBody>
+      </p:sp>
+      <p:sp>
+        <p:nvSpPr>
+          <p:cNvPr id="12" name="Freeform: Shape 11">
+            <a:extLst>
+              <a:ext uri="{FF2B5EF4-FFF2-40B4-BE49-F238E27FC236}">
+                <a16:creationId xmlns:a16="http://schemas.microsoft.com/office/drawing/2014/main" id="{FF9DEA15-78BD-4750-AA18-B9F28A6D5AB8}"/>
+              </a:ext>
+              <a:ext uri="{C183D7F6-B498-43B3-948B-1728B52AA6E4}">
+                <adec:decorative xmlns:adec="http://schemas.microsoft.com/office/drawing/2017/decorative" val="1"/>
+              </a:ext>
+            </a:extLst>
+          </p:cNvPr>
+          <p:cNvSpPr>
+            <a:spLocks noGrp="1" noRot="1" noChangeAspect="1" noMove="1" noResize="1" noEditPoints="1" noAdjustHandles="1" noChangeArrowheads="1" noChangeShapeType="1" noTextEdit="1"/>
+          </p:cNvSpPr>
+          <p:nvPr>
+            <p:extLst>
+              <p:ext uri="{386F3935-93C4-4BCD-93E2-E3B085C9AB24}">
+                <p16:designElem xmlns:p16="http://schemas.microsoft.com/office/powerpoint/2015/main" val="1"/>
+              </p:ext>
+            </p:extLst>
+          </p:nvPr>
+        </p:nvSpPr>
+        <p:spPr>
+          <a:xfrm>
+            <a:off x="0" y="0"/>
+            <a:ext cx="3284331" cy="6858000"/>
+          </a:xfrm>
+          <a:custGeom>
+            <a:avLst/>
+            <a:gdLst>
+              <a:gd name="connsiteX0" fmla="*/ 0 w 4319042"/>
+              <a:gd name="connsiteY0" fmla="*/ 0 h 6858000"/>
+              <a:gd name="connsiteX1" fmla="*/ 1142888 w 4319042"/>
+              <a:gd name="connsiteY1" fmla="*/ 0 h 6858000"/>
+              <a:gd name="connsiteX2" fmla="*/ 4319042 w 4319042"/>
+              <a:gd name="connsiteY2" fmla="*/ 6858000 h 6858000"/>
+              <a:gd name="connsiteX3" fmla="*/ 0 w 4319042"/>
+              <a:gd name="connsiteY3" fmla="*/ 6858000 h 6858000"/>
+            </a:gdLst>
+            <a:ahLst/>
+            <a:cxnLst>
+              <a:cxn ang="0">
+                <a:pos x="connsiteX0" y="connsiteY0"/>
+              </a:cxn>
+              <a:cxn ang="0">
+                <a:pos x="connsiteX1" y="connsiteY1"/>
+              </a:cxn>
+              <a:cxn ang="0">
+                <a:pos x="connsiteX2" y="connsiteY2"/>
+              </a:cxn>
+              <a:cxn ang="0">
+                <a:pos x="connsiteX3" y="connsiteY3"/>
+              </a:cxn>
+            </a:cxnLst>
+            <a:rect l="l" t="t" r="r" b="b"/>
+            <a:pathLst>
+              <a:path w="4319042" h="6858000">
+                <a:moveTo>
+                  <a:pt x="0" y="0"/>
+                </a:moveTo>
+                <a:lnTo>
+                  <a:pt x="1142888" y="0"/>
+                </a:lnTo>
+                <a:lnTo>
+                  <a:pt x="4319042" y="6858000"/>
+                </a:lnTo>
+                <a:lnTo>
+                  <a:pt x="0" y="6858000"/>
+                </a:lnTo>
+                <a:close/>
+              </a:path>
+            </a:pathLst>
+          </a:custGeom>
+          <a:solidFill>
+            <a:schemeClr val="tx1">
+              <a:alpha val="35000"/>
+            </a:schemeClr>
+          </a:solidFill>
+          <a:ln>
+            <a:noFill/>
+          </a:ln>
+        </p:spPr>
+        <p:style>
+          <a:lnRef idx="2">
+            <a:schemeClr val="accent1">
+              <a:shade val="50000"/>
+            </a:schemeClr>
+          </a:lnRef>
+          <a:fillRef idx="1">
+            <a:schemeClr val="accent1"/>
+          </a:fillRef>
+          <a:effectRef idx="0">
+            <a:schemeClr val="accent1"/>
+          </a:effectRef>
+          <a:fontRef idx="minor">
+            <a:schemeClr val="lt1"/>
+          </a:fontRef>
+        </p:style>
+        <p:txBody>
+          <a:bodyPr wrap="square" rtlCol="0" anchor="ctr">
+            <a:noAutofit/>
+          </a:bodyPr>
+          <a:lstStyle/>
+          <a:p>
+            <a:pPr marL="0" marR="0" lvl="0" indent="0" algn="ctr" defTabSz="914400" rtl="0" eaLnBrk="1" fontAlgn="auto" latinLnBrk="0" hangingPunct="1">
+              <a:lnSpc>
+                <a:spcPct val="100000"/>
+              </a:lnSpc>
+              <a:spcBef>
+                <a:spcPts val="0"/>
+              </a:spcBef>
+              <a:spcAft>
+                <a:spcPts val="0"/>
+              </a:spcAft>
+              <a:buClrTx/>
+              <a:buSzTx/>
+              <a:buFontTx/>
+              <a:buNone/>
+              <a:tabLst/>
+              <a:defRPr/>
+            </a:pPr>
+            <a:endParaRPr kumimoji="0" lang="en-US" sz="1800" b="0" i="0" u="none" strike="noStrike" kern="1200" cap="none" spc="0" normalizeH="0" baseline="0" noProof="0">
+              <a:ln>
+                <a:noFill/>
+              </a:ln>
+              <a:solidFill>
+                <a:prstClr val="white"/>
+              </a:solidFill>
+              <a:effectLst/>
+              <a:uLnTx/>
+              <a:uFillTx/>
+              <a:latin typeface="Calibri" panose="020F0502020204030204"/>
+              <a:ea typeface="+mn-ea"/>
+              <a:cs typeface="+mn-cs"/>
+            </a:endParaRPr>
+          </a:p>
+        </p:txBody>
+      </p:sp>
       <p:sp>
         <p:nvSpPr>
           <p:cNvPr id="2" name="Title 1">
@@ -3478,13 +3915,24 @@
             <p:ph type="title"/>
           </p:nvPr>
         </p:nvSpPr>
-        <p:spPr/>
-        <p:txBody>
-          <a:bodyPr/>
-          <a:lstStyle/>
-          <a:p>
-            <a:r>
-              <a:rPr lang="en-CH" dirty="0"/>
+        <p:spPr>
+          <a:xfrm>
+            <a:off x="804672" y="640080"/>
+            <a:ext cx="3282696" cy="5257800"/>
+          </a:xfrm>
+        </p:spPr>
+        <p:txBody>
+          <a:bodyPr>
+            <a:normAutofit/>
+          </a:bodyPr>
+          <a:lstStyle/>
+          <a:p>
+            <a:r>
+              <a:rPr lang="en-CH" dirty="0">
+                <a:solidFill>
+                  <a:schemeClr val="bg1"/>
+                </a:solidFill>
+              </a:rPr>
               <a:t>Studie</a:t>
             </a:r>
           </a:p>
@@ -3506,9 +3954,14 @@
             <p:ph idx="1"/>
           </p:nvPr>
         </p:nvSpPr>
-        <p:spPr/>
-        <p:txBody>
-          <a:bodyPr>
+        <p:spPr>
+          <a:xfrm>
+            <a:off x="5358384" y="640081"/>
+            <a:ext cx="6024654" cy="5257800"/>
+          </a:xfrm>
+        </p:spPr>
+        <p:txBody>
+          <a:bodyPr anchor="ctr">
             <a:normAutofit/>
           </a:bodyPr>
           <a:lstStyle/>
@@ -3517,13 +3970,13 @@
               <a:buNone/>
             </a:pPr>
             <a:r>
-              <a:rPr lang="en-CH" dirty="0"/>
+              <a:rPr lang="en-CH" sz="2400" dirty="0"/>
               <a:t>Stichprobendesign:</a:t>
             </a:r>
           </a:p>
           <a:p>
             <a:r>
-              <a:rPr lang="de-CH" dirty="0"/>
+              <a:rPr lang="de-CH" sz="2400" dirty="0"/>
               <a:t>Einteilung in 3 Gruppen (von den Trainern selber)</a:t>
             </a:r>
           </a:p>
@@ -3555,19 +4008,19 @@
           </a:p>
           <a:p>
             <a:r>
-              <a:rPr lang="de-CH" dirty="0"/>
+              <a:rPr lang="de-CH" sz="2400" dirty="0"/>
               <a:t>Studie liefert keine Antwort ob auch so gezogen wurde</a:t>
             </a:r>
           </a:p>
           <a:p>
             <a:r>
-              <a:rPr lang="de-CH" dirty="0"/>
+              <a:rPr lang="de-CH" sz="2400" dirty="0"/>
               <a:t>Getestet wurde über die ganze Stichprobe</a:t>
             </a:r>
-            <a:endParaRPr lang="en-CH" dirty="0"/>
-          </a:p>
-          <a:p>
-            <a:endParaRPr lang="en-CH" dirty="0"/>
+            <a:endParaRPr lang="en-CH" sz="2400" dirty="0"/>
+          </a:p>
+          <a:p>
+            <a:endParaRPr lang="en-CH" sz="2400" dirty="0"/>
           </a:p>
         </p:txBody>
       </p:sp>
@@ -3587,6 +4040,14 @@
 <file path=ppt/slides/slide11.xml><?xml version="1.0" encoding="utf-8"?>
 <p:sld xmlns:a="http://schemas.openxmlformats.org/drawingml/2006/main" xmlns:r="http://schemas.openxmlformats.org/officeDocument/2006/relationships" xmlns:p="http://schemas.openxmlformats.org/presentationml/2006/main">
   <p:cSld>
+    <p:bg>
+      <p:bgPr>
+        <a:solidFill>
+          <a:schemeClr val="bg1"/>
+        </a:solidFill>
+        <a:effectLst/>
+      </p:bgPr>
+    </p:bg>
     <p:spTree>
       <p:nvGrpSpPr>
         <p:cNvPr id="1" name=""/>
@@ -3601,6 +4062,328 @@
           <a:chExt cx="0" cy="0"/>
         </a:xfrm>
       </p:grpSpPr>
+      <p:sp useBgFill="1">
+        <p:nvSpPr>
+          <p:cNvPr id="8" name="Rectangle 7">
+            <a:extLst>
+              <a:ext uri="{FF2B5EF4-FFF2-40B4-BE49-F238E27FC236}">
+                <a16:creationId xmlns:a16="http://schemas.microsoft.com/office/drawing/2014/main" id="{C7FA33FF-088D-4F16-95A2-2C64D353DEA8}"/>
+              </a:ext>
+              <a:ext uri="{C183D7F6-B498-43B3-948B-1728B52AA6E4}">
+                <adec:decorative xmlns:adec="http://schemas.microsoft.com/office/drawing/2017/decorative" val="1"/>
+              </a:ext>
+            </a:extLst>
+          </p:cNvPr>
+          <p:cNvSpPr>
+            <a:spLocks noGrp="1" noRot="1" noChangeAspect="1" noMove="1" noResize="1" noEditPoints="1" noAdjustHandles="1" noChangeArrowheads="1" noChangeShapeType="1" noTextEdit="1"/>
+          </p:cNvSpPr>
+          <p:nvPr>
+            <p:extLst>
+              <p:ext uri="{386F3935-93C4-4BCD-93E2-E3B085C9AB24}">
+                <p16:designElem xmlns:p16="http://schemas.microsoft.com/office/powerpoint/2015/main" val="1"/>
+              </p:ext>
+            </p:extLst>
+          </p:nvPr>
+        </p:nvSpPr>
+        <p:spPr>
+          <a:xfrm>
+            <a:off x="1524" y="0"/>
+            <a:ext cx="12188952" cy="6858000"/>
+          </a:xfrm>
+          <a:prstGeom prst="rect">
+            <a:avLst/>
+          </a:prstGeom>
+          <a:ln>
+            <a:noFill/>
+          </a:ln>
+        </p:spPr>
+        <p:style>
+          <a:lnRef idx="2">
+            <a:schemeClr val="accent1">
+              <a:shade val="50000"/>
+            </a:schemeClr>
+          </a:lnRef>
+          <a:fillRef idx="1">
+            <a:schemeClr val="accent1"/>
+          </a:fillRef>
+          <a:effectRef idx="0">
+            <a:schemeClr val="accent1"/>
+          </a:effectRef>
+          <a:fontRef idx="minor">
+            <a:schemeClr val="lt1"/>
+          </a:fontRef>
+        </p:style>
+        <p:txBody>
+          <a:bodyPr rtlCol="0" anchor="ctr"/>
+          <a:lstStyle/>
+          <a:p>
+            <a:pPr marL="0" marR="0" lvl="0" indent="0" algn="ctr" defTabSz="914400" rtl="0" eaLnBrk="1" fontAlgn="auto" latinLnBrk="0" hangingPunct="1">
+              <a:lnSpc>
+                <a:spcPct val="100000"/>
+              </a:lnSpc>
+              <a:spcBef>
+                <a:spcPts val="0"/>
+              </a:spcBef>
+              <a:spcAft>
+                <a:spcPts val="0"/>
+              </a:spcAft>
+              <a:buClrTx/>
+              <a:buSzTx/>
+              <a:buFontTx/>
+              <a:buNone/>
+              <a:tabLst/>
+              <a:defRPr/>
+            </a:pPr>
+            <a:endParaRPr kumimoji="0" lang="en-US" sz="1800" b="0" i="0" u="none" strike="noStrike" kern="1200" cap="none" spc="0" normalizeH="0" baseline="0" noProof="0">
+              <a:ln>
+                <a:noFill/>
+              </a:ln>
+              <a:solidFill>
+                <a:prstClr val="white"/>
+              </a:solidFill>
+              <a:effectLst/>
+              <a:uLnTx/>
+              <a:uFillTx/>
+              <a:latin typeface="Calibri" panose="020F0502020204030204"/>
+              <a:ea typeface="+mn-ea"/>
+              <a:cs typeface="+mn-cs"/>
+            </a:endParaRPr>
+          </a:p>
+        </p:txBody>
+      </p:sp>
+      <p:sp>
+        <p:nvSpPr>
+          <p:cNvPr id="10" name="Rectangle 9">
+            <a:extLst>
+              <a:ext uri="{FF2B5EF4-FFF2-40B4-BE49-F238E27FC236}">
+                <a16:creationId xmlns:a16="http://schemas.microsoft.com/office/drawing/2014/main" id="{A376EFB1-01CF-419F-ABF1-2AF02BBFCBD1}"/>
+              </a:ext>
+              <a:ext uri="{C183D7F6-B498-43B3-948B-1728B52AA6E4}">
+                <adec:decorative xmlns:adec="http://schemas.microsoft.com/office/drawing/2017/decorative" val="1"/>
+              </a:ext>
+            </a:extLst>
+          </p:cNvPr>
+          <p:cNvSpPr>
+            <a:spLocks noGrp="1" noRot="1" noChangeAspect="1" noMove="1" noResize="1" noEditPoints="1" noAdjustHandles="1" noChangeArrowheads="1" noChangeShapeType="1" noTextEdit="1"/>
+          </p:cNvSpPr>
+          <p:nvPr>
+            <p:extLst>
+              <p:ext uri="{386F3935-93C4-4BCD-93E2-E3B085C9AB24}">
+                <p16:designElem xmlns:p16="http://schemas.microsoft.com/office/powerpoint/2015/main" val="1"/>
+              </p:ext>
+            </p:extLst>
+          </p:nvPr>
+        </p:nvSpPr>
+        <p:spPr>
+          <a:xfrm>
+            <a:off x="0" y="0"/>
+            <a:ext cx="4709160" cy="6858000"/>
+          </a:xfrm>
+          <a:prstGeom prst="rect">
+            <a:avLst/>
+          </a:prstGeom>
+          <a:solidFill>
+            <a:schemeClr val="tx1">
+              <a:alpha val="81000"/>
+            </a:schemeClr>
+          </a:solidFill>
+          <a:ln>
+            <a:noFill/>
+          </a:ln>
+        </p:spPr>
+        <p:style>
+          <a:lnRef idx="2">
+            <a:schemeClr val="accent1">
+              <a:shade val="50000"/>
+            </a:schemeClr>
+          </a:lnRef>
+          <a:fillRef idx="1">
+            <a:schemeClr val="accent1"/>
+          </a:fillRef>
+          <a:effectRef idx="0">
+            <a:schemeClr val="accent1"/>
+          </a:effectRef>
+          <a:fontRef idx="minor">
+            <a:schemeClr val="lt1"/>
+          </a:fontRef>
+        </p:style>
+        <p:txBody>
+          <a:bodyPr rtlCol="0" anchor="ctr"/>
+          <a:lstStyle/>
+          <a:p>
+            <a:pPr marL="0" marR="0" lvl="0" indent="0" algn="ctr" defTabSz="914400" rtl="0" eaLnBrk="1" fontAlgn="auto" latinLnBrk="0" hangingPunct="1">
+              <a:lnSpc>
+                <a:spcPct val="100000"/>
+              </a:lnSpc>
+              <a:spcBef>
+                <a:spcPts val="0"/>
+              </a:spcBef>
+              <a:spcAft>
+                <a:spcPts val="0"/>
+              </a:spcAft>
+              <a:buClrTx/>
+              <a:buSzTx/>
+              <a:buFontTx/>
+              <a:buNone/>
+              <a:tabLst/>
+              <a:defRPr/>
+            </a:pPr>
+            <a:endParaRPr kumimoji="0" lang="en-US" sz="1800" b="0" i="0" u="none" strike="noStrike" kern="1200" cap="none" spc="0" normalizeH="0" baseline="0" noProof="0">
+              <a:ln>
+                <a:noFill/>
+              </a:ln>
+              <a:solidFill>
+                <a:prstClr val="white"/>
+              </a:solidFill>
+              <a:effectLst/>
+              <a:uLnTx/>
+              <a:uFillTx/>
+              <a:latin typeface="Calibri" panose="020F0502020204030204"/>
+              <a:ea typeface="+mn-ea"/>
+              <a:cs typeface="+mn-cs"/>
+            </a:endParaRPr>
+          </a:p>
+        </p:txBody>
+      </p:sp>
+      <p:sp>
+        <p:nvSpPr>
+          <p:cNvPr id="12" name="Freeform: Shape 11">
+            <a:extLst>
+              <a:ext uri="{FF2B5EF4-FFF2-40B4-BE49-F238E27FC236}">
+                <a16:creationId xmlns:a16="http://schemas.microsoft.com/office/drawing/2014/main" id="{FF9DEA15-78BD-4750-AA18-B9F28A6D5AB8}"/>
+              </a:ext>
+              <a:ext uri="{C183D7F6-B498-43B3-948B-1728B52AA6E4}">
+                <adec:decorative xmlns:adec="http://schemas.microsoft.com/office/drawing/2017/decorative" val="1"/>
+              </a:ext>
+            </a:extLst>
+          </p:cNvPr>
+          <p:cNvSpPr>
+            <a:spLocks noGrp="1" noRot="1" noChangeAspect="1" noMove="1" noResize="1" noEditPoints="1" noAdjustHandles="1" noChangeArrowheads="1" noChangeShapeType="1" noTextEdit="1"/>
+          </p:cNvSpPr>
+          <p:nvPr>
+            <p:extLst>
+              <p:ext uri="{386F3935-93C4-4BCD-93E2-E3B085C9AB24}">
+                <p16:designElem xmlns:p16="http://schemas.microsoft.com/office/powerpoint/2015/main" val="1"/>
+              </p:ext>
+            </p:extLst>
+          </p:nvPr>
+        </p:nvSpPr>
+        <p:spPr>
+          <a:xfrm>
+            <a:off x="0" y="0"/>
+            <a:ext cx="3284331" cy="6858000"/>
+          </a:xfrm>
+          <a:custGeom>
+            <a:avLst/>
+            <a:gdLst>
+              <a:gd name="connsiteX0" fmla="*/ 0 w 4319042"/>
+              <a:gd name="connsiteY0" fmla="*/ 0 h 6858000"/>
+              <a:gd name="connsiteX1" fmla="*/ 1142888 w 4319042"/>
+              <a:gd name="connsiteY1" fmla="*/ 0 h 6858000"/>
+              <a:gd name="connsiteX2" fmla="*/ 4319042 w 4319042"/>
+              <a:gd name="connsiteY2" fmla="*/ 6858000 h 6858000"/>
+              <a:gd name="connsiteX3" fmla="*/ 0 w 4319042"/>
+              <a:gd name="connsiteY3" fmla="*/ 6858000 h 6858000"/>
+            </a:gdLst>
+            <a:ahLst/>
+            <a:cxnLst>
+              <a:cxn ang="0">
+                <a:pos x="connsiteX0" y="connsiteY0"/>
+              </a:cxn>
+              <a:cxn ang="0">
+                <a:pos x="connsiteX1" y="connsiteY1"/>
+              </a:cxn>
+              <a:cxn ang="0">
+                <a:pos x="connsiteX2" y="connsiteY2"/>
+              </a:cxn>
+              <a:cxn ang="0">
+                <a:pos x="connsiteX3" y="connsiteY3"/>
+              </a:cxn>
+            </a:cxnLst>
+            <a:rect l="l" t="t" r="r" b="b"/>
+            <a:pathLst>
+              <a:path w="4319042" h="6858000">
+                <a:moveTo>
+                  <a:pt x="0" y="0"/>
+                </a:moveTo>
+                <a:lnTo>
+                  <a:pt x="1142888" y="0"/>
+                </a:lnTo>
+                <a:lnTo>
+                  <a:pt x="4319042" y="6858000"/>
+                </a:lnTo>
+                <a:lnTo>
+                  <a:pt x="0" y="6858000"/>
+                </a:lnTo>
+                <a:close/>
+              </a:path>
+            </a:pathLst>
+          </a:custGeom>
+          <a:solidFill>
+            <a:schemeClr val="tx1">
+              <a:alpha val="35000"/>
+            </a:schemeClr>
+          </a:solidFill>
+          <a:ln>
+            <a:noFill/>
+          </a:ln>
+        </p:spPr>
+        <p:style>
+          <a:lnRef idx="2">
+            <a:schemeClr val="accent1">
+              <a:shade val="50000"/>
+            </a:schemeClr>
+          </a:lnRef>
+          <a:fillRef idx="1">
+            <a:schemeClr val="accent1"/>
+          </a:fillRef>
+          <a:effectRef idx="0">
+            <a:schemeClr val="accent1"/>
+          </a:effectRef>
+          <a:fontRef idx="minor">
+            <a:schemeClr val="lt1"/>
+          </a:fontRef>
+        </p:style>
+        <p:txBody>
+          <a:bodyPr wrap="square" rtlCol="0" anchor="ctr">
+            <a:noAutofit/>
+          </a:bodyPr>
+          <a:lstStyle/>
+          <a:p>
+            <a:pPr marL="0" marR="0" lvl="0" indent="0" algn="ctr" defTabSz="914400" rtl="0" eaLnBrk="1" fontAlgn="auto" latinLnBrk="0" hangingPunct="1">
+              <a:lnSpc>
+                <a:spcPct val="100000"/>
+              </a:lnSpc>
+              <a:spcBef>
+                <a:spcPts val="0"/>
+              </a:spcBef>
+              <a:spcAft>
+                <a:spcPts val="0"/>
+              </a:spcAft>
+              <a:buClrTx/>
+              <a:buSzTx/>
+              <a:buFontTx/>
+              <a:buNone/>
+              <a:tabLst/>
+              <a:defRPr/>
+            </a:pPr>
+            <a:endParaRPr kumimoji="0" lang="en-US" sz="1800" b="0" i="0" u="none" strike="noStrike" kern="1200" cap="none" spc="0" normalizeH="0" baseline="0" noProof="0">
+              <a:ln>
+                <a:noFill/>
+              </a:ln>
+              <a:solidFill>
+                <a:prstClr val="white"/>
+              </a:solidFill>
+              <a:effectLst/>
+              <a:uLnTx/>
+              <a:uFillTx/>
+              <a:latin typeface="Calibri" panose="020F0502020204030204"/>
+              <a:ea typeface="+mn-ea"/>
+              <a:cs typeface="+mn-cs"/>
+            </a:endParaRPr>
+          </a:p>
+        </p:txBody>
+      </p:sp>
       <p:sp>
         <p:nvSpPr>
           <p:cNvPr id="2" name="Title 1">
@@ -3617,47 +4400,62 @@
             <p:ph type="title"/>
           </p:nvPr>
         </p:nvSpPr>
-        <p:spPr/>
-        <p:txBody>
-          <a:bodyPr/>
-          <a:lstStyle/>
-          <a:p>
-            <a:r>
-              <a:rPr lang="en-CH"/>
-              <a:t>Studie</a:t>
-            </a:r>
-            <a:endParaRPr lang="en-CH" dirty="0"/>
-          </a:p>
-        </p:txBody>
-      </p:sp>
-      <p:sp>
-        <p:nvSpPr>
-          <p:cNvPr id="3" name="Content Placeholder 2">
-            <a:extLst>
-              <a:ext uri="{FF2B5EF4-FFF2-40B4-BE49-F238E27FC236}">
-                <a16:creationId xmlns:a16="http://schemas.microsoft.com/office/drawing/2014/main" id="{BC8D644B-59E1-D945-A6AC-CC55E25E5AB2}"/>
-              </a:ext>
-            </a:extLst>
-          </p:cNvPr>
-          <p:cNvSpPr>
-            <a:spLocks noGrp="1"/>
-          </p:cNvSpPr>
-          <p:nvPr>
-            <p:ph idx="1"/>
-          </p:nvPr>
-        </p:nvSpPr>
-        <p:spPr/>
+        <p:spPr>
+          <a:xfrm>
+            <a:off x="804672" y="640080"/>
+            <a:ext cx="3282696" cy="5257800"/>
+          </a:xfrm>
+        </p:spPr>
         <p:txBody>
           <a:bodyPr>
             <a:normAutofit/>
           </a:bodyPr>
           <a:lstStyle/>
           <a:p>
+            <a:r>
+              <a:rPr lang="en-CH">
+                <a:solidFill>
+                  <a:schemeClr val="bg1"/>
+                </a:solidFill>
+              </a:rPr>
+              <a:t>Studie</a:t>
+            </a:r>
+          </a:p>
+        </p:txBody>
+      </p:sp>
+      <p:sp>
+        <p:nvSpPr>
+          <p:cNvPr id="11" name="Content Placeholder 2">
+            <a:extLst>
+              <a:ext uri="{FF2B5EF4-FFF2-40B4-BE49-F238E27FC236}">
+                <a16:creationId xmlns:a16="http://schemas.microsoft.com/office/drawing/2014/main" id="{6140F0BD-4985-AE46-85DC-7634DEA93666}"/>
+              </a:ext>
+            </a:extLst>
+          </p:cNvPr>
+          <p:cNvSpPr>
+            <a:spLocks noGrp="1"/>
+          </p:cNvSpPr>
+          <p:nvPr>
+            <p:ph idx="1"/>
+          </p:nvPr>
+        </p:nvSpPr>
+        <p:spPr>
+          <a:xfrm>
+            <a:off x="5358384" y="733761"/>
+            <a:ext cx="5157216" cy="3773010"/>
+          </a:xfrm>
+        </p:spPr>
+        <p:txBody>
+          <a:bodyPr>
+            <a:normAutofit/>
+          </a:bodyPr>
+          <a:lstStyle/>
+          <a:p>
             <a:pPr marL="0" indent="0">
               <a:buNone/>
             </a:pPr>
             <a:r>
-              <a:rPr lang="en-CH"/>
+              <a:rPr lang="en-CH" sz="2400" dirty="0"/>
               <a:t>Designgewichte:</a:t>
             </a:r>
           </a:p>
@@ -3665,16 +4463,16 @@
             <a:pPr marL="0" indent="0">
               <a:buNone/>
             </a:pPr>
-            <a:endParaRPr lang="en-CH" dirty="0"/>
+            <a:endParaRPr lang="en-CH" sz="2000" dirty="0"/>
           </a:p>
         </p:txBody>
       </p:sp>
       <p:pic>
         <p:nvPicPr>
-          <p:cNvPr id="11" name="Picture 10" descr="Chart, bar chart&#10;&#10;Description automatically generated">
+          <p:cNvPr id="7" name="Picture 6" descr="Table&#10;&#10;Description automatically generated">
             <a:extLst>
               <a:ext uri="{FF2B5EF4-FFF2-40B4-BE49-F238E27FC236}">
-                <a16:creationId xmlns:a16="http://schemas.microsoft.com/office/drawing/2014/main" id="{09127E71-532A-E545-B791-244A6FF97460}"/>
+                <a16:creationId xmlns:a16="http://schemas.microsoft.com/office/drawing/2014/main" id="{35752B81-40A0-924E-9F0C-0849FBEB6C7B}"/>
               </a:ext>
             </a:extLst>
           </p:cNvPr>
@@ -3691,8 +4489,8 @@
         </p:blipFill>
         <p:spPr>
           <a:xfrm>
-            <a:off x="4827534" y="1120302"/>
-            <a:ext cx="6371324" cy="4617396"/>
+            <a:off x="4893779" y="1845646"/>
+            <a:ext cx="6493549" cy="2846667"/>
           </a:xfrm>
           <a:prstGeom prst="rect">
             <a:avLst/>
@@ -3702,7 +4500,7 @@
     </p:spTree>
     <p:extLst>
       <p:ext uri="{BB962C8B-B14F-4D97-AF65-F5344CB8AC3E}">
-        <p14:creationId xmlns:p14="http://schemas.microsoft.com/office/powerpoint/2010/main" val="4050668738"/>
+        <p14:creationId xmlns:p14="http://schemas.microsoft.com/office/powerpoint/2010/main" val="2786973226"/>
       </p:ext>
     </p:extLst>
   </p:cSld>
@@ -3712,9 +4510,17 @@
 </p:sld>
 </file>
 
-<file path=ppt/slides/slide2.xml><?xml version="1.0" encoding="utf-8"?>
+<file path=ppt/slides/slide12.xml><?xml version="1.0" encoding="utf-8"?>
 <p:sld xmlns:a="http://schemas.openxmlformats.org/drawingml/2006/main" xmlns:r="http://schemas.openxmlformats.org/officeDocument/2006/relationships" xmlns:p="http://schemas.openxmlformats.org/presentationml/2006/main">
   <p:cSld>
+    <p:bg>
+      <p:bgPr>
+        <a:solidFill>
+          <a:schemeClr val="bg1"/>
+        </a:solidFill>
+        <a:effectLst/>
+      </p:bgPr>
+    </p:bg>
     <p:spTree>
       <p:nvGrpSpPr>
         <p:cNvPr id="1" name=""/>
@@ -3729,6 +4535,1274 @@
           <a:chExt cx="0" cy="0"/>
         </a:xfrm>
       </p:grpSpPr>
+      <p:sp useBgFill="1">
+        <p:nvSpPr>
+          <p:cNvPr id="8" name="Rectangle 7">
+            <a:extLst>
+              <a:ext uri="{FF2B5EF4-FFF2-40B4-BE49-F238E27FC236}">
+                <a16:creationId xmlns:a16="http://schemas.microsoft.com/office/drawing/2014/main" id="{C7FA33FF-088D-4F16-95A2-2C64D353DEA8}"/>
+              </a:ext>
+              <a:ext uri="{C183D7F6-B498-43B3-948B-1728B52AA6E4}">
+                <adec:decorative xmlns:adec="http://schemas.microsoft.com/office/drawing/2017/decorative" val="1"/>
+              </a:ext>
+            </a:extLst>
+          </p:cNvPr>
+          <p:cNvSpPr>
+            <a:spLocks noGrp="1" noRot="1" noChangeAspect="1" noMove="1" noResize="1" noEditPoints="1" noAdjustHandles="1" noChangeArrowheads="1" noChangeShapeType="1" noTextEdit="1"/>
+          </p:cNvSpPr>
+          <p:nvPr>
+            <p:extLst>
+              <p:ext uri="{386F3935-93C4-4BCD-93E2-E3B085C9AB24}">
+                <p16:designElem xmlns:p16="http://schemas.microsoft.com/office/powerpoint/2015/main" val="1"/>
+              </p:ext>
+            </p:extLst>
+          </p:nvPr>
+        </p:nvSpPr>
+        <p:spPr>
+          <a:xfrm>
+            <a:off x="1524" y="0"/>
+            <a:ext cx="12188952" cy="6858000"/>
+          </a:xfrm>
+          <a:prstGeom prst="rect">
+            <a:avLst/>
+          </a:prstGeom>
+          <a:ln>
+            <a:noFill/>
+          </a:ln>
+        </p:spPr>
+        <p:style>
+          <a:lnRef idx="2">
+            <a:schemeClr val="accent1">
+              <a:shade val="50000"/>
+            </a:schemeClr>
+          </a:lnRef>
+          <a:fillRef idx="1">
+            <a:schemeClr val="accent1"/>
+          </a:fillRef>
+          <a:effectRef idx="0">
+            <a:schemeClr val="accent1"/>
+          </a:effectRef>
+          <a:fontRef idx="minor">
+            <a:schemeClr val="lt1"/>
+          </a:fontRef>
+        </p:style>
+        <p:txBody>
+          <a:bodyPr rtlCol="0" anchor="ctr"/>
+          <a:lstStyle/>
+          <a:p>
+            <a:pPr marL="0" marR="0" lvl="0" indent="0" algn="ctr" defTabSz="914400" rtl="0" eaLnBrk="1" fontAlgn="auto" latinLnBrk="0" hangingPunct="1">
+              <a:lnSpc>
+                <a:spcPct val="100000"/>
+              </a:lnSpc>
+              <a:spcBef>
+                <a:spcPts val="0"/>
+              </a:spcBef>
+              <a:spcAft>
+                <a:spcPts val="0"/>
+              </a:spcAft>
+              <a:buClrTx/>
+              <a:buSzTx/>
+              <a:buFontTx/>
+              <a:buNone/>
+              <a:tabLst/>
+              <a:defRPr/>
+            </a:pPr>
+            <a:endParaRPr kumimoji="0" lang="en-US" sz="1800" b="0" i="0" u="none" strike="noStrike" kern="1200" cap="none" spc="0" normalizeH="0" baseline="0" noProof="0">
+              <a:ln>
+                <a:noFill/>
+              </a:ln>
+              <a:solidFill>
+                <a:prstClr val="white"/>
+              </a:solidFill>
+              <a:effectLst/>
+              <a:uLnTx/>
+              <a:uFillTx/>
+              <a:latin typeface="Calibri" panose="020F0502020204030204"/>
+              <a:ea typeface="+mn-ea"/>
+              <a:cs typeface="+mn-cs"/>
+            </a:endParaRPr>
+          </a:p>
+        </p:txBody>
+      </p:sp>
+      <p:sp>
+        <p:nvSpPr>
+          <p:cNvPr id="10" name="Rectangle 9">
+            <a:extLst>
+              <a:ext uri="{FF2B5EF4-FFF2-40B4-BE49-F238E27FC236}">
+                <a16:creationId xmlns:a16="http://schemas.microsoft.com/office/drawing/2014/main" id="{A376EFB1-01CF-419F-ABF1-2AF02BBFCBD1}"/>
+              </a:ext>
+              <a:ext uri="{C183D7F6-B498-43B3-948B-1728B52AA6E4}">
+                <adec:decorative xmlns:adec="http://schemas.microsoft.com/office/drawing/2017/decorative" val="1"/>
+              </a:ext>
+            </a:extLst>
+          </p:cNvPr>
+          <p:cNvSpPr>
+            <a:spLocks noGrp="1" noRot="1" noChangeAspect="1" noMove="1" noResize="1" noEditPoints="1" noAdjustHandles="1" noChangeArrowheads="1" noChangeShapeType="1" noTextEdit="1"/>
+          </p:cNvSpPr>
+          <p:nvPr>
+            <p:extLst>
+              <p:ext uri="{386F3935-93C4-4BCD-93E2-E3B085C9AB24}">
+                <p16:designElem xmlns:p16="http://schemas.microsoft.com/office/powerpoint/2015/main" val="1"/>
+              </p:ext>
+            </p:extLst>
+          </p:nvPr>
+        </p:nvSpPr>
+        <p:spPr>
+          <a:xfrm>
+            <a:off x="0" y="0"/>
+            <a:ext cx="4709160" cy="6858000"/>
+          </a:xfrm>
+          <a:prstGeom prst="rect">
+            <a:avLst/>
+          </a:prstGeom>
+          <a:solidFill>
+            <a:schemeClr val="tx1">
+              <a:alpha val="81000"/>
+            </a:schemeClr>
+          </a:solidFill>
+          <a:ln>
+            <a:noFill/>
+          </a:ln>
+        </p:spPr>
+        <p:style>
+          <a:lnRef idx="2">
+            <a:schemeClr val="accent1">
+              <a:shade val="50000"/>
+            </a:schemeClr>
+          </a:lnRef>
+          <a:fillRef idx="1">
+            <a:schemeClr val="accent1"/>
+          </a:fillRef>
+          <a:effectRef idx="0">
+            <a:schemeClr val="accent1"/>
+          </a:effectRef>
+          <a:fontRef idx="minor">
+            <a:schemeClr val="lt1"/>
+          </a:fontRef>
+        </p:style>
+        <p:txBody>
+          <a:bodyPr rtlCol="0" anchor="ctr"/>
+          <a:lstStyle/>
+          <a:p>
+            <a:pPr marL="0" marR="0" lvl="0" indent="0" algn="ctr" defTabSz="914400" rtl="0" eaLnBrk="1" fontAlgn="auto" latinLnBrk="0" hangingPunct="1">
+              <a:lnSpc>
+                <a:spcPct val="100000"/>
+              </a:lnSpc>
+              <a:spcBef>
+                <a:spcPts val="0"/>
+              </a:spcBef>
+              <a:spcAft>
+                <a:spcPts val="0"/>
+              </a:spcAft>
+              <a:buClrTx/>
+              <a:buSzTx/>
+              <a:buFontTx/>
+              <a:buNone/>
+              <a:tabLst/>
+              <a:defRPr/>
+            </a:pPr>
+            <a:endParaRPr kumimoji="0" lang="en-US" sz="1800" b="0" i="0" u="none" strike="noStrike" kern="1200" cap="none" spc="0" normalizeH="0" baseline="0" noProof="0">
+              <a:ln>
+                <a:noFill/>
+              </a:ln>
+              <a:solidFill>
+                <a:prstClr val="white"/>
+              </a:solidFill>
+              <a:effectLst/>
+              <a:uLnTx/>
+              <a:uFillTx/>
+              <a:latin typeface="Calibri" panose="020F0502020204030204"/>
+              <a:ea typeface="+mn-ea"/>
+              <a:cs typeface="+mn-cs"/>
+            </a:endParaRPr>
+          </a:p>
+        </p:txBody>
+      </p:sp>
+      <p:sp>
+        <p:nvSpPr>
+          <p:cNvPr id="12" name="Freeform: Shape 11">
+            <a:extLst>
+              <a:ext uri="{FF2B5EF4-FFF2-40B4-BE49-F238E27FC236}">
+                <a16:creationId xmlns:a16="http://schemas.microsoft.com/office/drawing/2014/main" id="{FF9DEA15-78BD-4750-AA18-B9F28A6D5AB8}"/>
+              </a:ext>
+              <a:ext uri="{C183D7F6-B498-43B3-948B-1728B52AA6E4}">
+                <adec:decorative xmlns:adec="http://schemas.microsoft.com/office/drawing/2017/decorative" val="1"/>
+              </a:ext>
+            </a:extLst>
+          </p:cNvPr>
+          <p:cNvSpPr>
+            <a:spLocks noGrp="1" noRot="1" noChangeAspect="1" noMove="1" noResize="1" noEditPoints="1" noAdjustHandles="1" noChangeArrowheads="1" noChangeShapeType="1" noTextEdit="1"/>
+          </p:cNvSpPr>
+          <p:nvPr>
+            <p:extLst>
+              <p:ext uri="{386F3935-93C4-4BCD-93E2-E3B085C9AB24}">
+                <p16:designElem xmlns:p16="http://schemas.microsoft.com/office/powerpoint/2015/main" val="1"/>
+              </p:ext>
+            </p:extLst>
+          </p:nvPr>
+        </p:nvSpPr>
+        <p:spPr>
+          <a:xfrm>
+            <a:off x="0" y="0"/>
+            <a:ext cx="3284331" cy="6858000"/>
+          </a:xfrm>
+          <a:custGeom>
+            <a:avLst/>
+            <a:gdLst>
+              <a:gd name="connsiteX0" fmla="*/ 0 w 4319042"/>
+              <a:gd name="connsiteY0" fmla="*/ 0 h 6858000"/>
+              <a:gd name="connsiteX1" fmla="*/ 1142888 w 4319042"/>
+              <a:gd name="connsiteY1" fmla="*/ 0 h 6858000"/>
+              <a:gd name="connsiteX2" fmla="*/ 4319042 w 4319042"/>
+              <a:gd name="connsiteY2" fmla="*/ 6858000 h 6858000"/>
+              <a:gd name="connsiteX3" fmla="*/ 0 w 4319042"/>
+              <a:gd name="connsiteY3" fmla="*/ 6858000 h 6858000"/>
+            </a:gdLst>
+            <a:ahLst/>
+            <a:cxnLst>
+              <a:cxn ang="0">
+                <a:pos x="connsiteX0" y="connsiteY0"/>
+              </a:cxn>
+              <a:cxn ang="0">
+                <a:pos x="connsiteX1" y="connsiteY1"/>
+              </a:cxn>
+              <a:cxn ang="0">
+                <a:pos x="connsiteX2" y="connsiteY2"/>
+              </a:cxn>
+              <a:cxn ang="0">
+                <a:pos x="connsiteX3" y="connsiteY3"/>
+              </a:cxn>
+            </a:cxnLst>
+            <a:rect l="l" t="t" r="r" b="b"/>
+            <a:pathLst>
+              <a:path w="4319042" h="6858000">
+                <a:moveTo>
+                  <a:pt x="0" y="0"/>
+                </a:moveTo>
+                <a:lnTo>
+                  <a:pt x="1142888" y="0"/>
+                </a:lnTo>
+                <a:lnTo>
+                  <a:pt x="4319042" y="6858000"/>
+                </a:lnTo>
+                <a:lnTo>
+                  <a:pt x="0" y="6858000"/>
+                </a:lnTo>
+                <a:close/>
+              </a:path>
+            </a:pathLst>
+          </a:custGeom>
+          <a:solidFill>
+            <a:schemeClr val="tx1">
+              <a:alpha val="35000"/>
+            </a:schemeClr>
+          </a:solidFill>
+          <a:ln>
+            <a:noFill/>
+          </a:ln>
+        </p:spPr>
+        <p:style>
+          <a:lnRef idx="2">
+            <a:schemeClr val="accent1">
+              <a:shade val="50000"/>
+            </a:schemeClr>
+          </a:lnRef>
+          <a:fillRef idx="1">
+            <a:schemeClr val="accent1"/>
+          </a:fillRef>
+          <a:effectRef idx="0">
+            <a:schemeClr val="accent1"/>
+          </a:effectRef>
+          <a:fontRef idx="minor">
+            <a:schemeClr val="lt1"/>
+          </a:fontRef>
+        </p:style>
+        <p:txBody>
+          <a:bodyPr wrap="square" rtlCol="0" anchor="ctr">
+            <a:noAutofit/>
+          </a:bodyPr>
+          <a:lstStyle/>
+          <a:p>
+            <a:pPr marL="0" marR="0" lvl="0" indent="0" algn="ctr" defTabSz="914400" rtl="0" eaLnBrk="1" fontAlgn="auto" latinLnBrk="0" hangingPunct="1">
+              <a:lnSpc>
+                <a:spcPct val="100000"/>
+              </a:lnSpc>
+              <a:spcBef>
+                <a:spcPts val="0"/>
+              </a:spcBef>
+              <a:spcAft>
+                <a:spcPts val="0"/>
+              </a:spcAft>
+              <a:buClrTx/>
+              <a:buSzTx/>
+              <a:buFontTx/>
+              <a:buNone/>
+              <a:tabLst/>
+              <a:defRPr/>
+            </a:pPr>
+            <a:endParaRPr kumimoji="0" lang="en-US" sz="1800" b="0" i="0" u="none" strike="noStrike" kern="1200" cap="none" spc="0" normalizeH="0" baseline="0" noProof="0">
+              <a:ln>
+                <a:noFill/>
+              </a:ln>
+              <a:solidFill>
+                <a:prstClr val="white"/>
+              </a:solidFill>
+              <a:effectLst/>
+              <a:uLnTx/>
+              <a:uFillTx/>
+              <a:latin typeface="Calibri" panose="020F0502020204030204"/>
+              <a:ea typeface="+mn-ea"/>
+              <a:cs typeface="+mn-cs"/>
+            </a:endParaRPr>
+          </a:p>
+        </p:txBody>
+      </p:sp>
+      <p:sp>
+        <p:nvSpPr>
+          <p:cNvPr id="2" name="Title 1">
+            <a:extLst>
+              <a:ext uri="{FF2B5EF4-FFF2-40B4-BE49-F238E27FC236}">
+                <a16:creationId xmlns:a16="http://schemas.microsoft.com/office/drawing/2014/main" id="{1F4CB0B1-7592-D248-BB70-2D4CDB554DB1}"/>
+              </a:ext>
+            </a:extLst>
+          </p:cNvPr>
+          <p:cNvSpPr>
+            <a:spLocks noGrp="1"/>
+          </p:cNvSpPr>
+          <p:nvPr>
+            <p:ph type="title"/>
+          </p:nvPr>
+        </p:nvSpPr>
+        <p:spPr>
+          <a:xfrm>
+            <a:off x="804672" y="640080"/>
+            <a:ext cx="3282696" cy="5257800"/>
+          </a:xfrm>
+        </p:spPr>
+        <p:txBody>
+          <a:bodyPr>
+            <a:normAutofit/>
+          </a:bodyPr>
+          <a:lstStyle/>
+          <a:p>
+            <a:r>
+              <a:rPr lang="en-CH">
+                <a:solidFill>
+                  <a:schemeClr val="bg1"/>
+                </a:solidFill>
+              </a:rPr>
+              <a:t>Studie</a:t>
+            </a:r>
+          </a:p>
+        </p:txBody>
+      </p:sp>
+      <p:pic>
+        <p:nvPicPr>
+          <p:cNvPr id="9" name="Picture 8" descr="Chart, bar chart&#10;&#10;Description automatically generated">
+            <a:extLst>
+              <a:ext uri="{FF2B5EF4-FFF2-40B4-BE49-F238E27FC236}">
+                <a16:creationId xmlns:a16="http://schemas.microsoft.com/office/drawing/2014/main" id="{B0F8582B-19AF-AE4E-B676-B4A36EC7DBE3}"/>
+              </a:ext>
+            </a:extLst>
+          </p:cNvPr>
+          <p:cNvPicPr>
+            <a:picLocks noChangeAspect="1"/>
+          </p:cNvPicPr>
+          <p:nvPr/>
+        </p:nvPicPr>
+        <p:blipFill>
+          <a:blip r:embed="rId2"/>
+          <a:stretch>
+            <a:fillRect/>
+          </a:stretch>
+        </p:blipFill>
+        <p:spPr>
+          <a:xfrm>
+            <a:off x="5585567" y="1585411"/>
+            <a:ext cx="5847672" cy="4254181"/>
+          </a:xfrm>
+          <a:prstGeom prst="rect">
+            <a:avLst/>
+          </a:prstGeom>
+        </p:spPr>
+      </p:pic>
+      <p:sp>
+        <p:nvSpPr>
+          <p:cNvPr id="11" name="Content Placeholder 2">
+            <a:extLst>
+              <a:ext uri="{FF2B5EF4-FFF2-40B4-BE49-F238E27FC236}">
+                <a16:creationId xmlns:a16="http://schemas.microsoft.com/office/drawing/2014/main" id="{6140F0BD-4985-AE46-85DC-7634DEA93666}"/>
+              </a:ext>
+            </a:extLst>
+          </p:cNvPr>
+          <p:cNvSpPr>
+            <a:spLocks noGrp="1"/>
+          </p:cNvSpPr>
+          <p:nvPr>
+            <p:ph idx="1"/>
+          </p:nvPr>
+        </p:nvSpPr>
+        <p:spPr>
+          <a:xfrm>
+            <a:off x="5358384" y="733761"/>
+            <a:ext cx="5157216" cy="3773010"/>
+          </a:xfrm>
+        </p:spPr>
+        <p:txBody>
+          <a:bodyPr>
+            <a:normAutofit/>
+          </a:bodyPr>
+          <a:lstStyle/>
+          <a:p>
+            <a:pPr marL="0" indent="0">
+              <a:buNone/>
+            </a:pPr>
+            <a:r>
+              <a:rPr lang="en-CH" sz="2400" dirty="0"/>
+              <a:t>Designgewichte:</a:t>
+            </a:r>
+          </a:p>
+          <a:p>
+            <a:pPr marL="0" indent="0">
+              <a:buNone/>
+            </a:pPr>
+            <a:endParaRPr lang="en-CH" sz="2000" dirty="0"/>
+          </a:p>
+        </p:txBody>
+      </p:sp>
+    </p:spTree>
+    <p:extLst>
+      <p:ext uri="{BB962C8B-B14F-4D97-AF65-F5344CB8AC3E}">
+        <p14:creationId xmlns:p14="http://schemas.microsoft.com/office/powerpoint/2010/main" val="1558388661"/>
+      </p:ext>
+    </p:extLst>
+  </p:cSld>
+  <p:clrMapOvr>
+    <a:masterClrMapping/>
+  </p:clrMapOvr>
+</p:sld>
+</file>
+
+<file path=ppt/slides/slide13.xml><?xml version="1.0" encoding="utf-8"?>
+<p:sld xmlns:a="http://schemas.openxmlformats.org/drawingml/2006/main" xmlns:r="http://schemas.openxmlformats.org/officeDocument/2006/relationships" xmlns:p="http://schemas.openxmlformats.org/presentationml/2006/main">
+  <p:cSld>
+    <p:bg>
+      <p:bgPr>
+        <a:solidFill>
+          <a:schemeClr val="bg1"/>
+        </a:solidFill>
+        <a:effectLst/>
+      </p:bgPr>
+    </p:bg>
+    <p:spTree>
+      <p:nvGrpSpPr>
+        <p:cNvPr id="1" name=""/>
+        <p:cNvGrpSpPr/>
+        <p:nvPr/>
+      </p:nvGrpSpPr>
+      <p:grpSpPr>
+        <a:xfrm>
+          <a:off x="0" y="0"/>
+          <a:ext cx="0" cy="0"/>
+          <a:chOff x="0" y="0"/>
+          <a:chExt cx="0" cy="0"/>
+        </a:xfrm>
+      </p:grpSpPr>
+      <p:sp useBgFill="1">
+        <p:nvSpPr>
+          <p:cNvPr id="8" name="Rectangle 7">
+            <a:extLst>
+              <a:ext uri="{FF2B5EF4-FFF2-40B4-BE49-F238E27FC236}">
+                <a16:creationId xmlns:a16="http://schemas.microsoft.com/office/drawing/2014/main" id="{C7FA33FF-088D-4F16-95A2-2C64D353DEA8}"/>
+              </a:ext>
+              <a:ext uri="{C183D7F6-B498-43B3-948B-1728B52AA6E4}">
+                <adec:decorative xmlns:adec="http://schemas.microsoft.com/office/drawing/2017/decorative" val="1"/>
+              </a:ext>
+            </a:extLst>
+          </p:cNvPr>
+          <p:cNvSpPr>
+            <a:spLocks noGrp="1" noRot="1" noChangeAspect="1" noMove="1" noResize="1" noEditPoints="1" noAdjustHandles="1" noChangeArrowheads="1" noChangeShapeType="1" noTextEdit="1"/>
+          </p:cNvSpPr>
+          <p:nvPr>
+            <p:extLst>
+              <p:ext uri="{386F3935-93C4-4BCD-93E2-E3B085C9AB24}">
+                <p16:designElem xmlns:p16="http://schemas.microsoft.com/office/powerpoint/2015/main" val="1"/>
+              </p:ext>
+            </p:extLst>
+          </p:nvPr>
+        </p:nvSpPr>
+        <p:spPr>
+          <a:xfrm>
+            <a:off x="1524" y="0"/>
+            <a:ext cx="12188952" cy="6858000"/>
+          </a:xfrm>
+          <a:prstGeom prst="rect">
+            <a:avLst/>
+          </a:prstGeom>
+          <a:ln>
+            <a:noFill/>
+          </a:ln>
+        </p:spPr>
+        <p:style>
+          <a:lnRef idx="2">
+            <a:schemeClr val="accent1">
+              <a:shade val="50000"/>
+            </a:schemeClr>
+          </a:lnRef>
+          <a:fillRef idx="1">
+            <a:schemeClr val="accent1"/>
+          </a:fillRef>
+          <a:effectRef idx="0">
+            <a:schemeClr val="accent1"/>
+          </a:effectRef>
+          <a:fontRef idx="minor">
+            <a:schemeClr val="lt1"/>
+          </a:fontRef>
+        </p:style>
+        <p:txBody>
+          <a:bodyPr rtlCol="0" anchor="ctr"/>
+          <a:lstStyle/>
+          <a:p>
+            <a:pPr marL="0" marR="0" lvl="0" indent="0" algn="ctr" defTabSz="914400" rtl="0" eaLnBrk="1" fontAlgn="auto" latinLnBrk="0" hangingPunct="1">
+              <a:lnSpc>
+                <a:spcPct val="100000"/>
+              </a:lnSpc>
+              <a:spcBef>
+                <a:spcPts val="0"/>
+              </a:spcBef>
+              <a:spcAft>
+                <a:spcPts val="0"/>
+              </a:spcAft>
+              <a:buClrTx/>
+              <a:buSzTx/>
+              <a:buFontTx/>
+              <a:buNone/>
+              <a:tabLst/>
+              <a:defRPr/>
+            </a:pPr>
+            <a:endParaRPr kumimoji="0" lang="en-US" sz="1800" b="0" i="0" u="none" strike="noStrike" kern="1200" cap="none" spc="0" normalizeH="0" baseline="0" noProof="0">
+              <a:ln>
+                <a:noFill/>
+              </a:ln>
+              <a:solidFill>
+                <a:prstClr val="white"/>
+              </a:solidFill>
+              <a:effectLst/>
+              <a:uLnTx/>
+              <a:uFillTx/>
+              <a:latin typeface="Calibri" panose="020F0502020204030204"/>
+              <a:ea typeface="+mn-ea"/>
+              <a:cs typeface="+mn-cs"/>
+            </a:endParaRPr>
+          </a:p>
+        </p:txBody>
+      </p:sp>
+      <p:sp>
+        <p:nvSpPr>
+          <p:cNvPr id="10" name="Rectangle 9">
+            <a:extLst>
+              <a:ext uri="{FF2B5EF4-FFF2-40B4-BE49-F238E27FC236}">
+                <a16:creationId xmlns:a16="http://schemas.microsoft.com/office/drawing/2014/main" id="{A376EFB1-01CF-419F-ABF1-2AF02BBFCBD1}"/>
+              </a:ext>
+              <a:ext uri="{C183D7F6-B498-43B3-948B-1728B52AA6E4}">
+                <adec:decorative xmlns:adec="http://schemas.microsoft.com/office/drawing/2017/decorative" val="1"/>
+              </a:ext>
+            </a:extLst>
+          </p:cNvPr>
+          <p:cNvSpPr>
+            <a:spLocks noGrp="1" noRot="1" noChangeAspect="1" noMove="1" noResize="1" noEditPoints="1" noAdjustHandles="1" noChangeArrowheads="1" noChangeShapeType="1" noTextEdit="1"/>
+          </p:cNvSpPr>
+          <p:nvPr>
+            <p:extLst>
+              <p:ext uri="{386F3935-93C4-4BCD-93E2-E3B085C9AB24}">
+                <p16:designElem xmlns:p16="http://schemas.microsoft.com/office/powerpoint/2015/main" val="1"/>
+              </p:ext>
+            </p:extLst>
+          </p:nvPr>
+        </p:nvSpPr>
+        <p:spPr>
+          <a:xfrm>
+            <a:off x="0" y="0"/>
+            <a:ext cx="4709160" cy="6858000"/>
+          </a:xfrm>
+          <a:prstGeom prst="rect">
+            <a:avLst/>
+          </a:prstGeom>
+          <a:solidFill>
+            <a:schemeClr val="tx1">
+              <a:alpha val="81000"/>
+            </a:schemeClr>
+          </a:solidFill>
+          <a:ln>
+            <a:noFill/>
+          </a:ln>
+        </p:spPr>
+        <p:style>
+          <a:lnRef idx="2">
+            <a:schemeClr val="accent1">
+              <a:shade val="50000"/>
+            </a:schemeClr>
+          </a:lnRef>
+          <a:fillRef idx="1">
+            <a:schemeClr val="accent1"/>
+          </a:fillRef>
+          <a:effectRef idx="0">
+            <a:schemeClr val="accent1"/>
+          </a:effectRef>
+          <a:fontRef idx="minor">
+            <a:schemeClr val="lt1"/>
+          </a:fontRef>
+        </p:style>
+        <p:txBody>
+          <a:bodyPr rtlCol="0" anchor="ctr"/>
+          <a:lstStyle/>
+          <a:p>
+            <a:pPr marL="0" marR="0" lvl="0" indent="0" algn="ctr" defTabSz="914400" rtl="0" eaLnBrk="1" fontAlgn="auto" latinLnBrk="0" hangingPunct="1">
+              <a:lnSpc>
+                <a:spcPct val="100000"/>
+              </a:lnSpc>
+              <a:spcBef>
+                <a:spcPts val="0"/>
+              </a:spcBef>
+              <a:spcAft>
+                <a:spcPts val="0"/>
+              </a:spcAft>
+              <a:buClrTx/>
+              <a:buSzTx/>
+              <a:buFontTx/>
+              <a:buNone/>
+              <a:tabLst/>
+              <a:defRPr/>
+            </a:pPr>
+            <a:endParaRPr kumimoji="0" lang="en-US" sz="1800" b="0" i="0" u="none" strike="noStrike" kern="1200" cap="none" spc="0" normalizeH="0" baseline="0" noProof="0">
+              <a:ln>
+                <a:noFill/>
+              </a:ln>
+              <a:solidFill>
+                <a:prstClr val="white"/>
+              </a:solidFill>
+              <a:effectLst/>
+              <a:uLnTx/>
+              <a:uFillTx/>
+              <a:latin typeface="Calibri" panose="020F0502020204030204"/>
+              <a:ea typeface="+mn-ea"/>
+              <a:cs typeface="+mn-cs"/>
+            </a:endParaRPr>
+          </a:p>
+        </p:txBody>
+      </p:sp>
+      <p:sp>
+        <p:nvSpPr>
+          <p:cNvPr id="12" name="Freeform: Shape 11">
+            <a:extLst>
+              <a:ext uri="{FF2B5EF4-FFF2-40B4-BE49-F238E27FC236}">
+                <a16:creationId xmlns:a16="http://schemas.microsoft.com/office/drawing/2014/main" id="{FF9DEA15-78BD-4750-AA18-B9F28A6D5AB8}"/>
+              </a:ext>
+              <a:ext uri="{C183D7F6-B498-43B3-948B-1728B52AA6E4}">
+                <adec:decorative xmlns:adec="http://schemas.microsoft.com/office/drawing/2017/decorative" val="1"/>
+              </a:ext>
+            </a:extLst>
+          </p:cNvPr>
+          <p:cNvSpPr>
+            <a:spLocks noGrp="1" noRot="1" noChangeAspect="1" noMove="1" noResize="1" noEditPoints="1" noAdjustHandles="1" noChangeArrowheads="1" noChangeShapeType="1" noTextEdit="1"/>
+          </p:cNvSpPr>
+          <p:nvPr>
+            <p:extLst>
+              <p:ext uri="{386F3935-93C4-4BCD-93E2-E3B085C9AB24}">
+                <p16:designElem xmlns:p16="http://schemas.microsoft.com/office/powerpoint/2015/main" val="1"/>
+              </p:ext>
+            </p:extLst>
+          </p:nvPr>
+        </p:nvSpPr>
+        <p:spPr>
+          <a:xfrm>
+            <a:off x="0" y="0"/>
+            <a:ext cx="3284331" cy="6858000"/>
+          </a:xfrm>
+          <a:custGeom>
+            <a:avLst/>
+            <a:gdLst>
+              <a:gd name="connsiteX0" fmla="*/ 0 w 4319042"/>
+              <a:gd name="connsiteY0" fmla="*/ 0 h 6858000"/>
+              <a:gd name="connsiteX1" fmla="*/ 1142888 w 4319042"/>
+              <a:gd name="connsiteY1" fmla="*/ 0 h 6858000"/>
+              <a:gd name="connsiteX2" fmla="*/ 4319042 w 4319042"/>
+              <a:gd name="connsiteY2" fmla="*/ 6858000 h 6858000"/>
+              <a:gd name="connsiteX3" fmla="*/ 0 w 4319042"/>
+              <a:gd name="connsiteY3" fmla="*/ 6858000 h 6858000"/>
+            </a:gdLst>
+            <a:ahLst/>
+            <a:cxnLst>
+              <a:cxn ang="0">
+                <a:pos x="connsiteX0" y="connsiteY0"/>
+              </a:cxn>
+              <a:cxn ang="0">
+                <a:pos x="connsiteX1" y="connsiteY1"/>
+              </a:cxn>
+              <a:cxn ang="0">
+                <a:pos x="connsiteX2" y="connsiteY2"/>
+              </a:cxn>
+              <a:cxn ang="0">
+                <a:pos x="connsiteX3" y="connsiteY3"/>
+              </a:cxn>
+            </a:cxnLst>
+            <a:rect l="l" t="t" r="r" b="b"/>
+            <a:pathLst>
+              <a:path w="4319042" h="6858000">
+                <a:moveTo>
+                  <a:pt x="0" y="0"/>
+                </a:moveTo>
+                <a:lnTo>
+                  <a:pt x="1142888" y="0"/>
+                </a:lnTo>
+                <a:lnTo>
+                  <a:pt x="4319042" y="6858000"/>
+                </a:lnTo>
+                <a:lnTo>
+                  <a:pt x="0" y="6858000"/>
+                </a:lnTo>
+                <a:close/>
+              </a:path>
+            </a:pathLst>
+          </a:custGeom>
+          <a:solidFill>
+            <a:schemeClr val="tx1">
+              <a:alpha val="35000"/>
+            </a:schemeClr>
+          </a:solidFill>
+          <a:ln>
+            <a:noFill/>
+          </a:ln>
+        </p:spPr>
+        <p:style>
+          <a:lnRef idx="2">
+            <a:schemeClr val="accent1">
+              <a:shade val="50000"/>
+            </a:schemeClr>
+          </a:lnRef>
+          <a:fillRef idx="1">
+            <a:schemeClr val="accent1"/>
+          </a:fillRef>
+          <a:effectRef idx="0">
+            <a:schemeClr val="accent1"/>
+          </a:effectRef>
+          <a:fontRef idx="minor">
+            <a:schemeClr val="lt1"/>
+          </a:fontRef>
+        </p:style>
+        <p:txBody>
+          <a:bodyPr wrap="square" rtlCol="0" anchor="ctr">
+            <a:noAutofit/>
+          </a:bodyPr>
+          <a:lstStyle/>
+          <a:p>
+            <a:pPr marL="0" marR="0" lvl="0" indent="0" algn="ctr" defTabSz="914400" rtl="0" eaLnBrk="1" fontAlgn="auto" latinLnBrk="0" hangingPunct="1">
+              <a:lnSpc>
+                <a:spcPct val="100000"/>
+              </a:lnSpc>
+              <a:spcBef>
+                <a:spcPts val="0"/>
+              </a:spcBef>
+              <a:spcAft>
+                <a:spcPts val="0"/>
+              </a:spcAft>
+              <a:buClrTx/>
+              <a:buSzTx/>
+              <a:buFontTx/>
+              <a:buNone/>
+              <a:tabLst/>
+              <a:defRPr/>
+            </a:pPr>
+            <a:endParaRPr kumimoji="0" lang="en-US" sz="1800" b="0" i="0" u="none" strike="noStrike" kern="1200" cap="none" spc="0" normalizeH="0" baseline="0" noProof="0">
+              <a:ln>
+                <a:noFill/>
+              </a:ln>
+              <a:solidFill>
+                <a:prstClr val="white"/>
+              </a:solidFill>
+              <a:effectLst/>
+              <a:uLnTx/>
+              <a:uFillTx/>
+              <a:latin typeface="Calibri" panose="020F0502020204030204"/>
+              <a:ea typeface="+mn-ea"/>
+              <a:cs typeface="+mn-cs"/>
+            </a:endParaRPr>
+          </a:p>
+        </p:txBody>
+      </p:sp>
+      <p:sp>
+        <p:nvSpPr>
+          <p:cNvPr id="2" name="Title 1">
+            <a:extLst>
+              <a:ext uri="{FF2B5EF4-FFF2-40B4-BE49-F238E27FC236}">
+                <a16:creationId xmlns:a16="http://schemas.microsoft.com/office/drawing/2014/main" id="{1F4CB0B1-7592-D248-BB70-2D4CDB554DB1}"/>
+              </a:ext>
+            </a:extLst>
+          </p:cNvPr>
+          <p:cNvSpPr>
+            <a:spLocks noGrp="1"/>
+          </p:cNvSpPr>
+          <p:nvPr>
+            <p:ph type="title"/>
+          </p:nvPr>
+        </p:nvSpPr>
+        <p:spPr>
+          <a:xfrm>
+            <a:off x="804672" y="640080"/>
+            <a:ext cx="3282696" cy="5257800"/>
+          </a:xfrm>
+        </p:spPr>
+        <p:txBody>
+          <a:bodyPr>
+            <a:normAutofit/>
+          </a:bodyPr>
+          <a:lstStyle/>
+          <a:p>
+            <a:r>
+              <a:rPr lang="en-CH" dirty="0">
+                <a:solidFill>
+                  <a:schemeClr val="bg1"/>
+                </a:solidFill>
+              </a:rPr>
+              <a:t>Resultate</a:t>
+            </a:r>
+          </a:p>
+        </p:txBody>
+      </p:sp>
+      <p:sp>
+        <p:nvSpPr>
+          <p:cNvPr id="11" name="Content Placeholder 2">
+            <a:extLst>
+              <a:ext uri="{FF2B5EF4-FFF2-40B4-BE49-F238E27FC236}">
+                <a16:creationId xmlns:a16="http://schemas.microsoft.com/office/drawing/2014/main" id="{6140F0BD-4985-AE46-85DC-7634DEA93666}"/>
+              </a:ext>
+            </a:extLst>
+          </p:cNvPr>
+          <p:cNvSpPr>
+            <a:spLocks noGrp="1"/>
+          </p:cNvSpPr>
+          <p:nvPr>
+            <p:ph idx="1"/>
+          </p:nvPr>
+        </p:nvSpPr>
+        <p:spPr>
+          <a:xfrm>
+            <a:off x="5358384" y="733761"/>
+            <a:ext cx="5157216" cy="3773010"/>
+          </a:xfrm>
+        </p:spPr>
+        <p:txBody>
+          <a:bodyPr>
+            <a:normAutofit/>
+          </a:bodyPr>
+          <a:lstStyle/>
+          <a:p>
+            <a:pPr marL="0" indent="0">
+              <a:buNone/>
+            </a:pPr>
+            <a:r>
+              <a:rPr lang="en-CH" sz="2400" dirty="0"/>
+              <a:t>Statistische Tests der Studie</a:t>
+            </a:r>
+          </a:p>
+          <a:p>
+            <a:pPr marL="0" indent="0">
+              <a:buNone/>
+            </a:pPr>
+            <a:endParaRPr lang="en-CH" sz="2000" dirty="0"/>
+          </a:p>
+        </p:txBody>
+      </p:sp>
+      <p:pic>
+        <p:nvPicPr>
+          <p:cNvPr id="13" name="Picture 12" descr="Graphical user interface, table&#10;&#10;Description automatically generated with medium confidence">
+            <a:extLst>
+              <a:ext uri="{FF2B5EF4-FFF2-40B4-BE49-F238E27FC236}">
+                <a16:creationId xmlns:a16="http://schemas.microsoft.com/office/drawing/2014/main" id="{0E9076C5-E9A8-5E4D-90BD-9A1C06EE8FE8}"/>
+              </a:ext>
+            </a:extLst>
+          </p:cNvPr>
+          <p:cNvPicPr>
+            <a:picLocks noChangeAspect="1"/>
+          </p:cNvPicPr>
+          <p:nvPr/>
+        </p:nvPicPr>
+        <p:blipFill>
+          <a:blip r:embed="rId2"/>
+          <a:stretch>
+            <a:fillRect/>
+          </a:stretch>
+        </p:blipFill>
+        <p:spPr>
+          <a:xfrm>
+            <a:off x="4890516" y="2047985"/>
+            <a:ext cx="6492732" cy="2762029"/>
+          </a:xfrm>
+          <a:prstGeom prst="rect">
+            <a:avLst/>
+          </a:prstGeom>
+        </p:spPr>
+      </p:pic>
+    </p:spTree>
+    <p:extLst>
+      <p:ext uri="{BB962C8B-B14F-4D97-AF65-F5344CB8AC3E}">
+        <p14:creationId xmlns:p14="http://schemas.microsoft.com/office/powerpoint/2010/main" val="181796831"/>
+      </p:ext>
+    </p:extLst>
+  </p:cSld>
+  <p:clrMapOvr>
+    <a:masterClrMapping/>
+  </p:clrMapOvr>
+</p:sld>
+</file>
+
+<file path=ppt/slides/slide2.xml><?xml version="1.0" encoding="utf-8"?>
+<p:sld xmlns:a="http://schemas.openxmlformats.org/drawingml/2006/main" xmlns:r="http://schemas.openxmlformats.org/officeDocument/2006/relationships" xmlns:p="http://schemas.openxmlformats.org/presentationml/2006/main">
+  <p:cSld>
+    <p:bg>
+      <p:bgPr>
+        <a:solidFill>
+          <a:schemeClr val="bg1"/>
+        </a:solidFill>
+        <a:effectLst/>
+      </p:bgPr>
+    </p:bg>
+    <p:spTree>
+      <p:nvGrpSpPr>
+        <p:cNvPr id="1" name=""/>
+        <p:cNvGrpSpPr/>
+        <p:nvPr/>
+      </p:nvGrpSpPr>
+      <p:grpSpPr>
+        <a:xfrm>
+          <a:off x="0" y="0"/>
+          <a:ext cx="0" cy="0"/>
+          <a:chOff x="0" y="0"/>
+          <a:chExt cx="0" cy="0"/>
+        </a:xfrm>
+      </p:grpSpPr>
+      <p:sp useBgFill="1">
+        <p:nvSpPr>
+          <p:cNvPr id="8" name="Rectangle 7">
+            <a:extLst>
+              <a:ext uri="{FF2B5EF4-FFF2-40B4-BE49-F238E27FC236}">
+                <a16:creationId xmlns:a16="http://schemas.microsoft.com/office/drawing/2014/main" id="{C7FA33FF-088D-4F16-95A2-2C64D353DEA8}"/>
+              </a:ext>
+              <a:ext uri="{C183D7F6-B498-43B3-948B-1728B52AA6E4}">
+                <adec:decorative xmlns:adec="http://schemas.microsoft.com/office/drawing/2017/decorative" val="1"/>
+              </a:ext>
+            </a:extLst>
+          </p:cNvPr>
+          <p:cNvSpPr>
+            <a:spLocks noGrp="1" noRot="1" noChangeAspect="1" noMove="1" noResize="1" noEditPoints="1" noAdjustHandles="1" noChangeArrowheads="1" noChangeShapeType="1" noTextEdit="1"/>
+          </p:cNvSpPr>
+          <p:nvPr>
+            <p:extLst>
+              <p:ext uri="{386F3935-93C4-4BCD-93E2-E3B085C9AB24}">
+                <p16:designElem xmlns:p16="http://schemas.microsoft.com/office/powerpoint/2015/main" val="1"/>
+              </p:ext>
+            </p:extLst>
+          </p:nvPr>
+        </p:nvSpPr>
+        <p:spPr>
+          <a:xfrm>
+            <a:off x="1524" y="0"/>
+            <a:ext cx="12188952" cy="6858000"/>
+          </a:xfrm>
+          <a:prstGeom prst="rect">
+            <a:avLst/>
+          </a:prstGeom>
+          <a:ln>
+            <a:noFill/>
+          </a:ln>
+        </p:spPr>
+        <p:style>
+          <a:lnRef idx="2">
+            <a:schemeClr val="accent1">
+              <a:shade val="50000"/>
+            </a:schemeClr>
+          </a:lnRef>
+          <a:fillRef idx="1">
+            <a:schemeClr val="accent1"/>
+          </a:fillRef>
+          <a:effectRef idx="0">
+            <a:schemeClr val="accent1"/>
+          </a:effectRef>
+          <a:fontRef idx="minor">
+            <a:schemeClr val="lt1"/>
+          </a:fontRef>
+        </p:style>
+        <p:txBody>
+          <a:bodyPr rtlCol="0" anchor="ctr"/>
+          <a:lstStyle/>
+          <a:p>
+            <a:pPr marL="0" marR="0" lvl="0" indent="0" algn="ctr" defTabSz="914400" rtl="0" eaLnBrk="1" fontAlgn="auto" latinLnBrk="0" hangingPunct="1">
+              <a:lnSpc>
+                <a:spcPct val="100000"/>
+              </a:lnSpc>
+              <a:spcBef>
+                <a:spcPts val="0"/>
+              </a:spcBef>
+              <a:spcAft>
+                <a:spcPts val="0"/>
+              </a:spcAft>
+              <a:buClrTx/>
+              <a:buSzTx/>
+              <a:buFontTx/>
+              <a:buNone/>
+              <a:tabLst/>
+              <a:defRPr/>
+            </a:pPr>
+            <a:endParaRPr kumimoji="0" lang="en-US" sz="1800" b="0" i="0" u="none" strike="noStrike" kern="1200" cap="none" spc="0" normalizeH="0" baseline="0" noProof="0">
+              <a:ln>
+                <a:noFill/>
+              </a:ln>
+              <a:solidFill>
+                <a:prstClr val="white"/>
+              </a:solidFill>
+              <a:effectLst/>
+              <a:uLnTx/>
+              <a:uFillTx/>
+              <a:latin typeface="Calibri" panose="020F0502020204030204"/>
+              <a:ea typeface="+mn-ea"/>
+              <a:cs typeface="+mn-cs"/>
+            </a:endParaRPr>
+          </a:p>
+        </p:txBody>
+      </p:sp>
+      <p:sp>
+        <p:nvSpPr>
+          <p:cNvPr id="10" name="Rectangle 9">
+            <a:extLst>
+              <a:ext uri="{FF2B5EF4-FFF2-40B4-BE49-F238E27FC236}">
+                <a16:creationId xmlns:a16="http://schemas.microsoft.com/office/drawing/2014/main" id="{A376EFB1-01CF-419F-ABF1-2AF02BBFCBD1}"/>
+              </a:ext>
+              <a:ext uri="{C183D7F6-B498-43B3-948B-1728B52AA6E4}">
+                <adec:decorative xmlns:adec="http://schemas.microsoft.com/office/drawing/2017/decorative" val="1"/>
+              </a:ext>
+            </a:extLst>
+          </p:cNvPr>
+          <p:cNvSpPr>
+            <a:spLocks noGrp="1" noRot="1" noChangeAspect="1" noMove="1" noResize="1" noEditPoints="1" noAdjustHandles="1" noChangeArrowheads="1" noChangeShapeType="1" noTextEdit="1"/>
+          </p:cNvSpPr>
+          <p:nvPr>
+            <p:extLst>
+              <p:ext uri="{386F3935-93C4-4BCD-93E2-E3B085C9AB24}">
+                <p16:designElem xmlns:p16="http://schemas.microsoft.com/office/powerpoint/2015/main" val="1"/>
+              </p:ext>
+            </p:extLst>
+          </p:nvPr>
+        </p:nvSpPr>
+        <p:spPr>
+          <a:xfrm>
+            <a:off x="0" y="0"/>
+            <a:ext cx="4709160" cy="6858000"/>
+          </a:xfrm>
+          <a:prstGeom prst="rect">
+            <a:avLst/>
+          </a:prstGeom>
+          <a:solidFill>
+            <a:schemeClr val="tx1">
+              <a:alpha val="81000"/>
+            </a:schemeClr>
+          </a:solidFill>
+          <a:ln>
+            <a:noFill/>
+          </a:ln>
+        </p:spPr>
+        <p:style>
+          <a:lnRef idx="2">
+            <a:schemeClr val="accent1">
+              <a:shade val="50000"/>
+            </a:schemeClr>
+          </a:lnRef>
+          <a:fillRef idx="1">
+            <a:schemeClr val="accent1"/>
+          </a:fillRef>
+          <a:effectRef idx="0">
+            <a:schemeClr val="accent1"/>
+          </a:effectRef>
+          <a:fontRef idx="minor">
+            <a:schemeClr val="lt1"/>
+          </a:fontRef>
+        </p:style>
+        <p:txBody>
+          <a:bodyPr rtlCol="0" anchor="ctr"/>
+          <a:lstStyle/>
+          <a:p>
+            <a:pPr marL="0" marR="0" lvl="0" indent="0" algn="ctr" defTabSz="914400" rtl="0" eaLnBrk="1" fontAlgn="auto" latinLnBrk="0" hangingPunct="1">
+              <a:lnSpc>
+                <a:spcPct val="100000"/>
+              </a:lnSpc>
+              <a:spcBef>
+                <a:spcPts val="0"/>
+              </a:spcBef>
+              <a:spcAft>
+                <a:spcPts val="0"/>
+              </a:spcAft>
+              <a:buClrTx/>
+              <a:buSzTx/>
+              <a:buFontTx/>
+              <a:buNone/>
+              <a:tabLst/>
+              <a:defRPr/>
+            </a:pPr>
+            <a:endParaRPr kumimoji="0" lang="en-US" sz="1800" b="0" i="0" u="none" strike="noStrike" kern="1200" cap="none" spc="0" normalizeH="0" baseline="0" noProof="0">
+              <a:ln>
+                <a:noFill/>
+              </a:ln>
+              <a:solidFill>
+                <a:prstClr val="white"/>
+              </a:solidFill>
+              <a:effectLst/>
+              <a:uLnTx/>
+              <a:uFillTx/>
+              <a:latin typeface="Calibri" panose="020F0502020204030204"/>
+              <a:ea typeface="+mn-ea"/>
+              <a:cs typeface="+mn-cs"/>
+            </a:endParaRPr>
+          </a:p>
+        </p:txBody>
+      </p:sp>
+      <p:sp>
+        <p:nvSpPr>
+          <p:cNvPr id="12" name="Freeform: Shape 11">
+            <a:extLst>
+              <a:ext uri="{FF2B5EF4-FFF2-40B4-BE49-F238E27FC236}">
+                <a16:creationId xmlns:a16="http://schemas.microsoft.com/office/drawing/2014/main" id="{FF9DEA15-78BD-4750-AA18-B9F28A6D5AB8}"/>
+              </a:ext>
+              <a:ext uri="{C183D7F6-B498-43B3-948B-1728B52AA6E4}">
+                <adec:decorative xmlns:adec="http://schemas.microsoft.com/office/drawing/2017/decorative" val="1"/>
+              </a:ext>
+            </a:extLst>
+          </p:cNvPr>
+          <p:cNvSpPr>
+            <a:spLocks noGrp="1" noRot="1" noChangeAspect="1" noMove="1" noResize="1" noEditPoints="1" noAdjustHandles="1" noChangeArrowheads="1" noChangeShapeType="1" noTextEdit="1"/>
+          </p:cNvSpPr>
+          <p:nvPr>
+            <p:extLst>
+              <p:ext uri="{386F3935-93C4-4BCD-93E2-E3B085C9AB24}">
+                <p16:designElem xmlns:p16="http://schemas.microsoft.com/office/powerpoint/2015/main" val="1"/>
+              </p:ext>
+            </p:extLst>
+          </p:nvPr>
+        </p:nvSpPr>
+        <p:spPr>
+          <a:xfrm>
+            <a:off x="0" y="0"/>
+            <a:ext cx="3284331" cy="6858000"/>
+          </a:xfrm>
+          <a:custGeom>
+            <a:avLst/>
+            <a:gdLst>
+              <a:gd name="connsiteX0" fmla="*/ 0 w 4319042"/>
+              <a:gd name="connsiteY0" fmla="*/ 0 h 6858000"/>
+              <a:gd name="connsiteX1" fmla="*/ 1142888 w 4319042"/>
+              <a:gd name="connsiteY1" fmla="*/ 0 h 6858000"/>
+              <a:gd name="connsiteX2" fmla="*/ 4319042 w 4319042"/>
+              <a:gd name="connsiteY2" fmla="*/ 6858000 h 6858000"/>
+              <a:gd name="connsiteX3" fmla="*/ 0 w 4319042"/>
+              <a:gd name="connsiteY3" fmla="*/ 6858000 h 6858000"/>
+            </a:gdLst>
+            <a:ahLst/>
+            <a:cxnLst>
+              <a:cxn ang="0">
+                <a:pos x="connsiteX0" y="connsiteY0"/>
+              </a:cxn>
+              <a:cxn ang="0">
+                <a:pos x="connsiteX1" y="connsiteY1"/>
+              </a:cxn>
+              <a:cxn ang="0">
+                <a:pos x="connsiteX2" y="connsiteY2"/>
+              </a:cxn>
+              <a:cxn ang="0">
+                <a:pos x="connsiteX3" y="connsiteY3"/>
+              </a:cxn>
+            </a:cxnLst>
+            <a:rect l="l" t="t" r="r" b="b"/>
+            <a:pathLst>
+              <a:path w="4319042" h="6858000">
+                <a:moveTo>
+                  <a:pt x="0" y="0"/>
+                </a:moveTo>
+                <a:lnTo>
+                  <a:pt x="1142888" y="0"/>
+                </a:lnTo>
+                <a:lnTo>
+                  <a:pt x="4319042" y="6858000"/>
+                </a:lnTo>
+                <a:lnTo>
+                  <a:pt x="0" y="6858000"/>
+                </a:lnTo>
+                <a:close/>
+              </a:path>
+            </a:pathLst>
+          </a:custGeom>
+          <a:solidFill>
+            <a:schemeClr val="tx1">
+              <a:alpha val="35000"/>
+            </a:schemeClr>
+          </a:solidFill>
+          <a:ln>
+            <a:noFill/>
+          </a:ln>
+        </p:spPr>
+        <p:style>
+          <a:lnRef idx="2">
+            <a:schemeClr val="accent1">
+              <a:shade val="50000"/>
+            </a:schemeClr>
+          </a:lnRef>
+          <a:fillRef idx="1">
+            <a:schemeClr val="accent1"/>
+          </a:fillRef>
+          <a:effectRef idx="0">
+            <a:schemeClr val="accent1"/>
+          </a:effectRef>
+          <a:fontRef idx="minor">
+            <a:schemeClr val="lt1"/>
+          </a:fontRef>
+        </p:style>
+        <p:txBody>
+          <a:bodyPr wrap="square" rtlCol="0" anchor="ctr">
+            <a:noAutofit/>
+          </a:bodyPr>
+          <a:lstStyle/>
+          <a:p>
+            <a:pPr marL="0" marR="0" lvl="0" indent="0" algn="ctr" defTabSz="914400" rtl="0" eaLnBrk="1" fontAlgn="auto" latinLnBrk="0" hangingPunct="1">
+              <a:lnSpc>
+                <a:spcPct val="100000"/>
+              </a:lnSpc>
+              <a:spcBef>
+                <a:spcPts val="0"/>
+              </a:spcBef>
+              <a:spcAft>
+                <a:spcPts val="0"/>
+              </a:spcAft>
+              <a:buClrTx/>
+              <a:buSzTx/>
+              <a:buFontTx/>
+              <a:buNone/>
+              <a:tabLst/>
+              <a:defRPr/>
+            </a:pPr>
+            <a:endParaRPr kumimoji="0" lang="en-US" sz="1800" b="0" i="0" u="none" strike="noStrike" kern="1200" cap="none" spc="0" normalizeH="0" baseline="0" noProof="0">
+              <a:ln>
+                <a:noFill/>
+              </a:ln>
+              <a:solidFill>
+                <a:prstClr val="white"/>
+              </a:solidFill>
+              <a:effectLst/>
+              <a:uLnTx/>
+              <a:uFillTx/>
+              <a:latin typeface="Calibri" panose="020F0502020204030204"/>
+              <a:ea typeface="+mn-ea"/>
+              <a:cs typeface="+mn-cs"/>
+            </a:endParaRPr>
+          </a:p>
+        </p:txBody>
+      </p:sp>
       <p:sp>
         <p:nvSpPr>
           <p:cNvPr id="2" name="Title 1">
@@ -3745,13 +5819,24 @@
             <p:ph type="title"/>
           </p:nvPr>
         </p:nvSpPr>
-        <p:spPr/>
-        <p:txBody>
-          <a:bodyPr/>
-          <a:lstStyle/>
-          <a:p>
-            <a:r>
-              <a:rPr lang="en-CH" dirty="0"/>
+        <p:spPr>
+          <a:xfrm>
+            <a:off x="804672" y="640080"/>
+            <a:ext cx="3282696" cy="5257800"/>
+          </a:xfrm>
+        </p:spPr>
+        <p:txBody>
+          <a:bodyPr>
+            <a:normAutofit/>
+          </a:bodyPr>
+          <a:lstStyle/>
+          <a:p>
+            <a:r>
+              <a:rPr lang="en-CH">
+                <a:solidFill>
+                  <a:schemeClr val="bg1"/>
+                </a:solidFill>
+              </a:rPr>
               <a:t>Traktanden</a:t>
             </a:r>
           </a:p>
@@ -3773,31 +5858,38 @@
             <p:ph idx="1"/>
           </p:nvPr>
         </p:nvSpPr>
-        <p:spPr/>
-        <p:txBody>
-          <a:bodyPr/>
-          <a:lstStyle/>
-          <a:p>
-            <a:r>
-              <a:rPr lang="en-CH" dirty="0"/>
+        <p:spPr>
+          <a:xfrm>
+            <a:off x="5358384" y="640081"/>
+            <a:ext cx="6024654" cy="5257800"/>
+          </a:xfrm>
+        </p:spPr>
+        <p:txBody>
+          <a:bodyPr anchor="ctr">
+            <a:normAutofit/>
+          </a:bodyPr>
+          <a:lstStyle/>
+          <a:p>
+            <a:r>
+              <a:rPr lang="en-CH" sz="2400" dirty="0"/>
               <a:t>Artikel</a:t>
             </a:r>
           </a:p>
           <a:p>
             <a:r>
-              <a:rPr lang="en-CH" dirty="0"/>
+              <a:rPr lang="en-CH" sz="2400" dirty="0"/>
               <a:t>Studie</a:t>
             </a:r>
           </a:p>
           <a:p>
             <a:r>
-              <a:rPr lang="en-CH" dirty="0"/>
-              <a:t>Analyse der Resultate</a:t>
-            </a:r>
-          </a:p>
-          <a:p>
-            <a:r>
-              <a:rPr lang="en-CH" dirty="0"/>
+              <a:rPr lang="en-CH" sz="2400" dirty="0"/>
+              <a:t>Resultate</a:t>
+            </a:r>
+          </a:p>
+          <a:p>
+            <a:r>
+              <a:rPr lang="en-CH" sz="2400" dirty="0"/>
               <a:t>Diskussion</a:t>
             </a:r>
           </a:p>
@@ -3819,6 +5911,14 @@
 <file path=ppt/slides/slide3.xml><?xml version="1.0" encoding="utf-8"?>
 <p:sld xmlns:a="http://schemas.openxmlformats.org/drawingml/2006/main" xmlns:r="http://schemas.openxmlformats.org/officeDocument/2006/relationships" xmlns:p="http://schemas.openxmlformats.org/presentationml/2006/main">
   <p:cSld>
+    <p:bg>
+      <p:bgPr>
+        <a:solidFill>
+          <a:schemeClr val="bg1"/>
+        </a:solidFill>
+        <a:effectLst/>
+      </p:bgPr>
+    </p:bg>
     <p:spTree>
       <p:nvGrpSpPr>
         <p:cNvPr id="1" name=""/>
@@ -3833,6 +5933,328 @@
           <a:chExt cx="0" cy="0"/>
         </a:xfrm>
       </p:grpSpPr>
+      <p:sp useBgFill="1">
+        <p:nvSpPr>
+          <p:cNvPr id="8" name="Rectangle 7">
+            <a:extLst>
+              <a:ext uri="{FF2B5EF4-FFF2-40B4-BE49-F238E27FC236}">
+                <a16:creationId xmlns:a16="http://schemas.microsoft.com/office/drawing/2014/main" id="{C7FA33FF-088D-4F16-95A2-2C64D353DEA8}"/>
+              </a:ext>
+              <a:ext uri="{C183D7F6-B498-43B3-948B-1728B52AA6E4}">
+                <adec:decorative xmlns:adec="http://schemas.microsoft.com/office/drawing/2017/decorative" val="1"/>
+              </a:ext>
+            </a:extLst>
+          </p:cNvPr>
+          <p:cNvSpPr>
+            <a:spLocks noGrp="1" noRot="1" noChangeAspect="1" noMove="1" noResize="1" noEditPoints="1" noAdjustHandles="1" noChangeArrowheads="1" noChangeShapeType="1" noTextEdit="1"/>
+          </p:cNvSpPr>
+          <p:nvPr>
+            <p:extLst>
+              <p:ext uri="{386F3935-93C4-4BCD-93E2-E3B085C9AB24}">
+                <p16:designElem xmlns:p16="http://schemas.microsoft.com/office/powerpoint/2015/main" val="1"/>
+              </p:ext>
+            </p:extLst>
+          </p:nvPr>
+        </p:nvSpPr>
+        <p:spPr>
+          <a:xfrm>
+            <a:off x="1524" y="0"/>
+            <a:ext cx="12188952" cy="6858000"/>
+          </a:xfrm>
+          <a:prstGeom prst="rect">
+            <a:avLst/>
+          </a:prstGeom>
+          <a:ln>
+            <a:noFill/>
+          </a:ln>
+        </p:spPr>
+        <p:style>
+          <a:lnRef idx="2">
+            <a:schemeClr val="accent1">
+              <a:shade val="50000"/>
+            </a:schemeClr>
+          </a:lnRef>
+          <a:fillRef idx="1">
+            <a:schemeClr val="accent1"/>
+          </a:fillRef>
+          <a:effectRef idx="0">
+            <a:schemeClr val="accent1"/>
+          </a:effectRef>
+          <a:fontRef idx="minor">
+            <a:schemeClr val="lt1"/>
+          </a:fontRef>
+        </p:style>
+        <p:txBody>
+          <a:bodyPr rtlCol="0" anchor="ctr"/>
+          <a:lstStyle/>
+          <a:p>
+            <a:pPr marL="0" marR="0" lvl="0" indent="0" algn="ctr" defTabSz="914400" rtl="0" eaLnBrk="1" fontAlgn="auto" latinLnBrk="0" hangingPunct="1">
+              <a:lnSpc>
+                <a:spcPct val="100000"/>
+              </a:lnSpc>
+              <a:spcBef>
+                <a:spcPts val="0"/>
+              </a:spcBef>
+              <a:spcAft>
+                <a:spcPts val="0"/>
+              </a:spcAft>
+              <a:buClrTx/>
+              <a:buSzTx/>
+              <a:buFontTx/>
+              <a:buNone/>
+              <a:tabLst/>
+              <a:defRPr/>
+            </a:pPr>
+            <a:endParaRPr kumimoji="0" lang="en-US" sz="1800" b="0" i="0" u="none" strike="noStrike" kern="1200" cap="none" spc="0" normalizeH="0" baseline="0" noProof="0">
+              <a:ln>
+                <a:noFill/>
+              </a:ln>
+              <a:solidFill>
+                <a:prstClr val="white"/>
+              </a:solidFill>
+              <a:effectLst/>
+              <a:uLnTx/>
+              <a:uFillTx/>
+              <a:latin typeface="Calibri" panose="020F0502020204030204"/>
+              <a:ea typeface="+mn-ea"/>
+              <a:cs typeface="+mn-cs"/>
+            </a:endParaRPr>
+          </a:p>
+        </p:txBody>
+      </p:sp>
+      <p:sp>
+        <p:nvSpPr>
+          <p:cNvPr id="10" name="Rectangle 9">
+            <a:extLst>
+              <a:ext uri="{FF2B5EF4-FFF2-40B4-BE49-F238E27FC236}">
+                <a16:creationId xmlns:a16="http://schemas.microsoft.com/office/drawing/2014/main" id="{A376EFB1-01CF-419F-ABF1-2AF02BBFCBD1}"/>
+              </a:ext>
+              <a:ext uri="{C183D7F6-B498-43B3-948B-1728B52AA6E4}">
+                <adec:decorative xmlns:adec="http://schemas.microsoft.com/office/drawing/2017/decorative" val="1"/>
+              </a:ext>
+            </a:extLst>
+          </p:cNvPr>
+          <p:cNvSpPr>
+            <a:spLocks noGrp="1" noRot="1" noChangeAspect="1" noMove="1" noResize="1" noEditPoints="1" noAdjustHandles="1" noChangeArrowheads="1" noChangeShapeType="1" noTextEdit="1"/>
+          </p:cNvSpPr>
+          <p:nvPr>
+            <p:extLst>
+              <p:ext uri="{386F3935-93C4-4BCD-93E2-E3B085C9AB24}">
+                <p16:designElem xmlns:p16="http://schemas.microsoft.com/office/powerpoint/2015/main" val="1"/>
+              </p:ext>
+            </p:extLst>
+          </p:nvPr>
+        </p:nvSpPr>
+        <p:spPr>
+          <a:xfrm>
+            <a:off x="0" y="0"/>
+            <a:ext cx="4709160" cy="6858000"/>
+          </a:xfrm>
+          <a:prstGeom prst="rect">
+            <a:avLst/>
+          </a:prstGeom>
+          <a:solidFill>
+            <a:schemeClr val="tx1">
+              <a:alpha val="81000"/>
+            </a:schemeClr>
+          </a:solidFill>
+          <a:ln>
+            <a:noFill/>
+          </a:ln>
+        </p:spPr>
+        <p:style>
+          <a:lnRef idx="2">
+            <a:schemeClr val="accent1">
+              <a:shade val="50000"/>
+            </a:schemeClr>
+          </a:lnRef>
+          <a:fillRef idx="1">
+            <a:schemeClr val="accent1"/>
+          </a:fillRef>
+          <a:effectRef idx="0">
+            <a:schemeClr val="accent1"/>
+          </a:effectRef>
+          <a:fontRef idx="minor">
+            <a:schemeClr val="lt1"/>
+          </a:fontRef>
+        </p:style>
+        <p:txBody>
+          <a:bodyPr rtlCol="0" anchor="ctr"/>
+          <a:lstStyle/>
+          <a:p>
+            <a:pPr marL="0" marR="0" lvl="0" indent="0" algn="ctr" defTabSz="914400" rtl="0" eaLnBrk="1" fontAlgn="auto" latinLnBrk="0" hangingPunct="1">
+              <a:lnSpc>
+                <a:spcPct val="100000"/>
+              </a:lnSpc>
+              <a:spcBef>
+                <a:spcPts val="0"/>
+              </a:spcBef>
+              <a:spcAft>
+                <a:spcPts val="0"/>
+              </a:spcAft>
+              <a:buClrTx/>
+              <a:buSzTx/>
+              <a:buFontTx/>
+              <a:buNone/>
+              <a:tabLst/>
+              <a:defRPr/>
+            </a:pPr>
+            <a:endParaRPr kumimoji="0" lang="en-US" sz="1800" b="0" i="0" u="none" strike="noStrike" kern="1200" cap="none" spc="0" normalizeH="0" baseline="0" noProof="0">
+              <a:ln>
+                <a:noFill/>
+              </a:ln>
+              <a:solidFill>
+                <a:prstClr val="white"/>
+              </a:solidFill>
+              <a:effectLst/>
+              <a:uLnTx/>
+              <a:uFillTx/>
+              <a:latin typeface="Calibri" panose="020F0502020204030204"/>
+              <a:ea typeface="+mn-ea"/>
+              <a:cs typeface="+mn-cs"/>
+            </a:endParaRPr>
+          </a:p>
+        </p:txBody>
+      </p:sp>
+      <p:sp>
+        <p:nvSpPr>
+          <p:cNvPr id="12" name="Freeform: Shape 11">
+            <a:extLst>
+              <a:ext uri="{FF2B5EF4-FFF2-40B4-BE49-F238E27FC236}">
+                <a16:creationId xmlns:a16="http://schemas.microsoft.com/office/drawing/2014/main" id="{FF9DEA15-78BD-4750-AA18-B9F28A6D5AB8}"/>
+              </a:ext>
+              <a:ext uri="{C183D7F6-B498-43B3-948B-1728B52AA6E4}">
+                <adec:decorative xmlns:adec="http://schemas.microsoft.com/office/drawing/2017/decorative" val="1"/>
+              </a:ext>
+            </a:extLst>
+          </p:cNvPr>
+          <p:cNvSpPr>
+            <a:spLocks noGrp="1" noRot="1" noChangeAspect="1" noMove="1" noResize="1" noEditPoints="1" noAdjustHandles="1" noChangeArrowheads="1" noChangeShapeType="1" noTextEdit="1"/>
+          </p:cNvSpPr>
+          <p:nvPr>
+            <p:extLst>
+              <p:ext uri="{386F3935-93C4-4BCD-93E2-E3B085C9AB24}">
+                <p16:designElem xmlns:p16="http://schemas.microsoft.com/office/powerpoint/2015/main" val="1"/>
+              </p:ext>
+            </p:extLst>
+          </p:nvPr>
+        </p:nvSpPr>
+        <p:spPr>
+          <a:xfrm>
+            <a:off x="0" y="0"/>
+            <a:ext cx="3284331" cy="6858000"/>
+          </a:xfrm>
+          <a:custGeom>
+            <a:avLst/>
+            <a:gdLst>
+              <a:gd name="connsiteX0" fmla="*/ 0 w 4319042"/>
+              <a:gd name="connsiteY0" fmla="*/ 0 h 6858000"/>
+              <a:gd name="connsiteX1" fmla="*/ 1142888 w 4319042"/>
+              <a:gd name="connsiteY1" fmla="*/ 0 h 6858000"/>
+              <a:gd name="connsiteX2" fmla="*/ 4319042 w 4319042"/>
+              <a:gd name="connsiteY2" fmla="*/ 6858000 h 6858000"/>
+              <a:gd name="connsiteX3" fmla="*/ 0 w 4319042"/>
+              <a:gd name="connsiteY3" fmla="*/ 6858000 h 6858000"/>
+            </a:gdLst>
+            <a:ahLst/>
+            <a:cxnLst>
+              <a:cxn ang="0">
+                <a:pos x="connsiteX0" y="connsiteY0"/>
+              </a:cxn>
+              <a:cxn ang="0">
+                <a:pos x="connsiteX1" y="connsiteY1"/>
+              </a:cxn>
+              <a:cxn ang="0">
+                <a:pos x="connsiteX2" y="connsiteY2"/>
+              </a:cxn>
+              <a:cxn ang="0">
+                <a:pos x="connsiteX3" y="connsiteY3"/>
+              </a:cxn>
+            </a:cxnLst>
+            <a:rect l="l" t="t" r="r" b="b"/>
+            <a:pathLst>
+              <a:path w="4319042" h="6858000">
+                <a:moveTo>
+                  <a:pt x="0" y="0"/>
+                </a:moveTo>
+                <a:lnTo>
+                  <a:pt x="1142888" y="0"/>
+                </a:lnTo>
+                <a:lnTo>
+                  <a:pt x="4319042" y="6858000"/>
+                </a:lnTo>
+                <a:lnTo>
+                  <a:pt x="0" y="6858000"/>
+                </a:lnTo>
+                <a:close/>
+              </a:path>
+            </a:pathLst>
+          </a:custGeom>
+          <a:solidFill>
+            <a:schemeClr val="tx1">
+              <a:alpha val="35000"/>
+            </a:schemeClr>
+          </a:solidFill>
+          <a:ln>
+            <a:noFill/>
+          </a:ln>
+        </p:spPr>
+        <p:style>
+          <a:lnRef idx="2">
+            <a:schemeClr val="accent1">
+              <a:shade val="50000"/>
+            </a:schemeClr>
+          </a:lnRef>
+          <a:fillRef idx="1">
+            <a:schemeClr val="accent1"/>
+          </a:fillRef>
+          <a:effectRef idx="0">
+            <a:schemeClr val="accent1"/>
+          </a:effectRef>
+          <a:fontRef idx="minor">
+            <a:schemeClr val="lt1"/>
+          </a:fontRef>
+        </p:style>
+        <p:txBody>
+          <a:bodyPr wrap="square" rtlCol="0" anchor="ctr">
+            <a:noAutofit/>
+          </a:bodyPr>
+          <a:lstStyle/>
+          <a:p>
+            <a:pPr marL="0" marR="0" lvl="0" indent="0" algn="ctr" defTabSz="914400" rtl="0" eaLnBrk="1" fontAlgn="auto" latinLnBrk="0" hangingPunct="1">
+              <a:lnSpc>
+                <a:spcPct val="100000"/>
+              </a:lnSpc>
+              <a:spcBef>
+                <a:spcPts val="0"/>
+              </a:spcBef>
+              <a:spcAft>
+                <a:spcPts val="0"/>
+              </a:spcAft>
+              <a:buClrTx/>
+              <a:buSzTx/>
+              <a:buFontTx/>
+              <a:buNone/>
+              <a:tabLst/>
+              <a:defRPr/>
+            </a:pPr>
+            <a:endParaRPr kumimoji="0" lang="en-US" sz="1800" b="0" i="0" u="none" strike="noStrike" kern="1200" cap="none" spc="0" normalizeH="0" baseline="0" noProof="0">
+              <a:ln>
+                <a:noFill/>
+              </a:ln>
+              <a:solidFill>
+                <a:prstClr val="white"/>
+              </a:solidFill>
+              <a:effectLst/>
+              <a:uLnTx/>
+              <a:uFillTx/>
+              <a:latin typeface="Calibri" panose="020F0502020204030204"/>
+              <a:ea typeface="+mn-ea"/>
+              <a:cs typeface="+mn-cs"/>
+            </a:endParaRPr>
+          </a:p>
+        </p:txBody>
+      </p:sp>
       <p:sp>
         <p:nvSpPr>
           <p:cNvPr id="2" name="Title 1">
@@ -3849,13 +6271,24 @@
             <p:ph type="title"/>
           </p:nvPr>
         </p:nvSpPr>
-        <p:spPr/>
-        <p:txBody>
-          <a:bodyPr/>
-          <a:lstStyle/>
-          <a:p>
-            <a:r>
-              <a:rPr lang="en-CH" dirty="0"/>
+        <p:spPr>
+          <a:xfrm>
+            <a:off x="804672" y="640080"/>
+            <a:ext cx="3282696" cy="5257800"/>
+          </a:xfrm>
+        </p:spPr>
+        <p:txBody>
+          <a:bodyPr>
+            <a:normAutofit/>
+          </a:bodyPr>
+          <a:lstStyle/>
+          <a:p>
+            <a:r>
+              <a:rPr lang="en-CH" dirty="0">
+                <a:solidFill>
+                  <a:schemeClr val="bg1"/>
+                </a:solidFill>
+              </a:rPr>
               <a:t>Artikel von Andy Chesire</a:t>
             </a:r>
           </a:p>
@@ -3877,102 +6310,59 @@
             <p:ph idx="1"/>
           </p:nvPr>
         </p:nvSpPr>
-        <p:spPr/>
-        <p:txBody>
-          <a:bodyPr/>
+        <p:spPr>
+          <a:xfrm>
+            <a:off x="5358384" y="640081"/>
+            <a:ext cx="6024654" cy="5257800"/>
+          </a:xfrm>
+        </p:spPr>
+        <p:txBody>
+          <a:bodyPr anchor="ctr">
+            <a:normAutofit/>
+          </a:bodyPr>
           <a:lstStyle/>
           <a:p>
             <a:pPr marL="0" indent="0">
               <a:buNone/>
             </a:pPr>
             <a:r>
-              <a:rPr lang="en-CH" dirty="0"/>
-              <a:t>Seine Behauptungen aus der Studie:</a:t>
-            </a:r>
-          </a:p>
-          <a:p>
-            <a:r>
-              <a:rPr lang="en-GB" sz="2400" dirty="0" err="1"/>
-              <a:t>Bankdrücken</a:t>
-            </a:r>
-            <a:r>
-              <a:rPr lang="en-GB" sz="2400" dirty="0"/>
-              <a:t>: </a:t>
-            </a:r>
-            <a:r>
-              <a:rPr lang="en-GB" sz="2400" dirty="0" err="1"/>
-              <a:t>Unterschied</a:t>
-            </a:r>
-            <a:r>
-              <a:rPr lang="en-GB" sz="2400" dirty="0"/>
-              <a:t> von 6.7%</a:t>
-            </a:r>
-          </a:p>
-          <a:p>
-            <a:pPr lvl="1"/>
-            <a:r>
-              <a:rPr lang="en-GB" sz="2000" dirty="0" err="1"/>
-              <a:t>Schokomilch</a:t>
-            </a:r>
-            <a:r>
-              <a:rPr lang="en-GB" sz="2000" dirty="0"/>
-              <a:t> (CM): 3.5% </a:t>
-            </a:r>
-            <a:r>
-              <a:rPr lang="en-GB" sz="2000" dirty="0" err="1"/>
-              <a:t>Kraftzuwachs</a:t>
-            </a:r>
-            <a:endParaRPr lang="en-GB" sz="2000" dirty="0"/>
-          </a:p>
-          <a:p>
-            <a:pPr lvl="1"/>
-            <a:r>
-              <a:rPr lang="en-GB" sz="2000" dirty="0" err="1"/>
-              <a:t>Kommerzielle</a:t>
-            </a:r>
-            <a:r>
-              <a:rPr lang="en-GB" sz="2000" dirty="0"/>
-              <a:t> </a:t>
-            </a:r>
-            <a:r>
-              <a:rPr lang="en-GB" sz="2000" dirty="0" err="1"/>
-              <a:t>Sportgetränke</a:t>
-            </a:r>
-            <a:r>
-              <a:rPr lang="en-GB" sz="2000" dirty="0"/>
-              <a:t> (CHO): 3.2% </a:t>
-            </a:r>
-            <a:r>
-              <a:rPr lang="en-GB" sz="2000" dirty="0" err="1"/>
-              <a:t>weniger</a:t>
-            </a:r>
-            <a:r>
-              <a:rPr lang="en-GB" sz="2000" dirty="0"/>
-              <a:t> Kraft</a:t>
-            </a:r>
-            <a:endParaRPr lang="en-CH" sz="2000" dirty="0"/>
+              <a:rPr lang="de-CH" sz="2400" dirty="0"/>
+              <a:t>Unterschied zu normalen Sportgetränken sei das Protein</a:t>
+            </a:r>
+          </a:p>
+          <a:p>
+            <a:pPr marL="0" indent="0">
+              <a:buNone/>
+            </a:pPr>
+            <a:r>
+              <a:rPr lang="de-CH" sz="2400" dirty="0"/>
+              <a:t>Proteine</a:t>
+            </a:r>
+          </a:p>
+          <a:p>
+            <a:pPr marL="0" indent="0">
+              <a:buNone/>
+            </a:pPr>
+            <a:r>
+              <a:rPr lang="de-CH" sz="2400" dirty="0"/>
+              <a:t>Milch -&gt; Kasein, </a:t>
+            </a:r>
+            <a:r>
+              <a:rPr lang="de-CH" sz="2400" dirty="0" err="1"/>
+              <a:t>Molkeprotein</a:t>
+            </a:r>
+            <a:endParaRPr lang="en-CH" dirty="0"/>
           </a:p>
           <a:p>
             <a:endParaRPr lang="en-CH" sz="2400" dirty="0"/>
           </a:p>
           <a:p>
+            <a:pPr marL="0" indent="0">
+              <a:buNone/>
+            </a:pPr>
             <a:r>
               <a:rPr lang="en-CH" sz="2400" dirty="0"/>
-              <a:t>Kniebeugen: doppelter Kraftzuwachs bei Schokomilch</a:t>
-            </a:r>
-          </a:p>
-          <a:p>
-            <a:pPr lvl="1"/>
-            <a:r>
-              <a:rPr lang="en-CH" sz="2000" dirty="0"/>
-              <a:t>15% mehr Gewicht bei Schokomilch (CM)</a:t>
-            </a:r>
-          </a:p>
-          <a:p>
-            <a:pPr lvl="1"/>
-            <a:r>
-              <a:rPr lang="en-CH" sz="2000" dirty="0"/>
-              <a:t>8% mehr bei kommerziellen Sportgetränken (CHO)</a:t>
+              <a:t>Schokomilch als konstengünstige Alternative zur Rehydration und der Erholungsphase beim Muskelaufbau</a:t>
             </a:r>
           </a:p>
         </p:txBody>
@@ -3993,6 +6383,14 @@
 <file path=ppt/slides/slide4.xml><?xml version="1.0" encoding="utf-8"?>
 <p:sld xmlns:a="http://schemas.openxmlformats.org/drawingml/2006/main" xmlns:r="http://schemas.openxmlformats.org/officeDocument/2006/relationships" xmlns:p="http://schemas.openxmlformats.org/presentationml/2006/main">
   <p:cSld>
+    <p:bg>
+      <p:bgPr>
+        <a:solidFill>
+          <a:schemeClr val="bg1"/>
+        </a:solidFill>
+        <a:effectLst/>
+      </p:bgPr>
+    </p:bg>
     <p:spTree>
       <p:nvGrpSpPr>
         <p:cNvPr id="1" name=""/>
@@ -4007,6 +6405,328 @@
           <a:chExt cx="0" cy="0"/>
         </a:xfrm>
       </p:grpSpPr>
+      <p:sp useBgFill="1">
+        <p:nvSpPr>
+          <p:cNvPr id="8" name="Rectangle 7">
+            <a:extLst>
+              <a:ext uri="{FF2B5EF4-FFF2-40B4-BE49-F238E27FC236}">
+                <a16:creationId xmlns:a16="http://schemas.microsoft.com/office/drawing/2014/main" id="{C7FA33FF-088D-4F16-95A2-2C64D353DEA8}"/>
+              </a:ext>
+              <a:ext uri="{C183D7F6-B498-43B3-948B-1728B52AA6E4}">
+                <adec:decorative xmlns:adec="http://schemas.microsoft.com/office/drawing/2017/decorative" val="1"/>
+              </a:ext>
+            </a:extLst>
+          </p:cNvPr>
+          <p:cNvSpPr>
+            <a:spLocks noGrp="1" noRot="1" noChangeAspect="1" noMove="1" noResize="1" noEditPoints="1" noAdjustHandles="1" noChangeArrowheads="1" noChangeShapeType="1" noTextEdit="1"/>
+          </p:cNvSpPr>
+          <p:nvPr>
+            <p:extLst>
+              <p:ext uri="{386F3935-93C4-4BCD-93E2-E3B085C9AB24}">
+                <p16:designElem xmlns:p16="http://schemas.microsoft.com/office/powerpoint/2015/main" val="1"/>
+              </p:ext>
+            </p:extLst>
+          </p:nvPr>
+        </p:nvSpPr>
+        <p:spPr>
+          <a:xfrm>
+            <a:off x="1524" y="0"/>
+            <a:ext cx="12188952" cy="6858000"/>
+          </a:xfrm>
+          <a:prstGeom prst="rect">
+            <a:avLst/>
+          </a:prstGeom>
+          <a:ln>
+            <a:noFill/>
+          </a:ln>
+        </p:spPr>
+        <p:style>
+          <a:lnRef idx="2">
+            <a:schemeClr val="accent1">
+              <a:shade val="50000"/>
+            </a:schemeClr>
+          </a:lnRef>
+          <a:fillRef idx="1">
+            <a:schemeClr val="accent1"/>
+          </a:fillRef>
+          <a:effectRef idx="0">
+            <a:schemeClr val="accent1"/>
+          </a:effectRef>
+          <a:fontRef idx="minor">
+            <a:schemeClr val="lt1"/>
+          </a:fontRef>
+        </p:style>
+        <p:txBody>
+          <a:bodyPr rtlCol="0" anchor="ctr"/>
+          <a:lstStyle/>
+          <a:p>
+            <a:pPr marL="0" marR="0" lvl="0" indent="0" algn="ctr" defTabSz="914400" rtl="0" eaLnBrk="1" fontAlgn="auto" latinLnBrk="0" hangingPunct="1">
+              <a:lnSpc>
+                <a:spcPct val="100000"/>
+              </a:lnSpc>
+              <a:spcBef>
+                <a:spcPts val="0"/>
+              </a:spcBef>
+              <a:spcAft>
+                <a:spcPts val="0"/>
+              </a:spcAft>
+              <a:buClrTx/>
+              <a:buSzTx/>
+              <a:buFontTx/>
+              <a:buNone/>
+              <a:tabLst/>
+              <a:defRPr/>
+            </a:pPr>
+            <a:endParaRPr kumimoji="0" lang="en-US" sz="1800" b="0" i="0" u="none" strike="noStrike" kern="1200" cap="none" spc="0" normalizeH="0" baseline="0" noProof="0">
+              <a:ln>
+                <a:noFill/>
+              </a:ln>
+              <a:solidFill>
+                <a:prstClr val="white"/>
+              </a:solidFill>
+              <a:effectLst/>
+              <a:uLnTx/>
+              <a:uFillTx/>
+              <a:latin typeface="Calibri" panose="020F0502020204030204"/>
+              <a:ea typeface="+mn-ea"/>
+              <a:cs typeface="+mn-cs"/>
+            </a:endParaRPr>
+          </a:p>
+        </p:txBody>
+      </p:sp>
+      <p:sp>
+        <p:nvSpPr>
+          <p:cNvPr id="10" name="Rectangle 9">
+            <a:extLst>
+              <a:ext uri="{FF2B5EF4-FFF2-40B4-BE49-F238E27FC236}">
+                <a16:creationId xmlns:a16="http://schemas.microsoft.com/office/drawing/2014/main" id="{A376EFB1-01CF-419F-ABF1-2AF02BBFCBD1}"/>
+              </a:ext>
+              <a:ext uri="{C183D7F6-B498-43B3-948B-1728B52AA6E4}">
+                <adec:decorative xmlns:adec="http://schemas.microsoft.com/office/drawing/2017/decorative" val="1"/>
+              </a:ext>
+            </a:extLst>
+          </p:cNvPr>
+          <p:cNvSpPr>
+            <a:spLocks noGrp="1" noRot="1" noChangeAspect="1" noMove="1" noResize="1" noEditPoints="1" noAdjustHandles="1" noChangeArrowheads="1" noChangeShapeType="1" noTextEdit="1"/>
+          </p:cNvSpPr>
+          <p:nvPr>
+            <p:extLst>
+              <p:ext uri="{386F3935-93C4-4BCD-93E2-E3B085C9AB24}">
+                <p16:designElem xmlns:p16="http://schemas.microsoft.com/office/powerpoint/2015/main" val="1"/>
+              </p:ext>
+            </p:extLst>
+          </p:nvPr>
+        </p:nvSpPr>
+        <p:spPr>
+          <a:xfrm>
+            <a:off x="0" y="0"/>
+            <a:ext cx="4709160" cy="6858000"/>
+          </a:xfrm>
+          <a:prstGeom prst="rect">
+            <a:avLst/>
+          </a:prstGeom>
+          <a:solidFill>
+            <a:schemeClr val="tx1">
+              <a:alpha val="81000"/>
+            </a:schemeClr>
+          </a:solidFill>
+          <a:ln>
+            <a:noFill/>
+          </a:ln>
+        </p:spPr>
+        <p:style>
+          <a:lnRef idx="2">
+            <a:schemeClr val="accent1">
+              <a:shade val="50000"/>
+            </a:schemeClr>
+          </a:lnRef>
+          <a:fillRef idx="1">
+            <a:schemeClr val="accent1"/>
+          </a:fillRef>
+          <a:effectRef idx="0">
+            <a:schemeClr val="accent1"/>
+          </a:effectRef>
+          <a:fontRef idx="minor">
+            <a:schemeClr val="lt1"/>
+          </a:fontRef>
+        </p:style>
+        <p:txBody>
+          <a:bodyPr rtlCol="0" anchor="ctr"/>
+          <a:lstStyle/>
+          <a:p>
+            <a:pPr marL="0" marR="0" lvl="0" indent="0" algn="ctr" defTabSz="914400" rtl="0" eaLnBrk="1" fontAlgn="auto" latinLnBrk="0" hangingPunct="1">
+              <a:lnSpc>
+                <a:spcPct val="100000"/>
+              </a:lnSpc>
+              <a:spcBef>
+                <a:spcPts val="0"/>
+              </a:spcBef>
+              <a:spcAft>
+                <a:spcPts val="0"/>
+              </a:spcAft>
+              <a:buClrTx/>
+              <a:buSzTx/>
+              <a:buFontTx/>
+              <a:buNone/>
+              <a:tabLst/>
+              <a:defRPr/>
+            </a:pPr>
+            <a:endParaRPr kumimoji="0" lang="en-US" sz="1800" b="0" i="0" u="none" strike="noStrike" kern="1200" cap="none" spc="0" normalizeH="0" baseline="0" noProof="0">
+              <a:ln>
+                <a:noFill/>
+              </a:ln>
+              <a:solidFill>
+                <a:prstClr val="white"/>
+              </a:solidFill>
+              <a:effectLst/>
+              <a:uLnTx/>
+              <a:uFillTx/>
+              <a:latin typeface="Calibri" panose="020F0502020204030204"/>
+              <a:ea typeface="+mn-ea"/>
+              <a:cs typeface="+mn-cs"/>
+            </a:endParaRPr>
+          </a:p>
+        </p:txBody>
+      </p:sp>
+      <p:sp>
+        <p:nvSpPr>
+          <p:cNvPr id="12" name="Freeform: Shape 11">
+            <a:extLst>
+              <a:ext uri="{FF2B5EF4-FFF2-40B4-BE49-F238E27FC236}">
+                <a16:creationId xmlns:a16="http://schemas.microsoft.com/office/drawing/2014/main" id="{FF9DEA15-78BD-4750-AA18-B9F28A6D5AB8}"/>
+              </a:ext>
+              <a:ext uri="{C183D7F6-B498-43B3-948B-1728B52AA6E4}">
+                <adec:decorative xmlns:adec="http://schemas.microsoft.com/office/drawing/2017/decorative" val="1"/>
+              </a:ext>
+            </a:extLst>
+          </p:cNvPr>
+          <p:cNvSpPr>
+            <a:spLocks noGrp="1" noRot="1" noChangeAspect="1" noMove="1" noResize="1" noEditPoints="1" noAdjustHandles="1" noChangeArrowheads="1" noChangeShapeType="1" noTextEdit="1"/>
+          </p:cNvSpPr>
+          <p:nvPr>
+            <p:extLst>
+              <p:ext uri="{386F3935-93C4-4BCD-93E2-E3B085C9AB24}">
+                <p16:designElem xmlns:p16="http://schemas.microsoft.com/office/powerpoint/2015/main" val="1"/>
+              </p:ext>
+            </p:extLst>
+          </p:nvPr>
+        </p:nvSpPr>
+        <p:spPr>
+          <a:xfrm>
+            <a:off x="0" y="0"/>
+            <a:ext cx="3284331" cy="6858000"/>
+          </a:xfrm>
+          <a:custGeom>
+            <a:avLst/>
+            <a:gdLst>
+              <a:gd name="connsiteX0" fmla="*/ 0 w 4319042"/>
+              <a:gd name="connsiteY0" fmla="*/ 0 h 6858000"/>
+              <a:gd name="connsiteX1" fmla="*/ 1142888 w 4319042"/>
+              <a:gd name="connsiteY1" fmla="*/ 0 h 6858000"/>
+              <a:gd name="connsiteX2" fmla="*/ 4319042 w 4319042"/>
+              <a:gd name="connsiteY2" fmla="*/ 6858000 h 6858000"/>
+              <a:gd name="connsiteX3" fmla="*/ 0 w 4319042"/>
+              <a:gd name="connsiteY3" fmla="*/ 6858000 h 6858000"/>
+            </a:gdLst>
+            <a:ahLst/>
+            <a:cxnLst>
+              <a:cxn ang="0">
+                <a:pos x="connsiteX0" y="connsiteY0"/>
+              </a:cxn>
+              <a:cxn ang="0">
+                <a:pos x="connsiteX1" y="connsiteY1"/>
+              </a:cxn>
+              <a:cxn ang="0">
+                <a:pos x="connsiteX2" y="connsiteY2"/>
+              </a:cxn>
+              <a:cxn ang="0">
+                <a:pos x="connsiteX3" y="connsiteY3"/>
+              </a:cxn>
+            </a:cxnLst>
+            <a:rect l="l" t="t" r="r" b="b"/>
+            <a:pathLst>
+              <a:path w="4319042" h="6858000">
+                <a:moveTo>
+                  <a:pt x="0" y="0"/>
+                </a:moveTo>
+                <a:lnTo>
+                  <a:pt x="1142888" y="0"/>
+                </a:lnTo>
+                <a:lnTo>
+                  <a:pt x="4319042" y="6858000"/>
+                </a:lnTo>
+                <a:lnTo>
+                  <a:pt x="0" y="6858000"/>
+                </a:lnTo>
+                <a:close/>
+              </a:path>
+            </a:pathLst>
+          </a:custGeom>
+          <a:solidFill>
+            <a:schemeClr val="tx1">
+              <a:alpha val="35000"/>
+            </a:schemeClr>
+          </a:solidFill>
+          <a:ln>
+            <a:noFill/>
+          </a:ln>
+        </p:spPr>
+        <p:style>
+          <a:lnRef idx="2">
+            <a:schemeClr val="accent1">
+              <a:shade val="50000"/>
+            </a:schemeClr>
+          </a:lnRef>
+          <a:fillRef idx="1">
+            <a:schemeClr val="accent1"/>
+          </a:fillRef>
+          <a:effectRef idx="0">
+            <a:schemeClr val="accent1"/>
+          </a:effectRef>
+          <a:fontRef idx="minor">
+            <a:schemeClr val="lt1"/>
+          </a:fontRef>
+        </p:style>
+        <p:txBody>
+          <a:bodyPr wrap="square" rtlCol="0" anchor="ctr">
+            <a:noAutofit/>
+          </a:bodyPr>
+          <a:lstStyle/>
+          <a:p>
+            <a:pPr marL="0" marR="0" lvl="0" indent="0" algn="ctr" defTabSz="914400" rtl="0" eaLnBrk="1" fontAlgn="auto" latinLnBrk="0" hangingPunct="1">
+              <a:lnSpc>
+                <a:spcPct val="100000"/>
+              </a:lnSpc>
+              <a:spcBef>
+                <a:spcPts val="0"/>
+              </a:spcBef>
+              <a:spcAft>
+                <a:spcPts val="0"/>
+              </a:spcAft>
+              <a:buClrTx/>
+              <a:buSzTx/>
+              <a:buFontTx/>
+              <a:buNone/>
+              <a:tabLst/>
+              <a:defRPr/>
+            </a:pPr>
+            <a:endParaRPr kumimoji="0" lang="en-US" sz="1800" b="0" i="0" u="none" strike="noStrike" kern="1200" cap="none" spc="0" normalizeH="0" baseline="0" noProof="0">
+              <a:ln>
+                <a:noFill/>
+              </a:ln>
+              <a:solidFill>
+                <a:prstClr val="white"/>
+              </a:solidFill>
+              <a:effectLst/>
+              <a:uLnTx/>
+              <a:uFillTx/>
+              <a:latin typeface="Calibri" panose="020F0502020204030204"/>
+              <a:ea typeface="+mn-ea"/>
+              <a:cs typeface="+mn-cs"/>
+            </a:endParaRPr>
+          </a:p>
+        </p:txBody>
+      </p:sp>
       <p:sp>
         <p:nvSpPr>
           <p:cNvPr id="2" name="Title 1">
@@ -4023,13 +6743,24 @@
             <p:ph type="title"/>
           </p:nvPr>
         </p:nvSpPr>
-        <p:spPr/>
-        <p:txBody>
-          <a:bodyPr/>
-          <a:lstStyle/>
-          <a:p>
-            <a:r>
-              <a:rPr lang="en-CH" dirty="0"/>
+        <p:spPr>
+          <a:xfrm>
+            <a:off x="804672" y="640080"/>
+            <a:ext cx="3282696" cy="5257800"/>
+          </a:xfrm>
+        </p:spPr>
+        <p:txBody>
+          <a:bodyPr>
+            <a:normAutofit/>
+          </a:bodyPr>
+          <a:lstStyle/>
+          <a:p>
+            <a:r>
+              <a:rPr lang="en-CH">
+                <a:solidFill>
+                  <a:schemeClr val="bg1"/>
+                </a:solidFill>
+              </a:rPr>
               <a:t>Artikel von Andy Chesire</a:t>
             </a:r>
           </a:p>
@@ -4037,10 +6768,10 @@
       </p:sp>
       <p:sp>
         <p:nvSpPr>
-          <p:cNvPr id="3" name="Content Placeholder 2">
+          <p:cNvPr id="5" name="Content Placeholder 4">
             <a:extLst>
               <a:ext uri="{FF2B5EF4-FFF2-40B4-BE49-F238E27FC236}">
-                <a16:creationId xmlns:a16="http://schemas.microsoft.com/office/drawing/2014/main" id="{F496CD62-C3DA-BE4D-8F89-7856E869C3A0}"/>
+                <a16:creationId xmlns:a16="http://schemas.microsoft.com/office/drawing/2014/main" id="{2E32AA97-CF3B-DD40-8DB5-0E2639435277}"/>
               </a:ext>
             </a:extLst>
           </p:cNvPr>
@@ -4056,6 +6787,254 @@
           <a:bodyPr/>
           <a:lstStyle/>
           <a:p>
+            <a:endParaRPr lang="en-CH"/>
+          </a:p>
+        </p:txBody>
+      </p:sp>
+      <p:sp>
+        <p:nvSpPr>
+          <p:cNvPr id="11" name="Content Placeholder 2">
+            <a:extLst>
+              <a:ext uri="{FF2B5EF4-FFF2-40B4-BE49-F238E27FC236}">
+                <a16:creationId xmlns:a16="http://schemas.microsoft.com/office/drawing/2014/main" id="{A383492F-BF29-D045-A0A9-5CDC3F5935A8}"/>
+              </a:ext>
+            </a:extLst>
+          </p:cNvPr>
+          <p:cNvSpPr txBox="1">
+            <a:spLocks/>
+          </p:cNvSpPr>
+          <p:nvPr/>
+        </p:nvSpPr>
+        <p:spPr>
+          <a:xfrm>
+            <a:off x="5358384" y="640081"/>
+            <a:ext cx="6024654" cy="5257800"/>
+          </a:xfrm>
+          <a:prstGeom prst="rect">
+            <a:avLst/>
+          </a:prstGeom>
+        </p:spPr>
+        <p:txBody>
+          <a:bodyPr vert="horz" lIns="91440" tIns="45720" rIns="91440" bIns="45720" rtlCol="0" anchor="ctr">
+            <a:normAutofit/>
+          </a:bodyPr>
+          <a:lstStyle>
+            <a:lvl1pPr marL="228600" indent="-228600" algn="l" defTabSz="914400" rtl="0" eaLnBrk="1" latinLnBrk="0" hangingPunct="1">
+              <a:lnSpc>
+                <a:spcPct val="90000"/>
+              </a:lnSpc>
+              <a:spcBef>
+                <a:spcPts val="1000"/>
+              </a:spcBef>
+              <a:buFont typeface="Arial" panose="020B0604020202020204" pitchFamily="34" charset="0"/>
+              <a:buChar char="•"/>
+              <a:defRPr sz="2800" kern="1200">
+                <a:solidFill>
+                  <a:schemeClr val="tx1"/>
+                </a:solidFill>
+                <a:latin typeface="+mn-lt"/>
+                <a:ea typeface="+mn-ea"/>
+                <a:cs typeface="+mn-cs"/>
+              </a:defRPr>
+            </a:lvl1pPr>
+            <a:lvl2pPr marL="685800" indent="-228600" algn="l" defTabSz="914400" rtl="0" eaLnBrk="1" latinLnBrk="0" hangingPunct="1">
+              <a:lnSpc>
+                <a:spcPct val="90000"/>
+              </a:lnSpc>
+              <a:spcBef>
+                <a:spcPts val="500"/>
+              </a:spcBef>
+              <a:buFont typeface="Arial" panose="020B0604020202020204" pitchFamily="34" charset="0"/>
+              <a:buChar char="•"/>
+              <a:defRPr sz="2400" kern="1200">
+                <a:solidFill>
+                  <a:schemeClr val="tx1"/>
+                </a:solidFill>
+                <a:latin typeface="+mn-lt"/>
+                <a:ea typeface="+mn-ea"/>
+                <a:cs typeface="+mn-cs"/>
+              </a:defRPr>
+            </a:lvl2pPr>
+            <a:lvl3pPr marL="1143000" indent="-228600" algn="l" defTabSz="914400" rtl="0" eaLnBrk="1" latinLnBrk="0" hangingPunct="1">
+              <a:lnSpc>
+                <a:spcPct val="90000"/>
+              </a:lnSpc>
+              <a:spcBef>
+                <a:spcPts val="500"/>
+              </a:spcBef>
+              <a:buFont typeface="Arial" panose="020B0604020202020204" pitchFamily="34" charset="0"/>
+              <a:buChar char="•"/>
+              <a:defRPr sz="2000" kern="1200">
+                <a:solidFill>
+                  <a:schemeClr val="tx1"/>
+                </a:solidFill>
+                <a:latin typeface="+mn-lt"/>
+                <a:ea typeface="+mn-ea"/>
+                <a:cs typeface="+mn-cs"/>
+              </a:defRPr>
+            </a:lvl3pPr>
+            <a:lvl4pPr marL="1600200" indent="-228600" algn="l" defTabSz="914400" rtl="0" eaLnBrk="1" latinLnBrk="0" hangingPunct="1">
+              <a:lnSpc>
+                <a:spcPct val="90000"/>
+              </a:lnSpc>
+              <a:spcBef>
+                <a:spcPts val="500"/>
+              </a:spcBef>
+              <a:buFont typeface="Arial" panose="020B0604020202020204" pitchFamily="34" charset="0"/>
+              <a:buChar char="•"/>
+              <a:defRPr sz="1800" kern="1200">
+                <a:solidFill>
+                  <a:schemeClr val="tx1"/>
+                </a:solidFill>
+                <a:latin typeface="+mn-lt"/>
+                <a:ea typeface="+mn-ea"/>
+                <a:cs typeface="+mn-cs"/>
+              </a:defRPr>
+            </a:lvl4pPr>
+            <a:lvl5pPr marL="2057400" indent="-228600" algn="l" defTabSz="914400" rtl="0" eaLnBrk="1" latinLnBrk="0" hangingPunct="1">
+              <a:lnSpc>
+                <a:spcPct val="90000"/>
+              </a:lnSpc>
+              <a:spcBef>
+                <a:spcPts val="500"/>
+              </a:spcBef>
+              <a:buFont typeface="Arial" panose="020B0604020202020204" pitchFamily="34" charset="0"/>
+              <a:buChar char="•"/>
+              <a:defRPr sz="1800" kern="1200">
+                <a:solidFill>
+                  <a:schemeClr val="tx1"/>
+                </a:solidFill>
+                <a:latin typeface="+mn-lt"/>
+                <a:ea typeface="+mn-ea"/>
+                <a:cs typeface="+mn-cs"/>
+              </a:defRPr>
+            </a:lvl5pPr>
+            <a:lvl6pPr marL="2514600" indent="-228600" algn="l" defTabSz="914400" rtl="0" eaLnBrk="1" latinLnBrk="0" hangingPunct="1">
+              <a:lnSpc>
+                <a:spcPct val="90000"/>
+              </a:lnSpc>
+              <a:spcBef>
+                <a:spcPts val="500"/>
+              </a:spcBef>
+              <a:buFont typeface="Arial" panose="020B0604020202020204" pitchFamily="34" charset="0"/>
+              <a:buChar char="•"/>
+              <a:defRPr sz="1800" kern="1200">
+                <a:solidFill>
+                  <a:schemeClr val="tx1"/>
+                </a:solidFill>
+                <a:latin typeface="+mn-lt"/>
+                <a:ea typeface="+mn-ea"/>
+                <a:cs typeface="+mn-cs"/>
+              </a:defRPr>
+            </a:lvl6pPr>
+            <a:lvl7pPr marL="2971800" indent="-228600" algn="l" defTabSz="914400" rtl="0" eaLnBrk="1" latinLnBrk="0" hangingPunct="1">
+              <a:lnSpc>
+                <a:spcPct val="90000"/>
+              </a:lnSpc>
+              <a:spcBef>
+                <a:spcPts val="500"/>
+              </a:spcBef>
+              <a:buFont typeface="Arial" panose="020B0604020202020204" pitchFamily="34" charset="0"/>
+              <a:buChar char="•"/>
+              <a:defRPr sz="1800" kern="1200">
+                <a:solidFill>
+                  <a:schemeClr val="tx1"/>
+                </a:solidFill>
+                <a:latin typeface="+mn-lt"/>
+                <a:ea typeface="+mn-ea"/>
+                <a:cs typeface="+mn-cs"/>
+              </a:defRPr>
+            </a:lvl7pPr>
+            <a:lvl8pPr marL="3429000" indent="-228600" algn="l" defTabSz="914400" rtl="0" eaLnBrk="1" latinLnBrk="0" hangingPunct="1">
+              <a:lnSpc>
+                <a:spcPct val="90000"/>
+              </a:lnSpc>
+              <a:spcBef>
+                <a:spcPts val="500"/>
+              </a:spcBef>
+              <a:buFont typeface="Arial" panose="020B0604020202020204" pitchFamily="34" charset="0"/>
+              <a:buChar char="•"/>
+              <a:defRPr sz="1800" kern="1200">
+                <a:solidFill>
+                  <a:schemeClr val="tx1"/>
+                </a:solidFill>
+                <a:latin typeface="+mn-lt"/>
+                <a:ea typeface="+mn-ea"/>
+                <a:cs typeface="+mn-cs"/>
+              </a:defRPr>
+            </a:lvl8pPr>
+            <a:lvl9pPr marL="3886200" indent="-228600" algn="l" defTabSz="914400" rtl="0" eaLnBrk="1" latinLnBrk="0" hangingPunct="1">
+              <a:lnSpc>
+                <a:spcPct val="90000"/>
+              </a:lnSpc>
+              <a:spcBef>
+                <a:spcPts val="500"/>
+              </a:spcBef>
+              <a:buFont typeface="Arial" panose="020B0604020202020204" pitchFamily="34" charset="0"/>
+              <a:buChar char="•"/>
+              <a:defRPr sz="1800" kern="1200">
+                <a:solidFill>
+                  <a:schemeClr val="tx1"/>
+                </a:solidFill>
+                <a:latin typeface="+mn-lt"/>
+                <a:ea typeface="+mn-ea"/>
+                <a:cs typeface="+mn-cs"/>
+              </a:defRPr>
+            </a:lvl9pPr>
+          </a:lstStyle>
+          <a:p>
+            <a:pPr marL="0" indent="0">
+              <a:buFont typeface="Arial" panose="020B0604020202020204" pitchFamily="34" charset="0"/>
+              <a:buNone/>
+            </a:pPr>
+            <a:r>
+              <a:rPr lang="en-CH" sz="2400"/>
+              <a:t>Seine Behauptungen aus der Studie:</a:t>
+            </a:r>
+          </a:p>
+          <a:p>
+            <a:r>
+              <a:rPr lang="en-GB" sz="2400"/>
+              <a:t>Bankdrücken: Unterschied von 6.7%</a:t>
+            </a:r>
+          </a:p>
+          <a:p>
+            <a:pPr lvl="1"/>
+            <a:r>
+              <a:rPr lang="en-GB"/>
+              <a:t>Schokomilch (CM): 3.5% Kraftzuwachs</a:t>
+            </a:r>
+          </a:p>
+          <a:p>
+            <a:pPr lvl="1"/>
+            <a:r>
+              <a:rPr lang="en-GB"/>
+              <a:t>Kommerzielle Sportgetränke (CHO): 3.2% weniger Kraft</a:t>
+            </a:r>
+            <a:endParaRPr lang="en-CH"/>
+          </a:p>
+          <a:p>
+            <a:endParaRPr lang="en-CH" sz="2400"/>
+          </a:p>
+          <a:p>
+            <a:r>
+              <a:rPr lang="en-CH" sz="2400"/>
+              <a:t>Kniebeugen: doppelter Kraftzuwachs bei Schokomilch</a:t>
+            </a:r>
+          </a:p>
+          <a:p>
+            <a:pPr lvl="1"/>
+            <a:r>
+              <a:rPr lang="en-CH"/>
+              <a:t>15% mehr Gewicht bei Schokomilch (CM)</a:t>
+            </a:r>
+          </a:p>
+          <a:p>
+            <a:pPr lvl="1"/>
+            <a:r>
+              <a:rPr lang="en-CH"/>
+              <a:t>8% mehr bei kommerziellen Sportgetränken (CHO)</a:t>
+            </a:r>
             <a:endParaRPr lang="en-CH" dirty="0"/>
           </a:p>
         </p:txBody>
@@ -4076,6 +7055,14 @@
 <file path=ppt/slides/slide5.xml><?xml version="1.0" encoding="utf-8"?>
 <p:sld xmlns:a="http://schemas.openxmlformats.org/drawingml/2006/main" xmlns:r="http://schemas.openxmlformats.org/officeDocument/2006/relationships" xmlns:p="http://schemas.openxmlformats.org/presentationml/2006/main">
   <p:cSld>
+    <p:bg>
+      <p:bgPr>
+        <a:solidFill>
+          <a:schemeClr val="bg1"/>
+        </a:solidFill>
+        <a:effectLst/>
+      </p:bgPr>
+    </p:bg>
     <p:spTree>
       <p:nvGrpSpPr>
         <p:cNvPr id="1" name=""/>
@@ -4090,6 +7077,328 @@
           <a:chExt cx="0" cy="0"/>
         </a:xfrm>
       </p:grpSpPr>
+      <p:sp useBgFill="1">
+        <p:nvSpPr>
+          <p:cNvPr id="8" name="Rectangle 7">
+            <a:extLst>
+              <a:ext uri="{FF2B5EF4-FFF2-40B4-BE49-F238E27FC236}">
+                <a16:creationId xmlns:a16="http://schemas.microsoft.com/office/drawing/2014/main" id="{C7FA33FF-088D-4F16-95A2-2C64D353DEA8}"/>
+              </a:ext>
+              <a:ext uri="{C183D7F6-B498-43B3-948B-1728B52AA6E4}">
+                <adec:decorative xmlns:adec="http://schemas.microsoft.com/office/drawing/2017/decorative" val="1"/>
+              </a:ext>
+            </a:extLst>
+          </p:cNvPr>
+          <p:cNvSpPr>
+            <a:spLocks noGrp="1" noRot="1" noChangeAspect="1" noMove="1" noResize="1" noEditPoints="1" noAdjustHandles="1" noChangeArrowheads="1" noChangeShapeType="1" noTextEdit="1"/>
+          </p:cNvSpPr>
+          <p:nvPr>
+            <p:extLst>
+              <p:ext uri="{386F3935-93C4-4BCD-93E2-E3B085C9AB24}">
+                <p16:designElem xmlns:p16="http://schemas.microsoft.com/office/powerpoint/2015/main" val="1"/>
+              </p:ext>
+            </p:extLst>
+          </p:nvPr>
+        </p:nvSpPr>
+        <p:spPr>
+          <a:xfrm>
+            <a:off x="1524" y="0"/>
+            <a:ext cx="12188952" cy="6858000"/>
+          </a:xfrm>
+          <a:prstGeom prst="rect">
+            <a:avLst/>
+          </a:prstGeom>
+          <a:ln>
+            <a:noFill/>
+          </a:ln>
+        </p:spPr>
+        <p:style>
+          <a:lnRef idx="2">
+            <a:schemeClr val="accent1">
+              <a:shade val="50000"/>
+            </a:schemeClr>
+          </a:lnRef>
+          <a:fillRef idx="1">
+            <a:schemeClr val="accent1"/>
+          </a:fillRef>
+          <a:effectRef idx="0">
+            <a:schemeClr val="accent1"/>
+          </a:effectRef>
+          <a:fontRef idx="minor">
+            <a:schemeClr val="lt1"/>
+          </a:fontRef>
+        </p:style>
+        <p:txBody>
+          <a:bodyPr rtlCol="0" anchor="ctr"/>
+          <a:lstStyle/>
+          <a:p>
+            <a:pPr marL="0" marR="0" lvl="0" indent="0" algn="ctr" defTabSz="914400" rtl="0" eaLnBrk="1" fontAlgn="auto" latinLnBrk="0" hangingPunct="1">
+              <a:lnSpc>
+                <a:spcPct val="100000"/>
+              </a:lnSpc>
+              <a:spcBef>
+                <a:spcPts val="0"/>
+              </a:spcBef>
+              <a:spcAft>
+                <a:spcPts val="0"/>
+              </a:spcAft>
+              <a:buClrTx/>
+              <a:buSzTx/>
+              <a:buFontTx/>
+              <a:buNone/>
+              <a:tabLst/>
+              <a:defRPr/>
+            </a:pPr>
+            <a:endParaRPr kumimoji="0" lang="en-US" sz="1800" b="0" i="0" u="none" strike="noStrike" kern="1200" cap="none" spc="0" normalizeH="0" baseline="0" noProof="0">
+              <a:ln>
+                <a:noFill/>
+              </a:ln>
+              <a:solidFill>
+                <a:prstClr val="white"/>
+              </a:solidFill>
+              <a:effectLst/>
+              <a:uLnTx/>
+              <a:uFillTx/>
+              <a:latin typeface="Calibri" panose="020F0502020204030204"/>
+              <a:ea typeface="+mn-ea"/>
+              <a:cs typeface="+mn-cs"/>
+            </a:endParaRPr>
+          </a:p>
+        </p:txBody>
+      </p:sp>
+      <p:sp>
+        <p:nvSpPr>
+          <p:cNvPr id="10" name="Rectangle 9">
+            <a:extLst>
+              <a:ext uri="{FF2B5EF4-FFF2-40B4-BE49-F238E27FC236}">
+                <a16:creationId xmlns:a16="http://schemas.microsoft.com/office/drawing/2014/main" id="{A376EFB1-01CF-419F-ABF1-2AF02BBFCBD1}"/>
+              </a:ext>
+              <a:ext uri="{C183D7F6-B498-43B3-948B-1728B52AA6E4}">
+                <adec:decorative xmlns:adec="http://schemas.microsoft.com/office/drawing/2017/decorative" val="1"/>
+              </a:ext>
+            </a:extLst>
+          </p:cNvPr>
+          <p:cNvSpPr>
+            <a:spLocks noGrp="1" noRot="1" noChangeAspect="1" noMove="1" noResize="1" noEditPoints="1" noAdjustHandles="1" noChangeArrowheads="1" noChangeShapeType="1" noTextEdit="1"/>
+          </p:cNvSpPr>
+          <p:nvPr>
+            <p:extLst>
+              <p:ext uri="{386F3935-93C4-4BCD-93E2-E3B085C9AB24}">
+                <p16:designElem xmlns:p16="http://schemas.microsoft.com/office/powerpoint/2015/main" val="1"/>
+              </p:ext>
+            </p:extLst>
+          </p:nvPr>
+        </p:nvSpPr>
+        <p:spPr>
+          <a:xfrm>
+            <a:off x="0" y="0"/>
+            <a:ext cx="4709160" cy="6858000"/>
+          </a:xfrm>
+          <a:prstGeom prst="rect">
+            <a:avLst/>
+          </a:prstGeom>
+          <a:solidFill>
+            <a:schemeClr val="tx1">
+              <a:alpha val="81000"/>
+            </a:schemeClr>
+          </a:solidFill>
+          <a:ln>
+            <a:noFill/>
+          </a:ln>
+        </p:spPr>
+        <p:style>
+          <a:lnRef idx="2">
+            <a:schemeClr val="accent1">
+              <a:shade val="50000"/>
+            </a:schemeClr>
+          </a:lnRef>
+          <a:fillRef idx="1">
+            <a:schemeClr val="accent1"/>
+          </a:fillRef>
+          <a:effectRef idx="0">
+            <a:schemeClr val="accent1"/>
+          </a:effectRef>
+          <a:fontRef idx="minor">
+            <a:schemeClr val="lt1"/>
+          </a:fontRef>
+        </p:style>
+        <p:txBody>
+          <a:bodyPr rtlCol="0" anchor="ctr"/>
+          <a:lstStyle/>
+          <a:p>
+            <a:pPr marL="0" marR="0" lvl="0" indent="0" algn="ctr" defTabSz="914400" rtl="0" eaLnBrk="1" fontAlgn="auto" latinLnBrk="0" hangingPunct="1">
+              <a:lnSpc>
+                <a:spcPct val="100000"/>
+              </a:lnSpc>
+              <a:spcBef>
+                <a:spcPts val="0"/>
+              </a:spcBef>
+              <a:spcAft>
+                <a:spcPts val="0"/>
+              </a:spcAft>
+              <a:buClrTx/>
+              <a:buSzTx/>
+              <a:buFontTx/>
+              <a:buNone/>
+              <a:tabLst/>
+              <a:defRPr/>
+            </a:pPr>
+            <a:endParaRPr kumimoji="0" lang="en-US" sz="1800" b="0" i="0" u="none" strike="noStrike" kern="1200" cap="none" spc="0" normalizeH="0" baseline="0" noProof="0">
+              <a:ln>
+                <a:noFill/>
+              </a:ln>
+              <a:solidFill>
+                <a:prstClr val="white"/>
+              </a:solidFill>
+              <a:effectLst/>
+              <a:uLnTx/>
+              <a:uFillTx/>
+              <a:latin typeface="Calibri" panose="020F0502020204030204"/>
+              <a:ea typeface="+mn-ea"/>
+              <a:cs typeface="+mn-cs"/>
+            </a:endParaRPr>
+          </a:p>
+        </p:txBody>
+      </p:sp>
+      <p:sp>
+        <p:nvSpPr>
+          <p:cNvPr id="12" name="Freeform: Shape 11">
+            <a:extLst>
+              <a:ext uri="{FF2B5EF4-FFF2-40B4-BE49-F238E27FC236}">
+                <a16:creationId xmlns:a16="http://schemas.microsoft.com/office/drawing/2014/main" id="{FF9DEA15-78BD-4750-AA18-B9F28A6D5AB8}"/>
+              </a:ext>
+              <a:ext uri="{C183D7F6-B498-43B3-948B-1728B52AA6E4}">
+                <adec:decorative xmlns:adec="http://schemas.microsoft.com/office/drawing/2017/decorative" val="1"/>
+              </a:ext>
+            </a:extLst>
+          </p:cNvPr>
+          <p:cNvSpPr>
+            <a:spLocks noGrp="1" noRot="1" noChangeAspect="1" noMove="1" noResize="1" noEditPoints="1" noAdjustHandles="1" noChangeArrowheads="1" noChangeShapeType="1" noTextEdit="1"/>
+          </p:cNvSpPr>
+          <p:nvPr>
+            <p:extLst>
+              <p:ext uri="{386F3935-93C4-4BCD-93E2-E3B085C9AB24}">
+                <p16:designElem xmlns:p16="http://schemas.microsoft.com/office/powerpoint/2015/main" val="1"/>
+              </p:ext>
+            </p:extLst>
+          </p:nvPr>
+        </p:nvSpPr>
+        <p:spPr>
+          <a:xfrm>
+            <a:off x="0" y="0"/>
+            <a:ext cx="3284331" cy="6858000"/>
+          </a:xfrm>
+          <a:custGeom>
+            <a:avLst/>
+            <a:gdLst>
+              <a:gd name="connsiteX0" fmla="*/ 0 w 4319042"/>
+              <a:gd name="connsiteY0" fmla="*/ 0 h 6858000"/>
+              <a:gd name="connsiteX1" fmla="*/ 1142888 w 4319042"/>
+              <a:gd name="connsiteY1" fmla="*/ 0 h 6858000"/>
+              <a:gd name="connsiteX2" fmla="*/ 4319042 w 4319042"/>
+              <a:gd name="connsiteY2" fmla="*/ 6858000 h 6858000"/>
+              <a:gd name="connsiteX3" fmla="*/ 0 w 4319042"/>
+              <a:gd name="connsiteY3" fmla="*/ 6858000 h 6858000"/>
+            </a:gdLst>
+            <a:ahLst/>
+            <a:cxnLst>
+              <a:cxn ang="0">
+                <a:pos x="connsiteX0" y="connsiteY0"/>
+              </a:cxn>
+              <a:cxn ang="0">
+                <a:pos x="connsiteX1" y="connsiteY1"/>
+              </a:cxn>
+              <a:cxn ang="0">
+                <a:pos x="connsiteX2" y="connsiteY2"/>
+              </a:cxn>
+              <a:cxn ang="0">
+                <a:pos x="connsiteX3" y="connsiteY3"/>
+              </a:cxn>
+            </a:cxnLst>
+            <a:rect l="l" t="t" r="r" b="b"/>
+            <a:pathLst>
+              <a:path w="4319042" h="6858000">
+                <a:moveTo>
+                  <a:pt x="0" y="0"/>
+                </a:moveTo>
+                <a:lnTo>
+                  <a:pt x="1142888" y="0"/>
+                </a:lnTo>
+                <a:lnTo>
+                  <a:pt x="4319042" y="6858000"/>
+                </a:lnTo>
+                <a:lnTo>
+                  <a:pt x="0" y="6858000"/>
+                </a:lnTo>
+                <a:close/>
+              </a:path>
+            </a:pathLst>
+          </a:custGeom>
+          <a:solidFill>
+            <a:schemeClr val="tx1">
+              <a:alpha val="35000"/>
+            </a:schemeClr>
+          </a:solidFill>
+          <a:ln>
+            <a:noFill/>
+          </a:ln>
+        </p:spPr>
+        <p:style>
+          <a:lnRef idx="2">
+            <a:schemeClr val="accent1">
+              <a:shade val="50000"/>
+            </a:schemeClr>
+          </a:lnRef>
+          <a:fillRef idx="1">
+            <a:schemeClr val="accent1"/>
+          </a:fillRef>
+          <a:effectRef idx="0">
+            <a:schemeClr val="accent1"/>
+          </a:effectRef>
+          <a:fontRef idx="minor">
+            <a:schemeClr val="lt1"/>
+          </a:fontRef>
+        </p:style>
+        <p:txBody>
+          <a:bodyPr wrap="square" rtlCol="0" anchor="ctr">
+            <a:noAutofit/>
+          </a:bodyPr>
+          <a:lstStyle/>
+          <a:p>
+            <a:pPr marL="0" marR="0" lvl="0" indent="0" algn="ctr" defTabSz="914400" rtl="0" eaLnBrk="1" fontAlgn="auto" latinLnBrk="0" hangingPunct="1">
+              <a:lnSpc>
+                <a:spcPct val="100000"/>
+              </a:lnSpc>
+              <a:spcBef>
+                <a:spcPts val="0"/>
+              </a:spcBef>
+              <a:spcAft>
+                <a:spcPts val="0"/>
+              </a:spcAft>
+              <a:buClrTx/>
+              <a:buSzTx/>
+              <a:buFontTx/>
+              <a:buNone/>
+              <a:tabLst/>
+              <a:defRPr/>
+            </a:pPr>
+            <a:endParaRPr kumimoji="0" lang="en-US" sz="1800" b="0" i="0" u="none" strike="noStrike" kern="1200" cap="none" spc="0" normalizeH="0" baseline="0" noProof="0">
+              <a:ln>
+                <a:noFill/>
+              </a:ln>
+              <a:solidFill>
+                <a:prstClr val="white"/>
+              </a:solidFill>
+              <a:effectLst/>
+              <a:uLnTx/>
+              <a:uFillTx/>
+              <a:latin typeface="Calibri" panose="020F0502020204030204"/>
+              <a:ea typeface="+mn-ea"/>
+              <a:cs typeface="+mn-cs"/>
+            </a:endParaRPr>
+          </a:p>
+        </p:txBody>
+      </p:sp>
       <p:sp>
         <p:nvSpPr>
           <p:cNvPr id="2" name="Title 1">
@@ -4106,13 +7415,24 @@
             <p:ph type="title"/>
           </p:nvPr>
         </p:nvSpPr>
-        <p:spPr/>
-        <p:txBody>
-          <a:bodyPr/>
-          <a:lstStyle/>
-          <a:p>
-            <a:r>
-              <a:rPr lang="en-CH" dirty="0"/>
+        <p:spPr>
+          <a:xfrm>
+            <a:off x="804672" y="640080"/>
+            <a:ext cx="3282696" cy="5257800"/>
+          </a:xfrm>
+        </p:spPr>
+        <p:txBody>
+          <a:bodyPr>
+            <a:normAutofit/>
+          </a:bodyPr>
+          <a:lstStyle/>
+          <a:p>
+            <a:r>
+              <a:rPr lang="en-CH">
+                <a:solidFill>
+                  <a:schemeClr val="bg1"/>
+                </a:solidFill>
+              </a:rPr>
               <a:t>Studie</a:t>
             </a:r>
           </a:p>
@@ -4134,145 +7454,68 @@
             <p:ph idx="1"/>
           </p:nvPr>
         </p:nvSpPr>
-        <p:spPr/>
-        <p:txBody>
-          <a:bodyPr/>
+        <p:spPr>
+          <a:xfrm>
+            <a:off x="5358384" y="640081"/>
+            <a:ext cx="6024654" cy="5257800"/>
+          </a:xfrm>
+        </p:spPr>
+        <p:txBody>
+          <a:bodyPr anchor="ctr">
+            <a:normAutofit/>
+          </a:bodyPr>
           <a:lstStyle/>
           <a:p>
             <a:pPr marL="0" indent="0">
               <a:buNone/>
             </a:pPr>
             <a:r>
-              <a:rPr lang="en-CH" dirty="0"/>
+              <a:rPr lang="en-CH" sz="2400"/>
               <a:t>Infos zur Studie:</a:t>
             </a:r>
           </a:p>
           <a:p>
             <a:r>
-              <a:rPr lang="en-CH" dirty="0"/>
+              <a:rPr lang="en-CH" sz="2400"/>
               <a:t>University of Texas at Austin USA</a:t>
             </a:r>
           </a:p>
           <a:p>
             <a:r>
-              <a:rPr lang="en-CH" dirty="0"/>
+              <a:rPr lang="en-CH" sz="2400"/>
               <a:t>Finanziert durch Dairy Max (Verband von Milchprodukte Vertretern)</a:t>
             </a:r>
           </a:p>
           <a:p>
             <a:r>
-              <a:rPr lang="en-CH" dirty="0"/>
+              <a:rPr lang="en-CH" sz="2400"/>
               <a:t>Erschien im Journal of the International Society of Sports Nutrition</a:t>
             </a:r>
           </a:p>
           <a:p>
-            <a:endParaRPr lang="en-CH" dirty="0"/>
+            <a:endParaRPr lang="en-CH" sz="2400"/>
           </a:p>
           <a:p>
             <a:pPr marL="0" indent="0">
               <a:buNone/>
             </a:pPr>
             <a:r>
-              <a:rPr lang="en-CH" dirty="0"/>
+              <a:rPr lang="en-CH" sz="2400"/>
               <a:t>Zweck der Studie:</a:t>
             </a:r>
           </a:p>
           <a:p>
             <a:r>
-              <a:rPr lang="en-GB" dirty="0" err="1"/>
-              <a:t>Untersuchung</a:t>
-            </a:r>
-            <a:r>
-              <a:rPr lang="en-GB" dirty="0"/>
-              <a:t> des </a:t>
-            </a:r>
-            <a:r>
-              <a:rPr lang="en-GB" dirty="0" err="1"/>
-              <a:t>Effektes</a:t>
-            </a:r>
-            <a:r>
-              <a:rPr lang="en-GB" dirty="0"/>
-              <a:t> der </a:t>
-            </a:r>
-            <a:r>
-              <a:rPr lang="en-GB" dirty="0" err="1"/>
-              <a:t>Einnahme</a:t>
-            </a:r>
-            <a:r>
-              <a:rPr lang="en-GB" dirty="0"/>
-              <a:t> von </a:t>
-            </a:r>
-            <a:r>
-              <a:rPr lang="en-GB" dirty="0" err="1"/>
-              <a:t>Schokoladenmilch</a:t>
-            </a:r>
-            <a:r>
-              <a:rPr lang="en-GB" dirty="0"/>
-              <a:t> </a:t>
-            </a:r>
-            <a:r>
-              <a:rPr lang="en-GB" dirty="0" err="1"/>
-              <a:t>als</a:t>
-            </a:r>
-            <a:r>
-              <a:rPr lang="en-GB" dirty="0"/>
-              <a:t> </a:t>
-            </a:r>
-            <a:r>
-              <a:rPr lang="en-GB" dirty="0" err="1"/>
-              <a:t>Erholungsgetränk</a:t>
-            </a:r>
-            <a:r>
-              <a:rPr lang="en-GB" dirty="0"/>
-              <a:t> </a:t>
-            </a:r>
-            <a:r>
-              <a:rPr lang="en-GB" dirty="0" err="1"/>
-              <a:t>im</a:t>
-            </a:r>
-            <a:r>
-              <a:rPr lang="en-GB" dirty="0"/>
-              <a:t> </a:t>
-            </a:r>
-            <a:r>
-              <a:rPr lang="en-GB" dirty="0" err="1"/>
-              <a:t>Gegensatz</a:t>
-            </a:r>
-            <a:r>
-              <a:rPr lang="en-GB" dirty="0"/>
-              <a:t> </a:t>
-            </a:r>
-            <a:r>
-              <a:rPr lang="en-GB" dirty="0" err="1"/>
-              <a:t>zu</a:t>
-            </a:r>
-            <a:r>
-              <a:rPr lang="en-GB" dirty="0"/>
-              <a:t> </a:t>
-            </a:r>
-            <a:r>
-              <a:rPr lang="en-GB" dirty="0" err="1"/>
-              <a:t>kommerziellen</a:t>
-            </a:r>
-            <a:r>
-              <a:rPr lang="en-GB" dirty="0"/>
-              <a:t> </a:t>
-            </a:r>
-            <a:r>
-              <a:rPr lang="en-GB" dirty="0" err="1"/>
-              <a:t>Sportgetränke</a:t>
-            </a:r>
-            <a:r>
-              <a:rPr lang="en-GB" dirty="0"/>
-              <a:t>.</a:t>
-            </a:r>
-            <a:endParaRPr lang="en-CH" dirty="0"/>
+              <a:rPr lang="en-GB" sz="2400"/>
+              <a:t>Untersuchung des Effektes der Einnahme von Schokoladenmilch als Erholungsgetränk im Gegensatz zu kommerziellen Sportgetränke.</a:t>
+            </a:r>
+            <a:endParaRPr lang="en-CH" sz="2400"/>
           </a:p>
           <a:p>
             <a:pPr marL="0" indent="0">
               <a:buNone/>
             </a:pPr>
-            <a:endParaRPr lang="en-CH" dirty="0"/>
+            <a:endParaRPr lang="en-CH" sz="2400"/>
           </a:p>
         </p:txBody>
       </p:sp>
@@ -4292,6 +7535,14 @@
 <file path=ppt/slides/slide6.xml><?xml version="1.0" encoding="utf-8"?>
 <p:sld xmlns:a="http://schemas.openxmlformats.org/drawingml/2006/main" xmlns:r="http://schemas.openxmlformats.org/officeDocument/2006/relationships" xmlns:p="http://schemas.openxmlformats.org/presentationml/2006/main">
   <p:cSld>
+    <p:bg>
+      <p:bgPr>
+        <a:solidFill>
+          <a:schemeClr val="bg1"/>
+        </a:solidFill>
+        <a:effectLst/>
+      </p:bgPr>
+    </p:bg>
     <p:spTree>
       <p:nvGrpSpPr>
         <p:cNvPr id="1" name=""/>
@@ -4306,6 +7557,328 @@
           <a:chExt cx="0" cy="0"/>
         </a:xfrm>
       </p:grpSpPr>
+      <p:sp useBgFill="1">
+        <p:nvSpPr>
+          <p:cNvPr id="8" name="Rectangle 7">
+            <a:extLst>
+              <a:ext uri="{FF2B5EF4-FFF2-40B4-BE49-F238E27FC236}">
+                <a16:creationId xmlns:a16="http://schemas.microsoft.com/office/drawing/2014/main" id="{C7FA33FF-088D-4F16-95A2-2C64D353DEA8}"/>
+              </a:ext>
+              <a:ext uri="{C183D7F6-B498-43B3-948B-1728B52AA6E4}">
+                <adec:decorative xmlns:adec="http://schemas.microsoft.com/office/drawing/2017/decorative" val="1"/>
+              </a:ext>
+            </a:extLst>
+          </p:cNvPr>
+          <p:cNvSpPr>
+            <a:spLocks noGrp="1" noRot="1" noChangeAspect="1" noMove="1" noResize="1" noEditPoints="1" noAdjustHandles="1" noChangeArrowheads="1" noChangeShapeType="1" noTextEdit="1"/>
+          </p:cNvSpPr>
+          <p:nvPr>
+            <p:extLst>
+              <p:ext uri="{386F3935-93C4-4BCD-93E2-E3B085C9AB24}">
+                <p16:designElem xmlns:p16="http://schemas.microsoft.com/office/powerpoint/2015/main" val="1"/>
+              </p:ext>
+            </p:extLst>
+          </p:nvPr>
+        </p:nvSpPr>
+        <p:spPr>
+          <a:xfrm>
+            <a:off x="1524" y="0"/>
+            <a:ext cx="12188952" cy="6858000"/>
+          </a:xfrm>
+          <a:prstGeom prst="rect">
+            <a:avLst/>
+          </a:prstGeom>
+          <a:ln>
+            <a:noFill/>
+          </a:ln>
+        </p:spPr>
+        <p:style>
+          <a:lnRef idx="2">
+            <a:schemeClr val="accent1">
+              <a:shade val="50000"/>
+            </a:schemeClr>
+          </a:lnRef>
+          <a:fillRef idx="1">
+            <a:schemeClr val="accent1"/>
+          </a:fillRef>
+          <a:effectRef idx="0">
+            <a:schemeClr val="accent1"/>
+          </a:effectRef>
+          <a:fontRef idx="minor">
+            <a:schemeClr val="lt1"/>
+          </a:fontRef>
+        </p:style>
+        <p:txBody>
+          <a:bodyPr rtlCol="0" anchor="ctr"/>
+          <a:lstStyle/>
+          <a:p>
+            <a:pPr marL="0" marR="0" lvl="0" indent="0" algn="ctr" defTabSz="914400" rtl="0" eaLnBrk="1" fontAlgn="auto" latinLnBrk="0" hangingPunct="1">
+              <a:lnSpc>
+                <a:spcPct val="100000"/>
+              </a:lnSpc>
+              <a:spcBef>
+                <a:spcPts val="0"/>
+              </a:spcBef>
+              <a:spcAft>
+                <a:spcPts val="0"/>
+              </a:spcAft>
+              <a:buClrTx/>
+              <a:buSzTx/>
+              <a:buFontTx/>
+              <a:buNone/>
+              <a:tabLst/>
+              <a:defRPr/>
+            </a:pPr>
+            <a:endParaRPr kumimoji="0" lang="en-US" sz="1800" b="0" i="0" u="none" strike="noStrike" kern="1200" cap="none" spc="0" normalizeH="0" baseline="0" noProof="0">
+              <a:ln>
+                <a:noFill/>
+              </a:ln>
+              <a:solidFill>
+                <a:prstClr val="white"/>
+              </a:solidFill>
+              <a:effectLst/>
+              <a:uLnTx/>
+              <a:uFillTx/>
+              <a:latin typeface="Calibri" panose="020F0502020204030204"/>
+              <a:ea typeface="+mn-ea"/>
+              <a:cs typeface="+mn-cs"/>
+            </a:endParaRPr>
+          </a:p>
+        </p:txBody>
+      </p:sp>
+      <p:sp>
+        <p:nvSpPr>
+          <p:cNvPr id="10" name="Rectangle 9">
+            <a:extLst>
+              <a:ext uri="{FF2B5EF4-FFF2-40B4-BE49-F238E27FC236}">
+                <a16:creationId xmlns:a16="http://schemas.microsoft.com/office/drawing/2014/main" id="{A376EFB1-01CF-419F-ABF1-2AF02BBFCBD1}"/>
+              </a:ext>
+              <a:ext uri="{C183D7F6-B498-43B3-948B-1728B52AA6E4}">
+                <adec:decorative xmlns:adec="http://schemas.microsoft.com/office/drawing/2017/decorative" val="1"/>
+              </a:ext>
+            </a:extLst>
+          </p:cNvPr>
+          <p:cNvSpPr>
+            <a:spLocks noGrp="1" noRot="1" noChangeAspect="1" noMove="1" noResize="1" noEditPoints="1" noAdjustHandles="1" noChangeArrowheads="1" noChangeShapeType="1" noTextEdit="1"/>
+          </p:cNvSpPr>
+          <p:nvPr>
+            <p:extLst>
+              <p:ext uri="{386F3935-93C4-4BCD-93E2-E3B085C9AB24}">
+                <p16:designElem xmlns:p16="http://schemas.microsoft.com/office/powerpoint/2015/main" val="1"/>
+              </p:ext>
+            </p:extLst>
+          </p:nvPr>
+        </p:nvSpPr>
+        <p:spPr>
+          <a:xfrm>
+            <a:off x="0" y="0"/>
+            <a:ext cx="4709160" cy="6858000"/>
+          </a:xfrm>
+          <a:prstGeom prst="rect">
+            <a:avLst/>
+          </a:prstGeom>
+          <a:solidFill>
+            <a:schemeClr val="tx1">
+              <a:alpha val="81000"/>
+            </a:schemeClr>
+          </a:solidFill>
+          <a:ln>
+            <a:noFill/>
+          </a:ln>
+        </p:spPr>
+        <p:style>
+          <a:lnRef idx="2">
+            <a:schemeClr val="accent1">
+              <a:shade val="50000"/>
+            </a:schemeClr>
+          </a:lnRef>
+          <a:fillRef idx="1">
+            <a:schemeClr val="accent1"/>
+          </a:fillRef>
+          <a:effectRef idx="0">
+            <a:schemeClr val="accent1"/>
+          </a:effectRef>
+          <a:fontRef idx="minor">
+            <a:schemeClr val="lt1"/>
+          </a:fontRef>
+        </p:style>
+        <p:txBody>
+          <a:bodyPr rtlCol="0" anchor="ctr"/>
+          <a:lstStyle/>
+          <a:p>
+            <a:pPr marL="0" marR="0" lvl="0" indent="0" algn="ctr" defTabSz="914400" rtl="0" eaLnBrk="1" fontAlgn="auto" latinLnBrk="0" hangingPunct="1">
+              <a:lnSpc>
+                <a:spcPct val="100000"/>
+              </a:lnSpc>
+              <a:spcBef>
+                <a:spcPts val="0"/>
+              </a:spcBef>
+              <a:spcAft>
+                <a:spcPts val="0"/>
+              </a:spcAft>
+              <a:buClrTx/>
+              <a:buSzTx/>
+              <a:buFontTx/>
+              <a:buNone/>
+              <a:tabLst/>
+              <a:defRPr/>
+            </a:pPr>
+            <a:endParaRPr kumimoji="0" lang="en-US" sz="1800" b="0" i="0" u="none" strike="noStrike" kern="1200" cap="none" spc="0" normalizeH="0" baseline="0" noProof="0">
+              <a:ln>
+                <a:noFill/>
+              </a:ln>
+              <a:solidFill>
+                <a:prstClr val="white"/>
+              </a:solidFill>
+              <a:effectLst/>
+              <a:uLnTx/>
+              <a:uFillTx/>
+              <a:latin typeface="Calibri" panose="020F0502020204030204"/>
+              <a:ea typeface="+mn-ea"/>
+              <a:cs typeface="+mn-cs"/>
+            </a:endParaRPr>
+          </a:p>
+        </p:txBody>
+      </p:sp>
+      <p:sp>
+        <p:nvSpPr>
+          <p:cNvPr id="12" name="Freeform: Shape 11">
+            <a:extLst>
+              <a:ext uri="{FF2B5EF4-FFF2-40B4-BE49-F238E27FC236}">
+                <a16:creationId xmlns:a16="http://schemas.microsoft.com/office/drawing/2014/main" id="{FF9DEA15-78BD-4750-AA18-B9F28A6D5AB8}"/>
+              </a:ext>
+              <a:ext uri="{C183D7F6-B498-43B3-948B-1728B52AA6E4}">
+                <adec:decorative xmlns:adec="http://schemas.microsoft.com/office/drawing/2017/decorative" val="1"/>
+              </a:ext>
+            </a:extLst>
+          </p:cNvPr>
+          <p:cNvSpPr>
+            <a:spLocks noGrp="1" noRot="1" noChangeAspect="1" noMove="1" noResize="1" noEditPoints="1" noAdjustHandles="1" noChangeArrowheads="1" noChangeShapeType="1" noTextEdit="1"/>
+          </p:cNvSpPr>
+          <p:nvPr>
+            <p:extLst>
+              <p:ext uri="{386F3935-93C4-4BCD-93E2-E3B085C9AB24}">
+                <p16:designElem xmlns:p16="http://schemas.microsoft.com/office/powerpoint/2015/main" val="1"/>
+              </p:ext>
+            </p:extLst>
+          </p:nvPr>
+        </p:nvSpPr>
+        <p:spPr>
+          <a:xfrm>
+            <a:off x="0" y="0"/>
+            <a:ext cx="3284331" cy="6858000"/>
+          </a:xfrm>
+          <a:custGeom>
+            <a:avLst/>
+            <a:gdLst>
+              <a:gd name="connsiteX0" fmla="*/ 0 w 4319042"/>
+              <a:gd name="connsiteY0" fmla="*/ 0 h 6858000"/>
+              <a:gd name="connsiteX1" fmla="*/ 1142888 w 4319042"/>
+              <a:gd name="connsiteY1" fmla="*/ 0 h 6858000"/>
+              <a:gd name="connsiteX2" fmla="*/ 4319042 w 4319042"/>
+              <a:gd name="connsiteY2" fmla="*/ 6858000 h 6858000"/>
+              <a:gd name="connsiteX3" fmla="*/ 0 w 4319042"/>
+              <a:gd name="connsiteY3" fmla="*/ 6858000 h 6858000"/>
+            </a:gdLst>
+            <a:ahLst/>
+            <a:cxnLst>
+              <a:cxn ang="0">
+                <a:pos x="connsiteX0" y="connsiteY0"/>
+              </a:cxn>
+              <a:cxn ang="0">
+                <a:pos x="connsiteX1" y="connsiteY1"/>
+              </a:cxn>
+              <a:cxn ang="0">
+                <a:pos x="connsiteX2" y="connsiteY2"/>
+              </a:cxn>
+              <a:cxn ang="0">
+                <a:pos x="connsiteX3" y="connsiteY3"/>
+              </a:cxn>
+            </a:cxnLst>
+            <a:rect l="l" t="t" r="r" b="b"/>
+            <a:pathLst>
+              <a:path w="4319042" h="6858000">
+                <a:moveTo>
+                  <a:pt x="0" y="0"/>
+                </a:moveTo>
+                <a:lnTo>
+                  <a:pt x="1142888" y="0"/>
+                </a:lnTo>
+                <a:lnTo>
+                  <a:pt x="4319042" y="6858000"/>
+                </a:lnTo>
+                <a:lnTo>
+                  <a:pt x="0" y="6858000"/>
+                </a:lnTo>
+                <a:close/>
+              </a:path>
+            </a:pathLst>
+          </a:custGeom>
+          <a:solidFill>
+            <a:schemeClr val="tx1">
+              <a:alpha val="35000"/>
+            </a:schemeClr>
+          </a:solidFill>
+          <a:ln>
+            <a:noFill/>
+          </a:ln>
+        </p:spPr>
+        <p:style>
+          <a:lnRef idx="2">
+            <a:schemeClr val="accent1">
+              <a:shade val="50000"/>
+            </a:schemeClr>
+          </a:lnRef>
+          <a:fillRef idx="1">
+            <a:schemeClr val="accent1"/>
+          </a:fillRef>
+          <a:effectRef idx="0">
+            <a:schemeClr val="accent1"/>
+          </a:effectRef>
+          <a:fontRef idx="minor">
+            <a:schemeClr val="lt1"/>
+          </a:fontRef>
+        </p:style>
+        <p:txBody>
+          <a:bodyPr wrap="square" rtlCol="0" anchor="ctr">
+            <a:noAutofit/>
+          </a:bodyPr>
+          <a:lstStyle/>
+          <a:p>
+            <a:pPr marL="0" marR="0" lvl="0" indent="0" algn="ctr" defTabSz="914400" rtl="0" eaLnBrk="1" fontAlgn="auto" latinLnBrk="0" hangingPunct="1">
+              <a:lnSpc>
+                <a:spcPct val="100000"/>
+              </a:lnSpc>
+              <a:spcBef>
+                <a:spcPts val="0"/>
+              </a:spcBef>
+              <a:spcAft>
+                <a:spcPts val="0"/>
+              </a:spcAft>
+              <a:buClrTx/>
+              <a:buSzTx/>
+              <a:buFontTx/>
+              <a:buNone/>
+              <a:tabLst/>
+              <a:defRPr/>
+            </a:pPr>
+            <a:endParaRPr kumimoji="0" lang="en-US" sz="1800" b="0" i="0" u="none" strike="noStrike" kern="1200" cap="none" spc="0" normalizeH="0" baseline="0" noProof="0">
+              <a:ln>
+                <a:noFill/>
+              </a:ln>
+              <a:solidFill>
+                <a:prstClr val="white"/>
+              </a:solidFill>
+              <a:effectLst/>
+              <a:uLnTx/>
+              <a:uFillTx/>
+              <a:latin typeface="Calibri" panose="020F0502020204030204"/>
+              <a:ea typeface="+mn-ea"/>
+              <a:cs typeface="+mn-cs"/>
+            </a:endParaRPr>
+          </a:p>
+        </p:txBody>
+      </p:sp>
       <p:sp>
         <p:nvSpPr>
           <p:cNvPr id="2" name="Title 1">
@@ -4322,16 +7895,26 @@
             <p:ph type="title"/>
           </p:nvPr>
         </p:nvSpPr>
-        <p:spPr/>
-        <p:txBody>
-          <a:bodyPr/>
-          <a:lstStyle/>
-          <a:p>
-            <a:r>
-              <a:rPr lang="en-CH"/>
+        <p:spPr>
+          <a:xfrm>
+            <a:off x="804672" y="640080"/>
+            <a:ext cx="3282696" cy="5257800"/>
+          </a:xfrm>
+        </p:spPr>
+        <p:txBody>
+          <a:bodyPr>
+            <a:normAutofit/>
+          </a:bodyPr>
+          <a:lstStyle/>
+          <a:p>
+            <a:r>
+              <a:rPr lang="en-CH">
+                <a:solidFill>
+                  <a:schemeClr val="bg1"/>
+                </a:solidFill>
+              </a:rPr>
               <a:t>Studie</a:t>
             </a:r>
-            <a:endParaRPr lang="en-CH" dirty="0"/>
           </a:p>
         </p:txBody>
       </p:sp>
@@ -4351,53 +7934,60 @@
             <p:ph idx="1"/>
           </p:nvPr>
         </p:nvSpPr>
-        <p:spPr/>
-        <p:txBody>
-          <a:bodyPr/>
+        <p:spPr>
+          <a:xfrm>
+            <a:off x="5358384" y="640081"/>
+            <a:ext cx="6024654" cy="5257800"/>
+          </a:xfrm>
+        </p:spPr>
+        <p:txBody>
+          <a:bodyPr anchor="ctr">
+            <a:normAutofit/>
+          </a:bodyPr>
           <a:lstStyle/>
           <a:p>
             <a:pPr marL="0" indent="0">
               <a:buNone/>
             </a:pPr>
             <a:r>
-              <a:rPr lang="de-CH"/>
+              <a:rPr lang="de-CH" sz="2400"/>
               <a:t>Aufbau der Versuchsreihe:</a:t>
             </a:r>
           </a:p>
           <a:p>
             <a:r>
-              <a:rPr lang="de-CH"/>
-              <a:t>7-wöchiges Sommer Trainingsprogrammes</a:t>
-            </a:r>
-          </a:p>
-          <a:p>
-            <a:r>
-              <a:rPr lang="de-CH"/>
+              <a:rPr lang="de-CH" sz="2400"/>
+              <a:t>7-wöchiges Sommer Trainingsprogramm</a:t>
+            </a:r>
+          </a:p>
+          <a:p>
+            <a:r>
+              <a:rPr lang="de-CH" sz="2400"/>
               <a:t>Teilnehmer einer grossen westlichen High School</a:t>
             </a:r>
           </a:p>
           <a:p>
             <a:r>
-              <a:rPr lang="de-CH"/>
+              <a:rPr lang="de-CH" sz="2400"/>
               <a:t>Kraft- und Ausdauertests in Woche 1 und 7</a:t>
             </a:r>
           </a:p>
           <a:p>
             <a:r>
-              <a:rPr lang="de-CH"/>
+              <a:rPr lang="de-CH" sz="2400"/>
               <a:t>5 Wochen lang, 4 Tage die Woche, je 1h Ausdauer und 1h Kraft</a:t>
             </a:r>
-            <a:endParaRPr lang="en-CH"/>
-          </a:p>
-          <a:p>
-            <a:r>
-              <a:rPr lang="en-CH"/>
+            <a:endParaRPr lang="en-CH" sz="2400"/>
+          </a:p>
+          <a:p>
+            <a:r>
+              <a:rPr lang="en-CH" sz="2400"/>
               <a:t>Einnahme nach der letzten Trainingseinheit</a:t>
             </a:r>
           </a:p>
           <a:p>
             <a:r>
-              <a:rPr lang="en-CH"/>
+              <a:rPr lang="en-CH" sz="2400"/>
               <a:t>Vom Camp in 3 Gruppen aufgeteilt</a:t>
             </a:r>
           </a:p>
@@ -4423,6 +8013,14 @@
 <file path=ppt/slides/slide7.xml><?xml version="1.0" encoding="utf-8"?>
 <p:sld xmlns:a="http://schemas.openxmlformats.org/drawingml/2006/main" xmlns:r="http://schemas.openxmlformats.org/officeDocument/2006/relationships" xmlns:p="http://schemas.openxmlformats.org/presentationml/2006/main">
   <p:cSld>
+    <p:bg>
+      <p:bgPr>
+        <a:solidFill>
+          <a:schemeClr val="bg1"/>
+        </a:solidFill>
+        <a:effectLst/>
+      </p:bgPr>
+    </p:bg>
     <p:spTree>
       <p:nvGrpSpPr>
         <p:cNvPr id="1" name=""/>
@@ -4437,6 +8035,328 @@
           <a:chExt cx="0" cy="0"/>
         </a:xfrm>
       </p:grpSpPr>
+      <p:sp useBgFill="1">
+        <p:nvSpPr>
+          <p:cNvPr id="20" name="Rectangle 7">
+            <a:extLst>
+              <a:ext uri="{FF2B5EF4-FFF2-40B4-BE49-F238E27FC236}">
+                <a16:creationId xmlns:a16="http://schemas.microsoft.com/office/drawing/2014/main" id="{C7FA33FF-088D-4F16-95A2-2C64D353DEA8}"/>
+              </a:ext>
+              <a:ext uri="{C183D7F6-B498-43B3-948B-1728B52AA6E4}">
+                <adec:decorative xmlns:adec="http://schemas.microsoft.com/office/drawing/2017/decorative" val="1"/>
+              </a:ext>
+            </a:extLst>
+          </p:cNvPr>
+          <p:cNvSpPr>
+            <a:spLocks noGrp="1" noRot="1" noChangeAspect="1" noMove="1" noResize="1" noEditPoints="1" noAdjustHandles="1" noChangeArrowheads="1" noChangeShapeType="1" noTextEdit="1"/>
+          </p:cNvSpPr>
+          <p:nvPr>
+            <p:extLst>
+              <p:ext uri="{386F3935-93C4-4BCD-93E2-E3B085C9AB24}">
+                <p16:designElem xmlns:p16="http://schemas.microsoft.com/office/powerpoint/2015/main" val="1"/>
+              </p:ext>
+            </p:extLst>
+          </p:nvPr>
+        </p:nvSpPr>
+        <p:spPr>
+          <a:xfrm>
+            <a:off x="1524" y="0"/>
+            <a:ext cx="12188952" cy="6858000"/>
+          </a:xfrm>
+          <a:prstGeom prst="rect">
+            <a:avLst/>
+          </a:prstGeom>
+          <a:ln>
+            <a:noFill/>
+          </a:ln>
+        </p:spPr>
+        <p:style>
+          <a:lnRef idx="2">
+            <a:schemeClr val="accent1">
+              <a:shade val="50000"/>
+            </a:schemeClr>
+          </a:lnRef>
+          <a:fillRef idx="1">
+            <a:schemeClr val="accent1"/>
+          </a:fillRef>
+          <a:effectRef idx="0">
+            <a:schemeClr val="accent1"/>
+          </a:effectRef>
+          <a:fontRef idx="minor">
+            <a:schemeClr val="lt1"/>
+          </a:fontRef>
+        </p:style>
+        <p:txBody>
+          <a:bodyPr rtlCol="0" anchor="ctr"/>
+          <a:lstStyle/>
+          <a:p>
+            <a:pPr marL="0" marR="0" lvl="0" indent="0" algn="ctr" defTabSz="914400" rtl="0" eaLnBrk="1" fontAlgn="auto" latinLnBrk="0" hangingPunct="1">
+              <a:lnSpc>
+                <a:spcPct val="100000"/>
+              </a:lnSpc>
+              <a:spcBef>
+                <a:spcPts val="0"/>
+              </a:spcBef>
+              <a:spcAft>
+                <a:spcPts val="0"/>
+              </a:spcAft>
+              <a:buClrTx/>
+              <a:buSzTx/>
+              <a:buFontTx/>
+              <a:buNone/>
+              <a:tabLst/>
+              <a:defRPr/>
+            </a:pPr>
+            <a:endParaRPr kumimoji="0" lang="en-US" sz="1800" b="0" i="0" u="none" strike="noStrike" kern="1200" cap="none" spc="0" normalizeH="0" baseline="0" noProof="0">
+              <a:ln>
+                <a:noFill/>
+              </a:ln>
+              <a:solidFill>
+                <a:prstClr val="white"/>
+              </a:solidFill>
+              <a:effectLst/>
+              <a:uLnTx/>
+              <a:uFillTx/>
+              <a:latin typeface="Calibri" panose="020F0502020204030204"/>
+              <a:ea typeface="+mn-ea"/>
+              <a:cs typeface="+mn-cs"/>
+            </a:endParaRPr>
+          </a:p>
+        </p:txBody>
+      </p:sp>
+      <p:sp>
+        <p:nvSpPr>
+          <p:cNvPr id="21" name="Rectangle 9">
+            <a:extLst>
+              <a:ext uri="{FF2B5EF4-FFF2-40B4-BE49-F238E27FC236}">
+                <a16:creationId xmlns:a16="http://schemas.microsoft.com/office/drawing/2014/main" id="{A376EFB1-01CF-419F-ABF1-2AF02BBFCBD1}"/>
+              </a:ext>
+              <a:ext uri="{C183D7F6-B498-43B3-948B-1728B52AA6E4}">
+                <adec:decorative xmlns:adec="http://schemas.microsoft.com/office/drawing/2017/decorative" val="1"/>
+              </a:ext>
+            </a:extLst>
+          </p:cNvPr>
+          <p:cNvSpPr>
+            <a:spLocks noGrp="1" noRot="1" noChangeAspect="1" noMove="1" noResize="1" noEditPoints="1" noAdjustHandles="1" noChangeArrowheads="1" noChangeShapeType="1" noTextEdit="1"/>
+          </p:cNvSpPr>
+          <p:nvPr>
+            <p:extLst>
+              <p:ext uri="{386F3935-93C4-4BCD-93E2-E3B085C9AB24}">
+                <p16:designElem xmlns:p16="http://schemas.microsoft.com/office/powerpoint/2015/main" val="1"/>
+              </p:ext>
+            </p:extLst>
+          </p:nvPr>
+        </p:nvSpPr>
+        <p:spPr>
+          <a:xfrm>
+            <a:off x="0" y="0"/>
+            <a:ext cx="4709160" cy="6858000"/>
+          </a:xfrm>
+          <a:prstGeom prst="rect">
+            <a:avLst/>
+          </a:prstGeom>
+          <a:solidFill>
+            <a:schemeClr val="tx1">
+              <a:alpha val="81000"/>
+            </a:schemeClr>
+          </a:solidFill>
+          <a:ln>
+            <a:noFill/>
+          </a:ln>
+        </p:spPr>
+        <p:style>
+          <a:lnRef idx="2">
+            <a:schemeClr val="accent1">
+              <a:shade val="50000"/>
+            </a:schemeClr>
+          </a:lnRef>
+          <a:fillRef idx="1">
+            <a:schemeClr val="accent1"/>
+          </a:fillRef>
+          <a:effectRef idx="0">
+            <a:schemeClr val="accent1"/>
+          </a:effectRef>
+          <a:fontRef idx="minor">
+            <a:schemeClr val="lt1"/>
+          </a:fontRef>
+        </p:style>
+        <p:txBody>
+          <a:bodyPr rtlCol="0" anchor="ctr"/>
+          <a:lstStyle/>
+          <a:p>
+            <a:pPr marL="0" marR="0" lvl="0" indent="0" algn="ctr" defTabSz="914400" rtl="0" eaLnBrk="1" fontAlgn="auto" latinLnBrk="0" hangingPunct="1">
+              <a:lnSpc>
+                <a:spcPct val="100000"/>
+              </a:lnSpc>
+              <a:spcBef>
+                <a:spcPts val="0"/>
+              </a:spcBef>
+              <a:spcAft>
+                <a:spcPts val="0"/>
+              </a:spcAft>
+              <a:buClrTx/>
+              <a:buSzTx/>
+              <a:buFontTx/>
+              <a:buNone/>
+              <a:tabLst/>
+              <a:defRPr/>
+            </a:pPr>
+            <a:endParaRPr kumimoji="0" lang="en-US" sz="1800" b="0" i="0" u="none" strike="noStrike" kern="1200" cap="none" spc="0" normalizeH="0" baseline="0" noProof="0">
+              <a:ln>
+                <a:noFill/>
+              </a:ln>
+              <a:solidFill>
+                <a:prstClr val="white"/>
+              </a:solidFill>
+              <a:effectLst/>
+              <a:uLnTx/>
+              <a:uFillTx/>
+              <a:latin typeface="Calibri" panose="020F0502020204030204"/>
+              <a:ea typeface="+mn-ea"/>
+              <a:cs typeface="+mn-cs"/>
+            </a:endParaRPr>
+          </a:p>
+        </p:txBody>
+      </p:sp>
+      <p:sp>
+        <p:nvSpPr>
+          <p:cNvPr id="22" name="Freeform: Shape 11">
+            <a:extLst>
+              <a:ext uri="{FF2B5EF4-FFF2-40B4-BE49-F238E27FC236}">
+                <a16:creationId xmlns:a16="http://schemas.microsoft.com/office/drawing/2014/main" id="{FF9DEA15-78BD-4750-AA18-B9F28A6D5AB8}"/>
+              </a:ext>
+              <a:ext uri="{C183D7F6-B498-43B3-948B-1728B52AA6E4}">
+                <adec:decorative xmlns:adec="http://schemas.microsoft.com/office/drawing/2017/decorative" val="1"/>
+              </a:ext>
+            </a:extLst>
+          </p:cNvPr>
+          <p:cNvSpPr>
+            <a:spLocks noGrp="1" noRot="1" noChangeAspect="1" noMove="1" noResize="1" noEditPoints="1" noAdjustHandles="1" noChangeArrowheads="1" noChangeShapeType="1" noTextEdit="1"/>
+          </p:cNvSpPr>
+          <p:nvPr>
+            <p:extLst>
+              <p:ext uri="{386F3935-93C4-4BCD-93E2-E3B085C9AB24}">
+                <p16:designElem xmlns:p16="http://schemas.microsoft.com/office/powerpoint/2015/main" val="1"/>
+              </p:ext>
+            </p:extLst>
+          </p:nvPr>
+        </p:nvSpPr>
+        <p:spPr>
+          <a:xfrm>
+            <a:off x="0" y="0"/>
+            <a:ext cx="3284331" cy="6858000"/>
+          </a:xfrm>
+          <a:custGeom>
+            <a:avLst/>
+            <a:gdLst>
+              <a:gd name="connsiteX0" fmla="*/ 0 w 4319042"/>
+              <a:gd name="connsiteY0" fmla="*/ 0 h 6858000"/>
+              <a:gd name="connsiteX1" fmla="*/ 1142888 w 4319042"/>
+              <a:gd name="connsiteY1" fmla="*/ 0 h 6858000"/>
+              <a:gd name="connsiteX2" fmla="*/ 4319042 w 4319042"/>
+              <a:gd name="connsiteY2" fmla="*/ 6858000 h 6858000"/>
+              <a:gd name="connsiteX3" fmla="*/ 0 w 4319042"/>
+              <a:gd name="connsiteY3" fmla="*/ 6858000 h 6858000"/>
+            </a:gdLst>
+            <a:ahLst/>
+            <a:cxnLst>
+              <a:cxn ang="0">
+                <a:pos x="connsiteX0" y="connsiteY0"/>
+              </a:cxn>
+              <a:cxn ang="0">
+                <a:pos x="connsiteX1" y="connsiteY1"/>
+              </a:cxn>
+              <a:cxn ang="0">
+                <a:pos x="connsiteX2" y="connsiteY2"/>
+              </a:cxn>
+              <a:cxn ang="0">
+                <a:pos x="connsiteX3" y="connsiteY3"/>
+              </a:cxn>
+            </a:cxnLst>
+            <a:rect l="l" t="t" r="r" b="b"/>
+            <a:pathLst>
+              <a:path w="4319042" h="6858000">
+                <a:moveTo>
+                  <a:pt x="0" y="0"/>
+                </a:moveTo>
+                <a:lnTo>
+                  <a:pt x="1142888" y="0"/>
+                </a:lnTo>
+                <a:lnTo>
+                  <a:pt x="4319042" y="6858000"/>
+                </a:lnTo>
+                <a:lnTo>
+                  <a:pt x="0" y="6858000"/>
+                </a:lnTo>
+                <a:close/>
+              </a:path>
+            </a:pathLst>
+          </a:custGeom>
+          <a:solidFill>
+            <a:schemeClr val="tx1">
+              <a:alpha val="35000"/>
+            </a:schemeClr>
+          </a:solidFill>
+          <a:ln>
+            <a:noFill/>
+          </a:ln>
+        </p:spPr>
+        <p:style>
+          <a:lnRef idx="2">
+            <a:schemeClr val="accent1">
+              <a:shade val="50000"/>
+            </a:schemeClr>
+          </a:lnRef>
+          <a:fillRef idx="1">
+            <a:schemeClr val="accent1"/>
+          </a:fillRef>
+          <a:effectRef idx="0">
+            <a:schemeClr val="accent1"/>
+          </a:effectRef>
+          <a:fontRef idx="minor">
+            <a:schemeClr val="lt1"/>
+          </a:fontRef>
+        </p:style>
+        <p:txBody>
+          <a:bodyPr wrap="square" rtlCol="0" anchor="ctr">
+            <a:noAutofit/>
+          </a:bodyPr>
+          <a:lstStyle/>
+          <a:p>
+            <a:pPr marL="0" marR="0" lvl="0" indent="0" algn="ctr" defTabSz="914400" rtl="0" eaLnBrk="1" fontAlgn="auto" latinLnBrk="0" hangingPunct="1">
+              <a:lnSpc>
+                <a:spcPct val="100000"/>
+              </a:lnSpc>
+              <a:spcBef>
+                <a:spcPts val="0"/>
+              </a:spcBef>
+              <a:spcAft>
+                <a:spcPts val="0"/>
+              </a:spcAft>
+              <a:buClrTx/>
+              <a:buSzTx/>
+              <a:buFontTx/>
+              <a:buNone/>
+              <a:tabLst/>
+              <a:defRPr/>
+            </a:pPr>
+            <a:endParaRPr kumimoji="0" lang="en-US" sz="1800" b="0" i="0" u="none" strike="noStrike" kern="1200" cap="none" spc="0" normalizeH="0" baseline="0" noProof="0">
+              <a:ln>
+                <a:noFill/>
+              </a:ln>
+              <a:solidFill>
+                <a:prstClr val="white"/>
+              </a:solidFill>
+              <a:effectLst/>
+              <a:uLnTx/>
+              <a:uFillTx/>
+              <a:latin typeface="Calibri" panose="020F0502020204030204"/>
+              <a:ea typeface="+mn-ea"/>
+              <a:cs typeface="+mn-cs"/>
+            </a:endParaRPr>
+          </a:p>
+        </p:txBody>
+      </p:sp>
       <p:sp>
         <p:nvSpPr>
           <p:cNvPr id="2" name="Title 1">
@@ -4453,13 +8373,24 @@
             <p:ph type="title"/>
           </p:nvPr>
         </p:nvSpPr>
-        <p:spPr/>
-        <p:txBody>
-          <a:bodyPr/>
-          <a:lstStyle/>
-          <a:p>
-            <a:r>
-              <a:rPr lang="en-CH" dirty="0"/>
+        <p:spPr>
+          <a:xfrm>
+            <a:off x="804672" y="640080"/>
+            <a:ext cx="3282696" cy="5257800"/>
+          </a:xfrm>
+        </p:spPr>
+        <p:txBody>
+          <a:bodyPr>
+            <a:normAutofit/>
+          </a:bodyPr>
+          <a:lstStyle/>
+          <a:p>
+            <a:r>
+              <a:rPr lang="en-CH">
+                <a:solidFill>
+                  <a:schemeClr val="bg1"/>
+                </a:solidFill>
+              </a:rPr>
               <a:t>Studie</a:t>
             </a:r>
           </a:p>
@@ -4481,46 +8412,53 @@
             <p:ph idx="1"/>
           </p:nvPr>
         </p:nvSpPr>
-        <p:spPr/>
-        <p:txBody>
-          <a:bodyPr/>
+        <p:spPr>
+          <a:xfrm>
+            <a:off x="5358384" y="640081"/>
+            <a:ext cx="6024654" cy="5257800"/>
+          </a:xfrm>
+        </p:spPr>
+        <p:txBody>
+          <a:bodyPr anchor="ctr">
+            <a:normAutofit/>
+          </a:bodyPr>
           <a:lstStyle/>
           <a:p>
             <a:pPr marL="0" indent="0">
               <a:buNone/>
             </a:pPr>
             <a:r>
-              <a:rPr lang="en-CH" dirty="0"/>
+              <a:rPr lang="en-CH" sz="2400"/>
               <a:t>Grundgesamtheit:</a:t>
             </a:r>
           </a:p>
           <a:p>
             <a:r>
-              <a:rPr lang="en-CH" dirty="0"/>
+              <a:rPr lang="en-CH" sz="2400"/>
               <a:t>Knapp 8 Millionen jugendliche High School Sportler</a:t>
             </a:r>
           </a:p>
           <a:p>
-            <a:endParaRPr lang="en-CH" dirty="0"/>
+            <a:endParaRPr lang="en-CH" sz="2400"/>
           </a:p>
           <a:p>
             <a:pPr marL="0" indent="0">
               <a:buNone/>
             </a:pPr>
             <a:r>
-              <a:rPr lang="en-CH" dirty="0"/>
+              <a:rPr lang="en-CH" sz="2400"/>
               <a:t>Auswahlrahmen:</a:t>
             </a:r>
           </a:p>
           <a:p>
             <a:r>
-              <a:rPr lang="en-CH" dirty="0"/>
+              <a:rPr lang="en-CH" sz="2400"/>
               <a:t>Teilnehmer eines Sommer Trainingprogrammes einer Schule</a:t>
             </a:r>
           </a:p>
           <a:p>
             <a:r>
-              <a:rPr lang="en-CH" dirty="0"/>
+              <a:rPr lang="en-CH" sz="2400"/>
               <a:t>Ist dies repräsentativ?</a:t>
             </a:r>
           </a:p>
@@ -4542,6 +8480,14 @@
 <file path=ppt/slides/slide8.xml><?xml version="1.0" encoding="utf-8"?>
 <p:sld xmlns:a="http://schemas.openxmlformats.org/drawingml/2006/main" xmlns:r="http://schemas.openxmlformats.org/officeDocument/2006/relationships" xmlns:p="http://schemas.openxmlformats.org/presentationml/2006/main">
   <p:cSld>
+    <p:bg>
+      <p:bgPr>
+        <a:solidFill>
+          <a:schemeClr val="bg1"/>
+        </a:solidFill>
+        <a:effectLst/>
+      </p:bgPr>
+    </p:bg>
     <p:spTree>
       <p:nvGrpSpPr>
         <p:cNvPr id="1" name=""/>
@@ -4556,6 +8502,328 @@
           <a:chExt cx="0" cy="0"/>
         </a:xfrm>
       </p:grpSpPr>
+      <p:sp useBgFill="1">
+        <p:nvSpPr>
+          <p:cNvPr id="8" name="Rectangle 7">
+            <a:extLst>
+              <a:ext uri="{FF2B5EF4-FFF2-40B4-BE49-F238E27FC236}">
+                <a16:creationId xmlns:a16="http://schemas.microsoft.com/office/drawing/2014/main" id="{C7FA33FF-088D-4F16-95A2-2C64D353DEA8}"/>
+              </a:ext>
+              <a:ext uri="{C183D7F6-B498-43B3-948B-1728B52AA6E4}">
+                <adec:decorative xmlns:adec="http://schemas.microsoft.com/office/drawing/2017/decorative" val="1"/>
+              </a:ext>
+            </a:extLst>
+          </p:cNvPr>
+          <p:cNvSpPr>
+            <a:spLocks noGrp="1" noRot="1" noChangeAspect="1" noMove="1" noResize="1" noEditPoints="1" noAdjustHandles="1" noChangeArrowheads="1" noChangeShapeType="1" noTextEdit="1"/>
+          </p:cNvSpPr>
+          <p:nvPr>
+            <p:extLst>
+              <p:ext uri="{386F3935-93C4-4BCD-93E2-E3B085C9AB24}">
+                <p16:designElem xmlns:p16="http://schemas.microsoft.com/office/powerpoint/2015/main" val="1"/>
+              </p:ext>
+            </p:extLst>
+          </p:nvPr>
+        </p:nvSpPr>
+        <p:spPr>
+          <a:xfrm>
+            <a:off x="1524" y="0"/>
+            <a:ext cx="12188952" cy="6858000"/>
+          </a:xfrm>
+          <a:prstGeom prst="rect">
+            <a:avLst/>
+          </a:prstGeom>
+          <a:ln>
+            <a:noFill/>
+          </a:ln>
+        </p:spPr>
+        <p:style>
+          <a:lnRef idx="2">
+            <a:schemeClr val="accent1">
+              <a:shade val="50000"/>
+            </a:schemeClr>
+          </a:lnRef>
+          <a:fillRef idx="1">
+            <a:schemeClr val="accent1"/>
+          </a:fillRef>
+          <a:effectRef idx="0">
+            <a:schemeClr val="accent1"/>
+          </a:effectRef>
+          <a:fontRef idx="minor">
+            <a:schemeClr val="lt1"/>
+          </a:fontRef>
+        </p:style>
+        <p:txBody>
+          <a:bodyPr rtlCol="0" anchor="ctr"/>
+          <a:lstStyle/>
+          <a:p>
+            <a:pPr marL="0" marR="0" lvl="0" indent="0" algn="ctr" defTabSz="914400" rtl="0" eaLnBrk="1" fontAlgn="auto" latinLnBrk="0" hangingPunct="1">
+              <a:lnSpc>
+                <a:spcPct val="100000"/>
+              </a:lnSpc>
+              <a:spcBef>
+                <a:spcPts val="0"/>
+              </a:spcBef>
+              <a:spcAft>
+                <a:spcPts val="0"/>
+              </a:spcAft>
+              <a:buClrTx/>
+              <a:buSzTx/>
+              <a:buFontTx/>
+              <a:buNone/>
+              <a:tabLst/>
+              <a:defRPr/>
+            </a:pPr>
+            <a:endParaRPr kumimoji="0" lang="en-US" sz="1800" b="0" i="0" u="none" strike="noStrike" kern="1200" cap="none" spc="0" normalizeH="0" baseline="0" noProof="0">
+              <a:ln>
+                <a:noFill/>
+              </a:ln>
+              <a:solidFill>
+                <a:prstClr val="white"/>
+              </a:solidFill>
+              <a:effectLst/>
+              <a:uLnTx/>
+              <a:uFillTx/>
+              <a:latin typeface="Calibri" panose="020F0502020204030204"/>
+              <a:ea typeface="+mn-ea"/>
+              <a:cs typeface="+mn-cs"/>
+            </a:endParaRPr>
+          </a:p>
+        </p:txBody>
+      </p:sp>
+      <p:sp>
+        <p:nvSpPr>
+          <p:cNvPr id="10" name="Rectangle 9">
+            <a:extLst>
+              <a:ext uri="{FF2B5EF4-FFF2-40B4-BE49-F238E27FC236}">
+                <a16:creationId xmlns:a16="http://schemas.microsoft.com/office/drawing/2014/main" id="{A376EFB1-01CF-419F-ABF1-2AF02BBFCBD1}"/>
+              </a:ext>
+              <a:ext uri="{C183D7F6-B498-43B3-948B-1728B52AA6E4}">
+                <adec:decorative xmlns:adec="http://schemas.microsoft.com/office/drawing/2017/decorative" val="1"/>
+              </a:ext>
+            </a:extLst>
+          </p:cNvPr>
+          <p:cNvSpPr>
+            <a:spLocks noGrp="1" noRot="1" noChangeAspect="1" noMove="1" noResize="1" noEditPoints="1" noAdjustHandles="1" noChangeArrowheads="1" noChangeShapeType="1" noTextEdit="1"/>
+          </p:cNvSpPr>
+          <p:nvPr>
+            <p:extLst>
+              <p:ext uri="{386F3935-93C4-4BCD-93E2-E3B085C9AB24}">
+                <p16:designElem xmlns:p16="http://schemas.microsoft.com/office/powerpoint/2015/main" val="1"/>
+              </p:ext>
+            </p:extLst>
+          </p:nvPr>
+        </p:nvSpPr>
+        <p:spPr>
+          <a:xfrm>
+            <a:off x="0" y="0"/>
+            <a:ext cx="4709160" cy="6858000"/>
+          </a:xfrm>
+          <a:prstGeom prst="rect">
+            <a:avLst/>
+          </a:prstGeom>
+          <a:solidFill>
+            <a:schemeClr val="tx1">
+              <a:alpha val="81000"/>
+            </a:schemeClr>
+          </a:solidFill>
+          <a:ln>
+            <a:noFill/>
+          </a:ln>
+        </p:spPr>
+        <p:style>
+          <a:lnRef idx="2">
+            <a:schemeClr val="accent1">
+              <a:shade val="50000"/>
+            </a:schemeClr>
+          </a:lnRef>
+          <a:fillRef idx="1">
+            <a:schemeClr val="accent1"/>
+          </a:fillRef>
+          <a:effectRef idx="0">
+            <a:schemeClr val="accent1"/>
+          </a:effectRef>
+          <a:fontRef idx="minor">
+            <a:schemeClr val="lt1"/>
+          </a:fontRef>
+        </p:style>
+        <p:txBody>
+          <a:bodyPr rtlCol="0" anchor="ctr"/>
+          <a:lstStyle/>
+          <a:p>
+            <a:pPr marL="0" marR="0" lvl="0" indent="0" algn="ctr" defTabSz="914400" rtl="0" eaLnBrk="1" fontAlgn="auto" latinLnBrk="0" hangingPunct="1">
+              <a:lnSpc>
+                <a:spcPct val="100000"/>
+              </a:lnSpc>
+              <a:spcBef>
+                <a:spcPts val="0"/>
+              </a:spcBef>
+              <a:spcAft>
+                <a:spcPts val="0"/>
+              </a:spcAft>
+              <a:buClrTx/>
+              <a:buSzTx/>
+              <a:buFontTx/>
+              <a:buNone/>
+              <a:tabLst/>
+              <a:defRPr/>
+            </a:pPr>
+            <a:endParaRPr kumimoji="0" lang="en-US" sz="1800" b="0" i="0" u="none" strike="noStrike" kern="1200" cap="none" spc="0" normalizeH="0" baseline="0" noProof="0">
+              <a:ln>
+                <a:noFill/>
+              </a:ln>
+              <a:solidFill>
+                <a:prstClr val="white"/>
+              </a:solidFill>
+              <a:effectLst/>
+              <a:uLnTx/>
+              <a:uFillTx/>
+              <a:latin typeface="Calibri" panose="020F0502020204030204"/>
+              <a:ea typeface="+mn-ea"/>
+              <a:cs typeface="+mn-cs"/>
+            </a:endParaRPr>
+          </a:p>
+        </p:txBody>
+      </p:sp>
+      <p:sp>
+        <p:nvSpPr>
+          <p:cNvPr id="12" name="Freeform: Shape 11">
+            <a:extLst>
+              <a:ext uri="{FF2B5EF4-FFF2-40B4-BE49-F238E27FC236}">
+                <a16:creationId xmlns:a16="http://schemas.microsoft.com/office/drawing/2014/main" id="{FF9DEA15-78BD-4750-AA18-B9F28A6D5AB8}"/>
+              </a:ext>
+              <a:ext uri="{C183D7F6-B498-43B3-948B-1728B52AA6E4}">
+                <adec:decorative xmlns:adec="http://schemas.microsoft.com/office/drawing/2017/decorative" val="1"/>
+              </a:ext>
+            </a:extLst>
+          </p:cNvPr>
+          <p:cNvSpPr>
+            <a:spLocks noGrp="1" noRot="1" noChangeAspect="1" noMove="1" noResize="1" noEditPoints="1" noAdjustHandles="1" noChangeArrowheads="1" noChangeShapeType="1" noTextEdit="1"/>
+          </p:cNvSpPr>
+          <p:nvPr>
+            <p:extLst>
+              <p:ext uri="{386F3935-93C4-4BCD-93E2-E3B085C9AB24}">
+                <p16:designElem xmlns:p16="http://schemas.microsoft.com/office/powerpoint/2015/main" val="1"/>
+              </p:ext>
+            </p:extLst>
+          </p:nvPr>
+        </p:nvSpPr>
+        <p:spPr>
+          <a:xfrm>
+            <a:off x="0" y="0"/>
+            <a:ext cx="3284331" cy="6858000"/>
+          </a:xfrm>
+          <a:custGeom>
+            <a:avLst/>
+            <a:gdLst>
+              <a:gd name="connsiteX0" fmla="*/ 0 w 4319042"/>
+              <a:gd name="connsiteY0" fmla="*/ 0 h 6858000"/>
+              <a:gd name="connsiteX1" fmla="*/ 1142888 w 4319042"/>
+              <a:gd name="connsiteY1" fmla="*/ 0 h 6858000"/>
+              <a:gd name="connsiteX2" fmla="*/ 4319042 w 4319042"/>
+              <a:gd name="connsiteY2" fmla="*/ 6858000 h 6858000"/>
+              <a:gd name="connsiteX3" fmla="*/ 0 w 4319042"/>
+              <a:gd name="connsiteY3" fmla="*/ 6858000 h 6858000"/>
+            </a:gdLst>
+            <a:ahLst/>
+            <a:cxnLst>
+              <a:cxn ang="0">
+                <a:pos x="connsiteX0" y="connsiteY0"/>
+              </a:cxn>
+              <a:cxn ang="0">
+                <a:pos x="connsiteX1" y="connsiteY1"/>
+              </a:cxn>
+              <a:cxn ang="0">
+                <a:pos x="connsiteX2" y="connsiteY2"/>
+              </a:cxn>
+              <a:cxn ang="0">
+                <a:pos x="connsiteX3" y="connsiteY3"/>
+              </a:cxn>
+            </a:cxnLst>
+            <a:rect l="l" t="t" r="r" b="b"/>
+            <a:pathLst>
+              <a:path w="4319042" h="6858000">
+                <a:moveTo>
+                  <a:pt x="0" y="0"/>
+                </a:moveTo>
+                <a:lnTo>
+                  <a:pt x="1142888" y="0"/>
+                </a:lnTo>
+                <a:lnTo>
+                  <a:pt x="4319042" y="6858000"/>
+                </a:lnTo>
+                <a:lnTo>
+                  <a:pt x="0" y="6858000"/>
+                </a:lnTo>
+                <a:close/>
+              </a:path>
+            </a:pathLst>
+          </a:custGeom>
+          <a:solidFill>
+            <a:schemeClr val="tx1">
+              <a:alpha val="35000"/>
+            </a:schemeClr>
+          </a:solidFill>
+          <a:ln>
+            <a:noFill/>
+          </a:ln>
+        </p:spPr>
+        <p:style>
+          <a:lnRef idx="2">
+            <a:schemeClr val="accent1">
+              <a:shade val="50000"/>
+            </a:schemeClr>
+          </a:lnRef>
+          <a:fillRef idx="1">
+            <a:schemeClr val="accent1"/>
+          </a:fillRef>
+          <a:effectRef idx="0">
+            <a:schemeClr val="accent1"/>
+          </a:effectRef>
+          <a:fontRef idx="minor">
+            <a:schemeClr val="lt1"/>
+          </a:fontRef>
+        </p:style>
+        <p:txBody>
+          <a:bodyPr wrap="square" rtlCol="0" anchor="ctr">
+            <a:noAutofit/>
+          </a:bodyPr>
+          <a:lstStyle/>
+          <a:p>
+            <a:pPr marL="0" marR="0" lvl="0" indent="0" algn="ctr" defTabSz="914400" rtl="0" eaLnBrk="1" fontAlgn="auto" latinLnBrk="0" hangingPunct="1">
+              <a:lnSpc>
+                <a:spcPct val="100000"/>
+              </a:lnSpc>
+              <a:spcBef>
+                <a:spcPts val="0"/>
+              </a:spcBef>
+              <a:spcAft>
+                <a:spcPts val="0"/>
+              </a:spcAft>
+              <a:buClrTx/>
+              <a:buSzTx/>
+              <a:buFontTx/>
+              <a:buNone/>
+              <a:tabLst/>
+              <a:defRPr/>
+            </a:pPr>
+            <a:endParaRPr kumimoji="0" lang="en-US" sz="1800" b="0" i="0" u="none" strike="noStrike" kern="1200" cap="none" spc="0" normalizeH="0" baseline="0" noProof="0">
+              <a:ln>
+                <a:noFill/>
+              </a:ln>
+              <a:solidFill>
+                <a:prstClr val="white"/>
+              </a:solidFill>
+              <a:effectLst/>
+              <a:uLnTx/>
+              <a:uFillTx/>
+              <a:latin typeface="Calibri" panose="020F0502020204030204"/>
+              <a:ea typeface="+mn-ea"/>
+              <a:cs typeface="+mn-cs"/>
+            </a:endParaRPr>
+          </a:p>
+        </p:txBody>
+      </p:sp>
       <p:sp>
         <p:nvSpPr>
           <p:cNvPr id="2" name="Title 1">
@@ -4572,13 +8840,24 @@
             <p:ph type="title"/>
           </p:nvPr>
         </p:nvSpPr>
-        <p:spPr/>
-        <p:txBody>
-          <a:bodyPr/>
-          <a:lstStyle/>
-          <a:p>
-            <a:r>
-              <a:rPr lang="en-CH" dirty="0"/>
+        <p:spPr>
+          <a:xfrm>
+            <a:off x="804672" y="640080"/>
+            <a:ext cx="3282696" cy="5257800"/>
+          </a:xfrm>
+        </p:spPr>
+        <p:txBody>
+          <a:bodyPr>
+            <a:normAutofit/>
+          </a:bodyPr>
+          <a:lstStyle/>
+          <a:p>
+            <a:r>
+              <a:rPr lang="en-CH">
+                <a:solidFill>
+                  <a:schemeClr val="bg1"/>
+                </a:solidFill>
+              </a:rPr>
               <a:t>Studie</a:t>
             </a:r>
           </a:p>
@@ -4600,28 +8879,35 @@
             <p:ph idx="1"/>
           </p:nvPr>
         </p:nvSpPr>
-        <p:spPr/>
-        <p:txBody>
-          <a:bodyPr/>
+        <p:spPr>
+          <a:xfrm>
+            <a:off x="5358384" y="640081"/>
+            <a:ext cx="6024654" cy="5257800"/>
+          </a:xfrm>
+        </p:spPr>
+        <p:txBody>
+          <a:bodyPr anchor="ctr">
+            <a:normAutofit/>
+          </a:bodyPr>
           <a:lstStyle/>
           <a:p>
             <a:pPr marL="0" indent="0">
               <a:buNone/>
             </a:pPr>
             <a:r>
-              <a:rPr lang="en-CH" dirty="0"/>
+              <a:rPr lang="en-CH" sz="2400"/>
               <a:t>Stichprobe:</a:t>
             </a:r>
           </a:p>
           <a:p>
             <a:r>
-              <a:rPr lang="en-CH" dirty="0"/>
+              <a:rPr lang="en-CH" sz="2400"/>
               <a:t>Zufällige Aufteilung in CM und CHO</a:t>
             </a:r>
           </a:p>
           <a:p>
             <a:r>
-              <a:rPr lang="en-CH" dirty="0"/>
+              <a:rPr lang="en-CH" sz="2400"/>
               <a:t>Teilnehmer mussten bestimmte Eigenschaften erfüllen</a:t>
             </a:r>
           </a:p>
@@ -4690,6 +8976,14 @@
 <file path=ppt/slides/slide9.xml><?xml version="1.0" encoding="utf-8"?>
 <p:sld xmlns:a="http://schemas.openxmlformats.org/drawingml/2006/main" xmlns:r="http://schemas.openxmlformats.org/officeDocument/2006/relationships" xmlns:p="http://schemas.openxmlformats.org/presentationml/2006/main">
   <p:cSld>
+    <p:bg>
+      <p:bgPr>
+        <a:solidFill>
+          <a:schemeClr val="bg1"/>
+        </a:solidFill>
+        <a:effectLst/>
+      </p:bgPr>
+    </p:bg>
     <p:spTree>
       <p:nvGrpSpPr>
         <p:cNvPr id="1" name=""/>
@@ -4704,6 +8998,328 @@
           <a:chExt cx="0" cy="0"/>
         </a:xfrm>
       </p:grpSpPr>
+      <p:sp useBgFill="1">
+        <p:nvSpPr>
+          <p:cNvPr id="8" name="Rectangle 7">
+            <a:extLst>
+              <a:ext uri="{FF2B5EF4-FFF2-40B4-BE49-F238E27FC236}">
+                <a16:creationId xmlns:a16="http://schemas.microsoft.com/office/drawing/2014/main" id="{C7FA33FF-088D-4F16-95A2-2C64D353DEA8}"/>
+              </a:ext>
+              <a:ext uri="{C183D7F6-B498-43B3-948B-1728B52AA6E4}">
+                <adec:decorative xmlns:adec="http://schemas.microsoft.com/office/drawing/2017/decorative" val="1"/>
+              </a:ext>
+            </a:extLst>
+          </p:cNvPr>
+          <p:cNvSpPr>
+            <a:spLocks noGrp="1" noRot="1" noChangeAspect="1" noMove="1" noResize="1" noEditPoints="1" noAdjustHandles="1" noChangeArrowheads="1" noChangeShapeType="1" noTextEdit="1"/>
+          </p:cNvSpPr>
+          <p:nvPr>
+            <p:extLst>
+              <p:ext uri="{386F3935-93C4-4BCD-93E2-E3B085C9AB24}">
+                <p16:designElem xmlns:p16="http://schemas.microsoft.com/office/powerpoint/2015/main" val="1"/>
+              </p:ext>
+            </p:extLst>
+          </p:nvPr>
+        </p:nvSpPr>
+        <p:spPr>
+          <a:xfrm>
+            <a:off x="1524" y="0"/>
+            <a:ext cx="12188952" cy="6858000"/>
+          </a:xfrm>
+          <a:prstGeom prst="rect">
+            <a:avLst/>
+          </a:prstGeom>
+          <a:ln>
+            <a:noFill/>
+          </a:ln>
+        </p:spPr>
+        <p:style>
+          <a:lnRef idx="2">
+            <a:schemeClr val="accent1">
+              <a:shade val="50000"/>
+            </a:schemeClr>
+          </a:lnRef>
+          <a:fillRef idx="1">
+            <a:schemeClr val="accent1"/>
+          </a:fillRef>
+          <a:effectRef idx="0">
+            <a:schemeClr val="accent1"/>
+          </a:effectRef>
+          <a:fontRef idx="minor">
+            <a:schemeClr val="lt1"/>
+          </a:fontRef>
+        </p:style>
+        <p:txBody>
+          <a:bodyPr rtlCol="0" anchor="ctr"/>
+          <a:lstStyle/>
+          <a:p>
+            <a:pPr marL="0" marR="0" lvl="0" indent="0" algn="ctr" defTabSz="914400" rtl="0" eaLnBrk="1" fontAlgn="auto" latinLnBrk="0" hangingPunct="1">
+              <a:lnSpc>
+                <a:spcPct val="100000"/>
+              </a:lnSpc>
+              <a:spcBef>
+                <a:spcPts val="0"/>
+              </a:spcBef>
+              <a:spcAft>
+                <a:spcPts val="0"/>
+              </a:spcAft>
+              <a:buClrTx/>
+              <a:buSzTx/>
+              <a:buFontTx/>
+              <a:buNone/>
+              <a:tabLst/>
+              <a:defRPr/>
+            </a:pPr>
+            <a:endParaRPr kumimoji="0" lang="en-US" sz="1800" b="0" i="0" u="none" strike="noStrike" kern="1200" cap="none" spc="0" normalizeH="0" baseline="0" noProof="0">
+              <a:ln>
+                <a:noFill/>
+              </a:ln>
+              <a:solidFill>
+                <a:prstClr val="white"/>
+              </a:solidFill>
+              <a:effectLst/>
+              <a:uLnTx/>
+              <a:uFillTx/>
+              <a:latin typeface="Calibri" panose="020F0502020204030204"/>
+              <a:ea typeface="+mn-ea"/>
+              <a:cs typeface="+mn-cs"/>
+            </a:endParaRPr>
+          </a:p>
+        </p:txBody>
+      </p:sp>
+      <p:sp>
+        <p:nvSpPr>
+          <p:cNvPr id="10" name="Rectangle 9">
+            <a:extLst>
+              <a:ext uri="{FF2B5EF4-FFF2-40B4-BE49-F238E27FC236}">
+                <a16:creationId xmlns:a16="http://schemas.microsoft.com/office/drawing/2014/main" id="{A376EFB1-01CF-419F-ABF1-2AF02BBFCBD1}"/>
+              </a:ext>
+              <a:ext uri="{C183D7F6-B498-43B3-948B-1728B52AA6E4}">
+                <adec:decorative xmlns:adec="http://schemas.microsoft.com/office/drawing/2017/decorative" val="1"/>
+              </a:ext>
+            </a:extLst>
+          </p:cNvPr>
+          <p:cNvSpPr>
+            <a:spLocks noGrp="1" noRot="1" noChangeAspect="1" noMove="1" noResize="1" noEditPoints="1" noAdjustHandles="1" noChangeArrowheads="1" noChangeShapeType="1" noTextEdit="1"/>
+          </p:cNvSpPr>
+          <p:nvPr>
+            <p:extLst>
+              <p:ext uri="{386F3935-93C4-4BCD-93E2-E3B085C9AB24}">
+                <p16:designElem xmlns:p16="http://schemas.microsoft.com/office/powerpoint/2015/main" val="1"/>
+              </p:ext>
+            </p:extLst>
+          </p:nvPr>
+        </p:nvSpPr>
+        <p:spPr>
+          <a:xfrm>
+            <a:off x="0" y="0"/>
+            <a:ext cx="4709160" cy="6858000"/>
+          </a:xfrm>
+          <a:prstGeom prst="rect">
+            <a:avLst/>
+          </a:prstGeom>
+          <a:solidFill>
+            <a:schemeClr val="tx1">
+              <a:alpha val="81000"/>
+            </a:schemeClr>
+          </a:solidFill>
+          <a:ln>
+            <a:noFill/>
+          </a:ln>
+        </p:spPr>
+        <p:style>
+          <a:lnRef idx="2">
+            <a:schemeClr val="accent1">
+              <a:shade val="50000"/>
+            </a:schemeClr>
+          </a:lnRef>
+          <a:fillRef idx="1">
+            <a:schemeClr val="accent1"/>
+          </a:fillRef>
+          <a:effectRef idx="0">
+            <a:schemeClr val="accent1"/>
+          </a:effectRef>
+          <a:fontRef idx="minor">
+            <a:schemeClr val="lt1"/>
+          </a:fontRef>
+        </p:style>
+        <p:txBody>
+          <a:bodyPr rtlCol="0" anchor="ctr"/>
+          <a:lstStyle/>
+          <a:p>
+            <a:pPr marL="0" marR="0" lvl="0" indent="0" algn="ctr" defTabSz="914400" rtl="0" eaLnBrk="1" fontAlgn="auto" latinLnBrk="0" hangingPunct="1">
+              <a:lnSpc>
+                <a:spcPct val="100000"/>
+              </a:lnSpc>
+              <a:spcBef>
+                <a:spcPts val="0"/>
+              </a:spcBef>
+              <a:spcAft>
+                <a:spcPts val="0"/>
+              </a:spcAft>
+              <a:buClrTx/>
+              <a:buSzTx/>
+              <a:buFontTx/>
+              <a:buNone/>
+              <a:tabLst/>
+              <a:defRPr/>
+            </a:pPr>
+            <a:endParaRPr kumimoji="0" lang="en-US" sz="1800" b="0" i="0" u="none" strike="noStrike" kern="1200" cap="none" spc="0" normalizeH="0" baseline="0" noProof="0">
+              <a:ln>
+                <a:noFill/>
+              </a:ln>
+              <a:solidFill>
+                <a:prstClr val="white"/>
+              </a:solidFill>
+              <a:effectLst/>
+              <a:uLnTx/>
+              <a:uFillTx/>
+              <a:latin typeface="Calibri" panose="020F0502020204030204"/>
+              <a:ea typeface="+mn-ea"/>
+              <a:cs typeface="+mn-cs"/>
+            </a:endParaRPr>
+          </a:p>
+        </p:txBody>
+      </p:sp>
+      <p:sp>
+        <p:nvSpPr>
+          <p:cNvPr id="12" name="Freeform: Shape 11">
+            <a:extLst>
+              <a:ext uri="{FF2B5EF4-FFF2-40B4-BE49-F238E27FC236}">
+                <a16:creationId xmlns:a16="http://schemas.microsoft.com/office/drawing/2014/main" id="{FF9DEA15-78BD-4750-AA18-B9F28A6D5AB8}"/>
+              </a:ext>
+              <a:ext uri="{C183D7F6-B498-43B3-948B-1728B52AA6E4}">
+                <adec:decorative xmlns:adec="http://schemas.microsoft.com/office/drawing/2017/decorative" val="1"/>
+              </a:ext>
+            </a:extLst>
+          </p:cNvPr>
+          <p:cNvSpPr>
+            <a:spLocks noGrp="1" noRot="1" noChangeAspect="1" noMove="1" noResize="1" noEditPoints="1" noAdjustHandles="1" noChangeArrowheads="1" noChangeShapeType="1" noTextEdit="1"/>
+          </p:cNvSpPr>
+          <p:nvPr>
+            <p:extLst>
+              <p:ext uri="{386F3935-93C4-4BCD-93E2-E3B085C9AB24}">
+                <p16:designElem xmlns:p16="http://schemas.microsoft.com/office/powerpoint/2015/main" val="1"/>
+              </p:ext>
+            </p:extLst>
+          </p:nvPr>
+        </p:nvSpPr>
+        <p:spPr>
+          <a:xfrm>
+            <a:off x="0" y="0"/>
+            <a:ext cx="3284331" cy="6858000"/>
+          </a:xfrm>
+          <a:custGeom>
+            <a:avLst/>
+            <a:gdLst>
+              <a:gd name="connsiteX0" fmla="*/ 0 w 4319042"/>
+              <a:gd name="connsiteY0" fmla="*/ 0 h 6858000"/>
+              <a:gd name="connsiteX1" fmla="*/ 1142888 w 4319042"/>
+              <a:gd name="connsiteY1" fmla="*/ 0 h 6858000"/>
+              <a:gd name="connsiteX2" fmla="*/ 4319042 w 4319042"/>
+              <a:gd name="connsiteY2" fmla="*/ 6858000 h 6858000"/>
+              <a:gd name="connsiteX3" fmla="*/ 0 w 4319042"/>
+              <a:gd name="connsiteY3" fmla="*/ 6858000 h 6858000"/>
+            </a:gdLst>
+            <a:ahLst/>
+            <a:cxnLst>
+              <a:cxn ang="0">
+                <a:pos x="connsiteX0" y="connsiteY0"/>
+              </a:cxn>
+              <a:cxn ang="0">
+                <a:pos x="connsiteX1" y="connsiteY1"/>
+              </a:cxn>
+              <a:cxn ang="0">
+                <a:pos x="connsiteX2" y="connsiteY2"/>
+              </a:cxn>
+              <a:cxn ang="0">
+                <a:pos x="connsiteX3" y="connsiteY3"/>
+              </a:cxn>
+            </a:cxnLst>
+            <a:rect l="l" t="t" r="r" b="b"/>
+            <a:pathLst>
+              <a:path w="4319042" h="6858000">
+                <a:moveTo>
+                  <a:pt x="0" y="0"/>
+                </a:moveTo>
+                <a:lnTo>
+                  <a:pt x="1142888" y="0"/>
+                </a:lnTo>
+                <a:lnTo>
+                  <a:pt x="4319042" y="6858000"/>
+                </a:lnTo>
+                <a:lnTo>
+                  <a:pt x="0" y="6858000"/>
+                </a:lnTo>
+                <a:close/>
+              </a:path>
+            </a:pathLst>
+          </a:custGeom>
+          <a:solidFill>
+            <a:schemeClr val="tx1">
+              <a:alpha val="35000"/>
+            </a:schemeClr>
+          </a:solidFill>
+          <a:ln>
+            <a:noFill/>
+          </a:ln>
+        </p:spPr>
+        <p:style>
+          <a:lnRef idx="2">
+            <a:schemeClr val="accent1">
+              <a:shade val="50000"/>
+            </a:schemeClr>
+          </a:lnRef>
+          <a:fillRef idx="1">
+            <a:schemeClr val="accent1"/>
+          </a:fillRef>
+          <a:effectRef idx="0">
+            <a:schemeClr val="accent1"/>
+          </a:effectRef>
+          <a:fontRef idx="minor">
+            <a:schemeClr val="lt1"/>
+          </a:fontRef>
+        </p:style>
+        <p:txBody>
+          <a:bodyPr wrap="square" rtlCol="0" anchor="ctr">
+            <a:noAutofit/>
+          </a:bodyPr>
+          <a:lstStyle/>
+          <a:p>
+            <a:pPr marL="0" marR="0" lvl="0" indent="0" algn="ctr" defTabSz="914400" rtl="0" eaLnBrk="1" fontAlgn="auto" latinLnBrk="0" hangingPunct="1">
+              <a:lnSpc>
+                <a:spcPct val="100000"/>
+              </a:lnSpc>
+              <a:spcBef>
+                <a:spcPts val="0"/>
+              </a:spcBef>
+              <a:spcAft>
+                <a:spcPts val="0"/>
+              </a:spcAft>
+              <a:buClrTx/>
+              <a:buSzTx/>
+              <a:buFontTx/>
+              <a:buNone/>
+              <a:tabLst/>
+              <a:defRPr/>
+            </a:pPr>
+            <a:endParaRPr kumimoji="0" lang="en-US" sz="1800" b="0" i="0" u="none" strike="noStrike" kern="1200" cap="none" spc="0" normalizeH="0" baseline="0" noProof="0">
+              <a:ln>
+                <a:noFill/>
+              </a:ln>
+              <a:solidFill>
+                <a:prstClr val="white"/>
+              </a:solidFill>
+              <a:effectLst/>
+              <a:uLnTx/>
+              <a:uFillTx/>
+              <a:latin typeface="Calibri" panose="020F0502020204030204"/>
+              <a:ea typeface="+mn-ea"/>
+              <a:cs typeface="+mn-cs"/>
+            </a:endParaRPr>
+          </a:p>
+        </p:txBody>
+      </p:sp>
       <p:sp>
         <p:nvSpPr>
           <p:cNvPr id="2" name="Title 1">
@@ -4720,13 +9336,24 @@
             <p:ph type="title"/>
           </p:nvPr>
         </p:nvSpPr>
-        <p:spPr/>
-        <p:txBody>
-          <a:bodyPr/>
-          <a:lstStyle/>
-          <a:p>
-            <a:r>
-              <a:rPr lang="en-CH" dirty="0"/>
+        <p:spPr>
+          <a:xfrm>
+            <a:off x="804672" y="640080"/>
+            <a:ext cx="3282696" cy="5257800"/>
+          </a:xfrm>
+        </p:spPr>
+        <p:txBody>
+          <a:bodyPr>
+            <a:normAutofit/>
+          </a:bodyPr>
+          <a:lstStyle/>
+          <a:p>
+            <a:r>
+              <a:rPr lang="en-CH">
+                <a:solidFill>
+                  <a:schemeClr val="bg1"/>
+                </a:solidFill>
+              </a:rPr>
               <a:t>Studie</a:t>
             </a:r>
           </a:p>
@@ -4748,37 +9375,44 @@
             <p:ph idx="1"/>
           </p:nvPr>
         </p:nvSpPr>
-        <p:spPr/>
-        <p:txBody>
-          <a:bodyPr/>
+        <p:spPr>
+          <a:xfrm>
+            <a:off x="5358384" y="640081"/>
+            <a:ext cx="6024654" cy="5257800"/>
+          </a:xfrm>
+        </p:spPr>
+        <p:txBody>
+          <a:bodyPr anchor="ctr">
+            <a:normAutofit/>
+          </a:bodyPr>
           <a:lstStyle/>
           <a:p>
             <a:pPr marL="0" indent="0">
               <a:buNone/>
             </a:pPr>
             <a:r>
-              <a:rPr lang="en-CH" dirty="0"/>
+              <a:rPr lang="en-CH" sz="2400"/>
               <a:t>Anzahl und fehlende Werte:</a:t>
             </a:r>
           </a:p>
           <a:p>
             <a:r>
-              <a:rPr lang="de-CH" dirty="0"/>
+              <a:rPr lang="de-CH" sz="2400"/>
               <a:t>131 Studienteilnehmer</a:t>
             </a:r>
           </a:p>
           <a:p>
             <a:r>
-              <a:rPr lang="de-CH" dirty="0"/>
+              <a:rPr lang="de-CH" sz="2400"/>
               <a:t>101 haben die Studie beendet</a:t>
             </a:r>
           </a:p>
           <a:p>
             <a:r>
-              <a:rPr lang="de-CH" dirty="0"/>
+              <a:rPr lang="de-CH" sz="2400"/>
               <a:t>Keine Infos über die 28 fehlenden Werte</a:t>
             </a:r>
-            <a:endParaRPr lang="en-CH" dirty="0"/>
+            <a:endParaRPr lang="en-CH" sz="2400"/>
           </a:p>
         </p:txBody>
       </p:sp>
@@ -4798,7 +9432,7 @@
 <file path=ppt/theme/theme1.xml><?xml version="1.0" encoding="utf-8"?>
 <a:theme xmlns:a="http://schemas.openxmlformats.org/drawingml/2006/main" name="Office Theme">
   <a:themeElements>
-    <a:clrScheme name="Office">
+    <a:clrScheme name="Office Theme">
       <a:dk1>
         <a:sysClr val="windowText" lastClr="000000"/>
       </a:dk1>
@@ -4836,7 +9470,7 @@
         <a:srgbClr val="954F72"/>
       </a:folHlink>
     </a:clrScheme>
-    <a:fontScheme name="Office">
+    <a:fontScheme name="Office Theme">
       <a:majorFont>
         <a:latin typeface="Calibri Light" panose="020F0302020204030204"/>
         <a:ea typeface=""/>
@@ -4871,23 +9505,6 @@
         <a:font script="Viet" typeface="Times New Roman"/>
         <a:font script="Uigh" typeface="Microsoft Uighur"/>
         <a:font script="Geor" typeface="Sylfaen"/>
-        <a:font script="Armn" typeface="Arial"/>
-        <a:font script="Bugi" typeface="Leelawadee UI"/>
-        <a:font script="Bopo" typeface="Microsoft JhengHei"/>
-        <a:font script="Java" typeface="Javanese Text"/>
-        <a:font script="Lisu" typeface="Segoe UI"/>
-        <a:font script="Mymr" typeface="Myanmar Text"/>
-        <a:font script="Nkoo" typeface="Ebrima"/>
-        <a:font script="Olck" typeface="Nirmala UI"/>
-        <a:font script="Osma" typeface="Ebrima"/>
-        <a:font script="Phag" typeface="Phagspa"/>
-        <a:font script="Syrn" typeface="Estrangelo Edessa"/>
-        <a:font script="Syrj" typeface="Estrangelo Edessa"/>
-        <a:font script="Syre" typeface="Estrangelo Edessa"/>
-        <a:font script="Sora" typeface="Nirmala UI"/>
-        <a:font script="Tale" typeface="Microsoft Tai Le"/>
-        <a:font script="Talu" typeface="Microsoft New Tai Lue"/>
-        <a:font script="Tfng" typeface="Ebrima"/>
       </a:majorFont>
       <a:minorFont>
         <a:latin typeface="Calibri" panose="020F0502020204030204"/>
@@ -4923,26 +9540,9 @@
         <a:font script="Viet" typeface="Arial"/>
         <a:font script="Uigh" typeface="Microsoft Uighur"/>
         <a:font script="Geor" typeface="Sylfaen"/>
-        <a:font script="Armn" typeface="Arial"/>
-        <a:font script="Bugi" typeface="Leelawadee UI"/>
-        <a:font script="Bopo" typeface="Microsoft JhengHei"/>
-        <a:font script="Java" typeface="Javanese Text"/>
-        <a:font script="Lisu" typeface="Segoe UI"/>
-        <a:font script="Mymr" typeface="Myanmar Text"/>
-        <a:font script="Nkoo" typeface="Ebrima"/>
-        <a:font script="Olck" typeface="Nirmala UI"/>
-        <a:font script="Osma" typeface="Ebrima"/>
-        <a:font script="Phag" typeface="Phagspa"/>
-        <a:font script="Syrn" typeface="Estrangelo Edessa"/>
-        <a:font script="Syrj" typeface="Estrangelo Edessa"/>
-        <a:font script="Syre" typeface="Estrangelo Edessa"/>
-        <a:font script="Sora" typeface="Nirmala UI"/>
-        <a:font script="Tale" typeface="Microsoft Tai Le"/>
-        <a:font script="Talu" typeface="Microsoft New Tai Lue"/>
-        <a:font script="Tfng" typeface="Ebrima"/>
       </a:minorFont>
     </a:fontScheme>
-    <a:fmtScheme name="Office">
+    <a:fmtScheme name="Office Theme">
       <a:fillStyleLst>
         <a:solidFill>
           <a:schemeClr val="phClr"/>

--- a/pp.pptx
+++ b/pp.pptx
@@ -266,7 +266,7 @@
           <a:p>
             <a:fld id="{810F5DF7-A7DA-E04D-B081-ECE5B223B74E}" type="datetimeFigureOut">
               <a:rPr lang="en-CH" smtClean="0"/>
-              <a:t>04.05.21</a:t>
+              <a:t>05.05.21</a:t>
             </a:fld>
             <a:endParaRPr lang="en-CH"/>
           </a:p>
@@ -436,7 +436,7 @@
           <a:p>
             <a:fld id="{810F5DF7-A7DA-E04D-B081-ECE5B223B74E}" type="datetimeFigureOut">
               <a:rPr lang="en-CH" smtClean="0"/>
-              <a:t>04.05.21</a:t>
+              <a:t>05.05.21</a:t>
             </a:fld>
             <a:endParaRPr lang="en-CH"/>
           </a:p>
@@ -616,7 +616,7 @@
           <a:p>
             <a:fld id="{810F5DF7-A7DA-E04D-B081-ECE5B223B74E}" type="datetimeFigureOut">
               <a:rPr lang="en-CH" smtClean="0"/>
-              <a:t>04.05.21</a:t>
+              <a:t>05.05.21</a:t>
             </a:fld>
             <a:endParaRPr lang="en-CH"/>
           </a:p>
@@ -786,7 +786,7 @@
           <a:p>
             <a:fld id="{810F5DF7-A7DA-E04D-B081-ECE5B223B74E}" type="datetimeFigureOut">
               <a:rPr lang="en-CH" smtClean="0"/>
-              <a:t>04.05.21</a:t>
+              <a:t>05.05.21</a:t>
             </a:fld>
             <a:endParaRPr lang="en-CH"/>
           </a:p>
@@ -1032,7 +1032,7 @@
           <a:p>
             <a:fld id="{810F5DF7-A7DA-E04D-B081-ECE5B223B74E}" type="datetimeFigureOut">
               <a:rPr lang="en-CH" smtClean="0"/>
-              <a:t>04.05.21</a:t>
+              <a:t>05.05.21</a:t>
             </a:fld>
             <a:endParaRPr lang="en-CH"/>
           </a:p>
@@ -1264,7 +1264,7 @@
           <a:p>
             <a:fld id="{810F5DF7-A7DA-E04D-B081-ECE5B223B74E}" type="datetimeFigureOut">
               <a:rPr lang="en-CH" smtClean="0"/>
-              <a:t>04.05.21</a:t>
+              <a:t>05.05.21</a:t>
             </a:fld>
             <a:endParaRPr lang="en-CH"/>
           </a:p>
@@ -1631,7 +1631,7 @@
           <a:p>
             <a:fld id="{810F5DF7-A7DA-E04D-B081-ECE5B223B74E}" type="datetimeFigureOut">
               <a:rPr lang="en-CH" smtClean="0"/>
-              <a:t>04.05.21</a:t>
+              <a:t>05.05.21</a:t>
             </a:fld>
             <a:endParaRPr lang="en-CH"/>
           </a:p>
@@ -1749,7 +1749,7 @@
           <a:p>
             <a:fld id="{810F5DF7-A7DA-E04D-B081-ECE5B223B74E}" type="datetimeFigureOut">
               <a:rPr lang="en-CH" smtClean="0"/>
-              <a:t>04.05.21</a:t>
+              <a:t>05.05.21</a:t>
             </a:fld>
             <a:endParaRPr lang="en-CH"/>
           </a:p>
@@ -1844,7 +1844,7 @@
           <a:p>
             <a:fld id="{810F5DF7-A7DA-E04D-B081-ECE5B223B74E}" type="datetimeFigureOut">
               <a:rPr lang="en-CH" smtClean="0"/>
-              <a:t>04.05.21</a:t>
+              <a:t>05.05.21</a:t>
             </a:fld>
             <a:endParaRPr lang="en-CH"/>
           </a:p>
@@ -2121,7 +2121,7 @@
           <a:p>
             <a:fld id="{810F5DF7-A7DA-E04D-B081-ECE5B223B74E}" type="datetimeFigureOut">
               <a:rPr lang="en-CH" smtClean="0"/>
-              <a:t>04.05.21</a:t>
+              <a:t>05.05.21</a:t>
             </a:fld>
             <a:endParaRPr lang="en-CH"/>
           </a:p>
@@ -2378,7 +2378,7 @@
           <a:p>
             <a:fld id="{810F5DF7-A7DA-E04D-B081-ECE5B223B74E}" type="datetimeFigureOut">
               <a:rPr lang="en-CH" smtClean="0"/>
-              <a:t>04.05.21</a:t>
+              <a:t>05.05.21</a:t>
             </a:fld>
             <a:endParaRPr lang="en-CH"/>
           </a:p>
@@ -2591,7 +2591,7 @@
           <a:p>
             <a:fld id="{810F5DF7-A7DA-E04D-B081-ECE5B223B74E}" type="datetimeFigureOut">
               <a:rPr lang="en-CH" smtClean="0"/>
-              <a:t>04.05.21</a:t>
+              <a:t>05.05.21</a:t>
             </a:fld>
             <a:endParaRPr lang="en-CH"/>
           </a:p>
@@ -5832,12 +5832,12 @@
           <a:lstStyle/>
           <a:p>
             <a:r>
-              <a:rPr lang="en-CH">
+              <a:rPr lang="en-CH" dirty="0">
                 <a:solidFill>
                   <a:schemeClr val="bg1"/>
                 </a:solidFill>
               </a:rPr>
-              <a:t>Traktanden</a:t>
+              <a:t>Inhalt</a:t>
             </a:r>
           </a:p>
         </p:txBody>

--- a/pp.pptx
+++ b/pp.pptx
@@ -6768,31 +6768,6 @@
       </p:sp>
       <p:sp>
         <p:nvSpPr>
-          <p:cNvPr id="5" name="Content Placeholder 4">
-            <a:extLst>
-              <a:ext uri="{FF2B5EF4-FFF2-40B4-BE49-F238E27FC236}">
-                <a16:creationId xmlns:a16="http://schemas.microsoft.com/office/drawing/2014/main" id="{2E32AA97-CF3B-DD40-8DB5-0E2639435277}"/>
-              </a:ext>
-            </a:extLst>
-          </p:cNvPr>
-          <p:cNvSpPr>
-            <a:spLocks noGrp="1"/>
-          </p:cNvSpPr>
-          <p:nvPr>
-            <p:ph idx="1"/>
-          </p:nvPr>
-        </p:nvSpPr>
-        <p:spPr/>
-        <p:txBody>
-          <a:bodyPr/>
-          <a:lstStyle/>
-          <a:p>
-            <a:endParaRPr lang="en-CH"/>
-          </a:p>
-        </p:txBody>
-      </p:sp>
-      <p:sp>
-        <p:nvSpPr>
           <p:cNvPr id="11" name="Content Placeholder 2">
             <a:extLst>
               <a:ext uri="{FF2B5EF4-FFF2-40B4-BE49-F238E27FC236}">
@@ -6988,54 +6963,94 @@
               <a:buNone/>
             </a:pPr>
             <a:r>
-              <a:rPr lang="en-CH" sz="2400"/>
+              <a:rPr lang="en-CH" sz="2400" dirty="0"/>
               <a:t>Seine Behauptungen aus der Studie:</a:t>
             </a:r>
           </a:p>
           <a:p>
             <a:r>
-              <a:rPr lang="en-GB" sz="2400"/>
-              <a:t>Bankdrücken: Unterschied von 6.7%</a:t>
+              <a:rPr lang="en-GB" sz="2400" dirty="0" err="1"/>
+              <a:t>Bankdrücken</a:t>
+            </a:r>
+            <a:r>
+              <a:rPr lang="en-GB" sz="2400" dirty="0"/>
+              <a:t>: </a:t>
+            </a:r>
+            <a:r>
+              <a:rPr lang="en-GB" sz="2400" dirty="0" err="1"/>
+              <a:t>Unterschied</a:t>
+            </a:r>
+            <a:r>
+              <a:rPr lang="en-GB" sz="2400" dirty="0"/>
+              <a:t> von 6.7%</a:t>
             </a:r>
           </a:p>
           <a:p>
             <a:pPr lvl="1"/>
             <a:r>
-              <a:rPr lang="en-GB"/>
-              <a:t>Schokomilch (CM): 3.5% Kraftzuwachs</a:t>
-            </a:r>
+              <a:rPr lang="en-GB" dirty="0" err="1"/>
+              <a:t>Schokomilch</a:t>
+            </a:r>
+            <a:r>
+              <a:rPr lang="en-GB" dirty="0"/>
+              <a:t> (CM): 3.5% </a:t>
+            </a:r>
+            <a:r>
+              <a:rPr lang="en-GB" dirty="0" err="1"/>
+              <a:t>Kraftzuwachs</a:t>
+            </a:r>
+            <a:endParaRPr lang="en-GB" dirty="0"/>
           </a:p>
           <a:p>
             <a:pPr lvl="1"/>
             <a:r>
-              <a:rPr lang="en-GB"/>
-              <a:t>Kommerzielle Sportgetränke (CHO): 3.2% weniger Kraft</a:t>
-            </a:r>
-            <a:endParaRPr lang="en-CH"/>
-          </a:p>
-          <a:p>
-            <a:endParaRPr lang="en-CH" sz="2400"/>
-          </a:p>
-          <a:p>
-            <a:r>
-              <a:rPr lang="en-CH" sz="2400"/>
+              <a:rPr lang="en-GB" dirty="0" err="1"/>
+              <a:t>Kommerzielle</a:t>
+            </a:r>
+            <a:r>
+              <a:rPr lang="en-GB" dirty="0"/>
+              <a:t> </a:t>
+            </a:r>
+            <a:r>
+              <a:rPr lang="en-GB" dirty="0" err="1"/>
+              <a:t>Sportgetränke</a:t>
+            </a:r>
+            <a:r>
+              <a:rPr lang="en-GB" dirty="0"/>
+              <a:t> (CHO): 3.2% </a:t>
+            </a:r>
+            <a:r>
+              <a:rPr lang="en-GB" dirty="0" err="1"/>
+              <a:t>weniger</a:t>
+            </a:r>
+            <a:r>
+              <a:rPr lang="en-GB" dirty="0"/>
+              <a:t> Kraft</a:t>
+            </a:r>
+            <a:endParaRPr lang="en-CH" dirty="0"/>
+          </a:p>
+          <a:p>
+            <a:endParaRPr lang="en-CH" sz="2400" dirty="0"/>
+          </a:p>
+          <a:p>
+            <a:r>
+              <a:rPr lang="en-CH" sz="2400" dirty="0"/>
               <a:t>Kniebeugen: doppelter Kraftzuwachs bei Schokomilch</a:t>
             </a:r>
           </a:p>
           <a:p>
             <a:pPr lvl="1"/>
             <a:r>
-              <a:rPr lang="en-CH"/>
+              <a:rPr lang="en-CH" dirty="0"/>
               <a:t>15% mehr Gewicht bei Schokomilch (CM)</a:t>
             </a:r>
           </a:p>
           <a:p>
             <a:pPr lvl="1"/>
             <a:r>
-              <a:rPr lang="en-CH"/>
+              <a:rPr lang="en-CH" dirty="0"/>
               <a:t>8% mehr bei kommerziellen Sportgetränken (CHO)</a:t>
             </a:r>
-            <a:endParaRPr lang="en-CH" dirty="0"/>
           </a:p>
         </p:txBody>
       </p:sp>

--- a/pp.pptx
+++ b/pp.pptx
@@ -13,11 +13,15 @@
     <p:sldId id="261" r:id="rId7"/>
     <p:sldId id="262" r:id="rId8"/>
     <p:sldId id="263" r:id="rId9"/>
-    <p:sldId id="264" r:id="rId10"/>
-    <p:sldId id="265" r:id="rId11"/>
-    <p:sldId id="267" r:id="rId12"/>
-    <p:sldId id="268" r:id="rId13"/>
-    <p:sldId id="269" r:id="rId14"/>
+    <p:sldId id="265" r:id="rId10"/>
+    <p:sldId id="267" r:id="rId11"/>
+    <p:sldId id="268" r:id="rId12"/>
+    <p:sldId id="270" r:id="rId13"/>
+    <p:sldId id="272" r:id="rId14"/>
+    <p:sldId id="273" r:id="rId15"/>
+    <p:sldId id="271" r:id="rId16"/>
+    <p:sldId id="275" r:id="rId17"/>
+    <p:sldId id="274" r:id="rId18"/>
   </p:sldIdLst>
   <p:sldSz cx="12192000" cy="6858000"/>
   <p:notesSz cx="6858000" cy="9144000"/>
@@ -138,7 +142,7 @@
 <file path=ppt/revisionInfo.xml><?xml version="1.0" encoding="utf-8"?>
 <p1510:revInfo xmlns:a="http://schemas.openxmlformats.org/drawingml/2006/main" xmlns:r="http://schemas.openxmlformats.org/officeDocument/2006/relationships" xmlns:p1510="http://schemas.microsoft.com/office/powerpoint/2015/10/main">
   <p1510:revLst>
-    <p1510:client id="{17D325AB-A34F-43B6-8182-8013BFD52645}" v="107" dt="2021-05-05T20:00:54.083"/>
+    <p1510:client id="{17D325AB-A34F-43B6-8182-8013BFD52645}" v="225" dt="2021-05-06T11:00:20.315"/>
   </p1510:revLst>
 </p1510:revInfo>
 </file>
@@ -147,8 +151,8 @@
 <pc:chgInfo xmlns:a="http://schemas.openxmlformats.org/drawingml/2006/main" xmlns:r="http://schemas.openxmlformats.org/officeDocument/2006/relationships" xmlns:ac="http://schemas.microsoft.com/office/drawing/2013/main/command" xmlns:pc="http://schemas.microsoft.com/office/powerpoint/2013/main/command">
   <pc:docChgLst>
     <pc:chgData name="pascal bühler" userId="a32c1ca0ce8d2434" providerId="LiveId" clId="{17D325AB-A34F-43B6-8182-8013BFD52645}"/>
-    <pc:docChg chg="undo custSel modSld modMainMaster">
-      <pc:chgData name="pascal bühler" userId="a32c1ca0ce8d2434" providerId="LiveId" clId="{17D325AB-A34F-43B6-8182-8013BFD52645}" dt="2021-05-05T20:02:37.201" v="741" actId="1076"/>
+    <pc:docChg chg="undo custSel addSld delSld modSld sldOrd modMainMaster">
+      <pc:chgData name="pascal bühler" userId="a32c1ca0ce8d2434" providerId="LiveId" clId="{17D325AB-A34F-43B6-8182-8013BFD52645}" dt="2021-05-06T11:02:29.478" v="3296" actId="1076"/>
       <pc:docMkLst>
         <pc:docMk/>
       </pc:docMkLst>
@@ -504,7 +508,7 @@
         </pc:grpChg>
       </pc:sldChg>
       <pc:sldChg chg="addSp delSp modSp mod delDesignElem">
-        <pc:chgData name="pascal bühler" userId="a32c1ca0ce8d2434" providerId="LiveId" clId="{17D325AB-A34F-43B6-8182-8013BFD52645}" dt="2021-05-05T20:02:37.201" v="741" actId="1076"/>
+        <pc:chgData name="pascal bühler" userId="a32c1ca0ce8d2434" providerId="LiveId" clId="{17D325AB-A34F-43B6-8182-8013BFD52645}" dt="2021-05-06T07:25:08.551" v="804" actId="20577"/>
         <pc:sldMkLst>
           <pc:docMk/>
           <pc:sldMk cId="2782158576" sldId="257"/>
@@ -582,7 +586,7 @@
           </ac:spMkLst>
         </pc:spChg>
         <pc:spChg chg="add mod">
-          <ac:chgData name="pascal bühler" userId="a32c1ca0ce8d2434" providerId="LiveId" clId="{17D325AB-A34F-43B6-8182-8013BFD52645}" dt="2021-05-05T18:41:39.866" v="257" actId="1076"/>
+          <ac:chgData name="pascal bühler" userId="a32c1ca0ce8d2434" providerId="LiveId" clId="{17D325AB-A34F-43B6-8182-8013BFD52645}" dt="2021-05-06T07:25:03.206" v="803" actId="20577"/>
           <ac:spMkLst>
             <pc:docMk/>
             <pc:sldMk cId="2782158576" sldId="257"/>
@@ -614,7 +618,7 @@
           </ac:spMkLst>
         </pc:spChg>
         <pc:spChg chg="add mod">
-          <ac:chgData name="pascal bühler" userId="a32c1ca0ce8d2434" providerId="LiveId" clId="{17D325AB-A34F-43B6-8182-8013BFD52645}" dt="2021-05-05T18:41:31.592" v="255" actId="1076"/>
+          <ac:chgData name="pascal bühler" userId="a32c1ca0ce8d2434" providerId="LiveId" clId="{17D325AB-A34F-43B6-8182-8013BFD52645}" dt="2021-05-06T07:25:08.551" v="804" actId="20577"/>
           <ac:spMkLst>
             <pc:docMk/>
             <pc:sldMk cId="2782158576" sldId="257"/>
@@ -679,7 +683,7 @@
         </pc:picChg>
       </pc:sldChg>
       <pc:sldChg chg="addSp delSp modSp mod delDesignElem">
-        <pc:chgData name="pascal bühler" userId="a32c1ca0ce8d2434" providerId="LiveId" clId="{17D325AB-A34F-43B6-8182-8013BFD52645}" dt="2021-05-05T20:02:14.604" v="739" actId="1076"/>
+        <pc:chgData name="pascal bühler" userId="a32c1ca0ce8d2434" providerId="LiveId" clId="{17D325AB-A34F-43B6-8182-8013BFD52645}" dt="2021-05-06T07:40:14.248" v="943" actId="164"/>
         <pc:sldMkLst>
           <pc:docMk/>
           <pc:sldMk cId="3213697572" sldId="258"/>
@@ -693,7 +697,15 @@
           </ac:spMkLst>
         </pc:spChg>
         <pc:spChg chg="add mod">
-          <ac:chgData name="pascal bühler" userId="a32c1ca0ce8d2434" providerId="LiveId" clId="{17D325AB-A34F-43B6-8182-8013BFD52645}" dt="2021-05-05T19:31:58.136" v="293"/>
+          <ac:chgData name="pascal bühler" userId="a32c1ca0ce8d2434" providerId="LiveId" clId="{17D325AB-A34F-43B6-8182-8013BFD52645}" dt="2021-05-06T07:29:31.525" v="851" actId="1076"/>
+          <ac:spMkLst>
+            <pc:docMk/>
+            <pc:sldMk cId="3213697572" sldId="258"/>
+            <ac:spMk id="2" creationId="{E9B68FC8-081E-4462-BDCA-6907D2E051EA}"/>
+          </ac:spMkLst>
+        </pc:spChg>
+        <pc:spChg chg="add mod">
+          <ac:chgData name="pascal bühler" userId="a32c1ca0ce8d2434" providerId="LiveId" clId="{17D325AB-A34F-43B6-8182-8013BFD52645}" dt="2021-05-06T07:29:27.506" v="850" actId="1076"/>
           <ac:spMkLst>
             <pc:docMk/>
             <pc:sldMk cId="3213697572" sldId="258"/>
@@ -725,7 +737,7 @@
           </ac:spMkLst>
         </pc:spChg>
         <pc:spChg chg="add mod">
-          <ac:chgData name="pascal bühler" userId="a32c1ca0ce8d2434" providerId="LiveId" clId="{17D325AB-A34F-43B6-8182-8013BFD52645}" dt="2021-05-05T19:34:00.614" v="308" actId="1076"/>
+          <ac:chgData name="pascal bühler" userId="a32c1ca0ce8d2434" providerId="LiveId" clId="{17D325AB-A34F-43B6-8182-8013BFD52645}" dt="2021-05-06T07:27:08.496" v="810"/>
           <ac:spMkLst>
             <pc:docMk/>
             <pc:sldMk cId="3213697572" sldId="258"/>
@@ -765,7 +777,15 @@
           </ac:spMkLst>
         </pc:spChg>
         <pc:spChg chg="add mod">
-          <ac:chgData name="pascal bühler" userId="a32c1ca0ce8d2434" providerId="LiveId" clId="{17D325AB-A34F-43B6-8182-8013BFD52645}" dt="2021-05-05T19:59:32.604" v="635" actId="1076"/>
+          <ac:chgData name="pascal bühler" userId="a32c1ca0ce8d2434" providerId="LiveId" clId="{17D325AB-A34F-43B6-8182-8013BFD52645}" dt="2021-05-06T07:29:17.965" v="849" actId="1076"/>
+          <ac:spMkLst>
+            <pc:docMk/>
+            <pc:sldMk cId="3213697572" sldId="258"/>
+            <ac:spMk id="21" creationId="{9E7BDD1E-8D05-4458-AE8E-5E5290D5110B}"/>
+          </ac:spMkLst>
+        </pc:spChg>
+        <pc:spChg chg="add mod">
+          <ac:chgData name="pascal bühler" userId="a32c1ca0ce8d2434" providerId="LiveId" clId="{17D325AB-A34F-43B6-8182-8013BFD52645}" dt="2021-05-06T07:40:14.248" v="943" actId="164"/>
           <ac:spMkLst>
             <pc:docMk/>
             <pc:sldMk cId="3213697572" sldId="258"/>
@@ -797,7 +817,7 @@
           </ac:spMkLst>
         </pc:spChg>
         <pc:spChg chg="add mod">
-          <ac:chgData name="pascal bühler" userId="a32c1ca0ce8d2434" providerId="LiveId" clId="{17D325AB-A34F-43B6-8182-8013BFD52645}" dt="2021-05-05T19:59:35.673" v="636" actId="1076"/>
+          <ac:chgData name="pascal bühler" userId="a32c1ca0ce8d2434" providerId="LiveId" clId="{17D325AB-A34F-43B6-8182-8013BFD52645}" dt="2021-05-06T07:40:14.248" v="943" actId="164"/>
           <ac:spMkLst>
             <pc:docMk/>
             <pc:sldMk cId="3213697572" sldId="258"/>
@@ -805,7 +825,7 @@
           </ac:spMkLst>
         </pc:spChg>
         <pc:spChg chg="add mod">
-          <ac:chgData name="pascal bühler" userId="a32c1ca0ce8d2434" providerId="LiveId" clId="{17D325AB-A34F-43B6-8182-8013BFD52645}" dt="2021-05-05T19:59:30.271" v="634" actId="1076"/>
+          <ac:chgData name="pascal bühler" userId="a32c1ca0ce8d2434" providerId="LiveId" clId="{17D325AB-A34F-43B6-8182-8013BFD52645}" dt="2021-05-06T07:40:14.248" v="943" actId="164"/>
           <ac:spMkLst>
             <pc:docMk/>
             <pc:sldMk cId="3213697572" sldId="258"/>
@@ -813,7 +833,7 @@
           </ac:spMkLst>
         </pc:spChg>
         <pc:spChg chg="add mod">
-          <ac:chgData name="pascal bühler" userId="a32c1ca0ce8d2434" providerId="LiveId" clId="{17D325AB-A34F-43B6-8182-8013BFD52645}" dt="2021-05-05T19:59:41.761" v="637" actId="1076"/>
+          <ac:chgData name="pascal bühler" userId="a32c1ca0ce8d2434" providerId="LiveId" clId="{17D325AB-A34F-43B6-8182-8013BFD52645}" dt="2021-05-06T07:40:14.248" v="943" actId="164"/>
           <ac:spMkLst>
             <pc:docMk/>
             <pc:sldMk cId="3213697572" sldId="258"/>
@@ -836,6 +856,14 @@
             <ac:spMk id="31" creationId="{5FB1F157-CC41-453E-A3B9-853014BECDC8}"/>
           </ac:spMkLst>
         </pc:spChg>
+        <pc:grpChg chg="add mod">
+          <ac:chgData name="pascal bühler" userId="a32c1ca0ce8d2434" providerId="LiveId" clId="{17D325AB-A34F-43B6-8182-8013BFD52645}" dt="2021-05-06T07:40:14.248" v="943" actId="164"/>
+          <ac:grpSpMkLst>
+            <pc:docMk/>
+            <pc:sldMk cId="3213697572" sldId="258"/>
+            <ac:grpSpMk id="5" creationId="{56E26430-E83F-444F-AEA5-E4D91B851F44}"/>
+          </ac:grpSpMkLst>
+        </pc:grpChg>
         <pc:graphicFrameChg chg="add del mod modGraphic">
           <ac:chgData name="pascal bühler" userId="a32c1ca0ce8d2434" providerId="LiveId" clId="{17D325AB-A34F-43B6-8182-8013BFD52645}" dt="2021-05-05T19:38:32.381" v="374" actId="478"/>
           <ac:graphicFrameMkLst>
@@ -885,7 +913,7 @@
           </ac:picMkLst>
         </pc:picChg>
         <pc:picChg chg="add mod ord">
-          <ac:chgData name="pascal bühler" userId="a32c1ca0ce8d2434" providerId="LiveId" clId="{17D325AB-A34F-43B6-8182-8013BFD52645}" dt="2021-05-05T19:59:27.557" v="633" actId="1076"/>
+          <ac:chgData name="pascal bühler" userId="a32c1ca0ce8d2434" providerId="LiveId" clId="{17D325AB-A34F-43B6-8182-8013BFD52645}" dt="2021-05-06T07:40:14.248" v="943" actId="164"/>
           <ac:picMkLst>
             <pc:docMk/>
             <pc:sldMk cId="3213697572" sldId="258"/>
@@ -893,7 +921,7 @@
           </ac:picMkLst>
         </pc:picChg>
         <pc:picChg chg="add mod ord">
-          <ac:chgData name="pascal bühler" userId="a32c1ca0ce8d2434" providerId="LiveId" clId="{17D325AB-A34F-43B6-8182-8013BFD52645}" dt="2021-05-05T19:59:43.875" v="638" actId="1076"/>
+          <ac:chgData name="pascal bühler" userId="a32c1ca0ce8d2434" providerId="LiveId" clId="{17D325AB-A34F-43B6-8182-8013BFD52645}" dt="2021-05-06T07:40:14.248" v="943" actId="164"/>
           <ac:picMkLst>
             <pc:docMk/>
             <pc:sldMk cId="3213697572" sldId="258"/>
@@ -901,7 +929,7 @@
           </ac:picMkLst>
         </pc:picChg>
         <pc:picChg chg="add mod ord modCrop">
-          <ac:chgData name="pascal bühler" userId="a32c1ca0ce8d2434" providerId="LiveId" clId="{17D325AB-A34F-43B6-8182-8013BFD52645}" dt="2021-05-05T19:43:22.969" v="452" actId="1076"/>
+          <ac:chgData name="pascal bühler" userId="a32c1ca0ce8d2434" providerId="LiveId" clId="{17D325AB-A34F-43B6-8182-8013BFD52645}" dt="2021-05-06T07:40:14.248" v="943" actId="164"/>
           <ac:picMkLst>
             <pc:docMk/>
             <pc:sldMk cId="3213697572" sldId="258"/>
@@ -909,7 +937,7 @@
           </ac:picMkLst>
         </pc:picChg>
         <pc:picChg chg="add mod ord modCrop">
-          <ac:chgData name="pascal bühler" userId="a32c1ca0ce8d2434" providerId="LiveId" clId="{17D325AB-A34F-43B6-8182-8013BFD52645}" dt="2021-05-05T19:43:38.712" v="461" actId="1076"/>
+          <ac:chgData name="pascal bühler" userId="a32c1ca0ce8d2434" providerId="LiveId" clId="{17D325AB-A34F-43B6-8182-8013BFD52645}" dt="2021-05-06T07:40:14.248" v="943" actId="164"/>
           <ac:picMkLst>
             <pc:docMk/>
             <pc:sldMk cId="3213697572" sldId="258"/>
@@ -918,7 +946,7 @@
         </pc:picChg>
       </pc:sldChg>
       <pc:sldChg chg="addSp delSp modSp mod setBg setClrOvrMap delDesignElem">
-        <pc:chgData name="pascal bühler" userId="a32c1ca0ce8d2434" providerId="LiveId" clId="{17D325AB-A34F-43B6-8182-8013BFD52645}" dt="2021-05-05T18:04:11.147" v="144" actId="26606"/>
+        <pc:chgData name="pascal bühler" userId="a32c1ca0ce8d2434" providerId="LiveId" clId="{17D325AB-A34F-43B6-8182-8013BFD52645}" dt="2021-05-06T07:41:45.537" v="944" actId="12100"/>
         <pc:sldMkLst>
           <pc:docMk/>
           <pc:sldMk cId="453105387" sldId="259"/>
@@ -1324,7 +1352,7 @@
           </ac:graphicFrameMkLst>
         </pc:graphicFrameChg>
         <pc:graphicFrameChg chg="add mod modGraphic">
-          <ac:chgData name="pascal bühler" userId="a32c1ca0ce8d2434" providerId="LiveId" clId="{17D325AB-A34F-43B6-8182-8013BFD52645}" dt="2021-05-05T18:04:11.147" v="144" actId="26606"/>
+          <ac:chgData name="pascal bühler" userId="a32c1ca0ce8d2434" providerId="LiveId" clId="{17D325AB-A34F-43B6-8182-8013BFD52645}" dt="2021-05-06T07:41:45.537" v="944" actId="12100"/>
           <ac:graphicFrameMkLst>
             <pc:docMk/>
             <pc:sldMk cId="453105387" sldId="259"/>
@@ -1357,13 +1385,13 @@
         </pc:cxnChg>
       </pc:sldChg>
       <pc:sldChg chg="addSp delSp modSp mod delDesignElem">
-        <pc:chgData name="pascal bühler" userId="a32c1ca0ce8d2434" providerId="LiveId" clId="{17D325AB-A34F-43B6-8182-8013BFD52645}" dt="2021-05-05T18:02:09.319" v="125" actId="26606"/>
+        <pc:chgData name="pascal bühler" userId="a32c1ca0ce8d2434" providerId="LiveId" clId="{17D325AB-A34F-43B6-8182-8013BFD52645}" dt="2021-05-06T10:44:26.518" v="2969" actId="5793"/>
         <pc:sldMkLst>
           <pc:docMk/>
           <pc:sldMk cId="3385873583" sldId="260"/>
         </pc:sldMkLst>
         <pc:spChg chg="mod">
-          <ac:chgData name="pascal bühler" userId="a32c1ca0ce8d2434" providerId="LiveId" clId="{17D325AB-A34F-43B6-8182-8013BFD52645}" dt="2021-05-05T18:02:09.319" v="125" actId="26606"/>
+          <ac:chgData name="pascal bühler" userId="a32c1ca0ce8d2434" providerId="LiveId" clId="{17D325AB-A34F-43B6-8182-8013BFD52645}" dt="2021-05-06T07:43:14.633" v="946" actId="120"/>
           <ac:spMkLst>
             <pc:docMk/>
             <pc:sldMk cId="3385873583" sldId="260"/>
@@ -1371,7 +1399,7 @@
           </ac:spMkLst>
         </pc:spChg>
         <pc:spChg chg="mod">
-          <ac:chgData name="pascal bühler" userId="a32c1ca0ce8d2434" providerId="LiveId" clId="{17D325AB-A34F-43B6-8182-8013BFD52645}" dt="2021-05-05T18:02:09.319" v="125" actId="26606"/>
+          <ac:chgData name="pascal bühler" userId="a32c1ca0ce8d2434" providerId="LiveId" clId="{17D325AB-A34F-43B6-8182-8013BFD52645}" dt="2021-05-06T10:44:26.518" v="2969" actId="5793"/>
           <ac:spMkLst>
             <pc:docMk/>
             <pc:sldMk cId="3385873583" sldId="260"/>
@@ -1426,9 +1454,17 @@
             <ac:spMk id="12" creationId="{FF9DEA15-78BD-4750-AA18-B9F28A6D5AB8}"/>
           </ac:spMkLst>
         </pc:spChg>
+        <pc:picChg chg="add del mod">
+          <ac:chgData name="pascal bühler" userId="a32c1ca0ce8d2434" providerId="LiveId" clId="{17D325AB-A34F-43B6-8182-8013BFD52645}" dt="2021-05-06T07:45:28.967" v="966" actId="478"/>
+          <ac:picMkLst>
+            <pc:docMk/>
+            <pc:sldMk cId="3385873583" sldId="260"/>
+            <ac:picMk id="8" creationId="{6902700F-2CC1-40EE-8CAA-23A80A442F5D}"/>
+          </ac:picMkLst>
+        </pc:picChg>
       </pc:sldChg>
       <pc:sldChg chg="addSp delSp modSp mod delDesignElem">
-        <pc:chgData name="pascal bühler" userId="a32c1ca0ce8d2434" providerId="LiveId" clId="{17D325AB-A34F-43B6-8182-8013BFD52645}" dt="2021-05-05T18:03:42.568" v="140" actId="26606"/>
+        <pc:chgData name="pascal bühler" userId="a32c1ca0ce8d2434" providerId="LiveId" clId="{17D325AB-A34F-43B6-8182-8013BFD52645}" dt="2021-05-06T08:24:11.960" v="1545" actId="20577"/>
         <pc:sldMkLst>
           <pc:docMk/>
           <pc:sldMk cId="764383246" sldId="261"/>
@@ -1442,7 +1478,7 @@
           </ac:spMkLst>
         </pc:spChg>
         <pc:spChg chg="mod">
-          <ac:chgData name="pascal bühler" userId="a32c1ca0ce8d2434" providerId="LiveId" clId="{17D325AB-A34F-43B6-8182-8013BFD52645}" dt="2021-05-05T18:03:42.568" v="140" actId="26606"/>
+          <ac:chgData name="pascal bühler" userId="a32c1ca0ce8d2434" providerId="LiveId" clId="{17D325AB-A34F-43B6-8182-8013BFD52645}" dt="2021-05-06T08:24:11.960" v="1545" actId="20577"/>
           <ac:spMkLst>
             <pc:docMk/>
             <pc:sldMk cId="764383246" sldId="261"/>
@@ -1569,9 +1605,17 @@
             <ac:spMk id="24" creationId="{AC8F6C8C-AB5A-4548-942D-E3FD40ACBC49}"/>
           </ac:spMkLst>
         </pc:spChg>
+        <pc:graphicFrameChg chg="add mod">
+          <ac:chgData name="pascal bühler" userId="a32c1ca0ce8d2434" providerId="LiveId" clId="{17D325AB-A34F-43B6-8182-8013BFD52645}" dt="2021-05-06T07:34:40.046" v="906" actId="478"/>
+          <ac:graphicFrameMkLst>
+            <pc:docMk/>
+            <pc:sldMk cId="764383246" sldId="261"/>
+            <ac:graphicFrameMk id="4" creationId="{7E6DD395-D900-4E54-811D-A3961A43E3BA}"/>
+          </ac:graphicFrameMkLst>
+        </pc:graphicFrameChg>
       </pc:sldChg>
       <pc:sldChg chg="addSp delSp modSp mod delDesignElem">
-        <pc:chgData name="pascal bühler" userId="a32c1ca0ce8d2434" providerId="LiveId" clId="{17D325AB-A34F-43B6-8182-8013BFD52645}" dt="2021-05-05T18:03:50.222" v="143" actId="26606"/>
+        <pc:chgData name="pascal bühler" userId="a32c1ca0ce8d2434" providerId="LiveId" clId="{17D325AB-A34F-43B6-8182-8013BFD52645}" dt="2021-05-06T08:16:20.911" v="1533" actId="20577"/>
         <pc:sldMkLst>
           <pc:docMk/>
           <pc:sldMk cId="3572999424" sldId="262"/>
@@ -1585,13 +1629,29 @@
           </ac:spMkLst>
         </pc:spChg>
         <pc:spChg chg="mod">
-          <ac:chgData name="pascal bühler" userId="a32c1ca0ce8d2434" providerId="LiveId" clId="{17D325AB-A34F-43B6-8182-8013BFD52645}" dt="2021-05-05T18:03:50.222" v="143" actId="26606"/>
+          <ac:chgData name="pascal bühler" userId="a32c1ca0ce8d2434" providerId="LiveId" clId="{17D325AB-A34F-43B6-8182-8013BFD52645}" dt="2021-05-06T08:16:20.911" v="1533" actId="20577"/>
           <ac:spMkLst>
             <pc:docMk/>
             <pc:sldMk cId="3572999424" sldId="262"/>
             <ac:spMk id="3" creationId="{EC3D0879-0CA2-9E4E-B37D-BDA6FFB3AE57}"/>
           </ac:spMkLst>
         </pc:spChg>
+        <pc:spChg chg="add mod">
+          <ac:chgData name="pascal bühler" userId="a32c1ca0ce8d2434" providerId="LiveId" clId="{17D325AB-A34F-43B6-8182-8013BFD52645}" dt="2021-05-06T07:36:52.301" v="923" actId="1076"/>
+          <ac:spMkLst>
+            <pc:docMk/>
+            <pc:sldMk cId="3572999424" sldId="262"/>
+            <ac:spMk id="4" creationId="{841A4C2A-28B0-420D-BCBE-E3C9D3284A70}"/>
+          </ac:spMkLst>
+        </pc:spChg>
+        <pc:spChg chg="add del mod">
+          <ac:chgData name="pascal bühler" userId="a32c1ca0ce8d2434" providerId="LiveId" clId="{17D325AB-A34F-43B6-8182-8013BFD52645}" dt="2021-05-06T07:38:31.686" v="936" actId="478"/>
+          <ac:spMkLst>
+            <pc:docMk/>
+            <pc:sldMk cId="3572999424" sldId="262"/>
+            <ac:spMk id="7" creationId="{6AF9BC75-E2E6-4FAD-9784-6A567C00309E}"/>
+          </ac:spMkLst>
+        </pc:spChg>
         <pc:spChg chg="add del">
           <ac:chgData name="pascal bühler" userId="a32c1ca0ce8d2434" providerId="LiveId" clId="{17D325AB-A34F-43B6-8182-8013BFD52645}" dt="2021-05-05T18:02:22.891" v="128" actId="26606"/>
           <ac:spMkLst>
@@ -1712,15 +1772,39 @@
             <ac:spMk id="29" creationId="{AC8F6C8C-AB5A-4548-942D-E3FD40ACBC49}"/>
           </ac:spMkLst>
         </pc:spChg>
+        <pc:grpChg chg="add mod">
+          <ac:chgData name="pascal bühler" userId="a32c1ca0ce8d2434" providerId="LiveId" clId="{17D325AB-A34F-43B6-8182-8013BFD52645}" dt="2021-05-06T07:40:02.534" v="942" actId="164"/>
+          <ac:grpSpMkLst>
+            <pc:docMk/>
+            <pc:sldMk cId="3572999424" sldId="262"/>
+            <ac:grpSpMk id="11" creationId="{8CE054AD-F41C-46E1-95B9-0051A3B5EEE8}"/>
+          </ac:grpSpMkLst>
+        </pc:grpChg>
+        <pc:picChg chg="add mod">
+          <ac:chgData name="pascal bühler" userId="a32c1ca0ce8d2434" providerId="LiveId" clId="{17D325AB-A34F-43B6-8182-8013BFD52645}" dt="2021-05-06T07:40:02.534" v="942" actId="164"/>
+          <ac:picMkLst>
+            <pc:docMk/>
+            <pc:sldMk cId="3572999424" sldId="262"/>
+            <ac:picMk id="6" creationId="{2E85D52E-8F6A-4657-BC8C-32075C2FA9F9}"/>
+          </ac:picMkLst>
+        </pc:picChg>
+        <pc:cxnChg chg="add mod">
+          <ac:chgData name="pascal bühler" userId="a32c1ca0ce8d2434" providerId="LiveId" clId="{17D325AB-A34F-43B6-8182-8013BFD52645}" dt="2021-05-06T07:40:02.534" v="942" actId="164"/>
+          <ac:cxnSpMkLst>
+            <pc:docMk/>
+            <pc:sldMk cId="3572999424" sldId="262"/>
+            <ac:cxnSpMk id="9" creationId="{C413E962-99EF-4501-A58D-9850DF6A2884}"/>
+          </ac:cxnSpMkLst>
+        </pc:cxnChg>
       </pc:sldChg>
       <pc:sldChg chg="addSp delSp modSp mod delDesignElem">
-        <pc:chgData name="pascal bühler" userId="a32c1ca0ce8d2434" providerId="LiveId" clId="{17D325AB-A34F-43B6-8182-8013BFD52645}" dt="2021-05-05T18:03:06.548" v="130" actId="26606"/>
+        <pc:chgData name="pascal bühler" userId="a32c1ca0ce8d2434" providerId="LiveId" clId="{17D325AB-A34F-43B6-8182-8013BFD52645}" dt="2021-05-06T10:43:02.923" v="2966" actId="20577"/>
         <pc:sldMkLst>
           <pc:docMk/>
           <pc:sldMk cId="631649145" sldId="263"/>
         </pc:sldMkLst>
         <pc:spChg chg="mod">
-          <ac:chgData name="pascal bühler" userId="a32c1ca0ce8d2434" providerId="LiveId" clId="{17D325AB-A34F-43B6-8182-8013BFD52645}" dt="2021-05-05T18:03:06.548" v="130" actId="26606"/>
+          <ac:chgData name="pascal bühler" userId="a32c1ca0ce8d2434" providerId="LiveId" clId="{17D325AB-A34F-43B6-8182-8013BFD52645}" dt="2021-05-06T07:45:42.455" v="967" actId="120"/>
           <ac:spMkLst>
             <pc:docMk/>
             <pc:sldMk cId="631649145" sldId="263"/>
@@ -1728,31 +1812,31 @@
           </ac:spMkLst>
         </pc:spChg>
         <pc:spChg chg="mod">
-          <ac:chgData name="pascal bühler" userId="a32c1ca0ce8d2434" providerId="LiveId" clId="{17D325AB-A34F-43B6-8182-8013BFD52645}" dt="2021-05-05T18:03:06.548" v="130" actId="26606"/>
+          <ac:chgData name="pascal bühler" userId="a32c1ca0ce8d2434" providerId="LiveId" clId="{17D325AB-A34F-43B6-8182-8013BFD52645}" dt="2021-05-06T10:43:02.923" v="2966" actId="20577"/>
           <ac:spMkLst>
             <pc:docMk/>
             <pc:sldMk cId="631649145" sldId="263"/>
             <ac:spMk id="3" creationId="{933C59D2-9C78-A845-88C3-BCBCD55FB8A9}"/>
           </ac:spMkLst>
         </pc:spChg>
-        <pc:spChg chg="add">
-          <ac:chgData name="pascal bühler" userId="a32c1ca0ce8d2434" providerId="LiveId" clId="{17D325AB-A34F-43B6-8182-8013BFD52645}" dt="2021-05-05T18:03:06.548" v="130" actId="26606"/>
+        <pc:spChg chg="add del">
+          <ac:chgData name="pascal bühler" userId="a32c1ca0ce8d2434" providerId="LiveId" clId="{17D325AB-A34F-43B6-8182-8013BFD52645}" dt="2021-05-06T07:42:30.249" v="945" actId="26606"/>
           <ac:spMkLst>
             <pc:docMk/>
             <pc:sldMk cId="631649145" sldId="263"/>
             <ac:spMk id="5" creationId="{979E27D9-03C7-44E2-9FF8-15D0C8506AF7}"/>
           </ac:spMkLst>
         </pc:spChg>
-        <pc:spChg chg="add">
-          <ac:chgData name="pascal bühler" userId="a32c1ca0ce8d2434" providerId="LiveId" clId="{17D325AB-A34F-43B6-8182-8013BFD52645}" dt="2021-05-05T18:03:06.548" v="130" actId="26606"/>
+        <pc:spChg chg="add del">
+          <ac:chgData name="pascal bühler" userId="a32c1ca0ce8d2434" providerId="LiveId" clId="{17D325AB-A34F-43B6-8182-8013BFD52645}" dt="2021-05-06T07:42:30.249" v="945" actId="26606"/>
           <ac:spMkLst>
             <pc:docMk/>
             <pc:sldMk cId="631649145" sldId="263"/>
             <ac:spMk id="6" creationId="{EEBF1590-3B36-48EE-A89D-3B6F3CB256AB}"/>
           </ac:spMkLst>
         </pc:spChg>
-        <pc:spChg chg="add">
-          <ac:chgData name="pascal bühler" userId="a32c1ca0ce8d2434" providerId="LiveId" clId="{17D325AB-A34F-43B6-8182-8013BFD52645}" dt="2021-05-05T18:03:06.548" v="130" actId="26606"/>
+        <pc:spChg chg="add del">
+          <ac:chgData name="pascal bühler" userId="a32c1ca0ce8d2434" providerId="LiveId" clId="{17D325AB-A34F-43B6-8182-8013BFD52645}" dt="2021-05-06T07:42:30.249" v="945" actId="26606"/>
           <ac:spMkLst>
             <pc:docMk/>
             <pc:sldMk cId="631649145" sldId="263"/>
@@ -1767,6 +1851,14 @@
             <ac:spMk id="8" creationId="{C7FA33FF-088D-4F16-95A2-2C64D353DEA8}"/>
           </ac:spMkLst>
         </pc:spChg>
+        <pc:spChg chg="add">
+          <ac:chgData name="pascal bühler" userId="a32c1ca0ce8d2434" providerId="LiveId" clId="{17D325AB-A34F-43B6-8182-8013BFD52645}" dt="2021-05-06T07:42:30.249" v="945" actId="26606"/>
+          <ac:spMkLst>
+            <pc:docMk/>
+            <pc:sldMk cId="631649145" sldId="263"/>
+            <ac:spMk id="9" creationId="{979E27D9-03C7-44E2-9FF8-15D0C8506AF7}"/>
+          </ac:spMkLst>
+        </pc:spChg>
         <pc:spChg chg="del">
           <ac:chgData name="pascal bühler" userId="a32c1ca0ce8d2434" providerId="LiveId" clId="{17D325AB-A34F-43B6-8182-8013BFD52645}" dt="2021-05-05T17:54:07.578" v="13"/>
           <ac:spMkLst>
@@ -1783,15 +1875,31 @@
             <ac:spMk id="12" creationId="{FF9DEA15-78BD-4750-AA18-B9F28A6D5AB8}"/>
           </ac:spMkLst>
         </pc:spChg>
+        <pc:spChg chg="add">
+          <ac:chgData name="pascal bühler" userId="a32c1ca0ce8d2434" providerId="LiveId" clId="{17D325AB-A34F-43B6-8182-8013BFD52645}" dt="2021-05-06T07:42:30.249" v="945" actId="26606"/>
+          <ac:spMkLst>
+            <pc:docMk/>
+            <pc:sldMk cId="631649145" sldId="263"/>
+            <ac:spMk id="14" creationId="{EEBF1590-3B36-48EE-A89D-3B6F3CB256AB}"/>
+          </ac:spMkLst>
+        </pc:spChg>
+        <pc:spChg chg="add">
+          <ac:chgData name="pascal bühler" userId="a32c1ca0ce8d2434" providerId="LiveId" clId="{17D325AB-A34F-43B6-8182-8013BFD52645}" dt="2021-05-06T07:42:30.249" v="945" actId="26606"/>
+          <ac:spMkLst>
+            <pc:docMk/>
+            <pc:sldMk cId="631649145" sldId="263"/>
+            <ac:spMk id="16" creationId="{AC8F6C8C-AB5A-4548-942D-E3FD40ACBC49}"/>
+          </ac:spMkLst>
+        </pc:spChg>
       </pc:sldChg>
-      <pc:sldChg chg="addSp delSp modSp mod delDesignElem">
-        <pc:chgData name="pascal bühler" userId="a32c1ca0ce8d2434" providerId="LiveId" clId="{17D325AB-A34F-43B6-8182-8013BFD52645}" dt="2021-05-05T18:03:09.567" v="131" actId="26606"/>
+      <pc:sldChg chg="addSp delSp modSp del mod delDesignElem">
+        <pc:chgData name="pascal bühler" userId="a32c1ca0ce8d2434" providerId="LiveId" clId="{17D325AB-A34F-43B6-8182-8013BFD52645}" dt="2021-05-06T08:09:02.711" v="1061" actId="2696"/>
         <pc:sldMkLst>
           <pc:docMk/>
           <pc:sldMk cId="1251727893" sldId="264"/>
         </pc:sldMkLst>
-        <pc:spChg chg="mod">
-          <ac:chgData name="pascal bühler" userId="a32c1ca0ce8d2434" providerId="LiveId" clId="{17D325AB-A34F-43B6-8182-8013BFD52645}" dt="2021-05-05T18:03:09.567" v="131" actId="26606"/>
+        <pc:spChg chg="del mod">
+          <ac:chgData name="pascal bühler" userId="a32c1ca0ce8d2434" providerId="LiveId" clId="{17D325AB-A34F-43B6-8182-8013BFD52645}" dt="2021-05-06T08:08:58.200" v="1060" actId="478"/>
           <ac:spMkLst>
             <pc:docMk/>
             <pc:sldMk cId="1251727893" sldId="264"/>
@@ -1799,7 +1907,7 @@
           </ac:spMkLst>
         </pc:spChg>
         <pc:spChg chg="mod">
-          <ac:chgData name="pascal bühler" userId="a32c1ca0ce8d2434" providerId="LiveId" clId="{17D325AB-A34F-43B6-8182-8013BFD52645}" dt="2021-05-05T18:03:09.567" v="131" actId="26606"/>
+          <ac:chgData name="pascal bühler" userId="a32c1ca0ce8d2434" providerId="LiveId" clId="{17D325AB-A34F-43B6-8182-8013BFD52645}" dt="2021-05-06T08:08:29.374" v="1053" actId="21"/>
           <ac:spMkLst>
             <pc:docMk/>
             <pc:sldMk cId="1251727893" sldId="264"/>
@@ -1838,6 +1946,14 @@
             <ac:spMk id="8" creationId="{C7FA33FF-088D-4F16-95A2-2C64D353DEA8}"/>
           </ac:spMkLst>
         </pc:spChg>
+        <pc:spChg chg="add mod">
+          <ac:chgData name="pascal bühler" userId="a32c1ca0ce8d2434" providerId="LiveId" clId="{17D325AB-A34F-43B6-8182-8013BFD52645}" dt="2021-05-06T08:08:58.200" v="1060" actId="478"/>
+          <ac:spMkLst>
+            <pc:docMk/>
+            <pc:sldMk cId="1251727893" sldId="264"/>
+            <ac:spMk id="8" creationId="{FDE42546-2278-4C15-B5A1-BE04FED91E1B}"/>
+          </ac:spMkLst>
+        </pc:spChg>
         <pc:spChg chg="del">
           <ac:chgData name="pascal bühler" userId="a32c1ca0ce8d2434" providerId="LiveId" clId="{17D325AB-A34F-43B6-8182-8013BFD52645}" dt="2021-05-05T17:54:07.578" v="13"/>
           <ac:spMkLst>
@@ -1856,7 +1972,7 @@
         </pc:spChg>
       </pc:sldChg>
       <pc:sldChg chg="addSp delSp modSp mod delDesignElem">
-        <pc:chgData name="pascal bühler" userId="a32c1ca0ce8d2434" providerId="LiveId" clId="{17D325AB-A34F-43B6-8182-8013BFD52645}" dt="2021-05-05T18:03:12.667" v="132" actId="26606"/>
+        <pc:chgData name="pascal bühler" userId="a32c1ca0ce8d2434" providerId="LiveId" clId="{17D325AB-A34F-43B6-8182-8013BFD52645}" dt="2021-05-06T10:49:29.074" v="3028" actId="20577"/>
         <pc:sldMkLst>
           <pc:docMk/>
           <pc:sldMk cId="3164298079" sldId="265"/>
@@ -1870,7 +1986,7 @@
           </ac:spMkLst>
         </pc:spChg>
         <pc:spChg chg="mod">
-          <ac:chgData name="pascal bühler" userId="a32c1ca0ce8d2434" providerId="LiveId" clId="{17D325AB-A34F-43B6-8182-8013BFD52645}" dt="2021-05-05T18:03:12.667" v="132" actId="26606"/>
+          <ac:chgData name="pascal bühler" userId="a32c1ca0ce8d2434" providerId="LiveId" clId="{17D325AB-A34F-43B6-8182-8013BFD52645}" dt="2021-05-06T10:49:29.074" v="3028" actId="20577"/>
           <ac:spMkLst>
             <pc:docMk/>
             <pc:sldMk cId="3164298079" sldId="265"/>
@@ -1927,7 +2043,7 @@
         </pc:spChg>
       </pc:sldChg>
       <pc:sldChg chg="addSp delSp modSp mod delDesignElem">
-        <pc:chgData name="pascal bühler" userId="a32c1ca0ce8d2434" providerId="LiveId" clId="{17D325AB-A34F-43B6-8182-8013BFD52645}" dt="2021-05-05T18:03:16.435" v="133" actId="26606"/>
+        <pc:chgData name="pascal bühler" userId="a32c1ca0ce8d2434" providerId="LiveId" clId="{17D325AB-A34F-43B6-8182-8013BFD52645}" dt="2021-05-06T10:50:19.876" v="3032" actId="1076"/>
         <pc:sldMkLst>
           <pc:docMk/>
           <pc:sldMk cId="2786973226" sldId="267"/>
@@ -1957,7 +2073,7 @@
           </ac:spMkLst>
         </pc:spChg>
         <pc:spChg chg="mod">
-          <ac:chgData name="pascal bühler" userId="a32c1ca0ce8d2434" providerId="LiveId" clId="{17D325AB-A34F-43B6-8182-8013BFD52645}" dt="2021-05-05T18:03:16.435" v="133" actId="26606"/>
+          <ac:chgData name="pascal bühler" userId="a32c1ca0ce8d2434" providerId="LiveId" clId="{17D325AB-A34F-43B6-8182-8013BFD52645}" dt="2021-05-06T08:32:32.977" v="1553" actId="21"/>
           <ac:spMkLst>
             <pc:docMk/>
             <pc:sldMk cId="2786973226" sldId="267"/>
@@ -1997,28 +2113,44 @@
           </ac:spMkLst>
         </pc:spChg>
         <pc:picChg chg="mod">
-          <ac:chgData name="pascal bühler" userId="a32c1ca0ce8d2434" providerId="LiveId" clId="{17D325AB-A34F-43B6-8182-8013BFD52645}" dt="2021-05-05T18:03:16.435" v="133" actId="26606"/>
+          <ac:chgData name="pascal bühler" userId="a32c1ca0ce8d2434" providerId="LiveId" clId="{17D325AB-A34F-43B6-8182-8013BFD52645}" dt="2021-05-06T10:50:19.876" v="3032" actId="1076"/>
           <ac:picMkLst>
             <pc:docMk/>
             <pc:sldMk cId="2786973226" sldId="267"/>
             <ac:picMk id="7" creationId="{35752B81-40A0-924E-9F0C-0849FBEB6C7B}"/>
           </ac:picMkLst>
         </pc:picChg>
+        <pc:picChg chg="add del mod">
+          <ac:chgData name="pascal bühler" userId="a32c1ca0ce8d2434" providerId="LiveId" clId="{17D325AB-A34F-43B6-8182-8013BFD52645}" dt="2021-05-06T08:13:32.891" v="1451" actId="21"/>
+          <ac:picMkLst>
+            <pc:docMk/>
+            <pc:sldMk cId="2786973226" sldId="267"/>
+            <ac:picMk id="8" creationId="{931613C0-8EE9-4EC6-B41C-E9C9E19D0E1D}"/>
+          </ac:picMkLst>
+        </pc:picChg>
       </pc:sldChg>
       <pc:sldChg chg="addSp delSp modSp mod delDesignElem">
-        <pc:chgData name="pascal bühler" userId="a32c1ca0ce8d2434" providerId="LiveId" clId="{17D325AB-A34F-43B6-8182-8013BFD52645}" dt="2021-05-05T18:03:24.726" v="134" actId="26606"/>
+        <pc:chgData name="pascal bühler" userId="a32c1ca0ce8d2434" providerId="LiveId" clId="{17D325AB-A34F-43B6-8182-8013BFD52645}" dt="2021-05-06T08:32:48.304" v="1557" actId="1076"/>
         <pc:sldMkLst>
           <pc:docMk/>
           <pc:sldMk cId="1558388661" sldId="268"/>
         </pc:sldMkLst>
         <pc:spChg chg="mod">
-          <ac:chgData name="pascal bühler" userId="a32c1ca0ce8d2434" providerId="LiveId" clId="{17D325AB-A34F-43B6-8182-8013BFD52645}" dt="2021-05-05T18:03:24.726" v="134" actId="26606"/>
+          <ac:chgData name="pascal bühler" userId="a32c1ca0ce8d2434" providerId="LiveId" clId="{17D325AB-A34F-43B6-8182-8013BFD52645}" dt="2021-05-06T08:06:25.189" v="973" actId="1076"/>
           <ac:spMkLst>
             <pc:docMk/>
             <pc:sldMk cId="1558388661" sldId="268"/>
             <ac:spMk id="2" creationId="{1F4CB0B1-7592-D248-BB70-2D4CDB554DB1}"/>
           </ac:spMkLst>
         </pc:spChg>
+        <pc:spChg chg="add mod">
+          <ac:chgData name="pascal bühler" userId="a32c1ca0ce8d2434" providerId="LiveId" clId="{17D325AB-A34F-43B6-8182-8013BFD52645}" dt="2021-05-06T08:32:48.304" v="1557" actId="1076"/>
+          <ac:spMkLst>
+            <pc:docMk/>
+            <pc:sldMk cId="1558388661" sldId="268"/>
+            <ac:spMk id="5" creationId="{17E5275F-623F-49EA-A0D6-A5A4224CD113}"/>
+          </ac:spMkLst>
+        </pc:spChg>
         <pc:spChg chg="del">
           <ac:chgData name="pascal bühler" userId="a32c1ca0ce8d2434" providerId="LiveId" clId="{17D325AB-A34F-43B6-8182-8013BFD52645}" dt="2021-05-05T17:54:07.578" v="13"/>
           <ac:spMkLst>
@@ -2027,6 +2159,14 @@
             <ac:spMk id="8" creationId="{C7FA33FF-088D-4F16-95A2-2C64D353DEA8}"/>
           </ac:spMkLst>
         </pc:spChg>
+        <pc:spChg chg="add mod">
+          <ac:chgData name="pascal bühler" userId="a32c1ca0ce8d2434" providerId="LiveId" clId="{17D325AB-A34F-43B6-8182-8013BFD52645}" dt="2021-05-06T08:07:30.686" v="1041" actId="1076"/>
+          <ac:spMkLst>
+            <pc:docMk/>
+            <pc:sldMk cId="1558388661" sldId="268"/>
+            <ac:spMk id="10" creationId="{18BD6B36-6571-41FB-A52D-18C1C49CA7A8}"/>
+          </ac:spMkLst>
+        </pc:spChg>
         <pc:spChg chg="del">
           <ac:chgData name="pascal bühler" userId="a32c1ca0ce8d2434" providerId="LiveId" clId="{17D325AB-A34F-43B6-8182-8013BFD52645}" dt="2021-05-05T17:54:07.578" v="13"/>
           <ac:spMkLst>
@@ -2035,8 +2175,8 @@
             <ac:spMk id="10" creationId="{A376EFB1-01CF-419F-ABF1-2AF02BBFCBD1}"/>
           </ac:spMkLst>
         </pc:spChg>
-        <pc:spChg chg="mod ord">
-          <ac:chgData name="pascal bühler" userId="a32c1ca0ce8d2434" providerId="LiveId" clId="{17D325AB-A34F-43B6-8182-8013BFD52645}" dt="2021-05-05T18:03:24.726" v="134" actId="26606"/>
+        <pc:spChg chg="del mod ord">
+          <ac:chgData name="pascal bühler" userId="a32c1ca0ce8d2434" providerId="LiveId" clId="{17D325AB-A34F-43B6-8182-8013BFD52645}" dt="2021-05-06T08:07:41.009" v="1043" actId="478"/>
           <ac:spMkLst>
             <pc:docMk/>
             <pc:sldMk cId="1558388661" sldId="268"/>
@@ -2075,8 +2215,24 @@
             <ac:spMk id="20" creationId="{6437CC72-F4A8-4DC3-AFAB-D22C482C8100}"/>
           </ac:spMkLst>
         </pc:spChg>
-        <pc:picChg chg="mod">
-          <ac:chgData name="pascal bühler" userId="a32c1ca0ce8d2434" providerId="LiveId" clId="{17D325AB-A34F-43B6-8182-8013BFD52645}" dt="2021-05-05T18:03:24.726" v="134" actId="26606"/>
+        <pc:picChg chg="add mod">
+          <ac:chgData name="pascal bühler" userId="a32c1ca0ce8d2434" providerId="LiveId" clId="{17D325AB-A34F-43B6-8182-8013BFD52645}" dt="2021-05-06T08:32:43.728" v="1556" actId="1076"/>
+          <ac:picMkLst>
+            <pc:docMk/>
+            <pc:sldMk cId="1558388661" sldId="268"/>
+            <ac:picMk id="3" creationId="{CFC1A70A-C400-4109-8A1D-F20A607787EB}"/>
+          </ac:picMkLst>
+        </pc:picChg>
+        <pc:picChg chg="add del">
+          <ac:chgData name="pascal bühler" userId="a32c1ca0ce8d2434" providerId="LiveId" clId="{17D325AB-A34F-43B6-8182-8013BFD52645}" dt="2021-05-06T08:06:49.904" v="983" actId="478"/>
+          <ac:picMkLst>
+            <pc:docMk/>
+            <pc:sldMk cId="1558388661" sldId="268"/>
+            <ac:picMk id="4" creationId="{D9983D51-50AC-48AE-A7B5-F73A20129A5E}"/>
+          </ac:picMkLst>
+        </pc:picChg>
+        <pc:picChg chg="del mod">
+          <ac:chgData name="pascal bühler" userId="a32c1ca0ce8d2434" providerId="LiveId" clId="{17D325AB-A34F-43B6-8182-8013BFD52645}" dt="2021-05-06T08:03:32.297" v="972" actId="478"/>
           <ac:picMkLst>
             <pc:docMk/>
             <pc:sldMk cId="1558388661" sldId="268"/>
@@ -2084,14 +2240,14 @@
           </ac:picMkLst>
         </pc:picChg>
       </pc:sldChg>
-      <pc:sldChg chg="addSp delSp modSp mod delDesignElem">
-        <pc:chgData name="pascal bühler" userId="a32c1ca0ce8d2434" providerId="LiveId" clId="{17D325AB-A34F-43B6-8182-8013BFD52645}" dt="2021-05-05T18:03:28.885" v="135" actId="26606"/>
+      <pc:sldChg chg="addSp delSp modSp del mod delDesignElem">
+        <pc:chgData name="pascal bühler" userId="a32c1ca0ce8d2434" providerId="LiveId" clId="{17D325AB-A34F-43B6-8182-8013BFD52645}" dt="2021-05-06T08:12:30.044" v="1443" actId="2696"/>
         <pc:sldMkLst>
           <pc:docMk/>
           <pc:sldMk cId="181796831" sldId="269"/>
         </pc:sldMkLst>
         <pc:spChg chg="mod">
-          <ac:chgData name="pascal bühler" userId="a32c1ca0ce8d2434" providerId="LiveId" clId="{17D325AB-A34F-43B6-8182-8013BFD52645}" dt="2021-05-05T18:03:28.885" v="135" actId="26606"/>
+          <ac:chgData name="pascal bühler" userId="a32c1ca0ce8d2434" providerId="LiveId" clId="{17D325AB-A34F-43B6-8182-8013BFD52645}" dt="2021-05-06T08:12:17.982" v="1441" actId="120"/>
           <ac:spMkLst>
             <pc:docMk/>
             <pc:sldMk cId="181796831" sldId="269"/>
@@ -2115,7 +2271,7 @@
           </ac:spMkLst>
         </pc:spChg>
         <pc:spChg chg="mod">
-          <ac:chgData name="pascal bühler" userId="a32c1ca0ce8d2434" providerId="LiveId" clId="{17D325AB-A34F-43B6-8182-8013BFD52645}" dt="2021-05-05T18:03:28.885" v="135" actId="26606"/>
+          <ac:chgData name="pascal bühler" userId="a32c1ca0ce8d2434" providerId="LiveId" clId="{17D325AB-A34F-43B6-8182-8013BFD52645}" dt="2021-05-06T08:12:14.913" v="1440" actId="120"/>
           <ac:spMkLst>
             <pc:docMk/>
             <pc:sldMk cId="181796831" sldId="269"/>
@@ -2154,12 +2310,882 @@
             <ac:spMk id="22" creationId="{69E1A62C-2AAF-4B3E-8CDB-65E237080997}"/>
           </ac:spMkLst>
         </pc:spChg>
-        <pc:picChg chg="mod">
-          <ac:chgData name="pascal bühler" userId="a32c1ca0ce8d2434" providerId="LiveId" clId="{17D325AB-A34F-43B6-8182-8013BFD52645}" dt="2021-05-05T18:03:28.885" v="135" actId="26606"/>
+        <pc:picChg chg="del mod">
+          <ac:chgData name="pascal bühler" userId="a32c1ca0ce8d2434" providerId="LiveId" clId="{17D325AB-A34F-43B6-8182-8013BFD52645}" dt="2021-05-06T08:12:25.082" v="1442" actId="21"/>
           <ac:picMkLst>
             <pc:docMk/>
             <pc:sldMk cId="181796831" sldId="269"/>
             <ac:picMk id="13" creationId="{0E9076C5-E9A8-5E4D-90BD-9A1C06EE8FE8}"/>
+          </ac:picMkLst>
+        </pc:picChg>
+      </pc:sldChg>
+      <pc:sldChg chg="addSp delSp modSp new del mod setBg">
+        <pc:chgData name="pascal bühler" userId="a32c1ca0ce8d2434" providerId="LiveId" clId="{17D325AB-A34F-43B6-8182-8013BFD52645}" dt="2021-05-06T08:19:01.592" v="1534" actId="47"/>
+        <pc:sldMkLst>
+          <pc:docMk/>
+          <pc:sldMk cId="1191529309" sldId="269"/>
+        </pc:sldMkLst>
+        <pc:spChg chg="mod">
+          <ac:chgData name="pascal bühler" userId="a32c1ca0ce8d2434" providerId="LiveId" clId="{17D325AB-A34F-43B6-8182-8013BFD52645}" dt="2021-05-06T08:15:12.959" v="1499" actId="20577"/>
+          <ac:spMkLst>
+            <pc:docMk/>
+            <pc:sldMk cId="1191529309" sldId="269"/>
+            <ac:spMk id="2" creationId="{CBAE17FA-C559-4C05-9206-E73889EE0DD6}"/>
+          </ac:spMkLst>
+        </pc:spChg>
+        <pc:spChg chg="del">
+          <ac:chgData name="pascal bühler" userId="a32c1ca0ce8d2434" providerId="LiveId" clId="{17D325AB-A34F-43B6-8182-8013BFD52645}" dt="2021-05-06T08:13:36.144" v="1452"/>
+          <ac:spMkLst>
+            <pc:docMk/>
+            <pc:sldMk cId="1191529309" sldId="269"/>
+            <ac:spMk id="3" creationId="{BE09D98E-0CA3-49BC-9C03-412B2C5B25B8}"/>
+          </ac:spMkLst>
+        </pc:spChg>
+        <pc:spChg chg="add del mod">
+          <ac:chgData name="pascal bühler" userId="a32c1ca0ce8d2434" providerId="LiveId" clId="{17D325AB-A34F-43B6-8182-8013BFD52645}" dt="2021-05-06T08:14:45.548" v="1473"/>
+          <ac:spMkLst>
+            <pc:docMk/>
+            <pc:sldMk cId="1191529309" sldId="269"/>
+            <ac:spMk id="6" creationId="{71B397E4-411D-457E-A050-54487256C1F4}"/>
+          </ac:spMkLst>
+        </pc:spChg>
+        <pc:spChg chg="add del">
+          <ac:chgData name="pascal bühler" userId="a32c1ca0ce8d2434" providerId="LiveId" clId="{17D325AB-A34F-43B6-8182-8013BFD52645}" dt="2021-05-06T08:13:51.933" v="1455" actId="26606"/>
+          <ac:spMkLst>
+            <pc:docMk/>
+            <pc:sldMk cId="1191529309" sldId="269"/>
+            <ac:spMk id="11" creationId="{1B15ED52-F352-441B-82BF-E0EA34836D08}"/>
+          </ac:spMkLst>
+        </pc:spChg>
+        <pc:spChg chg="add del">
+          <ac:chgData name="pascal bühler" userId="a32c1ca0ce8d2434" providerId="LiveId" clId="{17D325AB-A34F-43B6-8182-8013BFD52645}" dt="2021-05-06T08:13:51.933" v="1455" actId="26606"/>
+          <ac:spMkLst>
+            <pc:docMk/>
+            <pc:sldMk cId="1191529309" sldId="269"/>
+            <ac:spMk id="13" creationId="{3B2E3793-BFE6-45A2-9B7B-E18844431C99}"/>
+          </ac:spMkLst>
+        </pc:spChg>
+        <pc:spChg chg="add del">
+          <ac:chgData name="pascal bühler" userId="a32c1ca0ce8d2434" providerId="LiveId" clId="{17D325AB-A34F-43B6-8182-8013BFD52645}" dt="2021-05-06T08:13:51.933" v="1455" actId="26606"/>
+          <ac:spMkLst>
+            <pc:docMk/>
+            <pc:sldMk cId="1191529309" sldId="269"/>
+            <ac:spMk id="15" creationId="{BC4C4868-CB8F-4AF9-9CDB-8108F2C19B67}"/>
+          </ac:spMkLst>
+        </pc:spChg>
+        <pc:spChg chg="add del">
+          <ac:chgData name="pascal bühler" userId="a32c1ca0ce8d2434" providerId="LiveId" clId="{17D325AB-A34F-43B6-8182-8013BFD52645}" dt="2021-05-06T08:13:51.933" v="1455" actId="26606"/>
+          <ac:spMkLst>
+            <pc:docMk/>
+            <pc:sldMk cId="1191529309" sldId="269"/>
+            <ac:spMk id="17" creationId="{375E0459-6403-40CD-989D-56A4407CA12E}"/>
+          </ac:spMkLst>
+        </pc:spChg>
+        <pc:spChg chg="add del">
+          <ac:chgData name="pascal bühler" userId="a32c1ca0ce8d2434" providerId="LiveId" clId="{17D325AB-A34F-43B6-8182-8013BFD52645}" dt="2021-05-06T08:13:51.933" v="1455" actId="26606"/>
+          <ac:spMkLst>
+            <pc:docMk/>
+            <pc:sldMk cId="1191529309" sldId="269"/>
+            <ac:spMk id="19" creationId="{53E5B1A8-3AC9-4BD1-9BBC-78CA94F2D1BA}"/>
+          </ac:spMkLst>
+        </pc:spChg>
+        <pc:spChg chg="add">
+          <ac:chgData name="pascal bühler" userId="a32c1ca0ce8d2434" providerId="LiveId" clId="{17D325AB-A34F-43B6-8182-8013BFD52645}" dt="2021-05-06T08:13:51.938" v="1456" actId="26606"/>
+          <ac:spMkLst>
+            <pc:docMk/>
+            <pc:sldMk cId="1191529309" sldId="269"/>
+            <ac:spMk id="21" creationId="{979E27D9-03C7-44E2-9FF8-15D0C8506AF7}"/>
+          </ac:spMkLst>
+        </pc:spChg>
+        <pc:spChg chg="add">
+          <ac:chgData name="pascal bühler" userId="a32c1ca0ce8d2434" providerId="LiveId" clId="{17D325AB-A34F-43B6-8182-8013BFD52645}" dt="2021-05-06T08:13:51.938" v="1456" actId="26606"/>
+          <ac:spMkLst>
+            <pc:docMk/>
+            <pc:sldMk cId="1191529309" sldId="269"/>
+            <ac:spMk id="22" creationId="{EEBF1590-3B36-48EE-A89D-3B6F3CB256AB}"/>
+          </ac:spMkLst>
+        </pc:spChg>
+        <pc:spChg chg="add">
+          <ac:chgData name="pascal bühler" userId="a32c1ca0ce8d2434" providerId="LiveId" clId="{17D325AB-A34F-43B6-8182-8013BFD52645}" dt="2021-05-06T08:13:51.938" v="1456" actId="26606"/>
+          <ac:spMkLst>
+            <pc:docMk/>
+            <pc:sldMk cId="1191529309" sldId="269"/>
+            <ac:spMk id="23" creationId="{AC8F6C8C-AB5A-4548-942D-E3FD40ACBC49}"/>
+          </ac:spMkLst>
+        </pc:spChg>
+        <pc:picChg chg="add del mod">
+          <ac:chgData name="pascal bühler" userId="a32c1ca0ce8d2434" providerId="LiveId" clId="{17D325AB-A34F-43B6-8182-8013BFD52645}" dt="2021-05-06T08:13:40.326" v="1453" actId="478"/>
+          <ac:picMkLst>
+            <pc:docMk/>
+            <pc:sldMk cId="1191529309" sldId="269"/>
+            <ac:picMk id="4" creationId="{26A479B4-2993-4952-A99E-60E29353B9E0}"/>
+          </ac:picMkLst>
+        </pc:picChg>
+        <pc:picChg chg="add del mod">
+          <ac:chgData name="pascal bühler" userId="a32c1ca0ce8d2434" providerId="LiveId" clId="{17D325AB-A34F-43B6-8182-8013BFD52645}" dt="2021-05-06T08:14:45.548" v="1473"/>
+          <ac:picMkLst>
+            <pc:docMk/>
+            <pc:sldMk cId="1191529309" sldId="269"/>
+            <ac:picMk id="16" creationId="{353C116C-192D-400A-AC23-1D73C5C52551}"/>
+          </ac:picMkLst>
+        </pc:picChg>
+        <pc:picChg chg="add mod">
+          <ac:chgData name="pascal bühler" userId="a32c1ca0ce8d2434" providerId="LiveId" clId="{17D325AB-A34F-43B6-8182-8013BFD52645}" dt="2021-05-06T08:14:56.677" v="1477" actId="1076"/>
+          <ac:picMkLst>
+            <pc:docMk/>
+            <pc:sldMk cId="1191529309" sldId="269"/>
+            <ac:picMk id="18" creationId="{A2A3056B-CED6-46A1-8C7C-8ABC3758E5E6}"/>
+          </ac:picMkLst>
+        </pc:picChg>
+      </pc:sldChg>
+      <pc:sldChg chg="delSp add del setBg delDesignElem">
+        <pc:chgData name="pascal bühler" userId="a32c1ca0ce8d2434" providerId="LiveId" clId="{17D325AB-A34F-43B6-8182-8013BFD52645}" dt="2021-05-06T08:12:48.462" v="1447" actId="2696"/>
+        <pc:sldMkLst>
+          <pc:docMk/>
+          <pc:sldMk cId="2624685959" sldId="269"/>
+        </pc:sldMkLst>
+        <pc:spChg chg="del">
+          <ac:chgData name="pascal bühler" userId="a32c1ca0ce8d2434" providerId="LiveId" clId="{17D325AB-A34F-43B6-8182-8013BFD52645}" dt="2021-05-06T08:12:40.087" v="1446"/>
+          <ac:spMkLst>
+            <pc:docMk/>
+            <pc:sldMk cId="2624685959" sldId="269"/>
+            <ac:spMk id="16" creationId="{979E27D9-03C7-44E2-9FF8-15D0C8506AF7}"/>
+          </ac:spMkLst>
+        </pc:spChg>
+        <pc:spChg chg="del">
+          <ac:chgData name="pascal bühler" userId="a32c1ca0ce8d2434" providerId="LiveId" clId="{17D325AB-A34F-43B6-8182-8013BFD52645}" dt="2021-05-06T08:12:40.087" v="1446"/>
+          <ac:spMkLst>
+            <pc:docMk/>
+            <pc:sldMk cId="2624685959" sldId="269"/>
+            <ac:spMk id="18" creationId="{EEBF1590-3B36-48EE-A89D-3B6F3CB256AB}"/>
+          </ac:spMkLst>
+        </pc:spChg>
+        <pc:spChg chg="del">
+          <ac:chgData name="pascal bühler" userId="a32c1ca0ce8d2434" providerId="LiveId" clId="{17D325AB-A34F-43B6-8182-8013BFD52645}" dt="2021-05-06T08:12:40.087" v="1446"/>
+          <ac:spMkLst>
+            <pc:docMk/>
+            <pc:sldMk cId="2624685959" sldId="269"/>
+            <ac:spMk id="20" creationId="{AC8F6C8C-AB5A-4548-942D-E3FD40ACBC49}"/>
+          </ac:spMkLst>
+        </pc:spChg>
+      </pc:sldChg>
+      <pc:sldChg chg="addSp delSp modSp add mod setBg delDesignElem">
+        <pc:chgData name="pascal bühler" userId="a32c1ca0ce8d2434" providerId="LiveId" clId="{17D325AB-A34F-43B6-8182-8013BFD52645}" dt="2021-05-06T11:02:29.478" v="3296" actId="1076"/>
+        <pc:sldMkLst>
+          <pc:docMk/>
+          <pc:sldMk cId="543680319" sldId="270"/>
+        </pc:sldMkLst>
+        <pc:spChg chg="del mod">
+          <ac:chgData name="pascal bühler" userId="a32c1ca0ce8d2434" providerId="LiveId" clId="{17D325AB-A34F-43B6-8182-8013BFD52645}" dt="2021-05-06T08:32:18.059" v="1550" actId="478"/>
+          <ac:spMkLst>
+            <pc:docMk/>
+            <pc:sldMk cId="543680319" sldId="270"/>
+            <ac:spMk id="2" creationId="{1F4CB0B1-7592-D248-BB70-2D4CDB554DB1}"/>
+          </ac:spMkLst>
+        </pc:spChg>
+        <pc:spChg chg="add del mod">
+          <ac:chgData name="pascal bühler" userId="a32c1ca0ce8d2434" providerId="LiveId" clId="{17D325AB-A34F-43B6-8182-8013BFD52645}" dt="2021-05-06T08:35:23.911" v="1578"/>
+          <ac:spMkLst>
+            <pc:docMk/>
+            <pc:sldMk cId="543680319" sldId="270"/>
+            <ac:spMk id="4" creationId="{845EACF7-F4DE-4607-8F6E-6EB78CD258F7}"/>
+          </ac:spMkLst>
+        </pc:spChg>
+        <pc:spChg chg="add del mod">
+          <ac:chgData name="pascal bühler" userId="a32c1ca0ce8d2434" providerId="LiveId" clId="{17D325AB-A34F-43B6-8182-8013BFD52645}" dt="2021-05-06T08:35:30.600" v="1579" actId="478"/>
+          <ac:spMkLst>
+            <pc:docMk/>
+            <pc:sldMk cId="543680319" sldId="270"/>
+            <ac:spMk id="6" creationId="{45A08F91-2ED3-422A-83C2-BBF31F7DC615}"/>
+          </ac:spMkLst>
+        </pc:spChg>
+        <pc:spChg chg="add mod">
+          <ac:chgData name="pascal bühler" userId="a32c1ca0ce8d2434" providerId="LiveId" clId="{17D325AB-A34F-43B6-8182-8013BFD52645}" dt="2021-05-06T08:38:52.717" v="1620" actId="164"/>
+          <ac:spMkLst>
+            <pc:docMk/>
+            <pc:sldMk cId="543680319" sldId="270"/>
+            <ac:spMk id="10" creationId="{A8A93C64-4EB2-4DB8-B3DF-269CD3265564}"/>
+          </ac:spMkLst>
+        </pc:spChg>
+        <pc:spChg chg="del mod">
+          <ac:chgData name="pascal bühler" userId="a32c1ca0ce8d2434" providerId="LiveId" clId="{17D325AB-A34F-43B6-8182-8013BFD52645}" dt="2021-05-06T08:32:19.986" v="1552" actId="478"/>
+          <ac:spMkLst>
+            <pc:docMk/>
+            <pc:sldMk cId="543680319" sldId="270"/>
+            <ac:spMk id="11" creationId="{6140F0BD-4985-AE46-85DC-7634DEA93666}"/>
+          </ac:spMkLst>
+        </pc:spChg>
+        <pc:spChg chg="add">
+          <ac:chgData name="pascal bühler" userId="a32c1ca0ce8d2434" providerId="LiveId" clId="{17D325AB-A34F-43B6-8182-8013BFD52645}" dt="2021-05-06T08:13:59.592" v="1457" actId="26606"/>
+          <ac:spMkLst>
+            <pc:docMk/>
+            <pc:sldMk cId="543680319" sldId="270"/>
+            <ac:spMk id="13" creationId="{B712E947-0734-45F9-9C4F-41114EC3A33E}"/>
+          </ac:spMkLst>
+        </pc:spChg>
+        <pc:spChg chg="add">
+          <ac:chgData name="pascal bühler" userId="a32c1ca0ce8d2434" providerId="LiveId" clId="{17D325AB-A34F-43B6-8182-8013BFD52645}" dt="2021-05-06T08:13:59.592" v="1457" actId="26606"/>
+          <ac:spMkLst>
+            <pc:docMk/>
+            <pc:sldMk cId="543680319" sldId="270"/>
+            <ac:spMk id="14" creationId="{5A65989E-BBD5-44D7-AA86-7AFD5D46BBC0}"/>
+          </ac:spMkLst>
+        </pc:spChg>
+        <pc:spChg chg="add">
+          <ac:chgData name="pascal bühler" userId="a32c1ca0ce8d2434" providerId="LiveId" clId="{17D325AB-A34F-43B6-8182-8013BFD52645}" dt="2021-05-06T08:13:59.592" v="1457" actId="26606"/>
+          <ac:spMkLst>
+            <pc:docMk/>
+            <pc:sldMk cId="543680319" sldId="270"/>
+            <ac:spMk id="15" creationId="{231A2881-D8D7-4A7D-ACA3-E9F849F853D8}"/>
+          </ac:spMkLst>
+        </pc:spChg>
+        <pc:spChg chg="del">
+          <ac:chgData name="pascal bühler" userId="a32c1ca0ce8d2434" providerId="LiveId" clId="{17D325AB-A34F-43B6-8182-8013BFD52645}" dt="2021-05-06T08:13:19.482" v="1450"/>
+          <ac:spMkLst>
+            <pc:docMk/>
+            <pc:sldMk cId="543680319" sldId="270"/>
+            <ac:spMk id="16" creationId="{979E27D9-03C7-44E2-9FF8-15D0C8506AF7}"/>
+          </ac:spMkLst>
+        </pc:spChg>
+        <pc:spChg chg="del">
+          <ac:chgData name="pascal bühler" userId="a32c1ca0ce8d2434" providerId="LiveId" clId="{17D325AB-A34F-43B6-8182-8013BFD52645}" dt="2021-05-06T08:13:19.482" v="1450"/>
+          <ac:spMkLst>
+            <pc:docMk/>
+            <pc:sldMk cId="543680319" sldId="270"/>
+            <ac:spMk id="18" creationId="{EEBF1590-3B36-48EE-A89D-3B6F3CB256AB}"/>
+          </ac:spMkLst>
+        </pc:spChg>
+        <pc:spChg chg="add mod">
+          <ac:chgData name="pascal bühler" userId="a32c1ca0ce8d2434" providerId="LiveId" clId="{17D325AB-A34F-43B6-8182-8013BFD52645}" dt="2021-05-06T11:02:29.478" v="3296" actId="1076"/>
+          <ac:spMkLst>
+            <pc:docMk/>
+            <pc:sldMk cId="543680319" sldId="270"/>
+            <ac:spMk id="19" creationId="{9391F908-9CEE-48C8-9769-77792DB146BA}"/>
+          </ac:spMkLst>
+        </pc:spChg>
+        <pc:spChg chg="del">
+          <ac:chgData name="pascal bühler" userId="a32c1ca0ce8d2434" providerId="LiveId" clId="{17D325AB-A34F-43B6-8182-8013BFD52645}" dt="2021-05-06T08:13:19.482" v="1450"/>
+          <ac:spMkLst>
+            <pc:docMk/>
+            <pc:sldMk cId="543680319" sldId="270"/>
+            <ac:spMk id="20" creationId="{AC8F6C8C-AB5A-4548-942D-E3FD40ACBC49}"/>
+          </ac:spMkLst>
+        </pc:spChg>
+        <pc:spChg chg="add mod">
+          <ac:chgData name="pascal bühler" userId="a32c1ca0ce8d2434" providerId="LiveId" clId="{17D325AB-A34F-43B6-8182-8013BFD52645}" dt="2021-05-06T08:38:52.717" v="1620" actId="164"/>
+          <ac:spMkLst>
+            <pc:docMk/>
+            <pc:sldMk cId="543680319" sldId="270"/>
+            <ac:spMk id="24" creationId="{4DA3884C-541B-4414-94C9-502E7486537E}"/>
+          </ac:spMkLst>
+        </pc:spChg>
+        <pc:spChg chg="add mod">
+          <ac:chgData name="pascal bühler" userId="a32c1ca0ce8d2434" providerId="LiveId" clId="{17D325AB-A34F-43B6-8182-8013BFD52645}" dt="2021-05-06T10:20:00.543" v="2708" actId="1076"/>
+          <ac:spMkLst>
+            <pc:docMk/>
+            <pc:sldMk cId="543680319" sldId="270"/>
+            <ac:spMk id="26" creationId="{26C26206-A6F0-4808-B23D-1EFE9CA41032}"/>
+          </ac:spMkLst>
+        </pc:spChg>
+        <pc:spChg chg="add mod">
+          <ac:chgData name="pascal bühler" userId="a32c1ca0ce8d2434" providerId="LiveId" clId="{17D325AB-A34F-43B6-8182-8013BFD52645}" dt="2021-05-06T10:20:06.850" v="2710" actId="1076"/>
+          <ac:spMkLst>
+            <pc:docMk/>
+            <pc:sldMk cId="543680319" sldId="270"/>
+            <ac:spMk id="27" creationId="{78AC2D57-B3D8-41D5-8B54-830518C7E59C}"/>
+          </ac:spMkLst>
+        </pc:spChg>
+        <pc:spChg chg="add mod">
+          <ac:chgData name="pascal bühler" userId="a32c1ca0ce8d2434" providerId="LiveId" clId="{17D325AB-A34F-43B6-8182-8013BFD52645}" dt="2021-05-06T10:21:02.560" v="2782" actId="1076"/>
+          <ac:spMkLst>
+            <pc:docMk/>
+            <pc:sldMk cId="543680319" sldId="270"/>
+            <ac:spMk id="33" creationId="{B09DA8FE-8816-43C9-B7C4-6A9059986AF3}"/>
+          </ac:spMkLst>
+        </pc:spChg>
+        <pc:spChg chg="add mod">
+          <ac:chgData name="pascal bühler" userId="a32c1ca0ce8d2434" providerId="LiveId" clId="{17D325AB-A34F-43B6-8182-8013BFD52645}" dt="2021-05-06T10:21:22.743" v="2808" actId="20577"/>
+          <ac:spMkLst>
+            <pc:docMk/>
+            <pc:sldMk cId="543680319" sldId="270"/>
+            <ac:spMk id="34" creationId="{FBBD03D2-0F2A-41EA-A048-396FA36BA037}"/>
+          </ac:spMkLst>
+        </pc:spChg>
+        <pc:grpChg chg="add mod">
+          <ac:chgData name="pascal bühler" userId="a32c1ca0ce8d2434" providerId="LiveId" clId="{17D325AB-A34F-43B6-8182-8013BFD52645}" dt="2021-05-06T08:38:52.717" v="1620" actId="164"/>
+          <ac:grpSpMkLst>
+            <pc:docMk/>
+            <pc:sldMk cId="543680319" sldId="270"/>
+            <ac:grpSpMk id="25" creationId="{15FA7DCA-9F00-4677-920E-8AEFD25B3CF5}"/>
+          </ac:grpSpMkLst>
+        </pc:grpChg>
+        <pc:picChg chg="del mod ord">
+          <ac:chgData name="pascal bühler" userId="a32c1ca0ce8d2434" providerId="LiveId" clId="{17D325AB-A34F-43B6-8182-8013BFD52645}" dt="2021-05-06T08:32:13.550" v="1547" actId="478"/>
+          <ac:picMkLst>
+            <pc:docMk/>
+            <pc:sldMk cId="543680319" sldId="270"/>
+            <ac:picMk id="7" creationId="{35752B81-40A0-924E-9F0C-0849FBEB6C7B}"/>
+          </ac:picMkLst>
+        </pc:picChg>
+        <pc:picChg chg="del mod">
+          <ac:chgData name="pascal bühler" userId="a32c1ca0ce8d2434" providerId="LiveId" clId="{17D325AB-A34F-43B6-8182-8013BFD52645}" dt="2021-05-06T08:19:07.614" v="1535" actId="478"/>
+          <ac:picMkLst>
+            <pc:docMk/>
+            <pc:sldMk cId="543680319" sldId="270"/>
+            <ac:picMk id="8" creationId="{931613C0-8EE9-4EC6-B41C-E9C9E19D0E1D}"/>
+          </ac:picMkLst>
+        </pc:picChg>
+        <pc:picChg chg="add mod">
+          <ac:chgData name="pascal bühler" userId="a32c1ca0ce8d2434" providerId="LiveId" clId="{17D325AB-A34F-43B6-8182-8013BFD52645}" dt="2021-05-06T10:19:53.843" v="2707" actId="1076"/>
+          <ac:picMkLst>
+            <pc:docMk/>
+            <pc:sldMk cId="543680319" sldId="270"/>
+            <ac:picMk id="9" creationId="{13509C07-F2CA-43FB-AD75-643AAE26746F}"/>
+          </ac:picMkLst>
+        </pc:picChg>
+        <pc:picChg chg="add del mod">
+          <ac:chgData name="pascal bühler" userId="a32c1ca0ce8d2434" providerId="LiveId" clId="{17D325AB-A34F-43B6-8182-8013BFD52645}" dt="2021-05-06T08:14:05.306" v="1459"/>
+          <ac:picMkLst>
+            <pc:docMk/>
+            <pc:sldMk cId="543680319" sldId="270"/>
+            <ac:picMk id="12" creationId="{A7CDE7A1-AEB6-455A-A54E-7FB975851C6C}"/>
+          </ac:picMkLst>
+        </pc:picChg>
+        <pc:cxnChg chg="add mod">
+          <ac:chgData name="pascal bühler" userId="a32c1ca0ce8d2434" providerId="LiveId" clId="{17D325AB-A34F-43B6-8182-8013BFD52645}" dt="2021-05-06T08:38:52.717" v="1620" actId="164"/>
+          <ac:cxnSpMkLst>
+            <pc:docMk/>
+            <pc:sldMk cId="543680319" sldId="270"/>
+            <ac:cxnSpMk id="21" creationId="{0E823B0E-8C56-4DB7-B42F-978CE66A2D96}"/>
+          </ac:cxnSpMkLst>
+        </pc:cxnChg>
+        <pc:cxnChg chg="add mod">
+          <ac:chgData name="pascal bühler" userId="a32c1ca0ce8d2434" providerId="LiveId" clId="{17D325AB-A34F-43B6-8182-8013BFD52645}" dt="2021-05-06T10:21:39.825" v="2810" actId="208"/>
+          <ac:cxnSpMkLst>
+            <pc:docMk/>
+            <pc:sldMk cId="543680319" sldId="270"/>
+            <ac:cxnSpMk id="28" creationId="{1AA19C7D-252D-4483-9A08-C44FD4C57FBC}"/>
+          </ac:cxnSpMkLst>
+        </pc:cxnChg>
+        <pc:cxnChg chg="add mod">
+          <ac:chgData name="pascal bühler" userId="a32c1ca0ce8d2434" providerId="LiveId" clId="{17D325AB-A34F-43B6-8182-8013BFD52645}" dt="2021-05-06T10:21:33.720" v="2809" actId="208"/>
+          <ac:cxnSpMkLst>
+            <pc:docMk/>
+            <pc:sldMk cId="543680319" sldId="270"/>
+            <ac:cxnSpMk id="30" creationId="{4F5F61D9-3FEE-4CB5-9EDB-73239633EE15}"/>
+          </ac:cxnSpMkLst>
+        </pc:cxnChg>
+      </pc:sldChg>
+      <pc:sldChg chg="addSp delSp modSp new mod setBg">
+        <pc:chgData name="pascal bühler" userId="a32c1ca0ce8d2434" providerId="LiveId" clId="{17D325AB-A34F-43B6-8182-8013BFD52645}" dt="2021-05-06T10:43:53.771" v="2967" actId="20577"/>
+        <pc:sldMkLst>
+          <pc:docMk/>
+          <pc:sldMk cId="2485654172" sldId="271"/>
+        </pc:sldMkLst>
+        <pc:spChg chg="del mod">
+          <ac:chgData name="pascal bühler" userId="a32c1ca0ce8d2434" providerId="LiveId" clId="{17D325AB-A34F-43B6-8182-8013BFD52645}" dt="2021-05-06T08:46:14.063" v="1621"/>
+          <ac:spMkLst>
+            <pc:docMk/>
+            <pc:sldMk cId="2485654172" sldId="271"/>
+            <ac:spMk id="2" creationId="{582E6A46-2C60-4408-8481-C38D0531BAD1}"/>
+          </ac:spMkLst>
+        </pc:spChg>
+        <pc:spChg chg="mod">
+          <ac:chgData name="pascal bühler" userId="a32c1ca0ce8d2434" providerId="LiveId" clId="{17D325AB-A34F-43B6-8182-8013BFD52645}" dt="2021-05-06T10:43:53.771" v="2967" actId="20577"/>
+          <ac:spMkLst>
+            <pc:docMk/>
+            <pc:sldMk cId="2485654172" sldId="271"/>
+            <ac:spMk id="3" creationId="{B8AAC10B-420E-4EF5-B3A4-3F6F4003B6BB}"/>
+          </ac:spMkLst>
+        </pc:spChg>
+        <pc:spChg chg="add mod">
+          <ac:chgData name="pascal bühler" userId="a32c1ca0ce8d2434" providerId="LiveId" clId="{17D325AB-A34F-43B6-8182-8013BFD52645}" dt="2021-05-06T09:59:29.189" v="2637" actId="1076"/>
+          <ac:spMkLst>
+            <pc:docMk/>
+            <pc:sldMk cId="2485654172" sldId="271"/>
+            <ac:spMk id="7" creationId="{9DBF26B3-494D-425C-9882-9DC600219123}"/>
+          </ac:spMkLst>
+        </pc:spChg>
+        <pc:spChg chg="add">
+          <ac:chgData name="pascal bühler" userId="a32c1ca0ce8d2434" providerId="LiveId" clId="{17D325AB-A34F-43B6-8182-8013BFD52645}" dt="2021-05-06T08:14:22.572" v="1466" actId="26606"/>
+          <ac:spMkLst>
+            <pc:docMk/>
+            <pc:sldMk cId="2485654172" sldId="271"/>
+            <ac:spMk id="8" creationId="{979E27D9-03C7-44E2-9FF8-15D0C8506AF7}"/>
+          </ac:spMkLst>
+        </pc:spChg>
+        <pc:spChg chg="add">
+          <ac:chgData name="pascal bühler" userId="a32c1ca0ce8d2434" providerId="LiveId" clId="{17D325AB-A34F-43B6-8182-8013BFD52645}" dt="2021-05-06T08:14:22.572" v="1466" actId="26606"/>
+          <ac:spMkLst>
+            <pc:docMk/>
+            <pc:sldMk cId="2485654172" sldId="271"/>
+            <ac:spMk id="10" creationId="{EEBF1590-3B36-48EE-A89D-3B6F3CB256AB}"/>
+          </ac:spMkLst>
+        </pc:spChg>
+        <pc:spChg chg="add">
+          <ac:chgData name="pascal bühler" userId="a32c1ca0ce8d2434" providerId="LiveId" clId="{17D325AB-A34F-43B6-8182-8013BFD52645}" dt="2021-05-06T08:14:22.572" v="1466" actId="26606"/>
+          <ac:spMkLst>
+            <pc:docMk/>
+            <pc:sldMk cId="2485654172" sldId="271"/>
+            <ac:spMk id="12" creationId="{AC8F6C8C-AB5A-4548-942D-E3FD40ACBC49}"/>
+          </ac:spMkLst>
+        </pc:spChg>
+      </pc:sldChg>
+      <pc:sldChg chg="addSp modSp new mod ord setBg">
+        <pc:chgData name="pascal bühler" userId="a32c1ca0ce8d2434" providerId="LiveId" clId="{17D325AB-A34F-43B6-8182-8013BFD52645}" dt="2021-05-06T10:39:08.825" v="2847" actId="1076"/>
+        <pc:sldMkLst>
+          <pc:docMk/>
+          <pc:sldMk cId="1790157248" sldId="272"/>
+        </pc:sldMkLst>
+        <pc:spChg chg="mod">
+          <ac:chgData name="pascal bühler" userId="a32c1ca0ce8d2434" providerId="LiveId" clId="{17D325AB-A34F-43B6-8182-8013BFD52645}" dt="2021-05-06T09:30:11.093" v="1688" actId="20577"/>
+          <ac:spMkLst>
+            <pc:docMk/>
+            <pc:sldMk cId="1790157248" sldId="272"/>
+            <ac:spMk id="2" creationId="{FF5B5FAC-9221-4CD9-81B6-ABA81C75D69E}"/>
+          </ac:spMkLst>
+        </pc:spChg>
+        <pc:spChg chg="mod">
+          <ac:chgData name="pascal bühler" userId="a32c1ca0ce8d2434" providerId="LiveId" clId="{17D325AB-A34F-43B6-8182-8013BFD52645}" dt="2021-05-06T08:14:25.636" v="1467" actId="26606"/>
+          <ac:spMkLst>
+            <pc:docMk/>
+            <pc:sldMk cId="1790157248" sldId="272"/>
+            <ac:spMk id="3" creationId="{2AEDB7B8-D8BB-4D31-A76C-1D6030CACC63}"/>
+          </ac:spMkLst>
+        </pc:spChg>
+        <pc:spChg chg="add">
+          <ac:chgData name="pascal bühler" userId="a32c1ca0ce8d2434" providerId="LiveId" clId="{17D325AB-A34F-43B6-8182-8013BFD52645}" dt="2021-05-06T08:14:25.636" v="1467" actId="26606"/>
+          <ac:spMkLst>
+            <pc:docMk/>
+            <pc:sldMk cId="1790157248" sldId="272"/>
+            <ac:spMk id="8" creationId="{979E27D9-03C7-44E2-9FF8-15D0C8506AF7}"/>
+          </ac:spMkLst>
+        </pc:spChg>
+        <pc:spChg chg="add">
+          <ac:chgData name="pascal bühler" userId="a32c1ca0ce8d2434" providerId="LiveId" clId="{17D325AB-A34F-43B6-8182-8013BFD52645}" dt="2021-05-06T08:14:25.636" v="1467" actId="26606"/>
+          <ac:spMkLst>
+            <pc:docMk/>
+            <pc:sldMk cId="1790157248" sldId="272"/>
+            <ac:spMk id="10" creationId="{EEBF1590-3B36-48EE-A89D-3B6F3CB256AB}"/>
+          </ac:spMkLst>
+        </pc:spChg>
+        <pc:spChg chg="add">
+          <ac:chgData name="pascal bühler" userId="a32c1ca0ce8d2434" providerId="LiveId" clId="{17D325AB-A34F-43B6-8182-8013BFD52645}" dt="2021-05-06T08:14:25.636" v="1467" actId="26606"/>
+          <ac:spMkLst>
+            <pc:docMk/>
+            <pc:sldMk cId="1790157248" sldId="272"/>
+            <ac:spMk id="12" creationId="{AC8F6C8C-AB5A-4548-942D-E3FD40ACBC49}"/>
+          </ac:spMkLst>
+        </pc:spChg>
+        <pc:picChg chg="add mod">
+          <ac:chgData name="pascal bühler" userId="a32c1ca0ce8d2434" providerId="LiveId" clId="{17D325AB-A34F-43B6-8182-8013BFD52645}" dt="2021-05-06T10:39:08.825" v="2847" actId="1076"/>
+          <ac:picMkLst>
+            <pc:docMk/>
+            <pc:sldMk cId="1790157248" sldId="272"/>
+            <ac:picMk id="4" creationId="{F82CF77C-CF3C-4928-A4AC-FC4538B24436}"/>
+          </ac:picMkLst>
+        </pc:picChg>
+      </pc:sldChg>
+      <pc:sldChg chg="addSp delSp modSp new mod ord setBg">
+        <pc:chgData name="pascal bühler" userId="a32c1ca0ce8d2434" providerId="LiveId" clId="{17D325AB-A34F-43B6-8182-8013BFD52645}" dt="2021-05-06T11:00:20.315" v="3295" actId="164"/>
+        <pc:sldMkLst>
+          <pc:docMk/>
+          <pc:sldMk cId="2853004996" sldId="273"/>
+        </pc:sldMkLst>
+        <pc:spChg chg="mod">
+          <ac:chgData name="pascal bühler" userId="a32c1ca0ce8d2434" providerId="LiveId" clId="{17D325AB-A34F-43B6-8182-8013BFD52645}" dt="2021-05-06T10:25:36.304" v="2844" actId="1076"/>
+          <ac:spMkLst>
+            <pc:docMk/>
+            <pc:sldMk cId="2853004996" sldId="273"/>
+            <ac:spMk id="2" creationId="{AD69B177-48F2-47DB-844E-A825F20832F0}"/>
+          </ac:spMkLst>
+        </pc:spChg>
+        <pc:spChg chg="del mod">
+          <ac:chgData name="pascal bühler" userId="a32c1ca0ce8d2434" providerId="LiveId" clId="{17D325AB-A34F-43B6-8182-8013BFD52645}" dt="2021-05-06T10:02:07.171" v="2691" actId="478"/>
+          <ac:spMkLst>
+            <pc:docMk/>
+            <pc:sldMk cId="2853004996" sldId="273"/>
+            <ac:spMk id="3" creationId="{3483E933-CD04-491F-B75E-763194018012}"/>
+          </ac:spMkLst>
+        </pc:spChg>
+        <pc:spChg chg="add mod topLvl">
+          <ac:chgData name="pascal bühler" userId="a32c1ca0ce8d2434" providerId="LiveId" clId="{17D325AB-A34F-43B6-8182-8013BFD52645}" dt="2021-05-06T10:02:16.849" v="2694" actId="164"/>
+          <ac:spMkLst>
+            <pc:docMk/>
+            <pc:sldMk cId="2853004996" sldId="273"/>
+            <ac:spMk id="4" creationId="{FCB41AF1-53E9-4C44-9C5E-DACC66AC3E3E}"/>
+          </ac:spMkLst>
+        </pc:spChg>
+        <pc:spChg chg="add">
+          <ac:chgData name="pascal bühler" userId="a32c1ca0ce8d2434" providerId="LiveId" clId="{17D325AB-A34F-43B6-8182-8013BFD52645}" dt="2021-05-06T08:14:28.615" v="1468" actId="26606"/>
+          <ac:spMkLst>
+            <pc:docMk/>
+            <pc:sldMk cId="2853004996" sldId="273"/>
+            <ac:spMk id="8" creationId="{979E27D9-03C7-44E2-9FF8-15D0C8506AF7}"/>
+          </ac:spMkLst>
+        </pc:spChg>
+        <pc:spChg chg="add mod topLvl">
+          <ac:chgData name="pascal bühler" userId="a32c1ca0ce8d2434" providerId="LiveId" clId="{17D325AB-A34F-43B6-8182-8013BFD52645}" dt="2021-05-06T10:02:16.849" v="2694" actId="164"/>
+          <ac:spMkLst>
+            <pc:docMk/>
+            <pc:sldMk cId="2853004996" sldId="273"/>
+            <ac:spMk id="9" creationId="{677A8110-7136-4ABC-8660-AC136B082E1C}"/>
+          </ac:spMkLst>
+        </pc:spChg>
+        <pc:spChg chg="add">
+          <ac:chgData name="pascal bühler" userId="a32c1ca0ce8d2434" providerId="LiveId" clId="{17D325AB-A34F-43B6-8182-8013BFD52645}" dt="2021-05-06T08:14:28.615" v="1468" actId="26606"/>
+          <ac:spMkLst>
+            <pc:docMk/>
+            <pc:sldMk cId="2853004996" sldId="273"/>
+            <ac:spMk id="10" creationId="{EEBF1590-3B36-48EE-A89D-3B6F3CB256AB}"/>
+          </ac:spMkLst>
+        </pc:spChg>
+        <pc:spChg chg="add mod topLvl">
+          <ac:chgData name="pascal bühler" userId="a32c1ca0ce8d2434" providerId="LiveId" clId="{17D325AB-A34F-43B6-8182-8013BFD52645}" dt="2021-05-06T10:02:16.849" v="2694" actId="164"/>
+          <ac:spMkLst>
+            <pc:docMk/>
+            <pc:sldMk cId="2853004996" sldId="273"/>
+            <ac:spMk id="11" creationId="{DBD7CE03-7F99-4DAE-861B-F3C50B0B4972}"/>
+          </ac:spMkLst>
+        </pc:spChg>
+        <pc:spChg chg="add">
+          <ac:chgData name="pascal bühler" userId="a32c1ca0ce8d2434" providerId="LiveId" clId="{17D325AB-A34F-43B6-8182-8013BFD52645}" dt="2021-05-06T08:14:28.615" v="1468" actId="26606"/>
+          <ac:spMkLst>
+            <pc:docMk/>
+            <pc:sldMk cId="2853004996" sldId="273"/>
+            <ac:spMk id="12" creationId="{AC8F6C8C-AB5A-4548-942D-E3FD40ACBC49}"/>
+          </ac:spMkLst>
+        </pc:spChg>
+        <pc:spChg chg="add del mod">
+          <ac:chgData name="pascal bühler" userId="a32c1ca0ce8d2434" providerId="LiveId" clId="{17D325AB-A34F-43B6-8182-8013BFD52645}" dt="2021-05-06T10:01:29.296" v="2681" actId="478"/>
+          <ac:spMkLst>
+            <pc:docMk/>
+            <pc:sldMk cId="2853004996" sldId="273"/>
+            <ac:spMk id="14" creationId="{315E111F-D95F-4416-AFD8-326DB46A810D}"/>
+          </ac:spMkLst>
+        </pc:spChg>
+        <pc:spChg chg="add del mod">
+          <ac:chgData name="pascal bühler" userId="a32c1ca0ce8d2434" providerId="LiveId" clId="{17D325AB-A34F-43B6-8182-8013BFD52645}" dt="2021-05-06T10:01:33.791" v="2683" actId="478"/>
+          <ac:spMkLst>
+            <pc:docMk/>
+            <pc:sldMk cId="2853004996" sldId="273"/>
+            <ac:spMk id="16" creationId="{8591EB75-BC23-4F1B-8246-4EF92DA74AF1}"/>
+          </ac:spMkLst>
+        </pc:spChg>
+        <pc:spChg chg="add mod topLvl">
+          <ac:chgData name="pascal bühler" userId="a32c1ca0ce8d2434" providerId="LiveId" clId="{17D325AB-A34F-43B6-8182-8013BFD52645}" dt="2021-05-06T10:02:16.849" v="2694" actId="164"/>
+          <ac:spMkLst>
+            <pc:docMk/>
+            <pc:sldMk cId="2853004996" sldId="273"/>
+            <ac:spMk id="17" creationId="{1989AAC1-E173-412F-84D4-CF6FCA5C3CCD}"/>
+          </ac:spMkLst>
+        </pc:spChg>
+        <pc:spChg chg="add mod ord">
+          <ac:chgData name="pascal bühler" userId="a32c1ca0ce8d2434" providerId="LiveId" clId="{17D325AB-A34F-43B6-8182-8013BFD52645}" dt="2021-05-06T11:00:20.315" v="3295" actId="164"/>
+          <ac:spMkLst>
+            <pc:docMk/>
+            <pc:sldMk cId="2853004996" sldId="273"/>
+            <ac:spMk id="18" creationId="{AAEED576-2098-4B76-BE7F-F60618E98860}"/>
+          </ac:spMkLst>
+        </pc:spChg>
+        <pc:spChg chg="add del mod">
+          <ac:chgData name="pascal bühler" userId="a32c1ca0ce8d2434" providerId="LiveId" clId="{17D325AB-A34F-43B6-8182-8013BFD52645}" dt="2021-05-06T10:23:00.606" v="2816" actId="478"/>
+          <ac:spMkLst>
+            <pc:docMk/>
+            <pc:sldMk cId="2853004996" sldId="273"/>
+            <ac:spMk id="19" creationId="{AB1DF454-E7E2-41E8-B7FA-B88C4C005E6D}"/>
+          </ac:spMkLst>
+        </pc:spChg>
+        <pc:spChg chg="add mod">
+          <ac:chgData name="pascal bühler" userId="a32c1ca0ce8d2434" providerId="LiveId" clId="{17D325AB-A34F-43B6-8182-8013BFD52645}" dt="2021-05-06T11:00:20.315" v="3295" actId="164"/>
+          <ac:spMkLst>
+            <pc:docMk/>
+            <pc:sldMk cId="2853004996" sldId="273"/>
+            <ac:spMk id="21" creationId="{961CD709-47E5-4585-889F-08C49D1AF15C}"/>
+          </ac:spMkLst>
+        </pc:spChg>
+        <pc:spChg chg="add mod">
+          <ac:chgData name="pascal bühler" userId="a32c1ca0ce8d2434" providerId="LiveId" clId="{17D325AB-A34F-43B6-8182-8013BFD52645}" dt="2021-05-06T11:00:20.315" v="3295" actId="164"/>
+          <ac:spMkLst>
+            <pc:docMk/>
+            <pc:sldMk cId="2853004996" sldId="273"/>
+            <ac:spMk id="22" creationId="{F729FE5B-08BA-4400-920C-63C8F05A837C}"/>
+          </ac:spMkLst>
+        </pc:spChg>
+        <pc:spChg chg="add mod">
+          <ac:chgData name="pascal bühler" userId="a32c1ca0ce8d2434" providerId="LiveId" clId="{17D325AB-A34F-43B6-8182-8013BFD52645}" dt="2021-05-06T11:00:20.315" v="3295" actId="164"/>
+          <ac:spMkLst>
+            <pc:docMk/>
+            <pc:sldMk cId="2853004996" sldId="273"/>
+            <ac:spMk id="23" creationId="{F68E17B5-C6EC-408C-A126-DB9F17ECDECE}"/>
+          </ac:spMkLst>
+        </pc:spChg>
+        <pc:spChg chg="add mod">
+          <ac:chgData name="pascal bühler" userId="a32c1ca0ce8d2434" providerId="LiveId" clId="{17D325AB-A34F-43B6-8182-8013BFD52645}" dt="2021-05-06T11:00:20.315" v="3295" actId="164"/>
+          <ac:spMkLst>
+            <pc:docMk/>
+            <pc:sldMk cId="2853004996" sldId="273"/>
+            <ac:spMk id="24" creationId="{F8BD796F-B743-4164-89A3-F957BF104F01}"/>
+          </ac:spMkLst>
+        </pc:spChg>
+        <pc:spChg chg="add mod">
+          <ac:chgData name="pascal bühler" userId="a32c1ca0ce8d2434" providerId="LiveId" clId="{17D325AB-A34F-43B6-8182-8013BFD52645}" dt="2021-05-06T11:00:20.315" v="3295" actId="164"/>
+          <ac:spMkLst>
+            <pc:docMk/>
+            <pc:sldMk cId="2853004996" sldId="273"/>
+            <ac:spMk id="25" creationId="{E34AB238-CD9D-44AF-A303-0650B3184168}"/>
+          </ac:spMkLst>
+        </pc:spChg>
+        <pc:grpChg chg="add del mod">
+          <ac:chgData name="pascal bühler" userId="a32c1ca0ce8d2434" providerId="LiveId" clId="{17D325AB-A34F-43B6-8182-8013BFD52645}" dt="2021-05-06T10:02:14.136" v="2693" actId="165"/>
+          <ac:grpSpMkLst>
+            <pc:docMk/>
+            <pc:sldMk cId="2853004996" sldId="273"/>
+            <ac:grpSpMk id="5" creationId="{D97ED94F-2A06-4A3D-84A7-84769FFCBBBC}"/>
+          </ac:grpSpMkLst>
+        </pc:grpChg>
+        <pc:grpChg chg="add mod ord">
+          <ac:chgData name="pascal bühler" userId="a32c1ca0ce8d2434" providerId="LiveId" clId="{17D325AB-A34F-43B6-8182-8013BFD52645}" dt="2021-05-06T11:00:20.315" v="3295" actId="164"/>
+          <ac:grpSpMkLst>
+            <pc:docMk/>
+            <pc:sldMk cId="2853004996" sldId="273"/>
+            <ac:grpSpMk id="6" creationId="{AEBE1CA5-298B-4A78-989F-E04485433511}"/>
+          </ac:grpSpMkLst>
+        </pc:grpChg>
+        <pc:grpChg chg="add mod">
+          <ac:chgData name="pascal bühler" userId="a32c1ca0ce8d2434" providerId="LiveId" clId="{17D325AB-A34F-43B6-8182-8013BFD52645}" dt="2021-05-06T11:00:20.315" v="3295" actId="164"/>
+          <ac:grpSpMkLst>
+            <pc:docMk/>
+            <pc:sldMk cId="2853004996" sldId="273"/>
+            <ac:grpSpMk id="26" creationId="{8877B575-9BAD-4B4F-97BF-F6BA4CCA39BA}"/>
+          </ac:grpSpMkLst>
+        </pc:grpChg>
+        <pc:picChg chg="add del mod">
+          <ac:chgData name="pascal bühler" userId="a32c1ca0ce8d2434" providerId="LiveId" clId="{17D325AB-A34F-43B6-8182-8013BFD52645}" dt="2021-05-06T10:22:35.677" v="2811" actId="478"/>
+          <ac:picMkLst>
+            <pc:docMk/>
+            <pc:sldMk cId="2853004996" sldId="273"/>
+            <ac:picMk id="7" creationId="{255499F1-3016-4B61-A291-10D6E062CB09}"/>
+          </ac:picMkLst>
+        </pc:picChg>
+        <pc:picChg chg="add del mod">
+          <ac:chgData name="pascal bühler" userId="a32c1ca0ce8d2434" providerId="LiveId" clId="{17D325AB-A34F-43B6-8182-8013BFD52645}" dt="2021-05-06T10:01:29.296" v="2681" actId="478"/>
+          <ac:picMkLst>
+            <pc:docMk/>
+            <pc:sldMk cId="2853004996" sldId="273"/>
+            <ac:picMk id="13" creationId="{D4C022F1-DD8D-4240-97F5-D53518F053D9}"/>
+          </ac:picMkLst>
+        </pc:picChg>
+        <pc:picChg chg="add del mod">
+          <ac:chgData name="pascal bühler" userId="a32c1ca0ce8d2434" providerId="LiveId" clId="{17D325AB-A34F-43B6-8182-8013BFD52645}" dt="2021-05-06T10:01:33.791" v="2683" actId="478"/>
+          <ac:picMkLst>
+            <pc:docMk/>
+            <pc:sldMk cId="2853004996" sldId="273"/>
+            <ac:picMk id="15" creationId="{5E021B6F-B3C2-41F4-9449-0BE04BCCB456}"/>
+          </ac:picMkLst>
+        </pc:picChg>
+        <pc:picChg chg="add mod ord">
+          <ac:chgData name="pascal bühler" userId="a32c1ca0ce8d2434" providerId="LiveId" clId="{17D325AB-A34F-43B6-8182-8013BFD52645}" dt="2021-05-06T10:25:28.933" v="2843" actId="1076"/>
+          <ac:picMkLst>
+            <pc:docMk/>
+            <pc:sldMk cId="2853004996" sldId="273"/>
+            <ac:picMk id="20" creationId="{9C81FC02-FBA0-46CE-9598-A3FB763189D5}"/>
+          </ac:picMkLst>
+        </pc:picChg>
+      </pc:sldChg>
+      <pc:sldChg chg="addSp modSp new mod setBg">
+        <pc:chgData name="pascal bühler" userId="a32c1ca0ce8d2434" providerId="LiveId" clId="{17D325AB-A34F-43B6-8182-8013BFD52645}" dt="2021-05-06T09:36:49.380" v="2457" actId="20577"/>
+        <pc:sldMkLst>
+          <pc:docMk/>
+          <pc:sldMk cId="3935120093" sldId="274"/>
+        </pc:sldMkLst>
+        <pc:spChg chg="mod">
+          <ac:chgData name="pascal bühler" userId="a32c1ca0ce8d2434" providerId="LiveId" clId="{17D325AB-A34F-43B6-8182-8013BFD52645}" dt="2021-05-06T09:33:51.544" v="1976" actId="20577"/>
+          <ac:spMkLst>
+            <pc:docMk/>
+            <pc:sldMk cId="3935120093" sldId="274"/>
+            <ac:spMk id="2" creationId="{B09E4CDC-5F0E-478A-B346-34B84FEBFFD7}"/>
+          </ac:spMkLst>
+        </pc:spChg>
+        <pc:spChg chg="mod">
+          <ac:chgData name="pascal bühler" userId="a32c1ca0ce8d2434" providerId="LiveId" clId="{17D325AB-A34F-43B6-8182-8013BFD52645}" dt="2021-05-06T09:36:49.380" v="2457" actId="20577"/>
+          <ac:spMkLst>
+            <pc:docMk/>
+            <pc:sldMk cId="3935120093" sldId="274"/>
+            <ac:spMk id="3" creationId="{6AAB087B-3239-4A96-974B-344EB3703592}"/>
+          </ac:spMkLst>
+        </pc:spChg>
+        <pc:spChg chg="add">
+          <ac:chgData name="pascal bühler" userId="a32c1ca0ce8d2434" providerId="LiveId" clId="{17D325AB-A34F-43B6-8182-8013BFD52645}" dt="2021-05-06T08:14:32.069" v="1469" actId="26606"/>
+          <ac:spMkLst>
+            <pc:docMk/>
+            <pc:sldMk cId="3935120093" sldId="274"/>
+            <ac:spMk id="8" creationId="{979E27D9-03C7-44E2-9FF8-15D0C8506AF7}"/>
+          </ac:spMkLst>
+        </pc:spChg>
+        <pc:spChg chg="add">
+          <ac:chgData name="pascal bühler" userId="a32c1ca0ce8d2434" providerId="LiveId" clId="{17D325AB-A34F-43B6-8182-8013BFD52645}" dt="2021-05-06T08:14:32.069" v="1469" actId="26606"/>
+          <ac:spMkLst>
+            <pc:docMk/>
+            <pc:sldMk cId="3935120093" sldId="274"/>
+            <ac:spMk id="10" creationId="{EEBF1590-3B36-48EE-A89D-3B6F3CB256AB}"/>
+          </ac:spMkLst>
+        </pc:spChg>
+        <pc:spChg chg="add">
+          <ac:chgData name="pascal bühler" userId="a32c1ca0ce8d2434" providerId="LiveId" clId="{17D325AB-A34F-43B6-8182-8013BFD52645}" dt="2021-05-06T08:14:32.069" v="1469" actId="26606"/>
+          <ac:spMkLst>
+            <pc:docMk/>
+            <pc:sldMk cId="3935120093" sldId="274"/>
+            <ac:spMk id="12" creationId="{AC8F6C8C-AB5A-4548-942D-E3FD40ACBC49}"/>
+          </ac:spMkLst>
+        </pc:spChg>
+      </pc:sldChg>
+      <pc:sldChg chg="addSp modSp new mod setBg">
+        <pc:chgData name="pascal bühler" userId="a32c1ca0ce8d2434" providerId="LiveId" clId="{17D325AB-A34F-43B6-8182-8013BFD52645}" dt="2021-05-06T10:58:53.049" v="3294" actId="1076"/>
+        <pc:sldMkLst>
+          <pc:docMk/>
+          <pc:sldMk cId="2469722410" sldId="275"/>
+        </pc:sldMkLst>
+        <pc:spChg chg="mod">
+          <ac:chgData name="pascal bühler" userId="a32c1ca0ce8d2434" providerId="LiveId" clId="{17D325AB-A34F-43B6-8182-8013BFD52645}" dt="2021-05-06T10:58:53.049" v="3294" actId="1076"/>
+          <ac:spMkLst>
+            <pc:docMk/>
+            <pc:sldMk cId="2469722410" sldId="275"/>
+            <ac:spMk id="2" creationId="{41E8A36B-7A9E-4F40-90BB-4774752888AA}"/>
+          </ac:spMkLst>
+        </pc:spChg>
+        <pc:spChg chg="mod">
+          <ac:chgData name="pascal bühler" userId="a32c1ca0ce8d2434" providerId="LiveId" clId="{17D325AB-A34F-43B6-8182-8013BFD52645}" dt="2021-05-06T10:58:39.720" v="3293" actId="20577"/>
+          <ac:spMkLst>
+            <pc:docMk/>
+            <pc:sldMk cId="2469722410" sldId="275"/>
+            <ac:spMk id="3" creationId="{A0B56363-0BA7-4BFE-B252-D7F1347F4CDF}"/>
+          </ac:spMkLst>
+        </pc:spChg>
+        <pc:spChg chg="add">
+          <ac:chgData name="pascal bühler" userId="a32c1ca0ce8d2434" providerId="LiveId" clId="{17D325AB-A34F-43B6-8182-8013BFD52645}" dt="2021-05-06T10:56:40.258" v="3034" actId="26606"/>
+          <ac:spMkLst>
+            <pc:docMk/>
+            <pc:sldMk cId="2469722410" sldId="275"/>
+            <ac:spMk id="8" creationId="{979E27D9-03C7-44E2-9FF8-15D0C8506AF7}"/>
+          </ac:spMkLst>
+        </pc:spChg>
+        <pc:spChg chg="add">
+          <ac:chgData name="pascal bühler" userId="a32c1ca0ce8d2434" providerId="LiveId" clId="{17D325AB-A34F-43B6-8182-8013BFD52645}" dt="2021-05-06T10:56:40.258" v="3034" actId="26606"/>
+          <ac:spMkLst>
+            <pc:docMk/>
+            <pc:sldMk cId="2469722410" sldId="275"/>
+            <ac:spMk id="10" creationId="{EEBF1590-3B36-48EE-A89D-3B6F3CB256AB}"/>
+          </ac:spMkLst>
+        </pc:spChg>
+        <pc:spChg chg="add">
+          <ac:chgData name="pascal bühler" userId="a32c1ca0ce8d2434" providerId="LiveId" clId="{17D325AB-A34F-43B6-8182-8013BFD52645}" dt="2021-05-06T10:56:40.258" v="3034" actId="26606"/>
+          <ac:spMkLst>
+            <pc:docMk/>
+            <pc:sldMk cId="2469722410" sldId="275"/>
+            <ac:spMk id="12" creationId="{AC8F6C8C-AB5A-4548-942D-E3FD40ACBC49}"/>
+          </ac:spMkLst>
+        </pc:spChg>
+      </pc:sldChg>
+      <pc:sldChg chg="addSp modSp new del mod setBg">
+        <pc:chgData name="pascal bühler" userId="a32c1ca0ce8d2434" providerId="LiveId" clId="{17D325AB-A34F-43B6-8182-8013BFD52645}" dt="2021-05-06T09:36:58.102" v="2458" actId="2696"/>
+        <pc:sldMkLst>
+          <pc:docMk/>
+          <pc:sldMk cId="3196463857" sldId="275"/>
+        </pc:sldMkLst>
+        <pc:spChg chg="mod">
+          <ac:chgData name="pascal bühler" userId="a32c1ca0ce8d2434" providerId="LiveId" clId="{17D325AB-A34F-43B6-8182-8013BFD52645}" dt="2021-05-06T08:14:34.472" v="1470" actId="26606"/>
+          <ac:spMkLst>
+            <pc:docMk/>
+            <pc:sldMk cId="3196463857" sldId="275"/>
+            <ac:spMk id="2" creationId="{D3D128A6-9A54-478D-9D37-5C5B485BDC11}"/>
+          </ac:spMkLst>
+        </pc:spChg>
+        <pc:spChg chg="mod">
+          <ac:chgData name="pascal bühler" userId="a32c1ca0ce8d2434" providerId="LiveId" clId="{17D325AB-A34F-43B6-8182-8013BFD52645}" dt="2021-05-06T08:14:34.472" v="1470" actId="26606"/>
+          <ac:spMkLst>
+            <pc:docMk/>
+            <pc:sldMk cId="3196463857" sldId="275"/>
+            <ac:spMk id="3" creationId="{0692B8EA-1CEA-4C5E-84A5-BA5611F264A4}"/>
+          </ac:spMkLst>
+        </pc:spChg>
+        <pc:spChg chg="add">
+          <ac:chgData name="pascal bühler" userId="a32c1ca0ce8d2434" providerId="LiveId" clId="{17D325AB-A34F-43B6-8182-8013BFD52645}" dt="2021-05-06T08:14:34.472" v="1470" actId="26606"/>
+          <ac:spMkLst>
+            <pc:docMk/>
+            <pc:sldMk cId="3196463857" sldId="275"/>
+            <ac:spMk id="8" creationId="{979E27D9-03C7-44E2-9FF8-15D0C8506AF7}"/>
+          </ac:spMkLst>
+        </pc:spChg>
+        <pc:spChg chg="add">
+          <ac:chgData name="pascal bühler" userId="a32c1ca0ce8d2434" providerId="LiveId" clId="{17D325AB-A34F-43B6-8182-8013BFD52645}" dt="2021-05-06T08:14:34.472" v="1470" actId="26606"/>
+          <ac:spMkLst>
+            <pc:docMk/>
+            <pc:sldMk cId="3196463857" sldId="275"/>
+            <ac:spMk id="10" creationId="{EEBF1590-3B36-48EE-A89D-3B6F3CB256AB}"/>
+          </ac:spMkLst>
+        </pc:spChg>
+        <pc:spChg chg="add">
+          <ac:chgData name="pascal bühler" userId="a32c1ca0ce8d2434" providerId="LiveId" clId="{17D325AB-A34F-43B6-8182-8013BFD52645}" dt="2021-05-06T08:14:34.472" v="1470" actId="26606"/>
+          <ac:spMkLst>
+            <pc:docMk/>
+            <pc:sldMk cId="3196463857" sldId="275"/>
+            <ac:spMk id="12" creationId="{AC8F6C8C-AB5A-4548-942D-E3FD40ACBC49}"/>
+          </ac:spMkLst>
+        </pc:spChg>
+      </pc:sldChg>
+      <pc:sldChg chg="addSp delSp modSp new del mod setBg">
+        <pc:chgData name="pascal bühler" userId="a32c1ca0ce8d2434" providerId="LiveId" clId="{17D325AB-A34F-43B6-8182-8013BFD52645}" dt="2021-05-06T09:37:08.309" v="2459" actId="2696"/>
+        <pc:sldMkLst>
+          <pc:docMk/>
+          <pc:sldMk cId="1390865707" sldId="276"/>
+        </pc:sldMkLst>
+        <pc:spChg chg="del mod">
+          <ac:chgData name="pascal bühler" userId="a32c1ca0ce8d2434" providerId="LiveId" clId="{17D325AB-A34F-43B6-8182-8013BFD52645}" dt="2021-05-06T08:33:31.683" v="1564" actId="478"/>
+          <ac:spMkLst>
+            <pc:docMk/>
+            <pc:sldMk cId="1390865707" sldId="276"/>
+            <ac:spMk id="2" creationId="{481A8885-C8E9-415F-89FA-1E148EB74FE5}"/>
+          </ac:spMkLst>
+        </pc:spChg>
+        <pc:spChg chg="del mod">
+          <ac:chgData name="pascal bühler" userId="a32c1ca0ce8d2434" providerId="LiveId" clId="{17D325AB-A34F-43B6-8182-8013BFD52645}" dt="2021-05-06T08:33:28.965" v="1563" actId="478"/>
+          <ac:spMkLst>
+            <pc:docMk/>
+            <pc:sldMk cId="1390865707" sldId="276"/>
+            <ac:spMk id="3" creationId="{00667393-4C37-4612-A64F-E0EC79B4B273}"/>
+          </ac:spMkLst>
+        </pc:spChg>
+        <pc:spChg chg="add">
+          <ac:chgData name="pascal bühler" userId="a32c1ca0ce8d2434" providerId="LiveId" clId="{17D325AB-A34F-43B6-8182-8013BFD52645}" dt="2021-05-06T08:14:37.347" v="1471" actId="26606"/>
+          <ac:spMkLst>
+            <pc:docMk/>
+            <pc:sldMk cId="1390865707" sldId="276"/>
+            <ac:spMk id="8" creationId="{979E27D9-03C7-44E2-9FF8-15D0C8506AF7}"/>
+          </ac:spMkLst>
+        </pc:spChg>
+        <pc:spChg chg="add">
+          <ac:chgData name="pascal bühler" userId="a32c1ca0ce8d2434" providerId="LiveId" clId="{17D325AB-A34F-43B6-8182-8013BFD52645}" dt="2021-05-06T08:14:37.347" v="1471" actId="26606"/>
+          <ac:spMkLst>
+            <pc:docMk/>
+            <pc:sldMk cId="1390865707" sldId="276"/>
+            <ac:spMk id="10" creationId="{EEBF1590-3B36-48EE-A89D-3B6F3CB256AB}"/>
+          </ac:spMkLst>
+        </pc:spChg>
+        <pc:spChg chg="add">
+          <ac:chgData name="pascal bühler" userId="a32c1ca0ce8d2434" providerId="LiveId" clId="{17D325AB-A34F-43B6-8182-8013BFD52645}" dt="2021-05-06T08:14:37.347" v="1471" actId="26606"/>
+          <ac:spMkLst>
+            <pc:docMk/>
+            <pc:sldMk cId="1390865707" sldId="276"/>
+            <ac:spMk id="12" creationId="{AC8F6C8C-AB5A-4548-942D-E3FD40ACBC49}"/>
+          </ac:spMkLst>
+        </pc:spChg>
+        <pc:picChg chg="add mod">
+          <ac:chgData name="pascal bühler" userId="a32c1ca0ce8d2434" providerId="LiveId" clId="{17D325AB-A34F-43B6-8182-8013BFD52645}" dt="2021-05-06T08:33:54.959" v="1569" actId="1076"/>
+          <ac:picMkLst>
+            <pc:docMk/>
+            <pc:sldMk cId="1390865707" sldId="276"/>
+            <ac:picMk id="4" creationId="{EDE10D1E-1B9F-42E1-872A-F79AD0876094}"/>
           </ac:picMkLst>
         </pc:picChg>
       </pc:sldChg>
@@ -2202,27 +3228,822 @@
 </file>
 
 <file path=ppt/diagrams/colors1.xml><?xml version="1.0" encoding="utf-8"?>
-<dgm:colorsDef xmlns:dgm="http://schemas.openxmlformats.org/drawingml/2006/diagram" xmlns:a="http://schemas.openxmlformats.org/drawingml/2006/main" uniqueId="urn:microsoft.com/office/officeart/2005/8/colors/accent6_2">
+<dgm:colorsDef xmlns:dgm="http://schemas.openxmlformats.org/drawingml/2006/diagram" xmlns:a="http://schemas.openxmlformats.org/drawingml/2006/main" uniqueId="urn:microsoft.com/office/officeart/2005/8/colors/accent5_1">
   <dgm:title val=""/>
   <dgm:desc val=""/>
   <dgm:catLst>
-    <dgm:cat type="accent6" pri="11200"/>
+    <dgm:cat type="accent5" pri="11100"/>
   </dgm:catLst>
   <dgm:styleLbl name="node0">
     <dgm:fillClrLst meth="repeat">
-      <a:schemeClr val="accent6"/>
+      <a:schemeClr val="lt1"/>
+    </dgm:fillClrLst>
+    <dgm:linClrLst meth="repeat">
+      <a:schemeClr val="accent5">
+        <a:shade val="80000"/>
+      </a:schemeClr>
+    </dgm:linClrLst>
+    <dgm:effectClrLst/>
+    <dgm:txLinClrLst/>
+    <dgm:txFillClrLst meth="repeat">
+      <a:schemeClr val="dk1"/>
+    </dgm:txFillClrLst>
+    <dgm:txEffectClrLst/>
+  </dgm:styleLbl>
+  <dgm:styleLbl name="node1">
+    <dgm:fillClrLst meth="repeat">
+      <a:schemeClr val="lt1"/>
+    </dgm:fillClrLst>
+    <dgm:linClrLst meth="repeat">
+      <a:schemeClr val="accent5">
+        <a:shade val="80000"/>
+      </a:schemeClr>
+    </dgm:linClrLst>
+    <dgm:effectClrLst/>
+    <dgm:txLinClrLst/>
+    <dgm:txFillClrLst meth="repeat">
+      <a:schemeClr val="dk1"/>
+    </dgm:txFillClrLst>
+    <dgm:txEffectClrLst/>
+  </dgm:styleLbl>
+  <dgm:styleLbl name="alignNode1">
+    <dgm:fillClrLst meth="repeat">
+      <a:schemeClr val="lt1"/>
+    </dgm:fillClrLst>
+    <dgm:linClrLst meth="repeat">
+      <a:schemeClr val="accent5">
+        <a:shade val="80000"/>
+      </a:schemeClr>
+    </dgm:linClrLst>
+    <dgm:effectClrLst/>
+    <dgm:txLinClrLst/>
+    <dgm:txFillClrLst meth="repeat">
+      <a:schemeClr val="dk1"/>
+    </dgm:txFillClrLst>
+    <dgm:txEffectClrLst/>
+  </dgm:styleLbl>
+  <dgm:styleLbl name="lnNode1">
+    <dgm:fillClrLst meth="repeat">
+      <a:schemeClr val="lt1"/>
+    </dgm:fillClrLst>
+    <dgm:linClrLst meth="repeat">
+      <a:schemeClr val="accent5">
+        <a:shade val="80000"/>
+      </a:schemeClr>
+    </dgm:linClrLst>
+    <dgm:effectClrLst/>
+    <dgm:txLinClrLst/>
+    <dgm:txFillClrLst meth="repeat">
+      <a:schemeClr val="dk1"/>
+    </dgm:txFillClrLst>
+    <dgm:txEffectClrLst/>
+  </dgm:styleLbl>
+  <dgm:styleLbl name="vennNode1">
+    <dgm:fillClrLst meth="repeat">
+      <a:schemeClr val="lt1">
+        <a:alpha val="50000"/>
+      </a:schemeClr>
+    </dgm:fillClrLst>
+    <dgm:linClrLst meth="repeat">
+      <a:schemeClr val="accent5">
+        <a:shade val="80000"/>
+      </a:schemeClr>
+    </dgm:linClrLst>
+    <dgm:effectClrLst/>
+    <dgm:txLinClrLst/>
+    <dgm:txFillClrLst/>
+    <dgm:txEffectClrLst/>
+  </dgm:styleLbl>
+  <dgm:styleLbl name="node2">
+    <dgm:fillClrLst meth="repeat">
+      <a:schemeClr val="lt1"/>
+    </dgm:fillClrLst>
+    <dgm:linClrLst meth="repeat">
+      <a:schemeClr val="accent5">
+        <a:shade val="80000"/>
+      </a:schemeClr>
+    </dgm:linClrLst>
+    <dgm:effectClrLst/>
+    <dgm:txLinClrLst/>
+    <dgm:txFillClrLst meth="repeat">
+      <a:schemeClr val="dk1"/>
+    </dgm:txFillClrLst>
+    <dgm:txEffectClrLst/>
+  </dgm:styleLbl>
+  <dgm:styleLbl name="node3">
+    <dgm:fillClrLst meth="repeat">
+      <a:schemeClr val="lt1"/>
+    </dgm:fillClrLst>
+    <dgm:linClrLst meth="repeat">
+      <a:schemeClr val="accent5">
+        <a:shade val="80000"/>
+      </a:schemeClr>
+    </dgm:linClrLst>
+    <dgm:effectClrLst/>
+    <dgm:txLinClrLst/>
+    <dgm:txFillClrLst meth="repeat">
+      <a:schemeClr val="dk1"/>
+    </dgm:txFillClrLst>
+    <dgm:txEffectClrLst/>
+  </dgm:styleLbl>
+  <dgm:styleLbl name="node4">
+    <dgm:fillClrLst meth="repeat">
+      <a:schemeClr val="lt1"/>
+    </dgm:fillClrLst>
+    <dgm:linClrLst meth="repeat">
+      <a:schemeClr val="accent5">
+        <a:shade val="80000"/>
+      </a:schemeClr>
+    </dgm:linClrLst>
+    <dgm:effectClrLst/>
+    <dgm:txLinClrLst/>
+    <dgm:txFillClrLst meth="repeat">
+      <a:schemeClr val="dk1"/>
+    </dgm:txFillClrLst>
+    <dgm:txEffectClrLst/>
+  </dgm:styleLbl>
+  <dgm:styleLbl name="fgImgPlace1">
+    <dgm:fillClrLst meth="repeat">
+      <a:schemeClr val="accent5">
+        <a:tint val="40000"/>
+      </a:schemeClr>
+    </dgm:fillClrLst>
+    <dgm:linClrLst meth="repeat">
+      <a:schemeClr val="accent5">
+        <a:shade val="80000"/>
+      </a:schemeClr>
+    </dgm:linClrLst>
+    <dgm:effectClrLst/>
+    <dgm:txLinClrLst/>
+    <dgm:txFillClrLst meth="repeat">
+      <a:schemeClr val="lt1"/>
+    </dgm:txFillClrLst>
+    <dgm:txEffectClrLst/>
+  </dgm:styleLbl>
+  <dgm:styleLbl name="alignImgPlace1">
+    <dgm:fillClrLst meth="repeat">
+      <a:schemeClr val="accent5">
+        <a:tint val="40000"/>
+      </a:schemeClr>
+    </dgm:fillClrLst>
+    <dgm:linClrLst meth="repeat">
+      <a:schemeClr val="accent5">
+        <a:shade val="80000"/>
+      </a:schemeClr>
+    </dgm:linClrLst>
+    <dgm:effectClrLst/>
+    <dgm:txLinClrLst/>
+    <dgm:txFillClrLst meth="repeat">
+      <a:schemeClr val="lt1"/>
+    </dgm:txFillClrLst>
+    <dgm:txEffectClrLst/>
+  </dgm:styleLbl>
+  <dgm:styleLbl name="bgImgPlace1">
+    <dgm:fillClrLst meth="repeat">
+      <a:schemeClr val="accent5">
+        <a:tint val="40000"/>
+      </a:schemeClr>
+    </dgm:fillClrLst>
+    <dgm:linClrLst meth="repeat">
+      <a:schemeClr val="accent5">
+        <a:shade val="80000"/>
+      </a:schemeClr>
+    </dgm:linClrLst>
+    <dgm:effectClrLst/>
+    <dgm:txLinClrLst/>
+    <dgm:txFillClrLst meth="repeat">
+      <a:schemeClr val="lt1"/>
+    </dgm:txFillClrLst>
+    <dgm:txEffectClrLst/>
+  </dgm:styleLbl>
+  <dgm:styleLbl name="sibTrans2D1">
+    <dgm:fillClrLst meth="repeat">
+      <a:schemeClr val="accent5">
+        <a:tint val="60000"/>
+      </a:schemeClr>
+    </dgm:fillClrLst>
+    <dgm:linClrLst meth="repeat">
+      <a:schemeClr val="accent5">
+        <a:tint val="60000"/>
+      </a:schemeClr>
+    </dgm:linClrLst>
+    <dgm:effectClrLst/>
+    <dgm:txLinClrLst/>
+    <dgm:txFillClrLst meth="repeat">
+      <a:schemeClr val="dk1"/>
+    </dgm:txFillClrLst>
+    <dgm:txEffectClrLst/>
+  </dgm:styleLbl>
+  <dgm:styleLbl name="fgSibTrans2D1">
+    <dgm:fillClrLst meth="repeat">
+      <a:schemeClr val="accent5">
+        <a:tint val="60000"/>
+      </a:schemeClr>
+    </dgm:fillClrLst>
+    <dgm:linClrLst meth="repeat">
+      <a:schemeClr val="accent5">
+        <a:tint val="60000"/>
+      </a:schemeClr>
+    </dgm:linClrLst>
+    <dgm:effectClrLst/>
+    <dgm:txLinClrLst/>
+    <dgm:txFillClrLst meth="repeat">
+      <a:schemeClr val="dk1"/>
+    </dgm:txFillClrLst>
+    <dgm:txEffectClrLst/>
+  </dgm:styleLbl>
+  <dgm:styleLbl name="bgSibTrans2D1">
+    <dgm:fillClrLst meth="repeat">
+      <a:schemeClr val="accent5">
+        <a:tint val="60000"/>
+      </a:schemeClr>
+    </dgm:fillClrLst>
+    <dgm:linClrLst meth="repeat">
+      <a:schemeClr val="accent5">
+        <a:tint val="60000"/>
+      </a:schemeClr>
+    </dgm:linClrLst>
+    <dgm:effectClrLst/>
+    <dgm:txLinClrLst/>
+    <dgm:txFillClrLst meth="repeat">
+      <a:schemeClr val="dk1"/>
+    </dgm:txFillClrLst>
+    <dgm:txEffectClrLst/>
+  </dgm:styleLbl>
+  <dgm:styleLbl name="sibTrans1D1">
+    <dgm:fillClrLst meth="repeat">
+      <a:schemeClr val="accent5"/>
+    </dgm:fillClrLst>
+    <dgm:linClrLst meth="repeat">
+      <a:schemeClr val="accent5"/>
+    </dgm:linClrLst>
+    <dgm:effectClrLst/>
+    <dgm:txLinClrLst/>
+    <dgm:txFillClrLst meth="repeat">
+      <a:schemeClr val="tx1"/>
+    </dgm:txFillClrLst>
+    <dgm:txEffectClrLst/>
+  </dgm:styleLbl>
+  <dgm:styleLbl name="callout">
+    <dgm:fillClrLst meth="repeat">
+      <a:schemeClr val="accent5"/>
+    </dgm:fillClrLst>
+    <dgm:linClrLst meth="repeat">
+      <a:schemeClr val="accent5"/>
+    </dgm:linClrLst>
+    <dgm:effectClrLst/>
+    <dgm:txLinClrLst/>
+    <dgm:txFillClrLst meth="repeat">
+      <a:schemeClr val="tx1"/>
+    </dgm:txFillClrLst>
+    <dgm:txEffectClrLst/>
+  </dgm:styleLbl>
+  <dgm:styleLbl name="asst0">
+    <dgm:fillClrLst meth="repeat">
+      <a:schemeClr val="lt1"/>
+    </dgm:fillClrLst>
+    <dgm:linClrLst meth="repeat">
+      <a:schemeClr val="accent5">
+        <a:shade val="80000"/>
+      </a:schemeClr>
+    </dgm:linClrLst>
+    <dgm:effectClrLst/>
+    <dgm:txLinClrLst/>
+    <dgm:txFillClrLst meth="repeat">
+      <a:schemeClr val="dk1"/>
+    </dgm:txFillClrLst>
+    <dgm:txEffectClrLst/>
+  </dgm:styleLbl>
+  <dgm:styleLbl name="asst1">
+    <dgm:fillClrLst meth="repeat">
+      <a:schemeClr val="lt1"/>
+    </dgm:fillClrLst>
+    <dgm:linClrLst meth="repeat">
+      <a:schemeClr val="accent5">
+        <a:shade val="80000"/>
+      </a:schemeClr>
+    </dgm:linClrLst>
+    <dgm:effectClrLst/>
+    <dgm:txLinClrLst/>
+    <dgm:txFillClrLst meth="repeat">
+      <a:schemeClr val="dk1"/>
+    </dgm:txFillClrLst>
+    <dgm:txEffectClrLst/>
+  </dgm:styleLbl>
+  <dgm:styleLbl name="asst2">
+    <dgm:fillClrLst meth="repeat">
+      <a:schemeClr val="lt1"/>
+    </dgm:fillClrLst>
+    <dgm:linClrLst meth="repeat">
+      <a:schemeClr val="accent5">
+        <a:shade val="80000"/>
+      </a:schemeClr>
+    </dgm:linClrLst>
+    <dgm:effectClrLst/>
+    <dgm:txLinClrLst/>
+    <dgm:txFillClrLst meth="repeat">
+      <a:schemeClr val="dk1"/>
+    </dgm:txFillClrLst>
+    <dgm:txEffectClrLst/>
+  </dgm:styleLbl>
+  <dgm:styleLbl name="asst3">
+    <dgm:fillClrLst meth="repeat">
+      <a:schemeClr val="lt1"/>
+    </dgm:fillClrLst>
+    <dgm:linClrLst meth="repeat">
+      <a:schemeClr val="accent5">
+        <a:shade val="80000"/>
+      </a:schemeClr>
+    </dgm:linClrLst>
+    <dgm:effectClrLst/>
+    <dgm:txLinClrLst/>
+    <dgm:txFillClrLst meth="repeat">
+      <a:schemeClr val="dk1"/>
+    </dgm:txFillClrLst>
+    <dgm:txEffectClrLst/>
+  </dgm:styleLbl>
+  <dgm:styleLbl name="asst4">
+    <dgm:fillClrLst meth="repeat">
+      <a:schemeClr val="lt1"/>
+    </dgm:fillClrLst>
+    <dgm:linClrLst meth="repeat">
+      <a:schemeClr val="accent5">
+        <a:shade val="80000"/>
+      </a:schemeClr>
+    </dgm:linClrLst>
+    <dgm:effectClrLst/>
+    <dgm:txLinClrLst/>
+    <dgm:txFillClrLst meth="repeat">
+      <a:schemeClr val="dk1"/>
+    </dgm:txFillClrLst>
+    <dgm:txEffectClrLst/>
+  </dgm:styleLbl>
+  <dgm:styleLbl name="parChTrans2D1">
+    <dgm:fillClrLst meth="repeat">
+      <a:schemeClr val="accent5">
+        <a:tint val="60000"/>
+      </a:schemeClr>
+    </dgm:fillClrLst>
+    <dgm:linClrLst meth="repeat">
+      <a:schemeClr val="accent5">
+        <a:tint val="60000"/>
+      </a:schemeClr>
+    </dgm:linClrLst>
+    <dgm:effectClrLst/>
+    <dgm:txLinClrLst/>
+    <dgm:txFillClrLst/>
+    <dgm:txEffectClrLst/>
+  </dgm:styleLbl>
+  <dgm:styleLbl name="parChTrans2D2">
+    <dgm:fillClrLst meth="repeat">
+      <a:schemeClr val="accent5"/>
+    </dgm:fillClrLst>
+    <dgm:linClrLst meth="repeat">
+      <a:schemeClr val="accent5"/>
+    </dgm:linClrLst>
+    <dgm:effectClrLst/>
+    <dgm:txLinClrLst/>
+    <dgm:txFillClrLst/>
+    <dgm:txEffectClrLst/>
+  </dgm:styleLbl>
+  <dgm:styleLbl name="parChTrans2D3">
+    <dgm:fillClrLst meth="repeat">
+      <a:schemeClr val="accent5"/>
+    </dgm:fillClrLst>
+    <dgm:linClrLst meth="repeat">
+      <a:schemeClr val="accent5"/>
+    </dgm:linClrLst>
+    <dgm:effectClrLst/>
+    <dgm:txLinClrLst/>
+    <dgm:txFillClrLst/>
+    <dgm:txEffectClrLst/>
+  </dgm:styleLbl>
+  <dgm:styleLbl name="parChTrans2D4">
+    <dgm:fillClrLst meth="repeat">
+      <a:schemeClr val="accent5"/>
+    </dgm:fillClrLst>
+    <dgm:linClrLst meth="repeat">
+      <a:schemeClr val="accent5"/>
+    </dgm:linClrLst>
+    <dgm:effectClrLst/>
+    <dgm:txLinClrLst/>
+    <dgm:txFillClrLst meth="repeat">
+      <a:schemeClr val="lt1"/>
+    </dgm:txFillClrLst>
+    <dgm:txEffectClrLst/>
+  </dgm:styleLbl>
+  <dgm:styleLbl name="parChTrans1D1">
+    <dgm:fillClrLst meth="repeat">
+      <a:schemeClr val="accent5"/>
+    </dgm:fillClrLst>
+    <dgm:linClrLst meth="repeat">
+      <a:schemeClr val="accent5">
+        <a:shade val="60000"/>
+      </a:schemeClr>
+    </dgm:linClrLst>
+    <dgm:effectClrLst/>
+    <dgm:txLinClrLst/>
+    <dgm:txFillClrLst meth="repeat">
+      <a:schemeClr val="tx1"/>
+    </dgm:txFillClrLst>
+    <dgm:txEffectClrLst/>
+  </dgm:styleLbl>
+  <dgm:styleLbl name="parChTrans1D2">
+    <dgm:fillClrLst meth="repeat">
+      <a:schemeClr val="accent5"/>
+    </dgm:fillClrLst>
+    <dgm:linClrLst meth="repeat">
+      <a:schemeClr val="accent5">
+        <a:shade val="60000"/>
+      </a:schemeClr>
+    </dgm:linClrLst>
+    <dgm:effectClrLst/>
+    <dgm:txLinClrLst/>
+    <dgm:txFillClrLst meth="repeat">
+      <a:schemeClr val="tx1"/>
+    </dgm:txFillClrLst>
+    <dgm:txEffectClrLst/>
+  </dgm:styleLbl>
+  <dgm:styleLbl name="parChTrans1D3">
+    <dgm:fillClrLst meth="repeat">
+      <a:schemeClr val="accent5"/>
+    </dgm:fillClrLst>
+    <dgm:linClrLst meth="repeat">
+      <a:schemeClr val="accent5">
+        <a:shade val="80000"/>
+      </a:schemeClr>
+    </dgm:linClrLst>
+    <dgm:effectClrLst/>
+    <dgm:txLinClrLst/>
+    <dgm:txFillClrLst meth="repeat">
+      <a:schemeClr val="tx1"/>
+    </dgm:txFillClrLst>
+    <dgm:txEffectClrLst/>
+  </dgm:styleLbl>
+  <dgm:styleLbl name="parChTrans1D4">
+    <dgm:fillClrLst meth="repeat">
+      <a:schemeClr val="accent5"/>
+    </dgm:fillClrLst>
+    <dgm:linClrLst meth="repeat">
+      <a:schemeClr val="accent5">
+        <a:shade val="80000"/>
+      </a:schemeClr>
+    </dgm:linClrLst>
+    <dgm:effectClrLst/>
+    <dgm:txLinClrLst/>
+    <dgm:txFillClrLst meth="repeat">
+      <a:schemeClr val="tx1"/>
+    </dgm:txFillClrLst>
+    <dgm:txEffectClrLst/>
+  </dgm:styleLbl>
+  <dgm:styleLbl name="fgAcc1">
+    <dgm:fillClrLst meth="repeat">
+      <a:schemeClr val="accent5">
+        <a:alpha val="90000"/>
+        <a:tint val="40000"/>
+      </a:schemeClr>
+    </dgm:fillClrLst>
+    <dgm:linClrLst meth="repeat">
+      <a:schemeClr val="accent5"/>
+    </dgm:linClrLst>
+    <dgm:effectClrLst/>
+    <dgm:txLinClrLst/>
+    <dgm:txFillClrLst meth="repeat">
+      <a:schemeClr val="dk1"/>
+    </dgm:txFillClrLst>
+    <dgm:txEffectClrLst/>
+  </dgm:styleLbl>
+  <dgm:styleLbl name="conFgAcc1">
+    <dgm:fillClrLst meth="repeat">
+      <a:schemeClr val="accent5">
+        <a:alpha val="90000"/>
+        <a:tint val="40000"/>
+      </a:schemeClr>
+    </dgm:fillClrLst>
+    <dgm:linClrLst meth="repeat">
+      <a:schemeClr val="accent5"/>
+    </dgm:linClrLst>
+    <dgm:effectClrLst/>
+    <dgm:txLinClrLst/>
+    <dgm:txFillClrLst meth="repeat">
+      <a:schemeClr val="dk1"/>
+    </dgm:txFillClrLst>
+    <dgm:txEffectClrLst/>
+  </dgm:styleLbl>
+  <dgm:styleLbl name="alignAcc1">
+    <dgm:fillClrLst meth="repeat">
+      <a:schemeClr val="accent5">
+        <a:alpha val="90000"/>
+        <a:tint val="40000"/>
+      </a:schemeClr>
+    </dgm:fillClrLst>
+    <dgm:linClrLst meth="repeat">
+      <a:schemeClr val="accent5"/>
+    </dgm:linClrLst>
+    <dgm:effectClrLst/>
+    <dgm:txLinClrLst/>
+    <dgm:txFillClrLst meth="repeat">
+      <a:schemeClr val="dk1"/>
+    </dgm:txFillClrLst>
+    <dgm:txEffectClrLst/>
+  </dgm:styleLbl>
+  <dgm:styleLbl name="trAlignAcc1">
+    <dgm:fillClrLst meth="repeat">
+      <a:schemeClr val="accent5">
+        <a:alpha val="40000"/>
+        <a:tint val="40000"/>
+      </a:schemeClr>
+    </dgm:fillClrLst>
+    <dgm:linClrLst meth="repeat">
+      <a:schemeClr val="accent5"/>
+    </dgm:linClrLst>
+    <dgm:effectClrLst/>
+    <dgm:txLinClrLst/>
+    <dgm:txFillClrLst meth="repeat">
+      <a:schemeClr val="dk1"/>
+    </dgm:txFillClrLst>
+    <dgm:txEffectClrLst/>
+  </dgm:styleLbl>
+  <dgm:styleLbl name="bgAcc1">
+    <dgm:fillClrLst meth="repeat">
+      <a:schemeClr val="accent5">
+        <a:alpha val="90000"/>
+        <a:tint val="40000"/>
+      </a:schemeClr>
+    </dgm:fillClrLst>
+    <dgm:linClrLst meth="repeat">
+      <a:schemeClr val="accent5"/>
+    </dgm:linClrLst>
+    <dgm:effectClrLst/>
+    <dgm:txLinClrLst/>
+    <dgm:txFillClrLst meth="repeat">
+      <a:schemeClr val="dk1"/>
+    </dgm:txFillClrLst>
+    <dgm:txEffectClrLst/>
+  </dgm:styleLbl>
+  <dgm:styleLbl name="solidFgAcc1">
+    <dgm:fillClrLst meth="repeat">
+      <a:schemeClr val="lt1"/>
+    </dgm:fillClrLst>
+    <dgm:linClrLst meth="repeat">
+      <a:schemeClr val="accent5"/>
+    </dgm:linClrLst>
+    <dgm:effectClrLst/>
+    <dgm:txLinClrLst/>
+    <dgm:txFillClrLst meth="repeat">
+      <a:schemeClr val="dk1"/>
+    </dgm:txFillClrLst>
+    <dgm:txEffectClrLst/>
+  </dgm:styleLbl>
+  <dgm:styleLbl name="solidAlignAcc1">
+    <dgm:fillClrLst meth="repeat">
+      <a:schemeClr val="lt1"/>
+    </dgm:fillClrLst>
+    <dgm:linClrLst meth="repeat">
+      <a:schemeClr val="accent5"/>
+    </dgm:linClrLst>
+    <dgm:effectClrLst/>
+    <dgm:txLinClrLst/>
+    <dgm:txFillClrLst meth="repeat">
+      <a:schemeClr val="dk1"/>
+    </dgm:txFillClrLst>
+    <dgm:txEffectClrLst/>
+  </dgm:styleLbl>
+  <dgm:styleLbl name="solidBgAcc1">
+    <dgm:fillClrLst meth="repeat">
+      <a:schemeClr val="lt1"/>
+    </dgm:fillClrLst>
+    <dgm:linClrLst meth="repeat">
+      <a:schemeClr val="accent5"/>
+    </dgm:linClrLst>
+    <dgm:effectClrLst/>
+    <dgm:txLinClrLst/>
+    <dgm:txFillClrLst meth="repeat">
+      <a:schemeClr val="dk1"/>
+    </dgm:txFillClrLst>
+    <dgm:txEffectClrLst/>
+  </dgm:styleLbl>
+  <dgm:styleLbl name="fgAccFollowNode1">
+    <dgm:fillClrLst meth="repeat">
+      <a:schemeClr val="lt1">
+        <a:alpha val="90000"/>
+        <a:tint val="40000"/>
+      </a:schemeClr>
+    </dgm:fillClrLst>
+    <dgm:linClrLst meth="repeat">
+      <a:schemeClr val="accent5">
+        <a:alpha val="90000"/>
+      </a:schemeClr>
+    </dgm:linClrLst>
+    <dgm:effectClrLst/>
+    <dgm:txLinClrLst/>
+    <dgm:txFillClrLst meth="repeat">
+      <a:schemeClr val="dk1"/>
+    </dgm:txFillClrLst>
+    <dgm:txEffectClrLst/>
+  </dgm:styleLbl>
+  <dgm:styleLbl name="alignAccFollowNode1">
+    <dgm:fillClrLst meth="repeat">
+      <a:schemeClr val="lt1">
+        <a:alpha val="90000"/>
+        <a:tint val="40000"/>
+      </a:schemeClr>
+    </dgm:fillClrLst>
+    <dgm:linClrLst meth="repeat">
+      <a:schemeClr val="accent5">
+        <a:alpha val="90000"/>
+      </a:schemeClr>
+    </dgm:linClrLst>
+    <dgm:effectClrLst/>
+    <dgm:txLinClrLst/>
+    <dgm:txFillClrLst meth="repeat">
+      <a:schemeClr val="dk1"/>
+    </dgm:txFillClrLst>
+    <dgm:txEffectClrLst/>
+  </dgm:styleLbl>
+  <dgm:styleLbl name="bgAccFollowNode1">
+    <dgm:fillClrLst meth="repeat">
+      <a:schemeClr val="lt1">
+        <a:alpha val="90000"/>
+        <a:tint val="40000"/>
+      </a:schemeClr>
+    </dgm:fillClrLst>
+    <dgm:linClrLst meth="repeat">
+      <a:schemeClr val="accent5">
+        <a:alpha val="90000"/>
+      </a:schemeClr>
+    </dgm:linClrLst>
+    <dgm:effectClrLst/>
+    <dgm:txLinClrLst/>
+    <dgm:txFillClrLst meth="repeat">
+      <a:schemeClr val="dk1"/>
+    </dgm:txFillClrLst>
+    <dgm:txEffectClrLst/>
+  </dgm:styleLbl>
+  <dgm:styleLbl name="fgAcc0">
+    <dgm:fillClrLst meth="repeat">
+      <a:schemeClr val="accent5">
+        <a:alpha val="90000"/>
+        <a:tint val="40000"/>
+      </a:schemeClr>
+    </dgm:fillClrLst>
+    <dgm:linClrLst meth="repeat">
+      <a:schemeClr val="accent5"/>
+    </dgm:linClrLst>
+    <dgm:effectClrLst/>
+    <dgm:txLinClrLst/>
+    <dgm:txFillClrLst meth="repeat">
+      <a:schemeClr val="dk1"/>
+    </dgm:txFillClrLst>
+    <dgm:txEffectClrLst/>
+  </dgm:styleLbl>
+  <dgm:styleLbl name="fgAcc2">
+    <dgm:fillClrLst meth="repeat">
+      <a:schemeClr val="accent5">
+        <a:alpha val="90000"/>
+        <a:tint val="40000"/>
+      </a:schemeClr>
+    </dgm:fillClrLst>
+    <dgm:linClrLst meth="repeat">
+      <a:schemeClr val="accent5"/>
+    </dgm:linClrLst>
+    <dgm:effectClrLst/>
+    <dgm:txLinClrLst/>
+    <dgm:txFillClrLst meth="repeat">
+      <a:schemeClr val="dk1"/>
+    </dgm:txFillClrLst>
+    <dgm:txEffectClrLst/>
+  </dgm:styleLbl>
+  <dgm:styleLbl name="fgAcc3">
+    <dgm:fillClrLst meth="repeat">
+      <a:schemeClr val="accent5">
+        <a:alpha val="90000"/>
+        <a:tint val="40000"/>
+      </a:schemeClr>
+    </dgm:fillClrLst>
+    <dgm:linClrLst meth="repeat">
+      <a:schemeClr val="accent5"/>
+    </dgm:linClrLst>
+    <dgm:effectClrLst/>
+    <dgm:txLinClrLst/>
+    <dgm:txFillClrLst meth="repeat">
+      <a:schemeClr val="dk1"/>
+    </dgm:txFillClrLst>
+    <dgm:txEffectClrLst/>
+  </dgm:styleLbl>
+  <dgm:styleLbl name="fgAcc4">
+    <dgm:fillClrLst meth="repeat">
+      <a:schemeClr val="accent5">
+        <a:alpha val="90000"/>
+        <a:tint val="40000"/>
+      </a:schemeClr>
+    </dgm:fillClrLst>
+    <dgm:linClrLst meth="repeat">
+      <a:schemeClr val="accent5"/>
+    </dgm:linClrLst>
+    <dgm:effectClrLst/>
+    <dgm:txLinClrLst/>
+    <dgm:txFillClrLst meth="repeat">
+      <a:schemeClr val="dk1"/>
+    </dgm:txFillClrLst>
+    <dgm:txEffectClrLst/>
+  </dgm:styleLbl>
+  <dgm:styleLbl name="bgShp">
+    <dgm:fillClrLst meth="repeat">
+      <a:schemeClr val="accent5">
+        <a:tint val="40000"/>
+      </a:schemeClr>
+    </dgm:fillClrLst>
+    <dgm:linClrLst meth="repeat">
+      <a:schemeClr val="accent5"/>
+    </dgm:linClrLst>
+    <dgm:effectClrLst/>
+    <dgm:txLinClrLst/>
+    <dgm:txFillClrLst meth="repeat">
+      <a:schemeClr val="dk1"/>
+    </dgm:txFillClrLst>
+    <dgm:txEffectClrLst/>
+  </dgm:styleLbl>
+  <dgm:styleLbl name="dkBgShp">
+    <dgm:fillClrLst meth="repeat">
+      <a:schemeClr val="accent5">
+        <a:shade val="80000"/>
+      </a:schemeClr>
+    </dgm:fillClrLst>
+    <dgm:linClrLst meth="repeat">
+      <a:schemeClr val="accent5"/>
+    </dgm:linClrLst>
+    <dgm:effectClrLst/>
+    <dgm:txLinClrLst/>
+    <dgm:txFillClrLst meth="repeat">
+      <a:schemeClr val="lt1"/>
+    </dgm:txFillClrLst>
+    <dgm:txEffectClrLst/>
+  </dgm:styleLbl>
+  <dgm:styleLbl name="trBgShp">
+    <dgm:fillClrLst meth="repeat">
+      <a:schemeClr val="accent5">
+        <a:tint val="50000"/>
+        <a:alpha val="40000"/>
+      </a:schemeClr>
+    </dgm:fillClrLst>
+    <dgm:linClrLst meth="repeat">
+      <a:schemeClr val="accent5"/>
+    </dgm:linClrLst>
+    <dgm:effectClrLst/>
+    <dgm:txLinClrLst/>
+    <dgm:txFillClrLst meth="repeat">
+      <a:schemeClr val="lt1"/>
+    </dgm:txFillClrLst>
+    <dgm:txEffectClrLst/>
+  </dgm:styleLbl>
+  <dgm:styleLbl name="fgShp">
+    <dgm:fillClrLst meth="repeat">
+      <a:schemeClr val="accent5">
+        <a:tint val="60000"/>
+      </a:schemeClr>
     </dgm:fillClrLst>
     <dgm:linClrLst meth="repeat">
       <a:schemeClr val="lt1"/>
     </dgm:linClrLst>
     <dgm:effectClrLst/>
     <dgm:txLinClrLst/>
-    <dgm:txFillClrLst/>
+    <dgm:txFillClrLst meth="repeat">
+      <a:schemeClr val="dk1"/>
+    </dgm:txFillClrLst>
     <dgm:txEffectClrLst/>
   </dgm:styleLbl>
-  <dgm:styleLbl name="node1">
+  <dgm:styleLbl name="revTx">
     <dgm:fillClrLst meth="repeat">
-      <a:schemeClr val="accent6"/>
+      <a:schemeClr val="lt1">
+        <a:alpha val="0"/>
+      </a:schemeClr>
+    </dgm:fillClrLst>
+    <dgm:linClrLst meth="repeat">
+      <a:schemeClr val="dk1">
+        <a:alpha val="0"/>
+      </a:schemeClr>
+    </dgm:linClrLst>
+    <dgm:effectClrLst/>
+    <dgm:txLinClrLst/>
+    <dgm:txFillClrLst meth="repeat">
+      <a:schemeClr val="tx1"/>
+    </dgm:txFillClrLst>
+    <dgm:txEffectClrLst/>
+  </dgm:styleLbl>
+</dgm:colorsDef>
+</file>
+
+<file path=ppt/diagrams/colors2.xml><?xml version="1.0" encoding="utf-8"?>
+<dgm:colorsDef xmlns:dgm="http://schemas.openxmlformats.org/drawingml/2006/diagram" xmlns:a="http://schemas.openxmlformats.org/drawingml/2006/main" uniqueId="urn:microsoft.com/office/officeart/2005/8/colors/accent1_2">
+  <dgm:title val=""/>
+  <dgm:desc val=""/>
+  <dgm:catLst>
+    <dgm:cat type="accent1" pri="11200"/>
+  </dgm:catLst>
+  <dgm:styleLbl name="node0">
+    <dgm:fillClrLst meth="repeat">
+      <a:schemeClr val="accent1"/>
     </dgm:fillClrLst>
     <dgm:linClrLst meth="repeat">
       <a:schemeClr val="lt1"/>
@@ -2234,10 +4055,22 @@
   </dgm:styleLbl>
   <dgm:styleLbl name="alignNode1">
     <dgm:fillClrLst meth="repeat">
-      <a:schemeClr val="accent6"/>
+      <a:schemeClr val="accent1"/>
     </dgm:fillClrLst>
     <dgm:linClrLst meth="repeat">
-      <a:schemeClr val="accent6"/>
+      <a:schemeClr val="accent1"/>
+    </dgm:linClrLst>
+    <dgm:effectClrLst/>
+    <dgm:txLinClrLst/>
+    <dgm:txFillClrLst/>
+    <dgm:txEffectClrLst/>
+  </dgm:styleLbl>
+  <dgm:styleLbl name="node1">
+    <dgm:fillClrLst meth="repeat">
+      <a:schemeClr val="accent1"/>
+    </dgm:fillClrLst>
+    <dgm:linClrLst meth="repeat">
+      <a:schemeClr val="lt1"/>
     </dgm:linClrLst>
     <dgm:effectClrLst/>
     <dgm:txLinClrLst/>
@@ -2246,7 +4079,7 @@
   </dgm:styleLbl>
   <dgm:styleLbl name="lnNode1">
     <dgm:fillClrLst meth="repeat">
-      <a:schemeClr val="accent6"/>
+      <a:schemeClr val="accent1"/>
     </dgm:fillClrLst>
     <dgm:linClrLst meth="repeat">
       <a:schemeClr val="lt1"/>
@@ -2258,7 +4091,7 @@
   </dgm:styleLbl>
   <dgm:styleLbl name="vennNode1">
     <dgm:fillClrLst meth="repeat">
-      <a:schemeClr val="accent6">
+      <a:schemeClr val="accent1">
         <a:alpha val="50000"/>
       </a:schemeClr>
     </dgm:fillClrLst>
@@ -2272,7 +4105,7 @@
   </dgm:styleLbl>
   <dgm:styleLbl name="node2">
     <dgm:fillClrLst meth="repeat">
-      <a:schemeClr val="accent6"/>
+      <a:schemeClr val="accent1"/>
     </dgm:fillClrLst>
     <dgm:linClrLst meth="repeat">
       <a:schemeClr val="lt1"/>
@@ -2284,7 +4117,7 @@
   </dgm:styleLbl>
   <dgm:styleLbl name="node3">
     <dgm:fillClrLst meth="repeat">
-      <a:schemeClr val="accent6"/>
+      <a:schemeClr val="accent1"/>
     </dgm:fillClrLst>
     <dgm:linClrLst meth="repeat">
       <a:schemeClr val="lt1"/>
@@ -2296,7 +4129,7 @@
   </dgm:styleLbl>
   <dgm:styleLbl name="node4">
     <dgm:fillClrLst meth="repeat">
-      <a:schemeClr val="accent6"/>
+      <a:schemeClr val="accent1"/>
     </dgm:fillClrLst>
     <dgm:linClrLst meth="repeat">
       <a:schemeClr val="lt1"/>
@@ -2308,7 +4141,7 @@
   </dgm:styleLbl>
   <dgm:styleLbl name="fgImgPlace1">
     <dgm:fillClrLst meth="repeat">
-      <a:schemeClr val="accent6">
+      <a:schemeClr val="accent1">
         <a:tint val="50000"/>
       </a:schemeClr>
     </dgm:fillClrLst>
@@ -2324,7 +4157,7 @@
   </dgm:styleLbl>
   <dgm:styleLbl name="alignImgPlace1">
     <dgm:fillClrLst meth="repeat">
-      <a:schemeClr val="accent6">
+      <a:schemeClr val="accent1">
         <a:tint val="50000"/>
       </a:schemeClr>
     </dgm:fillClrLst>
@@ -2340,7 +4173,7 @@
   </dgm:styleLbl>
   <dgm:styleLbl name="bgImgPlace1">
     <dgm:fillClrLst meth="repeat">
-      <a:schemeClr val="accent6">
+      <a:schemeClr val="accent1">
         <a:tint val="50000"/>
       </a:schemeClr>
     </dgm:fillClrLst>
@@ -2356,12 +4189,12 @@
   </dgm:styleLbl>
   <dgm:styleLbl name="sibTrans2D1">
     <dgm:fillClrLst meth="repeat">
-      <a:schemeClr val="accent6">
+      <a:schemeClr val="accent1">
         <a:tint val="60000"/>
       </a:schemeClr>
     </dgm:fillClrLst>
     <dgm:linClrLst meth="repeat">
-      <a:schemeClr val="accent6">
+      <a:schemeClr val="accent1">
         <a:tint val="60000"/>
       </a:schemeClr>
     </dgm:linClrLst>
@@ -2372,12 +4205,12 @@
   </dgm:styleLbl>
   <dgm:styleLbl name="fgSibTrans2D1">
     <dgm:fillClrLst meth="repeat">
-      <a:schemeClr val="accent6">
+      <a:schemeClr val="accent1">
         <a:tint val="60000"/>
       </a:schemeClr>
     </dgm:fillClrLst>
     <dgm:linClrLst meth="repeat">
-      <a:schemeClr val="accent6">
+      <a:schemeClr val="accent1">
         <a:tint val="60000"/>
       </a:schemeClr>
     </dgm:linClrLst>
@@ -2388,12 +4221,12 @@
   </dgm:styleLbl>
   <dgm:styleLbl name="bgSibTrans2D1">
     <dgm:fillClrLst meth="repeat">
-      <a:schemeClr val="accent6">
+      <a:schemeClr val="accent1">
         <a:tint val="60000"/>
       </a:schemeClr>
     </dgm:fillClrLst>
     <dgm:linClrLst meth="repeat">
-      <a:schemeClr val="accent6">
+      <a:schemeClr val="accent1">
         <a:tint val="60000"/>
       </a:schemeClr>
     </dgm:linClrLst>
@@ -2404,10 +4237,10 @@
   </dgm:styleLbl>
   <dgm:styleLbl name="sibTrans1D1">
     <dgm:fillClrLst meth="repeat">
-      <a:schemeClr val="accent6"/>
+      <a:schemeClr val="accent1"/>
     </dgm:fillClrLst>
     <dgm:linClrLst meth="repeat">
-      <a:schemeClr val="accent6"/>
+      <a:schemeClr val="accent1"/>
     </dgm:linClrLst>
     <dgm:effectClrLst/>
     <dgm:txLinClrLst/>
@@ -2418,10 +4251,10 @@
   </dgm:styleLbl>
   <dgm:styleLbl name="callout">
     <dgm:fillClrLst meth="repeat">
-      <a:schemeClr val="accent6"/>
+      <a:schemeClr val="accent1"/>
     </dgm:fillClrLst>
     <dgm:linClrLst meth="repeat">
-      <a:schemeClr val="accent6">
+      <a:schemeClr val="accent1">
         <a:tint val="50000"/>
       </a:schemeClr>
     </dgm:linClrLst>
@@ -2434,7 +4267,7 @@
   </dgm:styleLbl>
   <dgm:styleLbl name="asst0">
     <dgm:fillClrLst meth="repeat">
-      <a:schemeClr val="accent6"/>
+      <a:schemeClr val="accent1"/>
     </dgm:fillClrLst>
     <dgm:linClrLst meth="repeat">
       <a:schemeClr val="lt1"/>
@@ -2446,7 +4279,7 @@
   </dgm:styleLbl>
   <dgm:styleLbl name="asst1">
     <dgm:fillClrLst meth="repeat">
-      <a:schemeClr val="accent6"/>
+      <a:schemeClr val="accent1"/>
     </dgm:fillClrLst>
     <dgm:linClrLst meth="repeat">
       <a:schemeClr val="lt1"/>
@@ -2458,7 +4291,7 @@
   </dgm:styleLbl>
   <dgm:styleLbl name="asst2">
     <dgm:fillClrLst meth="repeat">
-      <a:schemeClr val="accent6"/>
+      <a:schemeClr val="accent1"/>
     </dgm:fillClrLst>
     <dgm:linClrLst meth="repeat">
       <a:schemeClr val="lt1"/>
@@ -2470,7 +4303,7 @@
   </dgm:styleLbl>
   <dgm:styleLbl name="asst3">
     <dgm:fillClrLst meth="repeat">
-      <a:schemeClr val="accent6"/>
+      <a:schemeClr val="accent1"/>
     </dgm:fillClrLst>
     <dgm:linClrLst meth="repeat">
       <a:schemeClr val="lt1"/>
@@ -2482,7 +4315,7 @@
   </dgm:styleLbl>
   <dgm:styleLbl name="asst4">
     <dgm:fillClrLst meth="repeat">
-      <a:schemeClr val="accent6"/>
+      <a:schemeClr val="accent1"/>
     </dgm:fillClrLst>
     <dgm:linClrLst meth="repeat">
       <a:schemeClr val="lt1"/>
@@ -2494,12 +4327,12 @@
   </dgm:styleLbl>
   <dgm:styleLbl name="parChTrans2D1">
     <dgm:fillClrLst meth="repeat">
-      <a:schemeClr val="accent6">
+      <a:schemeClr val="accent1">
         <a:tint val="60000"/>
       </a:schemeClr>
     </dgm:fillClrLst>
     <dgm:linClrLst meth="repeat">
-      <a:schemeClr val="accent6">
+      <a:schemeClr val="accent1">
         <a:tint val="60000"/>
       </a:schemeClr>
     </dgm:linClrLst>
@@ -2512,10 +4345,10 @@
   </dgm:styleLbl>
   <dgm:styleLbl name="parChTrans2D2">
     <dgm:fillClrLst meth="repeat">
-      <a:schemeClr val="accent6"/>
+      <a:schemeClr val="accent1"/>
     </dgm:fillClrLst>
     <dgm:linClrLst meth="repeat">
-      <a:schemeClr val="accent6"/>
+      <a:schemeClr val="accent1"/>
     </dgm:linClrLst>
     <dgm:effectClrLst/>
     <dgm:txLinClrLst/>
@@ -2526,10 +4359,10 @@
   </dgm:styleLbl>
   <dgm:styleLbl name="parChTrans2D3">
     <dgm:fillClrLst meth="repeat">
-      <a:schemeClr val="accent6"/>
+      <a:schemeClr val="accent1"/>
     </dgm:fillClrLst>
     <dgm:linClrLst meth="repeat">
-      <a:schemeClr val="accent6"/>
+      <a:schemeClr val="accent1"/>
     </dgm:linClrLst>
     <dgm:effectClrLst/>
     <dgm:txLinClrLst/>
@@ -2540,10 +4373,10 @@
   </dgm:styleLbl>
   <dgm:styleLbl name="parChTrans2D4">
     <dgm:fillClrLst meth="repeat">
-      <a:schemeClr val="accent6"/>
+      <a:schemeClr val="accent1"/>
     </dgm:fillClrLst>
     <dgm:linClrLst meth="repeat">
-      <a:schemeClr val="accent6"/>
+      <a:schemeClr val="accent1"/>
     </dgm:linClrLst>
     <dgm:effectClrLst/>
     <dgm:txLinClrLst/>
@@ -2554,10 +4387,10 @@
   </dgm:styleLbl>
   <dgm:styleLbl name="parChTrans1D1">
     <dgm:fillClrLst meth="repeat">
-      <a:schemeClr val="accent6"/>
+      <a:schemeClr val="accent1"/>
     </dgm:fillClrLst>
     <dgm:linClrLst meth="repeat">
-      <a:schemeClr val="accent6">
+      <a:schemeClr val="accent1">
         <a:shade val="60000"/>
       </a:schemeClr>
     </dgm:linClrLst>
@@ -2570,10 +4403,10 @@
   </dgm:styleLbl>
   <dgm:styleLbl name="parChTrans1D2">
     <dgm:fillClrLst meth="repeat">
-      <a:schemeClr val="accent6"/>
+      <a:schemeClr val="accent1"/>
     </dgm:fillClrLst>
     <dgm:linClrLst meth="repeat">
-      <a:schemeClr val="accent6">
+      <a:schemeClr val="accent1">
         <a:shade val="60000"/>
       </a:schemeClr>
     </dgm:linClrLst>
@@ -2586,10 +4419,10 @@
   </dgm:styleLbl>
   <dgm:styleLbl name="parChTrans1D3">
     <dgm:fillClrLst meth="repeat">
-      <a:schemeClr val="accent6"/>
+      <a:schemeClr val="accent1"/>
     </dgm:fillClrLst>
     <dgm:linClrLst meth="repeat">
-      <a:schemeClr val="accent6">
+      <a:schemeClr val="accent1">
         <a:shade val="80000"/>
       </a:schemeClr>
     </dgm:linClrLst>
@@ -2602,10 +4435,10 @@
   </dgm:styleLbl>
   <dgm:styleLbl name="parChTrans1D4">
     <dgm:fillClrLst meth="repeat">
-      <a:schemeClr val="accent6"/>
+      <a:schemeClr val="accent1"/>
     </dgm:fillClrLst>
     <dgm:linClrLst meth="repeat">
-      <a:schemeClr val="accent6">
+      <a:schemeClr val="accent1">
         <a:shade val="80000"/>
       </a:schemeClr>
     </dgm:linClrLst>
@@ -2623,7 +4456,7 @@
       </a:schemeClr>
     </dgm:fillClrLst>
     <dgm:linClrLst meth="repeat">
-      <a:schemeClr val="accent6"/>
+      <a:schemeClr val="accent1"/>
     </dgm:linClrLst>
     <dgm:effectClrLst/>
     <dgm:txLinClrLst/>
@@ -2639,7 +4472,7 @@
       </a:schemeClr>
     </dgm:fillClrLst>
     <dgm:linClrLst meth="repeat">
-      <a:schemeClr val="accent6"/>
+      <a:schemeClr val="accent1"/>
     </dgm:linClrLst>
     <dgm:effectClrLst/>
     <dgm:txLinClrLst/>
@@ -2655,7 +4488,7 @@
       </a:schemeClr>
     </dgm:fillClrLst>
     <dgm:linClrLst meth="repeat">
-      <a:schemeClr val="accent6"/>
+      <a:schemeClr val="accent1"/>
     </dgm:linClrLst>
     <dgm:effectClrLst/>
     <dgm:txLinClrLst/>
@@ -2671,7 +4504,7 @@
       </a:schemeClr>
     </dgm:fillClrLst>
     <dgm:linClrLst meth="repeat">
-      <a:schemeClr val="accent6"/>
+      <a:schemeClr val="accent1"/>
     </dgm:linClrLst>
     <dgm:effectClrLst/>
     <dgm:txLinClrLst/>
@@ -2687,7 +4520,7 @@
       </a:schemeClr>
     </dgm:fillClrLst>
     <dgm:linClrLst meth="repeat">
-      <a:schemeClr val="accent6"/>
+      <a:schemeClr val="accent1"/>
     </dgm:linClrLst>
     <dgm:effectClrLst/>
     <dgm:txLinClrLst/>
@@ -2701,7 +4534,7 @@
       <a:schemeClr val="lt1"/>
     </dgm:fillClrLst>
     <dgm:linClrLst meth="repeat">
-      <a:schemeClr val="accent6"/>
+      <a:schemeClr val="accent1"/>
     </dgm:linClrLst>
     <dgm:effectClrLst/>
     <dgm:txLinClrLst/>
@@ -2715,7 +4548,7 @@
       <a:schemeClr val="lt1"/>
     </dgm:fillClrLst>
     <dgm:linClrLst meth="repeat">
-      <a:schemeClr val="accent6"/>
+      <a:schemeClr val="accent1"/>
     </dgm:linClrLst>
     <dgm:effectClrLst/>
     <dgm:txLinClrLst/>
@@ -2729,7 +4562,7 @@
       <a:schemeClr val="lt1"/>
     </dgm:fillClrLst>
     <dgm:linClrLst meth="repeat">
-      <a:schemeClr val="accent6"/>
+      <a:schemeClr val="accent1"/>
     </dgm:linClrLst>
     <dgm:effectClrLst/>
     <dgm:txLinClrLst/>
@@ -2740,13 +4573,13 @@
   </dgm:styleLbl>
   <dgm:styleLbl name="fgAccFollowNode1">
     <dgm:fillClrLst meth="repeat">
-      <a:schemeClr val="accent6">
+      <a:schemeClr val="accent1">
         <a:alpha val="90000"/>
         <a:tint val="40000"/>
       </a:schemeClr>
     </dgm:fillClrLst>
     <dgm:linClrLst meth="repeat">
-      <a:schemeClr val="accent6">
+      <a:schemeClr val="accent1">
         <a:alpha val="90000"/>
         <a:tint val="40000"/>
       </a:schemeClr>
@@ -2760,13 +4593,13 @@
   </dgm:styleLbl>
   <dgm:styleLbl name="alignAccFollowNode1">
     <dgm:fillClrLst meth="repeat">
-      <a:schemeClr val="accent6">
+      <a:schemeClr val="accent1">
         <a:alpha val="90000"/>
         <a:tint val="40000"/>
       </a:schemeClr>
     </dgm:fillClrLst>
     <dgm:linClrLst meth="repeat">
-      <a:schemeClr val="accent6">
+      <a:schemeClr val="accent1">
         <a:alpha val="90000"/>
         <a:tint val="40000"/>
       </a:schemeClr>
@@ -2780,13 +4613,13 @@
   </dgm:styleLbl>
   <dgm:styleLbl name="bgAccFollowNode1">
     <dgm:fillClrLst meth="repeat">
-      <a:schemeClr val="accent6">
+      <a:schemeClr val="accent1">
         <a:alpha val="90000"/>
         <a:tint val="40000"/>
       </a:schemeClr>
     </dgm:fillClrLst>
     <dgm:linClrLst meth="repeat">
-      <a:schemeClr val="accent6">
+      <a:schemeClr val="accent1">
         <a:alpha val="90000"/>
         <a:tint val="40000"/>
       </a:schemeClr>
@@ -2805,7 +4638,7 @@
       </a:schemeClr>
     </dgm:fillClrLst>
     <dgm:linClrLst meth="repeat">
-      <a:schemeClr val="accent6"/>
+      <a:schemeClr val="accent1"/>
     </dgm:linClrLst>
     <dgm:effectClrLst/>
     <dgm:txLinClrLst/>
@@ -2821,7 +4654,7 @@
       </a:schemeClr>
     </dgm:fillClrLst>
     <dgm:linClrLst meth="repeat">
-      <a:schemeClr val="accent6"/>
+      <a:schemeClr val="accent1"/>
     </dgm:linClrLst>
     <dgm:effectClrLst/>
     <dgm:txLinClrLst/>
@@ -2837,7 +4670,7 @@
       </a:schemeClr>
     </dgm:fillClrLst>
     <dgm:linClrLst meth="repeat">
-      <a:schemeClr val="accent6"/>
+      <a:schemeClr val="accent1"/>
     </dgm:linClrLst>
     <dgm:effectClrLst/>
     <dgm:txLinClrLst/>
@@ -2853,7 +4686,7 @@
       </a:schemeClr>
     </dgm:fillClrLst>
     <dgm:linClrLst meth="repeat">
-      <a:schemeClr val="accent6"/>
+      <a:schemeClr val="accent1"/>
     </dgm:linClrLst>
     <dgm:effectClrLst/>
     <dgm:txLinClrLst/>
@@ -2864,12 +4697,12 @@
   </dgm:styleLbl>
   <dgm:styleLbl name="bgShp">
     <dgm:fillClrLst meth="repeat">
-      <a:schemeClr val="accent6">
+      <a:schemeClr val="accent1">
         <a:tint val="40000"/>
       </a:schemeClr>
     </dgm:fillClrLst>
     <dgm:linClrLst meth="repeat">
-      <a:schemeClr val="accent6"/>
+      <a:schemeClr val="accent1"/>
     </dgm:linClrLst>
     <dgm:effectClrLst/>
     <dgm:txLinClrLst/>
@@ -2880,12 +4713,12 @@
   </dgm:styleLbl>
   <dgm:styleLbl name="dkBgShp">
     <dgm:fillClrLst meth="repeat">
-      <a:schemeClr val="accent6">
+      <a:schemeClr val="accent1">
         <a:shade val="80000"/>
       </a:schemeClr>
     </dgm:fillClrLst>
     <dgm:linClrLst meth="repeat">
-      <a:schemeClr val="accent6"/>
+      <a:schemeClr val="accent1"/>
     </dgm:linClrLst>
     <dgm:effectClrLst/>
     <dgm:txLinClrLst/>
@@ -2896,13 +4729,13 @@
   </dgm:styleLbl>
   <dgm:styleLbl name="trBgShp">
     <dgm:fillClrLst meth="repeat">
-      <a:schemeClr val="accent6">
+      <a:schemeClr val="accent1">
         <a:tint val="50000"/>
         <a:alpha val="40000"/>
       </a:schemeClr>
     </dgm:fillClrLst>
     <dgm:linClrLst meth="repeat">
-      <a:schemeClr val="accent6"/>
+      <a:schemeClr val="accent1"/>
     </dgm:linClrLst>
     <dgm:effectClrLst/>
     <dgm:txLinClrLst/>
@@ -2913,7 +4746,7 @@
   </dgm:styleLbl>
   <dgm:styleLbl name="fgShp">
     <dgm:fillClrLst meth="repeat">
-      <a:schemeClr val="accent6">
+      <a:schemeClr val="accent1">
         <a:tint val="60000"/>
       </a:schemeClr>
     </dgm:fillClrLst>
@@ -2952,7 +4785,7 @@
 <dgm:dataModel xmlns:dgm="http://schemas.openxmlformats.org/drawingml/2006/diagram" xmlns:a="http://schemas.openxmlformats.org/drawingml/2006/main">
   <dgm:ptLst>
     <dgm:pt modelId="{BA46512A-030E-4FF9-B545-93EF04C25F0E}" type="doc">
-      <dgm:prSet loTypeId="urn:microsoft.com/office/officeart/2008/layout/LinedList" loCatId="list" qsTypeId="urn:microsoft.com/office/officeart/2005/8/quickstyle/simple4" qsCatId="simple" csTypeId="urn:microsoft.com/office/officeart/2005/8/colors/accent6_2" csCatId="accent6"/>
+      <dgm:prSet loTypeId="urn:microsoft.com/office/officeart/2008/layout/LinedList" loCatId="list" qsTypeId="urn:microsoft.com/office/officeart/2005/8/quickstyle/simple4" qsCatId="simple" csTypeId="urn:microsoft.com/office/officeart/2005/8/colors/accent5_1" csCatId="accent5"/>
       <dgm:spPr/>
       <dgm:t>
         <a:bodyPr/>
@@ -3222,6 +5055,37 @@
 </dgm:dataModel>
 </file>
 
+<file path=ppt/diagrams/data2.xml><?xml version="1.0" encoding="utf-8"?>
+<dgm:dataModel xmlns:dgm="http://schemas.openxmlformats.org/drawingml/2006/diagram" xmlns:a="http://schemas.openxmlformats.org/drawingml/2006/main">
+  <dgm:ptLst>
+    <dgm:pt modelId="{E674E612-939F-4668-B5ED-DCA1E831EA2F}" type="doc">
+      <dgm:prSet loTypeId="urn:microsoft.com/office/officeart/2005/8/layout/chevron1" loCatId="process" qsTypeId="urn:microsoft.com/office/officeart/2005/8/quickstyle/simple1" qsCatId="simple" csTypeId="urn:microsoft.com/office/officeart/2005/8/colors/accent1_2" csCatId="accent1" phldr="1"/>
+      <dgm:spPr/>
+    </dgm:pt>
+    <dgm:pt modelId="{42CD15C4-6CAA-41F0-B047-4982E2A08D21}" type="pres">
+      <dgm:prSet presAssocID="{E674E612-939F-4668-B5ED-DCA1E831EA2F}" presName="Name0" presStyleCnt="0">
+        <dgm:presLayoutVars>
+          <dgm:dir/>
+          <dgm:animLvl val="lvl"/>
+          <dgm:resizeHandles val="exact"/>
+        </dgm:presLayoutVars>
+      </dgm:prSet>
+      <dgm:spPr/>
+    </dgm:pt>
+  </dgm:ptLst>
+  <dgm:cxnLst>
+    <dgm:cxn modelId="{48A83656-6490-4667-95D7-E7EB52EE9B67}" type="presOf" srcId="{E674E612-939F-4668-B5ED-DCA1E831EA2F}" destId="{42CD15C4-6CAA-41F0-B047-4982E2A08D21}" srcOrd="0" destOrd="0" presId="urn:microsoft.com/office/officeart/2005/8/layout/chevron1"/>
+  </dgm:cxnLst>
+  <dgm:bg/>
+  <dgm:whole/>
+  <dgm:extLst>
+    <a:ext uri="http://schemas.microsoft.com/office/drawing/2008/diagram">
+      <dsp:dataModelExt xmlns:dsp="http://schemas.microsoft.com/office/drawing/2008/diagram" relId="rId6" minVer="http://schemas.openxmlformats.org/drawingml/2006/diagram"/>
+    </a:ext>
+  </dgm:extLst>
+</dgm:dataModel>
+</file>
+
 <file path=ppt/diagrams/drawing1.xml><?xml version="1.0" encoding="utf-8"?>
 <dsp:drawing xmlns:dgm="http://schemas.openxmlformats.org/drawingml/2006/diagram" xmlns:dsp="http://schemas.microsoft.com/office/drawing/2008/diagram" xmlns:a="http://schemas.openxmlformats.org/drawingml/2006/main">
   <dsp:spTree>
@@ -3246,7 +5110,7 @@
         <a:gradFill rotWithShape="0">
           <a:gsLst>
             <a:gs pos="0">
-              <a:schemeClr val="accent6">
+              <a:schemeClr val="lt1">
                 <a:hueOff val="0"/>
                 <a:satOff val="0"/>
                 <a:lumOff val="0"/>
@@ -3257,7 +5121,7 @@
               </a:schemeClr>
             </a:gs>
             <a:gs pos="50000">
-              <a:schemeClr val="accent6">
+              <a:schemeClr val="lt1">
                 <a:hueOff val="0"/>
                 <a:satOff val="0"/>
                 <a:lumOff val="0"/>
@@ -3268,7 +5132,7 @@
               </a:schemeClr>
             </a:gs>
             <a:gs pos="100000">
-              <a:schemeClr val="accent6">
+              <a:schemeClr val="lt1">
                 <a:hueOff val="0"/>
                 <a:satOff val="0"/>
                 <a:lumOff val="0"/>
@@ -3283,7 +5147,8 @@
         </a:gradFill>
         <a:ln w="6350" cap="flat" cmpd="sng" algn="ctr">
           <a:solidFill>
-            <a:schemeClr val="accent6">
+            <a:schemeClr val="accent5">
+              <a:shade val="80000"/>
               <a:hueOff val="0"/>
               <a:satOff val="0"/>
               <a:lumOff val="0"/>
@@ -3387,7 +5252,7 @@
         <a:gradFill rotWithShape="0">
           <a:gsLst>
             <a:gs pos="0">
-              <a:schemeClr val="accent6">
+              <a:schemeClr val="lt1">
                 <a:hueOff val="0"/>
                 <a:satOff val="0"/>
                 <a:lumOff val="0"/>
@@ -3398,7 +5263,7 @@
               </a:schemeClr>
             </a:gs>
             <a:gs pos="50000">
-              <a:schemeClr val="accent6">
+              <a:schemeClr val="lt1">
                 <a:hueOff val="0"/>
                 <a:satOff val="0"/>
                 <a:lumOff val="0"/>
@@ -3409,7 +5274,7 @@
               </a:schemeClr>
             </a:gs>
             <a:gs pos="100000">
-              <a:schemeClr val="accent6">
+              <a:schemeClr val="lt1">
                 <a:hueOff val="0"/>
                 <a:satOff val="0"/>
                 <a:lumOff val="0"/>
@@ -3424,7 +5289,8 @@
         </a:gradFill>
         <a:ln w="6350" cap="flat" cmpd="sng" algn="ctr">
           <a:solidFill>
-            <a:schemeClr val="accent6">
+            <a:schemeClr val="accent5">
+              <a:shade val="80000"/>
               <a:hueOff val="0"/>
               <a:satOff val="0"/>
               <a:lumOff val="0"/>
@@ -3528,7 +5394,7 @@
         <a:gradFill rotWithShape="0">
           <a:gsLst>
             <a:gs pos="0">
-              <a:schemeClr val="accent6">
+              <a:schemeClr val="lt1">
                 <a:hueOff val="0"/>
                 <a:satOff val="0"/>
                 <a:lumOff val="0"/>
@@ -3539,7 +5405,7 @@
               </a:schemeClr>
             </a:gs>
             <a:gs pos="50000">
-              <a:schemeClr val="accent6">
+              <a:schemeClr val="lt1">
                 <a:hueOff val="0"/>
                 <a:satOff val="0"/>
                 <a:lumOff val="0"/>
@@ -3550,7 +5416,7 @@
               </a:schemeClr>
             </a:gs>
             <a:gs pos="100000">
-              <a:schemeClr val="accent6">
+              <a:schemeClr val="lt1">
                 <a:hueOff val="0"/>
                 <a:satOff val="0"/>
                 <a:lumOff val="0"/>
@@ -3565,7 +5431,8 @@
         </a:gradFill>
         <a:ln w="6350" cap="flat" cmpd="sng" algn="ctr">
           <a:solidFill>
-            <a:schemeClr val="accent6">
+            <a:schemeClr val="accent5">
+              <a:shade val="80000"/>
               <a:hueOff val="0"/>
               <a:satOff val="0"/>
               <a:lumOff val="0"/>
@@ -3669,7 +5536,7 @@
         <a:gradFill rotWithShape="0">
           <a:gsLst>
             <a:gs pos="0">
-              <a:schemeClr val="accent6">
+              <a:schemeClr val="lt1">
                 <a:hueOff val="0"/>
                 <a:satOff val="0"/>
                 <a:lumOff val="0"/>
@@ -3680,7 +5547,7 @@
               </a:schemeClr>
             </a:gs>
             <a:gs pos="50000">
-              <a:schemeClr val="accent6">
+              <a:schemeClr val="lt1">
                 <a:hueOff val="0"/>
                 <a:satOff val="0"/>
                 <a:lumOff val="0"/>
@@ -3691,7 +5558,7 @@
               </a:schemeClr>
             </a:gs>
             <a:gs pos="100000">
-              <a:schemeClr val="accent6">
+              <a:schemeClr val="lt1">
                 <a:hueOff val="0"/>
                 <a:satOff val="0"/>
                 <a:lumOff val="0"/>
@@ -3706,7 +5573,8 @@
         </a:gradFill>
         <a:ln w="6350" cap="flat" cmpd="sng" algn="ctr">
           <a:solidFill>
-            <a:schemeClr val="accent6">
+            <a:schemeClr val="accent5">
+              <a:shade val="80000"/>
               <a:hueOff val="0"/>
               <a:satOff val="0"/>
               <a:lumOff val="0"/>
@@ -3794,6 +5662,18 @@
         <a:ext cx="5181598" cy="852474"/>
       </dsp:txXfrm>
     </dsp:sp>
+  </dsp:spTree>
+</dsp:drawing>
+</file>
+
+<file path=ppt/diagrams/drawing2.xml><?xml version="1.0" encoding="utf-8"?>
+<dsp:drawing xmlns:dgm="http://schemas.openxmlformats.org/drawingml/2006/diagram" xmlns:dsp="http://schemas.microsoft.com/office/drawing/2008/diagram" xmlns:a="http://schemas.openxmlformats.org/drawingml/2006/main">
+  <dsp:spTree>
+    <dsp:nvGrpSpPr>
+      <dsp:cNvPr id="0" name=""/>
+      <dsp:cNvGrpSpPr/>
+    </dsp:nvGrpSpPr>
+    <dsp:grpSpPr/>
   </dsp:spTree>
 </dsp:drawing>
 </file>
@@ -4264,6 +6144,289 @@
 </dgm:layoutDef>
 </file>
 
+<file path=ppt/diagrams/layout2.xml><?xml version="1.0" encoding="utf-8"?>
+<dgm:layoutDef xmlns:dgm="http://schemas.openxmlformats.org/drawingml/2006/diagram" xmlns:a="http://schemas.openxmlformats.org/drawingml/2006/main" uniqueId="urn:microsoft.com/office/officeart/2005/8/layout/chevron1">
+  <dgm:title val=""/>
+  <dgm:desc val=""/>
+  <dgm:catLst>
+    <dgm:cat type="process" pri="9000"/>
+  </dgm:catLst>
+  <dgm:sampData useDef="1">
+    <dgm:dataModel>
+      <dgm:ptLst/>
+      <dgm:bg/>
+      <dgm:whole/>
+    </dgm:dataModel>
+  </dgm:sampData>
+  <dgm:styleData>
+    <dgm:dataModel>
+      <dgm:ptLst>
+        <dgm:pt modelId="0" type="doc"/>
+        <dgm:pt modelId="1"/>
+        <dgm:pt modelId="2"/>
+      </dgm:ptLst>
+      <dgm:cxnLst>
+        <dgm:cxn modelId="3" srcId="0" destId="1" srcOrd="0" destOrd="0"/>
+        <dgm:cxn modelId="4" srcId="0" destId="2" srcOrd="1" destOrd="0"/>
+      </dgm:cxnLst>
+      <dgm:bg/>
+      <dgm:whole/>
+    </dgm:dataModel>
+  </dgm:styleData>
+  <dgm:clrData>
+    <dgm:dataModel>
+      <dgm:ptLst>
+        <dgm:pt modelId="0" type="doc"/>
+        <dgm:pt modelId="1"/>
+        <dgm:pt modelId="2"/>
+        <dgm:pt modelId="3"/>
+        <dgm:pt modelId="4"/>
+      </dgm:ptLst>
+      <dgm:cxnLst>
+        <dgm:cxn modelId="5" srcId="0" destId="1" srcOrd="0" destOrd="0"/>
+        <dgm:cxn modelId="6" srcId="0" destId="2" srcOrd="1" destOrd="0"/>
+        <dgm:cxn modelId="7" srcId="0" destId="3" srcOrd="2" destOrd="0"/>
+        <dgm:cxn modelId="8" srcId="0" destId="4" srcOrd="3" destOrd="0"/>
+      </dgm:cxnLst>
+      <dgm:bg/>
+      <dgm:whole/>
+    </dgm:dataModel>
+  </dgm:clrData>
+  <dgm:layoutNode name="Name0">
+    <dgm:varLst>
+      <dgm:dir/>
+      <dgm:animLvl val="lvl"/>
+      <dgm:resizeHandles val="exact"/>
+    </dgm:varLst>
+    <dgm:choose name="Name1">
+      <dgm:if name="Name2" func="var" arg="dir" op="equ" val="norm">
+        <dgm:alg type="lin"/>
+      </dgm:if>
+      <dgm:else name="Name3">
+        <dgm:alg type="lin">
+          <dgm:param type="linDir" val="fromR"/>
+        </dgm:alg>
+      </dgm:else>
+    </dgm:choose>
+    <dgm:shape xmlns:r="http://schemas.openxmlformats.org/officeDocument/2006/relationships" r:blip="">
+      <dgm:adjLst/>
+    </dgm:shape>
+    <dgm:presOf/>
+    <dgm:choose name="Name4">
+      <dgm:if name="Name5" axis="des" func="maxDepth" op="gte" val="2">
+        <dgm:constrLst>
+          <dgm:constr type="h" for="ch" forName="composite" refType="h"/>
+          <dgm:constr type="w" for="ch" forName="composite" refType="w"/>
+          <dgm:constr type="w" for="des" forName="parTx"/>
+          <dgm:constr type="h" for="des" forName="parTx" op="equ"/>
+          <dgm:constr type="w" for="des" forName="desTx"/>
+          <dgm:constr type="h" for="des" forName="desTx" op="equ"/>
+          <dgm:constr type="primFontSz" for="des" forName="parTx" val="65"/>
+          <dgm:constr type="secFontSz" for="des" forName="desTx" refType="primFontSz" refFor="des" refForName="parTx" op="equ"/>
+          <dgm:constr type="h" for="des" forName="parTx" refType="primFontSz" refFor="des" refForName="parTx" fact="1.5"/>
+          <dgm:constr type="h" for="des" forName="desTx" refType="primFontSz" refFor="des" refForName="parTx" fact="0.5"/>
+          <dgm:constr type="w" for="ch" forName="space" op="equ" val="-6"/>
+        </dgm:constrLst>
+        <dgm:ruleLst>
+          <dgm:rule type="w" for="ch" forName="composite" val="0" fact="NaN" max="NaN"/>
+          <dgm:rule type="primFontSz" for="des" forName="parTx" val="5" fact="NaN" max="NaN"/>
+        </dgm:ruleLst>
+        <dgm:forEach name="Name6" axis="ch" ptType="node">
+          <dgm:layoutNode name="composite">
+            <dgm:alg type="composite"/>
+            <dgm:shape xmlns:r="http://schemas.openxmlformats.org/officeDocument/2006/relationships" r:blip="">
+              <dgm:adjLst/>
+            </dgm:shape>
+            <dgm:presOf/>
+            <dgm:choose name="Name7">
+              <dgm:if name="Name8" func="var" arg="dir" op="equ" val="norm">
+                <dgm:constrLst>
+                  <dgm:constr type="l" for="ch" forName="parTx"/>
+                  <dgm:constr type="w" for="ch" forName="parTx" refType="w"/>
+                  <dgm:constr type="t" for="ch" forName="parTx"/>
+                  <dgm:constr type="l" for="ch" forName="desTx"/>
+                  <dgm:constr type="w" for="ch" forName="desTx" refType="w" refFor="ch" refForName="parTx" fact="0.8"/>
+                  <dgm:constr type="t" for="ch" forName="desTx" refType="h" refFor="ch" refForName="parTx" fact="1.125"/>
+                </dgm:constrLst>
+              </dgm:if>
+              <dgm:else name="Name9">
+                <dgm:constrLst>
+                  <dgm:constr type="l" for="ch" forName="parTx"/>
+                  <dgm:constr type="w" for="ch" forName="parTx" refType="w"/>
+                  <dgm:constr type="t" for="ch" forName="parTx"/>
+                  <dgm:constr type="l" for="ch" forName="desTx" refType="w" fact="0.2"/>
+                  <dgm:constr type="w" for="ch" forName="desTx" refType="w" refFor="ch" refForName="parTx" fact="0.8"/>
+                  <dgm:constr type="t" for="ch" forName="desTx" refType="h" refFor="ch" refForName="parTx" fact="1.125"/>
+                </dgm:constrLst>
+              </dgm:else>
+            </dgm:choose>
+            <dgm:ruleLst>
+              <dgm:rule type="h" val="INF" fact="NaN" max="NaN"/>
+            </dgm:ruleLst>
+            <dgm:layoutNode name="parTx">
+              <dgm:varLst>
+                <dgm:chMax val="0"/>
+                <dgm:chPref val="0"/>
+                <dgm:bulletEnabled val="1"/>
+              </dgm:varLst>
+              <dgm:alg type="tx"/>
+              <dgm:choose name="Name10">
+                <dgm:if name="Name11" func="var" arg="dir" op="equ" val="norm">
+                  <dgm:shape xmlns:r="http://schemas.openxmlformats.org/officeDocument/2006/relationships" type="chevron" r:blip="">
+                    <dgm:adjLst/>
+                  </dgm:shape>
+                </dgm:if>
+                <dgm:else name="Name12">
+                  <dgm:shape xmlns:r="http://schemas.openxmlformats.org/officeDocument/2006/relationships" rot="180" type="chevron" r:blip="">
+                    <dgm:adjLst/>
+                  </dgm:shape>
+                </dgm:else>
+              </dgm:choose>
+              <dgm:presOf axis="self" ptType="node"/>
+              <dgm:choose name="Name13">
+                <dgm:if name="Name14" func="var" arg="dir" op="equ" val="norm">
+                  <dgm:constrLst>
+                    <dgm:constr type="h" refType="w" op="lte" fact="0.4"/>
+                    <dgm:constr type="h"/>
+                    <dgm:constr type="tMarg" refType="primFontSz" fact="0.105"/>
+                    <dgm:constr type="bMarg" refType="primFontSz" fact="0.105"/>
+                    <dgm:constr type="lMarg" refType="primFontSz" fact="0.315"/>
+                    <dgm:constr type="rMarg" refType="primFontSz" fact="0.105"/>
+                  </dgm:constrLst>
+                </dgm:if>
+                <dgm:else name="Name15">
+                  <dgm:constrLst>
+                    <dgm:constr type="h" refType="w" op="lte" fact="0.4"/>
+                    <dgm:constr type="h"/>
+                    <dgm:constr type="tMarg" refType="primFontSz" fact="0.105"/>
+                    <dgm:constr type="bMarg" refType="primFontSz" fact="0.105"/>
+                    <dgm:constr type="lMarg" refType="primFontSz" fact="0.105"/>
+                    <dgm:constr type="rMarg" refType="primFontSz" fact="0.315"/>
+                  </dgm:constrLst>
+                </dgm:else>
+              </dgm:choose>
+              <dgm:ruleLst>
+                <dgm:rule type="h" val="INF" fact="NaN" max="NaN"/>
+              </dgm:ruleLst>
+            </dgm:layoutNode>
+            <dgm:layoutNode name="desTx" styleLbl="revTx">
+              <dgm:varLst>
+                <dgm:bulletEnabled val="1"/>
+              </dgm:varLst>
+              <dgm:alg type="tx">
+                <dgm:param type="stBulletLvl" val="1"/>
+              </dgm:alg>
+              <dgm:choose name="Name16">
+                <dgm:if name="Name17" axis="ch" ptType="node" func="cnt" op="gte" val="1">
+                  <dgm:shape xmlns:r="http://schemas.openxmlformats.org/officeDocument/2006/relationships" type="rect" r:blip="">
+                    <dgm:adjLst/>
+                  </dgm:shape>
+                </dgm:if>
+                <dgm:else name="Name18">
+                  <dgm:shape xmlns:r="http://schemas.openxmlformats.org/officeDocument/2006/relationships" type="rect" r:blip="" hideGeom="1">
+                    <dgm:adjLst/>
+                  </dgm:shape>
+                </dgm:else>
+              </dgm:choose>
+              <dgm:presOf axis="des" ptType="node"/>
+              <dgm:constrLst>
+                <dgm:constr type="secFontSz" val="65"/>
+                <dgm:constr type="primFontSz" refType="secFontSz"/>
+                <dgm:constr type="h"/>
+                <dgm:constr type="tMarg"/>
+                <dgm:constr type="bMarg"/>
+                <dgm:constr type="rMarg"/>
+                <dgm:constr type="lMarg"/>
+              </dgm:constrLst>
+              <dgm:ruleLst>
+                <dgm:rule type="h" val="INF" fact="NaN" max="NaN"/>
+              </dgm:ruleLst>
+            </dgm:layoutNode>
+          </dgm:layoutNode>
+          <dgm:forEach name="Name19" axis="followSib" ptType="sibTrans" cnt="1">
+            <dgm:layoutNode name="space">
+              <dgm:alg type="sp"/>
+              <dgm:shape xmlns:r="http://schemas.openxmlformats.org/officeDocument/2006/relationships" r:blip="">
+                <dgm:adjLst/>
+              </dgm:shape>
+              <dgm:presOf/>
+              <dgm:constrLst/>
+              <dgm:ruleLst/>
+            </dgm:layoutNode>
+          </dgm:forEach>
+        </dgm:forEach>
+      </dgm:if>
+      <dgm:else name="Name20">
+        <dgm:constrLst>
+          <dgm:constr type="w" for="ch" forName="parTxOnly" refType="w"/>
+          <dgm:constr type="h" for="des" forName="parTxOnly" op="equ"/>
+          <dgm:constr type="primFontSz" for="des" forName="parTxOnly" op="equ" val="65"/>
+          <dgm:constr type="w" for="ch" forName="parTxOnlySpace" refType="w" refFor="ch" refForName="parTxOnly" fact="-0.1"/>
+        </dgm:constrLst>
+        <dgm:ruleLst/>
+        <dgm:forEach name="Name21" axis="ch" ptType="node">
+          <dgm:layoutNode name="parTxOnly">
+            <dgm:varLst>
+              <dgm:chMax val="0"/>
+              <dgm:chPref val="0"/>
+              <dgm:bulletEnabled val="1"/>
+            </dgm:varLst>
+            <dgm:alg type="tx"/>
+            <dgm:choose name="Name22">
+              <dgm:if name="Name23" func="var" arg="dir" op="equ" val="norm">
+                <dgm:shape xmlns:r="http://schemas.openxmlformats.org/officeDocument/2006/relationships" type="chevron" r:blip="">
+                  <dgm:adjLst/>
+                </dgm:shape>
+              </dgm:if>
+              <dgm:else name="Name24">
+                <dgm:shape xmlns:r="http://schemas.openxmlformats.org/officeDocument/2006/relationships" rot="180" type="chevron" r:blip="">
+                  <dgm:adjLst/>
+                </dgm:shape>
+              </dgm:else>
+            </dgm:choose>
+            <dgm:presOf axis="self" ptType="node"/>
+            <dgm:choose name="Name25">
+              <dgm:if name="Name26" func="var" arg="dir" op="equ" val="norm">
+                <dgm:constrLst>
+                  <dgm:constr type="h" refType="w" op="equ" fact="0.4"/>
+                  <dgm:constr type="tMarg" refType="primFontSz" fact="0.105"/>
+                  <dgm:constr type="bMarg" refType="primFontSz" fact="0.105"/>
+                  <dgm:constr type="lMarg" refType="primFontSz" fact="0.315"/>
+                  <dgm:constr type="rMarg" refType="primFontSz" fact="0.105"/>
+                </dgm:constrLst>
+              </dgm:if>
+              <dgm:else name="Name27">
+                <dgm:constrLst>
+                  <dgm:constr type="h" refType="w" op="equ" fact="0.4"/>
+                  <dgm:constr type="tMarg" refType="primFontSz" fact="0.105"/>
+                  <dgm:constr type="bMarg" refType="primFontSz" fact="0.105"/>
+                  <dgm:constr type="lMarg" refType="primFontSz" fact="0.105"/>
+                  <dgm:constr type="rMarg" refType="primFontSz" fact="0.315"/>
+                </dgm:constrLst>
+              </dgm:else>
+            </dgm:choose>
+            <dgm:ruleLst>
+              <dgm:rule type="primFontSz" val="5" fact="NaN" max="NaN"/>
+            </dgm:ruleLst>
+          </dgm:layoutNode>
+          <dgm:forEach name="Name28" axis="followSib" ptType="sibTrans" cnt="1">
+            <dgm:layoutNode name="parTxOnlySpace">
+              <dgm:alg type="sp"/>
+              <dgm:shape xmlns:r="http://schemas.openxmlformats.org/officeDocument/2006/relationships" r:blip="">
+                <dgm:adjLst/>
+              </dgm:shape>
+              <dgm:presOf/>
+              <dgm:constrLst/>
+              <dgm:ruleLst/>
+            </dgm:layoutNode>
+          </dgm:forEach>
+        </dgm:forEach>
+      </dgm:else>
+    </dgm:choose>
+  </dgm:layoutNode>
+</dgm:layoutDef>
+</file>
+
 <file path=ppt/diagrams/quickStyle1.xml><?xml version="1.0" encoding="utf-8"?>
 <dgm:styleDef xmlns:dgm="http://schemas.openxmlformats.org/drawingml/2006/diagram" xmlns:a="http://schemas.openxmlformats.org/drawingml/2006/main" uniqueId="urn:microsoft.com/office/officeart/2005/8/quickstyle/simple4">
   <dgm:title val=""/>
@@ -5270,6 +7433,1040 @@
         <a:scrgbClr r="0" g="0" b="0"/>
       </a:fillRef>
       <a:effectRef idx="2">
+        <a:scrgbClr r="0" g="0" b="0"/>
+      </a:effectRef>
+      <a:fontRef idx="minor"/>
+    </dgm:style>
+  </dgm:styleLbl>
+  <dgm:styleLbl name="revTx">
+    <dgm:scene3d>
+      <a:camera prst="orthographicFront"/>
+      <a:lightRig rig="threePt" dir="t"/>
+    </dgm:scene3d>
+    <dgm:sp3d/>
+    <dgm:txPr/>
+    <dgm:style>
+      <a:lnRef idx="0">
+        <a:scrgbClr r="0" g="0" b="0"/>
+      </a:lnRef>
+      <a:fillRef idx="0">
+        <a:scrgbClr r="0" g="0" b="0"/>
+      </a:fillRef>
+      <a:effectRef idx="0">
+        <a:scrgbClr r="0" g="0" b="0"/>
+      </a:effectRef>
+      <a:fontRef idx="minor"/>
+    </dgm:style>
+  </dgm:styleLbl>
+</dgm:styleDef>
+</file>
+
+<file path=ppt/diagrams/quickStyle2.xml><?xml version="1.0" encoding="utf-8"?>
+<dgm:styleDef xmlns:dgm="http://schemas.openxmlformats.org/drawingml/2006/diagram" xmlns:a="http://schemas.openxmlformats.org/drawingml/2006/main" uniqueId="urn:microsoft.com/office/officeart/2005/8/quickstyle/simple1">
+  <dgm:title val=""/>
+  <dgm:desc val=""/>
+  <dgm:catLst>
+    <dgm:cat type="simple" pri="10100"/>
+  </dgm:catLst>
+  <dgm:scene3d>
+    <a:camera prst="orthographicFront"/>
+    <a:lightRig rig="threePt" dir="t"/>
+  </dgm:scene3d>
+  <dgm:styleLbl name="node0">
+    <dgm:scene3d>
+      <a:camera prst="orthographicFront"/>
+      <a:lightRig rig="threePt" dir="t"/>
+    </dgm:scene3d>
+    <dgm:sp3d/>
+    <dgm:txPr/>
+    <dgm:style>
+      <a:lnRef idx="2">
+        <a:scrgbClr r="0" g="0" b="0"/>
+      </a:lnRef>
+      <a:fillRef idx="1">
+        <a:scrgbClr r="0" g="0" b="0"/>
+      </a:fillRef>
+      <a:effectRef idx="0">
+        <a:scrgbClr r="0" g="0" b="0"/>
+      </a:effectRef>
+      <a:fontRef idx="minor">
+        <a:schemeClr val="lt1"/>
+      </a:fontRef>
+    </dgm:style>
+  </dgm:styleLbl>
+  <dgm:styleLbl name="lnNode1">
+    <dgm:scene3d>
+      <a:camera prst="orthographicFront"/>
+      <a:lightRig rig="threePt" dir="t"/>
+    </dgm:scene3d>
+    <dgm:sp3d/>
+    <dgm:txPr/>
+    <dgm:style>
+      <a:lnRef idx="2">
+        <a:scrgbClr r="0" g="0" b="0"/>
+      </a:lnRef>
+      <a:fillRef idx="1">
+        <a:scrgbClr r="0" g="0" b="0"/>
+      </a:fillRef>
+      <a:effectRef idx="0">
+        <a:scrgbClr r="0" g="0" b="0"/>
+      </a:effectRef>
+      <a:fontRef idx="minor">
+        <a:schemeClr val="lt1"/>
+      </a:fontRef>
+    </dgm:style>
+  </dgm:styleLbl>
+  <dgm:styleLbl name="vennNode1">
+    <dgm:scene3d>
+      <a:camera prst="orthographicFront"/>
+      <a:lightRig rig="threePt" dir="t"/>
+    </dgm:scene3d>
+    <dgm:sp3d/>
+    <dgm:txPr/>
+    <dgm:style>
+      <a:lnRef idx="2">
+        <a:scrgbClr r="0" g="0" b="0"/>
+      </a:lnRef>
+      <a:fillRef idx="1">
+        <a:scrgbClr r="0" g="0" b="0"/>
+      </a:fillRef>
+      <a:effectRef idx="0">
+        <a:scrgbClr r="0" g="0" b="0"/>
+      </a:effectRef>
+      <a:fontRef idx="minor">
+        <a:schemeClr val="tx1"/>
+      </a:fontRef>
+    </dgm:style>
+  </dgm:styleLbl>
+  <dgm:styleLbl name="alignNode1">
+    <dgm:scene3d>
+      <a:camera prst="orthographicFront"/>
+      <a:lightRig rig="threePt" dir="t"/>
+    </dgm:scene3d>
+    <dgm:sp3d/>
+    <dgm:txPr/>
+    <dgm:style>
+      <a:lnRef idx="2">
+        <a:scrgbClr r="0" g="0" b="0"/>
+      </a:lnRef>
+      <a:fillRef idx="1">
+        <a:scrgbClr r="0" g="0" b="0"/>
+      </a:fillRef>
+      <a:effectRef idx="0">
+        <a:scrgbClr r="0" g="0" b="0"/>
+      </a:effectRef>
+      <a:fontRef idx="minor">
+        <a:schemeClr val="lt1"/>
+      </a:fontRef>
+    </dgm:style>
+  </dgm:styleLbl>
+  <dgm:styleLbl name="node1">
+    <dgm:scene3d>
+      <a:camera prst="orthographicFront"/>
+      <a:lightRig rig="threePt" dir="t"/>
+    </dgm:scene3d>
+    <dgm:sp3d/>
+    <dgm:txPr/>
+    <dgm:style>
+      <a:lnRef idx="2">
+        <a:scrgbClr r="0" g="0" b="0"/>
+      </a:lnRef>
+      <a:fillRef idx="1">
+        <a:scrgbClr r="0" g="0" b="0"/>
+      </a:fillRef>
+      <a:effectRef idx="0">
+        <a:scrgbClr r="0" g="0" b="0"/>
+      </a:effectRef>
+      <a:fontRef idx="minor">
+        <a:schemeClr val="lt1"/>
+      </a:fontRef>
+    </dgm:style>
+  </dgm:styleLbl>
+  <dgm:styleLbl name="node2">
+    <dgm:scene3d>
+      <a:camera prst="orthographicFront"/>
+      <a:lightRig rig="threePt" dir="t"/>
+    </dgm:scene3d>
+    <dgm:sp3d/>
+    <dgm:txPr/>
+    <dgm:style>
+      <a:lnRef idx="2">
+        <a:scrgbClr r="0" g="0" b="0"/>
+      </a:lnRef>
+      <a:fillRef idx="1">
+        <a:scrgbClr r="0" g="0" b="0"/>
+      </a:fillRef>
+      <a:effectRef idx="0">
+        <a:scrgbClr r="0" g="0" b="0"/>
+      </a:effectRef>
+      <a:fontRef idx="minor">
+        <a:schemeClr val="lt1"/>
+      </a:fontRef>
+    </dgm:style>
+  </dgm:styleLbl>
+  <dgm:styleLbl name="node3">
+    <dgm:scene3d>
+      <a:camera prst="orthographicFront"/>
+      <a:lightRig rig="threePt" dir="t"/>
+    </dgm:scene3d>
+    <dgm:sp3d/>
+    <dgm:txPr/>
+    <dgm:style>
+      <a:lnRef idx="2">
+        <a:scrgbClr r="0" g="0" b="0"/>
+      </a:lnRef>
+      <a:fillRef idx="1">
+        <a:scrgbClr r="0" g="0" b="0"/>
+      </a:fillRef>
+      <a:effectRef idx="0">
+        <a:scrgbClr r="0" g="0" b="0"/>
+      </a:effectRef>
+      <a:fontRef idx="minor">
+        <a:schemeClr val="lt1"/>
+      </a:fontRef>
+    </dgm:style>
+  </dgm:styleLbl>
+  <dgm:styleLbl name="node4">
+    <dgm:scene3d>
+      <a:camera prst="orthographicFront"/>
+      <a:lightRig rig="threePt" dir="t"/>
+    </dgm:scene3d>
+    <dgm:sp3d/>
+    <dgm:txPr/>
+    <dgm:style>
+      <a:lnRef idx="2">
+        <a:scrgbClr r="0" g="0" b="0"/>
+      </a:lnRef>
+      <a:fillRef idx="1">
+        <a:scrgbClr r="0" g="0" b="0"/>
+      </a:fillRef>
+      <a:effectRef idx="0">
+        <a:scrgbClr r="0" g="0" b="0"/>
+      </a:effectRef>
+      <a:fontRef idx="minor">
+        <a:schemeClr val="lt1"/>
+      </a:fontRef>
+    </dgm:style>
+  </dgm:styleLbl>
+  <dgm:styleLbl name="fgImgPlace1">
+    <dgm:scene3d>
+      <a:camera prst="orthographicFront"/>
+      <a:lightRig rig="threePt" dir="t"/>
+    </dgm:scene3d>
+    <dgm:sp3d/>
+    <dgm:txPr/>
+    <dgm:style>
+      <a:lnRef idx="2">
+        <a:scrgbClr r="0" g="0" b="0"/>
+      </a:lnRef>
+      <a:fillRef idx="1">
+        <a:scrgbClr r="0" g="0" b="0"/>
+      </a:fillRef>
+      <a:effectRef idx="0">
+        <a:scrgbClr r="0" g="0" b="0"/>
+      </a:effectRef>
+      <a:fontRef idx="minor"/>
+    </dgm:style>
+  </dgm:styleLbl>
+  <dgm:styleLbl name="alignImgPlace1">
+    <dgm:scene3d>
+      <a:camera prst="orthographicFront"/>
+      <a:lightRig rig="threePt" dir="t"/>
+    </dgm:scene3d>
+    <dgm:sp3d/>
+    <dgm:txPr/>
+    <dgm:style>
+      <a:lnRef idx="2">
+        <a:scrgbClr r="0" g="0" b="0"/>
+      </a:lnRef>
+      <a:fillRef idx="1">
+        <a:scrgbClr r="0" g="0" b="0"/>
+      </a:fillRef>
+      <a:effectRef idx="0">
+        <a:scrgbClr r="0" g="0" b="0"/>
+      </a:effectRef>
+      <a:fontRef idx="minor"/>
+    </dgm:style>
+  </dgm:styleLbl>
+  <dgm:styleLbl name="bgImgPlace1">
+    <dgm:scene3d>
+      <a:camera prst="orthographicFront"/>
+      <a:lightRig rig="threePt" dir="t"/>
+    </dgm:scene3d>
+    <dgm:sp3d/>
+    <dgm:txPr/>
+    <dgm:style>
+      <a:lnRef idx="2">
+        <a:scrgbClr r="0" g="0" b="0"/>
+      </a:lnRef>
+      <a:fillRef idx="1">
+        <a:scrgbClr r="0" g="0" b="0"/>
+      </a:fillRef>
+      <a:effectRef idx="0">
+        <a:scrgbClr r="0" g="0" b="0"/>
+      </a:effectRef>
+      <a:fontRef idx="minor"/>
+    </dgm:style>
+  </dgm:styleLbl>
+  <dgm:styleLbl name="sibTrans2D1">
+    <dgm:scene3d>
+      <a:camera prst="orthographicFront"/>
+      <a:lightRig rig="threePt" dir="t"/>
+    </dgm:scene3d>
+    <dgm:sp3d/>
+    <dgm:txPr/>
+    <dgm:style>
+      <a:lnRef idx="0">
+        <a:scrgbClr r="0" g="0" b="0"/>
+      </a:lnRef>
+      <a:fillRef idx="1">
+        <a:scrgbClr r="0" g="0" b="0"/>
+      </a:fillRef>
+      <a:effectRef idx="0">
+        <a:scrgbClr r="0" g="0" b="0"/>
+      </a:effectRef>
+      <a:fontRef idx="minor">
+        <a:schemeClr val="lt1"/>
+      </a:fontRef>
+    </dgm:style>
+  </dgm:styleLbl>
+  <dgm:styleLbl name="fgSibTrans2D1">
+    <dgm:scene3d>
+      <a:camera prst="orthographicFront"/>
+      <a:lightRig rig="threePt" dir="t"/>
+    </dgm:scene3d>
+    <dgm:sp3d/>
+    <dgm:txPr/>
+    <dgm:style>
+      <a:lnRef idx="0">
+        <a:scrgbClr r="0" g="0" b="0"/>
+      </a:lnRef>
+      <a:fillRef idx="1">
+        <a:scrgbClr r="0" g="0" b="0"/>
+      </a:fillRef>
+      <a:effectRef idx="0">
+        <a:scrgbClr r="0" g="0" b="0"/>
+      </a:effectRef>
+      <a:fontRef idx="minor">
+        <a:schemeClr val="lt1"/>
+      </a:fontRef>
+    </dgm:style>
+  </dgm:styleLbl>
+  <dgm:styleLbl name="bgSibTrans2D1">
+    <dgm:scene3d>
+      <a:camera prst="orthographicFront"/>
+      <a:lightRig rig="threePt" dir="t"/>
+    </dgm:scene3d>
+    <dgm:sp3d/>
+    <dgm:txPr/>
+    <dgm:style>
+      <a:lnRef idx="0">
+        <a:scrgbClr r="0" g="0" b="0"/>
+      </a:lnRef>
+      <a:fillRef idx="1">
+        <a:scrgbClr r="0" g="0" b="0"/>
+      </a:fillRef>
+      <a:effectRef idx="0">
+        <a:scrgbClr r="0" g="0" b="0"/>
+      </a:effectRef>
+      <a:fontRef idx="minor">
+        <a:schemeClr val="lt1"/>
+      </a:fontRef>
+    </dgm:style>
+  </dgm:styleLbl>
+  <dgm:styleLbl name="sibTrans1D1">
+    <dgm:scene3d>
+      <a:camera prst="orthographicFront"/>
+      <a:lightRig rig="threePt" dir="t"/>
+    </dgm:scene3d>
+    <dgm:sp3d/>
+    <dgm:txPr/>
+    <dgm:style>
+      <a:lnRef idx="1">
+        <a:scrgbClr r="0" g="0" b="0"/>
+      </a:lnRef>
+      <a:fillRef idx="0">
+        <a:scrgbClr r="0" g="0" b="0"/>
+      </a:fillRef>
+      <a:effectRef idx="0">
+        <a:scrgbClr r="0" g="0" b="0"/>
+      </a:effectRef>
+      <a:fontRef idx="minor"/>
+    </dgm:style>
+  </dgm:styleLbl>
+  <dgm:styleLbl name="callout">
+    <dgm:scene3d>
+      <a:camera prst="orthographicFront"/>
+      <a:lightRig rig="threePt" dir="t"/>
+    </dgm:scene3d>
+    <dgm:sp3d/>
+    <dgm:txPr/>
+    <dgm:style>
+      <a:lnRef idx="2">
+        <a:scrgbClr r="0" g="0" b="0"/>
+      </a:lnRef>
+      <a:fillRef idx="1">
+        <a:scrgbClr r="0" g="0" b="0"/>
+      </a:fillRef>
+      <a:effectRef idx="0">
+        <a:scrgbClr r="0" g="0" b="0"/>
+      </a:effectRef>
+      <a:fontRef idx="minor"/>
+    </dgm:style>
+  </dgm:styleLbl>
+  <dgm:styleLbl name="asst0">
+    <dgm:scene3d>
+      <a:camera prst="orthographicFront"/>
+      <a:lightRig rig="threePt" dir="t"/>
+    </dgm:scene3d>
+    <dgm:sp3d/>
+    <dgm:txPr/>
+    <dgm:style>
+      <a:lnRef idx="2">
+        <a:scrgbClr r="0" g="0" b="0"/>
+      </a:lnRef>
+      <a:fillRef idx="1">
+        <a:scrgbClr r="0" g="0" b="0"/>
+      </a:fillRef>
+      <a:effectRef idx="0">
+        <a:scrgbClr r="0" g="0" b="0"/>
+      </a:effectRef>
+      <a:fontRef idx="minor">
+        <a:schemeClr val="lt1"/>
+      </a:fontRef>
+    </dgm:style>
+  </dgm:styleLbl>
+  <dgm:styleLbl name="asst1">
+    <dgm:scene3d>
+      <a:camera prst="orthographicFront"/>
+      <a:lightRig rig="threePt" dir="t"/>
+    </dgm:scene3d>
+    <dgm:sp3d/>
+    <dgm:txPr/>
+    <dgm:style>
+      <a:lnRef idx="2">
+        <a:scrgbClr r="0" g="0" b="0"/>
+      </a:lnRef>
+      <a:fillRef idx="1">
+        <a:scrgbClr r="0" g="0" b="0"/>
+      </a:fillRef>
+      <a:effectRef idx="0">
+        <a:scrgbClr r="0" g="0" b="0"/>
+      </a:effectRef>
+      <a:fontRef idx="minor">
+        <a:schemeClr val="lt1"/>
+      </a:fontRef>
+    </dgm:style>
+  </dgm:styleLbl>
+  <dgm:styleLbl name="asst2">
+    <dgm:scene3d>
+      <a:camera prst="orthographicFront"/>
+      <a:lightRig rig="threePt" dir="t"/>
+    </dgm:scene3d>
+    <dgm:sp3d/>
+    <dgm:txPr/>
+    <dgm:style>
+      <a:lnRef idx="2">
+        <a:scrgbClr r="0" g="0" b="0"/>
+      </a:lnRef>
+      <a:fillRef idx="1">
+        <a:scrgbClr r="0" g="0" b="0"/>
+      </a:fillRef>
+      <a:effectRef idx="0">
+        <a:scrgbClr r="0" g="0" b="0"/>
+      </a:effectRef>
+      <a:fontRef idx="minor">
+        <a:schemeClr val="lt1"/>
+      </a:fontRef>
+    </dgm:style>
+  </dgm:styleLbl>
+  <dgm:styleLbl name="asst3">
+    <dgm:scene3d>
+      <a:camera prst="orthographicFront"/>
+      <a:lightRig rig="threePt" dir="t"/>
+    </dgm:scene3d>
+    <dgm:sp3d/>
+    <dgm:txPr/>
+    <dgm:style>
+      <a:lnRef idx="2">
+        <a:scrgbClr r="0" g="0" b="0"/>
+      </a:lnRef>
+      <a:fillRef idx="1">
+        <a:scrgbClr r="0" g="0" b="0"/>
+      </a:fillRef>
+      <a:effectRef idx="0">
+        <a:scrgbClr r="0" g="0" b="0"/>
+      </a:effectRef>
+      <a:fontRef idx="minor">
+        <a:schemeClr val="lt1"/>
+      </a:fontRef>
+    </dgm:style>
+  </dgm:styleLbl>
+  <dgm:styleLbl name="asst4">
+    <dgm:scene3d>
+      <a:camera prst="orthographicFront"/>
+      <a:lightRig rig="threePt" dir="t"/>
+    </dgm:scene3d>
+    <dgm:sp3d/>
+    <dgm:txPr/>
+    <dgm:style>
+      <a:lnRef idx="2">
+        <a:scrgbClr r="0" g="0" b="0"/>
+      </a:lnRef>
+      <a:fillRef idx="1">
+        <a:scrgbClr r="0" g="0" b="0"/>
+      </a:fillRef>
+      <a:effectRef idx="0">
+        <a:scrgbClr r="0" g="0" b="0"/>
+      </a:effectRef>
+      <a:fontRef idx="minor">
+        <a:schemeClr val="lt1"/>
+      </a:fontRef>
+    </dgm:style>
+  </dgm:styleLbl>
+  <dgm:styleLbl name="parChTrans2D1">
+    <dgm:scene3d>
+      <a:camera prst="orthographicFront"/>
+      <a:lightRig rig="threePt" dir="t"/>
+    </dgm:scene3d>
+    <dgm:sp3d/>
+    <dgm:txPr/>
+    <dgm:style>
+      <a:lnRef idx="2">
+        <a:scrgbClr r="0" g="0" b="0"/>
+      </a:lnRef>
+      <a:fillRef idx="1">
+        <a:scrgbClr r="0" g="0" b="0"/>
+      </a:fillRef>
+      <a:effectRef idx="0">
+        <a:scrgbClr r="0" g="0" b="0"/>
+      </a:effectRef>
+      <a:fontRef idx="minor">
+        <a:schemeClr val="lt1"/>
+      </a:fontRef>
+    </dgm:style>
+  </dgm:styleLbl>
+  <dgm:styleLbl name="parChTrans2D2">
+    <dgm:scene3d>
+      <a:camera prst="orthographicFront"/>
+      <a:lightRig rig="threePt" dir="t"/>
+    </dgm:scene3d>
+    <dgm:sp3d/>
+    <dgm:txPr/>
+    <dgm:style>
+      <a:lnRef idx="2">
+        <a:scrgbClr r="0" g="0" b="0"/>
+      </a:lnRef>
+      <a:fillRef idx="1">
+        <a:scrgbClr r="0" g="0" b="0"/>
+      </a:fillRef>
+      <a:effectRef idx="0">
+        <a:scrgbClr r="0" g="0" b="0"/>
+      </a:effectRef>
+      <a:fontRef idx="minor">
+        <a:schemeClr val="lt1"/>
+      </a:fontRef>
+    </dgm:style>
+  </dgm:styleLbl>
+  <dgm:styleLbl name="parChTrans2D3">
+    <dgm:scene3d>
+      <a:camera prst="orthographicFront"/>
+      <a:lightRig rig="threePt" dir="t"/>
+    </dgm:scene3d>
+    <dgm:sp3d/>
+    <dgm:txPr/>
+    <dgm:style>
+      <a:lnRef idx="2">
+        <a:scrgbClr r="0" g="0" b="0"/>
+      </a:lnRef>
+      <a:fillRef idx="1">
+        <a:scrgbClr r="0" g="0" b="0"/>
+      </a:fillRef>
+      <a:effectRef idx="0">
+        <a:scrgbClr r="0" g="0" b="0"/>
+      </a:effectRef>
+      <a:fontRef idx="minor">
+        <a:schemeClr val="lt1"/>
+      </a:fontRef>
+    </dgm:style>
+  </dgm:styleLbl>
+  <dgm:styleLbl name="parChTrans2D4">
+    <dgm:scene3d>
+      <a:camera prst="orthographicFront"/>
+      <a:lightRig rig="threePt" dir="t"/>
+    </dgm:scene3d>
+    <dgm:sp3d/>
+    <dgm:txPr/>
+    <dgm:style>
+      <a:lnRef idx="2">
+        <a:scrgbClr r="0" g="0" b="0"/>
+      </a:lnRef>
+      <a:fillRef idx="1">
+        <a:scrgbClr r="0" g="0" b="0"/>
+      </a:fillRef>
+      <a:effectRef idx="0">
+        <a:scrgbClr r="0" g="0" b="0"/>
+      </a:effectRef>
+      <a:fontRef idx="minor">
+        <a:schemeClr val="lt1"/>
+      </a:fontRef>
+    </dgm:style>
+  </dgm:styleLbl>
+  <dgm:styleLbl name="parChTrans1D1">
+    <dgm:scene3d>
+      <a:camera prst="orthographicFront"/>
+      <a:lightRig rig="threePt" dir="t"/>
+    </dgm:scene3d>
+    <dgm:sp3d/>
+    <dgm:txPr/>
+    <dgm:style>
+      <a:lnRef idx="2">
+        <a:scrgbClr r="0" g="0" b="0"/>
+      </a:lnRef>
+      <a:fillRef idx="0">
+        <a:scrgbClr r="0" g="0" b="0"/>
+      </a:fillRef>
+      <a:effectRef idx="0">
+        <a:scrgbClr r="0" g="0" b="0"/>
+      </a:effectRef>
+      <a:fontRef idx="minor"/>
+    </dgm:style>
+  </dgm:styleLbl>
+  <dgm:styleLbl name="parChTrans1D2">
+    <dgm:scene3d>
+      <a:camera prst="orthographicFront"/>
+      <a:lightRig rig="threePt" dir="t"/>
+    </dgm:scene3d>
+    <dgm:sp3d/>
+    <dgm:txPr/>
+    <dgm:style>
+      <a:lnRef idx="2">
+        <a:scrgbClr r="0" g="0" b="0"/>
+      </a:lnRef>
+      <a:fillRef idx="0">
+        <a:scrgbClr r="0" g="0" b="0"/>
+      </a:fillRef>
+      <a:effectRef idx="0">
+        <a:scrgbClr r="0" g="0" b="0"/>
+      </a:effectRef>
+      <a:fontRef idx="minor"/>
+    </dgm:style>
+  </dgm:styleLbl>
+  <dgm:styleLbl name="parChTrans1D3">
+    <dgm:scene3d>
+      <a:camera prst="orthographicFront"/>
+      <a:lightRig rig="threePt" dir="t"/>
+    </dgm:scene3d>
+    <dgm:sp3d/>
+    <dgm:txPr/>
+    <dgm:style>
+      <a:lnRef idx="2">
+        <a:scrgbClr r="0" g="0" b="0"/>
+      </a:lnRef>
+      <a:fillRef idx="0">
+        <a:scrgbClr r="0" g="0" b="0"/>
+      </a:fillRef>
+      <a:effectRef idx="0">
+        <a:scrgbClr r="0" g="0" b="0"/>
+      </a:effectRef>
+      <a:fontRef idx="minor"/>
+    </dgm:style>
+  </dgm:styleLbl>
+  <dgm:styleLbl name="parChTrans1D4">
+    <dgm:scene3d>
+      <a:camera prst="orthographicFront"/>
+      <a:lightRig rig="threePt" dir="t"/>
+    </dgm:scene3d>
+    <dgm:sp3d/>
+    <dgm:txPr/>
+    <dgm:style>
+      <a:lnRef idx="2">
+        <a:scrgbClr r="0" g="0" b="0"/>
+      </a:lnRef>
+      <a:fillRef idx="0">
+        <a:scrgbClr r="0" g="0" b="0"/>
+      </a:fillRef>
+      <a:effectRef idx="0">
+        <a:scrgbClr r="0" g="0" b="0"/>
+      </a:effectRef>
+      <a:fontRef idx="minor"/>
+    </dgm:style>
+  </dgm:styleLbl>
+  <dgm:styleLbl name="fgAcc1">
+    <dgm:scene3d>
+      <a:camera prst="orthographicFront"/>
+      <a:lightRig rig="threePt" dir="t"/>
+    </dgm:scene3d>
+    <dgm:sp3d/>
+    <dgm:txPr/>
+    <dgm:style>
+      <a:lnRef idx="2">
+        <a:scrgbClr r="0" g="0" b="0"/>
+      </a:lnRef>
+      <a:fillRef idx="1">
+        <a:scrgbClr r="0" g="0" b="0"/>
+      </a:fillRef>
+      <a:effectRef idx="0">
+        <a:scrgbClr r="0" g="0" b="0"/>
+      </a:effectRef>
+      <a:fontRef idx="minor"/>
+    </dgm:style>
+  </dgm:styleLbl>
+  <dgm:styleLbl name="conFgAcc1">
+    <dgm:scene3d>
+      <a:camera prst="orthographicFront"/>
+      <a:lightRig rig="threePt" dir="t"/>
+    </dgm:scene3d>
+    <dgm:sp3d/>
+    <dgm:txPr/>
+    <dgm:style>
+      <a:lnRef idx="2">
+        <a:scrgbClr r="0" g="0" b="0"/>
+      </a:lnRef>
+      <a:fillRef idx="1">
+        <a:scrgbClr r="0" g="0" b="0"/>
+      </a:fillRef>
+      <a:effectRef idx="0">
+        <a:scrgbClr r="0" g="0" b="0"/>
+      </a:effectRef>
+      <a:fontRef idx="minor"/>
+    </dgm:style>
+  </dgm:styleLbl>
+  <dgm:styleLbl name="alignAcc1">
+    <dgm:scene3d>
+      <a:camera prst="orthographicFront"/>
+      <a:lightRig rig="threePt" dir="t"/>
+    </dgm:scene3d>
+    <dgm:sp3d/>
+    <dgm:txPr/>
+    <dgm:style>
+      <a:lnRef idx="2">
+        <a:scrgbClr r="0" g="0" b="0"/>
+      </a:lnRef>
+      <a:fillRef idx="1">
+        <a:scrgbClr r="0" g="0" b="0"/>
+      </a:fillRef>
+      <a:effectRef idx="0">
+        <a:scrgbClr r="0" g="0" b="0"/>
+      </a:effectRef>
+      <a:fontRef idx="minor"/>
+    </dgm:style>
+  </dgm:styleLbl>
+  <dgm:styleLbl name="trAlignAcc1">
+    <dgm:scene3d>
+      <a:camera prst="orthographicFront"/>
+      <a:lightRig rig="threePt" dir="t"/>
+    </dgm:scene3d>
+    <dgm:sp3d/>
+    <dgm:txPr/>
+    <dgm:style>
+      <a:lnRef idx="1">
+        <a:scrgbClr r="0" g="0" b="0"/>
+      </a:lnRef>
+      <a:fillRef idx="1">
+        <a:scrgbClr r="0" g="0" b="0"/>
+      </a:fillRef>
+      <a:effectRef idx="0">
+        <a:scrgbClr r="0" g="0" b="0"/>
+      </a:effectRef>
+      <a:fontRef idx="minor"/>
+    </dgm:style>
+  </dgm:styleLbl>
+  <dgm:styleLbl name="bgAcc1">
+    <dgm:scene3d>
+      <a:camera prst="orthographicFront"/>
+      <a:lightRig rig="threePt" dir="t"/>
+    </dgm:scene3d>
+    <dgm:sp3d/>
+    <dgm:txPr/>
+    <dgm:style>
+      <a:lnRef idx="2">
+        <a:scrgbClr r="0" g="0" b="0"/>
+      </a:lnRef>
+      <a:fillRef idx="1">
+        <a:scrgbClr r="0" g="0" b="0"/>
+      </a:fillRef>
+      <a:effectRef idx="0">
+        <a:scrgbClr r="0" g="0" b="0"/>
+      </a:effectRef>
+      <a:fontRef idx="minor"/>
+    </dgm:style>
+  </dgm:styleLbl>
+  <dgm:styleLbl name="solidFgAcc1">
+    <dgm:scene3d>
+      <a:camera prst="orthographicFront"/>
+      <a:lightRig rig="threePt" dir="t"/>
+    </dgm:scene3d>
+    <dgm:sp3d/>
+    <dgm:txPr/>
+    <dgm:style>
+      <a:lnRef idx="2">
+        <a:scrgbClr r="0" g="0" b="0"/>
+      </a:lnRef>
+      <a:fillRef idx="1">
+        <a:scrgbClr r="0" g="0" b="0"/>
+      </a:fillRef>
+      <a:effectRef idx="0">
+        <a:scrgbClr r="0" g="0" b="0"/>
+      </a:effectRef>
+      <a:fontRef idx="minor"/>
+    </dgm:style>
+  </dgm:styleLbl>
+  <dgm:styleLbl name="solidAlignAcc1">
+    <dgm:scene3d>
+      <a:camera prst="orthographicFront"/>
+      <a:lightRig rig="threePt" dir="t"/>
+    </dgm:scene3d>
+    <dgm:sp3d/>
+    <dgm:txPr/>
+    <dgm:style>
+      <a:lnRef idx="2">
+        <a:scrgbClr r="0" g="0" b="0"/>
+      </a:lnRef>
+      <a:fillRef idx="1">
+        <a:scrgbClr r="0" g="0" b="0"/>
+      </a:fillRef>
+      <a:effectRef idx="0">
+        <a:scrgbClr r="0" g="0" b="0"/>
+      </a:effectRef>
+      <a:fontRef idx="minor"/>
+    </dgm:style>
+  </dgm:styleLbl>
+  <dgm:styleLbl name="solidBgAcc1">
+    <dgm:scene3d>
+      <a:camera prst="orthographicFront"/>
+      <a:lightRig rig="threePt" dir="t"/>
+    </dgm:scene3d>
+    <dgm:sp3d/>
+    <dgm:txPr/>
+    <dgm:style>
+      <a:lnRef idx="2">
+        <a:scrgbClr r="0" g="0" b="0"/>
+      </a:lnRef>
+      <a:fillRef idx="1">
+        <a:scrgbClr r="0" g="0" b="0"/>
+      </a:fillRef>
+      <a:effectRef idx="0">
+        <a:scrgbClr r="0" g="0" b="0"/>
+      </a:effectRef>
+      <a:fontRef idx="minor"/>
+    </dgm:style>
+  </dgm:styleLbl>
+  <dgm:styleLbl name="fgAccFollowNode1">
+    <dgm:scene3d>
+      <a:camera prst="orthographicFront"/>
+      <a:lightRig rig="threePt" dir="t"/>
+    </dgm:scene3d>
+    <dgm:sp3d/>
+    <dgm:txPr/>
+    <dgm:style>
+      <a:lnRef idx="2">
+        <a:scrgbClr r="0" g="0" b="0"/>
+      </a:lnRef>
+      <a:fillRef idx="1">
+        <a:scrgbClr r="0" g="0" b="0"/>
+      </a:fillRef>
+      <a:effectRef idx="0">
+        <a:scrgbClr r="0" g="0" b="0"/>
+      </a:effectRef>
+      <a:fontRef idx="minor"/>
+    </dgm:style>
+  </dgm:styleLbl>
+  <dgm:styleLbl name="alignAccFollowNode1">
+    <dgm:scene3d>
+      <a:camera prst="orthographicFront"/>
+      <a:lightRig rig="threePt" dir="t"/>
+    </dgm:scene3d>
+    <dgm:sp3d/>
+    <dgm:txPr/>
+    <dgm:style>
+      <a:lnRef idx="2">
+        <a:scrgbClr r="0" g="0" b="0"/>
+      </a:lnRef>
+      <a:fillRef idx="1">
+        <a:scrgbClr r="0" g="0" b="0"/>
+      </a:fillRef>
+      <a:effectRef idx="0">
+        <a:scrgbClr r="0" g="0" b="0"/>
+      </a:effectRef>
+      <a:fontRef idx="minor"/>
+    </dgm:style>
+  </dgm:styleLbl>
+  <dgm:styleLbl name="bgAccFollowNode1">
+    <dgm:scene3d>
+      <a:camera prst="orthographicFront"/>
+      <a:lightRig rig="threePt" dir="t"/>
+    </dgm:scene3d>
+    <dgm:sp3d/>
+    <dgm:txPr/>
+    <dgm:style>
+      <a:lnRef idx="2">
+        <a:scrgbClr r="0" g="0" b="0"/>
+      </a:lnRef>
+      <a:fillRef idx="1">
+        <a:scrgbClr r="0" g="0" b="0"/>
+      </a:fillRef>
+      <a:effectRef idx="0">
+        <a:scrgbClr r="0" g="0" b="0"/>
+      </a:effectRef>
+      <a:fontRef idx="minor"/>
+    </dgm:style>
+  </dgm:styleLbl>
+  <dgm:styleLbl name="fgAcc0">
+    <dgm:scene3d>
+      <a:camera prst="orthographicFront"/>
+      <a:lightRig rig="threePt" dir="t"/>
+    </dgm:scene3d>
+    <dgm:sp3d/>
+    <dgm:txPr/>
+    <dgm:style>
+      <a:lnRef idx="2">
+        <a:scrgbClr r="0" g="0" b="0"/>
+      </a:lnRef>
+      <a:fillRef idx="1">
+        <a:scrgbClr r="0" g="0" b="0"/>
+      </a:fillRef>
+      <a:effectRef idx="0">
+        <a:scrgbClr r="0" g="0" b="0"/>
+      </a:effectRef>
+      <a:fontRef idx="minor"/>
+    </dgm:style>
+  </dgm:styleLbl>
+  <dgm:styleLbl name="fgAcc2">
+    <dgm:scene3d>
+      <a:camera prst="orthographicFront"/>
+      <a:lightRig rig="threePt" dir="t"/>
+    </dgm:scene3d>
+    <dgm:sp3d/>
+    <dgm:txPr/>
+    <dgm:style>
+      <a:lnRef idx="2">
+        <a:scrgbClr r="0" g="0" b="0"/>
+      </a:lnRef>
+      <a:fillRef idx="1">
+        <a:scrgbClr r="0" g="0" b="0"/>
+      </a:fillRef>
+      <a:effectRef idx="0">
+        <a:scrgbClr r="0" g="0" b="0"/>
+      </a:effectRef>
+      <a:fontRef idx="minor"/>
+    </dgm:style>
+  </dgm:styleLbl>
+  <dgm:styleLbl name="fgAcc3">
+    <dgm:scene3d>
+      <a:camera prst="orthographicFront"/>
+      <a:lightRig rig="threePt" dir="t"/>
+    </dgm:scene3d>
+    <dgm:sp3d/>
+    <dgm:txPr/>
+    <dgm:style>
+      <a:lnRef idx="2">
+        <a:scrgbClr r="0" g="0" b="0"/>
+      </a:lnRef>
+      <a:fillRef idx="1">
+        <a:scrgbClr r="0" g="0" b="0"/>
+      </a:fillRef>
+      <a:effectRef idx="0">
+        <a:scrgbClr r="0" g="0" b="0"/>
+      </a:effectRef>
+      <a:fontRef idx="minor"/>
+    </dgm:style>
+  </dgm:styleLbl>
+  <dgm:styleLbl name="fgAcc4">
+    <dgm:scene3d>
+      <a:camera prst="orthographicFront"/>
+      <a:lightRig rig="threePt" dir="t"/>
+    </dgm:scene3d>
+    <dgm:sp3d/>
+    <dgm:txPr/>
+    <dgm:style>
+      <a:lnRef idx="2">
+        <a:scrgbClr r="0" g="0" b="0"/>
+      </a:lnRef>
+      <a:fillRef idx="1">
+        <a:scrgbClr r="0" g="0" b="0"/>
+      </a:fillRef>
+      <a:effectRef idx="0">
+        <a:scrgbClr r="0" g="0" b="0"/>
+      </a:effectRef>
+      <a:fontRef idx="minor"/>
+    </dgm:style>
+  </dgm:styleLbl>
+  <dgm:styleLbl name="bgShp">
+    <dgm:scene3d>
+      <a:camera prst="orthographicFront"/>
+      <a:lightRig rig="threePt" dir="t"/>
+    </dgm:scene3d>
+    <dgm:sp3d/>
+    <dgm:txPr/>
+    <dgm:style>
+      <a:lnRef idx="0">
+        <a:scrgbClr r="0" g="0" b="0"/>
+      </a:lnRef>
+      <a:fillRef idx="1">
+        <a:scrgbClr r="0" g="0" b="0"/>
+      </a:fillRef>
+      <a:effectRef idx="0">
+        <a:scrgbClr r="0" g="0" b="0"/>
+      </a:effectRef>
+      <a:fontRef idx="minor"/>
+    </dgm:style>
+  </dgm:styleLbl>
+  <dgm:styleLbl name="dkBgShp">
+    <dgm:scene3d>
+      <a:camera prst="orthographicFront"/>
+      <a:lightRig rig="threePt" dir="t"/>
+    </dgm:scene3d>
+    <dgm:sp3d/>
+    <dgm:txPr/>
+    <dgm:style>
+      <a:lnRef idx="0">
+        <a:scrgbClr r="0" g="0" b="0"/>
+      </a:lnRef>
+      <a:fillRef idx="1">
+        <a:scrgbClr r="0" g="0" b="0"/>
+      </a:fillRef>
+      <a:effectRef idx="0">
+        <a:scrgbClr r="0" g="0" b="0"/>
+      </a:effectRef>
+      <a:fontRef idx="minor"/>
+    </dgm:style>
+  </dgm:styleLbl>
+  <dgm:styleLbl name="trBgShp">
+    <dgm:scene3d>
+      <a:camera prst="orthographicFront"/>
+      <a:lightRig rig="threePt" dir="t"/>
+    </dgm:scene3d>
+    <dgm:sp3d/>
+    <dgm:txPr/>
+    <dgm:style>
+      <a:lnRef idx="0">
+        <a:scrgbClr r="0" g="0" b="0"/>
+      </a:lnRef>
+      <a:fillRef idx="1">
+        <a:scrgbClr r="0" g="0" b="0"/>
+      </a:fillRef>
+      <a:effectRef idx="0">
+        <a:scrgbClr r="0" g="0" b="0"/>
+      </a:effectRef>
+      <a:fontRef idx="minor"/>
+    </dgm:style>
+  </dgm:styleLbl>
+  <dgm:styleLbl name="fgShp">
+    <dgm:scene3d>
+      <a:camera prst="orthographicFront"/>
+      <a:lightRig rig="threePt" dir="t"/>
+    </dgm:scene3d>
+    <dgm:sp3d/>
+    <dgm:txPr/>
+    <dgm:style>
+      <a:lnRef idx="2">
+        <a:scrgbClr r="0" g="0" b="0"/>
+      </a:lnRef>
+      <a:fillRef idx="1">
+        <a:scrgbClr r="0" g="0" b="0"/>
+      </a:fillRef>
+      <a:effectRef idx="0">
         <a:scrgbClr r="0" g="0" b="0"/>
       </a:effectRef>
       <a:fontRef idx="minor"/>
@@ -5447,7 +8644,7 @@
           <a:p>
             <a:fld id="{810F5DF7-A7DA-E04D-B081-ECE5B223B74E}" type="datetimeFigureOut">
               <a:rPr lang="en-CH" smtClean="0"/>
-              <a:t>05/05/2021</a:t>
+              <a:t>05/06/2021</a:t>
             </a:fld>
             <a:endParaRPr lang="en-CH"/>
           </a:p>
@@ -5647,7 +8844,7 @@
           <a:p>
             <a:fld id="{810F5DF7-A7DA-E04D-B081-ECE5B223B74E}" type="datetimeFigureOut">
               <a:rPr lang="en-CH" smtClean="0"/>
-              <a:t>05/05/2021</a:t>
+              <a:t>05/06/2021</a:t>
             </a:fld>
             <a:endParaRPr lang="en-CH"/>
           </a:p>
@@ -5857,7 +9054,7 @@
           <a:p>
             <a:fld id="{810F5DF7-A7DA-E04D-B081-ECE5B223B74E}" type="datetimeFigureOut">
               <a:rPr lang="en-CH" smtClean="0"/>
-              <a:t>05/05/2021</a:t>
+              <a:t>05/06/2021</a:t>
             </a:fld>
             <a:endParaRPr lang="en-CH"/>
           </a:p>
@@ -6057,7 +9254,7 @@
           <a:p>
             <a:fld id="{810F5DF7-A7DA-E04D-B081-ECE5B223B74E}" type="datetimeFigureOut">
               <a:rPr lang="en-CH" smtClean="0"/>
-              <a:t>05/05/2021</a:t>
+              <a:t>05/06/2021</a:t>
             </a:fld>
             <a:endParaRPr lang="en-CH"/>
           </a:p>
@@ -6333,7 +9530,7 @@
           <a:p>
             <a:fld id="{810F5DF7-A7DA-E04D-B081-ECE5B223B74E}" type="datetimeFigureOut">
               <a:rPr lang="en-CH" smtClean="0"/>
-              <a:t>05/05/2021</a:t>
+              <a:t>05/06/2021</a:t>
             </a:fld>
             <a:endParaRPr lang="en-CH"/>
           </a:p>
@@ -6601,7 +9798,7 @@
           <a:p>
             <a:fld id="{810F5DF7-A7DA-E04D-B081-ECE5B223B74E}" type="datetimeFigureOut">
               <a:rPr lang="en-CH" smtClean="0"/>
-              <a:t>05/05/2021</a:t>
+              <a:t>05/06/2021</a:t>
             </a:fld>
             <a:endParaRPr lang="en-CH"/>
           </a:p>
@@ -7021,7 +10218,7 @@
           <a:p>
             <a:fld id="{810F5DF7-A7DA-E04D-B081-ECE5B223B74E}" type="datetimeFigureOut">
               <a:rPr lang="en-CH" smtClean="0"/>
-              <a:t>05/05/2021</a:t>
+              <a:t>05/06/2021</a:t>
             </a:fld>
             <a:endParaRPr lang="en-CH"/>
           </a:p>
@@ -7168,7 +10365,7 @@
           <a:p>
             <a:fld id="{810F5DF7-A7DA-E04D-B081-ECE5B223B74E}" type="datetimeFigureOut">
               <a:rPr lang="en-CH" smtClean="0"/>
-              <a:t>05/05/2021</a:t>
+              <a:t>05/06/2021</a:t>
             </a:fld>
             <a:endParaRPr lang="en-CH"/>
           </a:p>
@@ -7281,7 +10478,7 @@
           <a:p>
             <a:fld id="{810F5DF7-A7DA-E04D-B081-ECE5B223B74E}" type="datetimeFigureOut">
               <a:rPr lang="en-CH" smtClean="0"/>
-              <a:t>05/05/2021</a:t>
+              <a:t>05/06/2021</a:t>
             </a:fld>
             <a:endParaRPr lang="en-CH"/>
           </a:p>
@@ -7594,7 +10791,7 @@
           <a:p>
             <a:fld id="{810F5DF7-A7DA-E04D-B081-ECE5B223B74E}" type="datetimeFigureOut">
               <a:rPr lang="en-CH" smtClean="0"/>
-              <a:t>05/05/2021</a:t>
+              <a:t>05/06/2021</a:t>
             </a:fld>
             <a:endParaRPr lang="en-CH"/>
           </a:p>
@@ -7888,7 +11085,7 @@
           <a:p>
             <a:fld id="{810F5DF7-A7DA-E04D-B081-ECE5B223B74E}" type="datetimeFigureOut">
               <a:rPr lang="en-CH" smtClean="0"/>
-              <a:t>05/05/2021</a:t>
+              <a:t>05/06/2021</a:t>
             </a:fld>
             <a:endParaRPr lang="en-CH"/>
           </a:p>
@@ -8131,7 +11328,7 @@
           <a:p>
             <a:fld id="{810F5DF7-A7DA-E04D-B081-ECE5B223B74E}" type="datetimeFigureOut">
               <a:rPr lang="en-CH" smtClean="0"/>
-              <a:t>05/05/2021</a:t>
+              <a:t>05/06/2021</a:t>
             </a:fld>
             <a:endParaRPr lang="en-CH"/>
           </a:p>
@@ -9065,7 +12262,7 @@
       </p:grpSpPr>
       <p:sp useBgFill="1">
         <p:nvSpPr>
-          <p:cNvPr id="5" name="Rectangle 7">
+          <p:cNvPr id="16" name="Rectangle 15">
             <a:extLst>
               <a:ext uri="{FF2B5EF4-FFF2-40B4-BE49-F238E27FC236}">
                 <a16:creationId xmlns:a16="http://schemas.microsoft.com/office/drawing/2014/main" id="{979E27D9-03C7-44E2-9FF8-15D0C8506AF7}"/>
@@ -9158,7 +12355,7 @@
         <p:spPr>
           <a:xfrm>
             <a:off x="1136397" y="502021"/>
-            <a:ext cx="9688296" cy="1642969"/>
+            <a:ext cx="4959603" cy="1642969"/>
           </a:xfrm>
         </p:spPr>
         <p:txBody>
@@ -9168,7 +12365,7 @@
           <a:lstStyle/>
           <a:p>
             <a:r>
-              <a:rPr lang="en-CH" sz="4000"/>
+              <a:rPr lang="en-CH" sz="4000" dirty="0"/>
               <a:t>Studie</a:t>
             </a:r>
           </a:p>
@@ -9176,10 +12373,10 @@
       </p:sp>
       <p:sp>
         <p:nvSpPr>
-          <p:cNvPr id="3" name="Content Placeholder 2">
+          <p:cNvPr id="11" name="Content Placeholder 2">
             <a:extLst>
               <a:ext uri="{FF2B5EF4-FFF2-40B4-BE49-F238E27FC236}">
-                <a16:creationId xmlns:a16="http://schemas.microsoft.com/office/drawing/2014/main" id="{BC8D644B-59E1-D945-A6AC-CC55E25E5AB2}"/>
+                <a16:creationId xmlns:a16="http://schemas.microsoft.com/office/drawing/2014/main" id="{6140F0BD-4985-AE46-85DC-7634DEA93666}"/>
               </a:ext>
             </a:extLst>
           </p:cNvPr>
@@ -9192,8 +12389,8 @@
         </p:nvSpPr>
         <p:spPr>
           <a:xfrm>
-            <a:off x="1136397" y="2418409"/>
-            <a:ext cx="9688296" cy="3454358"/>
+            <a:off x="593472" y="2579024"/>
+            <a:ext cx="4959603" cy="3522569"/>
           </a:xfrm>
         </p:spPr>
         <p:txBody>
@@ -9206,63 +12403,61 @@
               <a:buNone/>
             </a:pPr>
             <a:r>
-              <a:rPr lang="en-CH" sz="2000"/>
-              <a:t>Stichprobendesign:</a:t>
+              <a:rPr lang="de-CH" sz="2000" dirty="0"/>
+              <a:t>Fehler in den Summen</a:t>
             </a:r>
           </a:p>
           <a:p>
+            <a:pPr marL="0" indent="0">
+              <a:buNone/>
+            </a:pPr>
             <a:r>
-              <a:rPr lang="de-CH" sz="2000"/>
-              <a:t>Einteilung in 3 Gruppen (von den Trainern selber)</a:t>
+              <a:rPr lang="de-CH" sz="2000" dirty="0"/>
+              <a:t>Wieder fehlende Werte?</a:t>
             </a:r>
-          </a:p>
-          <a:p>
-            <a:pPr lvl="1"/>
-            <a:r>
-              <a:rPr lang="de-CH" sz="2000"/>
-              <a:t>Weibliche Teilnehmer zw. 13 und 17 Jahren</a:t>
-            </a:r>
-          </a:p>
-          <a:p>
-            <a:pPr lvl="1"/>
-            <a:r>
-              <a:rPr lang="de-CH" sz="2000"/>
-              <a:t>Männlich Teilnehmer zw. 13 und 15 Jahren</a:t>
-            </a:r>
-            <a:endParaRPr lang="en-CH" sz="2000"/>
-          </a:p>
-          <a:p>
-            <a:pPr lvl="1"/>
-            <a:r>
-              <a:rPr lang="de-CH" sz="2000"/>
-              <a:t>Männliche Teilnehmer zw. 15 und 17 Jahren</a:t>
-            </a:r>
-            <a:r>
-              <a:rPr lang="en-CH" sz="2000"/>
-              <a:t>	</a:t>
-            </a:r>
-          </a:p>
-          <a:p>
-            <a:r>
-              <a:rPr lang="de-CH" sz="2000"/>
-              <a:t>Studie liefert keine Antwort ob auch so gezogen wurde</a:t>
-            </a:r>
-          </a:p>
-          <a:p>
-            <a:r>
-              <a:rPr lang="de-CH" sz="2000"/>
-              <a:t>Getestet wurde über die ganze Stichprobe</a:t>
-            </a:r>
-            <a:endParaRPr lang="en-CH" sz="2000"/>
-          </a:p>
-          <a:p>
-            <a:endParaRPr lang="en-CH" sz="2000"/>
+            <a:endParaRPr lang="en-CH" sz="2000" dirty="0"/>
+          </a:p>
+          <a:p>
+            <a:pPr marL="0" indent="0">
+              <a:buNone/>
+            </a:pPr>
+            <a:endParaRPr lang="en-CH" sz="2000" dirty="0"/>
           </a:p>
         </p:txBody>
       </p:sp>
+      <p:pic>
+        <p:nvPicPr>
+          <p:cNvPr id="7" name="Picture 6" descr="Table&#10;&#10;Description automatically generated">
+            <a:extLst>
+              <a:ext uri="{FF2B5EF4-FFF2-40B4-BE49-F238E27FC236}">
+                <a16:creationId xmlns:a16="http://schemas.microsoft.com/office/drawing/2014/main" id="{35752B81-40A0-924E-9F0C-0849FBEB6C7B}"/>
+              </a:ext>
+            </a:extLst>
+          </p:cNvPr>
+          <p:cNvPicPr>
+            <a:picLocks noChangeAspect="1"/>
+          </p:cNvPicPr>
+          <p:nvPr/>
+        </p:nvPicPr>
+        <p:blipFill>
+          <a:blip r:embed="rId2"/>
+          <a:stretch>
+            <a:fillRect/>
+          </a:stretch>
+        </p:blipFill>
+        <p:spPr>
+          <a:xfrm>
+            <a:off x="3294243" y="1275384"/>
+            <a:ext cx="8247135" cy="3802719"/>
+          </a:xfrm>
+          <a:prstGeom prst="rect">
+            <a:avLst/>
+          </a:prstGeom>
+        </p:spPr>
+      </p:pic>
       <p:sp>
         <p:nvSpPr>
-          <p:cNvPr id="6" name="Rectangle 9">
+          <p:cNvPr id="18" name="Rectangle 17">
             <a:extLst>
               <a:ext uri="{FF2B5EF4-FFF2-40B4-BE49-F238E27FC236}">
                 <a16:creationId xmlns:a16="http://schemas.microsoft.com/office/drawing/2014/main" id="{EEBF1590-3B36-48EE-A89D-3B6F3CB256AB}"/>
@@ -9333,7 +12528,7 @@
       </p:sp>
       <p:sp>
         <p:nvSpPr>
-          <p:cNvPr id="7" name="Rectangle 11">
+          <p:cNvPr id="20" name="Rectangle 19">
             <a:extLst>
               <a:ext uri="{FF2B5EF4-FFF2-40B4-BE49-F238E27FC236}">
                 <a16:creationId xmlns:a16="http://schemas.microsoft.com/office/drawing/2014/main" id="{AC8F6C8C-AB5A-4548-942D-E3FD40ACBC49}"/>
@@ -9409,7 +12604,7 @@
     </p:spTree>
     <p:extLst>
       <p:ext uri="{BB962C8B-B14F-4D97-AF65-F5344CB8AC3E}">
-        <p14:creationId xmlns:p14="http://schemas.microsoft.com/office/powerpoint/2010/main" val="3164298079"/>
+        <p14:creationId xmlns:p14="http://schemas.microsoft.com/office/powerpoint/2010/main" val="2786973226"/>
       </p:ext>
     </p:extLst>
   </p:cSld>
@@ -9449,7 +12644,7 @@
           <p:cNvPr id="16" name="Rectangle 15">
             <a:extLst>
               <a:ext uri="{FF2B5EF4-FFF2-40B4-BE49-F238E27FC236}">
-                <a16:creationId xmlns:a16="http://schemas.microsoft.com/office/drawing/2014/main" id="{979E27D9-03C7-44E2-9FF8-15D0C8506AF7}"/>
+                <a16:creationId xmlns:a16="http://schemas.microsoft.com/office/drawing/2014/main" id="{3346177D-ADC4-4968-B747-5CFCD390B5B9}"/>
               </a:ext>
               <a:ext uri="{C183D7F6-B498-43B3-948B-1728B52AA6E4}">
                 <adec:decorative xmlns:adec="http://schemas.microsoft.com/office/drawing/2017/decorative" val="1"/>
@@ -9538,8 +12733,8 @@
         </p:nvSpPr>
         <p:spPr>
           <a:xfrm>
-            <a:off x="1136397" y="502021"/>
-            <a:ext cx="4959603" cy="1642969"/>
+            <a:off x="458716" y="260341"/>
+            <a:ext cx="5754896" cy="1655483"/>
           </a:xfrm>
         </p:spPr>
         <p:txBody>
@@ -9549,92 +12744,18 @@
           <a:lstStyle/>
           <a:p>
             <a:r>
-              <a:rPr lang="en-CH" sz="4000"/>
+              <a:rPr lang="en-CH" sz="4000" dirty="0"/>
               <a:t>Studie</a:t>
             </a:r>
           </a:p>
         </p:txBody>
       </p:sp>
-      <p:sp>
-        <p:nvSpPr>
-          <p:cNvPr id="11" name="Content Placeholder 2">
-            <a:extLst>
-              <a:ext uri="{FF2B5EF4-FFF2-40B4-BE49-F238E27FC236}">
-                <a16:creationId xmlns:a16="http://schemas.microsoft.com/office/drawing/2014/main" id="{6140F0BD-4985-AE46-85DC-7634DEA93666}"/>
-              </a:ext>
-            </a:extLst>
-          </p:cNvPr>
-          <p:cNvSpPr>
-            <a:spLocks noGrp="1"/>
-          </p:cNvSpPr>
-          <p:nvPr>
-            <p:ph idx="1"/>
-          </p:nvPr>
-        </p:nvSpPr>
-        <p:spPr>
-          <a:xfrm>
-            <a:off x="1136397" y="2418408"/>
-            <a:ext cx="4959603" cy="3522569"/>
-          </a:xfrm>
-        </p:spPr>
-        <p:txBody>
-          <a:bodyPr anchor="t">
-            <a:normAutofit/>
-          </a:bodyPr>
-          <a:lstStyle/>
-          <a:p>
-            <a:pPr marL="0" indent="0">
-              <a:buNone/>
-            </a:pPr>
-            <a:r>
-              <a:rPr lang="en-CH" sz="2000"/>
-              <a:t>Designgewichte:</a:t>
-            </a:r>
-          </a:p>
-          <a:p>
-            <a:pPr marL="0" indent="0">
-              <a:buNone/>
-            </a:pPr>
-            <a:endParaRPr lang="en-CH" sz="2000" dirty="0"/>
-          </a:p>
-        </p:txBody>
-      </p:sp>
-      <p:pic>
-        <p:nvPicPr>
-          <p:cNvPr id="7" name="Picture 6" descr="Table&#10;&#10;Description automatically generated">
-            <a:extLst>
-              <a:ext uri="{FF2B5EF4-FFF2-40B4-BE49-F238E27FC236}">
-                <a16:creationId xmlns:a16="http://schemas.microsoft.com/office/drawing/2014/main" id="{35752B81-40A0-924E-9F0C-0849FBEB6C7B}"/>
-              </a:ext>
-            </a:extLst>
-          </p:cNvPr>
-          <p:cNvPicPr>
-            <a:picLocks noChangeAspect="1"/>
-          </p:cNvPicPr>
-          <p:nvPr/>
-        </p:nvPicPr>
-        <p:blipFill>
-          <a:blip r:embed="rId2"/>
-          <a:stretch>
-            <a:fillRect/>
-          </a:stretch>
-        </p:blipFill>
-        <p:spPr>
-          <a:xfrm>
-            <a:off x="6512442" y="2084398"/>
-            <a:ext cx="5201023" cy="2275447"/>
-          </a:xfrm>
-          <a:prstGeom prst="rect">
-            <a:avLst/>
-          </a:prstGeom>
-        </p:spPr>
-      </p:pic>
       <p:sp>
         <p:nvSpPr>
           <p:cNvPr id="18" name="Rectangle 17">
             <a:extLst>
               <a:ext uri="{FF2B5EF4-FFF2-40B4-BE49-F238E27FC236}">
-                <a16:creationId xmlns:a16="http://schemas.microsoft.com/office/drawing/2014/main" id="{EEBF1590-3B36-48EE-A89D-3B6F3CB256AB}"/>
+                <a16:creationId xmlns:a16="http://schemas.microsoft.com/office/drawing/2014/main" id="{0844A943-BF79-4FEA-ABB1-3BD54D236606}"/>
               </a:ext>
               <a:ext uri="{C183D7F6-B498-43B3-948B-1728B52AA6E4}">
                 <adec:decorative xmlns:adec="http://schemas.microsoft.com/office/drawing/2017/decorative" val="1"/>
@@ -9705,7 +12826,7 @@
           <p:cNvPr id="20" name="Rectangle 19">
             <a:extLst>
               <a:ext uri="{FF2B5EF4-FFF2-40B4-BE49-F238E27FC236}">
-                <a16:creationId xmlns:a16="http://schemas.microsoft.com/office/drawing/2014/main" id="{AC8F6C8C-AB5A-4548-942D-E3FD40ACBC49}"/>
+                <a16:creationId xmlns:a16="http://schemas.microsoft.com/office/drawing/2014/main" id="{6437CC72-F4A8-4DC3-AFAB-D22C482C8100}"/>
               </a:ext>
               <a:ext uri="{C183D7F6-B498-43B3-948B-1728B52AA6E4}">
                 <adec:decorative xmlns:adec="http://schemas.microsoft.com/office/drawing/2017/decorative" val="1"/>
@@ -9775,10 +12896,291 @@
           </a:p>
         </p:txBody>
       </p:sp>
+      <p:pic>
+        <p:nvPicPr>
+          <p:cNvPr id="3" name="Grafik 2">
+            <a:extLst>
+              <a:ext uri="{FF2B5EF4-FFF2-40B4-BE49-F238E27FC236}">
+                <a16:creationId xmlns:a16="http://schemas.microsoft.com/office/drawing/2014/main" id="{CFC1A70A-C400-4109-8A1D-F20A607787EB}"/>
+              </a:ext>
+            </a:extLst>
+          </p:cNvPr>
+          <p:cNvPicPr>
+            <a:picLocks noChangeAspect="1"/>
+          </p:cNvPicPr>
+          <p:nvPr/>
+        </p:nvPicPr>
+        <p:blipFill>
+          <a:blip r:embed="rId2"/>
+          <a:stretch>
+            <a:fillRect/>
+          </a:stretch>
+        </p:blipFill>
+        <p:spPr>
+          <a:xfrm>
+            <a:off x="3723331" y="737597"/>
+            <a:ext cx="6969382" cy="4823888"/>
+          </a:xfrm>
+          <a:prstGeom prst="rect">
+            <a:avLst/>
+          </a:prstGeom>
+        </p:spPr>
+      </p:pic>
+      <p:sp>
+        <p:nvSpPr>
+          <p:cNvPr id="10" name="Content Placeholder 2">
+            <a:extLst>
+              <a:ext uri="{FF2B5EF4-FFF2-40B4-BE49-F238E27FC236}">
+                <a16:creationId xmlns:a16="http://schemas.microsoft.com/office/drawing/2014/main" id="{18BD6B36-6571-41FB-A52D-18C1C49CA7A8}"/>
+              </a:ext>
+            </a:extLst>
+          </p:cNvPr>
+          <p:cNvSpPr txBox="1">
+            <a:spLocks/>
+          </p:cNvSpPr>
+          <p:nvPr/>
+        </p:nvSpPr>
+        <p:spPr>
+          <a:xfrm>
+            <a:off x="243056" y="6517792"/>
+            <a:ext cx="2442635" cy="340208"/>
+          </a:xfrm>
+          <a:prstGeom prst="rect">
+            <a:avLst/>
+          </a:prstGeom>
+        </p:spPr>
+        <p:txBody>
+          <a:bodyPr vert="horz" lIns="91440" tIns="45720" rIns="91440" bIns="45720" rtlCol="0" anchor="t">
+            <a:normAutofit/>
+          </a:bodyPr>
+          <a:lstStyle>
+            <a:lvl1pPr marL="228600" indent="-228600" algn="l" defTabSz="914400" rtl="0" eaLnBrk="1" latinLnBrk="0" hangingPunct="1">
+              <a:lnSpc>
+                <a:spcPct val="90000"/>
+              </a:lnSpc>
+              <a:spcBef>
+                <a:spcPts val="1000"/>
+              </a:spcBef>
+              <a:buFont typeface="Arial" panose="020B0604020202020204" pitchFamily="34" charset="0"/>
+              <a:buChar char="•"/>
+              <a:defRPr sz="2800" kern="1200">
+                <a:solidFill>
+                  <a:schemeClr val="tx1"/>
+                </a:solidFill>
+                <a:latin typeface="+mn-lt"/>
+                <a:ea typeface="+mn-ea"/>
+                <a:cs typeface="+mn-cs"/>
+              </a:defRPr>
+            </a:lvl1pPr>
+            <a:lvl2pPr marL="685800" indent="-228600" algn="l" defTabSz="914400" rtl="0" eaLnBrk="1" latinLnBrk="0" hangingPunct="1">
+              <a:lnSpc>
+                <a:spcPct val="90000"/>
+              </a:lnSpc>
+              <a:spcBef>
+                <a:spcPts val="500"/>
+              </a:spcBef>
+              <a:buFont typeface="Arial" panose="020B0604020202020204" pitchFamily="34" charset="0"/>
+              <a:buChar char="•"/>
+              <a:defRPr sz="2400" kern="1200">
+                <a:solidFill>
+                  <a:schemeClr val="tx1"/>
+                </a:solidFill>
+                <a:latin typeface="+mn-lt"/>
+                <a:ea typeface="+mn-ea"/>
+                <a:cs typeface="+mn-cs"/>
+              </a:defRPr>
+            </a:lvl2pPr>
+            <a:lvl3pPr marL="1143000" indent="-228600" algn="l" defTabSz="914400" rtl="0" eaLnBrk="1" latinLnBrk="0" hangingPunct="1">
+              <a:lnSpc>
+                <a:spcPct val="90000"/>
+              </a:lnSpc>
+              <a:spcBef>
+                <a:spcPts val="500"/>
+              </a:spcBef>
+              <a:buFont typeface="Arial" panose="020B0604020202020204" pitchFamily="34" charset="0"/>
+              <a:buChar char="•"/>
+              <a:defRPr sz="2000" kern="1200">
+                <a:solidFill>
+                  <a:schemeClr val="tx1"/>
+                </a:solidFill>
+                <a:latin typeface="+mn-lt"/>
+                <a:ea typeface="+mn-ea"/>
+                <a:cs typeface="+mn-cs"/>
+              </a:defRPr>
+            </a:lvl3pPr>
+            <a:lvl4pPr marL="1600200" indent="-228600" algn="l" defTabSz="914400" rtl="0" eaLnBrk="1" latinLnBrk="0" hangingPunct="1">
+              <a:lnSpc>
+                <a:spcPct val="90000"/>
+              </a:lnSpc>
+              <a:spcBef>
+                <a:spcPts val="500"/>
+              </a:spcBef>
+              <a:buFont typeface="Arial" panose="020B0604020202020204" pitchFamily="34" charset="0"/>
+              <a:buChar char="•"/>
+              <a:defRPr sz="1800" kern="1200">
+                <a:solidFill>
+                  <a:schemeClr val="tx1"/>
+                </a:solidFill>
+                <a:latin typeface="+mn-lt"/>
+                <a:ea typeface="+mn-ea"/>
+                <a:cs typeface="+mn-cs"/>
+              </a:defRPr>
+            </a:lvl4pPr>
+            <a:lvl5pPr marL="2057400" indent="-228600" algn="l" defTabSz="914400" rtl="0" eaLnBrk="1" latinLnBrk="0" hangingPunct="1">
+              <a:lnSpc>
+                <a:spcPct val="90000"/>
+              </a:lnSpc>
+              <a:spcBef>
+                <a:spcPts val="500"/>
+              </a:spcBef>
+              <a:buFont typeface="Arial" panose="020B0604020202020204" pitchFamily="34" charset="0"/>
+              <a:buChar char="•"/>
+              <a:defRPr sz="1800" kern="1200">
+                <a:solidFill>
+                  <a:schemeClr val="tx1"/>
+                </a:solidFill>
+                <a:latin typeface="+mn-lt"/>
+                <a:ea typeface="+mn-ea"/>
+                <a:cs typeface="+mn-cs"/>
+              </a:defRPr>
+            </a:lvl5pPr>
+            <a:lvl6pPr marL="2514600" indent="-228600" algn="l" defTabSz="914400" rtl="0" eaLnBrk="1" latinLnBrk="0" hangingPunct="1">
+              <a:lnSpc>
+                <a:spcPct val="90000"/>
+              </a:lnSpc>
+              <a:spcBef>
+                <a:spcPts val="500"/>
+              </a:spcBef>
+              <a:buFont typeface="Arial" panose="020B0604020202020204" pitchFamily="34" charset="0"/>
+              <a:buChar char="•"/>
+              <a:defRPr sz="1800" kern="1200">
+                <a:solidFill>
+                  <a:schemeClr val="tx1"/>
+                </a:solidFill>
+                <a:latin typeface="+mn-lt"/>
+                <a:ea typeface="+mn-ea"/>
+                <a:cs typeface="+mn-cs"/>
+              </a:defRPr>
+            </a:lvl6pPr>
+            <a:lvl7pPr marL="2971800" indent="-228600" algn="l" defTabSz="914400" rtl="0" eaLnBrk="1" latinLnBrk="0" hangingPunct="1">
+              <a:lnSpc>
+                <a:spcPct val="90000"/>
+              </a:lnSpc>
+              <a:spcBef>
+                <a:spcPts val="500"/>
+              </a:spcBef>
+              <a:buFont typeface="Arial" panose="020B0604020202020204" pitchFamily="34" charset="0"/>
+              <a:buChar char="•"/>
+              <a:defRPr sz="1800" kern="1200">
+                <a:solidFill>
+                  <a:schemeClr val="tx1"/>
+                </a:solidFill>
+                <a:latin typeface="+mn-lt"/>
+                <a:ea typeface="+mn-ea"/>
+                <a:cs typeface="+mn-cs"/>
+              </a:defRPr>
+            </a:lvl7pPr>
+            <a:lvl8pPr marL="3429000" indent="-228600" algn="l" defTabSz="914400" rtl="0" eaLnBrk="1" latinLnBrk="0" hangingPunct="1">
+              <a:lnSpc>
+                <a:spcPct val="90000"/>
+              </a:lnSpc>
+              <a:spcBef>
+                <a:spcPts val="500"/>
+              </a:spcBef>
+              <a:buFont typeface="Arial" panose="020B0604020202020204" pitchFamily="34" charset="0"/>
+              <a:buChar char="•"/>
+              <a:defRPr sz="1800" kern="1200">
+                <a:solidFill>
+                  <a:schemeClr val="tx1"/>
+                </a:solidFill>
+                <a:latin typeface="+mn-lt"/>
+                <a:ea typeface="+mn-ea"/>
+                <a:cs typeface="+mn-cs"/>
+              </a:defRPr>
+            </a:lvl8pPr>
+            <a:lvl9pPr marL="3886200" indent="-228600" algn="l" defTabSz="914400" rtl="0" eaLnBrk="1" latinLnBrk="0" hangingPunct="1">
+              <a:lnSpc>
+                <a:spcPct val="90000"/>
+              </a:lnSpc>
+              <a:spcBef>
+                <a:spcPts val="500"/>
+              </a:spcBef>
+              <a:buFont typeface="Arial" panose="020B0604020202020204" pitchFamily="34" charset="0"/>
+              <a:buChar char="•"/>
+              <a:defRPr sz="1800" kern="1200">
+                <a:solidFill>
+                  <a:schemeClr val="tx1"/>
+                </a:solidFill>
+                <a:latin typeface="+mn-lt"/>
+                <a:ea typeface="+mn-ea"/>
+                <a:cs typeface="+mn-cs"/>
+              </a:defRPr>
+            </a:lvl9pPr>
+          </a:lstStyle>
+          <a:p>
+            <a:pPr marL="0" indent="0">
+              <a:buFont typeface="Arial" panose="020B0604020202020204" pitchFamily="34" charset="0"/>
+              <a:buNone/>
+            </a:pPr>
+            <a:r>
+              <a:rPr lang="de-CH" sz="800" dirty="0"/>
+              <a:t>Grafik mit R erzeugt</a:t>
+            </a:r>
+          </a:p>
+          <a:p>
+            <a:pPr marL="0" indent="0">
+              <a:buFont typeface="Arial" panose="020B0604020202020204" pitchFamily="34" charset="0"/>
+              <a:buNone/>
+            </a:pPr>
+            <a:endParaRPr lang="en-CH" sz="2000" dirty="0"/>
+          </a:p>
+          <a:p>
+            <a:pPr marL="0" indent="0">
+              <a:buFont typeface="Arial" panose="020B0604020202020204" pitchFamily="34" charset="0"/>
+              <a:buNone/>
+            </a:pPr>
+            <a:endParaRPr lang="en-CH" sz="2000" dirty="0"/>
+          </a:p>
+        </p:txBody>
+      </p:sp>
+      <p:sp>
+        <p:nvSpPr>
+          <p:cNvPr id="5" name="Rechteck 4">
+            <a:extLst>
+              <a:ext uri="{FF2B5EF4-FFF2-40B4-BE49-F238E27FC236}">
+                <a16:creationId xmlns:a16="http://schemas.microsoft.com/office/drawing/2014/main" id="{17E5275F-623F-49EA-A0D6-A5A4224CD113}"/>
+              </a:ext>
+            </a:extLst>
+          </p:cNvPr>
+          <p:cNvSpPr/>
+          <p:nvPr/>
+        </p:nvSpPr>
+        <p:spPr>
+          <a:xfrm>
+            <a:off x="513943" y="2780209"/>
+            <a:ext cx="2171748" cy="369332"/>
+          </a:xfrm>
+          <a:prstGeom prst="rect">
+            <a:avLst/>
+          </a:prstGeom>
+        </p:spPr>
+        <p:txBody>
+          <a:bodyPr wrap="none">
+            <a:spAutoFit/>
+          </a:bodyPr>
+          <a:lstStyle/>
+          <a:p>
+            <a:r>
+              <a:rPr lang="de-CH" dirty="0"/>
+              <a:t>Gewichte angepasst?</a:t>
+            </a:r>
+          </a:p>
+        </p:txBody>
+      </p:sp>
     </p:spTree>
     <p:extLst>
       <p:ext uri="{BB962C8B-B14F-4D97-AF65-F5344CB8AC3E}">
-        <p14:creationId xmlns:p14="http://schemas.microsoft.com/office/powerpoint/2010/main" val="2786973226"/>
+        <p14:creationId xmlns:p14="http://schemas.microsoft.com/office/powerpoint/2010/main" val="1558388661"/>
       </p:ext>
     </p:extLst>
   </p:cSld>
@@ -9815,10 +13217,10 @@
       </p:grpSpPr>
       <p:sp useBgFill="1">
         <p:nvSpPr>
-          <p:cNvPr id="16" name="Rectangle 15">
+          <p:cNvPr id="13" name="Rectangle 15">
             <a:extLst>
               <a:ext uri="{FF2B5EF4-FFF2-40B4-BE49-F238E27FC236}">
-                <a16:creationId xmlns:a16="http://schemas.microsoft.com/office/drawing/2014/main" id="{3346177D-ADC4-4968-B747-5CFCD390B5B9}"/>
+                <a16:creationId xmlns:a16="http://schemas.microsoft.com/office/drawing/2014/main" id="{B712E947-0734-45F9-9C4F-41114EC3A33E}"/>
               </a:ext>
               <a:ext uri="{C183D7F6-B498-43B3-948B-1728B52AA6E4}">
                 <adec:decorative xmlns:adec="http://schemas.microsoft.com/office/drawing/2017/decorative" val="1"/>
@@ -9891,118 +13293,10 @@
       </p:sp>
       <p:sp>
         <p:nvSpPr>
-          <p:cNvPr id="2" name="Title 1">
+          <p:cNvPr id="14" name="Rectangle 17">
             <a:extLst>
               <a:ext uri="{FF2B5EF4-FFF2-40B4-BE49-F238E27FC236}">
-                <a16:creationId xmlns:a16="http://schemas.microsoft.com/office/drawing/2014/main" id="{1F4CB0B1-7592-D248-BB70-2D4CDB554DB1}"/>
-              </a:ext>
-            </a:extLst>
-          </p:cNvPr>
-          <p:cNvSpPr>
-            <a:spLocks noGrp="1"/>
-          </p:cNvSpPr>
-          <p:nvPr>
-            <p:ph type="title"/>
-          </p:nvPr>
-        </p:nvSpPr>
-        <p:spPr>
-          <a:xfrm>
-            <a:off x="5596501" y="501594"/>
-            <a:ext cx="5754896" cy="1655483"/>
-          </a:xfrm>
-        </p:spPr>
-        <p:txBody>
-          <a:bodyPr anchor="b">
-            <a:normAutofit/>
-          </a:bodyPr>
-          <a:lstStyle/>
-          <a:p>
-            <a:r>
-              <a:rPr lang="en-CH" sz="4000"/>
-              <a:t>Studie</a:t>
-            </a:r>
-          </a:p>
-        </p:txBody>
-      </p:sp>
-      <p:pic>
-        <p:nvPicPr>
-          <p:cNvPr id="9" name="Picture 8" descr="Chart, bar chart&#10;&#10;Description automatically generated">
-            <a:extLst>
-              <a:ext uri="{FF2B5EF4-FFF2-40B4-BE49-F238E27FC236}">
-                <a16:creationId xmlns:a16="http://schemas.microsoft.com/office/drawing/2014/main" id="{B0F8582B-19AF-AE4E-B676-B4A36EC7DBE3}"/>
-              </a:ext>
-            </a:extLst>
-          </p:cNvPr>
-          <p:cNvPicPr>
-            <a:picLocks noChangeAspect="1"/>
-          </p:cNvPicPr>
-          <p:nvPr/>
-        </p:nvPicPr>
-        <p:blipFill rotWithShape="1">
-          <a:blip r:embed="rId2"/>
-          <a:srcRect l="20361" r="14638" b="1"/>
-          <a:stretch/>
-        </p:blipFill>
-        <p:spPr>
-          <a:xfrm>
-            <a:off x="1068130" y="1028701"/>
-            <a:ext cx="3876165" cy="4338170"/>
-          </a:xfrm>
-          <a:prstGeom prst="rect">
-            <a:avLst/>
-          </a:prstGeom>
-        </p:spPr>
-      </p:pic>
-      <p:sp>
-        <p:nvSpPr>
-          <p:cNvPr id="11" name="Content Placeholder 2">
-            <a:extLst>
-              <a:ext uri="{FF2B5EF4-FFF2-40B4-BE49-F238E27FC236}">
-                <a16:creationId xmlns:a16="http://schemas.microsoft.com/office/drawing/2014/main" id="{6140F0BD-4985-AE46-85DC-7634DEA93666}"/>
-              </a:ext>
-            </a:extLst>
-          </p:cNvPr>
-          <p:cNvSpPr>
-            <a:spLocks noGrp="1"/>
-          </p:cNvSpPr>
-          <p:nvPr>
-            <p:ph idx="1"/>
-          </p:nvPr>
-        </p:nvSpPr>
-        <p:spPr>
-          <a:xfrm>
-            <a:off x="5596502" y="2405894"/>
-            <a:ext cx="5754896" cy="3014765"/>
-          </a:xfrm>
-        </p:spPr>
-        <p:txBody>
-          <a:bodyPr anchor="t">
-            <a:normAutofit/>
-          </a:bodyPr>
-          <a:lstStyle/>
-          <a:p>
-            <a:pPr marL="0" indent="0">
-              <a:buNone/>
-            </a:pPr>
-            <a:r>
-              <a:rPr lang="en-CH" sz="2000"/>
-              <a:t>Designgewichte:</a:t>
-            </a:r>
-          </a:p>
-          <a:p>
-            <a:pPr marL="0" indent="0">
-              <a:buNone/>
-            </a:pPr>
-            <a:endParaRPr lang="en-CH" sz="2000" dirty="0"/>
-          </a:p>
-        </p:txBody>
-      </p:sp>
-      <p:sp>
-        <p:nvSpPr>
-          <p:cNvPr id="18" name="Rectangle 17">
-            <a:extLst>
-              <a:ext uri="{FF2B5EF4-FFF2-40B4-BE49-F238E27FC236}">
-                <a16:creationId xmlns:a16="http://schemas.microsoft.com/office/drawing/2014/main" id="{0844A943-BF79-4FEA-ABB1-3BD54D236606}"/>
+                <a16:creationId xmlns:a16="http://schemas.microsoft.com/office/drawing/2014/main" id="{5A65989E-BBD5-44D7-AA86-7AFD5D46BBC0}"/>
               </a:ext>
               <a:ext uri="{C183D7F6-B498-43B3-948B-1728B52AA6E4}">
                 <adec:decorative xmlns:adec="http://schemas.microsoft.com/office/drawing/2017/decorative" val="1"/>
@@ -10033,11 +13327,11 @@
               <a:gs pos="0">
                 <a:schemeClr val="accent1"/>
               </a:gs>
-              <a:gs pos="78000">
+              <a:gs pos="66000">
                 <a:srgbClr val="000000"/>
               </a:gs>
             </a:gsLst>
-            <a:lin ang="2400000" scaled="0"/>
+            <a:lin ang="10200000" scaled="0"/>
           </a:gradFill>
           <a:ln>
             <a:noFill/>
@@ -10070,10 +13364,10 @@
       </p:sp>
       <p:sp>
         <p:nvSpPr>
-          <p:cNvPr id="20" name="Rectangle 19">
+          <p:cNvPr id="15" name="Rectangle 19">
             <a:extLst>
               <a:ext uri="{FF2B5EF4-FFF2-40B4-BE49-F238E27FC236}">
-                <a16:creationId xmlns:a16="http://schemas.microsoft.com/office/drawing/2014/main" id="{6437CC72-F4A8-4DC3-AFAB-D22C482C8100}"/>
+                <a16:creationId xmlns:a16="http://schemas.microsoft.com/office/drawing/2014/main" id="{231A2881-D8D7-4A7D-ACA3-E9F849F853D8}"/>
               </a:ext>
               <a:ext uri="{C183D7F6-B498-43B3-948B-1728B52AA6E4}">
                 <adec:decorative xmlns:adec="http://schemas.microsoft.com/office/drawing/2017/decorative" val="1"/>
@@ -10093,7 +13387,7 @@
         </p:nvSpPr>
         <p:spPr>
           <a:xfrm flipH="1">
-            <a:off x="4038600" y="6400799"/>
+            <a:off x="1" y="6400800"/>
             <a:ext cx="8153398" cy="456772"/>
           </a:xfrm>
           <a:prstGeom prst="rect">
@@ -10112,7 +13406,7 @@
                 </a:schemeClr>
               </a:gs>
             </a:gsLst>
-            <a:lin ang="13800000" scaled="0"/>
+            <a:lin ang="17400000" scaled="0"/>
           </a:gradFill>
           <a:ln>
             <a:noFill/>
@@ -10143,10 +13437,547 @@
           </a:p>
         </p:txBody>
       </p:sp>
+      <p:pic>
+        <p:nvPicPr>
+          <p:cNvPr id="9" name="Grafik 8">
+            <a:extLst>
+              <a:ext uri="{FF2B5EF4-FFF2-40B4-BE49-F238E27FC236}">
+                <a16:creationId xmlns:a16="http://schemas.microsoft.com/office/drawing/2014/main" id="{13509C07-F2CA-43FB-AD75-643AAE26746F}"/>
+              </a:ext>
+            </a:extLst>
+          </p:cNvPr>
+          <p:cNvPicPr>
+            <a:picLocks noChangeAspect="1"/>
+          </p:cNvPicPr>
+          <p:nvPr/>
+        </p:nvPicPr>
+        <p:blipFill>
+          <a:blip r:embed="rId2"/>
+          <a:stretch>
+            <a:fillRect/>
+          </a:stretch>
+        </p:blipFill>
+        <p:spPr>
+          <a:xfrm>
+            <a:off x="1505245" y="1800895"/>
+            <a:ext cx="9181510" cy="3931533"/>
+          </a:xfrm>
+          <a:prstGeom prst="rect">
+            <a:avLst/>
+          </a:prstGeom>
+        </p:spPr>
+      </p:pic>
+      <p:sp>
+        <p:nvSpPr>
+          <p:cNvPr id="19" name="Title 1">
+            <a:extLst>
+              <a:ext uri="{FF2B5EF4-FFF2-40B4-BE49-F238E27FC236}">
+                <a16:creationId xmlns:a16="http://schemas.microsoft.com/office/drawing/2014/main" id="{9391F908-9CEE-48C8-9769-77792DB146BA}"/>
+              </a:ext>
+            </a:extLst>
+          </p:cNvPr>
+          <p:cNvSpPr>
+            <a:spLocks noGrp="1"/>
+          </p:cNvSpPr>
+          <p:nvPr>
+            <p:ph type="title"/>
+          </p:nvPr>
+        </p:nvSpPr>
+        <p:spPr>
+          <a:xfrm>
+            <a:off x="593651" y="-743868"/>
+            <a:ext cx="10515600" cy="1325563"/>
+          </a:xfrm>
+        </p:spPr>
+        <p:txBody>
+          <a:bodyPr anchor="b">
+            <a:normAutofit/>
+          </a:bodyPr>
+          <a:lstStyle/>
+          <a:p>
+            <a:r>
+              <a:rPr lang="en-CH" sz="4000" dirty="0"/>
+              <a:t>Studie</a:t>
+            </a:r>
+          </a:p>
+        </p:txBody>
+      </p:sp>
+      <p:grpSp>
+        <p:nvGrpSpPr>
+          <p:cNvPr id="25" name="Gruppieren 24">
+            <a:extLst>
+              <a:ext uri="{FF2B5EF4-FFF2-40B4-BE49-F238E27FC236}">
+                <a16:creationId xmlns:a16="http://schemas.microsoft.com/office/drawing/2014/main" id="{15FA7DCA-9F00-4677-920E-8AEFD25B3CF5}"/>
+              </a:ext>
+            </a:extLst>
+          </p:cNvPr>
+          <p:cNvGrpSpPr/>
+          <p:nvPr/>
+        </p:nvGrpSpPr>
+        <p:grpSpPr>
+          <a:xfrm>
+            <a:off x="5013960" y="736808"/>
+            <a:ext cx="5537713" cy="1863517"/>
+            <a:chOff x="5013960" y="736808"/>
+            <a:chExt cx="5537713" cy="1863517"/>
+          </a:xfrm>
+        </p:grpSpPr>
+        <p:sp>
+          <p:nvSpPr>
+            <p:cNvPr id="10" name="Ellipse 9">
+              <a:extLst>
+                <a:ext uri="{FF2B5EF4-FFF2-40B4-BE49-F238E27FC236}">
+                  <a16:creationId xmlns:a16="http://schemas.microsoft.com/office/drawing/2014/main" id="{A8A93C64-4EB2-4DB8-B3DF-269CD3265564}"/>
+                </a:ext>
+              </a:extLst>
+            </p:cNvPr>
+            <p:cNvSpPr/>
+            <p:nvPr/>
+          </p:nvSpPr>
+          <p:spPr>
+            <a:xfrm>
+              <a:off x="5280660" y="1931670"/>
+              <a:ext cx="5271013" cy="668655"/>
+            </a:xfrm>
+            <a:prstGeom prst="ellipse">
+              <a:avLst/>
+            </a:prstGeom>
+            <a:noFill/>
+            <a:ln>
+              <a:solidFill>
+                <a:srgbClr val="FF0000"/>
+              </a:solidFill>
+            </a:ln>
+          </p:spPr>
+          <p:style>
+            <a:lnRef idx="2">
+              <a:schemeClr val="accent1">
+                <a:shade val="50000"/>
+              </a:schemeClr>
+            </a:lnRef>
+            <a:fillRef idx="1">
+              <a:schemeClr val="accent1"/>
+            </a:fillRef>
+            <a:effectRef idx="0">
+              <a:schemeClr val="accent1"/>
+            </a:effectRef>
+            <a:fontRef idx="minor">
+              <a:schemeClr val="lt1"/>
+            </a:fontRef>
+          </p:style>
+          <p:txBody>
+            <a:bodyPr rtlCol="0" anchor="ctr"/>
+            <a:lstStyle/>
+            <a:p>
+              <a:pPr algn="ctr"/>
+              <a:endParaRPr lang="de-CH" dirty="0">
+                <a:ln>
+                  <a:solidFill>
+                    <a:schemeClr val="tx1"/>
+                  </a:solidFill>
+                </a:ln>
+                <a:noFill/>
+              </a:endParaRPr>
+            </a:p>
+          </p:txBody>
+        </p:sp>
+        <p:cxnSp>
+          <p:nvCxnSpPr>
+            <p:cNvPr id="21" name="Gerade Verbindung mit Pfeil 20">
+              <a:extLst>
+                <a:ext uri="{FF2B5EF4-FFF2-40B4-BE49-F238E27FC236}">
+                  <a16:creationId xmlns:a16="http://schemas.microsoft.com/office/drawing/2014/main" id="{0E823B0E-8C56-4DB7-B42F-978CE66A2D96}"/>
+                </a:ext>
+              </a:extLst>
+            </p:cNvPr>
+            <p:cNvCxnSpPr>
+              <a:cxnSpLocks/>
+            </p:cNvCxnSpPr>
+            <p:nvPr/>
+          </p:nvCxnSpPr>
+          <p:spPr>
+            <a:xfrm>
+              <a:off x="5612130" y="1405890"/>
+              <a:ext cx="1214437" cy="547019"/>
+            </a:xfrm>
+            <a:prstGeom prst="straightConnector1">
+              <a:avLst/>
+            </a:prstGeom>
+            <a:ln>
+              <a:solidFill>
+                <a:srgbClr val="FF0000"/>
+              </a:solidFill>
+              <a:tailEnd type="triangle"/>
+            </a:ln>
+          </p:spPr>
+          <p:style>
+            <a:lnRef idx="1">
+              <a:schemeClr val="accent1"/>
+            </a:lnRef>
+            <a:fillRef idx="0">
+              <a:schemeClr val="accent1"/>
+            </a:fillRef>
+            <a:effectRef idx="0">
+              <a:schemeClr val="accent1"/>
+            </a:effectRef>
+            <a:fontRef idx="minor">
+              <a:schemeClr val="tx1"/>
+            </a:fontRef>
+          </p:style>
+        </p:cxnSp>
+        <p:sp>
+          <p:nvSpPr>
+            <p:cNvPr id="24" name="Title 1">
+              <a:extLst>
+                <a:ext uri="{FF2B5EF4-FFF2-40B4-BE49-F238E27FC236}">
+                  <a16:creationId xmlns:a16="http://schemas.microsoft.com/office/drawing/2014/main" id="{4DA3884C-541B-4414-94C9-502E7486537E}"/>
+                </a:ext>
+              </a:extLst>
+            </p:cNvPr>
+            <p:cNvSpPr txBox="1">
+              <a:spLocks/>
+            </p:cNvSpPr>
+            <p:nvPr/>
+          </p:nvSpPr>
+          <p:spPr>
+            <a:xfrm>
+              <a:off x="5013960" y="736808"/>
+              <a:ext cx="3935730" cy="662940"/>
+            </a:xfrm>
+            <a:prstGeom prst="rect">
+              <a:avLst/>
+            </a:prstGeom>
+          </p:spPr>
+          <p:txBody>
+            <a:bodyPr vert="horz" lIns="91440" tIns="45720" rIns="91440" bIns="45720" rtlCol="0" anchor="b">
+              <a:normAutofit/>
+            </a:bodyPr>
+            <a:lstStyle>
+              <a:lvl1pPr algn="l" defTabSz="914400" rtl="0" eaLnBrk="1" latinLnBrk="0" hangingPunct="1">
+                <a:lnSpc>
+                  <a:spcPct val="90000"/>
+                </a:lnSpc>
+                <a:spcBef>
+                  <a:spcPct val="0"/>
+                </a:spcBef>
+                <a:buNone/>
+                <a:defRPr sz="4400" kern="1200">
+                  <a:solidFill>
+                    <a:schemeClr val="tx1"/>
+                  </a:solidFill>
+                  <a:latin typeface="+mj-lt"/>
+                  <a:ea typeface="+mj-ea"/>
+                  <a:cs typeface="+mj-cs"/>
+                </a:defRPr>
+              </a:lvl1pPr>
+            </a:lstStyle>
+            <a:p>
+              <a:r>
+                <a:rPr lang="de-CH" sz="1200" dirty="0"/>
+                <a:t>RM ANOVA</a:t>
+              </a:r>
+              <a:endParaRPr lang="en-CH" sz="1200" dirty="0"/>
+            </a:p>
+          </p:txBody>
+        </p:sp>
+      </p:grpSp>
+      <p:sp>
+        <p:nvSpPr>
+          <p:cNvPr id="26" name="Ellipse 25">
+            <a:extLst>
+              <a:ext uri="{FF2B5EF4-FFF2-40B4-BE49-F238E27FC236}">
+                <a16:creationId xmlns:a16="http://schemas.microsoft.com/office/drawing/2014/main" id="{26C26206-A6F0-4808-B23D-1EFE9CA41032}"/>
+              </a:ext>
+            </a:extLst>
+          </p:cNvPr>
+          <p:cNvSpPr/>
+          <p:nvPr/>
+        </p:nvSpPr>
+        <p:spPr>
+          <a:xfrm>
+            <a:off x="5456118" y="2487930"/>
+            <a:ext cx="2588698" cy="480060"/>
+          </a:xfrm>
+          <a:prstGeom prst="ellipse">
+            <a:avLst/>
+          </a:prstGeom>
+          <a:noFill/>
+        </p:spPr>
+        <p:style>
+          <a:lnRef idx="2">
+            <a:schemeClr val="accent1">
+              <a:shade val="50000"/>
+            </a:schemeClr>
+          </a:lnRef>
+          <a:fillRef idx="1">
+            <a:schemeClr val="accent1"/>
+          </a:fillRef>
+          <a:effectRef idx="0">
+            <a:schemeClr val="accent1"/>
+          </a:effectRef>
+          <a:fontRef idx="minor">
+            <a:schemeClr val="lt1"/>
+          </a:fontRef>
+        </p:style>
+        <p:txBody>
+          <a:bodyPr rtlCol="0" anchor="ctr"/>
+          <a:lstStyle/>
+          <a:p>
+            <a:pPr algn="ctr"/>
+            <a:endParaRPr lang="de-CH"/>
+          </a:p>
+        </p:txBody>
+      </p:sp>
+      <p:sp>
+        <p:nvSpPr>
+          <p:cNvPr id="27" name="Ellipse 26">
+            <a:extLst>
+              <a:ext uri="{FF2B5EF4-FFF2-40B4-BE49-F238E27FC236}">
+                <a16:creationId xmlns:a16="http://schemas.microsoft.com/office/drawing/2014/main" id="{78AC2D57-B3D8-41D5-8B54-830518C7E59C}"/>
+              </a:ext>
+            </a:extLst>
+          </p:cNvPr>
+          <p:cNvSpPr/>
+          <p:nvPr/>
+        </p:nvSpPr>
+        <p:spPr>
+          <a:xfrm>
+            <a:off x="8098058" y="2470502"/>
+            <a:ext cx="2588698" cy="480060"/>
+          </a:xfrm>
+          <a:prstGeom prst="ellipse">
+            <a:avLst/>
+          </a:prstGeom>
+          <a:noFill/>
+        </p:spPr>
+        <p:style>
+          <a:lnRef idx="2">
+            <a:schemeClr val="accent1">
+              <a:shade val="50000"/>
+            </a:schemeClr>
+          </a:lnRef>
+          <a:fillRef idx="1">
+            <a:schemeClr val="accent1"/>
+          </a:fillRef>
+          <a:effectRef idx="0">
+            <a:schemeClr val="accent1"/>
+          </a:effectRef>
+          <a:fontRef idx="minor">
+            <a:schemeClr val="lt1"/>
+          </a:fontRef>
+        </p:style>
+        <p:txBody>
+          <a:bodyPr rtlCol="0" anchor="ctr"/>
+          <a:lstStyle/>
+          <a:p>
+            <a:pPr algn="ctr"/>
+            <a:endParaRPr lang="de-CH"/>
+          </a:p>
+        </p:txBody>
+      </p:sp>
+      <p:cxnSp>
+        <p:nvCxnSpPr>
+          <p:cNvPr id="28" name="Gerade Verbindung mit Pfeil 27">
+            <a:extLst>
+              <a:ext uri="{FF2B5EF4-FFF2-40B4-BE49-F238E27FC236}">
+                <a16:creationId xmlns:a16="http://schemas.microsoft.com/office/drawing/2014/main" id="{1AA19C7D-252D-4483-9A08-C44FD4C57FBC}"/>
+              </a:ext>
+            </a:extLst>
+          </p:cNvPr>
+          <p:cNvCxnSpPr>
+            <a:cxnSpLocks/>
+          </p:cNvCxnSpPr>
+          <p:nvPr/>
+        </p:nvCxnSpPr>
+        <p:spPr>
+          <a:xfrm>
+            <a:off x="3469481" y="1472282"/>
+            <a:ext cx="1986637" cy="1128043"/>
+          </a:xfrm>
+          <a:prstGeom prst="straightConnector1">
+            <a:avLst/>
+          </a:prstGeom>
+          <a:ln>
+            <a:solidFill>
+              <a:schemeClr val="accent1"/>
+            </a:solidFill>
+            <a:tailEnd type="triangle"/>
+          </a:ln>
+        </p:spPr>
+        <p:style>
+          <a:lnRef idx="1">
+            <a:schemeClr val="accent1"/>
+          </a:lnRef>
+          <a:fillRef idx="0">
+            <a:schemeClr val="accent1"/>
+          </a:fillRef>
+          <a:effectRef idx="0">
+            <a:schemeClr val="accent1"/>
+          </a:effectRef>
+          <a:fontRef idx="minor">
+            <a:schemeClr val="tx1"/>
+          </a:fontRef>
+        </p:style>
+      </p:cxnSp>
+      <p:cxnSp>
+        <p:nvCxnSpPr>
+          <p:cNvPr id="30" name="Gerade Verbindung mit Pfeil 29">
+            <a:extLst>
+              <a:ext uri="{FF2B5EF4-FFF2-40B4-BE49-F238E27FC236}">
+                <a16:creationId xmlns:a16="http://schemas.microsoft.com/office/drawing/2014/main" id="{4F5F61D9-3FEE-4CB5-9EDB-73239633EE15}"/>
+              </a:ext>
+            </a:extLst>
+          </p:cNvPr>
+          <p:cNvCxnSpPr>
+            <a:cxnSpLocks/>
+            <a:endCxn id="27" idx="6"/>
+          </p:cNvCxnSpPr>
+          <p:nvPr/>
+        </p:nvCxnSpPr>
+        <p:spPr>
+          <a:xfrm flipH="1">
+            <a:off x="10686756" y="1543050"/>
+            <a:ext cx="156011" cy="1167482"/>
+          </a:xfrm>
+          <a:prstGeom prst="straightConnector1">
+            <a:avLst/>
+          </a:prstGeom>
+          <a:ln>
+            <a:solidFill>
+              <a:schemeClr val="accent1"/>
+            </a:solidFill>
+            <a:tailEnd type="triangle"/>
+          </a:ln>
+        </p:spPr>
+        <p:style>
+          <a:lnRef idx="1">
+            <a:schemeClr val="accent1"/>
+          </a:lnRef>
+          <a:fillRef idx="0">
+            <a:schemeClr val="accent1"/>
+          </a:fillRef>
+          <a:effectRef idx="0">
+            <a:schemeClr val="accent1"/>
+          </a:effectRef>
+          <a:fontRef idx="minor">
+            <a:schemeClr val="tx1"/>
+          </a:fontRef>
+        </p:style>
+      </p:cxnSp>
+      <p:sp>
+        <p:nvSpPr>
+          <p:cNvPr id="33" name="Title 1">
+            <a:extLst>
+              <a:ext uri="{FF2B5EF4-FFF2-40B4-BE49-F238E27FC236}">
+                <a16:creationId xmlns:a16="http://schemas.microsoft.com/office/drawing/2014/main" id="{B09DA8FE-8816-43C9-B7C4-6A9059986AF3}"/>
+              </a:ext>
+            </a:extLst>
+          </p:cNvPr>
+          <p:cNvSpPr txBox="1">
+            <a:spLocks/>
+          </p:cNvSpPr>
+          <p:nvPr/>
+        </p:nvSpPr>
+        <p:spPr>
+          <a:xfrm>
+            <a:off x="2547937" y="859825"/>
+            <a:ext cx="3935730" cy="662940"/>
+          </a:xfrm>
+          <a:prstGeom prst="rect">
+            <a:avLst/>
+          </a:prstGeom>
+        </p:spPr>
+        <p:txBody>
+          <a:bodyPr vert="horz" lIns="91440" tIns="45720" rIns="91440" bIns="45720" rtlCol="0" anchor="b">
+            <a:normAutofit/>
+          </a:bodyPr>
+          <a:lstStyle>
+            <a:lvl1pPr algn="l" defTabSz="914400" rtl="0" eaLnBrk="1" latinLnBrk="0" hangingPunct="1">
+              <a:lnSpc>
+                <a:spcPct val="90000"/>
+              </a:lnSpc>
+              <a:spcBef>
+                <a:spcPct val="0"/>
+              </a:spcBef>
+              <a:buNone/>
+              <a:defRPr sz="4400" kern="1200">
+                <a:solidFill>
+                  <a:schemeClr val="tx1"/>
+                </a:solidFill>
+                <a:latin typeface="+mj-lt"/>
+                <a:ea typeface="+mj-ea"/>
+                <a:cs typeface="+mj-cs"/>
+              </a:defRPr>
+            </a:lvl1pPr>
+          </a:lstStyle>
+          <a:p>
+            <a:r>
+              <a:rPr lang="de-CH" sz="1200" dirty="0"/>
+              <a:t>Haupteffekt beide Gruppen</a:t>
+            </a:r>
+            <a:endParaRPr lang="en-CH" sz="1200" dirty="0"/>
+          </a:p>
+        </p:txBody>
+      </p:sp>
+      <p:sp>
+        <p:nvSpPr>
+          <p:cNvPr id="34" name="Title 1">
+            <a:extLst>
+              <a:ext uri="{FF2B5EF4-FFF2-40B4-BE49-F238E27FC236}">
+                <a16:creationId xmlns:a16="http://schemas.microsoft.com/office/drawing/2014/main" id="{FBBD03D2-0F2A-41EA-A048-396FA36BA037}"/>
+              </a:ext>
+            </a:extLst>
+          </p:cNvPr>
+          <p:cNvSpPr txBox="1">
+            <a:spLocks/>
+          </p:cNvSpPr>
+          <p:nvPr/>
+        </p:nvSpPr>
+        <p:spPr>
+          <a:xfrm>
+            <a:off x="9540715" y="768951"/>
+            <a:ext cx="1916431" cy="762669"/>
+          </a:xfrm>
+          <a:prstGeom prst="rect">
+            <a:avLst/>
+          </a:prstGeom>
+        </p:spPr>
+        <p:txBody>
+          <a:bodyPr vert="horz" lIns="91440" tIns="45720" rIns="91440" bIns="45720" rtlCol="0" anchor="b">
+            <a:normAutofit/>
+          </a:bodyPr>
+          <a:lstStyle>
+            <a:lvl1pPr algn="l" defTabSz="914400" rtl="0" eaLnBrk="1" latinLnBrk="0" hangingPunct="1">
+              <a:lnSpc>
+                <a:spcPct val="90000"/>
+              </a:lnSpc>
+              <a:spcBef>
+                <a:spcPct val="0"/>
+              </a:spcBef>
+              <a:buNone/>
+              <a:defRPr sz="4400" kern="1200">
+                <a:solidFill>
+                  <a:schemeClr val="tx1"/>
+                </a:solidFill>
+                <a:latin typeface="+mj-lt"/>
+                <a:ea typeface="+mj-ea"/>
+                <a:cs typeface="+mj-cs"/>
+              </a:defRPr>
+            </a:lvl1pPr>
+          </a:lstStyle>
+          <a:p>
+            <a:r>
+              <a:rPr lang="de-CH" sz="1200" dirty="0"/>
+              <a:t>Unterschied der Gruppe</a:t>
+            </a:r>
+            <a:endParaRPr lang="en-CH" sz="1200" dirty="0"/>
+          </a:p>
+        </p:txBody>
+      </p:sp>
     </p:spTree>
     <p:extLst>
       <p:ext uri="{BB962C8B-B14F-4D97-AF65-F5344CB8AC3E}">
-        <p14:creationId xmlns:p14="http://schemas.microsoft.com/office/powerpoint/2010/main" val="1558388661"/>
+        <p14:creationId xmlns:p14="http://schemas.microsoft.com/office/powerpoint/2010/main" val="543680319"/>
       </p:ext>
     </p:extLst>
   </p:cSld>
@@ -10183,10 +14014,10 @@
       </p:grpSpPr>
       <p:sp useBgFill="1">
         <p:nvSpPr>
-          <p:cNvPr id="18" name="Rectangle 17">
+          <p:cNvPr id="8" name="Rectangle 7">
             <a:extLst>
               <a:ext uri="{FF2B5EF4-FFF2-40B4-BE49-F238E27FC236}">
-                <a16:creationId xmlns:a16="http://schemas.microsoft.com/office/drawing/2014/main" id="{2596F992-698C-48C0-9D89-70DA4CE927EF}"/>
+                <a16:creationId xmlns:a16="http://schemas.microsoft.com/office/drawing/2014/main" id="{979E27D9-03C7-44E2-9FF8-15D0C8506AF7}"/>
               </a:ext>
               <a:ext uri="{C183D7F6-B498-43B3-948B-1728B52AA6E4}">
                 <adec:decorative xmlns:adec="http://schemas.microsoft.com/office/drawing/2017/decorative" val="1"/>
@@ -10259,10 +14090,10 @@
       </p:sp>
       <p:sp>
         <p:nvSpPr>
-          <p:cNvPr id="2" name="Title 1">
+          <p:cNvPr id="2" name="Titel 1">
             <a:extLst>
               <a:ext uri="{FF2B5EF4-FFF2-40B4-BE49-F238E27FC236}">
-                <a16:creationId xmlns:a16="http://schemas.microsoft.com/office/drawing/2014/main" id="{1F4CB0B1-7592-D248-BB70-2D4CDB554DB1}"/>
+                <a16:creationId xmlns:a16="http://schemas.microsoft.com/office/drawing/2014/main" id="{FF5B5FAC-9221-4CD9-81B6-ABA81C75D69E}"/>
               </a:ext>
             </a:extLst>
           </p:cNvPr>
@@ -10275,8 +14106,8 @@
         </p:nvSpPr>
         <p:spPr>
           <a:xfrm>
-            <a:off x="914402" y="489508"/>
-            <a:ext cx="5181597" cy="1655482"/>
+            <a:off x="621102" y="131361"/>
+            <a:ext cx="9358202" cy="1159757"/>
           </a:xfrm>
         </p:spPr>
         <p:txBody>
@@ -10285,20 +14116,19 @@
           </a:bodyPr>
           <a:lstStyle/>
           <a:p>
-            <a:pPr algn="r"/>
             <a:r>
-              <a:rPr lang="en-CH" sz="4000"/>
-              <a:t>Resultate</a:t>
+              <a:rPr lang="de-CH" sz="4000" dirty="0"/>
+              <a:t>Nichtlinearer Kraftzuwachs</a:t>
             </a:r>
           </a:p>
         </p:txBody>
       </p:sp>
       <p:sp>
         <p:nvSpPr>
-          <p:cNvPr id="11" name="Content Placeholder 2">
+          <p:cNvPr id="3" name="Inhaltsplatzhalter 2">
             <a:extLst>
               <a:ext uri="{FF2B5EF4-FFF2-40B4-BE49-F238E27FC236}">
-                <a16:creationId xmlns:a16="http://schemas.microsoft.com/office/drawing/2014/main" id="{6140F0BD-4985-AE46-85DC-7634DEA93666}"/>
+                <a16:creationId xmlns:a16="http://schemas.microsoft.com/office/drawing/2014/main" id="{2AEDB7B8-D8BB-4D31-A76C-1D6030CACC63}"/>
               </a:ext>
             </a:extLst>
           </p:cNvPr>
@@ -10311,8 +14141,8 @@
         </p:nvSpPr>
         <p:spPr>
           <a:xfrm>
-            <a:off x="914402" y="2418408"/>
-            <a:ext cx="5181598" cy="3409898"/>
+            <a:off x="1136397" y="2418409"/>
+            <a:ext cx="9688296" cy="3454358"/>
           </a:xfrm>
         </p:spPr>
         <p:txBody>
@@ -10321,58 +14151,16 @@
           </a:bodyPr>
           <a:lstStyle/>
           <a:p>
-            <a:pPr marL="0" indent="0" algn="r">
-              <a:buNone/>
-            </a:pPr>
-            <a:r>
-              <a:rPr lang="en-CH" sz="2000"/>
-              <a:t>Statistische Tests der Studie</a:t>
-            </a:r>
-          </a:p>
-          <a:p>
-            <a:pPr marL="0" indent="0" algn="r">
-              <a:buNone/>
-            </a:pPr>
-            <a:endParaRPr lang="en-CH" sz="2000"/>
+            <a:endParaRPr lang="de-CH" sz="2000" dirty="0"/>
           </a:p>
         </p:txBody>
       </p:sp>
-      <p:pic>
-        <p:nvPicPr>
-          <p:cNvPr id="13" name="Picture 12" descr="Graphical user interface, table&#10;&#10;Description automatically generated with medium confidence">
+      <p:sp>
+        <p:nvSpPr>
+          <p:cNvPr id="10" name="Rectangle 9">
             <a:extLst>
               <a:ext uri="{FF2B5EF4-FFF2-40B4-BE49-F238E27FC236}">
-                <a16:creationId xmlns:a16="http://schemas.microsoft.com/office/drawing/2014/main" id="{0E9076C5-E9A8-5E4D-90BD-9A1C06EE8FE8}"/>
-              </a:ext>
-            </a:extLst>
-          </p:cNvPr>
-          <p:cNvPicPr>
-            <a:picLocks noChangeAspect="1"/>
-          </p:cNvPicPr>
-          <p:nvPr/>
-        </p:nvPicPr>
-        <p:blipFill>
-          <a:blip r:embed="rId2"/>
-          <a:stretch>
-            <a:fillRect/>
-          </a:stretch>
-        </p:blipFill>
-        <p:spPr>
-          <a:xfrm>
-            <a:off x="6675120" y="2182683"/>
-            <a:ext cx="4957638" cy="2106996"/>
-          </a:xfrm>
-          <a:prstGeom prst="rect">
-            <a:avLst/>
-          </a:prstGeom>
-        </p:spPr>
-      </p:pic>
-      <p:sp>
-        <p:nvSpPr>
-          <p:cNvPr id="20" name="Rectangle 19">
-            <a:extLst>
-              <a:ext uri="{FF2B5EF4-FFF2-40B4-BE49-F238E27FC236}">
-                <a16:creationId xmlns:a16="http://schemas.microsoft.com/office/drawing/2014/main" id="{A344AAA5-41F4-4862-97EF-688D31DC7567}"/>
+                <a16:creationId xmlns:a16="http://schemas.microsoft.com/office/drawing/2014/main" id="{EEBF1590-3B36-48EE-A89D-3B6F3CB256AB}"/>
               </a:ext>
               <a:ext uri="{C183D7F6-B498-43B3-948B-1728B52AA6E4}">
                 <adec:decorative xmlns:adec="http://schemas.microsoft.com/office/drawing/2017/decorative" val="1"/>
@@ -10403,7 +14191,7 @@
               <a:gs pos="0">
                 <a:schemeClr val="accent1"/>
               </a:gs>
-              <a:gs pos="85000">
+              <a:gs pos="78000">
                 <a:srgbClr val="000000"/>
               </a:gs>
             </a:gsLst>
@@ -10440,10 +14228,10 @@
       </p:sp>
       <p:sp>
         <p:nvSpPr>
-          <p:cNvPr id="22" name="Rectangle 21">
+          <p:cNvPr id="12" name="Rectangle 11">
             <a:extLst>
               <a:ext uri="{FF2B5EF4-FFF2-40B4-BE49-F238E27FC236}">
-                <a16:creationId xmlns:a16="http://schemas.microsoft.com/office/drawing/2014/main" id="{69E1A62C-2AAF-4B3E-8CDB-65E237080997}"/>
+                <a16:creationId xmlns:a16="http://schemas.microsoft.com/office/drawing/2014/main" id="{AC8F6C8C-AB5A-4548-942D-E3FD40ACBC49}"/>
               </a:ext>
               <a:ext uri="{C183D7F6-B498-43B3-948B-1728B52AA6E4}">
                 <adec:decorative xmlns:adec="http://schemas.microsoft.com/office/drawing/2017/decorative" val="1"/>
@@ -10473,7 +14261,7 @@
             <a:gsLst>
               <a:gs pos="0">
                 <a:srgbClr val="000000">
-                  <a:alpha val="26000"/>
+                  <a:alpha val="63000"/>
                 </a:srgbClr>
               </a:gs>
               <a:gs pos="100000">
@@ -10513,10 +14301,40 @@
           </a:p>
         </p:txBody>
       </p:sp>
+      <p:pic>
+        <p:nvPicPr>
+          <p:cNvPr id="4" name="Grafik 3">
+            <a:extLst>
+              <a:ext uri="{FF2B5EF4-FFF2-40B4-BE49-F238E27FC236}">
+                <a16:creationId xmlns:a16="http://schemas.microsoft.com/office/drawing/2014/main" id="{F82CF77C-CF3C-4928-A4AC-FC4538B24436}"/>
+              </a:ext>
+            </a:extLst>
+          </p:cNvPr>
+          <p:cNvPicPr>
+            <a:picLocks noChangeAspect="1"/>
+          </p:cNvPicPr>
+          <p:nvPr/>
+        </p:nvPicPr>
+        <p:blipFill>
+          <a:blip r:embed="rId2"/>
+          <a:stretch>
+            <a:fillRect/>
+          </a:stretch>
+        </p:blipFill>
+        <p:spPr>
+          <a:xfrm>
+            <a:off x="1823569" y="1258897"/>
+            <a:ext cx="7412447" cy="4613870"/>
+          </a:xfrm>
+          <a:prstGeom prst="rect">
+            <a:avLst/>
+          </a:prstGeom>
+        </p:spPr>
+      </p:pic>
     </p:spTree>
     <p:extLst>
       <p:ext uri="{BB962C8B-B14F-4D97-AF65-F5344CB8AC3E}">
-        <p14:creationId xmlns:p14="http://schemas.microsoft.com/office/powerpoint/2010/main" val="181796831"/>
+        <p14:creationId xmlns:p14="http://schemas.microsoft.com/office/powerpoint/2010/main" val="1790157248"/>
       </p:ext>
     </p:extLst>
   </p:cSld>
@@ -10526,7 +14344,7 @@
 </p:sld>
 </file>
 
-<file path=ppt/slides/slide2.xml><?xml version="1.0" encoding="utf-8"?>
+<file path=ppt/slides/slide14.xml><?xml version="1.0" encoding="utf-8"?>
 <p:sld xmlns:a="http://schemas.openxmlformats.org/drawingml/2006/main" xmlns:r="http://schemas.openxmlformats.org/officeDocument/2006/relationships" xmlns:p="http://schemas.openxmlformats.org/presentationml/2006/main">
   <p:cSld>
     <p:bg>
@@ -10553,10 +14371,10 @@
       </p:grpSpPr>
       <p:sp useBgFill="1">
         <p:nvSpPr>
-          <p:cNvPr id="66" name="Rectangle 65">
+          <p:cNvPr id="8" name="Rectangle 7">
             <a:extLst>
               <a:ext uri="{FF2B5EF4-FFF2-40B4-BE49-F238E27FC236}">
-                <a16:creationId xmlns:a16="http://schemas.microsoft.com/office/drawing/2014/main" id="{2596F992-698C-48C0-9D89-70DA4CE927EF}"/>
+                <a16:creationId xmlns:a16="http://schemas.microsoft.com/office/drawing/2014/main" id="{979E27D9-03C7-44E2-9FF8-15D0C8506AF7}"/>
               </a:ext>
               <a:ext uri="{C183D7F6-B498-43B3-948B-1728B52AA6E4}">
                 <adec:decorative xmlns:adec="http://schemas.microsoft.com/office/drawing/2017/decorative" val="1"/>
@@ -10629,10 +14447,10 @@
       </p:sp>
       <p:sp>
         <p:nvSpPr>
-          <p:cNvPr id="2" name="Title 1">
+          <p:cNvPr id="2" name="Titel 1">
             <a:extLst>
               <a:ext uri="{FF2B5EF4-FFF2-40B4-BE49-F238E27FC236}">
-                <a16:creationId xmlns:a16="http://schemas.microsoft.com/office/drawing/2014/main" id="{337970FB-8481-1640-BE18-0E01E53251D4}"/>
+                <a16:creationId xmlns:a16="http://schemas.microsoft.com/office/drawing/2014/main" id="{AD69B177-48F2-47DB-844E-A825F20832F0}"/>
               </a:ext>
             </a:extLst>
           </p:cNvPr>
@@ -10645,30 +14463,34 @@
         </p:nvSpPr>
         <p:spPr>
           <a:xfrm>
-            <a:off x="914402" y="489508"/>
-            <a:ext cx="5181597" cy="1655482"/>
+            <a:off x="1056387" y="401222"/>
+            <a:ext cx="9688296" cy="572466"/>
           </a:xfrm>
         </p:spPr>
         <p:txBody>
           <a:bodyPr anchor="b">
-            <a:normAutofit/>
+            <a:normAutofit fontScale="90000"/>
           </a:bodyPr>
           <a:lstStyle/>
           <a:p>
-            <a:pPr algn="r"/>
             <a:r>
-              <a:rPr lang="en-CH" sz="4000" dirty="0"/>
-              <a:t>Inhalt</a:t>
+              <a:rPr lang="de-CH" sz="4000" dirty="0"/>
+              <a:t>Artikel von </a:t>
             </a:r>
+            <a:r>
+              <a:rPr lang="de-CH" sz="4000" dirty="0" err="1"/>
+              <a:t>Chesire</a:t>
+            </a:r>
+            <a:endParaRPr lang="de-CH" sz="4000" dirty="0"/>
           </a:p>
         </p:txBody>
       </p:sp>
       <p:sp>
         <p:nvSpPr>
-          <p:cNvPr id="68" name="Rectangle 67">
+          <p:cNvPr id="10" name="Rectangle 9">
             <a:extLst>
               <a:ext uri="{FF2B5EF4-FFF2-40B4-BE49-F238E27FC236}">
-                <a16:creationId xmlns:a16="http://schemas.microsoft.com/office/drawing/2014/main" id="{A344AAA5-41F4-4862-97EF-688D31DC7567}"/>
+                <a16:creationId xmlns:a16="http://schemas.microsoft.com/office/drawing/2014/main" id="{EEBF1590-3B36-48EE-A89D-3B6F3CB256AB}"/>
               </a:ext>
               <a:ext uri="{C183D7F6-B498-43B3-948B-1728B52AA6E4}">
                 <adec:decorative xmlns:adec="http://schemas.microsoft.com/office/drawing/2017/decorative" val="1"/>
@@ -10699,7 +14521,7 @@
               <a:gs pos="0">
                 <a:schemeClr val="accent1"/>
               </a:gs>
-              <a:gs pos="85000">
+              <a:gs pos="78000">
                 <a:srgbClr val="000000"/>
               </a:gs>
             </a:gsLst>
@@ -10736,10 +14558,10 @@
       </p:sp>
       <p:sp>
         <p:nvSpPr>
-          <p:cNvPr id="70" name="Rectangle 69">
+          <p:cNvPr id="12" name="Rectangle 11">
             <a:extLst>
               <a:ext uri="{FF2B5EF4-FFF2-40B4-BE49-F238E27FC236}">
-                <a16:creationId xmlns:a16="http://schemas.microsoft.com/office/drawing/2014/main" id="{69E1A62C-2AAF-4B3E-8CDB-65E237080997}"/>
+                <a16:creationId xmlns:a16="http://schemas.microsoft.com/office/drawing/2014/main" id="{AC8F6C8C-AB5A-4548-942D-E3FD40ACBC49}"/>
               </a:ext>
               <a:ext uri="{C183D7F6-B498-43B3-948B-1728B52AA6E4}">
                 <adec:decorative xmlns:adec="http://schemas.microsoft.com/office/drawing/2017/decorative" val="1"/>
@@ -10769,7 +14591,7 @@
             <a:gsLst>
               <a:gs pos="0">
                 <a:srgbClr val="000000">
-                  <a:alpha val="26000"/>
+                  <a:alpha val="63000"/>
                 </a:srgbClr>
               </a:gs>
               <a:gs pos="100000">
@@ -10809,41 +14631,582 @@
           </a:p>
         </p:txBody>
       </p:sp>
-      <p:graphicFrame>
-        <p:nvGraphicFramePr>
-          <p:cNvPr id="32" name="Content Placeholder 2">
+      <p:pic>
+        <p:nvPicPr>
+          <p:cNvPr id="20" name="Grafik 19">
             <a:extLst>
               <a:ext uri="{FF2B5EF4-FFF2-40B4-BE49-F238E27FC236}">
-                <a16:creationId xmlns:a16="http://schemas.microsoft.com/office/drawing/2014/main" id="{09A0448F-5804-4BD3-BB6A-864197AB29E2}"/>
+                <a16:creationId xmlns:a16="http://schemas.microsoft.com/office/drawing/2014/main" id="{9C81FC02-FBA0-46CE-9598-A3FB763189D5}"/>
               </a:ext>
             </a:extLst>
           </p:cNvPr>
-          <p:cNvGraphicFramePr>
-            <a:graphicFrameLocks noGrp="1"/>
-          </p:cNvGraphicFramePr>
-          <p:nvPr>
-            <p:ph idx="1"/>
-            <p:extLst>
-              <p:ext uri="{D42A27DB-BD31-4B8C-83A1-F6EECF244321}">
-                <p14:modId xmlns:p14="http://schemas.microsoft.com/office/powerpoint/2010/main" val="1369187488"/>
-              </p:ext>
-            </p:extLst>
-          </p:nvPr>
-        </p:nvGraphicFramePr>
-        <p:xfrm>
-          <a:off x="914402" y="2418408"/>
-          <a:ext cx="5181598" cy="3409898"/>
-        </p:xfrm>
-        <a:graphic>
-          <a:graphicData uri="http://schemas.openxmlformats.org/drawingml/2006/diagram">
-            <dgm:relIds xmlns:dgm="http://schemas.openxmlformats.org/drawingml/2006/diagram" xmlns:r="http://schemas.openxmlformats.org/officeDocument/2006/relationships" r:dm="rId2" r:lo="rId3" r:qs="rId4" r:cs="rId5"/>
-          </a:graphicData>
-        </a:graphic>
-      </p:graphicFrame>
+          <p:cNvPicPr>
+            <a:picLocks noChangeAspect="1"/>
+          </p:cNvPicPr>
+          <p:nvPr/>
+        </p:nvPicPr>
+        <p:blipFill>
+          <a:blip r:embed="rId2"/>
+          <a:stretch>
+            <a:fillRect/>
+          </a:stretch>
+        </p:blipFill>
+        <p:spPr>
+          <a:xfrm>
+            <a:off x="682746" y="1402888"/>
+            <a:ext cx="9818639" cy="3947192"/>
+          </a:xfrm>
+          <a:prstGeom prst="rect">
+            <a:avLst/>
+          </a:prstGeom>
+        </p:spPr>
+      </p:pic>
+      <p:grpSp>
+        <p:nvGrpSpPr>
+          <p:cNvPr id="26" name="Gruppieren 25">
+            <a:extLst>
+              <a:ext uri="{FF2B5EF4-FFF2-40B4-BE49-F238E27FC236}">
+                <a16:creationId xmlns:a16="http://schemas.microsoft.com/office/drawing/2014/main" id="{8877B575-9BAD-4B4F-97BF-F6BA4CCA39BA}"/>
+              </a:ext>
+            </a:extLst>
+          </p:cNvPr>
+          <p:cNvGrpSpPr/>
+          <p:nvPr/>
+        </p:nvGrpSpPr>
+        <p:grpSpPr>
+          <a:xfrm>
+            <a:off x="2651119" y="2975783"/>
+            <a:ext cx="7850266" cy="2459449"/>
+            <a:chOff x="2651119" y="2975783"/>
+            <a:chExt cx="7850266" cy="2459449"/>
+          </a:xfrm>
+        </p:grpSpPr>
+        <p:sp>
+          <p:nvSpPr>
+            <p:cNvPr id="18" name="Ellipse 17">
+              <a:extLst>
+                <a:ext uri="{FF2B5EF4-FFF2-40B4-BE49-F238E27FC236}">
+                  <a16:creationId xmlns:a16="http://schemas.microsoft.com/office/drawing/2014/main" id="{AAEED576-2098-4B76-BE7F-F60618E98860}"/>
+                </a:ext>
+              </a:extLst>
+            </p:cNvPr>
+            <p:cNvSpPr/>
+            <p:nvPr/>
+          </p:nvSpPr>
+          <p:spPr>
+            <a:xfrm>
+              <a:off x="5024384" y="2975783"/>
+              <a:ext cx="2588698" cy="480060"/>
+            </a:xfrm>
+            <a:prstGeom prst="ellipse">
+              <a:avLst/>
+            </a:prstGeom>
+            <a:noFill/>
+          </p:spPr>
+          <p:style>
+            <a:lnRef idx="2">
+              <a:schemeClr val="accent1">
+                <a:shade val="50000"/>
+              </a:schemeClr>
+            </a:lnRef>
+            <a:fillRef idx="1">
+              <a:schemeClr val="accent1"/>
+            </a:fillRef>
+            <a:effectRef idx="0">
+              <a:schemeClr val="accent1"/>
+            </a:effectRef>
+            <a:fontRef idx="minor">
+              <a:schemeClr val="lt1"/>
+            </a:fontRef>
+          </p:style>
+          <p:txBody>
+            <a:bodyPr rtlCol="0" anchor="ctr"/>
+            <a:lstStyle/>
+            <a:p>
+              <a:pPr algn="ctr"/>
+              <a:endParaRPr lang="de-CH" dirty="0"/>
+            </a:p>
+          </p:txBody>
+        </p:sp>
+        <p:grpSp>
+          <p:nvGrpSpPr>
+            <p:cNvPr id="6" name="Gruppieren 5">
+              <a:extLst>
+                <a:ext uri="{FF2B5EF4-FFF2-40B4-BE49-F238E27FC236}">
+                  <a16:creationId xmlns:a16="http://schemas.microsoft.com/office/drawing/2014/main" id="{AEBE1CA5-298B-4A78-989F-E04485433511}"/>
+                </a:ext>
+              </a:extLst>
+            </p:cNvPr>
+            <p:cNvGrpSpPr/>
+            <p:nvPr/>
+          </p:nvGrpSpPr>
+          <p:grpSpPr>
+            <a:xfrm>
+              <a:off x="2651119" y="3819301"/>
+              <a:ext cx="1604531" cy="1615931"/>
+              <a:chOff x="3143250" y="3956679"/>
+              <a:chExt cx="1604531" cy="1615931"/>
+            </a:xfrm>
+          </p:grpSpPr>
+          <p:sp>
+            <p:nvSpPr>
+              <p:cNvPr id="4" name="Ellipse 3">
+                <a:extLst>
+                  <a:ext uri="{FF2B5EF4-FFF2-40B4-BE49-F238E27FC236}">
+                    <a16:creationId xmlns:a16="http://schemas.microsoft.com/office/drawing/2014/main" id="{FCB41AF1-53E9-4C44-9C5E-DACC66AC3E3E}"/>
+                  </a:ext>
+                </a:extLst>
+              </p:cNvPr>
+              <p:cNvSpPr/>
+              <p:nvPr/>
+            </p:nvSpPr>
+            <p:spPr>
+              <a:xfrm>
+                <a:off x="3143250" y="3956679"/>
+                <a:ext cx="428625" cy="815346"/>
+              </a:xfrm>
+              <a:prstGeom prst="ellipse">
+                <a:avLst/>
+              </a:prstGeom>
+              <a:noFill/>
+              <a:ln>
+                <a:solidFill>
+                  <a:schemeClr val="accent6"/>
+                </a:solidFill>
+              </a:ln>
+            </p:spPr>
+            <p:style>
+              <a:lnRef idx="2">
+                <a:schemeClr val="accent1">
+                  <a:shade val="50000"/>
+                </a:schemeClr>
+              </a:lnRef>
+              <a:fillRef idx="1">
+                <a:schemeClr val="accent1"/>
+              </a:fillRef>
+              <a:effectRef idx="0">
+                <a:schemeClr val="accent1"/>
+              </a:effectRef>
+              <a:fontRef idx="minor">
+                <a:schemeClr val="lt1"/>
+              </a:fontRef>
+            </p:style>
+            <p:txBody>
+              <a:bodyPr rtlCol="0" anchor="ctr"/>
+              <a:lstStyle/>
+              <a:p>
+                <a:pPr algn="ctr"/>
+                <a:endParaRPr lang="de-CH"/>
+              </a:p>
+            </p:txBody>
+          </p:sp>
+          <p:sp>
+            <p:nvSpPr>
+              <p:cNvPr id="9" name="Ellipse 8">
+                <a:extLst>
+                  <a:ext uri="{FF2B5EF4-FFF2-40B4-BE49-F238E27FC236}">
+                    <a16:creationId xmlns:a16="http://schemas.microsoft.com/office/drawing/2014/main" id="{677A8110-7136-4ABC-8660-AC136B082E1C}"/>
+                  </a:ext>
+                </a:extLst>
+              </p:cNvPr>
+              <p:cNvSpPr/>
+              <p:nvPr/>
+            </p:nvSpPr>
+            <p:spPr>
+              <a:xfrm>
+                <a:off x="4279647" y="3956679"/>
+                <a:ext cx="428625" cy="815346"/>
+              </a:xfrm>
+              <a:prstGeom prst="ellipse">
+                <a:avLst/>
+              </a:prstGeom>
+              <a:noFill/>
+              <a:ln>
+                <a:solidFill>
+                  <a:schemeClr val="accent6"/>
+                </a:solidFill>
+              </a:ln>
+            </p:spPr>
+            <p:style>
+              <a:lnRef idx="2">
+                <a:schemeClr val="accent1">
+                  <a:shade val="50000"/>
+                </a:schemeClr>
+              </a:lnRef>
+              <a:fillRef idx="1">
+                <a:schemeClr val="accent1"/>
+              </a:fillRef>
+              <a:effectRef idx="0">
+                <a:schemeClr val="accent1"/>
+              </a:effectRef>
+              <a:fontRef idx="minor">
+                <a:schemeClr val="lt1"/>
+              </a:fontRef>
+            </p:style>
+            <p:txBody>
+              <a:bodyPr rtlCol="0" anchor="ctr"/>
+              <a:lstStyle/>
+              <a:p>
+                <a:pPr algn="ctr"/>
+                <a:endParaRPr lang="de-CH"/>
+              </a:p>
+            </p:txBody>
+          </p:sp>
+          <p:sp>
+            <p:nvSpPr>
+              <p:cNvPr id="11" name="Ellipse 10">
+                <a:extLst>
+                  <a:ext uri="{FF2B5EF4-FFF2-40B4-BE49-F238E27FC236}">
+                    <a16:creationId xmlns:a16="http://schemas.microsoft.com/office/drawing/2014/main" id="{DBD7CE03-7F99-4DAE-861B-F3C50B0B4972}"/>
+                  </a:ext>
+                </a:extLst>
+              </p:cNvPr>
+              <p:cNvSpPr/>
+              <p:nvPr/>
+            </p:nvSpPr>
+            <p:spPr>
+              <a:xfrm>
+                <a:off x="3162808" y="4748521"/>
+                <a:ext cx="428625" cy="815346"/>
+              </a:xfrm>
+              <a:prstGeom prst="ellipse">
+                <a:avLst/>
+              </a:prstGeom>
+              <a:noFill/>
+              <a:ln>
+                <a:solidFill>
+                  <a:schemeClr val="accent6"/>
+                </a:solidFill>
+              </a:ln>
+            </p:spPr>
+            <p:style>
+              <a:lnRef idx="2">
+                <a:schemeClr val="accent1">
+                  <a:shade val="50000"/>
+                </a:schemeClr>
+              </a:lnRef>
+              <a:fillRef idx="1">
+                <a:schemeClr val="accent1"/>
+              </a:fillRef>
+              <a:effectRef idx="0">
+                <a:schemeClr val="accent1"/>
+              </a:effectRef>
+              <a:fontRef idx="minor">
+                <a:schemeClr val="lt1"/>
+              </a:fontRef>
+            </p:style>
+            <p:txBody>
+              <a:bodyPr rtlCol="0" anchor="ctr"/>
+              <a:lstStyle/>
+              <a:p>
+                <a:pPr algn="ctr"/>
+                <a:endParaRPr lang="de-CH"/>
+              </a:p>
+            </p:txBody>
+          </p:sp>
+          <p:sp>
+            <p:nvSpPr>
+              <p:cNvPr id="17" name="Ellipse 16">
+                <a:extLst>
+                  <a:ext uri="{FF2B5EF4-FFF2-40B4-BE49-F238E27FC236}">
+                    <a16:creationId xmlns:a16="http://schemas.microsoft.com/office/drawing/2014/main" id="{1989AAC1-E173-412F-84D4-CF6FCA5C3CCD}"/>
+                  </a:ext>
+                </a:extLst>
+              </p:cNvPr>
+              <p:cNvSpPr/>
+              <p:nvPr/>
+            </p:nvSpPr>
+            <p:spPr>
+              <a:xfrm>
+                <a:off x="4319156" y="4757264"/>
+                <a:ext cx="428625" cy="815346"/>
+              </a:xfrm>
+              <a:prstGeom prst="ellipse">
+                <a:avLst/>
+              </a:prstGeom>
+              <a:noFill/>
+              <a:ln>
+                <a:solidFill>
+                  <a:schemeClr val="accent6"/>
+                </a:solidFill>
+              </a:ln>
+            </p:spPr>
+            <p:style>
+              <a:lnRef idx="2">
+                <a:schemeClr val="accent1">
+                  <a:shade val="50000"/>
+                </a:schemeClr>
+              </a:lnRef>
+              <a:fillRef idx="1">
+                <a:schemeClr val="accent1"/>
+              </a:fillRef>
+              <a:effectRef idx="0">
+                <a:schemeClr val="accent1"/>
+              </a:effectRef>
+              <a:fontRef idx="minor">
+                <a:schemeClr val="lt1"/>
+              </a:fontRef>
+            </p:style>
+            <p:txBody>
+              <a:bodyPr rtlCol="0" anchor="ctr"/>
+              <a:lstStyle/>
+              <a:p>
+                <a:pPr algn="ctr"/>
+                <a:endParaRPr lang="de-CH"/>
+              </a:p>
+            </p:txBody>
+          </p:sp>
+        </p:grpSp>
+        <p:sp>
+          <p:nvSpPr>
+            <p:cNvPr id="21" name="Ellipse 20">
+              <a:extLst>
+                <a:ext uri="{FF2B5EF4-FFF2-40B4-BE49-F238E27FC236}">
+                  <a16:creationId xmlns:a16="http://schemas.microsoft.com/office/drawing/2014/main" id="{961CD709-47E5-4585-889F-08C49D1AF15C}"/>
+                </a:ext>
+              </a:extLst>
+            </p:cNvPr>
+            <p:cNvSpPr/>
+            <p:nvPr/>
+          </p:nvSpPr>
+          <p:spPr>
+            <a:xfrm>
+              <a:off x="7834259" y="2975783"/>
+              <a:ext cx="2588698" cy="480060"/>
+            </a:xfrm>
+            <a:prstGeom prst="ellipse">
+              <a:avLst/>
+            </a:prstGeom>
+            <a:noFill/>
+          </p:spPr>
+          <p:style>
+            <a:lnRef idx="2">
+              <a:schemeClr val="accent1">
+                <a:shade val="50000"/>
+              </a:schemeClr>
+            </a:lnRef>
+            <a:fillRef idx="1">
+              <a:schemeClr val="accent1"/>
+            </a:fillRef>
+            <a:effectRef idx="0">
+              <a:schemeClr val="accent1"/>
+            </a:effectRef>
+            <a:fontRef idx="minor">
+              <a:schemeClr val="lt1"/>
+            </a:fontRef>
+          </p:style>
+          <p:txBody>
+            <a:bodyPr rtlCol="0" anchor="ctr"/>
+            <a:lstStyle/>
+            <a:p>
+              <a:pPr algn="ctr"/>
+              <a:endParaRPr lang="de-CH"/>
+            </a:p>
+          </p:txBody>
+        </p:sp>
+        <p:sp>
+          <p:nvSpPr>
+            <p:cNvPr id="22" name="Ellipse 21">
+              <a:extLst>
+                <a:ext uri="{FF2B5EF4-FFF2-40B4-BE49-F238E27FC236}">
+                  <a16:creationId xmlns:a16="http://schemas.microsoft.com/office/drawing/2014/main" id="{F729FE5B-08BA-4400-920C-63C8F05A837C}"/>
+                </a:ext>
+              </a:extLst>
+            </p:cNvPr>
+            <p:cNvSpPr/>
+            <p:nvPr/>
+          </p:nvSpPr>
+          <p:spPr>
+            <a:xfrm>
+              <a:off x="5024384" y="3819301"/>
+              <a:ext cx="2588698" cy="480060"/>
+            </a:xfrm>
+            <a:prstGeom prst="ellipse">
+              <a:avLst/>
+            </a:prstGeom>
+            <a:noFill/>
+            <a:ln>
+              <a:solidFill>
+                <a:srgbClr val="FF0000"/>
+              </a:solidFill>
+            </a:ln>
+          </p:spPr>
+          <p:style>
+            <a:lnRef idx="2">
+              <a:schemeClr val="accent1">
+                <a:shade val="50000"/>
+              </a:schemeClr>
+            </a:lnRef>
+            <a:fillRef idx="1">
+              <a:schemeClr val="accent1"/>
+            </a:fillRef>
+            <a:effectRef idx="0">
+              <a:schemeClr val="accent1"/>
+            </a:effectRef>
+            <a:fontRef idx="minor">
+              <a:schemeClr val="lt1"/>
+            </a:fontRef>
+          </p:style>
+          <p:txBody>
+            <a:bodyPr rtlCol="0" anchor="ctr"/>
+            <a:lstStyle/>
+            <a:p>
+              <a:pPr algn="ctr"/>
+              <a:endParaRPr lang="de-CH"/>
+            </a:p>
+          </p:txBody>
+        </p:sp>
+        <p:sp>
+          <p:nvSpPr>
+            <p:cNvPr id="23" name="Ellipse 22">
+              <a:extLst>
+                <a:ext uri="{FF2B5EF4-FFF2-40B4-BE49-F238E27FC236}">
+                  <a16:creationId xmlns:a16="http://schemas.microsoft.com/office/drawing/2014/main" id="{F68E17B5-C6EC-408C-A126-DB9F17ECDECE}"/>
+                </a:ext>
+              </a:extLst>
+            </p:cNvPr>
+            <p:cNvSpPr/>
+            <p:nvPr/>
+          </p:nvSpPr>
+          <p:spPr>
+            <a:xfrm>
+              <a:off x="7912687" y="3832809"/>
+              <a:ext cx="2588698" cy="480060"/>
+            </a:xfrm>
+            <a:prstGeom prst="ellipse">
+              <a:avLst/>
+            </a:prstGeom>
+            <a:noFill/>
+          </p:spPr>
+          <p:style>
+            <a:lnRef idx="2">
+              <a:schemeClr val="accent1">
+                <a:shade val="50000"/>
+              </a:schemeClr>
+            </a:lnRef>
+            <a:fillRef idx="1">
+              <a:schemeClr val="accent1"/>
+            </a:fillRef>
+            <a:effectRef idx="0">
+              <a:schemeClr val="accent1"/>
+            </a:effectRef>
+            <a:fontRef idx="minor">
+              <a:schemeClr val="lt1"/>
+            </a:fontRef>
+          </p:style>
+          <p:txBody>
+            <a:bodyPr rtlCol="0" anchor="ctr"/>
+            <a:lstStyle/>
+            <a:p>
+              <a:pPr algn="ctr"/>
+              <a:endParaRPr lang="de-CH"/>
+            </a:p>
+          </p:txBody>
+        </p:sp>
+        <p:sp>
+          <p:nvSpPr>
+            <p:cNvPr id="24" name="Ellipse 23">
+              <a:extLst>
+                <a:ext uri="{FF2B5EF4-FFF2-40B4-BE49-F238E27FC236}">
+                  <a16:creationId xmlns:a16="http://schemas.microsoft.com/office/drawing/2014/main" id="{F8BD796F-B743-4164-89A3-F957BF104F01}"/>
+                </a:ext>
+              </a:extLst>
+            </p:cNvPr>
+            <p:cNvSpPr/>
+            <p:nvPr/>
+          </p:nvSpPr>
+          <p:spPr>
+            <a:xfrm>
+              <a:off x="5024384" y="4657353"/>
+              <a:ext cx="2588698" cy="480060"/>
+            </a:xfrm>
+            <a:prstGeom prst="ellipse">
+              <a:avLst/>
+            </a:prstGeom>
+            <a:noFill/>
+          </p:spPr>
+          <p:style>
+            <a:lnRef idx="2">
+              <a:schemeClr val="accent1">
+                <a:shade val="50000"/>
+              </a:schemeClr>
+            </a:lnRef>
+            <a:fillRef idx="1">
+              <a:schemeClr val="accent1"/>
+            </a:fillRef>
+            <a:effectRef idx="0">
+              <a:schemeClr val="accent1"/>
+            </a:effectRef>
+            <a:fontRef idx="minor">
+              <a:schemeClr val="lt1"/>
+            </a:fontRef>
+          </p:style>
+          <p:txBody>
+            <a:bodyPr rtlCol="0" anchor="ctr"/>
+            <a:lstStyle/>
+            <a:p>
+              <a:pPr algn="ctr"/>
+              <a:endParaRPr lang="de-CH"/>
+            </a:p>
+          </p:txBody>
+        </p:sp>
+        <p:sp>
+          <p:nvSpPr>
+            <p:cNvPr id="25" name="Ellipse 24">
+              <a:extLst>
+                <a:ext uri="{FF2B5EF4-FFF2-40B4-BE49-F238E27FC236}">
+                  <a16:creationId xmlns:a16="http://schemas.microsoft.com/office/drawing/2014/main" id="{E34AB238-CD9D-44AF-A303-0650B3184168}"/>
+                </a:ext>
+              </a:extLst>
+            </p:cNvPr>
+            <p:cNvSpPr/>
+            <p:nvPr/>
+          </p:nvSpPr>
+          <p:spPr>
+            <a:xfrm>
+              <a:off x="7912687" y="4674768"/>
+              <a:ext cx="2588698" cy="480060"/>
+            </a:xfrm>
+            <a:prstGeom prst="ellipse">
+              <a:avLst/>
+            </a:prstGeom>
+            <a:noFill/>
+            <a:ln>
+              <a:solidFill>
+                <a:srgbClr val="FF0000"/>
+              </a:solidFill>
+            </a:ln>
+          </p:spPr>
+          <p:style>
+            <a:lnRef idx="2">
+              <a:schemeClr val="accent1">
+                <a:shade val="50000"/>
+              </a:schemeClr>
+            </a:lnRef>
+            <a:fillRef idx="1">
+              <a:schemeClr val="accent1"/>
+            </a:fillRef>
+            <a:effectRef idx="0">
+              <a:schemeClr val="accent1"/>
+            </a:effectRef>
+            <a:fontRef idx="minor">
+              <a:schemeClr val="lt1"/>
+            </a:fontRef>
+          </p:style>
+          <p:txBody>
+            <a:bodyPr rtlCol="0" anchor="ctr"/>
+            <a:lstStyle/>
+            <a:p>
+              <a:pPr algn="ctr"/>
+              <a:endParaRPr lang="de-CH"/>
+            </a:p>
+          </p:txBody>
+        </p:sp>
+      </p:grpSp>
     </p:spTree>
     <p:extLst>
       <p:ext uri="{BB962C8B-B14F-4D97-AF65-F5344CB8AC3E}">
-        <p14:creationId xmlns:p14="http://schemas.microsoft.com/office/powerpoint/2010/main" val="453105387"/>
+        <p14:creationId xmlns:p14="http://schemas.microsoft.com/office/powerpoint/2010/main" val="2853004996"/>
       </p:ext>
     </p:extLst>
   </p:cSld>
@@ -10853,7 +15216,7 @@
 </p:sld>
 </file>
 
-<file path=ppt/slides/slide3.xml><?xml version="1.0" encoding="utf-8"?>
+<file path=ppt/slides/slide15.xml><?xml version="1.0" encoding="utf-8"?>
 <p:sld xmlns:a="http://schemas.openxmlformats.org/drawingml/2006/main" xmlns:r="http://schemas.openxmlformats.org/officeDocument/2006/relationships" xmlns:p="http://schemas.openxmlformats.org/presentationml/2006/main">
   <p:cSld>
     <p:bg>
@@ -10880,7 +15243,7 @@
       </p:grpSpPr>
       <p:sp useBgFill="1">
         <p:nvSpPr>
-          <p:cNvPr id="9" name="Rectangle 7">
+          <p:cNvPr id="8" name="Rectangle 7">
             <a:extLst>
               <a:ext uri="{FF2B5EF4-FFF2-40B4-BE49-F238E27FC236}">
                 <a16:creationId xmlns:a16="http://schemas.microsoft.com/office/drawing/2014/main" id="{979E27D9-03C7-44E2-9FF8-15D0C8506AF7}"/>
@@ -10956,6 +15319,1486 @@
       </p:sp>
       <p:sp>
         <p:nvSpPr>
+          <p:cNvPr id="3" name="Inhaltsplatzhalter 2">
+            <a:extLst>
+              <a:ext uri="{FF2B5EF4-FFF2-40B4-BE49-F238E27FC236}">
+                <a16:creationId xmlns:a16="http://schemas.microsoft.com/office/drawing/2014/main" id="{B8AAC10B-420E-4EF5-B3A4-3F6F4003B6BB}"/>
+              </a:ext>
+            </a:extLst>
+          </p:cNvPr>
+          <p:cNvSpPr>
+            <a:spLocks noGrp="1"/>
+          </p:cNvSpPr>
+          <p:nvPr>
+            <p:ph idx="1"/>
+          </p:nvPr>
+        </p:nvSpPr>
+        <p:spPr>
+          <a:xfrm>
+            <a:off x="1073533" y="1150303"/>
+            <a:ext cx="9688296" cy="3454358"/>
+          </a:xfrm>
+        </p:spPr>
+        <p:txBody>
+          <a:bodyPr anchor="t">
+            <a:normAutofit/>
+          </a:bodyPr>
+          <a:lstStyle/>
+          <a:p>
+            <a:pPr marL="0" indent="0">
+              <a:buNone/>
+            </a:pPr>
+            <a:endParaRPr lang="de-CH" sz="2000" dirty="0"/>
+          </a:p>
+          <a:p>
+            <a:pPr marL="0" indent="0">
+              <a:buNone/>
+            </a:pPr>
+            <a:r>
+              <a:rPr lang="de-CH" sz="2000" dirty="0"/>
+              <a:t>21.4% fehlend !</a:t>
+            </a:r>
+          </a:p>
+          <a:p>
+            <a:pPr marL="0" indent="0">
+              <a:buNone/>
+            </a:pPr>
+            <a:endParaRPr lang="de-CH" sz="2000" dirty="0"/>
+          </a:p>
+          <a:p>
+            <a:pPr marL="0" indent="0">
+              <a:buNone/>
+            </a:pPr>
+            <a:r>
+              <a:rPr lang="de-CH" sz="2000" dirty="0"/>
+              <a:t>Keine Angaben über fehlende Werte Imputation usw.</a:t>
+            </a:r>
+          </a:p>
+          <a:p>
+            <a:pPr marL="0" indent="0">
+              <a:buNone/>
+            </a:pPr>
+            <a:endParaRPr lang="de-CH" sz="2000" dirty="0"/>
+          </a:p>
+          <a:p>
+            <a:pPr marL="0" indent="0">
+              <a:buNone/>
+            </a:pPr>
+            <a:r>
+              <a:rPr lang="de-CH" sz="2000" dirty="0"/>
+              <a:t>Gedankenexperiment:</a:t>
+            </a:r>
+          </a:p>
+          <a:p>
+            <a:pPr marL="0" indent="0">
+              <a:buNone/>
+            </a:pPr>
+            <a:r>
+              <a:rPr lang="de-CH" sz="2000" dirty="0"/>
+              <a:t>28 Fehlende Werte sind in der Gruppe CHO haben ein mittlere Körpergewicht von 90 kg und </a:t>
+            </a:r>
+            <a:r>
+              <a:rPr lang="de-CH" sz="2000" dirty="0" err="1"/>
+              <a:t>sd</a:t>
+            </a:r>
+            <a:r>
+              <a:rPr lang="de-CH" sz="2000" dirty="0"/>
+              <a:t>= 4. -&gt; </a:t>
+            </a:r>
+            <a:r>
+              <a:rPr lang="de-CH" sz="2000" dirty="0" err="1"/>
+              <a:t>bias</a:t>
+            </a:r>
+            <a:endParaRPr lang="de-CH" sz="2000" dirty="0"/>
+          </a:p>
+          <a:p>
+            <a:pPr marL="0" indent="0">
+              <a:buNone/>
+            </a:pPr>
+            <a:endParaRPr lang="de-CH" sz="2000" dirty="0"/>
+          </a:p>
+          <a:p>
+            <a:pPr marL="0" indent="0">
+              <a:buNone/>
+            </a:pPr>
+            <a:endParaRPr lang="de-CH" sz="2000" dirty="0"/>
+          </a:p>
+          <a:p>
+            <a:pPr marL="0" indent="0">
+              <a:buNone/>
+            </a:pPr>
+            <a:endParaRPr lang="de-CH" sz="2000" dirty="0"/>
+          </a:p>
+          <a:p>
+            <a:pPr marL="0" indent="0">
+              <a:buNone/>
+            </a:pPr>
+            <a:endParaRPr lang="de-CH" sz="2000" dirty="0"/>
+          </a:p>
+          <a:p>
+            <a:pPr marL="0" indent="0">
+              <a:buNone/>
+            </a:pPr>
+            <a:endParaRPr lang="de-CH" sz="2000" dirty="0"/>
+          </a:p>
+        </p:txBody>
+      </p:sp>
+      <p:sp>
+        <p:nvSpPr>
+          <p:cNvPr id="10" name="Rectangle 9">
+            <a:extLst>
+              <a:ext uri="{FF2B5EF4-FFF2-40B4-BE49-F238E27FC236}">
+                <a16:creationId xmlns:a16="http://schemas.microsoft.com/office/drawing/2014/main" id="{EEBF1590-3B36-48EE-A89D-3B6F3CB256AB}"/>
+              </a:ext>
+              <a:ext uri="{C183D7F6-B498-43B3-948B-1728B52AA6E4}">
+                <adec:decorative xmlns:adec="http://schemas.microsoft.com/office/drawing/2017/decorative" val="1"/>
+              </a:ext>
+            </a:extLst>
+          </p:cNvPr>
+          <p:cNvSpPr>
+            <a:spLocks noGrp="1" noRot="1" noChangeAspect="1" noMove="1" noResize="1" noEditPoints="1" noAdjustHandles="1" noChangeArrowheads="1" noChangeShapeType="1" noTextEdit="1"/>
+          </p:cNvSpPr>
+          <p:nvPr>
+            <p:extLst>
+              <p:ext uri="{386F3935-93C4-4BCD-93E2-E3B085C9AB24}">
+                <p16:designElem xmlns:p16="http://schemas.microsoft.com/office/powerpoint/2015/main" val="1"/>
+              </p:ext>
+            </p:extLst>
+          </p:nvPr>
+        </p:nvSpPr>
+        <p:spPr>
+          <a:xfrm rot="10800000" flipH="1">
+            <a:off x="0" y="6400799"/>
+            <a:ext cx="12192000" cy="456773"/>
+          </a:xfrm>
+          <a:prstGeom prst="rect">
+            <a:avLst/>
+          </a:prstGeom>
+          <a:gradFill>
+            <a:gsLst>
+              <a:gs pos="0">
+                <a:schemeClr val="accent1"/>
+              </a:gs>
+              <a:gs pos="78000">
+                <a:srgbClr val="000000"/>
+              </a:gs>
+            </a:gsLst>
+            <a:lin ang="2400000" scaled="0"/>
+          </a:gradFill>
+          <a:ln>
+            <a:noFill/>
+          </a:ln>
+        </p:spPr>
+        <p:style>
+          <a:lnRef idx="2">
+            <a:schemeClr val="accent1">
+              <a:shade val="50000"/>
+            </a:schemeClr>
+          </a:lnRef>
+          <a:fillRef idx="1">
+            <a:schemeClr val="accent1"/>
+          </a:fillRef>
+          <a:effectRef idx="0">
+            <a:schemeClr val="accent1"/>
+          </a:effectRef>
+          <a:fontRef idx="minor">
+            <a:schemeClr val="lt1"/>
+          </a:fontRef>
+        </p:style>
+        <p:txBody>
+          <a:bodyPr rtlCol="0" anchor="ctr"/>
+          <a:lstStyle/>
+          <a:p>
+            <a:pPr algn="ctr"/>
+            <a:endParaRPr lang="en-US"/>
+          </a:p>
+        </p:txBody>
+      </p:sp>
+      <p:sp>
+        <p:nvSpPr>
+          <p:cNvPr id="12" name="Rectangle 11">
+            <a:extLst>
+              <a:ext uri="{FF2B5EF4-FFF2-40B4-BE49-F238E27FC236}">
+                <a16:creationId xmlns:a16="http://schemas.microsoft.com/office/drawing/2014/main" id="{AC8F6C8C-AB5A-4548-942D-E3FD40ACBC49}"/>
+              </a:ext>
+              <a:ext uri="{C183D7F6-B498-43B3-948B-1728B52AA6E4}">
+                <adec:decorative xmlns:adec="http://schemas.microsoft.com/office/drawing/2017/decorative" val="1"/>
+              </a:ext>
+            </a:extLst>
+          </p:cNvPr>
+          <p:cNvSpPr>
+            <a:spLocks noGrp="1" noRot="1" noChangeAspect="1" noMove="1" noResize="1" noEditPoints="1" noAdjustHandles="1" noChangeArrowheads="1" noChangeShapeType="1" noTextEdit="1"/>
+          </p:cNvSpPr>
+          <p:nvPr>
+            <p:extLst>
+              <p:ext uri="{386F3935-93C4-4BCD-93E2-E3B085C9AB24}">
+                <p16:designElem xmlns:p16="http://schemas.microsoft.com/office/powerpoint/2015/main" val="1"/>
+              </p:ext>
+            </p:extLst>
+          </p:nvPr>
+        </p:nvSpPr>
+        <p:spPr>
+          <a:xfrm flipH="1">
+            <a:off x="4038600" y="6400799"/>
+            <a:ext cx="8153398" cy="456772"/>
+          </a:xfrm>
+          <a:prstGeom prst="rect">
+            <a:avLst/>
+          </a:prstGeom>
+          <a:gradFill>
+            <a:gsLst>
+              <a:gs pos="0">
+                <a:srgbClr val="000000">
+                  <a:alpha val="63000"/>
+                </a:srgbClr>
+              </a:gs>
+              <a:gs pos="100000">
+                <a:schemeClr val="accent1">
+                  <a:lumMod val="75000"/>
+                </a:schemeClr>
+              </a:gs>
+            </a:gsLst>
+            <a:lin ang="13800000" scaled="0"/>
+          </a:gradFill>
+          <a:ln>
+            <a:noFill/>
+          </a:ln>
+        </p:spPr>
+        <p:style>
+          <a:lnRef idx="2">
+            <a:schemeClr val="accent1">
+              <a:shade val="50000"/>
+            </a:schemeClr>
+          </a:lnRef>
+          <a:fillRef idx="1">
+            <a:schemeClr val="accent1"/>
+          </a:fillRef>
+          <a:effectRef idx="0">
+            <a:schemeClr val="accent1"/>
+          </a:effectRef>
+          <a:fontRef idx="minor">
+            <a:schemeClr val="lt1"/>
+          </a:fontRef>
+        </p:style>
+        <p:txBody>
+          <a:bodyPr rtlCol="0" anchor="ctr"/>
+          <a:lstStyle/>
+          <a:p>
+            <a:pPr algn="ctr"/>
+            <a:endParaRPr lang="en-US"/>
+          </a:p>
+        </p:txBody>
+      </p:sp>
+      <p:sp>
+        <p:nvSpPr>
+          <p:cNvPr id="7" name="Title 1">
+            <a:extLst>
+              <a:ext uri="{FF2B5EF4-FFF2-40B4-BE49-F238E27FC236}">
+                <a16:creationId xmlns:a16="http://schemas.microsoft.com/office/drawing/2014/main" id="{9DBF26B3-494D-425C-9882-9DC600219123}"/>
+              </a:ext>
+            </a:extLst>
+          </p:cNvPr>
+          <p:cNvSpPr>
+            <a:spLocks noGrp="1"/>
+          </p:cNvSpPr>
+          <p:nvPr>
+            <p:ph type="title"/>
+          </p:nvPr>
+        </p:nvSpPr>
+        <p:spPr>
+          <a:xfrm>
+            <a:off x="1027813" y="691515"/>
+            <a:ext cx="9688766" cy="647383"/>
+          </a:xfrm>
+        </p:spPr>
+        <p:txBody>
+          <a:bodyPr anchor="b">
+            <a:normAutofit/>
+          </a:bodyPr>
+          <a:lstStyle/>
+          <a:p>
+            <a:r>
+              <a:rPr lang="de-CH" sz="4000" dirty="0"/>
+              <a:t>Fehlende Werte</a:t>
+            </a:r>
+            <a:endParaRPr lang="en-CH" sz="4000" dirty="0"/>
+          </a:p>
+        </p:txBody>
+      </p:sp>
+    </p:spTree>
+    <p:extLst>
+      <p:ext uri="{BB962C8B-B14F-4D97-AF65-F5344CB8AC3E}">
+        <p14:creationId xmlns:p14="http://schemas.microsoft.com/office/powerpoint/2010/main" val="2485654172"/>
+      </p:ext>
+    </p:extLst>
+  </p:cSld>
+  <p:clrMapOvr>
+    <a:masterClrMapping/>
+  </p:clrMapOvr>
+</p:sld>
+</file>
+
+<file path=ppt/slides/slide16.xml><?xml version="1.0" encoding="utf-8"?>
+<p:sld xmlns:a="http://schemas.openxmlformats.org/drawingml/2006/main" xmlns:r="http://schemas.openxmlformats.org/officeDocument/2006/relationships" xmlns:p="http://schemas.openxmlformats.org/presentationml/2006/main">
+  <p:cSld>
+    <p:bg>
+      <p:bgPr>
+        <a:solidFill>
+          <a:schemeClr val="bg1"/>
+        </a:solidFill>
+        <a:effectLst/>
+      </p:bgPr>
+    </p:bg>
+    <p:spTree>
+      <p:nvGrpSpPr>
+        <p:cNvPr id="1" name=""/>
+        <p:cNvGrpSpPr/>
+        <p:nvPr/>
+      </p:nvGrpSpPr>
+      <p:grpSpPr>
+        <a:xfrm>
+          <a:off x="0" y="0"/>
+          <a:ext cx="0" cy="0"/>
+          <a:chOff x="0" y="0"/>
+          <a:chExt cx="0" cy="0"/>
+        </a:xfrm>
+      </p:grpSpPr>
+      <p:sp useBgFill="1">
+        <p:nvSpPr>
+          <p:cNvPr id="8" name="Rectangle 7">
+            <a:extLst>
+              <a:ext uri="{FF2B5EF4-FFF2-40B4-BE49-F238E27FC236}">
+                <a16:creationId xmlns:a16="http://schemas.microsoft.com/office/drawing/2014/main" id="{979E27D9-03C7-44E2-9FF8-15D0C8506AF7}"/>
+              </a:ext>
+              <a:ext uri="{C183D7F6-B498-43B3-948B-1728B52AA6E4}">
+                <adec:decorative xmlns:adec="http://schemas.microsoft.com/office/drawing/2017/decorative" val="1"/>
+              </a:ext>
+            </a:extLst>
+          </p:cNvPr>
+          <p:cNvSpPr>
+            <a:spLocks noGrp="1" noRot="1" noChangeAspect="1" noMove="1" noResize="1" noEditPoints="1" noAdjustHandles="1" noChangeArrowheads="1" noChangeShapeType="1" noTextEdit="1"/>
+          </p:cNvSpPr>
+          <p:nvPr>
+            <p:extLst>
+              <p:ext uri="{386F3935-93C4-4BCD-93E2-E3B085C9AB24}">
+                <p16:designElem xmlns:p16="http://schemas.microsoft.com/office/powerpoint/2015/main" val="1"/>
+              </p:ext>
+            </p:extLst>
+          </p:nvPr>
+        </p:nvSpPr>
+        <p:spPr>
+          <a:xfrm>
+            <a:off x="0" y="0"/>
+            <a:ext cx="12192000" cy="6858000"/>
+          </a:xfrm>
+          <a:prstGeom prst="rect">
+            <a:avLst/>
+          </a:prstGeom>
+          <a:ln w="12700" cap="flat" cmpd="sng" algn="ctr">
+            <a:noFill/>
+            <a:prstDash val="solid"/>
+            <a:miter lim="800000"/>
+          </a:ln>
+          <a:effectLst/>
+          <a:extLst>
+            <a:ext uri="{91240B29-F687-4F45-9708-019B960494DF}">
+              <a14:hiddenLine xmlns:a14="http://schemas.microsoft.com/office/drawing/2010/main" w="12700" cap="flat" cmpd="sng" algn="ctr">
+                <a:solidFill>
+                  <a:schemeClr val="accent1">
+                    <a:shade val="50000"/>
+                  </a:schemeClr>
+                </a:solidFill>
+                <a:prstDash val="solid"/>
+                <a:miter lim="800000"/>
+              </a14:hiddenLine>
+            </a:ext>
+          </a:extLst>
+        </p:spPr>
+        <p:style>
+          <a:lnRef idx="2">
+            <a:schemeClr val="accent1">
+              <a:shade val="50000"/>
+            </a:schemeClr>
+          </a:lnRef>
+          <a:fillRef idx="1">
+            <a:schemeClr val="accent1"/>
+          </a:fillRef>
+          <a:effectRef idx="0">
+            <a:schemeClr val="accent1"/>
+          </a:effectRef>
+          <a:fontRef idx="minor">
+            <a:schemeClr val="lt1"/>
+          </a:fontRef>
+        </p:style>
+        <p:txBody>
+          <a:bodyPr rtlCol="0" anchor="ctr"/>
+          <a:lstStyle/>
+          <a:p>
+            <a:pPr algn="ctr"/>
+            <a:endParaRPr lang="en-US"/>
+          </a:p>
+        </p:txBody>
+      </p:sp>
+      <p:sp>
+        <p:nvSpPr>
+          <p:cNvPr id="2" name="Titel 1">
+            <a:extLst>
+              <a:ext uri="{FF2B5EF4-FFF2-40B4-BE49-F238E27FC236}">
+                <a16:creationId xmlns:a16="http://schemas.microsoft.com/office/drawing/2014/main" id="{41E8A36B-7A9E-4F40-90BB-4774752888AA}"/>
+              </a:ext>
+            </a:extLst>
+          </p:cNvPr>
+          <p:cNvSpPr>
+            <a:spLocks noGrp="1"/>
+          </p:cNvSpPr>
+          <p:nvPr>
+            <p:ph type="title"/>
+          </p:nvPr>
+        </p:nvSpPr>
+        <p:spPr>
+          <a:xfrm>
+            <a:off x="1136397" y="812446"/>
+            <a:ext cx="9688296" cy="793518"/>
+          </a:xfrm>
+        </p:spPr>
+        <p:txBody>
+          <a:bodyPr anchor="b">
+            <a:normAutofit/>
+          </a:bodyPr>
+          <a:lstStyle/>
+          <a:p>
+            <a:r>
+              <a:rPr lang="de-CH" sz="4000" dirty="0"/>
+              <a:t>Erweiterung der Studie</a:t>
+            </a:r>
+          </a:p>
+        </p:txBody>
+      </p:sp>
+      <p:sp>
+        <p:nvSpPr>
+          <p:cNvPr id="3" name="Inhaltsplatzhalter 2">
+            <a:extLst>
+              <a:ext uri="{FF2B5EF4-FFF2-40B4-BE49-F238E27FC236}">
+                <a16:creationId xmlns:a16="http://schemas.microsoft.com/office/drawing/2014/main" id="{A0B56363-0BA7-4BFE-B252-D7F1347F4CDF}"/>
+              </a:ext>
+            </a:extLst>
+          </p:cNvPr>
+          <p:cNvSpPr>
+            <a:spLocks noGrp="1"/>
+          </p:cNvSpPr>
+          <p:nvPr>
+            <p:ph idx="1"/>
+          </p:nvPr>
+        </p:nvSpPr>
+        <p:spPr>
+          <a:xfrm>
+            <a:off x="1136397" y="2418409"/>
+            <a:ext cx="9688296" cy="3454358"/>
+          </a:xfrm>
+        </p:spPr>
+        <p:txBody>
+          <a:bodyPr anchor="t">
+            <a:normAutofit/>
+          </a:bodyPr>
+          <a:lstStyle/>
+          <a:p>
+            <a:r>
+              <a:rPr lang="de-CH" sz="2000" dirty="0"/>
+              <a:t>Erweiterung durch Placebo gruppe</a:t>
+            </a:r>
+          </a:p>
+          <a:p>
+            <a:endParaRPr lang="de-CH" sz="2000" dirty="0"/>
+          </a:p>
+          <a:p>
+            <a:r>
+              <a:rPr lang="de-CH" sz="2000" dirty="0"/>
+              <a:t>Zusätzliches Proteinhaltiges Getränk um Vergleich von Milch zu messen</a:t>
+            </a:r>
+          </a:p>
+          <a:p>
+            <a:endParaRPr lang="de-CH" sz="2000" dirty="0"/>
+          </a:p>
+          <a:p>
+            <a:r>
+              <a:rPr lang="de-CH" sz="2000" dirty="0"/>
+              <a:t>Einschränkung der Ernährung während der Studie</a:t>
+            </a:r>
+          </a:p>
+        </p:txBody>
+      </p:sp>
+      <p:sp>
+        <p:nvSpPr>
+          <p:cNvPr id="10" name="Rectangle 9">
+            <a:extLst>
+              <a:ext uri="{FF2B5EF4-FFF2-40B4-BE49-F238E27FC236}">
+                <a16:creationId xmlns:a16="http://schemas.microsoft.com/office/drawing/2014/main" id="{EEBF1590-3B36-48EE-A89D-3B6F3CB256AB}"/>
+              </a:ext>
+              <a:ext uri="{C183D7F6-B498-43B3-948B-1728B52AA6E4}">
+                <adec:decorative xmlns:adec="http://schemas.microsoft.com/office/drawing/2017/decorative" val="1"/>
+              </a:ext>
+            </a:extLst>
+          </p:cNvPr>
+          <p:cNvSpPr>
+            <a:spLocks noGrp="1" noRot="1" noChangeAspect="1" noMove="1" noResize="1" noEditPoints="1" noAdjustHandles="1" noChangeArrowheads="1" noChangeShapeType="1" noTextEdit="1"/>
+          </p:cNvSpPr>
+          <p:nvPr>
+            <p:extLst>
+              <p:ext uri="{386F3935-93C4-4BCD-93E2-E3B085C9AB24}">
+                <p16:designElem xmlns:p16="http://schemas.microsoft.com/office/powerpoint/2015/main" val="1"/>
+              </p:ext>
+            </p:extLst>
+          </p:nvPr>
+        </p:nvSpPr>
+        <p:spPr>
+          <a:xfrm rot="10800000" flipH="1">
+            <a:off x="0" y="6400799"/>
+            <a:ext cx="12192000" cy="456773"/>
+          </a:xfrm>
+          <a:prstGeom prst="rect">
+            <a:avLst/>
+          </a:prstGeom>
+          <a:gradFill>
+            <a:gsLst>
+              <a:gs pos="0">
+                <a:schemeClr val="accent1"/>
+              </a:gs>
+              <a:gs pos="78000">
+                <a:srgbClr val="000000"/>
+              </a:gs>
+            </a:gsLst>
+            <a:lin ang="2400000" scaled="0"/>
+          </a:gradFill>
+          <a:ln>
+            <a:noFill/>
+          </a:ln>
+        </p:spPr>
+        <p:style>
+          <a:lnRef idx="2">
+            <a:schemeClr val="accent1">
+              <a:shade val="50000"/>
+            </a:schemeClr>
+          </a:lnRef>
+          <a:fillRef idx="1">
+            <a:schemeClr val="accent1"/>
+          </a:fillRef>
+          <a:effectRef idx="0">
+            <a:schemeClr val="accent1"/>
+          </a:effectRef>
+          <a:fontRef idx="minor">
+            <a:schemeClr val="lt1"/>
+          </a:fontRef>
+        </p:style>
+        <p:txBody>
+          <a:bodyPr rtlCol="0" anchor="ctr"/>
+          <a:lstStyle/>
+          <a:p>
+            <a:pPr algn="ctr"/>
+            <a:endParaRPr lang="en-US"/>
+          </a:p>
+        </p:txBody>
+      </p:sp>
+      <p:sp>
+        <p:nvSpPr>
+          <p:cNvPr id="12" name="Rectangle 11">
+            <a:extLst>
+              <a:ext uri="{FF2B5EF4-FFF2-40B4-BE49-F238E27FC236}">
+                <a16:creationId xmlns:a16="http://schemas.microsoft.com/office/drawing/2014/main" id="{AC8F6C8C-AB5A-4548-942D-E3FD40ACBC49}"/>
+              </a:ext>
+              <a:ext uri="{C183D7F6-B498-43B3-948B-1728B52AA6E4}">
+                <adec:decorative xmlns:adec="http://schemas.microsoft.com/office/drawing/2017/decorative" val="1"/>
+              </a:ext>
+            </a:extLst>
+          </p:cNvPr>
+          <p:cNvSpPr>
+            <a:spLocks noGrp="1" noRot="1" noChangeAspect="1" noMove="1" noResize="1" noEditPoints="1" noAdjustHandles="1" noChangeArrowheads="1" noChangeShapeType="1" noTextEdit="1"/>
+          </p:cNvSpPr>
+          <p:nvPr>
+            <p:extLst>
+              <p:ext uri="{386F3935-93C4-4BCD-93E2-E3B085C9AB24}">
+                <p16:designElem xmlns:p16="http://schemas.microsoft.com/office/powerpoint/2015/main" val="1"/>
+              </p:ext>
+            </p:extLst>
+          </p:nvPr>
+        </p:nvSpPr>
+        <p:spPr>
+          <a:xfrm flipH="1">
+            <a:off x="4038600" y="6400799"/>
+            <a:ext cx="8153398" cy="456772"/>
+          </a:xfrm>
+          <a:prstGeom prst="rect">
+            <a:avLst/>
+          </a:prstGeom>
+          <a:gradFill>
+            <a:gsLst>
+              <a:gs pos="0">
+                <a:srgbClr val="000000">
+                  <a:alpha val="63000"/>
+                </a:srgbClr>
+              </a:gs>
+              <a:gs pos="100000">
+                <a:schemeClr val="accent1">
+                  <a:lumMod val="75000"/>
+                </a:schemeClr>
+              </a:gs>
+            </a:gsLst>
+            <a:lin ang="13800000" scaled="0"/>
+          </a:gradFill>
+          <a:ln>
+            <a:noFill/>
+          </a:ln>
+        </p:spPr>
+        <p:style>
+          <a:lnRef idx="2">
+            <a:schemeClr val="accent1">
+              <a:shade val="50000"/>
+            </a:schemeClr>
+          </a:lnRef>
+          <a:fillRef idx="1">
+            <a:schemeClr val="accent1"/>
+          </a:fillRef>
+          <a:effectRef idx="0">
+            <a:schemeClr val="accent1"/>
+          </a:effectRef>
+          <a:fontRef idx="minor">
+            <a:schemeClr val="lt1"/>
+          </a:fontRef>
+        </p:style>
+        <p:txBody>
+          <a:bodyPr rtlCol="0" anchor="ctr"/>
+          <a:lstStyle/>
+          <a:p>
+            <a:pPr algn="ctr"/>
+            <a:endParaRPr lang="en-US"/>
+          </a:p>
+        </p:txBody>
+      </p:sp>
+    </p:spTree>
+    <p:extLst>
+      <p:ext uri="{BB962C8B-B14F-4D97-AF65-F5344CB8AC3E}">
+        <p14:creationId xmlns:p14="http://schemas.microsoft.com/office/powerpoint/2010/main" val="2469722410"/>
+      </p:ext>
+    </p:extLst>
+  </p:cSld>
+  <p:clrMapOvr>
+    <a:masterClrMapping/>
+  </p:clrMapOvr>
+</p:sld>
+</file>
+
+<file path=ppt/slides/slide17.xml><?xml version="1.0" encoding="utf-8"?>
+<p:sld xmlns:a="http://schemas.openxmlformats.org/drawingml/2006/main" xmlns:r="http://schemas.openxmlformats.org/officeDocument/2006/relationships" xmlns:p="http://schemas.openxmlformats.org/presentationml/2006/main">
+  <p:cSld>
+    <p:bg>
+      <p:bgPr>
+        <a:solidFill>
+          <a:schemeClr val="bg1"/>
+        </a:solidFill>
+        <a:effectLst/>
+      </p:bgPr>
+    </p:bg>
+    <p:spTree>
+      <p:nvGrpSpPr>
+        <p:cNvPr id="1" name=""/>
+        <p:cNvGrpSpPr/>
+        <p:nvPr/>
+      </p:nvGrpSpPr>
+      <p:grpSpPr>
+        <a:xfrm>
+          <a:off x="0" y="0"/>
+          <a:ext cx="0" cy="0"/>
+          <a:chOff x="0" y="0"/>
+          <a:chExt cx="0" cy="0"/>
+        </a:xfrm>
+      </p:grpSpPr>
+      <p:sp useBgFill="1">
+        <p:nvSpPr>
+          <p:cNvPr id="8" name="Rectangle 7">
+            <a:extLst>
+              <a:ext uri="{FF2B5EF4-FFF2-40B4-BE49-F238E27FC236}">
+                <a16:creationId xmlns:a16="http://schemas.microsoft.com/office/drawing/2014/main" id="{979E27D9-03C7-44E2-9FF8-15D0C8506AF7}"/>
+              </a:ext>
+              <a:ext uri="{C183D7F6-B498-43B3-948B-1728B52AA6E4}">
+                <adec:decorative xmlns:adec="http://schemas.microsoft.com/office/drawing/2017/decorative" val="1"/>
+              </a:ext>
+            </a:extLst>
+          </p:cNvPr>
+          <p:cNvSpPr>
+            <a:spLocks noGrp="1" noRot="1" noChangeAspect="1" noMove="1" noResize="1" noEditPoints="1" noAdjustHandles="1" noChangeArrowheads="1" noChangeShapeType="1" noTextEdit="1"/>
+          </p:cNvSpPr>
+          <p:nvPr>
+            <p:extLst>
+              <p:ext uri="{386F3935-93C4-4BCD-93E2-E3B085C9AB24}">
+                <p16:designElem xmlns:p16="http://schemas.microsoft.com/office/powerpoint/2015/main" val="1"/>
+              </p:ext>
+            </p:extLst>
+          </p:nvPr>
+        </p:nvSpPr>
+        <p:spPr>
+          <a:xfrm>
+            <a:off x="0" y="0"/>
+            <a:ext cx="12192000" cy="6858000"/>
+          </a:xfrm>
+          <a:prstGeom prst="rect">
+            <a:avLst/>
+          </a:prstGeom>
+          <a:ln w="12700" cap="flat" cmpd="sng" algn="ctr">
+            <a:noFill/>
+            <a:prstDash val="solid"/>
+            <a:miter lim="800000"/>
+          </a:ln>
+          <a:effectLst/>
+          <a:extLst>
+            <a:ext uri="{91240B29-F687-4F45-9708-019B960494DF}">
+              <a14:hiddenLine xmlns:a14="http://schemas.microsoft.com/office/drawing/2010/main" w="12700" cap="flat" cmpd="sng" algn="ctr">
+                <a:solidFill>
+                  <a:schemeClr val="accent1">
+                    <a:shade val="50000"/>
+                  </a:schemeClr>
+                </a:solidFill>
+                <a:prstDash val="solid"/>
+                <a:miter lim="800000"/>
+              </a14:hiddenLine>
+            </a:ext>
+          </a:extLst>
+        </p:spPr>
+        <p:style>
+          <a:lnRef idx="2">
+            <a:schemeClr val="accent1">
+              <a:shade val="50000"/>
+            </a:schemeClr>
+          </a:lnRef>
+          <a:fillRef idx="1">
+            <a:schemeClr val="accent1"/>
+          </a:fillRef>
+          <a:effectRef idx="0">
+            <a:schemeClr val="accent1"/>
+          </a:effectRef>
+          <a:fontRef idx="minor">
+            <a:schemeClr val="lt1"/>
+          </a:fontRef>
+        </p:style>
+        <p:txBody>
+          <a:bodyPr rtlCol="0" anchor="ctr"/>
+          <a:lstStyle/>
+          <a:p>
+            <a:pPr algn="ctr"/>
+            <a:endParaRPr lang="en-US"/>
+          </a:p>
+        </p:txBody>
+      </p:sp>
+      <p:sp>
+        <p:nvSpPr>
+          <p:cNvPr id="2" name="Titel 1">
+            <a:extLst>
+              <a:ext uri="{FF2B5EF4-FFF2-40B4-BE49-F238E27FC236}">
+                <a16:creationId xmlns:a16="http://schemas.microsoft.com/office/drawing/2014/main" id="{B09E4CDC-5F0E-478A-B346-34B84FEBFFD7}"/>
+              </a:ext>
+            </a:extLst>
+          </p:cNvPr>
+          <p:cNvSpPr>
+            <a:spLocks noGrp="1"/>
+          </p:cNvSpPr>
+          <p:nvPr>
+            <p:ph type="title"/>
+          </p:nvPr>
+        </p:nvSpPr>
+        <p:spPr>
+          <a:xfrm>
+            <a:off x="1136397" y="502021"/>
+            <a:ext cx="9688296" cy="1642969"/>
+          </a:xfrm>
+        </p:spPr>
+        <p:txBody>
+          <a:bodyPr anchor="b">
+            <a:normAutofit/>
+          </a:bodyPr>
+          <a:lstStyle/>
+          <a:p>
+            <a:r>
+              <a:rPr lang="de-CH" sz="4000" dirty="0"/>
+              <a:t>Fazit </a:t>
+            </a:r>
+          </a:p>
+        </p:txBody>
+      </p:sp>
+      <p:sp>
+        <p:nvSpPr>
+          <p:cNvPr id="3" name="Inhaltsplatzhalter 2">
+            <a:extLst>
+              <a:ext uri="{FF2B5EF4-FFF2-40B4-BE49-F238E27FC236}">
+                <a16:creationId xmlns:a16="http://schemas.microsoft.com/office/drawing/2014/main" id="{6AAB087B-3239-4A96-974B-344EB3703592}"/>
+              </a:ext>
+            </a:extLst>
+          </p:cNvPr>
+          <p:cNvSpPr>
+            <a:spLocks noGrp="1"/>
+          </p:cNvSpPr>
+          <p:nvPr>
+            <p:ph idx="1"/>
+          </p:nvPr>
+        </p:nvSpPr>
+        <p:spPr>
+          <a:xfrm>
+            <a:off x="1136397" y="2418409"/>
+            <a:ext cx="9688296" cy="3454358"/>
+          </a:xfrm>
+        </p:spPr>
+        <p:txBody>
+          <a:bodyPr anchor="t">
+            <a:normAutofit/>
+          </a:bodyPr>
+          <a:lstStyle/>
+          <a:p>
+            <a:pPr marL="0" indent="0">
+              <a:buNone/>
+            </a:pPr>
+            <a:r>
+              <a:rPr lang="de-CH" sz="2000" dirty="0"/>
+              <a:t>Studie ist ungenügend genau und enthält viele offene Fragen bezüglich:</a:t>
+            </a:r>
+          </a:p>
+          <a:p>
+            <a:pPr marL="0" indent="0">
+              <a:buNone/>
+            </a:pPr>
+            <a:endParaRPr lang="de-CH" sz="2000" dirty="0"/>
+          </a:p>
+          <a:p>
+            <a:r>
+              <a:rPr lang="de-CH" sz="2000" dirty="0"/>
+              <a:t>Methodik</a:t>
+            </a:r>
+          </a:p>
+          <a:p>
+            <a:r>
+              <a:rPr lang="de-CH" sz="2000" dirty="0"/>
+              <a:t>Fehlende Werte</a:t>
+            </a:r>
+          </a:p>
+          <a:p>
+            <a:r>
+              <a:rPr lang="de-CH" sz="2000" dirty="0"/>
+              <a:t>Repräsentativität</a:t>
+            </a:r>
+          </a:p>
+          <a:p>
+            <a:pPr marL="0" indent="0">
+              <a:buNone/>
+            </a:pPr>
+            <a:endParaRPr lang="de-CH" sz="2000" dirty="0"/>
+          </a:p>
+          <a:p>
+            <a:pPr marL="0" indent="0">
+              <a:buNone/>
+            </a:pPr>
+            <a:r>
+              <a:rPr lang="de-CH" sz="2000" dirty="0"/>
+              <a:t>Die Finanzierung durch </a:t>
+            </a:r>
+            <a:r>
+              <a:rPr lang="de-CH" sz="2000" dirty="0" err="1"/>
+              <a:t>Dairy</a:t>
+            </a:r>
+            <a:r>
+              <a:rPr lang="de-CH" sz="2000" dirty="0"/>
+              <a:t> Max lässt die Studie nochmal in einem anderen Licht erscheinen</a:t>
+            </a:r>
+          </a:p>
+          <a:p>
+            <a:endParaRPr lang="de-CH" sz="2000" dirty="0"/>
+          </a:p>
+        </p:txBody>
+      </p:sp>
+      <p:sp>
+        <p:nvSpPr>
+          <p:cNvPr id="10" name="Rectangle 9">
+            <a:extLst>
+              <a:ext uri="{FF2B5EF4-FFF2-40B4-BE49-F238E27FC236}">
+                <a16:creationId xmlns:a16="http://schemas.microsoft.com/office/drawing/2014/main" id="{EEBF1590-3B36-48EE-A89D-3B6F3CB256AB}"/>
+              </a:ext>
+              <a:ext uri="{C183D7F6-B498-43B3-948B-1728B52AA6E4}">
+                <adec:decorative xmlns:adec="http://schemas.microsoft.com/office/drawing/2017/decorative" val="1"/>
+              </a:ext>
+            </a:extLst>
+          </p:cNvPr>
+          <p:cNvSpPr>
+            <a:spLocks noGrp="1" noRot="1" noChangeAspect="1" noMove="1" noResize="1" noEditPoints="1" noAdjustHandles="1" noChangeArrowheads="1" noChangeShapeType="1" noTextEdit="1"/>
+          </p:cNvSpPr>
+          <p:nvPr>
+            <p:extLst>
+              <p:ext uri="{386F3935-93C4-4BCD-93E2-E3B085C9AB24}">
+                <p16:designElem xmlns:p16="http://schemas.microsoft.com/office/powerpoint/2015/main" val="1"/>
+              </p:ext>
+            </p:extLst>
+          </p:nvPr>
+        </p:nvSpPr>
+        <p:spPr>
+          <a:xfrm rot="10800000" flipH="1">
+            <a:off x="0" y="6400799"/>
+            <a:ext cx="12192000" cy="456773"/>
+          </a:xfrm>
+          <a:prstGeom prst="rect">
+            <a:avLst/>
+          </a:prstGeom>
+          <a:gradFill>
+            <a:gsLst>
+              <a:gs pos="0">
+                <a:schemeClr val="accent1"/>
+              </a:gs>
+              <a:gs pos="78000">
+                <a:srgbClr val="000000"/>
+              </a:gs>
+            </a:gsLst>
+            <a:lin ang="2400000" scaled="0"/>
+          </a:gradFill>
+          <a:ln>
+            <a:noFill/>
+          </a:ln>
+        </p:spPr>
+        <p:style>
+          <a:lnRef idx="2">
+            <a:schemeClr val="accent1">
+              <a:shade val="50000"/>
+            </a:schemeClr>
+          </a:lnRef>
+          <a:fillRef idx="1">
+            <a:schemeClr val="accent1"/>
+          </a:fillRef>
+          <a:effectRef idx="0">
+            <a:schemeClr val="accent1"/>
+          </a:effectRef>
+          <a:fontRef idx="minor">
+            <a:schemeClr val="lt1"/>
+          </a:fontRef>
+        </p:style>
+        <p:txBody>
+          <a:bodyPr rtlCol="0" anchor="ctr"/>
+          <a:lstStyle/>
+          <a:p>
+            <a:pPr algn="ctr"/>
+            <a:endParaRPr lang="en-US"/>
+          </a:p>
+        </p:txBody>
+      </p:sp>
+      <p:sp>
+        <p:nvSpPr>
+          <p:cNvPr id="12" name="Rectangle 11">
+            <a:extLst>
+              <a:ext uri="{FF2B5EF4-FFF2-40B4-BE49-F238E27FC236}">
+                <a16:creationId xmlns:a16="http://schemas.microsoft.com/office/drawing/2014/main" id="{AC8F6C8C-AB5A-4548-942D-E3FD40ACBC49}"/>
+              </a:ext>
+              <a:ext uri="{C183D7F6-B498-43B3-948B-1728B52AA6E4}">
+                <adec:decorative xmlns:adec="http://schemas.microsoft.com/office/drawing/2017/decorative" val="1"/>
+              </a:ext>
+            </a:extLst>
+          </p:cNvPr>
+          <p:cNvSpPr>
+            <a:spLocks noGrp="1" noRot="1" noChangeAspect="1" noMove="1" noResize="1" noEditPoints="1" noAdjustHandles="1" noChangeArrowheads="1" noChangeShapeType="1" noTextEdit="1"/>
+          </p:cNvSpPr>
+          <p:nvPr>
+            <p:extLst>
+              <p:ext uri="{386F3935-93C4-4BCD-93E2-E3B085C9AB24}">
+                <p16:designElem xmlns:p16="http://schemas.microsoft.com/office/powerpoint/2015/main" val="1"/>
+              </p:ext>
+            </p:extLst>
+          </p:nvPr>
+        </p:nvSpPr>
+        <p:spPr>
+          <a:xfrm flipH="1">
+            <a:off x="4038600" y="6400799"/>
+            <a:ext cx="8153398" cy="456772"/>
+          </a:xfrm>
+          <a:prstGeom prst="rect">
+            <a:avLst/>
+          </a:prstGeom>
+          <a:gradFill>
+            <a:gsLst>
+              <a:gs pos="0">
+                <a:srgbClr val="000000">
+                  <a:alpha val="63000"/>
+                </a:srgbClr>
+              </a:gs>
+              <a:gs pos="100000">
+                <a:schemeClr val="accent1">
+                  <a:lumMod val="75000"/>
+                </a:schemeClr>
+              </a:gs>
+            </a:gsLst>
+            <a:lin ang="13800000" scaled="0"/>
+          </a:gradFill>
+          <a:ln>
+            <a:noFill/>
+          </a:ln>
+        </p:spPr>
+        <p:style>
+          <a:lnRef idx="2">
+            <a:schemeClr val="accent1">
+              <a:shade val="50000"/>
+            </a:schemeClr>
+          </a:lnRef>
+          <a:fillRef idx="1">
+            <a:schemeClr val="accent1"/>
+          </a:fillRef>
+          <a:effectRef idx="0">
+            <a:schemeClr val="accent1"/>
+          </a:effectRef>
+          <a:fontRef idx="minor">
+            <a:schemeClr val="lt1"/>
+          </a:fontRef>
+        </p:style>
+        <p:txBody>
+          <a:bodyPr rtlCol="0" anchor="ctr"/>
+          <a:lstStyle/>
+          <a:p>
+            <a:pPr algn="ctr"/>
+            <a:endParaRPr lang="en-US"/>
+          </a:p>
+        </p:txBody>
+      </p:sp>
+    </p:spTree>
+    <p:extLst>
+      <p:ext uri="{BB962C8B-B14F-4D97-AF65-F5344CB8AC3E}">
+        <p14:creationId xmlns:p14="http://schemas.microsoft.com/office/powerpoint/2010/main" val="3935120093"/>
+      </p:ext>
+    </p:extLst>
+  </p:cSld>
+  <p:clrMapOvr>
+    <a:masterClrMapping/>
+  </p:clrMapOvr>
+</p:sld>
+</file>
+
+<file path=ppt/slides/slide2.xml><?xml version="1.0" encoding="utf-8"?>
+<p:sld xmlns:a="http://schemas.openxmlformats.org/drawingml/2006/main" xmlns:r="http://schemas.openxmlformats.org/officeDocument/2006/relationships" xmlns:p="http://schemas.openxmlformats.org/presentationml/2006/main">
+  <p:cSld>
+    <p:bg>
+      <p:bgPr>
+        <a:solidFill>
+          <a:schemeClr val="bg1"/>
+        </a:solidFill>
+        <a:effectLst/>
+      </p:bgPr>
+    </p:bg>
+    <p:spTree>
+      <p:nvGrpSpPr>
+        <p:cNvPr id="1" name=""/>
+        <p:cNvGrpSpPr/>
+        <p:nvPr/>
+      </p:nvGrpSpPr>
+      <p:grpSpPr>
+        <a:xfrm>
+          <a:off x="0" y="0"/>
+          <a:ext cx="0" cy="0"/>
+          <a:chOff x="0" y="0"/>
+          <a:chExt cx="0" cy="0"/>
+        </a:xfrm>
+      </p:grpSpPr>
+      <p:sp useBgFill="1">
+        <p:nvSpPr>
+          <p:cNvPr id="66" name="Rectangle 65">
+            <a:extLst>
+              <a:ext uri="{FF2B5EF4-FFF2-40B4-BE49-F238E27FC236}">
+                <a16:creationId xmlns:a16="http://schemas.microsoft.com/office/drawing/2014/main" id="{2596F992-698C-48C0-9D89-70DA4CE927EF}"/>
+              </a:ext>
+              <a:ext uri="{C183D7F6-B498-43B3-948B-1728B52AA6E4}">
+                <adec:decorative xmlns:adec="http://schemas.microsoft.com/office/drawing/2017/decorative" val="1"/>
+              </a:ext>
+            </a:extLst>
+          </p:cNvPr>
+          <p:cNvSpPr>
+            <a:spLocks noGrp="1" noRot="1" noChangeAspect="1" noMove="1" noResize="1" noEditPoints="1" noAdjustHandles="1" noChangeArrowheads="1" noChangeShapeType="1" noTextEdit="1"/>
+          </p:cNvSpPr>
+          <p:nvPr>
+            <p:extLst>
+              <p:ext uri="{386F3935-93C4-4BCD-93E2-E3B085C9AB24}">
+                <p16:designElem xmlns:p16="http://schemas.microsoft.com/office/powerpoint/2015/main" val="1"/>
+              </p:ext>
+            </p:extLst>
+          </p:nvPr>
+        </p:nvSpPr>
+        <p:spPr>
+          <a:xfrm>
+            <a:off x="0" y="0"/>
+            <a:ext cx="12192000" cy="6858000"/>
+          </a:xfrm>
+          <a:prstGeom prst="rect">
+            <a:avLst/>
+          </a:prstGeom>
+          <a:ln w="12700" cap="flat" cmpd="sng" algn="ctr">
+            <a:noFill/>
+            <a:prstDash val="solid"/>
+            <a:miter lim="800000"/>
+          </a:ln>
+          <a:effectLst/>
+          <a:extLst>
+            <a:ext uri="{91240B29-F687-4F45-9708-019B960494DF}">
+              <a14:hiddenLine xmlns:a14="http://schemas.microsoft.com/office/drawing/2010/main" w="12700" cap="flat" cmpd="sng" algn="ctr">
+                <a:solidFill>
+                  <a:schemeClr val="accent1">
+                    <a:shade val="50000"/>
+                  </a:schemeClr>
+                </a:solidFill>
+                <a:prstDash val="solid"/>
+                <a:miter lim="800000"/>
+              </a14:hiddenLine>
+            </a:ext>
+          </a:extLst>
+        </p:spPr>
+        <p:style>
+          <a:lnRef idx="2">
+            <a:schemeClr val="accent1">
+              <a:shade val="50000"/>
+            </a:schemeClr>
+          </a:lnRef>
+          <a:fillRef idx="1">
+            <a:schemeClr val="accent1"/>
+          </a:fillRef>
+          <a:effectRef idx="0">
+            <a:schemeClr val="accent1"/>
+          </a:effectRef>
+          <a:fontRef idx="minor">
+            <a:schemeClr val="lt1"/>
+          </a:fontRef>
+        </p:style>
+        <p:txBody>
+          <a:bodyPr rtlCol="0" anchor="ctr"/>
+          <a:lstStyle/>
+          <a:p>
+            <a:pPr algn="ctr"/>
+            <a:endParaRPr lang="en-US"/>
+          </a:p>
+        </p:txBody>
+      </p:sp>
+      <p:sp>
+        <p:nvSpPr>
+          <p:cNvPr id="2" name="Title 1">
+            <a:extLst>
+              <a:ext uri="{FF2B5EF4-FFF2-40B4-BE49-F238E27FC236}">
+                <a16:creationId xmlns:a16="http://schemas.microsoft.com/office/drawing/2014/main" id="{337970FB-8481-1640-BE18-0E01E53251D4}"/>
+              </a:ext>
+            </a:extLst>
+          </p:cNvPr>
+          <p:cNvSpPr>
+            <a:spLocks noGrp="1"/>
+          </p:cNvSpPr>
+          <p:nvPr>
+            <p:ph type="title"/>
+          </p:nvPr>
+        </p:nvSpPr>
+        <p:spPr>
+          <a:xfrm>
+            <a:off x="914402" y="489508"/>
+            <a:ext cx="5181597" cy="1655482"/>
+          </a:xfrm>
+        </p:spPr>
+        <p:txBody>
+          <a:bodyPr anchor="b">
+            <a:normAutofit/>
+          </a:bodyPr>
+          <a:lstStyle/>
+          <a:p>
+            <a:pPr algn="r"/>
+            <a:r>
+              <a:rPr lang="en-CH" sz="4000" dirty="0"/>
+              <a:t>Inhalt</a:t>
+            </a:r>
+          </a:p>
+        </p:txBody>
+      </p:sp>
+      <p:sp>
+        <p:nvSpPr>
+          <p:cNvPr id="68" name="Rectangle 67">
+            <a:extLst>
+              <a:ext uri="{FF2B5EF4-FFF2-40B4-BE49-F238E27FC236}">
+                <a16:creationId xmlns:a16="http://schemas.microsoft.com/office/drawing/2014/main" id="{A344AAA5-41F4-4862-97EF-688D31DC7567}"/>
+              </a:ext>
+              <a:ext uri="{C183D7F6-B498-43B3-948B-1728B52AA6E4}">
+                <adec:decorative xmlns:adec="http://schemas.microsoft.com/office/drawing/2017/decorative" val="1"/>
+              </a:ext>
+            </a:extLst>
+          </p:cNvPr>
+          <p:cNvSpPr>
+            <a:spLocks noGrp="1" noRot="1" noChangeAspect="1" noMove="1" noResize="1" noEditPoints="1" noAdjustHandles="1" noChangeArrowheads="1" noChangeShapeType="1" noTextEdit="1"/>
+          </p:cNvSpPr>
+          <p:nvPr>
+            <p:extLst>
+              <p:ext uri="{386F3935-93C4-4BCD-93E2-E3B085C9AB24}">
+                <p16:designElem xmlns:p16="http://schemas.microsoft.com/office/powerpoint/2015/main" val="1"/>
+              </p:ext>
+            </p:extLst>
+          </p:nvPr>
+        </p:nvSpPr>
+        <p:spPr>
+          <a:xfrm rot="10800000" flipH="1">
+            <a:off x="0" y="6400799"/>
+            <a:ext cx="12192000" cy="456773"/>
+          </a:xfrm>
+          <a:prstGeom prst="rect">
+            <a:avLst/>
+          </a:prstGeom>
+          <a:gradFill>
+            <a:gsLst>
+              <a:gs pos="0">
+                <a:schemeClr val="accent1"/>
+              </a:gs>
+              <a:gs pos="85000">
+                <a:srgbClr val="000000"/>
+              </a:gs>
+            </a:gsLst>
+            <a:lin ang="2400000" scaled="0"/>
+          </a:gradFill>
+          <a:ln>
+            <a:noFill/>
+          </a:ln>
+        </p:spPr>
+        <p:style>
+          <a:lnRef idx="2">
+            <a:schemeClr val="accent1">
+              <a:shade val="50000"/>
+            </a:schemeClr>
+          </a:lnRef>
+          <a:fillRef idx="1">
+            <a:schemeClr val="accent1"/>
+          </a:fillRef>
+          <a:effectRef idx="0">
+            <a:schemeClr val="accent1"/>
+          </a:effectRef>
+          <a:fontRef idx="minor">
+            <a:schemeClr val="lt1"/>
+          </a:fontRef>
+        </p:style>
+        <p:txBody>
+          <a:bodyPr rtlCol="0" anchor="ctr"/>
+          <a:lstStyle/>
+          <a:p>
+            <a:pPr algn="ctr"/>
+            <a:endParaRPr lang="en-US"/>
+          </a:p>
+        </p:txBody>
+      </p:sp>
+      <p:sp>
+        <p:nvSpPr>
+          <p:cNvPr id="70" name="Rectangle 69">
+            <a:extLst>
+              <a:ext uri="{FF2B5EF4-FFF2-40B4-BE49-F238E27FC236}">
+                <a16:creationId xmlns:a16="http://schemas.microsoft.com/office/drawing/2014/main" id="{69E1A62C-2AAF-4B3E-8CDB-65E237080997}"/>
+              </a:ext>
+              <a:ext uri="{C183D7F6-B498-43B3-948B-1728B52AA6E4}">
+                <adec:decorative xmlns:adec="http://schemas.microsoft.com/office/drawing/2017/decorative" val="1"/>
+              </a:ext>
+            </a:extLst>
+          </p:cNvPr>
+          <p:cNvSpPr>
+            <a:spLocks noGrp="1" noRot="1" noChangeAspect="1" noMove="1" noResize="1" noEditPoints="1" noAdjustHandles="1" noChangeArrowheads="1" noChangeShapeType="1" noTextEdit="1"/>
+          </p:cNvSpPr>
+          <p:nvPr>
+            <p:extLst>
+              <p:ext uri="{386F3935-93C4-4BCD-93E2-E3B085C9AB24}">
+                <p16:designElem xmlns:p16="http://schemas.microsoft.com/office/powerpoint/2015/main" val="1"/>
+              </p:ext>
+            </p:extLst>
+          </p:nvPr>
+        </p:nvSpPr>
+        <p:spPr>
+          <a:xfrm flipH="1">
+            <a:off x="4038600" y="6400799"/>
+            <a:ext cx="8153398" cy="456772"/>
+          </a:xfrm>
+          <a:prstGeom prst="rect">
+            <a:avLst/>
+          </a:prstGeom>
+          <a:gradFill>
+            <a:gsLst>
+              <a:gs pos="0">
+                <a:srgbClr val="000000">
+                  <a:alpha val="26000"/>
+                </a:srgbClr>
+              </a:gs>
+              <a:gs pos="100000">
+                <a:schemeClr val="accent1">
+                  <a:lumMod val="75000"/>
+                </a:schemeClr>
+              </a:gs>
+            </a:gsLst>
+            <a:lin ang="13800000" scaled="0"/>
+          </a:gradFill>
+          <a:ln>
+            <a:noFill/>
+          </a:ln>
+        </p:spPr>
+        <p:style>
+          <a:lnRef idx="2">
+            <a:schemeClr val="accent1">
+              <a:shade val="50000"/>
+            </a:schemeClr>
+          </a:lnRef>
+          <a:fillRef idx="1">
+            <a:schemeClr val="accent1"/>
+          </a:fillRef>
+          <a:effectRef idx="0">
+            <a:schemeClr val="accent1"/>
+          </a:effectRef>
+          <a:fontRef idx="minor">
+            <a:schemeClr val="lt1"/>
+          </a:fontRef>
+        </p:style>
+        <p:txBody>
+          <a:bodyPr rtlCol="0" anchor="ctr"/>
+          <a:lstStyle/>
+          <a:p>
+            <a:pPr algn="ctr"/>
+            <a:endParaRPr lang="en-US"/>
+          </a:p>
+        </p:txBody>
+      </p:sp>
+      <p:graphicFrame>
+        <p:nvGraphicFramePr>
+          <p:cNvPr id="32" name="Content Placeholder 2">
+            <a:extLst>
+              <a:ext uri="{FF2B5EF4-FFF2-40B4-BE49-F238E27FC236}">
+                <a16:creationId xmlns:a16="http://schemas.microsoft.com/office/drawing/2014/main" id="{09A0448F-5804-4BD3-BB6A-864197AB29E2}"/>
+              </a:ext>
+            </a:extLst>
+          </p:cNvPr>
+          <p:cNvGraphicFramePr>
+            <a:graphicFrameLocks noGrp="1"/>
+          </p:cNvGraphicFramePr>
+          <p:nvPr>
+            <p:ph idx="1"/>
+            <p:extLst>
+              <p:ext uri="{D42A27DB-BD31-4B8C-83A1-F6EECF244321}">
+                <p14:modId xmlns:p14="http://schemas.microsoft.com/office/powerpoint/2010/main" val="2181852581"/>
+              </p:ext>
+            </p:extLst>
+          </p:nvPr>
+        </p:nvGraphicFramePr>
+        <p:xfrm>
+          <a:off x="914402" y="2418408"/>
+          <a:ext cx="5181598" cy="3409898"/>
+        </p:xfrm>
+        <a:graphic>
+          <a:graphicData uri="http://schemas.openxmlformats.org/drawingml/2006/diagram">
+            <dgm:relIds xmlns:dgm="http://schemas.openxmlformats.org/drawingml/2006/diagram" xmlns:r="http://schemas.openxmlformats.org/officeDocument/2006/relationships" r:dm="rId2" r:lo="rId3" r:qs="rId4" r:cs="rId5"/>
+          </a:graphicData>
+        </a:graphic>
+      </p:graphicFrame>
+    </p:spTree>
+    <p:extLst>
+      <p:ext uri="{BB962C8B-B14F-4D97-AF65-F5344CB8AC3E}">
+        <p14:creationId xmlns:p14="http://schemas.microsoft.com/office/powerpoint/2010/main" val="453105387"/>
+      </p:ext>
+    </p:extLst>
+  </p:cSld>
+  <p:clrMapOvr>
+    <a:masterClrMapping/>
+  </p:clrMapOvr>
+</p:sld>
+</file>
+
+<file path=ppt/slides/slide3.xml><?xml version="1.0" encoding="utf-8"?>
+<p:sld xmlns:a="http://schemas.openxmlformats.org/drawingml/2006/main" xmlns:r="http://schemas.openxmlformats.org/officeDocument/2006/relationships" xmlns:p="http://schemas.openxmlformats.org/presentationml/2006/main">
+  <p:cSld>
+    <p:bg>
+      <p:bgPr>
+        <a:solidFill>
+          <a:schemeClr val="bg1"/>
+        </a:solidFill>
+        <a:effectLst/>
+      </p:bgPr>
+    </p:bg>
+    <p:spTree>
+      <p:nvGrpSpPr>
+        <p:cNvPr id="1" name=""/>
+        <p:cNvGrpSpPr/>
+        <p:nvPr/>
+      </p:nvGrpSpPr>
+      <p:grpSpPr>
+        <a:xfrm>
+          <a:off x="0" y="0"/>
+          <a:ext cx="0" cy="0"/>
+          <a:chOff x="0" y="0"/>
+          <a:chExt cx="0" cy="0"/>
+        </a:xfrm>
+      </p:grpSpPr>
+      <p:sp useBgFill="1">
+        <p:nvSpPr>
+          <p:cNvPr id="9" name="Rectangle 7">
+            <a:extLst>
+              <a:ext uri="{FF2B5EF4-FFF2-40B4-BE49-F238E27FC236}">
+                <a16:creationId xmlns:a16="http://schemas.microsoft.com/office/drawing/2014/main" id="{979E27D9-03C7-44E2-9FF8-15D0C8506AF7}"/>
+              </a:ext>
+              <a:ext uri="{C183D7F6-B498-43B3-948B-1728B52AA6E4}">
+                <adec:decorative xmlns:adec="http://schemas.microsoft.com/office/drawing/2017/decorative" val="1"/>
+              </a:ext>
+            </a:extLst>
+          </p:cNvPr>
+          <p:cNvSpPr>
+            <a:spLocks noGrp="1" noRot="1" noChangeAspect="1" noMove="1" noResize="1" noEditPoints="1" noAdjustHandles="1" noChangeArrowheads="1" noChangeShapeType="1" noTextEdit="1"/>
+          </p:cNvSpPr>
+          <p:nvPr>
+            <p:extLst>
+              <p:ext uri="{386F3935-93C4-4BCD-93E2-E3B085C9AB24}">
+                <p16:designElem xmlns:p16="http://schemas.microsoft.com/office/powerpoint/2015/main" val="1"/>
+              </p:ext>
+            </p:extLst>
+          </p:nvPr>
+        </p:nvSpPr>
+        <p:spPr>
+          <a:xfrm>
+            <a:off x="0" y="0"/>
+            <a:ext cx="12192000" cy="6858000"/>
+          </a:xfrm>
+          <a:prstGeom prst="rect">
+            <a:avLst/>
+          </a:prstGeom>
+          <a:ln w="12700" cap="flat" cmpd="sng" algn="ctr">
+            <a:noFill/>
+            <a:prstDash val="solid"/>
+            <a:miter lim="800000"/>
+          </a:ln>
+          <a:effectLst/>
+          <a:extLst>
+            <a:ext uri="{91240B29-F687-4F45-9708-019B960494DF}">
+              <a14:hiddenLine xmlns:a14="http://schemas.microsoft.com/office/drawing/2010/main" w="12700" cap="flat" cmpd="sng" algn="ctr">
+                <a:solidFill>
+                  <a:schemeClr val="accent1">
+                    <a:shade val="50000"/>
+                  </a:schemeClr>
+                </a:solidFill>
+                <a:prstDash val="solid"/>
+                <a:miter lim="800000"/>
+              </a14:hiddenLine>
+            </a:ext>
+          </a:extLst>
+        </p:spPr>
+        <p:style>
+          <a:lnRef idx="2">
+            <a:schemeClr val="accent1">
+              <a:shade val="50000"/>
+            </a:schemeClr>
+          </a:lnRef>
+          <a:fillRef idx="1">
+            <a:schemeClr val="accent1"/>
+          </a:fillRef>
+          <a:effectRef idx="0">
+            <a:schemeClr val="accent1"/>
+          </a:effectRef>
+          <a:fontRef idx="minor">
+            <a:schemeClr val="lt1"/>
+          </a:fontRef>
+        </p:style>
+        <p:txBody>
+          <a:bodyPr rtlCol="0" anchor="ctr"/>
+          <a:lstStyle/>
+          <a:p>
+            <a:pPr algn="ctr"/>
+            <a:endParaRPr lang="en-US"/>
+          </a:p>
+        </p:txBody>
+      </p:sp>
+      <p:sp>
+        <p:nvSpPr>
           <p:cNvPr id="2" name="Title 1">
             <a:extLst>
               <a:ext uri="{FF2B5EF4-FFF2-40B4-BE49-F238E27FC236}">
@@ -11249,7 +17092,7 @@
           <a:p>
             <a:r>
               <a:rPr lang="de-CH" sz="800" dirty="0"/>
-              <a:t>https://yt3.ggpht.com/ytc/AAUvwnjYAXbJpmqVXCIcTyPaV1lXGv4kW5Y0w86LchEo=s900-c-k-c0x00ffffff-no-rj</a:t>
+              <a:t>Bild logo: https://yt3.ggpht.com/ytc/AAUvwnjYAXbJpmqVXCIcTyPaV1lXGv4kW5Y0w86LchEo=s900-c-k-c0x00ffffff-no-rj</a:t>
             </a:r>
           </a:p>
         </p:txBody>
@@ -11283,7 +17126,15 @@
           <a:p>
             <a:r>
               <a:rPr lang="de-CH" sz="900" dirty="0"/>
-              <a:t>https://www.dairydiscoveryzone.com/sites/default/files/Andy_Cheshire_1.jpg</a:t>
+              <a:t>Bild </a:t>
+            </a:r>
+            <a:r>
+              <a:rPr lang="de-CH" sz="900" dirty="0" err="1"/>
+              <a:t>foto</a:t>
+            </a:r>
+            <a:r>
+              <a:rPr lang="de-CH" sz="900" dirty="0"/>
+              <a:t>: https://www.dairydiscoveryzone.com/sites/default/files/Andy_Cheshire_1.jpg</a:t>
             </a:r>
           </a:p>
         </p:txBody>
@@ -11622,7 +17473,7 @@
         </p:nvSpPr>
         <p:spPr>
           <a:xfrm>
-            <a:off x="92422" y="6459908"/>
+            <a:off x="92422" y="6348227"/>
             <a:ext cx="6096000" cy="338554"/>
           </a:xfrm>
           <a:prstGeom prst="rect">
@@ -11637,7 +17488,7 @@
           <a:p>
             <a:r>
               <a:rPr lang="de-CH" sz="800" dirty="0"/>
-              <a:t>https://www.kuriose-feiertage.de/wp-content/uploads/2015/09/Tag-des-Kakao-National-Chocolate-Milk-Day-USA-Kuriose-Feiertage-27.September-2019-Sven-Giese_.jpg</a:t>
+              <a:t>Bild schokomilch :https://www.kuriose-feiertage.de/wp-content/uploads/2015/09/Tag-des-Kakao-National-Chocolate-Milk-Day-USA-Kuriose-Feiertage-27.September-2019-Sven-Giese_.jpg</a:t>
             </a:r>
           </a:p>
         </p:txBody>
@@ -11656,7 +17507,7 @@
         </p:nvSpPr>
         <p:spPr>
           <a:xfrm>
-            <a:off x="6782292" y="6521463"/>
+            <a:off x="6742287" y="6380824"/>
             <a:ext cx="6096000" cy="215444"/>
           </a:xfrm>
           <a:prstGeom prst="rect">
@@ -11670,9 +17521,10 @@
           <a:lstStyle/>
           <a:p>
             <a:r>
-              <a:rPr lang="de-CH" sz="800" dirty="0"/>
-              <a:t>https://www.werbung-schenken.de/werbeartikel/bilder/rd/RD-2P010g-sport-drink.jpg</a:t>
+              <a:rPr lang="de-CH" sz="800"/>
+              <a:t>Bild: dose https://www.werbung-schenken.de/werbeartikel/bilder/rd/RD-2P010g-sport-drink.jpg</a:t>
             </a:r>
+            <a:endParaRPr lang="de-CH" sz="800" dirty="0"/>
           </a:p>
         </p:txBody>
       </p:sp>
@@ -12399,264 +18251,285 @@
           </a:graphicData>
         </a:graphic>
       </p:graphicFrame>
-      <p:pic>
-        <p:nvPicPr>
-          <p:cNvPr id="9" name="Grafik 8">
+      <p:grpSp>
+        <p:nvGrpSpPr>
+          <p:cNvPr id="5" name="Gruppieren 4">
             <a:extLst>
               <a:ext uri="{FF2B5EF4-FFF2-40B4-BE49-F238E27FC236}">
-                <a16:creationId xmlns:a16="http://schemas.microsoft.com/office/drawing/2014/main" id="{25E465EA-A333-47CC-86F7-71CF772BB26B}"/>
+                <a16:creationId xmlns:a16="http://schemas.microsoft.com/office/drawing/2014/main" id="{56E26430-E83F-444F-AEA5-E4D91B851F44}"/>
               </a:ext>
             </a:extLst>
           </p:cNvPr>
-          <p:cNvPicPr>
-            <a:picLocks noChangeAspect="1"/>
-          </p:cNvPicPr>
+          <p:cNvGrpSpPr/>
           <p:nvPr/>
-        </p:nvPicPr>
-        <p:blipFill>
-          <a:blip r:embed="rId3"/>
-          <a:stretch>
-            <a:fillRect/>
-          </a:stretch>
-        </p:blipFill>
-        <p:spPr>
+        </p:nvGrpSpPr>
+        <p:grpSpPr>
           <a:xfrm>
-            <a:off x="4261320" y="1694223"/>
-            <a:ext cx="787585" cy="1210228"/>
+            <a:off x="1938553" y="1475146"/>
+            <a:ext cx="5660758" cy="3973132"/>
+            <a:chOff x="1938553" y="1475146"/>
+            <a:chExt cx="5660758" cy="3973132"/>
           </a:xfrm>
-          <a:prstGeom prst="rect">
-            <a:avLst/>
-          </a:prstGeom>
-        </p:spPr>
-      </p:pic>
-      <p:pic>
-        <p:nvPicPr>
-          <p:cNvPr id="10" name="Grafik 9">
-            <a:extLst>
-              <a:ext uri="{FF2B5EF4-FFF2-40B4-BE49-F238E27FC236}">
-                <a16:creationId xmlns:a16="http://schemas.microsoft.com/office/drawing/2014/main" id="{AB89C8D7-DDB5-4F6A-BEB5-80F673FFFE6D}"/>
-              </a:ext>
-            </a:extLst>
-          </p:cNvPr>
-          <p:cNvPicPr>
-            <a:picLocks noChangeAspect="1"/>
-          </p:cNvPicPr>
-          <p:nvPr/>
-        </p:nvPicPr>
-        <p:blipFill>
-          <a:blip r:embed="rId4"/>
-          <a:stretch>
-            <a:fillRect/>
-          </a:stretch>
-        </p:blipFill>
-        <p:spPr>
-          <a:xfrm>
-            <a:off x="6468977" y="1475146"/>
-            <a:ext cx="626630" cy="1352439"/>
-          </a:xfrm>
-          <a:prstGeom prst="rect">
-            <a:avLst/>
-          </a:prstGeom>
-        </p:spPr>
-      </p:pic>
-      <p:pic>
-        <p:nvPicPr>
-          <p:cNvPr id="14" name="Grafik 13">
-            <a:extLst>
-              <a:ext uri="{FF2B5EF4-FFF2-40B4-BE49-F238E27FC236}">
-                <a16:creationId xmlns:a16="http://schemas.microsoft.com/office/drawing/2014/main" id="{E5DD6E65-BD26-4A67-B18B-89DA2BB24D9E}"/>
-              </a:ext>
-            </a:extLst>
-          </p:cNvPr>
-          <p:cNvPicPr>
-            <a:picLocks noChangeAspect="1"/>
-          </p:cNvPicPr>
-          <p:nvPr/>
-        </p:nvPicPr>
-        <p:blipFill rotWithShape="1">
-          <a:blip r:embed="rId5"/>
-          <a:srcRect l="49884" t="24583"/>
-          <a:stretch/>
-        </p:blipFill>
-        <p:spPr>
-          <a:xfrm>
-            <a:off x="2056266" y="3131390"/>
-            <a:ext cx="1188949" cy="1055350"/>
-          </a:xfrm>
-          <a:prstGeom prst="rect">
-            <a:avLst/>
-          </a:prstGeom>
-        </p:spPr>
-      </p:pic>
-      <p:pic>
-        <p:nvPicPr>
-          <p:cNvPr id="17" name="Grafik 16">
-            <a:extLst>
-              <a:ext uri="{FF2B5EF4-FFF2-40B4-BE49-F238E27FC236}">
-                <a16:creationId xmlns:a16="http://schemas.microsoft.com/office/drawing/2014/main" id="{96649475-9D8F-456E-AD3F-33593A933C55}"/>
-              </a:ext>
-            </a:extLst>
-          </p:cNvPr>
-          <p:cNvPicPr>
-            <a:picLocks noChangeAspect="1"/>
-          </p:cNvPicPr>
-          <p:nvPr/>
-        </p:nvPicPr>
-        <p:blipFill rotWithShape="1">
-          <a:blip r:embed="rId6"/>
-          <a:srcRect l="4473" t="15234"/>
-          <a:stretch/>
-        </p:blipFill>
-        <p:spPr>
-          <a:xfrm>
-            <a:off x="1938553" y="4357962"/>
-            <a:ext cx="1052422" cy="1090316"/>
-          </a:xfrm>
-          <a:prstGeom prst="rect">
-            <a:avLst/>
-          </a:prstGeom>
-        </p:spPr>
-      </p:pic>
-      <p:sp>
-        <p:nvSpPr>
-          <p:cNvPr id="23" name="Textfeld 22">
-            <a:extLst>
-              <a:ext uri="{FF2B5EF4-FFF2-40B4-BE49-F238E27FC236}">
-                <a16:creationId xmlns:a16="http://schemas.microsoft.com/office/drawing/2014/main" id="{F1F93BFE-CB51-42D8-9F4A-FD297DCF9B20}"/>
-              </a:ext>
-            </a:extLst>
-          </p:cNvPr>
-          <p:cNvSpPr txBox="1"/>
-          <p:nvPr/>
-        </p:nvSpPr>
-        <p:spPr>
-          <a:xfrm>
-            <a:off x="3987020" y="4672287"/>
-            <a:ext cx="1239807" cy="461665"/>
-          </a:xfrm>
-          <a:prstGeom prst="rect">
-            <a:avLst/>
-          </a:prstGeom>
-          <a:noFill/>
-        </p:spPr>
-        <p:txBody>
-          <a:bodyPr wrap="square" rtlCol="0">
-            <a:spAutoFit/>
-          </a:bodyPr>
-          <a:lstStyle/>
-          <a:p>
-            <a:r>
-              <a:rPr lang="de-CH" sz="2400" dirty="0"/>
-              <a:t>+ 15 %</a:t>
-            </a:r>
-          </a:p>
-        </p:txBody>
-      </p:sp>
-      <p:sp>
-        <p:nvSpPr>
-          <p:cNvPr id="27" name="Textfeld 26">
-            <a:extLst>
-              <a:ext uri="{FF2B5EF4-FFF2-40B4-BE49-F238E27FC236}">
-                <a16:creationId xmlns:a16="http://schemas.microsoft.com/office/drawing/2014/main" id="{79396375-2F13-4A08-AD0B-8BB700D3DD8F}"/>
-              </a:ext>
-            </a:extLst>
-          </p:cNvPr>
-          <p:cNvSpPr txBox="1"/>
-          <p:nvPr/>
-        </p:nvSpPr>
-        <p:spPr>
-          <a:xfrm>
-            <a:off x="6332901" y="3464098"/>
-            <a:ext cx="1239807" cy="461665"/>
-          </a:xfrm>
-          <a:prstGeom prst="rect">
-            <a:avLst/>
-          </a:prstGeom>
-          <a:noFill/>
-        </p:spPr>
-        <p:txBody>
-          <a:bodyPr wrap="square" rtlCol="0">
-            <a:spAutoFit/>
-          </a:bodyPr>
-          <a:lstStyle/>
-          <a:p>
-            <a:r>
-              <a:rPr lang="de-CH" sz="2400" dirty="0"/>
-              <a:t>- 3.2 %</a:t>
-            </a:r>
-          </a:p>
-        </p:txBody>
-      </p:sp>
-      <p:sp>
-        <p:nvSpPr>
-          <p:cNvPr id="28" name="Textfeld 27">
-            <a:extLst>
-              <a:ext uri="{FF2B5EF4-FFF2-40B4-BE49-F238E27FC236}">
-                <a16:creationId xmlns:a16="http://schemas.microsoft.com/office/drawing/2014/main" id="{478819A2-BD4F-442D-AA9E-B793C6D4E8F3}"/>
-              </a:ext>
-            </a:extLst>
-          </p:cNvPr>
-          <p:cNvSpPr txBox="1"/>
-          <p:nvPr/>
-        </p:nvSpPr>
-        <p:spPr>
-          <a:xfrm>
-            <a:off x="4062769" y="3464098"/>
-            <a:ext cx="1239807" cy="461665"/>
-          </a:xfrm>
-          <a:prstGeom prst="rect">
-            <a:avLst/>
-          </a:prstGeom>
-          <a:noFill/>
-        </p:spPr>
-        <p:txBody>
-          <a:bodyPr wrap="square" rtlCol="0">
-            <a:spAutoFit/>
-          </a:bodyPr>
-          <a:lstStyle/>
-          <a:p>
-            <a:r>
-              <a:rPr lang="de-CH" sz="2400" dirty="0"/>
-              <a:t>+ 3.5 %</a:t>
-            </a:r>
-          </a:p>
-        </p:txBody>
-      </p:sp>
-      <p:sp>
-        <p:nvSpPr>
-          <p:cNvPr id="29" name="Textfeld 28">
-            <a:extLst>
-              <a:ext uri="{FF2B5EF4-FFF2-40B4-BE49-F238E27FC236}">
-                <a16:creationId xmlns:a16="http://schemas.microsoft.com/office/drawing/2014/main" id="{7A72D67E-94A9-4D49-BF59-06D4CAF3535F}"/>
-              </a:ext>
-            </a:extLst>
-          </p:cNvPr>
-          <p:cNvSpPr txBox="1"/>
-          <p:nvPr/>
-        </p:nvSpPr>
-        <p:spPr>
-          <a:xfrm>
-            <a:off x="6359504" y="4682400"/>
-            <a:ext cx="1239807" cy="461665"/>
-          </a:xfrm>
-          <a:prstGeom prst="rect">
-            <a:avLst/>
-          </a:prstGeom>
-          <a:noFill/>
-        </p:spPr>
-        <p:txBody>
-          <a:bodyPr wrap="square" rtlCol="0">
-            <a:spAutoFit/>
-          </a:bodyPr>
-          <a:lstStyle/>
-          <a:p>
-            <a:r>
-              <a:rPr lang="de-CH" sz="2400" dirty="0"/>
-              <a:t>+ 8 %</a:t>
-            </a:r>
-          </a:p>
-        </p:txBody>
-      </p:sp>
+        </p:grpSpPr>
+        <p:pic>
+          <p:nvPicPr>
+            <p:cNvPr id="9" name="Grafik 8">
+              <a:extLst>
+                <a:ext uri="{FF2B5EF4-FFF2-40B4-BE49-F238E27FC236}">
+                  <a16:creationId xmlns:a16="http://schemas.microsoft.com/office/drawing/2014/main" id="{25E465EA-A333-47CC-86F7-71CF772BB26B}"/>
+                </a:ext>
+              </a:extLst>
+            </p:cNvPr>
+            <p:cNvPicPr>
+              <a:picLocks noChangeAspect="1"/>
+            </p:cNvPicPr>
+            <p:nvPr/>
+          </p:nvPicPr>
+          <p:blipFill>
+            <a:blip r:embed="rId3"/>
+            <a:stretch>
+              <a:fillRect/>
+            </a:stretch>
+          </p:blipFill>
+          <p:spPr>
+            <a:xfrm>
+              <a:off x="4261320" y="1694223"/>
+              <a:ext cx="787585" cy="1210228"/>
+            </a:xfrm>
+            <a:prstGeom prst="rect">
+              <a:avLst/>
+            </a:prstGeom>
+          </p:spPr>
+        </p:pic>
+        <p:pic>
+          <p:nvPicPr>
+            <p:cNvPr id="10" name="Grafik 9">
+              <a:extLst>
+                <a:ext uri="{FF2B5EF4-FFF2-40B4-BE49-F238E27FC236}">
+                  <a16:creationId xmlns:a16="http://schemas.microsoft.com/office/drawing/2014/main" id="{AB89C8D7-DDB5-4F6A-BEB5-80F673FFFE6D}"/>
+                </a:ext>
+              </a:extLst>
+            </p:cNvPr>
+            <p:cNvPicPr>
+              <a:picLocks noChangeAspect="1"/>
+            </p:cNvPicPr>
+            <p:nvPr/>
+          </p:nvPicPr>
+          <p:blipFill>
+            <a:blip r:embed="rId4"/>
+            <a:stretch>
+              <a:fillRect/>
+            </a:stretch>
+          </p:blipFill>
+          <p:spPr>
+            <a:xfrm>
+              <a:off x="6468977" y="1475146"/>
+              <a:ext cx="626630" cy="1352439"/>
+            </a:xfrm>
+            <a:prstGeom prst="rect">
+              <a:avLst/>
+            </a:prstGeom>
+          </p:spPr>
+        </p:pic>
+        <p:pic>
+          <p:nvPicPr>
+            <p:cNvPr id="14" name="Grafik 13">
+              <a:extLst>
+                <a:ext uri="{FF2B5EF4-FFF2-40B4-BE49-F238E27FC236}">
+                  <a16:creationId xmlns:a16="http://schemas.microsoft.com/office/drawing/2014/main" id="{E5DD6E65-BD26-4A67-B18B-89DA2BB24D9E}"/>
+                </a:ext>
+              </a:extLst>
+            </p:cNvPr>
+            <p:cNvPicPr>
+              <a:picLocks noChangeAspect="1"/>
+            </p:cNvPicPr>
+            <p:nvPr/>
+          </p:nvPicPr>
+          <p:blipFill rotWithShape="1">
+            <a:blip r:embed="rId5"/>
+            <a:srcRect l="49884" t="24583"/>
+            <a:stretch/>
+          </p:blipFill>
+          <p:spPr>
+            <a:xfrm>
+              <a:off x="2056266" y="3131390"/>
+              <a:ext cx="1188949" cy="1055350"/>
+            </a:xfrm>
+            <a:prstGeom prst="rect">
+              <a:avLst/>
+            </a:prstGeom>
+          </p:spPr>
+        </p:pic>
+        <p:pic>
+          <p:nvPicPr>
+            <p:cNvPr id="17" name="Grafik 16">
+              <a:extLst>
+                <a:ext uri="{FF2B5EF4-FFF2-40B4-BE49-F238E27FC236}">
+                  <a16:creationId xmlns:a16="http://schemas.microsoft.com/office/drawing/2014/main" id="{96649475-9D8F-456E-AD3F-33593A933C55}"/>
+                </a:ext>
+              </a:extLst>
+            </p:cNvPr>
+            <p:cNvPicPr>
+              <a:picLocks noChangeAspect="1"/>
+            </p:cNvPicPr>
+            <p:nvPr/>
+          </p:nvPicPr>
+          <p:blipFill rotWithShape="1">
+            <a:blip r:embed="rId6"/>
+            <a:srcRect l="4473" t="15234"/>
+            <a:stretch/>
+          </p:blipFill>
+          <p:spPr>
+            <a:xfrm>
+              <a:off x="1938553" y="4357962"/>
+              <a:ext cx="1052422" cy="1090316"/>
+            </a:xfrm>
+            <a:prstGeom prst="rect">
+              <a:avLst/>
+            </a:prstGeom>
+          </p:spPr>
+        </p:pic>
+        <p:sp>
+          <p:nvSpPr>
+            <p:cNvPr id="23" name="Textfeld 22">
+              <a:extLst>
+                <a:ext uri="{FF2B5EF4-FFF2-40B4-BE49-F238E27FC236}">
+                  <a16:creationId xmlns:a16="http://schemas.microsoft.com/office/drawing/2014/main" id="{F1F93BFE-CB51-42D8-9F4A-FD297DCF9B20}"/>
+                </a:ext>
+              </a:extLst>
+            </p:cNvPr>
+            <p:cNvSpPr txBox="1"/>
+            <p:nvPr/>
+          </p:nvSpPr>
+          <p:spPr>
+            <a:xfrm>
+              <a:off x="3987020" y="4672287"/>
+              <a:ext cx="1239807" cy="461665"/>
+            </a:xfrm>
+            <a:prstGeom prst="rect">
+              <a:avLst/>
+            </a:prstGeom>
+            <a:noFill/>
+          </p:spPr>
+          <p:txBody>
+            <a:bodyPr wrap="square" rtlCol="0">
+              <a:spAutoFit/>
+            </a:bodyPr>
+            <a:lstStyle/>
+            <a:p>
+              <a:r>
+                <a:rPr lang="de-CH" sz="2400" dirty="0"/>
+                <a:t>+ 15 %</a:t>
+              </a:r>
+            </a:p>
+          </p:txBody>
+        </p:sp>
+        <p:sp>
+          <p:nvSpPr>
+            <p:cNvPr id="27" name="Textfeld 26">
+              <a:extLst>
+                <a:ext uri="{FF2B5EF4-FFF2-40B4-BE49-F238E27FC236}">
+                  <a16:creationId xmlns:a16="http://schemas.microsoft.com/office/drawing/2014/main" id="{79396375-2F13-4A08-AD0B-8BB700D3DD8F}"/>
+                </a:ext>
+              </a:extLst>
+            </p:cNvPr>
+            <p:cNvSpPr txBox="1"/>
+            <p:nvPr/>
+          </p:nvSpPr>
+          <p:spPr>
+            <a:xfrm>
+              <a:off x="6332901" y="3464098"/>
+              <a:ext cx="1239807" cy="461665"/>
+            </a:xfrm>
+            <a:prstGeom prst="rect">
+              <a:avLst/>
+            </a:prstGeom>
+            <a:noFill/>
+          </p:spPr>
+          <p:txBody>
+            <a:bodyPr wrap="square" rtlCol="0">
+              <a:spAutoFit/>
+            </a:bodyPr>
+            <a:lstStyle/>
+            <a:p>
+              <a:r>
+                <a:rPr lang="de-CH" sz="2400" dirty="0"/>
+                <a:t>- 3.2 %</a:t>
+              </a:r>
+            </a:p>
+          </p:txBody>
+        </p:sp>
+        <p:sp>
+          <p:nvSpPr>
+            <p:cNvPr id="28" name="Textfeld 27">
+              <a:extLst>
+                <a:ext uri="{FF2B5EF4-FFF2-40B4-BE49-F238E27FC236}">
+                  <a16:creationId xmlns:a16="http://schemas.microsoft.com/office/drawing/2014/main" id="{478819A2-BD4F-442D-AA9E-B793C6D4E8F3}"/>
+                </a:ext>
+              </a:extLst>
+            </p:cNvPr>
+            <p:cNvSpPr txBox="1"/>
+            <p:nvPr/>
+          </p:nvSpPr>
+          <p:spPr>
+            <a:xfrm>
+              <a:off x="4062769" y="3464098"/>
+              <a:ext cx="1239807" cy="461665"/>
+            </a:xfrm>
+            <a:prstGeom prst="rect">
+              <a:avLst/>
+            </a:prstGeom>
+            <a:noFill/>
+          </p:spPr>
+          <p:txBody>
+            <a:bodyPr wrap="square" rtlCol="0">
+              <a:spAutoFit/>
+            </a:bodyPr>
+            <a:lstStyle/>
+            <a:p>
+              <a:r>
+                <a:rPr lang="de-CH" sz="2400" dirty="0"/>
+                <a:t>+ 3.5 %</a:t>
+              </a:r>
+            </a:p>
+          </p:txBody>
+        </p:sp>
+        <p:sp>
+          <p:nvSpPr>
+            <p:cNvPr id="29" name="Textfeld 28">
+              <a:extLst>
+                <a:ext uri="{FF2B5EF4-FFF2-40B4-BE49-F238E27FC236}">
+                  <a16:creationId xmlns:a16="http://schemas.microsoft.com/office/drawing/2014/main" id="{7A72D67E-94A9-4D49-BF59-06D4CAF3535F}"/>
+                </a:ext>
+              </a:extLst>
+            </p:cNvPr>
+            <p:cNvSpPr txBox="1"/>
+            <p:nvPr/>
+          </p:nvSpPr>
+          <p:spPr>
+            <a:xfrm>
+              <a:off x="6359504" y="4682400"/>
+              <a:ext cx="1239807" cy="461665"/>
+            </a:xfrm>
+            <a:prstGeom prst="rect">
+              <a:avLst/>
+            </a:prstGeom>
+            <a:noFill/>
+          </p:spPr>
+          <p:txBody>
+            <a:bodyPr wrap="square" rtlCol="0">
+              <a:spAutoFit/>
+            </a:bodyPr>
+            <a:lstStyle/>
+            <a:p>
+              <a:r>
+                <a:rPr lang="de-CH" sz="2400" dirty="0"/>
+                <a:t>+ 8 %</a:t>
+              </a:r>
+            </a:p>
+          </p:txBody>
+        </p:sp>
+      </p:grpSp>
       <p:sp>
         <p:nvSpPr>
           <p:cNvPr id="30" name="Textfeld 29">
@@ -12723,6 +18596,82 @@
             <a:r>
               <a:rPr lang="de-CH" sz="2400" dirty="0"/>
               <a:t>Doppelt soviel!</a:t>
+            </a:r>
+          </a:p>
+        </p:txBody>
+      </p:sp>
+      <p:sp>
+        <p:nvSpPr>
+          <p:cNvPr id="2" name="Rechteck 1">
+            <a:extLst>
+              <a:ext uri="{FF2B5EF4-FFF2-40B4-BE49-F238E27FC236}">
+                <a16:creationId xmlns:a16="http://schemas.microsoft.com/office/drawing/2014/main" id="{E9B68FC8-081E-4462-BDCA-6907D2E051EA}"/>
+              </a:ext>
+            </a:extLst>
+          </p:cNvPr>
+          <p:cNvSpPr/>
+          <p:nvPr/>
+        </p:nvSpPr>
+        <p:spPr>
+          <a:xfrm>
+            <a:off x="92422" y="6564553"/>
+            <a:ext cx="6096000" cy="338554"/>
+          </a:xfrm>
+          <a:prstGeom prst="rect">
+            <a:avLst/>
+          </a:prstGeom>
+        </p:spPr>
+        <p:txBody>
+          <a:bodyPr>
+            <a:spAutoFit/>
+          </a:bodyPr>
+          <a:lstStyle/>
+          <a:p>
+            <a:r>
+              <a:rPr lang="de-CH" sz="800" dirty="0"/>
+              <a:t>Bild bankdrücken https://encrypted-tbn0.gstatic.com/images?q=tbn:ANd9GcTpIZr433rgyLulQTGhRTmkPeyxUcQdgW-eQ_-OC60YsXOMFGVPVRkwREAsSR-Jagkfx_I&amp;usqp=CAU</a:t>
+            </a:r>
+          </a:p>
+        </p:txBody>
+      </p:sp>
+      <p:sp>
+        <p:nvSpPr>
+          <p:cNvPr id="21" name="Rechteck 20">
+            <a:extLst>
+              <a:ext uri="{FF2B5EF4-FFF2-40B4-BE49-F238E27FC236}">
+                <a16:creationId xmlns:a16="http://schemas.microsoft.com/office/drawing/2014/main" id="{9E7BDD1E-8D05-4458-AE8E-5E5290D5110B}"/>
+              </a:ext>
+            </a:extLst>
+          </p:cNvPr>
+          <p:cNvSpPr/>
+          <p:nvPr/>
+        </p:nvSpPr>
+        <p:spPr>
+          <a:xfrm>
+            <a:off x="6748635" y="6571847"/>
+            <a:ext cx="6096000" cy="215444"/>
+          </a:xfrm>
+          <a:prstGeom prst="rect">
+            <a:avLst/>
+          </a:prstGeom>
+        </p:spPr>
+        <p:txBody>
+          <a:bodyPr>
+            <a:spAutoFit/>
+          </a:bodyPr>
+          <a:lstStyle/>
+          <a:p>
+            <a:r>
+              <a:rPr lang="de-CH" sz="800" dirty="0"/>
+              <a:t>Bild </a:t>
+            </a:r>
+            <a:r>
+              <a:rPr lang="de-CH" sz="800" dirty="0" err="1"/>
+              <a:t>squat</a:t>
+            </a:r>
+            <a:r>
+              <a:rPr lang="de-CH" sz="800" dirty="0"/>
+              <a:t> : https://upload.wikimedia.org/wikipedia/commons/thumb/8/82/Squats.svg/1280px-Squats.svg.png</a:t>
             </a:r>
           </a:p>
         </p:txBody>
@@ -12869,9 +18818,8 @@
           </a:bodyPr>
           <a:lstStyle/>
           <a:p>
-            <a:pPr algn="r"/>
             <a:r>
-              <a:rPr lang="en-CH" sz="4000"/>
+              <a:rPr lang="en-CH" sz="4000" dirty="0"/>
               <a:t>Studie</a:t>
             </a:r>
           </a:p>
@@ -12905,56 +18853,130 @@
           </a:bodyPr>
           <a:lstStyle/>
           <a:p>
+            <a:endParaRPr lang="de-CH" sz="2000" dirty="0"/>
+          </a:p>
+          <a:p>
+            <a:endParaRPr lang="de-CH" sz="2000" dirty="0"/>
+          </a:p>
+          <a:p>
+            <a:r>
+              <a:rPr lang="en-CH" sz="2000" dirty="0"/>
+              <a:t>University of Texas at Austin USA</a:t>
+            </a:r>
+            <a:endParaRPr lang="de-CH" sz="2000" dirty="0"/>
+          </a:p>
+          <a:p>
             <a:pPr marL="0" indent="0">
               <a:buNone/>
             </a:pPr>
+            <a:endParaRPr lang="en-CH" sz="2000" dirty="0"/>
+          </a:p>
+          <a:p>
             <a:r>
-              <a:rPr lang="en-CH" sz="2000"/>
-              <a:t>Infos zur Studie:</a:t>
+              <a:rPr lang="en-CH" sz="2000" dirty="0"/>
+              <a:t>Finanziert durch Dairy Max</a:t>
             </a:r>
+            <a:endParaRPr lang="de-CH" sz="2000" dirty="0"/>
+          </a:p>
+          <a:p>
+            <a:endParaRPr lang="en-CH" sz="2000" dirty="0"/>
           </a:p>
           <a:p>
             <a:r>
-              <a:rPr lang="en-CH" sz="2000"/>
-              <a:t>University of Texas at Austin USA</a:t>
+              <a:rPr lang="en-GB" sz="2000" dirty="0" err="1"/>
+              <a:t>Untersuchung</a:t>
             </a:r>
-          </a:p>
-          <a:p>
             <a:r>
-              <a:rPr lang="en-CH" sz="2000"/>
-              <a:t>Finanziert durch Dairy Max (Verband von Milchprodukte Vertretern)</a:t>
+              <a:rPr lang="en-GB" sz="2000" dirty="0"/>
+              <a:t> des </a:t>
             </a:r>
-          </a:p>
-          <a:p>
             <a:r>
-              <a:rPr lang="en-CH" sz="2000"/>
-              <a:t>Erschien im Journal of the International Society of Sports Nutrition</a:t>
+              <a:rPr lang="en-GB" sz="2000" dirty="0" err="1"/>
+              <a:t>Effektes</a:t>
             </a:r>
-          </a:p>
-          <a:p>
-            <a:endParaRPr lang="en-CH" sz="2000"/>
+            <a:r>
+              <a:rPr lang="en-GB" sz="2000" dirty="0"/>
+              <a:t> der </a:t>
+            </a:r>
+            <a:r>
+              <a:rPr lang="en-GB" sz="2000" dirty="0" err="1"/>
+              <a:t>Einnahme</a:t>
+            </a:r>
+            <a:r>
+              <a:rPr lang="en-GB" sz="2000" dirty="0"/>
+              <a:t> von </a:t>
+            </a:r>
+            <a:r>
+              <a:rPr lang="en-GB" sz="2000" dirty="0" err="1"/>
+              <a:t>Schokoladenmilch</a:t>
+            </a:r>
+            <a:r>
+              <a:rPr lang="en-GB" sz="2000" dirty="0"/>
+              <a:t> </a:t>
+            </a:r>
+            <a:r>
+              <a:rPr lang="en-GB" sz="2000" dirty="0" err="1"/>
+              <a:t>als</a:t>
+            </a:r>
+            <a:r>
+              <a:rPr lang="en-GB" sz="2000" dirty="0"/>
+              <a:t> </a:t>
+            </a:r>
+            <a:r>
+              <a:rPr lang="en-GB" sz="2000" dirty="0" err="1"/>
+              <a:t>Erholungsgetränk</a:t>
+            </a:r>
+            <a:r>
+              <a:rPr lang="en-GB" sz="2000" dirty="0"/>
+              <a:t> </a:t>
+            </a:r>
+            <a:r>
+              <a:rPr lang="en-GB" sz="2000" dirty="0" err="1"/>
+              <a:t>im</a:t>
+            </a:r>
+            <a:r>
+              <a:rPr lang="en-GB" sz="2000" dirty="0"/>
+              <a:t> </a:t>
+            </a:r>
+            <a:r>
+              <a:rPr lang="en-GB" sz="2000" dirty="0" err="1"/>
+              <a:t>Gegensatz</a:t>
+            </a:r>
+            <a:r>
+              <a:rPr lang="en-GB" sz="2000" dirty="0"/>
+              <a:t> </a:t>
+            </a:r>
+            <a:r>
+              <a:rPr lang="en-GB" sz="2000" dirty="0" err="1"/>
+              <a:t>zu</a:t>
+            </a:r>
+            <a:r>
+              <a:rPr lang="en-GB" sz="2000" dirty="0"/>
+              <a:t> </a:t>
+            </a:r>
+            <a:r>
+              <a:rPr lang="en-GB" sz="2000" dirty="0" err="1"/>
+              <a:t>kommerziellen</a:t>
+            </a:r>
+            <a:r>
+              <a:rPr lang="en-GB" sz="2000" dirty="0"/>
+              <a:t> </a:t>
+            </a:r>
+            <a:r>
+              <a:rPr lang="en-GB" sz="2000" dirty="0" err="1"/>
+              <a:t>Sportgetränke</a:t>
+            </a:r>
+            <a:r>
+              <a:rPr lang="en-GB" sz="2000" dirty="0"/>
+              <a:t>.</a:t>
+            </a:r>
+            <a:endParaRPr lang="en-CH" sz="2000" dirty="0"/>
           </a:p>
           <a:p>
             <a:pPr marL="0" indent="0">
               <a:buNone/>
             </a:pPr>
-            <a:r>
-              <a:rPr lang="en-CH" sz="2000"/>
-              <a:t>Zweck der Studie:</a:t>
-            </a:r>
-          </a:p>
-          <a:p>
-            <a:r>
-              <a:rPr lang="en-GB" sz="2000"/>
-              <a:t>Untersuchung des Effektes der Einnahme von Schokoladenmilch als Erholungsgetränk im Gegensatz zu kommerziellen Sportgetränke.</a:t>
-            </a:r>
-            <a:endParaRPr lang="en-CH" sz="2000"/>
-          </a:p>
-          <a:p>
-            <a:pPr marL="0" indent="0">
-              <a:buNone/>
-            </a:pPr>
-            <a:endParaRPr lang="en-CH" sz="2000"/>
+            <a:endParaRPr lang="en-CH" sz="2000" dirty="0"/>
           </a:p>
         </p:txBody>
       </p:sp>
@@ -13285,50 +19307,40 @@
               <a:buNone/>
             </a:pPr>
             <a:r>
-              <a:rPr lang="de-CH" sz="2000"/>
+              <a:rPr lang="de-CH" sz="2000" dirty="0"/>
               <a:t>Aufbau der Versuchsreihe:</a:t>
             </a:r>
           </a:p>
           <a:p>
             <a:r>
-              <a:rPr lang="de-CH" sz="2000"/>
+              <a:rPr lang="de-CH" sz="2000" dirty="0"/>
               <a:t>7-wöchiges Sommer Trainingsprogramm</a:t>
             </a:r>
           </a:p>
           <a:p>
             <a:r>
-              <a:rPr lang="de-CH" sz="2000"/>
+              <a:rPr lang="de-CH" sz="2000" dirty="0"/>
               <a:t>Teilnehmer einer grossen westlichen High School</a:t>
             </a:r>
           </a:p>
           <a:p>
             <a:r>
-              <a:rPr lang="de-CH" sz="2000"/>
+              <a:rPr lang="de-CH" sz="2000" dirty="0"/>
               <a:t>Kraft- und Ausdauertests in Woche 1 und 7</a:t>
             </a:r>
           </a:p>
           <a:p>
             <a:r>
-              <a:rPr lang="de-CH" sz="2000"/>
+              <a:rPr lang="de-CH" sz="2000" dirty="0"/>
               <a:t>5 Wochen lang, 4 Tage die Woche, je 1h Ausdauer und 1h Kraft</a:t>
             </a:r>
-            <a:endParaRPr lang="en-CH" sz="2000"/>
+            <a:endParaRPr lang="en-CH" sz="2000" dirty="0"/>
           </a:p>
           <a:p>
             <a:r>
-              <a:rPr lang="en-CH" sz="2000"/>
+              <a:rPr lang="en-CH" sz="2000" dirty="0"/>
               <a:t>Einnahme nach der letzten Trainingseinheit</a:t>
             </a:r>
-          </a:p>
-          <a:p>
-            <a:r>
-              <a:rPr lang="en-CH" sz="2000"/>
-              <a:t>Vom Camp in 3 Gruppen aufgeteilt</a:t>
-            </a:r>
-          </a:p>
-          <a:p>
-            <a:pPr lvl="1"/>
-            <a:endParaRPr lang="de-CH" sz="2000"/>
           </a:p>
         </p:txBody>
       </p:sp>
@@ -13478,6 +19490,34 @@
           </a:p>
         </p:txBody>
       </p:sp>
+      <p:graphicFrame>
+        <p:nvGraphicFramePr>
+          <p:cNvPr id="4" name="Diagramm 3">
+            <a:extLst>
+              <a:ext uri="{FF2B5EF4-FFF2-40B4-BE49-F238E27FC236}">
+                <a16:creationId xmlns:a16="http://schemas.microsoft.com/office/drawing/2014/main" id="{7E6DD395-D900-4E54-811D-A3961A43E3BA}"/>
+              </a:ext>
+            </a:extLst>
+          </p:cNvPr>
+          <p:cNvGraphicFramePr/>
+          <p:nvPr>
+            <p:extLst>
+              <p:ext uri="{D42A27DB-BD31-4B8C-83A1-F6EECF244321}">
+                <p14:modId xmlns:p14="http://schemas.microsoft.com/office/powerpoint/2010/main" val="2512653823"/>
+              </p:ext>
+            </p:extLst>
+          </p:nvPr>
+        </p:nvGraphicFramePr>
+        <p:xfrm>
+          <a:off x="1454785" y="302471"/>
+          <a:ext cx="8128000" cy="5418667"/>
+        </p:xfrm>
+        <a:graphic>
+          <a:graphicData uri="http://schemas.openxmlformats.org/drawingml/2006/diagram">
+            <dgm:relIds xmlns:dgm="http://schemas.openxmlformats.org/drawingml/2006/diagram" xmlns:r="http://schemas.openxmlformats.org/officeDocument/2006/relationships" r:dm="rId2" r:lo="rId3" r:qs="rId4" r:cs="rId5"/>
+          </a:graphicData>
+        </a:graphic>
+      </p:graphicFrame>
     </p:spTree>
     <p:extLst>
       <p:ext uri="{BB962C8B-B14F-4D97-AF65-F5344CB8AC3E}">
@@ -13621,7 +19661,7 @@
           <a:lstStyle/>
           <a:p>
             <a:r>
-              <a:rPr lang="en-CH" sz="4000"/>
+              <a:rPr lang="en-CH" sz="4000" dirty="0"/>
               <a:t>Studie</a:t>
             </a:r>
           </a:p>
@@ -13659,39 +19699,44 @@
               <a:buNone/>
             </a:pPr>
             <a:r>
-              <a:rPr lang="en-CH" sz="2000"/>
+              <a:rPr lang="en-CH" sz="2000" dirty="0"/>
               <a:t>Grundgesamtheit:</a:t>
             </a:r>
           </a:p>
           <a:p>
             <a:r>
-              <a:rPr lang="en-CH" sz="2000"/>
+              <a:rPr lang="en-CH" sz="2000" dirty="0"/>
               <a:t>Knapp 8 Millionen jugendliche High School Sportler</a:t>
             </a:r>
           </a:p>
           <a:p>
-            <a:endParaRPr lang="en-CH" sz="2000"/>
+            <a:endParaRPr lang="en-CH" sz="2000" dirty="0"/>
           </a:p>
           <a:p>
             <a:pPr marL="0" indent="0">
               <a:buNone/>
             </a:pPr>
             <a:r>
-              <a:rPr lang="en-CH" sz="2000"/>
+              <a:rPr lang="en-CH" sz="2000" dirty="0"/>
               <a:t>Auswahlrahmen:</a:t>
             </a:r>
           </a:p>
           <a:p>
             <a:r>
-              <a:rPr lang="en-CH" sz="2000"/>
+              <a:rPr lang="en-CH" sz="2000" dirty="0"/>
               <a:t>Teilnehmer eines Sommer Trainingprogrammes einer Schule</a:t>
             </a:r>
           </a:p>
           <a:p>
             <a:r>
-              <a:rPr lang="en-CH" sz="2000"/>
+              <a:rPr lang="en-CH" sz="2000" dirty="0"/>
               <a:t>Ist dies repräsentativ?</a:t>
             </a:r>
+            <a:r>
+              <a:rPr lang="de-CH" sz="2000" dirty="0"/>
+              <a:t> Vergleich später</a:t>
+            </a:r>
+            <a:endParaRPr lang="en-CH" sz="2000" dirty="0"/>
           </a:p>
         </p:txBody>
       </p:sp>
@@ -13841,6 +19886,143 @@
           </a:p>
         </p:txBody>
       </p:sp>
+      <p:sp>
+        <p:nvSpPr>
+          <p:cNvPr id="4" name="Rechteck 3">
+            <a:extLst>
+              <a:ext uri="{FF2B5EF4-FFF2-40B4-BE49-F238E27FC236}">
+                <a16:creationId xmlns:a16="http://schemas.microsoft.com/office/drawing/2014/main" id="{841A4C2A-28B0-420D-BCBE-E3C9D3284A70}"/>
+              </a:ext>
+            </a:extLst>
+          </p:cNvPr>
+          <p:cNvSpPr/>
+          <p:nvPr/>
+        </p:nvSpPr>
+        <p:spPr>
+          <a:xfrm>
+            <a:off x="99060" y="6541198"/>
+            <a:ext cx="6096000" cy="215444"/>
+          </a:xfrm>
+          <a:prstGeom prst="rect">
+            <a:avLst/>
+          </a:prstGeom>
+        </p:spPr>
+        <p:txBody>
+          <a:bodyPr>
+            <a:spAutoFit/>
+          </a:bodyPr>
+          <a:lstStyle/>
+          <a:p>
+            <a:r>
+              <a:rPr lang="de-CH" sz="800" dirty="0"/>
+              <a:t>Karte </a:t>
+            </a:r>
+            <a:r>
+              <a:rPr lang="de-CH" sz="800" dirty="0" err="1"/>
+              <a:t>usa</a:t>
+            </a:r>
+            <a:r>
+              <a:rPr lang="de-CH" sz="800" dirty="0"/>
+              <a:t> : https://www.nationsonline.org/maps/US-states-Abbreviation-map.jpg</a:t>
+            </a:r>
+          </a:p>
+        </p:txBody>
+      </p:sp>
+      <p:grpSp>
+        <p:nvGrpSpPr>
+          <p:cNvPr id="11" name="Gruppieren 10">
+            <a:extLst>
+              <a:ext uri="{FF2B5EF4-FFF2-40B4-BE49-F238E27FC236}">
+                <a16:creationId xmlns:a16="http://schemas.microsoft.com/office/drawing/2014/main" id="{8CE054AD-F41C-46E1-95B9-0051A3B5EEE8}"/>
+              </a:ext>
+            </a:extLst>
+          </p:cNvPr>
+          <p:cNvGrpSpPr/>
+          <p:nvPr/>
+        </p:nvGrpSpPr>
+        <p:grpSpPr>
+          <a:xfrm>
+            <a:off x="8296644" y="1932533"/>
+            <a:ext cx="3376558" cy="3085237"/>
+            <a:chOff x="8296644" y="1932533"/>
+            <a:chExt cx="3376558" cy="3085237"/>
+          </a:xfrm>
+        </p:grpSpPr>
+        <p:pic>
+          <p:nvPicPr>
+            <p:cNvPr id="6" name="Grafik 5" descr="Ein Bild, das Karte enthält.&#10;&#10;Automatisch generierte Beschreibung">
+              <a:extLst>
+                <a:ext uri="{FF2B5EF4-FFF2-40B4-BE49-F238E27FC236}">
+                  <a16:creationId xmlns:a16="http://schemas.microsoft.com/office/drawing/2014/main" id="{2E85D52E-8F6A-4657-BC8C-32075C2FA9F9}"/>
+                </a:ext>
+              </a:extLst>
+            </p:cNvPr>
+            <p:cNvPicPr>
+              <a:picLocks noChangeAspect="1"/>
+            </p:cNvPicPr>
+            <p:nvPr/>
+          </p:nvPicPr>
+          <p:blipFill>
+            <a:blip r:embed="rId2"/>
+            <a:stretch>
+              <a:fillRect/>
+            </a:stretch>
+          </p:blipFill>
+          <p:spPr>
+            <a:xfrm>
+              <a:off x="8296644" y="1932533"/>
+              <a:ext cx="3376558" cy="2210842"/>
+            </a:xfrm>
+            <a:prstGeom prst="rect">
+              <a:avLst/>
+            </a:prstGeom>
+          </p:spPr>
+        </p:pic>
+        <p:cxnSp>
+          <p:nvCxnSpPr>
+            <p:cNvPr id="9" name="Gerade Verbindung mit Pfeil 8">
+              <a:extLst>
+                <a:ext uri="{FF2B5EF4-FFF2-40B4-BE49-F238E27FC236}">
+                  <a16:creationId xmlns:a16="http://schemas.microsoft.com/office/drawing/2014/main" id="{C413E962-99EF-4501-A58D-9850DF6A2884}"/>
+                </a:ext>
+              </a:extLst>
+            </p:cNvPr>
+            <p:cNvCxnSpPr>
+              <a:cxnSpLocks/>
+            </p:cNvCxnSpPr>
+            <p:nvPr/>
+          </p:nvCxnSpPr>
+          <p:spPr>
+            <a:xfrm flipV="1">
+              <a:off x="9138285" y="3712663"/>
+              <a:ext cx="657225" cy="1305107"/>
+            </a:xfrm>
+            <a:prstGeom prst="straightConnector1">
+              <a:avLst/>
+            </a:prstGeom>
+            <a:ln w="57150">
+              <a:solidFill>
+                <a:srgbClr val="FF0000"/>
+              </a:solidFill>
+              <a:tailEnd type="triangle"/>
+            </a:ln>
+          </p:spPr>
+          <p:style>
+            <a:lnRef idx="1">
+              <a:schemeClr val="accent1"/>
+            </a:lnRef>
+            <a:fillRef idx="0">
+              <a:schemeClr val="accent1"/>
+            </a:fillRef>
+            <a:effectRef idx="0">
+              <a:schemeClr val="accent1"/>
+            </a:effectRef>
+            <a:fontRef idx="minor">
+              <a:schemeClr val="tx1"/>
+            </a:fontRef>
+          </p:style>
+        </p:cxnSp>
+      </p:grpSp>
     </p:spTree>
     <p:extLst>
       <p:ext uri="{BB962C8B-B14F-4D97-AF65-F5344CB8AC3E}">
@@ -13881,7 +20063,7 @@
       </p:grpSpPr>
       <p:sp useBgFill="1">
         <p:nvSpPr>
-          <p:cNvPr id="5" name="Rectangle 7">
+          <p:cNvPr id="9" name="Rectangle 11">
             <a:extLst>
               <a:ext uri="{FF2B5EF4-FFF2-40B4-BE49-F238E27FC236}">
                 <a16:creationId xmlns:a16="http://schemas.microsoft.com/office/drawing/2014/main" id="{979E27D9-03C7-44E2-9FF8-15D0C8506AF7}"/>
@@ -13973,8 +20155,8 @@
         </p:nvSpPr>
         <p:spPr>
           <a:xfrm>
-            <a:off x="1178416" y="962166"/>
-            <a:ext cx="4290809" cy="4421876"/>
+            <a:off x="656823" y="962166"/>
+            <a:ext cx="3103808" cy="4421876"/>
           </a:xfrm>
         </p:spPr>
         <p:txBody>
@@ -13983,9 +20165,8 @@
           </a:bodyPr>
           <a:lstStyle/>
           <a:p>
-            <a:pPr algn="r"/>
             <a:r>
-              <a:rPr lang="en-CH" sz="4000"/>
+              <a:rPr lang="en-CH" sz="4000" dirty="0"/>
               <a:t>Studie</a:t>
             </a:r>
           </a:p>
@@ -14009,8 +20190,8 @@
         </p:nvSpPr>
         <p:spPr>
           <a:xfrm>
-            <a:off x="6096000" y="962167"/>
-            <a:ext cx="4728692" cy="4743174"/>
+            <a:off x="4088929" y="962167"/>
+            <a:ext cx="6858113" cy="4743174"/>
           </a:xfrm>
         </p:spPr>
         <p:txBody>
@@ -14023,74 +20204,107 @@
               <a:buNone/>
             </a:pPr>
             <a:r>
-              <a:rPr lang="en-CH" sz="2000"/>
+              <a:rPr lang="en-CH" sz="2000" dirty="0"/>
               <a:t>Stichprobe:</a:t>
             </a:r>
           </a:p>
           <a:p>
             <a:r>
-              <a:rPr lang="en-CH" sz="2000"/>
-              <a:t>Zufällige Aufteilung in CM und CHO</a:t>
-            </a:r>
-          </a:p>
-          <a:p>
-            <a:r>
-              <a:rPr lang="en-CH" sz="2000"/>
+              <a:rPr lang="en-CH" sz="2000" dirty="0"/>
               <a:t>Teilnehmer mussten bestimmte Eigenschaften erfüllen</a:t>
             </a:r>
           </a:p>
           <a:p>
             <a:pPr lvl="1"/>
             <a:r>
-              <a:rPr lang="en-CH" sz="2000"/>
+              <a:rPr lang="en-CH" sz="2000" dirty="0"/>
               <a:t>Englisch</a:t>
             </a:r>
           </a:p>
           <a:p>
             <a:pPr lvl="1"/>
             <a:r>
-              <a:rPr lang="en-CH" sz="2000"/>
+              <a:rPr lang="en-CH" sz="2000" dirty="0"/>
               <a:t>Handy besitzen</a:t>
             </a:r>
           </a:p>
           <a:p>
             <a:pPr lvl="1"/>
             <a:r>
-              <a:rPr lang="en-GB" sz="2000"/>
+              <a:rPr lang="en-GB" sz="2000" dirty="0"/>
               <a:t>K</a:t>
             </a:r>
             <a:r>
-              <a:rPr lang="en-CH" sz="2000"/>
+              <a:rPr lang="en-CH" sz="2000" dirty="0"/>
               <a:t>eine Verletzungen</a:t>
             </a:r>
           </a:p>
           <a:p>
             <a:pPr lvl="1"/>
             <a:r>
-              <a:rPr lang="en-GB" sz="2000"/>
+              <a:rPr lang="en-GB" sz="2000" dirty="0"/>
               <a:t>K</a:t>
             </a:r>
             <a:r>
-              <a:rPr lang="en-CH" sz="2000"/>
+              <a:rPr lang="en-CH" sz="2000" dirty="0"/>
               <a:t>eine mentale/physische Behinderungen</a:t>
             </a:r>
           </a:p>
           <a:p>
             <a:pPr lvl="1"/>
             <a:r>
-              <a:rPr lang="en-GB" sz="2000"/>
+              <a:rPr lang="en-GB" sz="2000" dirty="0"/>
               <a:t>K</a:t>
             </a:r>
             <a:r>
-              <a:rPr lang="en-CH" sz="2000"/>
+              <a:rPr lang="en-CH" sz="2000" dirty="0"/>
               <a:t>eine Allergien (Laktose)</a:t>
             </a:r>
+            <a:endParaRPr lang="de-CH" sz="2000" dirty="0"/>
+          </a:p>
+          <a:p>
+            <a:pPr marL="457200" lvl="1" indent="0">
+              <a:buNone/>
+            </a:pPr>
+            <a:endParaRPr lang="de-CH" sz="2000" dirty="0"/>
+          </a:p>
+          <a:p>
+            <a:pPr marL="0" indent="0">
+              <a:buNone/>
+            </a:pPr>
+            <a:r>
+              <a:rPr lang="en-CH" sz="2000" dirty="0"/>
+              <a:t>Anzahl und fehlende Werte:</a:t>
+            </a:r>
+          </a:p>
+          <a:p>
+            <a:r>
+              <a:rPr lang="de-CH" sz="2000" dirty="0"/>
+              <a:t>131 Studienteilnehmer</a:t>
+            </a:r>
+          </a:p>
+          <a:p>
+            <a:r>
+              <a:rPr lang="de-CH" sz="2000" dirty="0"/>
+              <a:t>101 haben die Studie beendet</a:t>
+            </a:r>
+          </a:p>
+          <a:p>
+            <a:r>
+              <a:rPr lang="de-CH" sz="2000" dirty="0"/>
+              <a:t>Zu den fehlenden Werten kommen wir noch…</a:t>
+            </a:r>
+            <a:endParaRPr lang="en-CH" sz="2000" dirty="0"/>
+          </a:p>
+          <a:p>
+            <a:pPr lvl="1"/>
+            <a:endParaRPr lang="en-CH" sz="2000" dirty="0"/>
           </a:p>
         </p:txBody>
       </p:sp>
       <p:sp>
         <p:nvSpPr>
-          <p:cNvPr id="6" name="Rectangle 9">
+          <p:cNvPr id="14" name="Rectangle 13">
             <a:extLst>
               <a:ext uri="{FF2B5EF4-FFF2-40B4-BE49-F238E27FC236}">
                 <a16:creationId xmlns:a16="http://schemas.microsoft.com/office/drawing/2014/main" id="{EEBF1590-3B36-48EE-A89D-3B6F3CB256AB}"/>
@@ -14124,11 +20338,13 @@
               <a:gs pos="0">
                 <a:schemeClr val="accent1"/>
               </a:gs>
-              <a:gs pos="78000">
-                <a:srgbClr val="000000"/>
+              <a:gs pos="100000">
+                <a:schemeClr val="accent1">
+                  <a:lumMod val="50000"/>
+                </a:schemeClr>
               </a:gs>
             </a:gsLst>
-            <a:lin ang="7200000" scaled="0"/>
+            <a:lin ang="6600000" scaled="0"/>
           </a:gradFill>
           <a:ln>
             <a:noFill/>
@@ -14161,7 +20377,7 @@
       </p:sp>
       <p:sp>
         <p:nvSpPr>
-          <p:cNvPr id="7" name="Rectangle 11">
+          <p:cNvPr id="16" name="Rectangle 15">
             <a:extLst>
               <a:ext uri="{FF2B5EF4-FFF2-40B4-BE49-F238E27FC236}">
                 <a16:creationId xmlns:a16="http://schemas.microsoft.com/office/drawing/2014/main" id="{AC8F6C8C-AB5A-4548-942D-E3FD40ACBC49}"/>
@@ -14184,7 +20400,7 @@
         </p:nvSpPr>
         <p:spPr>
           <a:xfrm flipH="1">
-            <a:off x="0" y="6400800"/>
+            <a:off x="4038600" y="6400799"/>
             <a:ext cx="8153398" cy="456772"/>
           </a:xfrm>
           <a:prstGeom prst="rect">
@@ -14194,16 +20410,14 @@
             <a:gsLst>
               <a:gs pos="0">
                 <a:srgbClr val="000000">
-                  <a:alpha val="28000"/>
+                  <a:alpha val="76000"/>
                 </a:srgbClr>
               </a:gs>
               <a:gs pos="100000">
-                <a:schemeClr val="accent1">
-                  <a:lumMod val="75000"/>
-                </a:schemeClr>
+                <a:schemeClr val="accent1"/>
               </a:gs>
             </a:gsLst>
-            <a:lin ang="3000000" scaled="0"/>
+            <a:lin ang="17400000" scaled="0"/>
           </a:gradFill>
           <a:ln>
             <a:noFill/>
@@ -14353,7 +20567,7 @@
           <p:cNvPr id="2" name="Title 1">
             <a:extLst>
               <a:ext uri="{FF2B5EF4-FFF2-40B4-BE49-F238E27FC236}">
-                <a16:creationId xmlns:a16="http://schemas.microsoft.com/office/drawing/2014/main" id="{48997ACD-F6AF-A24F-A289-AABDE33C553C}"/>
+                <a16:creationId xmlns:a16="http://schemas.microsoft.com/office/drawing/2014/main" id="{1F4CB0B1-7592-D248-BB70-2D4CDB554DB1}"/>
               </a:ext>
             </a:extLst>
           </p:cNvPr>
@@ -14366,19 +20580,18 @@
         </p:nvSpPr>
         <p:spPr>
           <a:xfrm>
-            <a:off x="656823" y="962166"/>
-            <a:ext cx="3103808" cy="4421876"/>
+            <a:off x="1136397" y="502021"/>
+            <a:ext cx="9688296" cy="1642969"/>
           </a:xfrm>
         </p:spPr>
         <p:txBody>
-          <a:bodyPr anchor="t">
+          <a:bodyPr anchor="b">
             <a:normAutofit/>
           </a:bodyPr>
           <a:lstStyle/>
           <a:p>
-            <a:pPr algn="r"/>
             <a:r>
-              <a:rPr lang="en-CH" sz="4000"/>
+              <a:rPr lang="en-CH" sz="4000" dirty="0"/>
               <a:t>Studie</a:t>
             </a:r>
           </a:p>
@@ -14389,7 +20602,7 @@
           <p:cNvPr id="3" name="Content Placeholder 2">
             <a:extLst>
               <a:ext uri="{FF2B5EF4-FFF2-40B4-BE49-F238E27FC236}">
-                <a16:creationId xmlns:a16="http://schemas.microsoft.com/office/drawing/2014/main" id="{933C59D2-9C78-A845-88C3-BCBCD55FB8A9}"/>
+                <a16:creationId xmlns:a16="http://schemas.microsoft.com/office/drawing/2014/main" id="{BC8D644B-59E1-D945-A6AC-CC55E25E5AB2}"/>
               </a:ext>
             </a:extLst>
           </p:cNvPr>
@@ -14402,8 +20615,8 @@
         </p:nvSpPr>
         <p:spPr>
           <a:xfrm>
-            <a:off x="4088929" y="962167"/>
-            <a:ext cx="6858113" cy="4743174"/>
+            <a:off x="1136397" y="2418409"/>
+            <a:ext cx="9688296" cy="3454358"/>
           </a:xfrm>
         </p:spPr>
         <p:txBody>
@@ -14416,28 +20629,60 @@
               <a:buNone/>
             </a:pPr>
             <a:r>
-              <a:rPr lang="en-CH" sz="2000"/>
-              <a:t>Anzahl und fehlende Werte:</a:t>
+              <a:rPr lang="en-CH" sz="2000" dirty="0"/>
+              <a:t>Stichprobendesign:</a:t>
             </a:r>
           </a:p>
           <a:p>
             <a:r>
-              <a:rPr lang="de-CH" sz="2000"/>
-              <a:t>131 Studienteilnehmer</a:t>
+              <a:rPr lang="de-CH" sz="2000" dirty="0"/>
+              <a:t>Einteilung in 3 Gruppen (von den Trainern selber)</a:t>
             </a:r>
           </a:p>
           <a:p>
+            <a:pPr lvl="1"/>
             <a:r>
-              <a:rPr lang="de-CH" sz="2000"/>
-              <a:t>101 haben die Studie beendet</a:t>
+              <a:rPr lang="de-CH" sz="2000" dirty="0"/>
+              <a:t>Weibliche Teilnehmer zw. 13 und 17 Jahren</a:t>
             </a:r>
           </a:p>
           <a:p>
+            <a:pPr lvl="1"/>
             <a:r>
-              <a:rPr lang="de-CH" sz="2000"/>
-              <a:t>Keine Infos über die 28 fehlenden Werte</a:t>
+              <a:rPr lang="de-CH" sz="2000" dirty="0"/>
+              <a:t>Männlich Teilnehmer zw. 13 und 15 Jahren</a:t>
             </a:r>
-            <a:endParaRPr lang="en-CH" sz="2000"/>
+            <a:endParaRPr lang="en-CH" sz="2000" dirty="0"/>
+          </a:p>
+          <a:p>
+            <a:pPr lvl="1"/>
+            <a:r>
+              <a:rPr lang="de-CH" sz="2000" dirty="0"/>
+              <a:t>Männliche Teilnehmer zw. 15 und 17 Jahren</a:t>
+            </a:r>
+            <a:r>
+              <a:rPr lang="en-CH" sz="2000" dirty="0"/>
+              <a:t>	</a:t>
+            </a:r>
+          </a:p>
+          <a:p>
+            <a:r>
+              <a:rPr lang="de-CH" sz="2000" dirty="0"/>
+              <a:t>Studie liefert keine Antwort ob auch so gezogen wurde</a:t>
+            </a:r>
+          </a:p>
+          <a:p>
+            <a:r>
+              <a:rPr lang="de-CH" sz="2000" dirty="0"/>
+              <a:t>Gemäss Studie keine Unterschiede in den Gruppen.</a:t>
+            </a:r>
+            <a:endParaRPr lang="en-CH" sz="2000" dirty="0"/>
+          </a:p>
+          <a:p>
+            <a:pPr marL="0" indent="0">
+              <a:buNone/>
+            </a:pPr>
+            <a:endParaRPr lang="en-CH" sz="2000" dirty="0"/>
           </a:p>
         </p:txBody>
       </p:sp>
@@ -14477,13 +20722,11 @@
               <a:gs pos="0">
                 <a:schemeClr val="accent1"/>
               </a:gs>
-              <a:gs pos="100000">
-                <a:schemeClr val="accent1">
-                  <a:lumMod val="50000"/>
-                </a:schemeClr>
+              <a:gs pos="78000">
+                <a:srgbClr val="000000"/>
               </a:gs>
             </a:gsLst>
-            <a:lin ang="6600000" scaled="0"/>
+            <a:lin ang="2400000" scaled="0"/>
           </a:gradFill>
           <a:ln>
             <a:noFill/>
@@ -14549,14 +20792,16 @@
             <a:gsLst>
               <a:gs pos="0">
                 <a:srgbClr val="000000">
-                  <a:alpha val="76000"/>
+                  <a:alpha val="63000"/>
                 </a:srgbClr>
               </a:gs>
               <a:gs pos="100000">
-                <a:schemeClr val="accent1"/>
+                <a:schemeClr val="accent1">
+                  <a:lumMod val="75000"/>
+                </a:schemeClr>
               </a:gs>
             </a:gsLst>
-            <a:lin ang="17400000" scaled="0"/>
+            <a:lin ang="13800000" scaled="0"/>
           </a:gradFill>
           <a:ln>
             <a:noFill/>
@@ -14590,7 +20835,7 @@
     </p:spTree>
     <p:extLst>
       <p:ext uri="{BB962C8B-B14F-4D97-AF65-F5344CB8AC3E}">
-        <p14:creationId xmlns:p14="http://schemas.microsoft.com/office/powerpoint/2010/main" val="1251727893"/>
+        <p14:creationId xmlns:p14="http://schemas.microsoft.com/office/powerpoint/2010/main" val="3164298079"/>
       </p:ext>
     </p:extLst>
   </p:cSld>

--- a/pp.pptx
+++ b/pp.pptx
@@ -9,8 +9,8 @@
     <p:sldId id="259" r:id="rId3"/>
     <p:sldId id="257" r:id="rId4"/>
     <p:sldId id="258" r:id="rId5"/>
-    <p:sldId id="260" r:id="rId6"/>
-    <p:sldId id="261" r:id="rId7"/>
+    <p:sldId id="261" r:id="rId6"/>
+    <p:sldId id="276" r:id="rId7"/>
     <p:sldId id="262" r:id="rId8"/>
     <p:sldId id="263" r:id="rId9"/>
     <p:sldId id="265" r:id="rId10"/>
@@ -19,8 +19,8 @@
     <p:sldId id="270" r:id="rId13"/>
     <p:sldId id="272" r:id="rId14"/>
     <p:sldId id="273" r:id="rId15"/>
-    <p:sldId id="271" r:id="rId16"/>
-    <p:sldId id="275" r:id="rId17"/>
+    <p:sldId id="280" r:id="rId16"/>
+    <p:sldId id="281" r:id="rId17"/>
     <p:sldId id="274" r:id="rId18"/>
   </p:sldIdLst>
   <p:sldSz cx="12192000" cy="6858000"/>
@@ -5021,8 +5021,8 @@
   <dgm:cxnLst>
     <dgm:cxn modelId="{0F09E908-96AB-45C6-BEE6-757FED36B911}" type="presOf" srcId="{38A34452-8F56-4551-8861-F5E4331543E2}" destId="{BBD6C415-325F-49D9-9E45-807A238F7813}" srcOrd="0" destOrd="0" presId="urn:microsoft.com/office/officeart/2008/layout/LinedList"/>
     <dgm:cxn modelId="{75268D1C-4E4F-4C77-9BE1-03C692DE244F}" srcId="{BA46512A-030E-4FF9-B545-93EF04C25F0E}" destId="{E1B71063-2FCA-4C85-8A51-C26698C698DF}" srcOrd="0" destOrd="0" parTransId="{84AC47DC-8F96-40B8-A605-C2A1E7022D5A}" sibTransId="{D1FB2CA6-6AEA-475F-95CC-2804D527305E}"/>
+    <dgm:cxn modelId="{ADEFF946-4165-4019-8ABF-24DEAD5B7DE4}" type="presOf" srcId="{EB1419BC-DF42-4F85-ABBC-7666A61E12D0}" destId="{DD7C867B-B70D-436A-8DFA-E61FE9A91906}" srcOrd="0" destOrd="0" presId="urn:microsoft.com/office/officeart/2008/layout/LinedList"/>
     <dgm:cxn modelId="{4B301B5E-3B21-4301-9AFB-609847482221}" srcId="{BA46512A-030E-4FF9-B545-93EF04C25F0E}" destId="{EB1419BC-DF42-4F85-ABBC-7666A61E12D0}" srcOrd="2" destOrd="0" parTransId="{66A6DBC6-3037-4B43-BFD7-F6F59A3EC07B}" sibTransId="{FBF20A7F-F61E-40D8-AD87-A862B7BE6289}"/>
-    <dgm:cxn modelId="{ADEFF946-4165-4019-8ABF-24DEAD5B7DE4}" type="presOf" srcId="{EB1419BC-DF42-4F85-ABBC-7666A61E12D0}" destId="{DD7C867B-B70D-436A-8DFA-E61FE9A91906}" srcOrd="0" destOrd="0" presId="urn:microsoft.com/office/officeart/2008/layout/LinedList"/>
     <dgm:cxn modelId="{E1295F7E-5523-4BD7-BB05-E8A7103B0A2B}" type="presOf" srcId="{E1B71063-2FCA-4C85-8A51-C26698C698DF}" destId="{338F4D6A-AF28-4B0D-AC0B-02F3D8AC2D3B}" srcOrd="0" destOrd="0" presId="urn:microsoft.com/office/officeart/2008/layout/LinedList"/>
     <dgm:cxn modelId="{66C481BE-BEA7-4C40-A54C-189101587098}" srcId="{BA46512A-030E-4FF9-B545-93EF04C25F0E}" destId="{38A34452-8F56-4551-8861-F5E4331543E2}" srcOrd="1" destOrd="0" parTransId="{A32EB33E-783A-41D1-9525-C3E2A6FDCD40}" sibTransId="{9716FDCD-D403-414D-BADA-8122B042D159}"/>
     <dgm:cxn modelId="{D5E18CCC-71E2-401E-8C4F-A60E17266AA3}" type="presOf" srcId="{62D8F297-51EC-4881-B92B-0AC5B9C65A9F}" destId="{C3BF83F3-709A-4CA9-A130-D3C3FAA81680}" srcOrd="0" destOrd="0" presId="urn:microsoft.com/office/officeart/2008/layout/LinedList"/>
@@ -8644,7 +8644,7 @@
           <a:p>
             <a:fld id="{810F5DF7-A7DA-E04D-B081-ECE5B223B74E}" type="datetimeFigureOut">
               <a:rPr lang="en-CH" smtClean="0"/>
-              <a:t>05/06/2021</a:t>
+              <a:t>06.05.21</a:t>
             </a:fld>
             <a:endParaRPr lang="en-CH"/>
           </a:p>
@@ -8698,7 +8698,7 @@
           <a:p>
             <a:fld id="{92AE3C53-F853-9A4C-8358-29E38C1E85FB}" type="slidenum">
               <a:rPr lang="en-CH" smtClean="0"/>
-              <a:t>‹Nr.›</a:t>
+              <a:t>‹#›</a:t>
             </a:fld>
             <a:endParaRPr lang="en-CH"/>
           </a:p>
@@ -8844,7 +8844,7 @@
           <a:p>
             <a:fld id="{810F5DF7-A7DA-E04D-B081-ECE5B223B74E}" type="datetimeFigureOut">
               <a:rPr lang="en-CH" smtClean="0"/>
-              <a:t>05/06/2021</a:t>
+              <a:t>06.05.21</a:t>
             </a:fld>
             <a:endParaRPr lang="en-CH"/>
           </a:p>
@@ -8898,7 +8898,7 @@
           <a:p>
             <a:fld id="{92AE3C53-F853-9A4C-8358-29E38C1E85FB}" type="slidenum">
               <a:rPr lang="en-CH" smtClean="0"/>
-              <a:t>‹Nr.›</a:t>
+              <a:t>‹#›</a:t>
             </a:fld>
             <a:endParaRPr lang="en-CH"/>
           </a:p>
@@ -9054,7 +9054,7 @@
           <a:p>
             <a:fld id="{810F5DF7-A7DA-E04D-B081-ECE5B223B74E}" type="datetimeFigureOut">
               <a:rPr lang="en-CH" smtClean="0"/>
-              <a:t>05/06/2021</a:t>
+              <a:t>06.05.21</a:t>
             </a:fld>
             <a:endParaRPr lang="en-CH"/>
           </a:p>
@@ -9108,7 +9108,7 @@
           <a:p>
             <a:fld id="{92AE3C53-F853-9A4C-8358-29E38C1E85FB}" type="slidenum">
               <a:rPr lang="en-CH" smtClean="0"/>
-              <a:t>‹Nr.›</a:t>
+              <a:t>‹#›</a:t>
             </a:fld>
             <a:endParaRPr lang="en-CH"/>
           </a:p>
@@ -9254,7 +9254,7 @@
           <a:p>
             <a:fld id="{810F5DF7-A7DA-E04D-B081-ECE5B223B74E}" type="datetimeFigureOut">
               <a:rPr lang="en-CH" smtClean="0"/>
-              <a:t>05/06/2021</a:t>
+              <a:t>06.05.21</a:t>
             </a:fld>
             <a:endParaRPr lang="en-CH"/>
           </a:p>
@@ -9308,7 +9308,7 @@
           <a:p>
             <a:fld id="{92AE3C53-F853-9A4C-8358-29E38C1E85FB}" type="slidenum">
               <a:rPr lang="en-CH" smtClean="0"/>
-              <a:t>‹Nr.›</a:t>
+              <a:t>‹#›</a:t>
             </a:fld>
             <a:endParaRPr lang="en-CH"/>
           </a:p>
@@ -9530,7 +9530,7 @@
           <a:p>
             <a:fld id="{810F5DF7-A7DA-E04D-B081-ECE5B223B74E}" type="datetimeFigureOut">
               <a:rPr lang="en-CH" smtClean="0"/>
-              <a:t>05/06/2021</a:t>
+              <a:t>06.05.21</a:t>
             </a:fld>
             <a:endParaRPr lang="en-CH"/>
           </a:p>
@@ -9584,7 +9584,7 @@
           <a:p>
             <a:fld id="{92AE3C53-F853-9A4C-8358-29E38C1E85FB}" type="slidenum">
               <a:rPr lang="en-CH" smtClean="0"/>
-              <a:t>‹Nr.›</a:t>
+              <a:t>‹#›</a:t>
             </a:fld>
             <a:endParaRPr lang="en-CH"/>
           </a:p>
@@ -9798,7 +9798,7 @@
           <a:p>
             <a:fld id="{810F5DF7-A7DA-E04D-B081-ECE5B223B74E}" type="datetimeFigureOut">
               <a:rPr lang="en-CH" smtClean="0"/>
-              <a:t>05/06/2021</a:t>
+              <a:t>06.05.21</a:t>
             </a:fld>
             <a:endParaRPr lang="en-CH"/>
           </a:p>
@@ -9852,7 +9852,7 @@
           <a:p>
             <a:fld id="{92AE3C53-F853-9A4C-8358-29E38C1E85FB}" type="slidenum">
               <a:rPr lang="en-CH" smtClean="0"/>
-              <a:t>‹Nr.›</a:t>
+              <a:t>‹#›</a:t>
             </a:fld>
             <a:endParaRPr lang="en-CH"/>
           </a:p>
@@ -10218,7 +10218,7 @@
           <a:p>
             <a:fld id="{810F5DF7-A7DA-E04D-B081-ECE5B223B74E}" type="datetimeFigureOut">
               <a:rPr lang="en-CH" smtClean="0"/>
-              <a:t>05/06/2021</a:t>
+              <a:t>06.05.21</a:t>
             </a:fld>
             <a:endParaRPr lang="en-CH"/>
           </a:p>
@@ -10272,7 +10272,7 @@
           <a:p>
             <a:fld id="{92AE3C53-F853-9A4C-8358-29E38C1E85FB}" type="slidenum">
               <a:rPr lang="en-CH" smtClean="0"/>
-              <a:t>‹Nr.›</a:t>
+              <a:t>‹#›</a:t>
             </a:fld>
             <a:endParaRPr lang="en-CH"/>
           </a:p>
@@ -10365,7 +10365,7 @@
           <a:p>
             <a:fld id="{810F5DF7-A7DA-E04D-B081-ECE5B223B74E}" type="datetimeFigureOut">
               <a:rPr lang="en-CH" smtClean="0"/>
-              <a:t>05/06/2021</a:t>
+              <a:t>06.05.21</a:t>
             </a:fld>
             <a:endParaRPr lang="en-CH"/>
           </a:p>
@@ -10419,7 +10419,7 @@
           <a:p>
             <a:fld id="{92AE3C53-F853-9A4C-8358-29E38C1E85FB}" type="slidenum">
               <a:rPr lang="en-CH" smtClean="0"/>
-              <a:t>‹Nr.›</a:t>
+              <a:t>‹#›</a:t>
             </a:fld>
             <a:endParaRPr lang="en-CH"/>
           </a:p>
@@ -10478,7 +10478,7 @@
           <a:p>
             <a:fld id="{810F5DF7-A7DA-E04D-B081-ECE5B223B74E}" type="datetimeFigureOut">
               <a:rPr lang="en-CH" smtClean="0"/>
-              <a:t>05/06/2021</a:t>
+              <a:t>06.05.21</a:t>
             </a:fld>
             <a:endParaRPr lang="en-CH"/>
           </a:p>
@@ -10532,7 +10532,7 @@
           <a:p>
             <a:fld id="{92AE3C53-F853-9A4C-8358-29E38C1E85FB}" type="slidenum">
               <a:rPr lang="en-CH" smtClean="0"/>
-              <a:t>‹Nr.›</a:t>
+              <a:t>‹#›</a:t>
             </a:fld>
             <a:endParaRPr lang="en-CH"/>
           </a:p>
@@ -10791,7 +10791,7 @@
           <a:p>
             <a:fld id="{810F5DF7-A7DA-E04D-B081-ECE5B223B74E}" type="datetimeFigureOut">
               <a:rPr lang="en-CH" smtClean="0"/>
-              <a:t>05/06/2021</a:t>
+              <a:t>06.05.21</a:t>
             </a:fld>
             <a:endParaRPr lang="en-CH"/>
           </a:p>
@@ -10845,7 +10845,7 @@
           <a:p>
             <a:fld id="{92AE3C53-F853-9A4C-8358-29E38C1E85FB}" type="slidenum">
               <a:rPr lang="en-CH" smtClean="0"/>
-              <a:t>‹Nr.›</a:t>
+              <a:t>‹#›</a:t>
             </a:fld>
             <a:endParaRPr lang="en-CH"/>
           </a:p>
@@ -11085,7 +11085,7 @@
           <a:p>
             <a:fld id="{810F5DF7-A7DA-E04D-B081-ECE5B223B74E}" type="datetimeFigureOut">
               <a:rPr lang="en-CH" smtClean="0"/>
-              <a:t>05/06/2021</a:t>
+              <a:t>06.05.21</a:t>
             </a:fld>
             <a:endParaRPr lang="en-CH"/>
           </a:p>
@@ -11139,7 +11139,7 @@
           <a:p>
             <a:fld id="{92AE3C53-F853-9A4C-8358-29E38C1E85FB}" type="slidenum">
               <a:rPr lang="en-CH" smtClean="0"/>
-              <a:t>‹Nr.›</a:t>
+              <a:t>‹#›</a:t>
             </a:fld>
             <a:endParaRPr lang="en-CH"/>
           </a:p>
@@ -11328,7 +11328,7 @@
           <a:p>
             <a:fld id="{810F5DF7-A7DA-E04D-B081-ECE5B223B74E}" type="datetimeFigureOut">
               <a:rPr lang="en-CH" smtClean="0"/>
-              <a:t>05/06/2021</a:t>
+              <a:t>06.05.21</a:t>
             </a:fld>
             <a:endParaRPr lang="en-CH"/>
           </a:p>
@@ -11418,7 +11418,7 @@
           <a:p>
             <a:fld id="{92AE3C53-F853-9A4C-8358-29E38C1E85FB}" type="slidenum">
               <a:rPr lang="en-CH" smtClean="0"/>
-              <a:t>‹Nr.›</a:t>
+              <a:t>‹#›</a:t>
             </a:fld>
             <a:endParaRPr lang="en-CH"/>
           </a:p>
@@ -12717,41 +12717,6 @@
       </p:sp>
       <p:sp>
         <p:nvSpPr>
-          <p:cNvPr id="2" name="Title 1">
-            <a:extLst>
-              <a:ext uri="{FF2B5EF4-FFF2-40B4-BE49-F238E27FC236}">
-                <a16:creationId xmlns:a16="http://schemas.microsoft.com/office/drawing/2014/main" id="{1F4CB0B1-7592-D248-BB70-2D4CDB554DB1}"/>
-              </a:ext>
-            </a:extLst>
-          </p:cNvPr>
-          <p:cNvSpPr>
-            <a:spLocks noGrp="1"/>
-          </p:cNvSpPr>
-          <p:nvPr>
-            <p:ph type="title"/>
-          </p:nvPr>
-        </p:nvSpPr>
-        <p:spPr>
-          <a:xfrm>
-            <a:off x="458716" y="260341"/>
-            <a:ext cx="5754896" cy="1655483"/>
-          </a:xfrm>
-        </p:spPr>
-        <p:txBody>
-          <a:bodyPr anchor="b">
-            <a:normAutofit/>
-          </a:bodyPr>
-          <a:lstStyle/>
-          <a:p>
-            <a:r>
-              <a:rPr lang="en-CH" sz="4000" dirty="0"/>
-              <a:t>Studie</a:t>
-            </a:r>
-          </a:p>
-        </p:txBody>
-      </p:sp>
-      <p:sp>
-        <p:nvSpPr>
           <p:cNvPr id="18" name="Rectangle 17">
             <a:extLst>
               <a:ext uri="{FF2B5EF4-FFF2-40B4-BE49-F238E27FC236}">
@@ -13145,35 +13110,101 @@
       </p:sp>
       <p:sp>
         <p:nvSpPr>
-          <p:cNvPr id="5" name="Rechteck 4">
+          <p:cNvPr id="9" name="Title 1">
             <a:extLst>
               <a:ext uri="{FF2B5EF4-FFF2-40B4-BE49-F238E27FC236}">
-                <a16:creationId xmlns:a16="http://schemas.microsoft.com/office/drawing/2014/main" id="{17E5275F-623F-49EA-A0D6-A5A4224CD113}"/>
+                <a16:creationId xmlns:a16="http://schemas.microsoft.com/office/drawing/2014/main" id="{E45E7A82-1DA0-FF43-BD89-E799BD7E43BD}"/>
               </a:ext>
             </a:extLst>
           </p:cNvPr>
-          <p:cNvSpPr/>
+          <p:cNvSpPr txBox="1">
+            <a:spLocks/>
+          </p:cNvSpPr>
           <p:nvPr/>
         </p:nvSpPr>
         <p:spPr>
           <a:xfrm>
-            <a:off x="513943" y="2780209"/>
-            <a:ext cx="2171748" cy="369332"/>
+            <a:off x="1136397" y="502021"/>
+            <a:ext cx="9688296" cy="1642969"/>
           </a:xfrm>
           <a:prstGeom prst="rect">
             <a:avLst/>
           </a:prstGeom>
         </p:spPr>
         <p:txBody>
-          <a:bodyPr wrap="none">
-            <a:spAutoFit/>
+          <a:bodyPr vert="horz" lIns="91440" tIns="45720" rIns="91440" bIns="45720" rtlCol="0" anchor="b">
+            <a:normAutofit/>
+          </a:bodyPr>
+          <a:lstStyle>
+            <a:lvl1pPr algn="l" defTabSz="914400" rtl="0" eaLnBrk="1" latinLnBrk="0" hangingPunct="1">
+              <a:lnSpc>
+                <a:spcPct val="90000"/>
+              </a:lnSpc>
+              <a:spcBef>
+                <a:spcPct val="0"/>
+              </a:spcBef>
+              <a:buNone/>
+              <a:defRPr sz="4400" kern="1200">
+                <a:solidFill>
+                  <a:schemeClr val="tx1"/>
+                </a:solidFill>
+                <a:latin typeface="+mj-lt"/>
+                <a:ea typeface="+mj-ea"/>
+                <a:cs typeface="+mj-cs"/>
+              </a:defRPr>
+            </a:lvl1pPr>
+          </a:lstStyle>
+          <a:p>
+            <a:r>
+              <a:rPr lang="en-CH" sz="4000"/>
+              <a:t>Studie</a:t>
+            </a:r>
+            <a:endParaRPr lang="en-CH" sz="4000" dirty="0"/>
+          </a:p>
+        </p:txBody>
+      </p:sp>
+      <p:sp>
+        <p:nvSpPr>
+          <p:cNvPr id="12" name="Content Placeholder 2">
+            <a:extLst>
+              <a:ext uri="{FF2B5EF4-FFF2-40B4-BE49-F238E27FC236}">
+                <a16:creationId xmlns:a16="http://schemas.microsoft.com/office/drawing/2014/main" id="{230FF3BF-A1F4-6E4A-B8C5-827C832A21B0}"/>
+              </a:ext>
+            </a:extLst>
+          </p:cNvPr>
+          <p:cNvSpPr>
+            <a:spLocks noGrp="1"/>
+          </p:cNvSpPr>
+          <p:nvPr>
+            <p:ph idx="1"/>
+          </p:nvPr>
+        </p:nvSpPr>
+        <p:spPr>
+          <a:xfrm>
+            <a:off x="593472" y="2579024"/>
+            <a:ext cx="4959603" cy="3522569"/>
+          </a:xfrm>
+        </p:spPr>
+        <p:txBody>
+          <a:bodyPr anchor="t">
+            <a:normAutofit/>
           </a:bodyPr>
           <a:lstStyle/>
           <a:p>
+            <a:pPr marL="0" indent="0">
+              <a:buNone/>
+            </a:pPr>
             <a:r>
-              <a:rPr lang="de-CH" dirty="0"/>
-              <a:t>Gewichte angepasst?</a:t>
+              <a:rPr lang="de-CH" sz="2000" dirty="0"/>
+              <a:t>Gewichte anpassen?</a:t>
             </a:r>
+            <a:endParaRPr lang="en-CH" sz="2000" dirty="0"/>
+          </a:p>
+          <a:p>
+            <a:pPr marL="0" indent="0">
+              <a:buNone/>
+            </a:pPr>
+            <a:endParaRPr lang="en-CH" sz="2000" dirty="0"/>
           </a:p>
         </p:txBody>
       </p:sp>
@@ -13485,7 +13516,7 @@
         </p:nvSpPr>
         <p:spPr>
           <a:xfrm>
-            <a:off x="593651" y="-743868"/>
+            <a:off x="593651" y="-395414"/>
             <a:ext cx="10515600" cy="1325563"/>
           </a:xfrm>
         </p:spPr>
@@ -14090,73 +14121,6 @@
       </p:sp>
       <p:sp>
         <p:nvSpPr>
-          <p:cNvPr id="2" name="Titel 1">
-            <a:extLst>
-              <a:ext uri="{FF2B5EF4-FFF2-40B4-BE49-F238E27FC236}">
-                <a16:creationId xmlns:a16="http://schemas.microsoft.com/office/drawing/2014/main" id="{FF5B5FAC-9221-4CD9-81B6-ABA81C75D69E}"/>
-              </a:ext>
-            </a:extLst>
-          </p:cNvPr>
-          <p:cNvSpPr>
-            <a:spLocks noGrp="1"/>
-          </p:cNvSpPr>
-          <p:nvPr>
-            <p:ph type="title"/>
-          </p:nvPr>
-        </p:nvSpPr>
-        <p:spPr>
-          <a:xfrm>
-            <a:off x="621102" y="131361"/>
-            <a:ext cx="9358202" cy="1159757"/>
-          </a:xfrm>
-        </p:spPr>
-        <p:txBody>
-          <a:bodyPr anchor="b">
-            <a:normAutofit/>
-          </a:bodyPr>
-          <a:lstStyle/>
-          <a:p>
-            <a:r>
-              <a:rPr lang="de-CH" sz="4000" dirty="0"/>
-              <a:t>Nichtlinearer Kraftzuwachs</a:t>
-            </a:r>
-          </a:p>
-        </p:txBody>
-      </p:sp>
-      <p:sp>
-        <p:nvSpPr>
-          <p:cNvPr id="3" name="Inhaltsplatzhalter 2">
-            <a:extLst>
-              <a:ext uri="{FF2B5EF4-FFF2-40B4-BE49-F238E27FC236}">
-                <a16:creationId xmlns:a16="http://schemas.microsoft.com/office/drawing/2014/main" id="{2AEDB7B8-D8BB-4D31-A76C-1D6030CACC63}"/>
-              </a:ext>
-            </a:extLst>
-          </p:cNvPr>
-          <p:cNvSpPr>
-            <a:spLocks noGrp="1"/>
-          </p:cNvSpPr>
-          <p:nvPr>
-            <p:ph idx="1"/>
-          </p:nvPr>
-        </p:nvSpPr>
-        <p:spPr>
-          <a:xfrm>
-            <a:off x="1136397" y="2418409"/>
-            <a:ext cx="9688296" cy="3454358"/>
-          </a:xfrm>
-        </p:spPr>
-        <p:txBody>
-          <a:bodyPr anchor="t">
-            <a:normAutofit/>
-          </a:bodyPr>
-          <a:lstStyle/>
-          <a:p>
-            <a:endParaRPr lang="de-CH" sz="2000" dirty="0"/>
-          </a:p>
-        </p:txBody>
-      </p:sp>
-      <p:sp>
-        <p:nvSpPr>
           <p:cNvPr id="10" name="Rectangle 9">
             <a:extLst>
               <a:ext uri="{FF2B5EF4-FFF2-40B4-BE49-F238E27FC236}">
@@ -14331,6 +14295,60 @@
           </a:prstGeom>
         </p:spPr>
       </p:pic>
+      <p:sp>
+        <p:nvSpPr>
+          <p:cNvPr id="9" name="Title 1">
+            <a:extLst>
+              <a:ext uri="{FF2B5EF4-FFF2-40B4-BE49-F238E27FC236}">
+                <a16:creationId xmlns:a16="http://schemas.microsoft.com/office/drawing/2014/main" id="{912F4C7F-3446-9F4A-B567-6C85794F3952}"/>
+              </a:ext>
+            </a:extLst>
+          </p:cNvPr>
+          <p:cNvSpPr txBox="1">
+            <a:spLocks/>
+          </p:cNvSpPr>
+          <p:nvPr/>
+        </p:nvSpPr>
+        <p:spPr>
+          <a:xfrm>
+            <a:off x="593651" y="-395414"/>
+            <a:ext cx="10515600" cy="1325563"/>
+          </a:xfrm>
+          <a:prstGeom prst="rect">
+            <a:avLst/>
+          </a:prstGeom>
+        </p:spPr>
+        <p:txBody>
+          <a:bodyPr vert="horz" lIns="91440" tIns="45720" rIns="91440" bIns="45720" rtlCol="0" anchor="b">
+            <a:normAutofit/>
+          </a:bodyPr>
+          <a:lstStyle>
+            <a:lvl1pPr algn="l" defTabSz="914400" rtl="0" eaLnBrk="1" latinLnBrk="0" hangingPunct="1">
+              <a:lnSpc>
+                <a:spcPct val="90000"/>
+              </a:lnSpc>
+              <a:spcBef>
+                <a:spcPct val="0"/>
+              </a:spcBef>
+              <a:buNone/>
+              <a:defRPr sz="4400" kern="1200">
+                <a:solidFill>
+                  <a:schemeClr val="tx1"/>
+                </a:solidFill>
+                <a:latin typeface="+mj-lt"/>
+                <a:ea typeface="+mj-ea"/>
+                <a:cs typeface="+mj-cs"/>
+              </a:defRPr>
+            </a:lvl1pPr>
+          </a:lstStyle>
+          <a:p>
+            <a:r>
+              <a:rPr lang="en-CH" sz="4000" dirty="0"/>
+              <a:t>Nichtlinearer Kraftzuwachs</a:t>
+            </a:r>
+          </a:p>
+        </p:txBody>
+      </p:sp>
     </p:spTree>
     <p:extLst>
       <p:ext uri="{BB962C8B-B14F-4D97-AF65-F5344CB8AC3E}">
@@ -14442,46 +14460,6 @@
           <a:p>
             <a:pPr algn="ctr"/>
             <a:endParaRPr lang="en-US"/>
-          </a:p>
-        </p:txBody>
-      </p:sp>
-      <p:sp>
-        <p:nvSpPr>
-          <p:cNvPr id="2" name="Titel 1">
-            <a:extLst>
-              <a:ext uri="{FF2B5EF4-FFF2-40B4-BE49-F238E27FC236}">
-                <a16:creationId xmlns:a16="http://schemas.microsoft.com/office/drawing/2014/main" id="{AD69B177-48F2-47DB-844E-A825F20832F0}"/>
-              </a:ext>
-            </a:extLst>
-          </p:cNvPr>
-          <p:cNvSpPr>
-            <a:spLocks noGrp="1"/>
-          </p:cNvSpPr>
-          <p:nvPr>
-            <p:ph type="title"/>
-          </p:nvPr>
-        </p:nvSpPr>
-        <p:spPr>
-          <a:xfrm>
-            <a:off x="1056387" y="401222"/>
-            <a:ext cx="9688296" cy="572466"/>
-          </a:xfrm>
-        </p:spPr>
-        <p:txBody>
-          <a:bodyPr anchor="b">
-            <a:normAutofit fontScale="90000"/>
-          </a:bodyPr>
-          <a:lstStyle/>
-          <a:p>
-            <a:r>
-              <a:rPr lang="de-CH" sz="4000" dirty="0"/>
-              <a:t>Artikel von </a:t>
-            </a:r>
-            <a:r>
-              <a:rPr lang="de-CH" sz="4000" dirty="0" err="1"/>
-              <a:t>Chesire</a:t>
-            </a:r>
-            <a:endParaRPr lang="de-CH" sz="4000" dirty="0"/>
           </a:p>
         </p:txBody>
       </p:sp>
@@ -15203,6 +15181,60 @@
           </p:txBody>
         </p:sp>
       </p:grpSp>
+      <p:sp>
+        <p:nvSpPr>
+          <p:cNvPr id="19" name="Title 1">
+            <a:extLst>
+              <a:ext uri="{FF2B5EF4-FFF2-40B4-BE49-F238E27FC236}">
+                <a16:creationId xmlns:a16="http://schemas.microsoft.com/office/drawing/2014/main" id="{E3C9C310-0724-6041-AAFB-3AD239950D51}"/>
+              </a:ext>
+            </a:extLst>
+          </p:cNvPr>
+          <p:cNvSpPr txBox="1">
+            <a:spLocks/>
+          </p:cNvSpPr>
+          <p:nvPr/>
+        </p:nvSpPr>
+        <p:spPr>
+          <a:xfrm>
+            <a:off x="593651" y="-395414"/>
+            <a:ext cx="10515600" cy="1325563"/>
+          </a:xfrm>
+          <a:prstGeom prst="rect">
+            <a:avLst/>
+          </a:prstGeom>
+        </p:spPr>
+        <p:txBody>
+          <a:bodyPr vert="horz" lIns="91440" tIns="45720" rIns="91440" bIns="45720" rtlCol="0" anchor="b">
+            <a:normAutofit/>
+          </a:bodyPr>
+          <a:lstStyle>
+            <a:lvl1pPr algn="l" defTabSz="914400" rtl="0" eaLnBrk="1" latinLnBrk="0" hangingPunct="1">
+              <a:lnSpc>
+                <a:spcPct val="90000"/>
+              </a:lnSpc>
+              <a:spcBef>
+                <a:spcPct val="0"/>
+              </a:spcBef>
+              <a:buNone/>
+              <a:defRPr sz="4400" kern="1200">
+                <a:solidFill>
+                  <a:schemeClr val="tx1"/>
+                </a:solidFill>
+                <a:latin typeface="+mj-lt"/>
+                <a:ea typeface="+mj-ea"/>
+                <a:cs typeface="+mj-cs"/>
+              </a:defRPr>
+            </a:lvl1pPr>
+          </a:lstStyle>
+          <a:p>
+            <a:r>
+              <a:rPr lang="en-CH" sz="4000" dirty="0"/>
+              <a:t>Artikel von Andy Chesire</a:t>
+            </a:r>
+          </a:p>
+        </p:txBody>
+      </p:sp>
     </p:spTree>
     <p:extLst>
       <p:ext uri="{BB962C8B-B14F-4D97-AF65-F5344CB8AC3E}">
@@ -15243,7 +15275,7 @@
       </p:grpSpPr>
       <p:sp useBgFill="1">
         <p:nvSpPr>
-          <p:cNvPr id="8" name="Rectangle 7">
+          <p:cNvPr id="22" name="Rectangle 11">
             <a:extLst>
               <a:ext uri="{FF2B5EF4-FFF2-40B4-BE49-F238E27FC236}">
                 <a16:creationId xmlns:a16="http://schemas.microsoft.com/office/drawing/2014/main" id="{979E27D9-03C7-44E2-9FF8-15D0C8506AF7}"/>
@@ -15319,10 +15351,45 @@
       </p:sp>
       <p:sp>
         <p:nvSpPr>
-          <p:cNvPr id="3" name="Inhaltsplatzhalter 2">
+          <p:cNvPr id="2" name="Title 1">
             <a:extLst>
               <a:ext uri="{FF2B5EF4-FFF2-40B4-BE49-F238E27FC236}">
-                <a16:creationId xmlns:a16="http://schemas.microsoft.com/office/drawing/2014/main" id="{B8AAC10B-420E-4EF5-B3A4-3F6F4003B6BB}"/>
+                <a16:creationId xmlns:a16="http://schemas.microsoft.com/office/drawing/2014/main" id="{4AA5BB6D-0259-2644-9F57-41BA6319DAB7}"/>
+              </a:ext>
+            </a:extLst>
+          </p:cNvPr>
+          <p:cNvSpPr>
+            <a:spLocks noGrp="1"/>
+          </p:cNvSpPr>
+          <p:nvPr>
+            <p:ph type="title"/>
+          </p:nvPr>
+        </p:nvSpPr>
+        <p:spPr>
+          <a:xfrm>
+            <a:off x="1136397" y="502021"/>
+            <a:ext cx="9688296" cy="1642969"/>
+          </a:xfrm>
+        </p:spPr>
+        <p:txBody>
+          <a:bodyPr anchor="b">
+            <a:normAutofit/>
+          </a:bodyPr>
+          <a:lstStyle/>
+          <a:p>
+            <a:r>
+              <a:rPr lang="en-CH" sz="4000" dirty="0"/>
+              <a:t>Fehlende Werte</a:t>
+            </a:r>
+          </a:p>
+        </p:txBody>
+      </p:sp>
+      <p:sp>
+        <p:nvSpPr>
+          <p:cNvPr id="3" name="Content Placeholder 2">
+            <a:extLst>
+              <a:ext uri="{FF2B5EF4-FFF2-40B4-BE49-F238E27FC236}">
+                <a16:creationId xmlns:a16="http://schemas.microsoft.com/office/drawing/2014/main" id="{F496CD62-C3DA-BE4D-8F89-7856E869C3A0}"/>
               </a:ext>
             </a:extLst>
           </p:cNvPr>
@@ -15335,7 +15402,7 @@
         </p:nvSpPr>
         <p:spPr>
           <a:xfrm>
-            <a:off x="1073533" y="1150303"/>
+            <a:off x="1136397" y="2418409"/>
             <a:ext cx="9688296" cy="3454358"/>
           </a:xfrm>
         </p:spPr>
@@ -15345,107 +15412,73 @@
           </a:bodyPr>
           <a:lstStyle/>
           <a:p>
+            <a:r>
+              <a:rPr lang="de-CH" sz="2000" dirty="0"/>
+              <a:t>21.4% fehlende!</a:t>
+            </a:r>
+          </a:p>
+          <a:p>
             <a:pPr marL="0" indent="0">
               <a:buNone/>
             </a:pPr>
-            <a:endParaRPr lang="de-CH" sz="2000" dirty="0"/>
-          </a:p>
-          <a:p>
-            <a:pPr marL="0" indent="0">
-              <a:buNone/>
-            </a:pPr>
+            <a:endParaRPr lang="en-CH" sz="2000" dirty="0"/>
+          </a:p>
+          <a:p>
             <a:r>
               <a:rPr lang="de-CH" sz="2000" dirty="0"/>
-              <a:t>21.4% fehlend !</a:t>
-            </a:r>
-          </a:p>
-          <a:p>
-            <a:pPr marL="0" indent="0">
-              <a:buNone/>
-            </a:pPr>
-            <a:endParaRPr lang="de-CH" sz="2000" dirty="0"/>
-          </a:p>
-          <a:p>
-            <a:pPr marL="0" indent="0">
-              <a:buNone/>
-            </a:pPr>
-            <a:r>
-              <a:rPr lang="de-CH" sz="2000" dirty="0"/>
-              <a:t>Keine Angaben über fehlende Werte Imputation usw.</a:t>
-            </a:r>
-          </a:p>
-          <a:p>
-            <a:pPr marL="0" indent="0">
-              <a:buNone/>
-            </a:pPr>
-            <a:endParaRPr lang="de-CH" sz="2000" dirty="0"/>
-          </a:p>
-          <a:p>
-            <a:pPr marL="0" indent="0">
-              <a:buNone/>
-            </a:pPr>
-            <a:r>
-              <a:rPr lang="de-CH" sz="2000" dirty="0"/>
-              <a:t>Gedankenexperiment:</a:t>
-            </a:r>
-          </a:p>
-          <a:p>
-            <a:pPr marL="0" indent="0">
-              <a:buNone/>
-            </a:pPr>
-            <a:r>
-              <a:rPr lang="de-CH" sz="2000" dirty="0"/>
-              <a:t>28 Fehlende Werte sind in der Gruppe CHO haben ein mittlere Körpergewicht von 90 kg und </a:t>
+              <a:t>Keine Angaben über fehlende Werte, </a:t>
             </a:r>
             <a:r>
               <a:rPr lang="de-CH" sz="2000" dirty="0" err="1"/>
-              <a:t>sd</a:t>
+              <a:t>Imputationen</a:t>
             </a:r>
             <a:r>
               <a:rPr lang="de-CH" sz="2000" dirty="0"/>
-              <a:t>= 4. -&gt; </a:t>
+              <a:t> etc.</a:t>
             </a:r>
+          </a:p>
+          <a:p>
+            <a:endParaRPr lang="en-CH" sz="2000" dirty="0"/>
+          </a:p>
+          <a:p>
             <a:r>
-              <a:rPr lang="de-CH" sz="2000" dirty="0" err="1"/>
-              <a:t>bias</a:t>
+              <a:rPr lang="en-GB" sz="2000" dirty="0"/>
+              <a:t>Gedankenexperiment:</a:t>
             </a:r>
-            <a:endParaRPr lang="de-CH" sz="2000" dirty="0"/>
-          </a:p>
-          <a:p>
-            <a:pPr marL="0" indent="0">
-              <a:buNone/>
-            </a:pPr>
-            <a:endParaRPr lang="de-CH" sz="2000" dirty="0"/>
-          </a:p>
-          <a:p>
-            <a:pPr marL="0" indent="0">
-              <a:buNone/>
-            </a:pPr>
-            <a:endParaRPr lang="de-CH" sz="2000" dirty="0"/>
-          </a:p>
-          <a:p>
-            <a:pPr marL="0" indent="0">
-              <a:buNone/>
-            </a:pPr>
-            <a:endParaRPr lang="de-CH" sz="2000" dirty="0"/>
-          </a:p>
-          <a:p>
-            <a:pPr marL="0" indent="0">
-              <a:buNone/>
-            </a:pPr>
-            <a:endParaRPr lang="de-CH" sz="2000" dirty="0"/>
-          </a:p>
-          <a:p>
-            <a:pPr marL="0" indent="0">
-              <a:buNone/>
-            </a:pPr>
-            <a:endParaRPr lang="de-CH" sz="2000" dirty="0"/>
+          </a:p>
+          <a:p>
+            <a:pPr lvl="1"/>
+            <a:r>
+              <a:rPr lang="de-CH" sz="1600" dirty="0"/>
+              <a:t>28 Fehlende Werte sind in der Gruppe CHO</a:t>
+            </a:r>
+          </a:p>
+          <a:p>
+            <a:pPr lvl="1"/>
+            <a:r>
+              <a:rPr lang="de-CH" sz="1600" dirty="0"/>
+              <a:t>Mittleres Körpergewicht von 90 kg</a:t>
+            </a:r>
+          </a:p>
+          <a:p>
+            <a:pPr lvl="1"/>
+            <a:r>
+              <a:rPr lang="de-CH" sz="1600" dirty="0"/>
+              <a:t>Mit einer Standardabweichung von 4 kg</a:t>
+            </a:r>
+          </a:p>
+          <a:p>
+            <a:pPr lvl="1"/>
+            <a:r>
+              <a:rPr lang="de-CH" sz="1600" dirty="0"/>
+              <a:t>Verzerrung, Bias</a:t>
+            </a:r>
           </a:p>
         </p:txBody>
       </p:sp>
       <p:sp>
         <p:nvSpPr>
-          <p:cNvPr id="10" name="Rectangle 9">
+          <p:cNvPr id="23" name="Rectangle 13">
             <a:extLst>
               <a:ext uri="{FF2B5EF4-FFF2-40B4-BE49-F238E27FC236}">
                 <a16:creationId xmlns:a16="http://schemas.microsoft.com/office/drawing/2014/main" id="{EEBF1590-3B36-48EE-A89D-3B6F3CB256AB}"/>
@@ -15516,7 +15549,7 @@
       </p:sp>
       <p:sp>
         <p:nvSpPr>
-          <p:cNvPr id="12" name="Rectangle 11">
+          <p:cNvPr id="24" name="Rectangle 15">
             <a:extLst>
               <a:ext uri="{FF2B5EF4-FFF2-40B4-BE49-F238E27FC236}">
                 <a16:creationId xmlns:a16="http://schemas.microsoft.com/office/drawing/2014/main" id="{AC8F6C8C-AB5A-4548-942D-E3FD40ACBC49}"/>
@@ -15589,46 +15622,10 @@
           </a:p>
         </p:txBody>
       </p:sp>
-      <p:sp>
-        <p:nvSpPr>
-          <p:cNvPr id="7" name="Title 1">
-            <a:extLst>
-              <a:ext uri="{FF2B5EF4-FFF2-40B4-BE49-F238E27FC236}">
-                <a16:creationId xmlns:a16="http://schemas.microsoft.com/office/drawing/2014/main" id="{9DBF26B3-494D-425C-9882-9DC600219123}"/>
-              </a:ext>
-            </a:extLst>
-          </p:cNvPr>
-          <p:cNvSpPr>
-            <a:spLocks noGrp="1"/>
-          </p:cNvSpPr>
-          <p:nvPr>
-            <p:ph type="title"/>
-          </p:nvPr>
-        </p:nvSpPr>
-        <p:spPr>
-          <a:xfrm>
-            <a:off x="1027813" y="691515"/>
-            <a:ext cx="9688766" cy="647383"/>
-          </a:xfrm>
-        </p:spPr>
-        <p:txBody>
-          <a:bodyPr anchor="b">
-            <a:normAutofit/>
-          </a:bodyPr>
-          <a:lstStyle/>
-          <a:p>
-            <a:r>
-              <a:rPr lang="de-CH" sz="4000" dirty="0"/>
-              <a:t>Fehlende Werte</a:t>
-            </a:r>
-            <a:endParaRPr lang="en-CH" sz="4000" dirty="0"/>
-          </a:p>
-        </p:txBody>
-      </p:sp>
     </p:spTree>
     <p:extLst>
       <p:ext uri="{BB962C8B-B14F-4D97-AF65-F5344CB8AC3E}">
-        <p14:creationId xmlns:p14="http://schemas.microsoft.com/office/powerpoint/2010/main" val="2485654172"/>
+        <p14:creationId xmlns:p14="http://schemas.microsoft.com/office/powerpoint/2010/main" val="854662121"/>
       </p:ext>
     </p:extLst>
   </p:cSld>
@@ -15665,7 +15662,7 @@
       </p:grpSpPr>
       <p:sp useBgFill="1">
         <p:nvSpPr>
-          <p:cNvPr id="8" name="Rectangle 7">
+          <p:cNvPr id="22" name="Rectangle 11">
             <a:extLst>
               <a:ext uri="{FF2B5EF4-FFF2-40B4-BE49-F238E27FC236}">
                 <a16:creationId xmlns:a16="http://schemas.microsoft.com/office/drawing/2014/main" id="{979E27D9-03C7-44E2-9FF8-15D0C8506AF7}"/>
@@ -15741,10 +15738,10 @@
       </p:sp>
       <p:sp>
         <p:nvSpPr>
-          <p:cNvPr id="2" name="Titel 1">
+          <p:cNvPr id="2" name="Title 1">
             <a:extLst>
               <a:ext uri="{FF2B5EF4-FFF2-40B4-BE49-F238E27FC236}">
-                <a16:creationId xmlns:a16="http://schemas.microsoft.com/office/drawing/2014/main" id="{41E8A36B-7A9E-4F40-90BB-4774752888AA}"/>
+                <a16:creationId xmlns:a16="http://schemas.microsoft.com/office/drawing/2014/main" id="{4AA5BB6D-0259-2644-9F57-41BA6319DAB7}"/>
               </a:ext>
             </a:extLst>
           </p:cNvPr>
@@ -15757,8 +15754,8 @@
         </p:nvSpPr>
         <p:spPr>
           <a:xfrm>
-            <a:off x="1136397" y="812446"/>
-            <a:ext cx="9688296" cy="793518"/>
+            <a:off x="1136397" y="502021"/>
+            <a:ext cx="9688296" cy="1642969"/>
           </a:xfrm>
         </p:spPr>
         <p:txBody>
@@ -15771,15 +15768,16 @@
               <a:rPr lang="de-CH" sz="4000" dirty="0"/>
               <a:t>Erweiterung der Studie</a:t>
             </a:r>
+            <a:endParaRPr lang="en-CH" sz="4000" dirty="0"/>
           </a:p>
         </p:txBody>
       </p:sp>
       <p:sp>
         <p:nvSpPr>
-          <p:cNvPr id="3" name="Inhaltsplatzhalter 2">
+          <p:cNvPr id="3" name="Content Placeholder 2">
             <a:extLst>
               <a:ext uri="{FF2B5EF4-FFF2-40B4-BE49-F238E27FC236}">
-                <a16:creationId xmlns:a16="http://schemas.microsoft.com/office/drawing/2014/main" id="{A0B56363-0BA7-4BFE-B252-D7F1347F4CDF}"/>
+                <a16:creationId xmlns:a16="http://schemas.microsoft.com/office/drawing/2014/main" id="{F496CD62-C3DA-BE4D-8F89-7856E869C3A0}"/>
               </a:ext>
             </a:extLst>
           </p:cNvPr>
@@ -15804,11 +15802,14 @@
           <a:p>
             <a:r>
               <a:rPr lang="de-CH" sz="2000" dirty="0"/>
-              <a:t>Erweiterung durch Placebo gruppe</a:t>
+              <a:t>Erweiterung durch Placebo-Gruppe</a:t>
             </a:r>
           </a:p>
           <a:p>
-            <a:endParaRPr lang="de-CH" sz="2000" dirty="0"/>
+            <a:pPr marL="0" indent="0">
+              <a:buNone/>
+            </a:pPr>
+            <a:endParaRPr lang="en-CH" sz="2000" dirty="0"/>
           </a:p>
           <a:p>
             <a:r>
@@ -15829,7 +15830,7 @@
       </p:sp>
       <p:sp>
         <p:nvSpPr>
-          <p:cNvPr id="10" name="Rectangle 9">
+          <p:cNvPr id="23" name="Rectangle 13">
             <a:extLst>
               <a:ext uri="{FF2B5EF4-FFF2-40B4-BE49-F238E27FC236}">
                 <a16:creationId xmlns:a16="http://schemas.microsoft.com/office/drawing/2014/main" id="{EEBF1590-3B36-48EE-A89D-3B6F3CB256AB}"/>
@@ -15900,7 +15901,7 @@
       </p:sp>
       <p:sp>
         <p:nvSpPr>
-          <p:cNvPr id="12" name="Rectangle 11">
+          <p:cNvPr id="24" name="Rectangle 15">
             <a:extLst>
               <a:ext uri="{FF2B5EF4-FFF2-40B4-BE49-F238E27FC236}">
                 <a16:creationId xmlns:a16="http://schemas.microsoft.com/office/drawing/2014/main" id="{AC8F6C8C-AB5A-4548-942D-E3FD40ACBC49}"/>
@@ -15976,7 +15977,7 @@
     </p:spTree>
     <p:extLst>
       <p:ext uri="{BB962C8B-B14F-4D97-AF65-F5344CB8AC3E}">
-        <p14:creationId xmlns:p14="http://schemas.microsoft.com/office/powerpoint/2010/main" val="2469722410"/>
+        <p14:creationId xmlns:p14="http://schemas.microsoft.com/office/powerpoint/2010/main" val="1970197726"/>
       </p:ext>
     </p:extLst>
   </p:cSld>
@@ -18716,7 +18717,7 @@
       </p:grpSpPr>
       <p:sp useBgFill="1">
         <p:nvSpPr>
-          <p:cNvPr id="5" name="Rectangle 7">
+          <p:cNvPr id="22" name="Rectangle 11">
             <a:extLst>
               <a:ext uri="{FF2B5EF4-FFF2-40B4-BE49-F238E27FC236}">
                 <a16:creationId xmlns:a16="http://schemas.microsoft.com/office/drawing/2014/main" id="{979E27D9-03C7-44E2-9FF8-15D0C8506AF7}"/>
@@ -18808,12 +18809,12 @@
         </p:nvSpPr>
         <p:spPr>
           <a:xfrm>
-            <a:off x="656823" y="962166"/>
-            <a:ext cx="3103808" cy="4421876"/>
+            <a:off x="1136397" y="502021"/>
+            <a:ext cx="9688296" cy="1642969"/>
           </a:xfrm>
         </p:spPr>
         <p:txBody>
-          <a:bodyPr anchor="t">
+          <a:bodyPr anchor="b">
             <a:normAutofit/>
           </a:bodyPr>
           <a:lstStyle/>
@@ -18843,8 +18844,8 @@
         </p:nvSpPr>
         <p:spPr>
           <a:xfrm>
-            <a:off x="4088929" y="962167"/>
-            <a:ext cx="6858113" cy="4743174"/>
+            <a:off x="1136397" y="2418409"/>
+            <a:ext cx="9688296" cy="3454358"/>
           </a:xfrm>
         </p:spPr>
         <p:txBody>
@@ -18852,12 +18853,6 @@
             <a:normAutofit/>
           </a:bodyPr>
           <a:lstStyle/>
-          <a:p>
-            <a:endParaRPr lang="de-CH" sz="2000" dirty="0"/>
-          </a:p>
-          <a:p>
-            <a:endParaRPr lang="de-CH" sz="2000" dirty="0"/>
-          </a:p>
           <a:p>
             <a:r>
               <a:rPr lang="en-CH" sz="2000" dirty="0"/>
@@ -18972,17 +18967,11 @@
             </a:r>
             <a:endParaRPr lang="en-CH" sz="2000" dirty="0"/>
           </a:p>
-          <a:p>
-            <a:pPr marL="0" indent="0">
-              <a:buNone/>
-            </a:pPr>
-            <a:endParaRPr lang="en-CH" sz="2000" dirty="0"/>
-          </a:p>
         </p:txBody>
       </p:sp>
       <p:sp>
         <p:nvSpPr>
-          <p:cNvPr id="6" name="Rectangle 9">
+          <p:cNvPr id="23" name="Rectangle 13">
             <a:extLst>
               <a:ext uri="{FF2B5EF4-FFF2-40B4-BE49-F238E27FC236}">
                 <a16:creationId xmlns:a16="http://schemas.microsoft.com/office/drawing/2014/main" id="{EEBF1590-3B36-48EE-A89D-3B6F3CB256AB}"/>
@@ -19016,13 +19005,11 @@
               <a:gs pos="0">
                 <a:schemeClr val="accent1"/>
               </a:gs>
-              <a:gs pos="100000">
-                <a:schemeClr val="accent1">
-                  <a:lumMod val="50000"/>
-                </a:schemeClr>
+              <a:gs pos="78000">
+                <a:srgbClr val="000000"/>
               </a:gs>
             </a:gsLst>
-            <a:lin ang="6600000" scaled="0"/>
+            <a:lin ang="2400000" scaled="0"/>
           </a:gradFill>
           <a:ln>
             <a:noFill/>
@@ -19055,7 +19042,7 @@
       </p:sp>
       <p:sp>
         <p:nvSpPr>
-          <p:cNvPr id="7" name="Rectangle 11">
+          <p:cNvPr id="24" name="Rectangle 15">
             <a:extLst>
               <a:ext uri="{FF2B5EF4-FFF2-40B4-BE49-F238E27FC236}">
                 <a16:creationId xmlns:a16="http://schemas.microsoft.com/office/drawing/2014/main" id="{AC8F6C8C-AB5A-4548-942D-E3FD40ACBC49}"/>
@@ -19088,14 +19075,16 @@
             <a:gsLst>
               <a:gs pos="0">
                 <a:srgbClr val="000000">
-                  <a:alpha val="76000"/>
+                  <a:alpha val="63000"/>
                 </a:srgbClr>
               </a:gs>
               <a:gs pos="100000">
-                <a:schemeClr val="accent1"/>
+                <a:schemeClr val="accent1">
+                  <a:lumMod val="75000"/>
+                </a:schemeClr>
               </a:gs>
             </a:gsLst>
-            <a:lin ang="17400000" scaled="0"/>
+            <a:lin ang="13800000" scaled="0"/>
           </a:gradFill>
           <a:ln>
             <a:noFill/>
@@ -19129,7 +19118,7 @@
     </p:spTree>
     <p:extLst>
       <p:ext uri="{BB962C8B-B14F-4D97-AF65-F5344CB8AC3E}">
-        <p14:creationId xmlns:p14="http://schemas.microsoft.com/office/powerpoint/2010/main" val="3385873583"/>
+        <p14:creationId xmlns:p14="http://schemas.microsoft.com/office/powerpoint/2010/main" val="764383246"/>
       </p:ext>
     </p:extLst>
   </p:cSld>
@@ -19500,13 +19489,7 @@
             </a:extLst>
           </p:cNvPr>
           <p:cNvGraphicFramePr/>
-          <p:nvPr>
-            <p:extLst>
-              <p:ext uri="{D42A27DB-BD31-4B8C-83A1-F6EECF244321}">
-                <p14:modId xmlns:p14="http://schemas.microsoft.com/office/powerpoint/2010/main" val="2512653823"/>
-              </p:ext>
-            </p:extLst>
-          </p:nvPr>
+          <p:nvPr/>
         </p:nvGraphicFramePr>
         <p:xfrm>
           <a:off x="1454785" y="302471"/>
@@ -19521,7 +19504,7 @@
     </p:spTree>
     <p:extLst>
       <p:ext uri="{BB962C8B-B14F-4D97-AF65-F5344CB8AC3E}">
-        <p14:creationId xmlns:p14="http://schemas.microsoft.com/office/powerpoint/2010/main" val="764383246"/>
+        <p14:creationId xmlns:p14="http://schemas.microsoft.com/office/powerpoint/2010/main" val="1673749054"/>
       </p:ext>
     </p:extLst>
   </p:cSld>
@@ -20139,171 +20122,6 @@
       </p:sp>
       <p:sp>
         <p:nvSpPr>
-          <p:cNvPr id="2" name="Title 1">
-            <a:extLst>
-              <a:ext uri="{FF2B5EF4-FFF2-40B4-BE49-F238E27FC236}">
-                <a16:creationId xmlns:a16="http://schemas.microsoft.com/office/drawing/2014/main" id="{48997ACD-F6AF-A24F-A289-AABDE33C553C}"/>
-              </a:ext>
-            </a:extLst>
-          </p:cNvPr>
-          <p:cNvSpPr>
-            <a:spLocks noGrp="1"/>
-          </p:cNvSpPr>
-          <p:nvPr>
-            <p:ph type="title"/>
-          </p:nvPr>
-        </p:nvSpPr>
-        <p:spPr>
-          <a:xfrm>
-            <a:off x="656823" y="962166"/>
-            <a:ext cx="3103808" cy="4421876"/>
-          </a:xfrm>
-        </p:spPr>
-        <p:txBody>
-          <a:bodyPr anchor="t">
-            <a:normAutofit/>
-          </a:bodyPr>
-          <a:lstStyle/>
-          <a:p>
-            <a:r>
-              <a:rPr lang="en-CH" sz="4000" dirty="0"/>
-              <a:t>Studie</a:t>
-            </a:r>
-          </a:p>
-        </p:txBody>
-      </p:sp>
-      <p:sp>
-        <p:nvSpPr>
-          <p:cNvPr id="3" name="Content Placeholder 2">
-            <a:extLst>
-              <a:ext uri="{FF2B5EF4-FFF2-40B4-BE49-F238E27FC236}">
-                <a16:creationId xmlns:a16="http://schemas.microsoft.com/office/drawing/2014/main" id="{933C59D2-9C78-A845-88C3-BCBCD55FB8A9}"/>
-              </a:ext>
-            </a:extLst>
-          </p:cNvPr>
-          <p:cNvSpPr>
-            <a:spLocks noGrp="1"/>
-          </p:cNvSpPr>
-          <p:nvPr>
-            <p:ph idx="1"/>
-          </p:nvPr>
-        </p:nvSpPr>
-        <p:spPr>
-          <a:xfrm>
-            <a:off x="4088929" y="962167"/>
-            <a:ext cx="6858113" cy="4743174"/>
-          </a:xfrm>
-        </p:spPr>
-        <p:txBody>
-          <a:bodyPr anchor="t">
-            <a:normAutofit/>
-          </a:bodyPr>
-          <a:lstStyle/>
-          <a:p>
-            <a:pPr marL="0" indent="0">
-              <a:buNone/>
-            </a:pPr>
-            <a:r>
-              <a:rPr lang="en-CH" sz="2000" dirty="0"/>
-              <a:t>Stichprobe:</a:t>
-            </a:r>
-          </a:p>
-          <a:p>
-            <a:r>
-              <a:rPr lang="en-CH" sz="2000" dirty="0"/>
-              <a:t>Teilnehmer mussten bestimmte Eigenschaften erfüllen</a:t>
-            </a:r>
-          </a:p>
-          <a:p>
-            <a:pPr lvl="1"/>
-            <a:r>
-              <a:rPr lang="en-CH" sz="2000" dirty="0"/>
-              <a:t>Englisch</a:t>
-            </a:r>
-          </a:p>
-          <a:p>
-            <a:pPr lvl="1"/>
-            <a:r>
-              <a:rPr lang="en-CH" sz="2000" dirty="0"/>
-              <a:t>Handy besitzen</a:t>
-            </a:r>
-          </a:p>
-          <a:p>
-            <a:pPr lvl="1"/>
-            <a:r>
-              <a:rPr lang="en-GB" sz="2000" dirty="0"/>
-              <a:t>K</a:t>
-            </a:r>
-            <a:r>
-              <a:rPr lang="en-CH" sz="2000" dirty="0"/>
-              <a:t>eine Verletzungen</a:t>
-            </a:r>
-          </a:p>
-          <a:p>
-            <a:pPr lvl="1"/>
-            <a:r>
-              <a:rPr lang="en-GB" sz="2000" dirty="0"/>
-              <a:t>K</a:t>
-            </a:r>
-            <a:r>
-              <a:rPr lang="en-CH" sz="2000" dirty="0"/>
-              <a:t>eine mentale/physische Behinderungen</a:t>
-            </a:r>
-          </a:p>
-          <a:p>
-            <a:pPr lvl="1"/>
-            <a:r>
-              <a:rPr lang="en-GB" sz="2000" dirty="0"/>
-              <a:t>K</a:t>
-            </a:r>
-            <a:r>
-              <a:rPr lang="en-CH" sz="2000" dirty="0"/>
-              <a:t>eine Allergien (Laktose)</a:t>
-            </a:r>
-            <a:endParaRPr lang="de-CH" sz="2000" dirty="0"/>
-          </a:p>
-          <a:p>
-            <a:pPr marL="457200" lvl="1" indent="0">
-              <a:buNone/>
-            </a:pPr>
-            <a:endParaRPr lang="de-CH" sz="2000" dirty="0"/>
-          </a:p>
-          <a:p>
-            <a:pPr marL="0" indent="0">
-              <a:buNone/>
-            </a:pPr>
-            <a:r>
-              <a:rPr lang="en-CH" sz="2000" dirty="0"/>
-              <a:t>Anzahl und fehlende Werte:</a:t>
-            </a:r>
-          </a:p>
-          <a:p>
-            <a:r>
-              <a:rPr lang="de-CH" sz="2000" dirty="0"/>
-              <a:t>131 Studienteilnehmer</a:t>
-            </a:r>
-          </a:p>
-          <a:p>
-            <a:r>
-              <a:rPr lang="de-CH" sz="2000" dirty="0"/>
-              <a:t>101 haben die Studie beendet</a:t>
-            </a:r>
-          </a:p>
-          <a:p>
-            <a:r>
-              <a:rPr lang="de-CH" sz="2000" dirty="0"/>
-              <a:t>Zu den fehlenden Werten kommen wir noch…</a:t>
-            </a:r>
-            <a:endParaRPr lang="en-CH" sz="2000" dirty="0"/>
-          </a:p>
-          <a:p>
-            <a:pPr lvl="1"/>
-            <a:endParaRPr lang="en-CH" sz="2000" dirty="0"/>
-          </a:p>
-        </p:txBody>
-      </p:sp>
-      <p:sp>
-        <p:nvSpPr>
           <p:cNvPr id="14" name="Rectangle 13">
             <a:extLst>
               <a:ext uri="{FF2B5EF4-FFF2-40B4-BE49-F238E27FC236}">
@@ -20445,6 +20263,538 @@
           <a:p>
             <a:pPr algn="ctr"/>
             <a:endParaRPr lang="en-US"/>
+          </a:p>
+        </p:txBody>
+      </p:sp>
+      <p:sp>
+        <p:nvSpPr>
+          <p:cNvPr id="7" name="Title 1">
+            <a:extLst>
+              <a:ext uri="{FF2B5EF4-FFF2-40B4-BE49-F238E27FC236}">
+                <a16:creationId xmlns:a16="http://schemas.microsoft.com/office/drawing/2014/main" id="{ECE9F9B8-4044-5443-95BB-3C30B4C81763}"/>
+              </a:ext>
+            </a:extLst>
+          </p:cNvPr>
+          <p:cNvSpPr txBox="1">
+            <a:spLocks/>
+          </p:cNvSpPr>
+          <p:nvPr/>
+        </p:nvSpPr>
+        <p:spPr>
+          <a:xfrm>
+            <a:off x="1136397" y="502021"/>
+            <a:ext cx="9688296" cy="1642969"/>
+          </a:xfrm>
+          <a:prstGeom prst="rect">
+            <a:avLst/>
+          </a:prstGeom>
+        </p:spPr>
+        <p:txBody>
+          <a:bodyPr vert="horz" lIns="91440" tIns="45720" rIns="91440" bIns="45720" rtlCol="0" anchor="b">
+            <a:normAutofit/>
+          </a:bodyPr>
+          <a:lstStyle>
+            <a:lvl1pPr algn="l" defTabSz="914400" rtl="0" eaLnBrk="1" latinLnBrk="0" hangingPunct="1">
+              <a:lnSpc>
+                <a:spcPct val="90000"/>
+              </a:lnSpc>
+              <a:spcBef>
+                <a:spcPct val="0"/>
+              </a:spcBef>
+              <a:buNone/>
+              <a:defRPr sz="4400" kern="1200">
+                <a:solidFill>
+                  <a:schemeClr val="tx1"/>
+                </a:solidFill>
+                <a:latin typeface="+mj-lt"/>
+                <a:ea typeface="+mj-ea"/>
+                <a:cs typeface="+mj-cs"/>
+              </a:defRPr>
+            </a:lvl1pPr>
+          </a:lstStyle>
+          <a:p>
+            <a:r>
+              <a:rPr lang="en-CH" sz="4000"/>
+              <a:t>Studie</a:t>
+            </a:r>
+            <a:endParaRPr lang="en-CH" sz="4000" dirty="0"/>
+          </a:p>
+        </p:txBody>
+      </p:sp>
+      <p:sp>
+        <p:nvSpPr>
+          <p:cNvPr id="10" name="Content Placeholder 2">
+            <a:extLst>
+              <a:ext uri="{FF2B5EF4-FFF2-40B4-BE49-F238E27FC236}">
+                <a16:creationId xmlns:a16="http://schemas.microsoft.com/office/drawing/2014/main" id="{6C2A145F-2878-DB4C-BBEF-B523447AFBA0}"/>
+              </a:ext>
+            </a:extLst>
+          </p:cNvPr>
+          <p:cNvSpPr txBox="1">
+            <a:spLocks/>
+          </p:cNvSpPr>
+          <p:nvPr/>
+        </p:nvSpPr>
+        <p:spPr>
+          <a:xfrm>
+            <a:off x="1136396" y="2418409"/>
+            <a:ext cx="4719171" cy="3454358"/>
+          </a:xfrm>
+          <a:prstGeom prst="rect">
+            <a:avLst/>
+          </a:prstGeom>
+        </p:spPr>
+        <p:txBody>
+          <a:bodyPr vert="horz" lIns="91440" tIns="45720" rIns="91440" bIns="45720" rtlCol="0" anchor="t">
+            <a:normAutofit/>
+          </a:bodyPr>
+          <a:lstStyle>
+            <a:lvl1pPr marL="228600" indent="-228600" algn="l" defTabSz="914400" rtl="0" eaLnBrk="1" latinLnBrk="0" hangingPunct="1">
+              <a:lnSpc>
+                <a:spcPct val="90000"/>
+              </a:lnSpc>
+              <a:spcBef>
+                <a:spcPts val="1000"/>
+              </a:spcBef>
+              <a:buFont typeface="Arial" panose="020B0604020202020204" pitchFamily="34" charset="0"/>
+              <a:buChar char="•"/>
+              <a:defRPr sz="2800" kern="1200">
+                <a:solidFill>
+                  <a:schemeClr val="tx1"/>
+                </a:solidFill>
+                <a:latin typeface="+mn-lt"/>
+                <a:ea typeface="+mn-ea"/>
+                <a:cs typeface="+mn-cs"/>
+              </a:defRPr>
+            </a:lvl1pPr>
+            <a:lvl2pPr marL="685800" indent="-228600" algn="l" defTabSz="914400" rtl="0" eaLnBrk="1" latinLnBrk="0" hangingPunct="1">
+              <a:lnSpc>
+                <a:spcPct val="90000"/>
+              </a:lnSpc>
+              <a:spcBef>
+                <a:spcPts val="500"/>
+              </a:spcBef>
+              <a:buFont typeface="Arial" panose="020B0604020202020204" pitchFamily="34" charset="0"/>
+              <a:buChar char="•"/>
+              <a:defRPr sz="2400" kern="1200">
+                <a:solidFill>
+                  <a:schemeClr val="tx1"/>
+                </a:solidFill>
+                <a:latin typeface="+mn-lt"/>
+                <a:ea typeface="+mn-ea"/>
+                <a:cs typeface="+mn-cs"/>
+              </a:defRPr>
+            </a:lvl2pPr>
+            <a:lvl3pPr marL="1143000" indent="-228600" algn="l" defTabSz="914400" rtl="0" eaLnBrk="1" latinLnBrk="0" hangingPunct="1">
+              <a:lnSpc>
+                <a:spcPct val="90000"/>
+              </a:lnSpc>
+              <a:spcBef>
+                <a:spcPts val="500"/>
+              </a:spcBef>
+              <a:buFont typeface="Arial" panose="020B0604020202020204" pitchFamily="34" charset="0"/>
+              <a:buChar char="•"/>
+              <a:defRPr sz="2000" kern="1200">
+                <a:solidFill>
+                  <a:schemeClr val="tx1"/>
+                </a:solidFill>
+                <a:latin typeface="+mn-lt"/>
+                <a:ea typeface="+mn-ea"/>
+                <a:cs typeface="+mn-cs"/>
+              </a:defRPr>
+            </a:lvl3pPr>
+            <a:lvl4pPr marL="1600200" indent="-228600" algn="l" defTabSz="914400" rtl="0" eaLnBrk="1" latinLnBrk="0" hangingPunct="1">
+              <a:lnSpc>
+                <a:spcPct val="90000"/>
+              </a:lnSpc>
+              <a:spcBef>
+                <a:spcPts val="500"/>
+              </a:spcBef>
+              <a:buFont typeface="Arial" panose="020B0604020202020204" pitchFamily="34" charset="0"/>
+              <a:buChar char="•"/>
+              <a:defRPr sz="1800" kern="1200">
+                <a:solidFill>
+                  <a:schemeClr val="tx1"/>
+                </a:solidFill>
+                <a:latin typeface="+mn-lt"/>
+                <a:ea typeface="+mn-ea"/>
+                <a:cs typeface="+mn-cs"/>
+              </a:defRPr>
+            </a:lvl4pPr>
+            <a:lvl5pPr marL="2057400" indent="-228600" algn="l" defTabSz="914400" rtl="0" eaLnBrk="1" latinLnBrk="0" hangingPunct="1">
+              <a:lnSpc>
+                <a:spcPct val="90000"/>
+              </a:lnSpc>
+              <a:spcBef>
+                <a:spcPts val="500"/>
+              </a:spcBef>
+              <a:buFont typeface="Arial" panose="020B0604020202020204" pitchFamily="34" charset="0"/>
+              <a:buChar char="•"/>
+              <a:defRPr sz="1800" kern="1200">
+                <a:solidFill>
+                  <a:schemeClr val="tx1"/>
+                </a:solidFill>
+                <a:latin typeface="+mn-lt"/>
+                <a:ea typeface="+mn-ea"/>
+                <a:cs typeface="+mn-cs"/>
+              </a:defRPr>
+            </a:lvl5pPr>
+            <a:lvl6pPr marL="2514600" indent="-228600" algn="l" defTabSz="914400" rtl="0" eaLnBrk="1" latinLnBrk="0" hangingPunct="1">
+              <a:lnSpc>
+                <a:spcPct val="90000"/>
+              </a:lnSpc>
+              <a:spcBef>
+                <a:spcPts val="500"/>
+              </a:spcBef>
+              <a:buFont typeface="Arial" panose="020B0604020202020204" pitchFamily="34" charset="0"/>
+              <a:buChar char="•"/>
+              <a:defRPr sz="1800" kern="1200">
+                <a:solidFill>
+                  <a:schemeClr val="tx1"/>
+                </a:solidFill>
+                <a:latin typeface="+mn-lt"/>
+                <a:ea typeface="+mn-ea"/>
+                <a:cs typeface="+mn-cs"/>
+              </a:defRPr>
+            </a:lvl6pPr>
+            <a:lvl7pPr marL="2971800" indent="-228600" algn="l" defTabSz="914400" rtl="0" eaLnBrk="1" latinLnBrk="0" hangingPunct="1">
+              <a:lnSpc>
+                <a:spcPct val="90000"/>
+              </a:lnSpc>
+              <a:spcBef>
+                <a:spcPts val="500"/>
+              </a:spcBef>
+              <a:buFont typeface="Arial" panose="020B0604020202020204" pitchFamily="34" charset="0"/>
+              <a:buChar char="•"/>
+              <a:defRPr sz="1800" kern="1200">
+                <a:solidFill>
+                  <a:schemeClr val="tx1"/>
+                </a:solidFill>
+                <a:latin typeface="+mn-lt"/>
+                <a:ea typeface="+mn-ea"/>
+                <a:cs typeface="+mn-cs"/>
+              </a:defRPr>
+            </a:lvl7pPr>
+            <a:lvl8pPr marL="3429000" indent="-228600" algn="l" defTabSz="914400" rtl="0" eaLnBrk="1" latinLnBrk="0" hangingPunct="1">
+              <a:lnSpc>
+                <a:spcPct val="90000"/>
+              </a:lnSpc>
+              <a:spcBef>
+                <a:spcPts val="500"/>
+              </a:spcBef>
+              <a:buFont typeface="Arial" panose="020B0604020202020204" pitchFamily="34" charset="0"/>
+              <a:buChar char="•"/>
+              <a:defRPr sz="1800" kern="1200">
+                <a:solidFill>
+                  <a:schemeClr val="tx1"/>
+                </a:solidFill>
+                <a:latin typeface="+mn-lt"/>
+                <a:ea typeface="+mn-ea"/>
+                <a:cs typeface="+mn-cs"/>
+              </a:defRPr>
+            </a:lvl8pPr>
+            <a:lvl9pPr marL="3886200" indent="-228600" algn="l" defTabSz="914400" rtl="0" eaLnBrk="1" latinLnBrk="0" hangingPunct="1">
+              <a:lnSpc>
+                <a:spcPct val="90000"/>
+              </a:lnSpc>
+              <a:spcBef>
+                <a:spcPts val="500"/>
+              </a:spcBef>
+              <a:buFont typeface="Arial" panose="020B0604020202020204" pitchFamily="34" charset="0"/>
+              <a:buChar char="•"/>
+              <a:defRPr sz="1800" kern="1200">
+                <a:solidFill>
+                  <a:schemeClr val="tx1"/>
+                </a:solidFill>
+                <a:latin typeface="+mn-lt"/>
+                <a:ea typeface="+mn-ea"/>
+                <a:cs typeface="+mn-cs"/>
+              </a:defRPr>
+            </a:lvl9pPr>
+          </a:lstStyle>
+          <a:p>
+            <a:pPr marL="0" indent="0">
+              <a:buNone/>
+            </a:pPr>
+            <a:r>
+              <a:rPr lang="en-CH" sz="2000" dirty="0"/>
+              <a:t>Stichprobe:</a:t>
+            </a:r>
+          </a:p>
+          <a:p>
+            <a:r>
+              <a:rPr lang="en-CH" sz="2000" dirty="0"/>
+              <a:t>Teilnehmer mussten bestimmte Eigenschaften erfüllen</a:t>
+            </a:r>
+          </a:p>
+          <a:p>
+            <a:pPr lvl="1"/>
+            <a:r>
+              <a:rPr lang="en-CH" sz="2000" dirty="0"/>
+              <a:t>Englisch</a:t>
+            </a:r>
+          </a:p>
+          <a:p>
+            <a:pPr lvl="1"/>
+            <a:r>
+              <a:rPr lang="en-CH" sz="2000" dirty="0"/>
+              <a:t>Handy besitzen</a:t>
+            </a:r>
+          </a:p>
+          <a:p>
+            <a:pPr lvl="1"/>
+            <a:r>
+              <a:rPr lang="en-GB" sz="2000" dirty="0"/>
+              <a:t>K</a:t>
+            </a:r>
+            <a:r>
+              <a:rPr lang="en-CH" sz="2000" dirty="0"/>
+              <a:t>eine Verletzungen</a:t>
+            </a:r>
+          </a:p>
+          <a:p>
+            <a:pPr lvl="1"/>
+            <a:r>
+              <a:rPr lang="en-GB" sz="2000" dirty="0"/>
+              <a:t>K</a:t>
+            </a:r>
+            <a:r>
+              <a:rPr lang="en-CH" sz="2000" dirty="0"/>
+              <a:t>eine mentale/physische Behinderungen</a:t>
+            </a:r>
+          </a:p>
+          <a:p>
+            <a:pPr lvl="1"/>
+            <a:r>
+              <a:rPr lang="en-GB" sz="2000" dirty="0"/>
+              <a:t>K</a:t>
+            </a:r>
+            <a:r>
+              <a:rPr lang="en-CH" sz="2000" dirty="0"/>
+              <a:t>eine Allergien (Laktose)</a:t>
+            </a:r>
+            <a:endParaRPr lang="de-CH" sz="2000" dirty="0"/>
+          </a:p>
+        </p:txBody>
+      </p:sp>
+      <p:sp>
+        <p:nvSpPr>
+          <p:cNvPr id="11" name="Content Placeholder 2">
+            <a:extLst>
+              <a:ext uri="{FF2B5EF4-FFF2-40B4-BE49-F238E27FC236}">
+                <a16:creationId xmlns:a16="http://schemas.microsoft.com/office/drawing/2014/main" id="{8C9F6077-67D9-C848-B5BD-B399CFE24583}"/>
+              </a:ext>
+            </a:extLst>
+          </p:cNvPr>
+          <p:cNvSpPr txBox="1">
+            <a:spLocks/>
+          </p:cNvSpPr>
+          <p:nvPr/>
+        </p:nvSpPr>
+        <p:spPr>
+          <a:xfrm>
+            <a:off x="6336433" y="2418409"/>
+            <a:ext cx="4719171" cy="3454358"/>
+          </a:xfrm>
+          <a:prstGeom prst="rect">
+            <a:avLst/>
+          </a:prstGeom>
+        </p:spPr>
+        <p:txBody>
+          <a:bodyPr vert="horz" lIns="91440" tIns="45720" rIns="91440" bIns="45720" rtlCol="0" anchor="t">
+            <a:normAutofit/>
+          </a:bodyPr>
+          <a:lstStyle>
+            <a:lvl1pPr marL="228600" indent="-228600" algn="l" defTabSz="914400" rtl="0" eaLnBrk="1" latinLnBrk="0" hangingPunct="1">
+              <a:lnSpc>
+                <a:spcPct val="90000"/>
+              </a:lnSpc>
+              <a:spcBef>
+                <a:spcPts val="1000"/>
+              </a:spcBef>
+              <a:buFont typeface="Arial" panose="020B0604020202020204" pitchFamily="34" charset="0"/>
+              <a:buChar char="•"/>
+              <a:defRPr sz="2800" kern="1200">
+                <a:solidFill>
+                  <a:schemeClr val="tx1"/>
+                </a:solidFill>
+                <a:latin typeface="+mn-lt"/>
+                <a:ea typeface="+mn-ea"/>
+                <a:cs typeface="+mn-cs"/>
+              </a:defRPr>
+            </a:lvl1pPr>
+            <a:lvl2pPr marL="685800" indent="-228600" algn="l" defTabSz="914400" rtl="0" eaLnBrk="1" latinLnBrk="0" hangingPunct="1">
+              <a:lnSpc>
+                <a:spcPct val="90000"/>
+              </a:lnSpc>
+              <a:spcBef>
+                <a:spcPts val="500"/>
+              </a:spcBef>
+              <a:buFont typeface="Arial" panose="020B0604020202020204" pitchFamily="34" charset="0"/>
+              <a:buChar char="•"/>
+              <a:defRPr sz="2400" kern="1200">
+                <a:solidFill>
+                  <a:schemeClr val="tx1"/>
+                </a:solidFill>
+                <a:latin typeface="+mn-lt"/>
+                <a:ea typeface="+mn-ea"/>
+                <a:cs typeface="+mn-cs"/>
+              </a:defRPr>
+            </a:lvl2pPr>
+            <a:lvl3pPr marL="1143000" indent="-228600" algn="l" defTabSz="914400" rtl="0" eaLnBrk="1" latinLnBrk="0" hangingPunct="1">
+              <a:lnSpc>
+                <a:spcPct val="90000"/>
+              </a:lnSpc>
+              <a:spcBef>
+                <a:spcPts val="500"/>
+              </a:spcBef>
+              <a:buFont typeface="Arial" panose="020B0604020202020204" pitchFamily="34" charset="0"/>
+              <a:buChar char="•"/>
+              <a:defRPr sz="2000" kern="1200">
+                <a:solidFill>
+                  <a:schemeClr val="tx1"/>
+                </a:solidFill>
+                <a:latin typeface="+mn-lt"/>
+                <a:ea typeface="+mn-ea"/>
+                <a:cs typeface="+mn-cs"/>
+              </a:defRPr>
+            </a:lvl3pPr>
+            <a:lvl4pPr marL="1600200" indent="-228600" algn="l" defTabSz="914400" rtl="0" eaLnBrk="1" latinLnBrk="0" hangingPunct="1">
+              <a:lnSpc>
+                <a:spcPct val="90000"/>
+              </a:lnSpc>
+              <a:spcBef>
+                <a:spcPts val="500"/>
+              </a:spcBef>
+              <a:buFont typeface="Arial" panose="020B0604020202020204" pitchFamily="34" charset="0"/>
+              <a:buChar char="•"/>
+              <a:defRPr sz="1800" kern="1200">
+                <a:solidFill>
+                  <a:schemeClr val="tx1"/>
+                </a:solidFill>
+                <a:latin typeface="+mn-lt"/>
+                <a:ea typeface="+mn-ea"/>
+                <a:cs typeface="+mn-cs"/>
+              </a:defRPr>
+            </a:lvl4pPr>
+            <a:lvl5pPr marL="2057400" indent="-228600" algn="l" defTabSz="914400" rtl="0" eaLnBrk="1" latinLnBrk="0" hangingPunct="1">
+              <a:lnSpc>
+                <a:spcPct val="90000"/>
+              </a:lnSpc>
+              <a:spcBef>
+                <a:spcPts val="500"/>
+              </a:spcBef>
+              <a:buFont typeface="Arial" panose="020B0604020202020204" pitchFamily="34" charset="0"/>
+              <a:buChar char="•"/>
+              <a:defRPr sz="1800" kern="1200">
+                <a:solidFill>
+                  <a:schemeClr val="tx1"/>
+                </a:solidFill>
+                <a:latin typeface="+mn-lt"/>
+                <a:ea typeface="+mn-ea"/>
+                <a:cs typeface="+mn-cs"/>
+              </a:defRPr>
+            </a:lvl5pPr>
+            <a:lvl6pPr marL="2514600" indent="-228600" algn="l" defTabSz="914400" rtl="0" eaLnBrk="1" latinLnBrk="0" hangingPunct="1">
+              <a:lnSpc>
+                <a:spcPct val="90000"/>
+              </a:lnSpc>
+              <a:spcBef>
+                <a:spcPts val="500"/>
+              </a:spcBef>
+              <a:buFont typeface="Arial" panose="020B0604020202020204" pitchFamily="34" charset="0"/>
+              <a:buChar char="•"/>
+              <a:defRPr sz="1800" kern="1200">
+                <a:solidFill>
+                  <a:schemeClr val="tx1"/>
+                </a:solidFill>
+                <a:latin typeface="+mn-lt"/>
+                <a:ea typeface="+mn-ea"/>
+                <a:cs typeface="+mn-cs"/>
+              </a:defRPr>
+            </a:lvl6pPr>
+            <a:lvl7pPr marL="2971800" indent="-228600" algn="l" defTabSz="914400" rtl="0" eaLnBrk="1" latinLnBrk="0" hangingPunct="1">
+              <a:lnSpc>
+                <a:spcPct val="90000"/>
+              </a:lnSpc>
+              <a:spcBef>
+                <a:spcPts val="500"/>
+              </a:spcBef>
+              <a:buFont typeface="Arial" panose="020B0604020202020204" pitchFamily="34" charset="0"/>
+              <a:buChar char="•"/>
+              <a:defRPr sz="1800" kern="1200">
+                <a:solidFill>
+                  <a:schemeClr val="tx1"/>
+                </a:solidFill>
+                <a:latin typeface="+mn-lt"/>
+                <a:ea typeface="+mn-ea"/>
+                <a:cs typeface="+mn-cs"/>
+              </a:defRPr>
+            </a:lvl7pPr>
+            <a:lvl8pPr marL="3429000" indent="-228600" algn="l" defTabSz="914400" rtl="0" eaLnBrk="1" latinLnBrk="0" hangingPunct="1">
+              <a:lnSpc>
+                <a:spcPct val="90000"/>
+              </a:lnSpc>
+              <a:spcBef>
+                <a:spcPts val="500"/>
+              </a:spcBef>
+              <a:buFont typeface="Arial" panose="020B0604020202020204" pitchFamily="34" charset="0"/>
+              <a:buChar char="•"/>
+              <a:defRPr sz="1800" kern="1200">
+                <a:solidFill>
+                  <a:schemeClr val="tx1"/>
+                </a:solidFill>
+                <a:latin typeface="+mn-lt"/>
+                <a:ea typeface="+mn-ea"/>
+                <a:cs typeface="+mn-cs"/>
+              </a:defRPr>
+            </a:lvl8pPr>
+            <a:lvl9pPr marL="3886200" indent="-228600" algn="l" defTabSz="914400" rtl="0" eaLnBrk="1" latinLnBrk="0" hangingPunct="1">
+              <a:lnSpc>
+                <a:spcPct val="90000"/>
+              </a:lnSpc>
+              <a:spcBef>
+                <a:spcPts val="500"/>
+              </a:spcBef>
+              <a:buFont typeface="Arial" panose="020B0604020202020204" pitchFamily="34" charset="0"/>
+              <a:buChar char="•"/>
+              <a:defRPr sz="1800" kern="1200">
+                <a:solidFill>
+                  <a:schemeClr val="tx1"/>
+                </a:solidFill>
+                <a:latin typeface="+mn-lt"/>
+                <a:ea typeface="+mn-ea"/>
+                <a:cs typeface="+mn-cs"/>
+              </a:defRPr>
+            </a:lvl9pPr>
+          </a:lstStyle>
+          <a:p>
+            <a:pPr marL="0" indent="0">
+              <a:buNone/>
+            </a:pPr>
+            <a:r>
+              <a:rPr lang="en-CH" sz="2000" dirty="0"/>
+              <a:t>Anzahl und fehlende Werte:</a:t>
+            </a:r>
+          </a:p>
+          <a:p>
+            <a:r>
+              <a:rPr lang="de-CH" sz="2000" dirty="0"/>
+              <a:t>131 Studienteilnehmer</a:t>
+            </a:r>
+          </a:p>
+          <a:p>
+            <a:r>
+              <a:rPr lang="de-CH" sz="2000" dirty="0"/>
+              <a:t>101 haben die Studie beendet</a:t>
+            </a:r>
+          </a:p>
+          <a:p>
+            <a:r>
+              <a:rPr lang="de-CH" sz="2000" dirty="0"/>
+              <a:t>28 fehlende Werte, dazu später mehr</a:t>
+            </a:r>
+            <a:endParaRPr lang="en-CH" sz="2000" dirty="0"/>
           </a:p>
         </p:txBody>
       </p:sp>

--- a/pp.pptx
+++ b/pp.pptx
@@ -4785,7 +4785,7 @@
 <dgm:dataModel xmlns:dgm="http://schemas.openxmlformats.org/drawingml/2006/diagram" xmlns:a="http://schemas.openxmlformats.org/drawingml/2006/main">
   <dgm:ptLst>
     <dgm:pt modelId="{BA46512A-030E-4FF9-B545-93EF04C25F0E}" type="doc">
-      <dgm:prSet loTypeId="urn:microsoft.com/office/officeart/2008/layout/LinedList" loCatId="list" qsTypeId="urn:microsoft.com/office/officeart/2005/8/quickstyle/simple4" qsCatId="simple" csTypeId="urn:microsoft.com/office/officeart/2005/8/colors/accent5_1" csCatId="accent5"/>
+      <dgm:prSet loTypeId="urn:microsoft.com/office/officeart/2008/layout/LinedList" loCatId="list" qsTypeId="urn:microsoft.com/office/officeart/2005/8/quickstyle/simple4" qsCatId="simple" csTypeId="urn:microsoft.com/office/officeart/2005/8/colors/accent5_1" csCatId="accent5" phldr="1"/>
       <dgm:spPr/>
       <dgm:t>
         <a:bodyPr/>
@@ -4914,10 +4914,10 @@
         <a:lstStyle/>
         <a:p>
           <a:r>
-            <a:rPr lang="en-CH"/>
-            <a:t>Diskussion</a:t>
+            <a:rPr lang="en-CH" dirty="0"/>
+            <a:t>Fazit</a:t>
           </a:r>
-          <a:endParaRPr lang="en-US"/>
+          <a:endParaRPr lang="en-US" dirty="0"/>
         </a:p>
       </dgm:t>
     </dgm:pt>
@@ -5651,10 +5651,10 @@
             <a:buNone/>
           </a:pPr>
           <a:r>
-            <a:rPr lang="en-CH" sz="3900" kern="1200"/>
-            <a:t>Diskussion</a:t>
+            <a:rPr lang="en-CH" sz="3900" kern="1200" dirty="0"/>
+            <a:t>Fazit</a:t>
           </a:r>
-          <a:endParaRPr lang="en-US" sz="3900" kern="1200"/>
+          <a:endParaRPr lang="en-US" sz="3900" kern="1200" dirty="0"/>
         </a:p>
       </dsp:txBody>
       <dsp:txXfrm>
@@ -8644,7 +8644,7 @@
           <a:p>
             <a:fld id="{810F5DF7-A7DA-E04D-B081-ECE5B223B74E}" type="datetimeFigureOut">
               <a:rPr lang="en-CH" smtClean="0"/>
-              <a:t>06.05.21</a:t>
+              <a:t>07.05.21</a:t>
             </a:fld>
             <a:endParaRPr lang="en-CH"/>
           </a:p>
@@ -8844,7 +8844,7 @@
           <a:p>
             <a:fld id="{810F5DF7-A7DA-E04D-B081-ECE5B223B74E}" type="datetimeFigureOut">
               <a:rPr lang="en-CH" smtClean="0"/>
-              <a:t>06.05.21</a:t>
+              <a:t>07.05.21</a:t>
             </a:fld>
             <a:endParaRPr lang="en-CH"/>
           </a:p>
@@ -9054,7 +9054,7 @@
           <a:p>
             <a:fld id="{810F5DF7-A7DA-E04D-B081-ECE5B223B74E}" type="datetimeFigureOut">
               <a:rPr lang="en-CH" smtClean="0"/>
-              <a:t>06.05.21</a:t>
+              <a:t>07.05.21</a:t>
             </a:fld>
             <a:endParaRPr lang="en-CH"/>
           </a:p>
@@ -9254,7 +9254,7 @@
           <a:p>
             <a:fld id="{810F5DF7-A7DA-E04D-B081-ECE5B223B74E}" type="datetimeFigureOut">
               <a:rPr lang="en-CH" smtClean="0"/>
-              <a:t>06.05.21</a:t>
+              <a:t>07.05.21</a:t>
             </a:fld>
             <a:endParaRPr lang="en-CH"/>
           </a:p>
@@ -9530,7 +9530,7 @@
           <a:p>
             <a:fld id="{810F5DF7-A7DA-E04D-B081-ECE5B223B74E}" type="datetimeFigureOut">
               <a:rPr lang="en-CH" smtClean="0"/>
-              <a:t>06.05.21</a:t>
+              <a:t>07.05.21</a:t>
             </a:fld>
             <a:endParaRPr lang="en-CH"/>
           </a:p>
@@ -9798,7 +9798,7 @@
           <a:p>
             <a:fld id="{810F5DF7-A7DA-E04D-B081-ECE5B223B74E}" type="datetimeFigureOut">
               <a:rPr lang="en-CH" smtClean="0"/>
-              <a:t>06.05.21</a:t>
+              <a:t>07.05.21</a:t>
             </a:fld>
             <a:endParaRPr lang="en-CH"/>
           </a:p>
@@ -10218,7 +10218,7 @@
           <a:p>
             <a:fld id="{810F5DF7-A7DA-E04D-B081-ECE5B223B74E}" type="datetimeFigureOut">
               <a:rPr lang="en-CH" smtClean="0"/>
-              <a:t>06.05.21</a:t>
+              <a:t>07.05.21</a:t>
             </a:fld>
             <a:endParaRPr lang="en-CH"/>
           </a:p>
@@ -10365,7 +10365,7 @@
           <a:p>
             <a:fld id="{810F5DF7-A7DA-E04D-B081-ECE5B223B74E}" type="datetimeFigureOut">
               <a:rPr lang="en-CH" smtClean="0"/>
-              <a:t>06.05.21</a:t>
+              <a:t>07.05.21</a:t>
             </a:fld>
             <a:endParaRPr lang="en-CH"/>
           </a:p>
@@ -10478,7 +10478,7 @@
           <a:p>
             <a:fld id="{810F5DF7-A7DA-E04D-B081-ECE5B223B74E}" type="datetimeFigureOut">
               <a:rPr lang="en-CH" smtClean="0"/>
-              <a:t>06.05.21</a:t>
+              <a:t>07.05.21</a:t>
             </a:fld>
             <a:endParaRPr lang="en-CH"/>
           </a:p>
@@ -10791,7 +10791,7 @@
           <a:p>
             <a:fld id="{810F5DF7-A7DA-E04D-B081-ECE5B223B74E}" type="datetimeFigureOut">
               <a:rPr lang="en-CH" smtClean="0"/>
-              <a:t>06.05.21</a:t>
+              <a:t>07.05.21</a:t>
             </a:fld>
             <a:endParaRPr lang="en-CH"/>
           </a:p>
@@ -11085,7 +11085,7 @@
           <a:p>
             <a:fld id="{810F5DF7-A7DA-E04D-B081-ECE5B223B74E}" type="datetimeFigureOut">
               <a:rPr lang="en-CH" smtClean="0"/>
-              <a:t>06.05.21</a:t>
+              <a:t>07.05.21</a:t>
             </a:fld>
             <a:endParaRPr lang="en-CH"/>
           </a:p>
@@ -11328,7 +11328,7 @@
           <a:p>
             <a:fld id="{810F5DF7-A7DA-E04D-B081-ECE5B223B74E}" type="datetimeFigureOut">
               <a:rPr lang="en-CH" smtClean="0"/>
-              <a:t>06.05.21</a:t>
+              <a:t>07.05.21</a:t>
             </a:fld>
             <a:endParaRPr lang="en-CH"/>
           </a:p>
@@ -13528,7 +13528,7 @@
           <a:p>
             <a:r>
               <a:rPr lang="en-CH" sz="4000" dirty="0"/>
-              <a:t>Studie</a:t>
+              <a:t>Resultate</a:t>
             </a:r>
           </a:p>
         </p:txBody>
@@ -16669,7 +16669,7 @@
             <p:ph idx="1"/>
             <p:extLst>
               <p:ext uri="{D42A27DB-BD31-4B8C-83A1-F6EECF244321}">
-                <p14:modId xmlns:p14="http://schemas.microsoft.com/office/powerpoint/2010/main" val="2181852581"/>
+                <p14:modId xmlns:p14="http://schemas.microsoft.com/office/powerpoint/2010/main" val="4078067992"/>
               </p:ext>
             </p:extLst>
           </p:nvPr>
@@ -21000,7 +21000,7 @@
             <a:pPr lvl="1"/>
             <a:r>
               <a:rPr lang="de-CH" sz="2000" dirty="0"/>
-              <a:t>Männlich Teilnehmer zw. 13 und 15 Jahren</a:t>
+              <a:t>Männliche Teilnehmer zw. 13 und 15 Jahren</a:t>
             </a:r>
             <a:endParaRPr lang="en-CH" sz="2000" dirty="0"/>
           </a:p>

--- a/pp.pptx
+++ b/pp.pptx
@@ -142,7 +142,7 @@
 <file path=ppt/revisionInfo.xml><?xml version="1.0" encoding="utf-8"?>
 <p1510:revInfo xmlns:a="http://schemas.openxmlformats.org/drawingml/2006/main" xmlns:r="http://schemas.openxmlformats.org/officeDocument/2006/relationships" xmlns:p1510="http://schemas.microsoft.com/office/powerpoint/2015/10/main">
   <p1510:revLst>
-    <p1510:client id="{17D325AB-A34F-43B6-8182-8013BFD52645}" v="225" dt="2021-05-06T11:00:20.315"/>
+    <p1510:client id="{17D325AB-A34F-43B6-8182-8013BFD52645}" v="227" dt="2021-05-08T11:33:11.765"/>
   </p1510:revLst>
 </p1510:revInfo>
 </file>
@@ -152,7 +152,7 @@
   <pc:docChgLst>
     <pc:chgData name="pascal bühler" userId="a32c1ca0ce8d2434" providerId="LiveId" clId="{17D325AB-A34F-43B6-8182-8013BFD52645}"/>
     <pc:docChg chg="undo custSel addSld delSld modSld sldOrd modMainMaster">
-      <pc:chgData name="pascal bühler" userId="a32c1ca0ce8d2434" providerId="LiveId" clId="{17D325AB-A34F-43B6-8182-8013BFD52645}" dt="2021-05-06T11:02:29.478" v="3296" actId="1076"/>
+      <pc:chgData name="pascal bühler" userId="a32c1ca0ce8d2434" providerId="LiveId" clId="{17D325AB-A34F-43B6-8182-8013BFD52645}" dt="2021-05-08T11:33:11.764" v="3302" actId="164"/>
       <pc:docMkLst>
         <pc:docMk/>
       </pc:docMkLst>
@@ -683,7 +683,7 @@
         </pc:picChg>
       </pc:sldChg>
       <pc:sldChg chg="addSp delSp modSp mod delDesignElem">
-        <pc:chgData name="pascal bühler" userId="a32c1ca0ce8d2434" providerId="LiveId" clId="{17D325AB-A34F-43B6-8182-8013BFD52645}" dt="2021-05-06T07:40:14.248" v="943" actId="164"/>
+        <pc:chgData name="pascal bühler" userId="a32c1ca0ce8d2434" providerId="LiveId" clId="{17D325AB-A34F-43B6-8182-8013BFD52645}" dt="2021-05-08T11:33:11.764" v="3302" actId="164"/>
         <pc:sldMkLst>
           <pc:docMk/>
           <pc:sldMk cId="3213697572" sldId="258"/>
@@ -784,8 +784,8 @@
             <ac:spMk id="21" creationId="{9E7BDD1E-8D05-4458-AE8E-5E5290D5110B}"/>
           </ac:spMkLst>
         </pc:spChg>
-        <pc:spChg chg="add mod">
-          <ac:chgData name="pascal bühler" userId="a32c1ca0ce8d2434" providerId="LiveId" clId="{17D325AB-A34F-43B6-8182-8013BFD52645}" dt="2021-05-06T07:40:14.248" v="943" actId="164"/>
+        <pc:spChg chg="add mod topLvl">
+          <ac:chgData name="pascal bühler" userId="a32c1ca0ce8d2434" providerId="LiveId" clId="{17D325AB-A34F-43B6-8182-8013BFD52645}" dt="2021-05-08T11:33:11.764" v="3302" actId="164"/>
           <ac:spMkLst>
             <pc:docMk/>
             <pc:sldMk cId="3213697572" sldId="258"/>
@@ -816,24 +816,24 @@
             <ac:spMk id="26" creationId="{F3981611-DE47-4056-891D-ACC6E3B28BA2}"/>
           </ac:spMkLst>
         </pc:spChg>
-        <pc:spChg chg="add mod">
-          <ac:chgData name="pascal bühler" userId="a32c1ca0ce8d2434" providerId="LiveId" clId="{17D325AB-A34F-43B6-8182-8013BFD52645}" dt="2021-05-06T07:40:14.248" v="943" actId="164"/>
+        <pc:spChg chg="add mod topLvl">
+          <ac:chgData name="pascal bühler" userId="a32c1ca0ce8d2434" providerId="LiveId" clId="{17D325AB-A34F-43B6-8182-8013BFD52645}" dt="2021-05-08T11:33:11.764" v="3302" actId="164"/>
           <ac:spMkLst>
             <pc:docMk/>
             <pc:sldMk cId="3213697572" sldId="258"/>
             <ac:spMk id="27" creationId="{79396375-2F13-4A08-AD0B-8BB700D3DD8F}"/>
           </ac:spMkLst>
         </pc:spChg>
-        <pc:spChg chg="add mod">
-          <ac:chgData name="pascal bühler" userId="a32c1ca0ce8d2434" providerId="LiveId" clId="{17D325AB-A34F-43B6-8182-8013BFD52645}" dt="2021-05-06T07:40:14.248" v="943" actId="164"/>
+        <pc:spChg chg="add mod topLvl">
+          <ac:chgData name="pascal bühler" userId="a32c1ca0ce8d2434" providerId="LiveId" clId="{17D325AB-A34F-43B6-8182-8013BFD52645}" dt="2021-05-08T11:33:11.764" v="3302" actId="164"/>
           <ac:spMkLst>
             <pc:docMk/>
             <pc:sldMk cId="3213697572" sldId="258"/>
             <ac:spMk id="28" creationId="{478819A2-BD4F-442D-AA9E-B793C6D4E8F3}"/>
           </ac:spMkLst>
         </pc:spChg>
-        <pc:spChg chg="add mod">
-          <ac:chgData name="pascal bühler" userId="a32c1ca0ce8d2434" providerId="LiveId" clId="{17D325AB-A34F-43B6-8182-8013BFD52645}" dt="2021-05-06T07:40:14.248" v="943" actId="164"/>
+        <pc:spChg chg="add mod topLvl">
+          <ac:chgData name="pascal bühler" userId="a32c1ca0ce8d2434" providerId="LiveId" clId="{17D325AB-A34F-43B6-8182-8013BFD52645}" dt="2021-05-08T11:33:11.764" v="3302" actId="164"/>
           <ac:spMkLst>
             <pc:docMk/>
             <pc:sldMk cId="3213697572" sldId="258"/>
@@ -856,12 +856,20 @@
             <ac:spMk id="31" creationId="{5FB1F157-CC41-453E-A3B9-853014BECDC8}"/>
           </ac:spMkLst>
         </pc:spChg>
-        <pc:grpChg chg="add mod">
-          <ac:chgData name="pascal bühler" userId="a32c1ca0ce8d2434" providerId="LiveId" clId="{17D325AB-A34F-43B6-8182-8013BFD52645}" dt="2021-05-06T07:40:14.248" v="943" actId="164"/>
+        <pc:grpChg chg="add del mod">
+          <ac:chgData name="pascal bühler" userId="a32c1ca0ce8d2434" providerId="LiveId" clId="{17D325AB-A34F-43B6-8182-8013BFD52645}" dt="2021-05-08T11:32:50.783" v="3298" actId="165"/>
           <ac:grpSpMkLst>
             <pc:docMk/>
             <pc:sldMk cId="3213697572" sldId="258"/>
             <ac:grpSpMk id="5" creationId="{56E26430-E83F-444F-AEA5-E4D91B851F44}"/>
+          </ac:grpSpMkLst>
+        </pc:grpChg>
+        <pc:grpChg chg="add mod">
+          <ac:chgData name="pascal bühler" userId="a32c1ca0ce8d2434" providerId="LiveId" clId="{17D325AB-A34F-43B6-8182-8013BFD52645}" dt="2021-05-08T11:33:11.764" v="3302" actId="164"/>
+          <ac:grpSpMkLst>
+            <pc:docMk/>
+            <pc:sldMk cId="3213697572" sldId="258"/>
+            <ac:grpSpMk id="6" creationId="{8CAB998D-2919-472F-AC45-077DC6514C70}"/>
           </ac:grpSpMkLst>
         </pc:grpChg>
         <pc:graphicFrameChg chg="add del mod modGraphic">
@@ -912,32 +920,32 @@
             <ac:picMk id="8" creationId="{F2CF46A1-D2EE-48ED-9BB3-0ADB0C9FC1DB}"/>
           </ac:picMkLst>
         </pc:picChg>
-        <pc:picChg chg="add mod ord">
-          <ac:chgData name="pascal bühler" userId="a32c1ca0ce8d2434" providerId="LiveId" clId="{17D325AB-A34F-43B6-8182-8013BFD52645}" dt="2021-05-06T07:40:14.248" v="943" actId="164"/>
+        <pc:picChg chg="add mod ord topLvl">
+          <ac:chgData name="pascal bühler" userId="a32c1ca0ce8d2434" providerId="LiveId" clId="{17D325AB-A34F-43B6-8182-8013BFD52645}" dt="2021-05-08T11:33:11.764" v="3302" actId="164"/>
           <ac:picMkLst>
             <pc:docMk/>
             <pc:sldMk cId="3213697572" sldId="258"/>
             <ac:picMk id="9" creationId="{25E465EA-A333-47CC-86F7-71CF772BB26B}"/>
           </ac:picMkLst>
         </pc:picChg>
-        <pc:picChg chg="add mod ord">
-          <ac:chgData name="pascal bühler" userId="a32c1ca0ce8d2434" providerId="LiveId" clId="{17D325AB-A34F-43B6-8182-8013BFD52645}" dt="2021-05-06T07:40:14.248" v="943" actId="164"/>
+        <pc:picChg chg="add mod ord topLvl">
+          <ac:chgData name="pascal bühler" userId="a32c1ca0ce8d2434" providerId="LiveId" clId="{17D325AB-A34F-43B6-8182-8013BFD52645}" dt="2021-05-08T11:33:11.764" v="3302" actId="164"/>
           <ac:picMkLst>
             <pc:docMk/>
             <pc:sldMk cId="3213697572" sldId="258"/>
             <ac:picMk id="10" creationId="{AB89C8D7-DDB5-4F6A-BEB5-80F673FFFE6D}"/>
           </ac:picMkLst>
         </pc:picChg>
-        <pc:picChg chg="add mod ord modCrop">
-          <ac:chgData name="pascal bühler" userId="a32c1ca0ce8d2434" providerId="LiveId" clId="{17D325AB-A34F-43B6-8182-8013BFD52645}" dt="2021-05-06T07:40:14.248" v="943" actId="164"/>
+        <pc:picChg chg="add mod ord topLvl modCrop">
+          <ac:chgData name="pascal bühler" userId="a32c1ca0ce8d2434" providerId="LiveId" clId="{17D325AB-A34F-43B6-8182-8013BFD52645}" dt="2021-05-08T11:33:11.764" v="3302" actId="164"/>
           <ac:picMkLst>
             <pc:docMk/>
             <pc:sldMk cId="3213697572" sldId="258"/>
             <ac:picMk id="14" creationId="{E5DD6E65-BD26-4A67-B18B-89DA2BB24D9E}"/>
           </ac:picMkLst>
         </pc:picChg>
-        <pc:picChg chg="add mod ord modCrop">
-          <ac:chgData name="pascal bühler" userId="a32c1ca0ce8d2434" providerId="LiveId" clId="{17D325AB-A34F-43B6-8182-8013BFD52645}" dt="2021-05-06T07:40:14.248" v="943" actId="164"/>
+        <pc:picChg chg="add mod ord topLvl modCrop">
+          <ac:chgData name="pascal bühler" userId="a32c1ca0ce8d2434" providerId="LiveId" clId="{17D325AB-A34F-43B6-8182-8013BFD52645}" dt="2021-05-08T11:33:11.764" v="3302" actId="164"/>
           <ac:picMkLst>
             <pc:docMk/>
             <pc:sldMk cId="3213697572" sldId="258"/>
@@ -5021,8 +5029,8 @@
   <dgm:cxnLst>
     <dgm:cxn modelId="{0F09E908-96AB-45C6-BEE6-757FED36B911}" type="presOf" srcId="{38A34452-8F56-4551-8861-F5E4331543E2}" destId="{BBD6C415-325F-49D9-9E45-807A238F7813}" srcOrd="0" destOrd="0" presId="urn:microsoft.com/office/officeart/2008/layout/LinedList"/>
     <dgm:cxn modelId="{75268D1C-4E4F-4C77-9BE1-03C692DE244F}" srcId="{BA46512A-030E-4FF9-B545-93EF04C25F0E}" destId="{E1B71063-2FCA-4C85-8A51-C26698C698DF}" srcOrd="0" destOrd="0" parTransId="{84AC47DC-8F96-40B8-A605-C2A1E7022D5A}" sibTransId="{D1FB2CA6-6AEA-475F-95CC-2804D527305E}"/>
+    <dgm:cxn modelId="{4B301B5E-3B21-4301-9AFB-609847482221}" srcId="{BA46512A-030E-4FF9-B545-93EF04C25F0E}" destId="{EB1419BC-DF42-4F85-ABBC-7666A61E12D0}" srcOrd="2" destOrd="0" parTransId="{66A6DBC6-3037-4B43-BFD7-F6F59A3EC07B}" sibTransId="{FBF20A7F-F61E-40D8-AD87-A862B7BE6289}"/>
     <dgm:cxn modelId="{ADEFF946-4165-4019-8ABF-24DEAD5B7DE4}" type="presOf" srcId="{EB1419BC-DF42-4F85-ABBC-7666A61E12D0}" destId="{DD7C867B-B70D-436A-8DFA-E61FE9A91906}" srcOrd="0" destOrd="0" presId="urn:microsoft.com/office/officeart/2008/layout/LinedList"/>
-    <dgm:cxn modelId="{4B301B5E-3B21-4301-9AFB-609847482221}" srcId="{BA46512A-030E-4FF9-B545-93EF04C25F0E}" destId="{EB1419BC-DF42-4F85-ABBC-7666A61E12D0}" srcOrd="2" destOrd="0" parTransId="{66A6DBC6-3037-4B43-BFD7-F6F59A3EC07B}" sibTransId="{FBF20A7F-F61E-40D8-AD87-A862B7BE6289}"/>
     <dgm:cxn modelId="{E1295F7E-5523-4BD7-BB05-E8A7103B0A2B}" type="presOf" srcId="{E1B71063-2FCA-4C85-8A51-C26698C698DF}" destId="{338F4D6A-AF28-4B0D-AC0B-02F3D8AC2D3B}" srcOrd="0" destOrd="0" presId="urn:microsoft.com/office/officeart/2008/layout/LinedList"/>
     <dgm:cxn modelId="{66C481BE-BEA7-4C40-A54C-189101587098}" srcId="{BA46512A-030E-4FF9-B545-93EF04C25F0E}" destId="{38A34452-8F56-4551-8861-F5E4331543E2}" srcOrd="1" destOrd="0" parTransId="{A32EB33E-783A-41D1-9525-C3E2A6FDCD40}" sibTransId="{9716FDCD-D403-414D-BADA-8122B042D159}"/>
     <dgm:cxn modelId="{D5E18CCC-71E2-401E-8C4F-A60E17266AA3}" type="presOf" srcId="{62D8F297-51EC-4881-B92B-0AC5B9C65A9F}" destId="{C3BF83F3-709A-4CA9-A130-D3C3FAA81680}" srcOrd="0" destOrd="0" presId="urn:microsoft.com/office/officeart/2008/layout/LinedList"/>
@@ -8644,7 +8652,7 @@
           <a:p>
             <a:fld id="{810F5DF7-A7DA-E04D-B081-ECE5B223B74E}" type="datetimeFigureOut">
               <a:rPr lang="en-CH" smtClean="0"/>
-              <a:t>06.05.21</a:t>
+              <a:t>05/08/2021</a:t>
             </a:fld>
             <a:endParaRPr lang="en-CH"/>
           </a:p>
@@ -8698,7 +8706,7 @@
           <a:p>
             <a:fld id="{92AE3C53-F853-9A4C-8358-29E38C1E85FB}" type="slidenum">
               <a:rPr lang="en-CH" smtClean="0"/>
-              <a:t>‹#›</a:t>
+              <a:t>‹Nr.›</a:t>
             </a:fld>
             <a:endParaRPr lang="en-CH"/>
           </a:p>
@@ -8844,7 +8852,7 @@
           <a:p>
             <a:fld id="{810F5DF7-A7DA-E04D-B081-ECE5B223B74E}" type="datetimeFigureOut">
               <a:rPr lang="en-CH" smtClean="0"/>
-              <a:t>06.05.21</a:t>
+              <a:t>05/08/2021</a:t>
             </a:fld>
             <a:endParaRPr lang="en-CH"/>
           </a:p>
@@ -8898,7 +8906,7 @@
           <a:p>
             <a:fld id="{92AE3C53-F853-9A4C-8358-29E38C1E85FB}" type="slidenum">
               <a:rPr lang="en-CH" smtClean="0"/>
-              <a:t>‹#›</a:t>
+              <a:t>‹Nr.›</a:t>
             </a:fld>
             <a:endParaRPr lang="en-CH"/>
           </a:p>
@@ -9054,7 +9062,7 @@
           <a:p>
             <a:fld id="{810F5DF7-A7DA-E04D-B081-ECE5B223B74E}" type="datetimeFigureOut">
               <a:rPr lang="en-CH" smtClean="0"/>
-              <a:t>06.05.21</a:t>
+              <a:t>05/08/2021</a:t>
             </a:fld>
             <a:endParaRPr lang="en-CH"/>
           </a:p>
@@ -9108,7 +9116,7 @@
           <a:p>
             <a:fld id="{92AE3C53-F853-9A4C-8358-29E38C1E85FB}" type="slidenum">
               <a:rPr lang="en-CH" smtClean="0"/>
-              <a:t>‹#›</a:t>
+              <a:t>‹Nr.›</a:t>
             </a:fld>
             <a:endParaRPr lang="en-CH"/>
           </a:p>
@@ -9254,7 +9262,7 @@
           <a:p>
             <a:fld id="{810F5DF7-A7DA-E04D-B081-ECE5B223B74E}" type="datetimeFigureOut">
               <a:rPr lang="en-CH" smtClean="0"/>
-              <a:t>06.05.21</a:t>
+              <a:t>05/08/2021</a:t>
             </a:fld>
             <a:endParaRPr lang="en-CH"/>
           </a:p>
@@ -9308,7 +9316,7 @@
           <a:p>
             <a:fld id="{92AE3C53-F853-9A4C-8358-29E38C1E85FB}" type="slidenum">
               <a:rPr lang="en-CH" smtClean="0"/>
-              <a:t>‹#›</a:t>
+              <a:t>‹Nr.›</a:t>
             </a:fld>
             <a:endParaRPr lang="en-CH"/>
           </a:p>
@@ -9530,7 +9538,7 @@
           <a:p>
             <a:fld id="{810F5DF7-A7DA-E04D-B081-ECE5B223B74E}" type="datetimeFigureOut">
               <a:rPr lang="en-CH" smtClean="0"/>
-              <a:t>06.05.21</a:t>
+              <a:t>05/08/2021</a:t>
             </a:fld>
             <a:endParaRPr lang="en-CH"/>
           </a:p>
@@ -9584,7 +9592,7 @@
           <a:p>
             <a:fld id="{92AE3C53-F853-9A4C-8358-29E38C1E85FB}" type="slidenum">
               <a:rPr lang="en-CH" smtClean="0"/>
-              <a:t>‹#›</a:t>
+              <a:t>‹Nr.›</a:t>
             </a:fld>
             <a:endParaRPr lang="en-CH"/>
           </a:p>
@@ -9798,7 +9806,7 @@
           <a:p>
             <a:fld id="{810F5DF7-A7DA-E04D-B081-ECE5B223B74E}" type="datetimeFigureOut">
               <a:rPr lang="en-CH" smtClean="0"/>
-              <a:t>06.05.21</a:t>
+              <a:t>05/08/2021</a:t>
             </a:fld>
             <a:endParaRPr lang="en-CH"/>
           </a:p>
@@ -9852,7 +9860,7 @@
           <a:p>
             <a:fld id="{92AE3C53-F853-9A4C-8358-29E38C1E85FB}" type="slidenum">
               <a:rPr lang="en-CH" smtClean="0"/>
-              <a:t>‹#›</a:t>
+              <a:t>‹Nr.›</a:t>
             </a:fld>
             <a:endParaRPr lang="en-CH"/>
           </a:p>
@@ -10218,7 +10226,7 @@
           <a:p>
             <a:fld id="{810F5DF7-A7DA-E04D-B081-ECE5B223B74E}" type="datetimeFigureOut">
               <a:rPr lang="en-CH" smtClean="0"/>
-              <a:t>06.05.21</a:t>
+              <a:t>05/08/2021</a:t>
             </a:fld>
             <a:endParaRPr lang="en-CH"/>
           </a:p>
@@ -10272,7 +10280,7 @@
           <a:p>
             <a:fld id="{92AE3C53-F853-9A4C-8358-29E38C1E85FB}" type="slidenum">
               <a:rPr lang="en-CH" smtClean="0"/>
-              <a:t>‹#›</a:t>
+              <a:t>‹Nr.›</a:t>
             </a:fld>
             <a:endParaRPr lang="en-CH"/>
           </a:p>
@@ -10365,7 +10373,7 @@
           <a:p>
             <a:fld id="{810F5DF7-A7DA-E04D-B081-ECE5B223B74E}" type="datetimeFigureOut">
               <a:rPr lang="en-CH" smtClean="0"/>
-              <a:t>06.05.21</a:t>
+              <a:t>05/08/2021</a:t>
             </a:fld>
             <a:endParaRPr lang="en-CH"/>
           </a:p>
@@ -10419,7 +10427,7 @@
           <a:p>
             <a:fld id="{92AE3C53-F853-9A4C-8358-29E38C1E85FB}" type="slidenum">
               <a:rPr lang="en-CH" smtClean="0"/>
-              <a:t>‹#›</a:t>
+              <a:t>‹Nr.›</a:t>
             </a:fld>
             <a:endParaRPr lang="en-CH"/>
           </a:p>
@@ -10478,7 +10486,7 @@
           <a:p>
             <a:fld id="{810F5DF7-A7DA-E04D-B081-ECE5B223B74E}" type="datetimeFigureOut">
               <a:rPr lang="en-CH" smtClean="0"/>
-              <a:t>06.05.21</a:t>
+              <a:t>05/08/2021</a:t>
             </a:fld>
             <a:endParaRPr lang="en-CH"/>
           </a:p>
@@ -10532,7 +10540,7 @@
           <a:p>
             <a:fld id="{92AE3C53-F853-9A4C-8358-29E38C1E85FB}" type="slidenum">
               <a:rPr lang="en-CH" smtClean="0"/>
-              <a:t>‹#›</a:t>
+              <a:t>‹Nr.›</a:t>
             </a:fld>
             <a:endParaRPr lang="en-CH"/>
           </a:p>
@@ -10791,7 +10799,7 @@
           <a:p>
             <a:fld id="{810F5DF7-A7DA-E04D-B081-ECE5B223B74E}" type="datetimeFigureOut">
               <a:rPr lang="en-CH" smtClean="0"/>
-              <a:t>06.05.21</a:t>
+              <a:t>05/08/2021</a:t>
             </a:fld>
             <a:endParaRPr lang="en-CH"/>
           </a:p>
@@ -10845,7 +10853,7 @@
           <a:p>
             <a:fld id="{92AE3C53-F853-9A4C-8358-29E38C1E85FB}" type="slidenum">
               <a:rPr lang="en-CH" smtClean="0"/>
-              <a:t>‹#›</a:t>
+              <a:t>‹Nr.›</a:t>
             </a:fld>
             <a:endParaRPr lang="en-CH"/>
           </a:p>
@@ -11085,7 +11093,7 @@
           <a:p>
             <a:fld id="{810F5DF7-A7DA-E04D-B081-ECE5B223B74E}" type="datetimeFigureOut">
               <a:rPr lang="en-CH" smtClean="0"/>
-              <a:t>06.05.21</a:t>
+              <a:t>05/08/2021</a:t>
             </a:fld>
             <a:endParaRPr lang="en-CH"/>
           </a:p>
@@ -11139,7 +11147,7 @@
           <a:p>
             <a:fld id="{92AE3C53-F853-9A4C-8358-29E38C1E85FB}" type="slidenum">
               <a:rPr lang="en-CH" smtClean="0"/>
-              <a:t>‹#›</a:t>
+              <a:t>‹Nr.›</a:t>
             </a:fld>
             <a:endParaRPr lang="en-CH"/>
           </a:p>
@@ -11328,7 +11336,7 @@
           <a:p>
             <a:fld id="{810F5DF7-A7DA-E04D-B081-ECE5B223B74E}" type="datetimeFigureOut">
               <a:rPr lang="en-CH" smtClean="0"/>
-              <a:t>06.05.21</a:t>
+              <a:t>05/08/2021</a:t>
             </a:fld>
             <a:endParaRPr lang="en-CH"/>
           </a:p>
@@ -11418,7 +11426,7 @@
           <a:p>
             <a:fld id="{92AE3C53-F853-9A4C-8358-29E38C1E85FB}" type="slidenum">
               <a:rPr lang="en-CH" smtClean="0"/>
-              <a:t>‹#›</a:t>
+              <a:t>‹Nr.›</a:t>
             </a:fld>
             <a:endParaRPr lang="en-CH"/>
           </a:p>
@@ -18254,10 +18262,10 @@
       </p:graphicFrame>
       <p:grpSp>
         <p:nvGrpSpPr>
-          <p:cNvPr id="5" name="Gruppieren 4">
+          <p:cNvPr id="6" name="Gruppieren 5">
             <a:extLst>
               <a:ext uri="{FF2B5EF4-FFF2-40B4-BE49-F238E27FC236}">
-                <a16:creationId xmlns:a16="http://schemas.microsoft.com/office/drawing/2014/main" id="{56E26430-E83F-444F-AEA5-E4D91B851F44}"/>
+                <a16:creationId xmlns:a16="http://schemas.microsoft.com/office/drawing/2014/main" id="{8CAB998D-2919-472F-AC45-077DC6514C70}"/>
               </a:ext>
             </a:extLst>
           </p:cNvPr>
@@ -18266,10 +18274,10 @@
         </p:nvGrpSpPr>
         <p:grpSpPr>
           <a:xfrm>
-            <a:off x="1938553" y="1475146"/>
-            <a:ext cx="5660758" cy="3973132"/>
-            <a:chOff x="1938553" y="1475146"/>
-            <a:chExt cx="5660758" cy="3973132"/>
+            <a:off x="1581170" y="1491267"/>
+            <a:ext cx="5991538" cy="3963344"/>
+            <a:chOff x="1581170" y="1491267"/>
+            <a:chExt cx="5991538" cy="3963344"/>
           </a:xfrm>
         </p:grpSpPr>
         <p:pic>
@@ -18294,7 +18302,7 @@
           </p:blipFill>
           <p:spPr>
             <a:xfrm>
-              <a:off x="4261320" y="1694223"/>
+              <a:off x="4234717" y="1710344"/>
               <a:ext cx="787585" cy="1210228"/>
             </a:xfrm>
             <a:prstGeom prst="rect">
@@ -18324,7 +18332,7 @@
           </p:blipFill>
           <p:spPr>
             <a:xfrm>
-              <a:off x="6468977" y="1475146"/>
+              <a:off x="6442374" y="1491267"/>
               <a:ext cx="626630" cy="1352439"/>
             </a:xfrm>
             <a:prstGeom prst="rect">
@@ -18353,7 +18361,7 @@
           </p:blipFill>
           <p:spPr>
             <a:xfrm>
-              <a:off x="2056266" y="3131390"/>
+              <a:off x="1753691" y="4399261"/>
               <a:ext cx="1188949" cy="1055350"/>
             </a:xfrm>
             <a:prstGeom prst="rect">
@@ -18382,7 +18390,7 @@
           </p:blipFill>
           <p:spPr>
             <a:xfrm>
-              <a:off x="1938553" y="4357962"/>
+              <a:off x="1581170" y="3098464"/>
               <a:ext cx="1052422" cy="1090316"/>
             </a:xfrm>
             <a:prstGeom prst="rect">
@@ -18404,7 +18412,7 @@
           </p:nvSpPr>
           <p:spPr>
             <a:xfrm>
-              <a:off x="3987020" y="4672287"/>
+              <a:off x="3960417" y="4688408"/>
               <a:ext cx="1239807" cy="461665"/>
             </a:xfrm>
             <a:prstGeom prst="rect">
@@ -18439,7 +18447,7 @@
           </p:nvSpPr>
           <p:spPr>
             <a:xfrm>
-              <a:off x="6332901" y="3464098"/>
+              <a:off x="6306298" y="3480219"/>
               <a:ext cx="1239807" cy="461665"/>
             </a:xfrm>
             <a:prstGeom prst="rect">
@@ -18474,7 +18482,7 @@
           </p:nvSpPr>
           <p:spPr>
             <a:xfrm>
-              <a:off x="4062769" y="3464098"/>
+              <a:off x="4036166" y="3480219"/>
               <a:ext cx="1239807" cy="461665"/>
             </a:xfrm>
             <a:prstGeom prst="rect">
@@ -18509,7 +18517,7 @@
           </p:nvSpPr>
           <p:spPr>
             <a:xfrm>
-              <a:off x="6359504" y="4682400"/>
+              <a:off x="6332901" y="4698521"/>
               <a:ext cx="1239807" cy="461665"/>
             </a:xfrm>
             <a:prstGeom prst="rect">
